--- a/silde/slide.pptx
+++ b/silde/slide.pptx
@@ -6,12 +6,14 @@
   </p:sldMasterIdLst>
   <p:sldIdLst>
     <p:sldId id="256" r:id="rId2"/>
-    <p:sldId id="261" r:id="rId3"/>
-    <p:sldId id="262" r:id="rId4"/>
-    <p:sldId id="258" r:id="rId5"/>
-    <p:sldId id="259" r:id="rId6"/>
-    <p:sldId id="260" r:id="rId7"/>
-    <p:sldId id="257" r:id="rId8"/>
+    <p:sldId id="264" r:id="rId3"/>
+    <p:sldId id="263" r:id="rId4"/>
+    <p:sldId id="261" r:id="rId5"/>
+    <p:sldId id="262" r:id="rId6"/>
+    <p:sldId id="258" r:id="rId7"/>
+    <p:sldId id="259" r:id="rId8"/>
+    <p:sldId id="260" r:id="rId9"/>
+    <p:sldId id="257" r:id="rId10"/>
   </p:sldIdLst>
   <p:sldSz cx="12192000" cy="6858000"/>
   <p:notesSz cx="6858000" cy="9144000"/>
@@ -265,7 +267,7 @@
           <a:p>
             <a:fld id="{211D1462-28C9-4764-9053-5C91D00826B2}" type="datetimeFigureOut">
               <a:rPr lang="it-IT" smtClean="0"/>
-              <a:t>17/04/2020</a:t>
+              <a:t>14/05/2020</a:t>
             </a:fld>
             <a:endParaRPr lang="it-IT"/>
           </a:p>
@@ -463,7 +465,7 @@
           <a:p>
             <a:fld id="{211D1462-28C9-4764-9053-5C91D00826B2}" type="datetimeFigureOut">
               <a:rPr lang="it-IT" smtClean="0"/>
-              <a:t>17/04/2020</a:t>
+              <a:t>14/05/2020</a:t>
             </a:fld>
             <a:endParaRPr lang="it-IT"/>
           </a:p>
@@ -671,7 +673,7 @@
           <a:p>
             <a:fld id="{211D1462-28C9-4764-9053-5C91D00826B2}" type="datetimeFigureOut">
               <a:rPr lang="it-IT" smtClean="0"/>
-              <a:t>17/04/2020</a:t>
+              <a:t>14/05/2020</a:t>
             </a:fld>
             <a:endParaRPr lang="it-IT"/>
           </a:p>
@@ -869,7 +871,7 @@
           <a:p>
             <a:fld id="{211D1462-28C9-4764-9053-5C91D00826B2}" type="datetimeFigureOut">
               <a:rPr lang="it-IT" smtClean="0"/>
-              <a:t>17/04/2020</a:t>
+              <a:t>14/05/2020</a:t>
             </a:fld>
             <a:endParaRPr lang="it-IT"/>
           </a:p>
@@ -1144,7 +1146,7 @@
           <a:p>
             <a:fld id="{211D1462-28C9-4764-9053-5C91D00826B2}" type="datetimeFigureOut">
               <a:rPr lang="it-IT" smtClean="0"/>
-              <a:t>17/04/2020</a:t>
+              <a:t>14/05/2020</a:t>
             </a:fld>
             <a:endParaRPr lang="it-IT"/>
           </a:p>
@@ -1409,7 +1411,7 @@
           <a:p>
             <a:fld id="{211D1462-28C9-4764-9053-5C91D00826B2}" type="datetimeFigureOut">
               <a:rPr lang="it-IT" smtClean="0"/>
-              <a:t>17/04/2020</a:t>
+              <a:t>14/05/2020</a:t>
             </a:fld>
             <a:endParaRPr lang="it-IT"/>
           </a:p>
@@ -1821,7 +1823,7 @@
           <a:p>
             <a:fld id="{211D1462-28C9-4764-9053-5C91D00826B2}" type="datetimeFigureOut">
               <a:rPr lang="it-IT" smtClean="0"/>
-              <a:t>17/04/2020</a:t>
+              <a:t>14/05/2020</a:t>
             </a:fld>
             <a:endParaRPr lang="it-IT"/>
           </a:p>
@@ -1962,7 +1964,7 @@
           <a:p>
             <a:fld id="{211D1462-28C9-4764-9053-5C91D00826B2}" type="datetimeFigureOut">
               <a:rPr lang="it-IT" smtClean="0"/>
-              <a:t>17/04/2020</a:t>
+              <a:t>14/05/2020</a:t>
             </a:fld>
             <a:endParaRPr lang="it-IT"/>
           </a:p>
@@ -2075,7 +2077,7 @@
           <a:p>
             <a:fld id="{211D1462-28C9-4764-9053-5C91D00826B2}" type="datetimeFigureOut">
               <a:rPr lang="it-IT" smtClean="0"/>
-              <a:t>17/04/2020</a:t>
+              <a:t>14/05/2020</a:t>
             </a:fld>
             <a:endParaRPr lang="it-IT"/>
           </a:p>
@@ -2386,7 +2388,7 @@
           <a:p>
             <a:fld id="{211D1462-28C9-4764-9053-5C91D00826B2}" type="datetimeFigureOut">
               <a:rPr lang="it-IT" smtClean="0"/>
-              <a:t>17/04/2020</a:t>
+              <a:t>14/05/2020</a:t>
             </a:fld>
             <a:endParaRPr lang="it-IT"/>
           </a:p>
@@ -2674,7 +2676,7 @@
           <a:p>
             <a:fld id="{211D1462-28C9-4764-9053-5C91D00826B2}" type="datetimeFigureOut">
               <a:rPr lang="it-IT" smtClean="0"/>
-              <a:t>17/04/2020</a:t>
+              <a:t>14/05/2020</a:t>
             </a:fld>
             <a:endParaRPr lang="it-IT"/>
           </a:p>
@@ -2915,7 +2917,7 @@
           <a:p>
             <a:fld id="{211D1462-28C9-4764-9053-5C91D00826B2}" type="datetimeFigureOut">
               <a:rPr lang="it-IT" smtClean="0"/>
-              <a:t>17/04/2020</a:t>
+              <a:t>14/05/2020</a:t>
             </a:fld>
             <a:endParaRPr lang="it-IT"/>
           </a:p>
@@ -3401,7 +3403,7 @@
           <a:p>
             <a:r>
               <a:rPr lang="it-IT" dirty="0"/>
-              <a:t>Progetto per il corso di Modelli e Architetture Avanzate di </a:t>
+              <a:t>Progetto di Modelli e Architetture Avanzate di </a:t>
             </a:r>
             <a:r>
               <a:rPr lang="it-IT" dirty="0" err="1"/>
@@ -3447,238 +3449,46 @@
           <a:chExt cx="0" cy="0"/>
         </a:xfrm>
       </p:grpSpPr>
-      <p:sp>
-        <p:nvSpPr>
-          <p:cNvPr id="2" name="Titolo 1">
-            <a:extLst>
-              <a:ext uri="{FF2B5EF4-FFF2-40B4-BE49-F238E27FC236}">
-                <a16:creationId xmlns:a16="http://schemas.microsoft.com/office/drawing/2014/main" id="{38D162C3-9836-4987-B2E1-CBF71FD3A0E3}"/>
-              </a:ext>
-            </a:extLst>
-          </p:cNvPr>
-          <p:cNvSpPr>
-            <a:spLocks noGrp="1"/>
-          </p:cNvSpPr>
-          <p:nvPr>
-            <p:ph type="title"/>
-          </p:nvPr>
-        </p:nvSpPr>
-        <p:spPr/>
-        <p:txBody>
-          <a:bodyPr/>
-          <a:lstStyle/>
-          <a:p>
-            <a:r>
-              <a:rPr lang="it-IT" dirty="0"/>
-              <a:t>File system - folder</a:t>
-            </a:r>
-          </a:p>
-        </p:txBody>
-      </p:sp>
-      <p:sp>
-        <p:nvSpPr>
-          <p:cNvPr id="3" name="Segnaposto contenuto 2">
-            <a:extLst>
-              <a:ext uri="{FF2B5EF4-FFF2-40B4-BE49-F238E27FC236}">
-                <a16:creationId xmlns:a16="http://schemas.microsoft.com/office/drawing/2014/main" id="{8EA29FF2-DD79-4F34-9B4D-E9A7DC71EBBD}"/>
-              </a:ext>
-            </a:extLst>
-          </p:cNvPr>
-          <p:cNvSpPr>
-            <a:spLocks noGrp="1"/>
-          </p:cNvSpPr>
-          <p:nvPr>
-            <p:ph idx="1"/>
-          </p:nvPr>
-        </p:nvSpPr>
-        <p:spPr/>
-        <p:txBody>
-          <a:bodyPr>
-            <a:normAutofit fontScale="85000" lnSpcReduction="10000"/>
-          </a:bodyPr>
-          <a:lstStyle/>
-          <a:p>
-            <a:r>
-              <a:rPr lang="it-IT" dirty="0" err="1"/>
-              <a:t>Archivi_risorse_lessicali</a:t>
-            </a:r>
-            <a:r>
-              <a:rPr lang="it-IT" dirty="0"/>
-              <a:t> </a:t>
-            </a:r>
-            <a:r>
-              <a:rPr lang="it-IT" dirty="0">
-                <a:sym typeface="Wingdings" panose="05000000000000000000" pitchFamily="2" charset="2"/>
-              </a:rPr>
-              <a:t> contiene le risorse lessicali (studi. Es. Anger, </a:t>
-            </a:r>
-            <a:r>
-              <a:rPr lang="it-IT" dirty="0" err="1">
-                <a:sym typeface="Wingdings" panose="05000000000000000000" pitchFamily="2" charset="2"/>
-              </a:rPr>
-              <a:t>Anticipation</a:t>
-            </a:r>
-            <a:r>
-              <a:rPr lang="it-IT" dirty="0">
-                <a:sym typeface="Wingdings" panose="05000000000000000000" pitchFamily="2" charset="2"/>
-              </a:rPr>
-              <a:t>, ecc.)</a:t>
-            </a:r>
-          </a:p>
-          <a:p>
-            <a:r>
-              <a:rPr lang="it-IT" dirty="0">
-                <a:sym typeface="Wingdings" panose="05000000000000000000" pitchFamily="2" charset="2"/>
-              </a:rPr>
-              <a:t>Img  contiene le </a:t>
-            </a:r>
-            <a:r>
-              <a:rPr lang="it-IT" dirty="0" err="1">
-                <a:sym typeface="Wingdings" panose="05000000000000000000" pitchFamily="2" charset="2"/>
-              </a:rPr>
-              <a:t>img</a:t>
-            </a:r>
-            <a:r>
-              <a:rPr lang="it-IT" dirty="0">
-                <a:sym typeface="Wingdings" panose="05000000000000000000" pitchFamily="2" charset="2"/>
-              </a:rPr>
-              <a:t> </a:t>
-            </a:r>
-            <a:r>
-              <a:rPr lang="it-IT" dirty="0" err="1">
-                <a:sym typeface="Wingdings" panose="05000000000000000000" pitchFamily="2" charset="2"/>
-              </a:rPr>
-              <a:t>wordcloud</a:t>
-            </a:r>
-            <a:r>
-              <a:rPr lang="it-IT" dirty="0">
-                <a:sym typeface="Wingdings" panose="05000000000000000000" pitchFamily="2" charset="2"/>
-              </a:rPr>
-              <a:t> prodotte (per ogni emozione 2 </a:t>
-            </a:r>
-            <a:r>
-              <a:rPr lang="it-IT" dirty="0" err="1">
-                <a:sym typeface="Wingdings" panose="05000000000000000000" pitchFamily="2" charset="2"/>
-              </a:rPr>
-              <a:t>wordcloud</a:t>
-            </a:r>
-            <a:r>
-              <a:rPr lang="it-IT" dirty="0">
-                <a:sym typeface="Wingdings" panose="05000000000000000000" pitchFamily="2" charset="2"/>
-              </a:rPr>
-              <a:t>: parole + hashtag)</a:t>
-            </a:r>
-          </a:p>
-          <a:p>
-            <a:r>
-              <a:rPr lang="it-IT" dirty="0" err="1">
-                <a:sym typeface="Wingdings" panose="05000000000000000000" pitchFamily="2" charset="2"/>
-              </a:rPr>
-              <a:t>result_count</a:t>
-            </a:r>
-            <a:r>
-              <a:rPr lang="it-IT" dirty="0">
-                <a:sym typeface="Wingdings" panose="05000000000000000000" pitchFamily="2" charset="2"/>
-              </a:rPr>
-              <a:t>  contiene le stampe dei dizionari con le frequenze (per ogni emozioni 2 file: parole + hashtag)</a:t>
-            </a:r>
-          </a:p>
-          <a:p>
-            <a:r>
-              <a:rPr lang="it-IT" dirty="0" err="1">
-                <a:sym typeface="Wingdings" panose="05000000000000000000" pitchFamily="2" charset="2"/>
-              </a:rPr>
-              <a:t>result_frequency</a:t>
-            </a:r>
-            <a:r>
-              <a:rPr lang="it-IT" dirty="0">
-                <a:sym typeface="Wingdings" panose="05000000000000000000" pitchFamily="2" charset="2"/>
-              </a:rPr>
-              <a:t>  contiene i risultati percentuali della presenza delle parole delle risorse lessicali nei dizionari creati dai relativi ai messaggi di </a:t>
-            </a:r>
-            <a:r>
-              <a:rPr lang="it-IT">
-                <a:sym typeface="Wingdings" panose="05000000000000000000" pitchFamily="2" charset="2"/>
-              </a:rPr>
-              <a:t>twitter</a:t>
-            </a:r>
-            <a:endParaRPr lang="it-IT" dirty="0">
-              <a:sym typeface="Wingdings" panose="05000000000000000000" pitchFamily="2" charset="2"/>
-            </a:endParaRPr>
-          </a:p>
-          <a:p>
-            <a:r>
-              <a:rPr lang="it-IT" dirty="0" err="1">
-                <a:sym typeface="Wingdings" panose="05000000000000000000" pitchFamily="2" charset="2"/>
-              </a:rPr>
-              <a:t>sql</a:t>
-            </a:r>
-            <a:r>
-              <a:rPr lang="it-IT" dirty="0">
-                <a:sym typeface="Wingdings" panose="05000000000000000000" pitchFamily="2" charset="2"/>
-              </a:rPr>
-              <a:t>  contiene le operazioni CRUD </a:t>
-            </a:r>
-            <a:r>
-              <a:rPr lang="it-IT" dirty="0" err="1">
-                <a:sym typeface="Wingdings" panose="05000000000000000000" pitchFamily="2" charset="2"/>
-              </a:rPr>
-              <a:t>sql</a:t>
-            </a:r>
-            <a:r>
-              <a:rPr lang="it-IT" dirty="0">
-                <a:sym typeface="Wingdings" panose="05000000000000000000" pitchFamily="2" charset="2"/>
-              </a:rPr>
-              <a:t>, creazioni delle tabelle, delete dati, ecc.</a:t>
-            </a:r>
-          </a:p>
-          <a:p>
-            <a:r>
-              <a:rPr lang="it-IT" dirty="0">
-                <a:sym typeface="Wingdings" panose="05000000000000000000" pitchFamily="2" charset="2"/>
-              </a:rPr>
-              <a:t>test  contiene dei test</a:t>
-            </a:r>
-          </a:p>
-          <a:p>
-            <a:r>
-              <a:rPr lang="it-IT" dirty="0" err="1">
-                <a:sym typeface="Wingdings" panose="05000000000000000000" pitchFamily="2" charset="2"/>
-              </a:rPr>
-              <a:t>twitter_message</a:t>
-            </a:r>
-            <a:r>
-              <a:rPr lang="it-IT" dirty="0">
-                <a:sym typeface="Wingdings" panose="05000000000000000000" pitchFamily="2" charset="2"/>
-              </a:rPr>
-              <a:t>  contiene i dataset iniziali da elaborare</a:t>
-            </a:r>
-          </a:p>
-          <a:p>
-            <a:endParaRPr lang="it-IT" dirty="0">
-              <a:sym typeface="Wingdings" panose="05000000000000000000" pitchFamily="2" charset="2"/>
-            </a:endParaRPr>
-          </a:p>
-          <a:p>
-            <a:pPr marL="0" indent="0">
-              <a:buNone/>
-            </a:pPr>
-            <a:endParaRPr lang="it-IT" dirty="0">
-              <a:sym typeface="Wingdings" panose="05000000000000000000" pitchFamily="2" charset="2"/>
-            </a:endParaRPr>
-          </a:p>
-          <a:p>
-            <a:pPr marL="0" indent="0">
-              <a:buNone/>
-            </a:pPr>
-            <a:endParaRPr lang="it-IT" dirty="0"/>
-          </a:p>
-        </p:txBody>
-      </p:sp>
+      <p:pic>
+        <p:nvPicPr>
+          <p:cNvPr id="5" name="Immagine 4" descr="Immagine che contiene testo&#10;&#10;Descrizione generata automaticamente">
+            <a:extLst>
+              <a:ext uri="{FF2B5EF4-FFF2-40B4-BE49-F238E27FC236}">
+                <a16:creationId xmlns:a16="http://schemas.microsoft.com/office/drawing/2014/main" id="{FFECBC73-85C1-4767-B60C-914D454402FB}"/>
+              </a:ext>
+            </a:extLst>
+          </p:cNvPr>
+          <p:cNvPicPr>
+            <a:picLocks noChangeAspect="1"/>
+          </p:cNvPicPr>
+          <p:nvPr/>
+        </p:nvPicPr>
+        <p:blipFill>
+          <a:blip r:embed="rId2">
+            <a:extLst>
+              <a:ext uri="{28A0092B-C50C-407E-A947-70E740481C1C}">
+                <a14:useLocalDpi xmlns:a14="http://schemas.microsoft.com/office/drawing/2010/main" val="0"/>
+              </a:ext>
+            </a:extLst>
+          </a:blip>
+          <a:stretch>
+            <a:fillRect/>
+          </a:stretch>
+        </p:blipFill>
+        <p:spPr>
+          <a:xfrm>
+            <a:off x="0" y="319449"/>
+            <a:ext cx="12192000" cy="6219102"/>
+          </a:xfrm>
+          <a:prstGeom prst="rect">
+            <a:avLst/>
+          </a:prstGeom>
+        </p:spPr>
+      </p:pic>
     </p:spTree>
     <p:extLst>
       <p:ext uri="{BB962C8B-B14F-4D97-AF65-F5344CB8AC3E}">
-        <p14:creationId xmlns:p14="http://schemas.microsoft.com/office/powerpoint/2010/main" val="2591692649"/>
+        <p14:creationId xmlns:p14="http://schemas.microsoft.com/office/powerpoint/2010/main" val="1888009416"/>
       </p:ext>
     </p:extLst>
   </p:cSld>
@@ -3710,7 +3520,7 @@
           <p:cNvPr id="2" name="Titolo 1">
             <a:extLst>
               <a:ext uri="{FF2B5EF4-FFF2-40B4-BE49-F238E27FC236}">
-                <a16:creationId xmlns:a16="http://schemas.microsoft.com/office/drawing/2014/main" id="{DBBC55BB-6068-46A1-A169-2E53ECF72E22}"/>
+                <a16:creationId xmlns:a16="http://schemas.microsoft.com/office/drawing/2014/main" id="{8BBDF26B-31D1-4216-8B15-141D1976EF3E}"/>
               </a:ext>
             </a:extLst>
           </p:cNvPr>
@@ -3721,12 +3531,7 @@
             <p:ph type="title"/>
           </p:nvPr>
         </p:nvSpPr>
-        <p:spPr>
-          <a:xfrm>
-            <a:off x="838200" y="365126"/>
-            <a:ext cx="10515600" cy="679904"/>
-          </a:xfrm>
-        </p:spPr>
+        <p:spPr/>
         <p:txBody>
           <a:bodyPr>
             <a:normAutofit fontScale="90000"/>
@@ -3734,9 +3539,42 @@
           <a:lstStyle/>
           <a:p>
             <a:r>
+              <a:rPr lang="it-IT" dirty="0" err="1"/>
+              <a:t>Mongo</a:t>
+            </a:r>
+            <a:r>
               <a:rPr lang="it-IT" dirty="0"/>
-              <a:t>File system - file</a:t>
-            </a:r>
+              <a:t> vs </a:t>
+            </a:r>
+            <a:r>
+              <a:rPr lang="it-IT" dirty="0" err="1"/>
+              <a:t>MySql</a:t>
+            </a:r>
+            <a:br>
+              <a:rPr lang="it-IT" dirty="0"/>
+            </a:br>
+            <a:r>
+              <a:rPr lang="it-IT" dirty="0">
+                <a:hlinkClick r:id="rId2"/>
+              </a:rPr>
+              <a:t>https://www.simform.com/mongodb-vs-mysql-databases</a:t>
+            </a:r>
+            <a:r>
+              <a:rPr lang="it-IT">
+                <a:hlinkClick r:id="rId2"/>
+              </a:rPr>
+              <a:t>/#section3</a:t>
+            </a:r>
+            <a:br>
+              <a:rPr lang="it-IT"/>
+            </a:br>
+            <a:r>
+              <a:rPr lang="it-IT">
+                <a:hlinkClick r:id="rId3"/>
+              </a:rPr>
+              <a:t>https://towardsdatascience.com/keras-challenges-the-avengers-541346acb804</a:t>
+            </a:r>
+            <a:endParaRPr lang="it-IT" dirty="0"/>
           </a:p>
         </p:txBody>
       </p:sp>
@@ -3745,7 +3583,7 @@
           <p:cNvPr id="3" name="Segnaposto contenuto 2">
             <a:extLst>
               <a:ext uri="{FF2B5EF4-FFF2-40B4-BE49-F238E27FC236}">
-                <a16:creationId xmlns:a16="http://schemas.microsoft.com/office/drawing/2014/main" id="{21F5B75A-43C2-420A-AE12-65BE148D8BFD}"/>
+                <a16:creationId xmlns:a16="http://schemas.microsoft.com/office/drawing/2014/main" id="{541FC191-37CE-44CF-9A4B-B859CBDC4D75}"/>
               </a:ext>
             </a:extLst>
           </p:cNvPr>
@@ -3756,310 +3594,34 @@
             <p:ph idx="1"/>
           </p:nvPr>
         </p:nvSpPr>
-        <p:spPr>
-          <a:xfrm>
-            <a:off x="838200" y="1045030"/>
-            <a:ext cx="10515600" cy="5447844"/>
-          </a:xfrm>
-        </p:spPr>
-        <p:txBody>
-          <a:bodyPr>
-            <a:normAutofit fontScale="70000" lnSpcReduction="20000"/>
-          </a:bodyPr>
+        <p:spPr/>
+        <p:txBody>
+          <a:bodyPr/>
           <a:lstStyle/>
           <a:p>
             <a:r>
               <a:rPr lang="it-IT" dirty="0"/>
-              <a:t>config.py </a:t>
-            </a:r>
-            <a:r>
-              <a:rPr lang="it-IT" dirty="0">
-                <a:sym typeface="Wingdings" panose="05000000000000000000" pitchFamily="2" charset="2"/>
-              </a:rPr>
-              <a:t> contiene gli array/</a:t>
-            </a:r>
-            <a:r>
-              <a:rPr lang="it-IT" dirty="0" err="1">
-                <a:sym typeface="Wingdings" panose="05000000000000000000" pitchFamily="2" charset="2"/>
-              </a:rPr>
-              <a:t>dict</a:t>
-            </a:r>
-            <a:r>
-              <a:rPr lang="it-IT" dirty="0">
-                <a:sym typeface="Wingdings" panose="05000000000000000000" pitchFamily="2" charset="2"/>
-              </a:rPr>
-              <a:t> di configurazione</a:t>
-            </a:r>
+              <a:t>Entrambe le soluzioni di archiviazione funzionerebbero, in realtà dipendono dalle dimensioni dei dati che si prevede di utilizzare e dal modo in cui vengono utilizzate per questo caso d'uso. Se il set di dati supera alcuni terabyte di dati, un approccio </a:t>
+            </a:r>
+            <a:r>
+              <a:rPr lang="it-IT" dirty="0" err="1"/>
+              <a:t>MapReduce</a:t>
+            </a:r>
+            <a:r>
+              <a:rPr lang="it-IT" dirty="0"/>
+              <a:t> sarebbe l'ideale, se più piccolo di un database SQL in questo caso potrebbe essere sufficiente.</a:t>
+            </a:r>
+          </a:p>
+          <a:p>
             <a:endParaRPr lang="it-IT" dirty="0"/>
           </a:p>
           <a:p>
             <a:r>
               <a:rPr lang="it-IT" dirty="0"/>
-              <a:t>elaboration.py </a:t>
-            </a:r>
-            <a:endParaRPr lang="it-IT" dirty="0">
-              <a:sym typeface="Wingdings" panose="05000000000000000000" pitchFamily="2" charset="2"/>
-            </a:endParaRPr>
-          </a:p>
-          <a:p>
-            <a:pPr lvl="1"/>
-            <a:r>
-              <a:rPr lang="it-IT" dirty="0">
-                <a:sym typeface="Wingdings" panose="05000000000000000000" pitchFamily="2" charset="2"/>
-              </a:rPr>
-              <a:t>Processo di elaborazione dei dataset </a:t>
-            </a:r>
-            <a:r>
-              <a:rPr lang="it-IT" dirty="0" err="1">
-                <a:sym typeface="Wingdings" panose="05000000000000000000" pitchFamily="2" charset="2"/>
-              </a:rPr>
-              <a:t>twitter</a:t>
-            </a:r>
-            <a:r>
-              <a:rPr lang="it-IT" dirty="0">
-                <a:sym typeface="Wingdings" panose="05000000000000000000" pitchFamily="2" charset="2"/>
-              </a:rPr>
-              <a:t> </a:t>
-            </a:r>
-            <a:r>
-              <a:rPr lang="it-IT" dirty="0" err="1">
-                <a:sym typeface="Wingdings" panose="05000000000000000000" pitchFamily="2" charset="2"/>
-              </a:rPr>
-              <a:t>message</a:t>
-            </a:r>
-            <a:endParaRPr lang="it-IT" dirty="0">
-              <a:sym typeface="Wingdings" panose="05000000000000000000" pitchFamily="2" charset="2"/>
-            </a:endParaRPr>
-          </a:p>
-          <a:p>
-            <a:pPr lvl="1"/>
-            <a:r>
-              <a:rPr lang="it-IT" dirty="0"/>
-              <a:t>Pulizia dei </a:t>
-            </a:r>
-            <a:r>
-              <a:rPr lang="it-IT" dirty="0">
-                <a:sym typeface="Wingdings" panose="05000000000000000000" pitchFamily="2" charset="2"/>
-              </a:rPr>
-              <a:t>dataset (</a:t>
-            </a:r>
-            <a:r>
-              <a:rPr lang="it-IT" dirty="0" err="1">
-                <a:sym typeface="Wingdings" panose="05000000000000000000" pitchFamily="2" charset="2"/>
-              </a:rPr>
-              <a:t>nltk</a:t>
-            </a:r>
-            <a:r>
-              <a:rPr lang="it-IT" dirty="0">
-                <a:sym typeface="Wingdings" panose="05000000000000000000" pitchFamily="2" charset="2"/>
-              </a:rPr>
-              <a:t> e operazioni di pulizia delle stringhe)</a:t>
-            </a:r>
-          </a:p>
-          <a:p>
-            <a:pPr lvl="1"/>
-            <a:r>
-              <a:rPr lang="it-IT" dirty="0">
-                <a:sym typeface="Wingdings" panose="05000000000000000000" pitchFamily="2" charset="2"/>
-              </a:rPr>
-              <a:t>Conteggio delle frequenze delle singole parole </a:t>
-            </a:r>
-          </a:p>
-          <a:p>
-            <a:pPr lvl="1"/>
-            <a:r>
-              <a:rPr lang="it-IT" dirty="0">
-                <a:sym typeface="Wingdings" panose="05000000000000000000" pitchFamily="2" charset="2"/>
-              </a:rPr>
-              <a:t>Salvataggio in un dizionario relativo all’emozione (</a:t>
-            </a:r>
-            <a:r>
-              <a:rPr lang="it-IT" dirty="0" err="1">
-                <a:sym typeface="Wingdings" panose="05000000000000000000" pitchFamily="2" charset="2"/>
-              </a:rPr>
-              <a:t>global_dict_count</a:t>
-            </a:r>
-            <a:r>
-              <a:rPr lang="it-IT" dirty="0">
-                <a:sym typeface="Wingdings" panose="05000000000000000000" pitchFamily="2" charset="2"/>
-              </a:rPr>
-              <a:t>)</a:t>
-            </a:r>
-          </a:p>
-          <a:p>
-            <a:pPr lvl="1"/>
-            <a:r>
-              <a:rPr lang="it-IT" dirty="0">
-                <a:sym typeface="Wingdings" panose="05000000000000000000" pitchFamily="2" charset="2"/>
-              </a:rPr>
-              <a:t>Salvataggio del dizionario su file (nella cartella </a:t>
-            </a:r>
-            <a:r>
-              <a:rPr lang="it-IT" dirty="0" err="1">
-                <a:sym typeface="Wingdings" panose="05000000000000000000" pitchFamily="2" charset="2"/>
-              </a:rPr>
-              <a:t>result_count</a:t>
-            </a:r>
-            <a:r>
-              <a:rPr lang="it-IT" dirty="0">
-                <a:sym typeface="Wingdings" panose="05000000000000000000" pitchFamily="2" charset="2"/>
-              </a:rPr>
-              <a:t>)</a:t>
-            </a:r>
-          </a:p>
-          <a:p>
-            <a:pPr lvl="1"/>
-            <a:r>
-              <a:rPr lang="it-IT" dirty="0"/>
-              <a:t>Vengono salvati 2 file per ogni emozione: parole + hashtag</a:t>
-            </a:r>
-          </a:p>
-          <a:p>
-            <a:r>
-              <a:rPr lang="it-IT" dirty="0"/>
-              <a:t>db_load.py</a:t>
-            </a:r>
-          </a:p>
-          <a:p>
-            <a:pPr lvl="1"/>
-            <a:r>
-              <a:rPr lang="it-IT" dirty="0"/>
-              <a:t>Lettura dei dizionari salvati sui file</a:t>
-            </a:r>
-          </a:p>
-          <a:p>
-            <a:pPr lvl="1"/>
-            <a:r>
-              <a:rPr lang="it-IT" dirty="0"/>
-              <a:t>Caricamento sui </a:t>
-            </a:r>
-            <a:r>
-              <a:rPr lang="it-IT" dirty="0" err="1"/>
-              <a:t>db</a:t>
-            </a:r>
-            <a:r>
-              <a:rPr lang="it-IT" dirty="0"/>
-              <a:t> dei vari dizionari nella tabella specifica all’emozione (INSERT DATI)</a:t>
-            </a:r>
-          </a:p>
-          <a:p>
-            <a:pPr lvl="1"/>
-            <a:r>
-              <a:rPr lang="en-US" dirty="0"/>
-              <a:t>["anger", "anticipation", "disgust", "fear", "joy", "sadness", "surprise", "trust"]</a:t>
-            </a:r>
-            <a:endParaRPr lang="it-IT" dirty="0"/>
-          </a:p>
-          <a:p>
-            <a:r>
-              <a:rPr lang="it-IT" dirty="0"/>
-              <a:t>db_lexical.py</a:t>
-            </a:r>
-          </a:p>
-          <a:p>
-            <a:pPr lvl="1"/>
-            <a:r>
-              <a:rPr lang="it-IT" dirty="0"/>
-              <a:t>Lettura delle risorse lessicali (dalla cartella </a:t>
-            </a:r>
-            <a:r>
-              <a:rPr lang="it-IT" dirty="0" err="1"/>
-              <a:t>archive_risorse_lessicali</a:t>
-            </a:r>
-            <a:r>
-              <a:rPr lang="it-IT" dirty="0"/>
-              <a:t>)</a:t>
-            </a:r>
-          </a:p>
-          <a:p>
-            <a:pPr lvl="1"/>
-            <a:r>
-              <a:rPr lang="it-IT" dirty="0"/>
-              <a:t>Aggiornamento delle colonne relative (valori booleani , </a:t>
-            </a:r>
-            <a:r>
-              <a:rPr lang="it-IT" dirty="0" err="1"/>
-              <a:t>conScore</a:t>
-            </a:r>
-            <a:r>
-              <a:rPr lang="it-IT" dirty="0"/>
-              <a:t>, </a:t>
-            </a:r>
-            <a:r>
-              <a:rPr lang="it-IT" dirty="0" err="1"/>
-              <a:t>ecc</a:t>
-            </a:r>
-            <a:r>
-              <a:rPr lang="it-IT" dirty="0"/>
-              <a:t>…)</a:t>
-            </a:r>
-          </a:p>
-          <a:p>
-            <a:pPr lvl="1"/>
-            <a:r>
-              <a:rPr lang="en-US" dirty="0"/>
-              <a:t>["anger", "anticipation", "disgust", "fear", "joy", "sadness", "surprise", "trust"]</a:t>
-            </a:r>
-            <a:endParaRPr lang="it-IT" dirty="0"/>
-          </a:p>
-          <a:p>
-            <a:r>
-              <a:rPr lang="it-IT" dirty="0" err="1"/>
-              <a:t>frequency_count</a:t>
-            </a:r>
-            <a:endParaRPr lang="it-IT" dirty="0"/>
-          </a:p>
-          <a:p>
-            <a:pPr lvl="1"/>
-            <a:r>
-              <a:rPr lang="it-IT" dirty="0"/>
-              <a:t>Calcolo delle percentuali della presenza delle parole delle risorse lessicali nei dizionari creati relativi dai </a:t>
-            </a:r>
-            <a:r>
-              <a:rPr lang="it-IT" dirty="0" err="1"/>
-              <a:t>twitter</a:t>
-            </a:r>
-            <a:r>
-              <a:rPr lang="it-IT" dirty="0"/>
-              <a:t> </a:t>
-            </a:r>
-            <a:r>
-              <a:rPr lang="it-IT" dirty="0" err="1"/>
-              <a:t>message</a:t>
-            </a:r>
-            <a:endParaRPr lang="it-IT" dirty="0"/>
-          </a:p>
-          <a:p>
-            <a:pPr lvl="1"/>
-            <a:r>
-              <a:rPr lang="it-IT" dirty="0"/>
-              <a:t>Salvataggio dei risultati su file (nella cartella </a:t>
-            </a:r>
-            <a:r>
-              <a:rPr lang="it-IT" dirty="0" err="1"/>
-              <a:t>result</a:t>
-            </a:r>
-            <a:r>
-              <a:rPr lang="it-IT" dirty="0"/>
-              <a:t>-frequency)</a:t>
-            </a:r>
-          </a:p>
-          <a:p>
-            <a:endParaRPr lang="it-IT" dirty="0"/>
-          </a:p>
-          <a:p>
-            <a:endParaRPr lang="it-IT" dirty="0"/>
-          </a:p>
-          <a:p>
-            <a:pPr marL="0" indent="0">
-              <a:buNone/>
-            </a:pPr>
-            <a:endParaRPr lang="it-IT" dirty="0"/>
-          </a:p>
-          <a:p>
-            <a:pPr marL="0" indent="0">
-              <a:buNone/>
-            </a:pPr>
+              <a:t>Un altro aspetto da considerare è il numero di query al secondo che il sistema dovrebbe eseguire, che dovranno essere prese in considerazione nella progettazione.</a:t>
+            </a:r>
+          </a:p>
+          <a:p>
             <a:endParaRPr lang="it-IT" dirty="0"/>
           </a:p>
         </p:txBody>
@@ -4067,7 +3629,7 @@
     </p:spTree>
     <p:extLst>
       <p:ext uri="{BB962C8B-B14F-4D97-AF65-F5344CB8AC3E}">
-        <p14:creationId xmlns:p14="http://schemas.microsoft.com/office/powerpoint/2010/main" val="4169337063"/>
+        <p14:creationId xmlns:p14="http://schemas.microsoft.com/office/powerpoint/2010/main" val="1674770306"/>
       </p:ext>
     </p:extLst>
   </p:cSld>
@@ -4099,6 +3661,653 @@
           <p:cNvPr id="2" name="Titolo 1">
             <a:extLst>
               <a:ext uri="{FF2B5EF4-FFF2-40B4-BE49-F238E27FC236}">
+                <a16:creationId xmlns:a16="http://schemas.microsoft.com/office/drawing/2014/main" id="{38D162C3-9836-4987-B2E1-CBF71FD3A0E3}"/>
+              </a:ext>
+            </a:extLst>
+          </p:cNvPr>
+          <p:cNvSpPr>
+            <a:spLocks noGrp="1"/>
+          </p:cNvSpPr>
+          <p:nvPr>
+            <p:ph type="title"/>
+          </p:nvPr>
+        </p:nvSpPr>
+        <p:spPr/>
+        <p:txBody>
+          <a:bodyPr/>
+          <a:lstStyle/>
+          <a:p>
+            <a:r>
+              <a:rPr lang="it-IT" dirty="0"/>
+              <a:t>File system - folder</a:t>
+            </a:r>
+          </a:p>
+        </p:txBody>
+      </p:sp>
+      <p:sp>
+        <p:nvSpPr>
+          <p:cNvPr id="3" name="Segnaposto contenuto 2">
+            <a:extLst>
+              <a:ext uri="{FF2B5EF4-FFF2-40B4-BE49-F238E27FC236}">
+                <a16:creationId xmlns:a16="http://schemas.microsoft.com/office/drawing/2014/main" id="{8EA29FF2-DD79-4F34-9B4D-E9A7DC71EBBD}"/>
+              </a:ext>
+            </a:extLst>
+          </p:cNvPr>
+          <p:cNvSpPr>
+            <a:spLocks noGrp="1"/>
+          </p:cNvSpPr>
+          <p:nvPr>
+            <p:ph idx="1"/>
+          </p:nvPr>
+        </p:nvSpPr>
+        <p:spPr/>
+        <p:txBody>
+          <a:bodyPr>
+            <a:normAutofit fontScale="85000" lnSpcReduction="10000"/>
+          </a:bodyPr>
+          <a:lstStyle/>
+          <a:p>
+            <a:r>
+              <a:rPr lang="it-IT" dirty="0" err="1"/>
+              <a:t>Archivi_risorse_lessicali</a:t>
+            </a:r>
+            <a:r>
+              <a:rPr lang="it-IT" dirty="0"/>
+              <a:t> </a:t>
+            </a:r>
+            <a:r>
+              <a:rPr lang="it-IT" dirty="0">
+                <a:sym typeface="Wingdings" panose="05000000000000000000" pitchFamily="2" charset="2"/>
+              </a:rPr>
+              <a:t> contiene le risorse lessicali (studi. Es. Anger, </a:t>
+            </a:r>
+            <a:r>
+              <a:rPr lang="it-IT" dirty="0" err="1">
+                <a:sym typeface="Wingdings" panose="05000000000000000000" pitchFamily="2" charset="2"/>
+              </a:rPr>
+              <a:t>Anticipation</a:t>
+            </a:r>
+            <a:r>
+              <a:rPr lang="it-IT" dirty="0">
+                <a:sym typeface="Wingdings" panose="05000000000000000000" pitchFamily="2" charset="2"/>
+              </a:rPr>
+              <a:t>, ecc.)</a:t>
+            </a:r>
+          </a:p>
+          <a:p>
+            <a:r>
+              <a:rPr lang="it-IT" dirty="0">
+                <a:sym typeface="Wingdings" panose="05000000000000000000" pitchFamily="2" charset="2"/>
+              </a:rPr>
+              <a:t>Img  contiene le </a:t>
+            </a:r>
+            <a:r>
+              <a:rPr lang="it-IT" dirty="0" err="1">
+                <a:sym typeface="Wingdings" panose="05000000000000000000" pitchFamily="2" charset="2"/>
+              </a:rPr>
+              <a:t>img</a:t>
+            </a:r>
+            <a:r>
+              <a:rPr lang="it-IT" dirty="0">
+                <a:sym typeface="Wingdings" panose="05000000000000000000" pitchFamily="2" charset="2"/>
+              </a:rPr>
+              <a:t> </a:t>
+            </a:r>
+            <a:r>
+              <a:rPr lang="it-IT" dirty="0" err="1">
+                <a:sym typeface="Wingdings" panose="05000000000000000000" pitchFamily="2" charset="2"/>
+              </a:rPr>
+              <a:t>wordcloud</a:t>
+            </a:r>
+            <a:r>
+              <a:rPr lang="it-IT" dirty="0">
+                <a:sym typeface="Wingdings" panose="05000000000000000000" pitchFamily="2" charset="2"/>
+              </a:rPr>
+              <a:t> prodotte (per ogni emozione 2 </a:t>
+            </a:r>
+            <a:r>
+              <a:rPr lang="it-IT" dirty="0" err="1">
+                <a:sym typeface="Wingdings" panose="05000000000000000000" pitchFamily="2" charset="2"/>
+              </a:rPr>
+              <a:t>wordcloud</a:t>
+            </a:r>
+            <a:r>
+              <a:rPr lang="it-IT" dirty="0">
+                <a:sym typeface="Wingdings" panose="05000000000000000000" pitchFamily="2" charset="2"/>
+              </a:rPr>
+              <a:t>: parole + hashtag)</a:t>
+            </a:r>
+          </a:p>
+          <a:p>
+            <a:r>
+              <a:rPr lang="it-IT" dirty="0" err="1">
+                <a:sym typeface="Wingdings" panose="05000000000000000000" pitchFamily="2" charset="2"/>
+              </a:rPr>
+              <a:t>result_count</a:t>
+            </a:r>
+            <a:r>
+              <a:rPr lang="it-IT" dirty="0">
+                <a:sym typeface="Wingdings" panose="05000000000000000000" pitchFamily="2" charset="2"/>
+              </a:rPr>
+              <a:t>  contiene le stampe dei dizionari con le frequenze (per ogni emozioni 2 file: parole + hashtag)</a:t>
+            </a:r>
+          </a:p>
+          <a:p>
+            <a:r>
+              <a:rPr lang="it-IT" dirty="0" err="1">
+                <a:sym typeface="Wingdings" panose="05000000000000000000" pitchFamily="2" charset="2"/>
+              </a:rPr>
+              <a:t>result_frequency</a:t>
+            </a:r>
+            <a:r>
+              <a:rPr lang="it-IT" dirty="0">
+                <a:sym typeface="Wingdings" panose="05000000000000000000" pitchFamily="2" charset="2"/>
+              </a:rPr>
+              <a:t>  contiene i risultati percentuali della presenza delle parole delle risorse lessicali nei dizionari creati dai relativi ai messaggi di </a:t>
+            </a:r>
+            <a:r>
+              <a:rPr lang="it-IT">
+                <a:sym typeface="Wingdings" panose="05000000000000000000" pitchFamily="2" charset="2"/>
+              </a:rPr>
+              <a:t>twitter</a:t>
+            </a:r>
+            <a:endParaRPr lang="it-IT" dirty="0">
+              <a:sym typeface="Wingdings" panose="05000000000000000000" pitchFamily="2" charset="2"/>
+            </a:endParaRPr>
+          </a:p>
+          <a:p>
+            <a:r>
+              <a:rPr lang="it-IT" dirty="0" err="1">
+                <a:sym typeface="Wingdings" panose="05000000000000000000" pitchFamily="2" charset="2"/>
+              </a:rPr>
+              <a:t>sql</a:t>
+            </a:r>
+            <a:r>
+              <a:rPr lang="it-IT" dirty="0">
+                <a:sym typeface="Wingdings" panose="05000000000000000000" pitchFamily="2" charset="2"/>
+              </a:rPr>
+              <a:t>  contiene le operazioni CRUD </a:t>
+            </a:r>
+            <a:r>
+              <a:rPr lang="it-IT" dirty="0" err="1">
+                <a:sym typeface="Wingdings" panose="05000000000000000000" pitchFamily="2" charset="2"/>
+              </a:rPr>
+              <a:t>sql</a:t>
+            </a:r>
+            <a:r>
+              <a:rPr lang="it-IT" dirty="0">
+                <a:sym typeface="Wingdings" panose="05000000000000000000" pitchFamily="2" charset="2"/>
+              </a:rPr>
+              <a:t>, creazioni delle tabelle, delete dati, ecc.</a:t>
+            </a:r>
+          </a:p>
+          <a:p>
+            <a:r>
+              <a:rPr lang="it-IT" dirty="0">
+                <a:sym typeface="Wingdings" panose="05000000000000000000" pitchFamily="2" charset="2"/>
+              </a:rPr>
+              <a:t>test  contiene dei test</a:t>
+            </a:r>
+          </a:p>
+          <a:p>
+            <a:r>
+              <a:rPr lang="it-IT" dirty="0" err="1">
+                <a:sym typeface="Wingdings" panose="05000000000000000000" pitchFamily="2" charset="2"/>
+              </a:rPr>
+              <a:t>twitter_message</a:t>
+            </a:r>
+            <a:r>
+              <a:rPr lang="it-IT" dirty="0">
+                <a:sym typeface="Wingdings" panose="05000000000000000000" pitchFamily="2" charset="2"/>
+              </a:rPr>
+              <a:t>  contiene i dataset iniziali da elaborare</a:t>
+            </a:r>
+          </a:p>
+          <a:p>
+            <a:endParaRPr lang="it-IT" dirty="0">
+              <a:sym typeface="Wingdings" panose="05000000000000000000" pitchFamily="2" charset="2"/>
+            </a:endParaRPr>
+          </a:p>
+          <a:p>
+            <a:pPr marL="0" indent="0">
+              <a:buNone/>
+            </a:pPr>
+            <a:endParaRPr lang="it-IT" dirty="0">
+              <a:sym typeface="Wingdings" panose="05000000000000000000" pitchFamily="2" charset="2"/>
+            </a:endParaRPr>
+          </a:p>
+          <a:p>
+            <a:pPr marL="0" indent="0">
+              <a:buNone/>
+            </a:pPr>
+            <a:endParaRPr lang="it-IT" dirty="0"/>
+          </a:p>
+        </p:txBody>
+      </p:sp>
+    </p:spTree>
+    <p:extLst>
+      <p:ext uri="{BB962C8B-B14F-4D97-AF65-F5344CB8AC3E}">
+        <p14:creationId xmlns:p14="http://schemas.microsoft.com/office/powerpoint/2010/main" val="2591692649"/>
+      </p:ext>
+    </p:extLst>
+  </p:cSld>
+  <p:clrMapOvr>
+    <a:masterClrMapping/>
+  </p:clrMapOvr>
+</p:sld>
+</file>
+
+<file path=ppt/slides/slide5.xml><?xml version="1.0" encoding="utf-8"?>
+<p:sld xmlns:a="http://schemas.openxmlformats.org/drawingml/2006/main" xmlns:r="http://schemas.openxmlformats.org/officeDocument/2006/relationships" xmlns:p="http://schemas.openxmlformats.org/presentationml/2006/main">
+  <p:cSld>
+    <p:spTree>
+      <p:nvGrpSpPr>
+        <p:cNvPr id="1" name=""/>
+        <p:cNvGrpSpPr/>
+        <p:nvPr/>
+      </p:nvGrpSpPr>
+      <p:grpSpPr>
+        <a:xfrm>
+          <a:off x="0" y="0"/>
+          <a:ext cx="0" cy="0"/>
+          <a:chOff x="0" y="0"/>
+          <a:chExt cx="0" cy="0"/>
+        </a:xfrm>
+      </p:grpSpPr>
+      <p:sp>
+        <p:nvSpPr>
+          <p:cNvPr id="2" name="Titolo 1">
+            <a:extLst>
+              <a:ext uri="{FF2B5EF4-FFF2-40B4-BE49-F238E27FC236}">
+                <a16:creationId xmlns:a16="http://schemas.microsoft.com/office/drawing/2014/main" id="{DBBC55BB-6068-46A1-A169-2E53ECF72E22}"/>
+              </a:ext>
+            </a:extLst>
+          </p:cNvPr>
+          <p:cNvSpPr>
+            <a:spLocks noGrp="1"/>
+          </p:cNvSpPr>
+          <p:nvPr>
+            <p:ph type="title"/>
+          </p:nvPr>
+        </p:nvSpPr>
+        <p:spPr>
+          <a:xfrm>
+            <a:off x="838200" y="365126"/>
+            <a:ext cx="10515600" cy="679904"/>
+          </a:xfrm>
+        </p:spPr>
+        <p:txBody>
+          <a:bodyPr>
+            <a:normAutofit fontScale="90000"/>
+          </a:bodyPr>
+          <a:lstStyle/>
+          <a:p>
+            <a:r>
+              <a:rPr lang="it-IT" dirty="0"/>
+              <a:t>File system - file</a:t>
+            </a:r>
+          </a:p>
+        </p:txBody>
+      </p:sp>
+      <p:sp>
+        <p:nvSpPr>
+          <p:cNvPr id="3" name="Segnaposto contenuto 2">
+            <a:extLst>
+              <a:ext uri="{FF2B5EF4-FFF2-40B4-BE49-F238E27FC236}">
+                <a16:creationId xmlns:a16="http://schemas.microsoft.com/office/drawing/2014/main" id="{21F5B75A-43C2-420A-AE12-65BE148D8BFD}"/>
+              </a:ext>
+            </a:extLst>
+          </p:cNvPr>
+          <p:cNvSpPr>
+            <a:spLocks noGrp="1"/>
+          </p:cNvSpPr>
+          <p:nvPr>
+            <p:ph idx="1"/>
+          </p:nvPr>
+        </p:nvSpPr>
+        <p:spPr>
+          <a:xfrm>
+            <a:off x="838200" y="1045030"/>
+            <a:ext cx="10515600" cy="5447844"/>
+          </a:xfrm>
+        </p:spPr>
+        <p:txBody>
+          <a:bodyPr>
+            <a:normAutofit fontScale="70000" lnSpcReduction="20000"/>
+          </a:bodyPr>
+          <a:lstStyle/>
+          <a:p>
+            <a:r>
+              <a:rPr lang="it-IT" dirty="0"/>
+              <a:t>config.py </a:t>
+            </a:r>
+            <a:r>
+              <a:rPr lang="it-IT" dirty="0">
+                <a:sym typeface="Wingdings" panose="05000000000000000000" pitchFamily="2" charset="2"/>
+              </a:rPr>
+              <a:t> contiene gli array/</a:t>
+            </a:r>
+            <a:r>
+              <a:rPr lang="it-IT" dirty="0" err="1">
+                <a:sym typeface="Wingdings" panose="05000000000000000000" pitchFamily="2" charset="2"/>
+              </a:rPr>
+              <a:t>dict</a:t>
+            </a:r>
+            <a:r>
+              <a:rPr lang="it-IT" dirty="0">
+                <a:sym typeface="Wingdings" panose="05000000000000000000" pitchFamily="2" charset="2"/>
+              </a:rPr>
+              <a:t> di configurazione</a:t>
+            </a:r>
+            <a:endParaRPr lang="it-IT" dirty="0"/>
+          </a:p>
+          <a:p>
+            <a:r>
+              <a:rPr lang="it-IT" dirty="0"/>
+              <a:t>elaboration.py </a:t>
+            </a:r>
+            <a:endParaRPr lang="it-IT" dirty="0">
+              <a:sym typeface="Wingdings" panose="05000000000000000000" pitchFamily="2" charset="2"/>
+            </a:endParaRPr>
+          </a:p>
+          <a:p>
+            <a:pPr lvl="1"/>
+            <a:r>
+              <a:rPr lang="it-IT" dirty="0">
+                <a:sym typeface="Wingdings" panose="05000000000000000000" pitchFamily="2" charset="2"/>
+              </a:rPr>
+              <a:t>Processo di elaborazione dei dataset </a:t>
+            </a:r>
+            <a:r>
+              <a:rPr lang="it-IT" dirty="0" err="1">
+                <a:sym typeface="Wingdings" panose="05000000000000000000" pitchFamily="2" charset="2"/>
+              </a:rPr>
+              <a:t>twitter</a:t>
+            </a:r>
+            <a:r>
+              <a:rPr lang="it-IT" dirty="0">
+                <a:sym typeface="Wingdings" panose="05000000000000000000" pitchFamily="2" charset="2"/>
+              </a:rPr>
+              <a:t> </a:t>
+            </a:r>
+            <a:r>
+              <a:rPr lang="it-IT" dirty="0" err="1">
+                <a:sym typeface="Wingdings" panose="05000000000000000000" pitchFamily="2" charset="2"/>
+              </a:rPr>
+              <a:t>message</a:t>
+            </a:r>
+            <a:endParaRPr lang="it-IT" dirty="0">
+              <a:sym typeface="Wingdings" panose="05000000000000000000" pitchFamily="2" charset="2"/>
+            </a:endParaRPr>
+          </a:p>
+          <a:p>
+            <a:pPr lvl="1"/>
+            <a:r>
+              <a:rPr lang="it-IT" dirty="0"/>
+              <a:t>Pulizia dei </a:t>
+            </a:r>
+            <a:r>
+              <a:rPr lang="it-IT" dirty="0">
+                <a:sym typeface="Wingdings" panose="05000000000000000000" pitchFamily="2" charset="2"/>
+              </a:rPr>
+              <a:t>dataset (</a:t>
+            </a:r>
+            <a:r>
+              <a:rPr lang="it-IT" dirty="0" err="1">
+                <a:sym typeface="Wingdings" panose="05000000000000000000" pitchFamily="2" charset="2"/>
+              </a:rPr>
+              <a:t>nltk</a:t>
+            </a:r>
+            <a:r>
+              <a:rPr lang="it-IT" dirty="0">
+                <a:sym typeface="Wingdings" panose="05000000000000000000" pitchFamily="2" charset="2"/>
+              </a:rPr>
+              <a:t> e operazioni di pulizia delle stringhe)</a:t>
+            </a:r>
+          </a:p>
+          <a:p>
+            <a:pPr lvl="1"/>
+            <a:r>
+              <a:rPr lang="it-IT" dirty="0">
+                <a:sym typeface="Wingdings" panose="05000000000000000000" pitchFamily="2" charset="2"/>
+              </a:rPr>
+              <a:t>Conteggio delle frequenze delle singole parole </a:t>
+            </a:r>
+          </a:p>
+          <a:p>
+            <a:pPr lvl="1"/>
+            <a:r>
+              <a:rPr lang="it-IT" dirty="0">
+                <a:sym typeface="Wingdings" panose="05000000000000000000" pitchFamily="2" charset="2"/>
+              </a:rPr>
+              <a:t>Salvataggio in un dizionario relativo all’emozione (</a:t>
+            </a:r>
+            <a:r>
+              <a:rPr lang="it-IT" dirty="0" err="1">
+                <a:sym typeface="Wingdings" panose="05000000000000000000" pitchFamily="2" charset="2"/>
+              </a:rPr>
+              <a:t>global_dict_count</a:t>
+            </a:r>
+            <a:r>
+              <a:rPr lang="it-IT" dirty="0">
+                <a:sym typeface="Wingdings" panose="05000000000000000000" pitchFamily="2" charset="2"/>
+              </a:rPr>
+              <a:t>)</a:t>
+            </a:r>
+          </a:p>
+          <a:p>
+            <a:pPr lvl="1"/>
+            <a:r>
+              <a:rPr lang="it-IT" dirty="0">
+                <a:sym typeface="Wingdings" panose="05000000000000000000" pitchFamily="2" charset="2"/>
+              </a:rPr>
+              <a:t>Salvataggio del dizionario su file (nella cartella </a:t>
+            </a:r>
+            <a:r>
+              <a:rPr lang="it-IT" dirty="0" err="1">
+                <a:sym typeface="Wingdings" panose="05000000000000000000" pitchFamily="2" charset="2"/>
+              </a:rPr>
+              <a:t>result_count</a:t>
+            </a:r>
+            <a:r>
+              <a:rPr lang="it-IT" dirty="0">
+                <a:sym typeface="Wingdings" panose="05000000000000000000" pitchFamily="2" charset="2"/>
+              </a:rPr>
+              <a:t>)</a:t>
+            </a:r>
+          </a:p>
+          <a:p>
+            <a:pPr lvl="1"/>
+            <a:r>
+              <a:rPr lang="it-IT" dirty="0"/>
+              <a:t>Vengono salvati 2 file per ogni emozione: parole + hashtag</a:t>
+            </a:r>
+          </a:p>
+          <a:p>
+            <a:r>
+              <a:rPr lang="it-IT" dirty="0"/>
+              <a:t>db_load.py</a:t>
+            </a:r>
+          </a:p>
+          <a:p>
+            <a:pPr lvl="1"/>
+            <a:r>
+              <a:rPr lang="it-IT" dirty="0"/>
+              <a:t>Lettura dei dizionari salvati sui file</a:t>
+            </a:r>
+          </a:p>
+          <a:p>
+            <a:pPr lvl="1"/>
+            <a:r>
+              <a:rPr lang="it-IT" dirty="0"/>
+              <a:t>Caricamento sui </a:t>
+            </a:r>
+            <a:r>
+              <a:rPr lang="it-IT" dirty="0" err="1"/>
+              <a:t>db</a:t>
+            </a:r>
+            <a:r>
+              <a:rPr lang="it-IT" dirty="0"/>
+              <a:t> dei vari dizionari nella tabella specifica all’emozione (INSERT DATI)</a:t>
+            </a:r>
+          </a:p>
+          <a:p>
+            <a:pPr lvl="1"/>
+            <a:r>
+              <a:rPr lang="en-US" dirty="0"/>
+              <a:t>["anger", "anticipation", "disgust", "fear", "joy", "sadness", "surprise", "trust"]</a:t>
+            </a:r>
+            <a:endParaRPr lang="it-IT" dirty="0"/>
+          </a:p>
+          <a:p>
+            <a:r>
+              <a:rPr lang="it-IT" dirty="0"/>
+              <a:t>db_lexical.py</a:t>
+            </a:r>
+          </a:p>
+          <a:p>
+            <a:pPr lvl="1"/>
+            <a:r>
+              <a:rPr lang="it-IT" dirty="0"/>
+              <a:t>Lettura delle risorse lessicali (dalla cartella </a:t>
+            </a:r>
+            <a:r>
+              <a:rPr lang="it-IT" dirty="0" err="1"/>
+              <a:t>archive_risorse_lessicali</a:t>
+            </a:r>
+            <a:r>
+              <a:rPr lang="it-IT" dirty="0"/>
+              <a:t>)</a:t>
+            </a:r>
+          </a:p>
+          <a:p>
+            <a:pPr lvl="1"/>
+            <a:r>
+              <a:rPr lang="it-IT" dirty="0"/>
+              <a:t>Aggiornamento delle colonne relative (valori booleani , </a:t>
+            </a:r>
+            <a:r>
+              <a:rPr lang="it-IT" dirty="0" err="1"/>
+              <a:t>conScore</a:t>
+            </a:r>
+            <a:r>
+              <a:rPr lang="it-IT" dirty="0"/>
+              <a:t>, </a:t>
+            </a:r>
+            <a:r>
+              <a:rPr lang="it-IT" dirty="0" err="1"/>
+              <a:t>ecc</a:t>
+            </a:r>
+            <a:r>
+              <a:rPr lang="it-IT" dirty="0"/>
+              <a:t>…)</a:t>
+            </a:r>
+          </a:p>
+          <a:p>
+            <a:pPr lvl="1"/>
+            <a:r>
+              <a:rPr lang="en-US" dirty="0"/>
+              <a:t>["anger", "anticipation", "disgust", "fear", "joy", "sadness", "surprise", "trust"]</a:t>
+            </a:r>
+            <a:endParaRPr lang="it-IT" dirty="0"/>
+          </a:p>
+          <a:p>
+            <a:r>
+              <a:rPr lang="it-IT" dirty="0" err="1"/>
+              <a:t>frequency_count</a:t>
+            </a:r>
+            <a:endParaRPr lang="it-IT" dirty="0"/>
+          </a:p>
+          <a:p>
+            <a:pPr lvl="1"/>
+            <a:r>
+              <a:rPr lang="it-IT" dirty="0"/>
+              <a:t>Calcolo delle percentuali della presenza delle parole delle risorse lessicali nei dizionari creati relativi dai </a:t>
+            </a:r>
+            <a:r>
+              <a:rPr lang="it-IT" dirty="0" err="1"/>
+              <a:t>twitter</a:t>
+            </a:r>
+            <a:r>
+              <a:rPr lang="it-IT" dirty="0"/>
+              <a:t> </a:t>
+            </a:r>
+            <a:r>
+              <a:rPr lang="it-IT" dirty="0" err="1"/>
+              <a:t>message</a:t>
+            </a:r>
+            <a:endParaRPr lang="it-IT" dirty="0"/>
+          </a:p>
+          <a:p>
+            <a:pPr lvl="1"/>
+            <a:r>
+              <a:rPr lang="it-IT" dirty="0"/>
+              <a:t>Salvataggio dei risultati su file (nella cartella </a:t>
+            </a:r>
+            <a:r>
+              <a:rPr lang="it-IT" dirty="0" err="1"/>
+              <a:t>result</a:t>
+            </a:r>
+            <a:r>
+              <a:rPr lang="it-IT" dirty="0"/>
+              <a:t>-frequency)</a:t>
+            </a:r>
+          </a:p>
+          <a:p>
+            <a:endParaRPr lang="it-IT" dirty="0"/>
+          </a:p>
+          <a:p>
+            <a:endParaRPr lang="it-IT" dirty="0"/>
+          </a:p>
+          <a:p>
+            <a:pPr marL="0" indent="0">
+              <a:buNone/>
+            </a:pPr>
+            <a:endParaRPr lang="it-IT" dirty="0"/>
+          </a:p>
+          <a:p>
+            <a:pPr marL="0" indent="0">
+              <a:buNone/>
+            </a:pPr>
+            <a:endParaRPr lang="it-IT" dirty="0"/>
+          </a:p>
+        </p:txBody>
+      </p:sp>
+    </p:spTree>
+    <p:extLst>
+      <p:ext uri="{BB962C8B-B14F-4D97-AF65-F5344CB8AC3E}">
+        <p14:creationId xmlns:p14="http://schemas.microsoft.com/office/powerpoint/2010/main" val="4169337063"/>
+      </p:ext>
+    </p:extLst>
+  </p:cSld>
+  <p:clrMapOvr>
+    <a:masterClrMapping/>
+  </p:clrMapOvr>
+</p:sld>
+</file>
+
+<file path=ppt/slides/slide6.xml><?xml version="1.0" encoding="utf-8"?>
+<p:sld xmlns:a="http://schemas.openxmlformats.org/drawingml/2006/main" xmlns:r="http://schemas.openxmlformats.org/officeDocument/2006/relationships" xmlns:p="http://schemas.openxmlformats.org/presentationml/2006/main">
+  <p:cSld>
+    <p:spTree>
+      <p:nvGrpSpPr>
+        <p:cNvPr id="1" name=""/>
+        <p:cNvGrpSpPr/>
+        <p:nvPr/>
+      </p:nvGrpSpPr>
+      <p:grpSpPr>
+        <a:xfrm>
+          <a:off x="0" y="0"/>
+          <a:ext cx="0" cy="0"/>
+          <a:chOff x="0" y="0"/>
+          <a:chExt cx="0" cy="0"/>
+        </a:xfrm>
+      </p:grpSpPr>
+      <p:sp>
+        <p:nvSpPr>
+          <p:cNvPr id="2" name="Titolo 1">
+            <a:extLst>
+              <a:ext uri="{FF2B5EF4-FFF2-40B4-BE49-F238E27FC236}">
                 <a16:creationId xmlns:a16="http://schemas.microsoft.com/office/drawing/2014/main" id="{918057A2-F173-4B20-BF8C-624582B9F841}"/>
               </a:ext>
             </a:extLst>
@@ -4300,7 +4509,7 @@
 </p:sld>
 </file>
 
-<file path=ppt/slides/slide5.xml><?xml version="1.0" encoding="utf-8"?>
+<file path=ppt/slides/slide7.xml><?xml version="1.0" encoding="utf-8"?>
 <p:sld xmlns:a="http://schemas.openxmlformats.org/drawingml/2006/main" xmlns:r="http://schemas.openxmlformats.org/officeDocument/2006/relationships" xmlns:p="http://schemas.openxmlformats.org/presentationml/2006/main">
   <p:cSld>
     <p:bg>
@@ -4606,7 +4815,7 @@
 </p:sld>
 </file>
 
-<file path=ppt/slides/slide6.xml><?xml version="1.0" encoding="utf-8"?>
+<file path=ppt/slides/slide8.xml><?xml version="1.0" encoding="utf-8"?>
 <p:sld xmlns:a="http://schemas.openxmlformats.org/drawingml/2006/main" xmlns:r="http://schemas.openxmlformats.org/officeDocument/2006/relationships" xmlns:p="http://schemas.openxmlformats.org/presentationml/2006/main">
   <p:cSld>
     <p:bg>
@@ -5044,7 +5253,7 @@
 </p:sld>
 </file>
 
-<file path=ppt/slides/slide7.xml><?xml version="1.0" encoding="utf-8"?>
+<file path=ppt/slides/slide9.xml><?xml version="1.0" encoding="utf-8"?>
 <p:sld xmlns:a="http://schemas.openxmlformats.org/drawingml/2006/main" xmlns:r="http://schemas.openxmlformats.org/officeDocument/2006/relationships" xmlns:p="http://schemas.openxmlformats.org/presentationml/2006/main">
   <p:cSld>
     <p:spTree>

--- a/silde/slide.pptx
+++ b/silde/slide.pptx
@@ -10,28 +10,29 @@
     <p:sldId id="292" r:id="rId4"/>
     <p:sldId id="261" r:id="rId5"/>
     <p:sldId id="262" r:id="rId6"/>
-    <p:sldId id="291" r:id="rId7"/>
-    <p:sldId id="257" r:id="rId8"/>
-    <p:sldId id="293" r:id="rId9"/>
-    <p:sldId id="289" r:id="rId10"/>
-    <p:sldId id="266" r:id="rId11"/>
-    <p:sldId id="290" r:id="rId12"/>
-    <p:sldId id="285" r:id="rId13"/>
-    <p:sldId id="286" r:id="rId14"/>
-    <p:sldId id="287" r:id="rId15"/>
-    <p:sldId id="276" r:id="rId16"/>
-    <p:sldId id="270" r:id="rId17"/>
-    <p:sldId id="273" r:id="rId18"/>
-    <p:sldId id="274" r:id="rId19"/>
-    <p:sldId id="275" r:id="rId20"/>
-    <p:sldId id="277" r:id="rId21"/>
-    <p:sldId id="278" r:id="rId22"/>
-    <p:sldId id="279" r:id="rId23"/>
-    <p:sldId id="280" r:id="rId24"/>
-    <p:sldId id="281" r:id="rId25"/>
-    <p:sldId id="282" r:id="rId26"/>
-    <p:sldId id="288" r:id="rId27"/>
-    <p:sldId id="263" r:id="rId28"/>
+    <p:sldId id="294" r:id="rId7"/>
+    <p:sldId id="291" r:id="rId8"/>
+    <p:sldId id="257" r:id="rId9"/>
+    <p:sldId id="293" r:id="rId10"/>
+    <p:sldId id="289" r:id="rId11"/>
+    <p:sldId id="266" r:id="rId12"/>
+    <p:sldId id="290" r:id="rId13"/>
+    <p:sldId id="285" r:id="rId14"/>
+    <p:sldId id="286" r:id="rId15"/>
+    <p:sldId id="287" r:id="rId16"/>
+    <p:sldId id="276" r:id="rId17"/>
+    <p:sldId id="270" r:id="rId18"/>
+    <p:sldId id="273" r:id="rId19"/>
+    <p:sldId id="274" r:id="rId20"/>
+    <p:sldId id="275" r:id="rId21"/>
+    <p:sldId id="277" r:id="rId22"/>
+    <p:sldId id="278" r:id="rId23"/>
+    <p:sldId id="279" r:id="rId24"/>
+    <p:sldId id="280" r:id="rId25"/>
+    <p:sldId id="281" r:id="rId26"/>
+    <p:sldId id="282" r:id="rId27"/>
+    <p:sldId id="288" r:id="rId28"/>
+    <p:sldId id="263" r:id="rId29"/>
   </p:sldIdLst>
   <p:sldSz cx="12192000" cy="6858000"/>
   <p:notesSz cx="6858000" cy="9144000"/>
@@ -285,7 +286,7 @@
           <a:p>
             <a:fld id="{211D1462-28C9-4764-9053-5C91D00826B2}" type="datetimeFigureOut">
               <a:rPr lang="it-IT" smtClean="0"/>
-              <a:t>18/05/2020</a:t>
+              <a:t>19/05/2020</a:t>
             </a:fld>
             <a:endParaRPr lang="it-IT"/>
           </a:p>
@@ -483,7 +484,7 @@
           <a:p>
             <a:fld id="{211D1462-28C9-4764-9053-5C91D00826B2}" type="datetimeFigureOut">
               <a:rPr lang="it-IT" smtClean="0"/>
-              <a:t>18/05/2020</a:t>
+              <a:t>19/05/2020</a:t>
             </a:fld>
             <a:endParaRPr lang="it-IT"/>
           </a:p>
@@ -691,7 +692,7 @@
           <a:p>
             <a:fld id="{211D1462-28C9-4764-9053-5C91D00826B2}" type="datetimeFigureOut">
               <a:rPr lang="it-IT" smtClean="0"/>
-              <a:t>18/05/2020</a:t>
+              <a:t>19/05/2020</a:t>
             </a:fld>
             <a:endParaRPr lang="it-IT"/>
           </a:p>
@@ -889,7 +890,7 @@
           <a:p>
             <a:fld id="{211D1462-28C9-4764-9053-5C91D00826B2}" type="datetimeFigureOut">
               <a:rPr lang="it-IT" smtClean="0"/>
-              <a:t>18/05/2020</a:t>
+              <a:t>19/05/2020</a:t>
             </a:fld>
             <a:endParaRPr lang="it-IT"/>
           </a:p>
@@ -1164,7 +1165,7 @@
           <a:p>
             <a:fld id="{211D1462-28C9-4764-9053-5C91D00826B2}" type="datetimeFigureOut">
               <a:rPr lang="it-IT" smtClean="0"/>
-              <a:t>18/05/2020</a:t>
+              <a:t>19/05/2020</a:t>
             </a:fld>
             <a:endParaRPr lang="it-IT"/>
           </a:p>
@@ -1429,7 +1430,7 @@
           <a:p>
             <a:fld id="{211D1462-28C9-4764-9053-5C91D00826B2}" type="datetimeFigureOut">
               <a:rPr lang="it-IT" smtClean="0"/>
-              <a:t>18/05/2020</a:t>
+              <a:t>19/05/2020</a:t>
             </a:fld>
             <a:endParaRPr lang="it-IT"/>
           </a:p>
@@ -1841,7 +1842,7 @@
           <a:p>
             <a:fld id="{211D1462-28C9-4764-9053-5C91D00826B2}" type="datetimeFigureOut">
               <a:rPr lang="it-IT" smtClean="0"/>
-              <a:t>18/05/2020</a:t>
+              <a:t>19/05/2020</a:t>
             </a:fld>
             <a:endParaRPr lang="it-IT"/>
           </a:p>
@@ -1982,7 +1983,7 @@
           <a:p>
             <a:fld id="{211D1462-28C9-4764-9053-5C91D00826B2}" type="datetimeFigureOut">
               <a:rPr lang="it-IT" smtClean="0"/>
-              <a:t>18/05/2020</a:t>
+              <a:t>19/05/2020</a:t>
             </a:fld>
             <a:endParaRPr lang="it-IT"/>
           </a:p>
@@ -2095,7 +2096,7 @@
           <a:p>
             <a:fld id="{211D1462-28C9-4764-9053-5C91D00826B2}" type="datetimeFigureOut">
               <a:rPr lang="it-IT" smtClean="0"/>
-              <a:t>18/05/2020</a:t>
+              <a:t>19/05/2020</a:t>
             </a:fld>
             <a:endParaRPr lang="it-IT"/>
           </a:p>
@@ -2406,7 +2407,7 @@
           <a:p>
             <a:fld id="{211D1462-28C9-4764-9053-5C91D00826B2}" type="datetimeFigureOut">
               <a:rPr lang="it-IT" smtClean="0"/>
-              <a:t>18/05/2020</a:t>
+              <a:t>19/05/2020</a:t>
             </a:fld>
             <a:endParaRPr lang="it-IT"/>
           </a:p>
@@ -2694,7 +2695,7 @@
           <a:p>
             <a:fld id="{211D1462-28C9-4764-9053-5C91D00826B2}" type="datetimeFigureOut">
               <a:rPr lang="it-IT" smtClean="0"/>
-              <a:t>18/05/2020</a:t>
+              <a:t>19/05/2020</a:t>
             </a:fld>
             <a:endParaRPr lang="it-IT"/>
           </a:p>
@@ -2935,7 +2936,7 @@
           <a:p>
             <a:fld id="{211D1462-28C9-4764-9053-5C91D00826B2}" type="datetimeFigureOut">
               <a:rPr lang="it-IT" smtClean="0"/>
-              <a:t>18/05/2020</a:t>
+              <a:t>19/05/2020</a:t>
             </a:fld>
             <a:endParaRPr lang="it-IT"/>
           </a:p>
@@ -3707,7 +3708,7 @@
               <a:rPr lang="it-IT" dirty="0"/>
               <a:t> (MAADB)</a:t>
             </a:r>
-            <a:endParaRPr lang="it-IT" b="1">
+            <a:endParaRPr lang="it-IT" b="1" dirty="0">
               <a:effectLst/>
             </a:endParaRPr>
           </a:p>
@@ -3790,6 +3791,406 @@
 </file>
 
 <file path=ppt/slides/slide10.xml><?xml version="1.0" encoding="utf-8"?>
+<p:sld xmlns:a="http://schemas.openxmlformats.org/drawingml/2006/main" xmlns:r="http://schemas.openxmlformats.org/officeDocument/2006/relationships" xmlns:p="http://schemas.openxmlformats.org/presentationml/2006/main">
+  <p:cSld>
+    <p:bg>
+      <p:bgPr>
+        <a:solidFill>
+          <a:schemeClr val="bg1"/>
+        </a:solidFill>
+        <a:effectLst/>
+      </p:bgPr>
+    </p:bg>
+    <p:spTree>
+      <p:nvGrpSpPr>
+        <p:cNvPr id="1" name=""/>
+        <p:cNvGrpSpPr/>
+        <p:nvPr/>
+      </p:nvGrpSpPr>
+      <p:grpSpPr>
+        <a:xfrm>
+          <a:off x="0" y="0"/>
+          <a:ext cx="0" cy="0"/>
+          <a:chOff x="0" y="0"/>
+          <a:chExt cx="0" cy="0"/>
+        </a:xfrm>
+      </p:grpSpPr>
+      <p:sp useBgFill="1">
+        <p:nvSpPr>
+          <p:cNvPr id="31" name="Rectangle 30">
+            <a:extLst>
+              <a:ext uri="{FF2B5EF4-FFF2-40B4-BE49-F238E27FC236}">
+                <a16:creationId xmlns:a16="http://schemas.microsoft.com/office/drawing/2014/main" id="{A7895A40-19A4-42D6-9D30-DBC1E8002635}"/>
+              </a:ext>
+              <a:ext uri="{C183D7F6-B498-43B3-948B-1728B52AA6E4}">
+                <adec:decorative xmlns:adec="http://schemas.microsoft.com/office/drawing/2017/decorative" val="1"/>
+              </a:ext>
+            </a:extLst>
+          </p:cNvPr>
+          <p:cNvSpPr>
+            <a:spLocks noGrp="1" noRot="1" noChangeAspect="1" noMove="1" noResize="1" noEditPoints="1" noAdjustHandles="1" noChangeArrowheads="1" noChangeShapeType="1" noTextEdit="1"/>
+          </p:cNvSpPr>
+          <p:nvPr>
+            <p:extLst>
+              <p:ext uri="{386F3935-93C4-4BCD-93E2-E3B085C9AB24}">
+                <p16:designElem xmlns:p16="http://schemas.microsoft.com/office/powerpoint/2015/main" val="1"/>
+              </p:ext>
+            </p:extLst>
+          </p:nvPr>
+        </p:nvSpPr>
+        <p:spPr>
+          <a:xfrm>
+            <a:off x="0" y="0"/>
+            <a:ext cx="12191999" cy="6857365"/>
+          </a:xfrm>
+          <a:prstGeom prst="rect">
+            <a:avLst/>
+          </a:prstGeom>
+          <a:ln>
+            <a:noFill/>
+          </a:ln>
+        </p:spPr>
+        <p:style>
+          <a:lnRef idx="2">
+            <a:schemeClr val="accent1">
+              <a:shade val="50000"/>
+            </a:schemeClr>
+          </a:lnRef>
+          <a:fillRef idx="1">
+            <a:schemeClr val="accent1"/>
+          </a:fillRef>
+          <a:effectRef idx="0">
+            <a:schemeClr val="accent1"/>
+          </a:effectRef>
+          <a:fontRef idx="minor">
+            <a:schemeClr val="lt1"/>
+          </a:fontRef>
+        </p:style>
+        <p:txBody>
+          <a:bodyPr rtlCol="0" anchor="ctr"/>
+          <a:lstStyle/>
+          <a:p>
+            <a:pPr algn="ctr"/>
+            <a:endParaRPr lang="en-US"/>
+          </a:p>
+        </p:txBody>
+      </p:sp>
+      <p:sp>
+        <p:nvSpPr>
+          <p:cNvPr id="33" name="Rectangle 32">
+            <a:extLst>
+              <a:ext uri="{FF2B5EF4-FFF2-40B4-BE49-F238E27FC236}">
+                <a16:creationId xmlns:a16="http://schemas.microsoft.com/office/drawing/2014/main" id="{02F429C4-ABC9-46FC-818A-B5429CDE4A96}"/>
+              </a:ext>
+              <a:ext uri="{C183D7F6-B498-43B3-948B-1728B52AA6E4}">
+                <adec:decorative xmlns:adec="http://schemas.microsoft.com/office/drawing/2017/decorative" val="1"/>
+              </a:ext>
+            </a:extLst>
+          </p:cNvPr>
+          <p:cNvSpPr>
+            <a:spLocks noGrp="1" noRot="1" noChangeAspect="1" noMove="1" noResize="1" noEditPoints="1" noAdjustHandles="1" noChangeArrowheads="1" noChangeShapeType="1" noTextEdit="1"/>
+          </p:cNvSpPr>
+          <p:nvPr>
+            <p:extLst>
+              <p:ext uri="{386F3935-93C4-4BCD-93E2-E3B085C9AB24}">
+                <p16:designElem xmlns:p16="http://schemas.microsoft.com/office/powerpoint/2015/main" val="1"/>
+              </p:ext>
+            </p:extLst>
+          </p:nvPr>
+        </p:nvSpPr>
+        <p:spPr>
+          <a:xfrm rot="5400000">
+            <a:off x="-1270325" y="3369273"/>
+            <a:ext cx="3200400" cy="152382"/>
+          </a:xfrm>
+          <a:prstGeom prst="rect">
+            <a:avLst/>
+          </a:prstGeom>
+          <a:solidFill>
+            <a:schemeClr val="accent4"/>
+          </a:solidFill>
+          <a:ln>
+            <a:noFill/>
+          </a:ln>
+        </p:spPr>
+        <p:style>
+          <a:lnRef idx="2">
+            <a:schemeClr val="accent1">
+              <a:shade val="50000"/>
+            </a:schemeClr>
+          </a:lnRef>
+          <a:fillRef idx="1">
+            <a:schemeClr val="accent1"/>
+          </a:fillRef>
+          <a:effectRef idx="0">
+            <a:schemeClr val="accent1"/>
+          </a:effectRef>
+          <a:fontRef idx="minor">
+            <a:schemeClr val="lt1"/>
+          </a:fontRef>
+        </p:style>
+        <p:txBody>
+          <a:bodyPr rtlCol="0" anchor="ctr"/>
+          <a:lstStyle/>
+          <a:p>
+            <a:pPr algn="ctr"/>
+            <a:endParaRPr lang="en-US"/>
+          </a:p>
+        </p:txBody>
+      </p:sp>
+      <p:sp>
+        <p:nvSpPr>
+          <p:cNvPr id="35" name="Rectangle 34">
+            <a:extLst>
+              <a:ext uri="{FF2B5EF4-FFF2-40B4-BE49-F238E27FC236}">
+                <a16:creationId xmlns:a16="http://schemas.microsoft.com/office/drawing/2014/main" id="{2CEF98E4-3709-4952-8F42-2305CCE34FA3}"/>
+              </a:ext>
+              <a:ext uri="{C183D7F6-B498-43B3-948B-1728B52AA6E4}">
+                <adec:decorative xmlns:adec="http://schemas.microsoft.com/office/drawing/2017/decorative" val="1"/>
+              </a:ext>
+            </a:extLst>
+          </p:cNvPr>
+          <p:cNvSpPr>
+            <a:spLocks noGrp="1" noRot="1" noChangeAspect="1" noMove="1" noResize="1" noEditPoints="1" noAdjustHandles="1" noChangeArrowheads="1" noChangeShapeType="1" noTextEdit="1"/>
+          </p:cNvSpPr>
+          <p:nvPr>
+            <p:extLst>
+              <p:ext uri="{386F3935-93C4-4BCD-93E2-E3B085C9AB24}">
+                <p16:designElem xmlns:p16="http://schemas.microsoft.com/office/powerpoint/2015/main" val="1"/>
+              </p:ext>
+            </p:extLst>
+          </p:nvPr>
+        </p:nvSpPr>
+        <p:spPr>
+          <a:xfrm rot="16200000">
+            <a:off x="6374475" y="1040470"/>
+            <a:ext cx="6858003" cy="4777047"/>
+          </a:xfrm>
+          <a:prstGeom prst="rect">
+            <a:avLst/>
+          </a:prstGeom>
+          <a:solidFill>
+            <a:schemeClr val="accent4"/>
+          </a:solidFill>
+          <a:ln>
+            <a:noFill/>
+          </a:ln>
+        </p:spPr>
+        <p:style>
+          <a:lnRef idx="2">
+            <a:schemeClr val="accent1">
+              <a:shade val="50000"/>
+            </a:schemeClr>
+          </a:lnRef>
+          <a:fillRef idx="1">
+            <a:schemeClr val="accent1"/>
+          </a:fillRef>
+          <a:effectRef idx="0">
+            <a:schemeClr val="accent1"/>
+          </a:effectRef>
+          <a:fontRef idx="minor">
+            <a:schemeClr val="lt1"/>
+          </a:fontRef>
+        </p:style>
+        <p:txBody>
+          <a:bodyPr rtlCol="0" anchor="ctr"/>
+          <a:lstStyle/>
+          <a:p>
+            <a:pPr algn="ctr"/>
+            <a:endParaRPr lang="en-US" dirty="0"/>
+          </a:p>
+        </p:txBody>
+      </p:sp>
+      <p:sp>
+        <p:nvSpPr>
+          <p:cNvPr id="37" name="Rectangle 36">
+            <a:extLst>
+              <a:ext uri="{FF2B5EF4-FFF2-40B4-BE49-F238E27FC236}">
+                <a16:creationId xmlns:a16="http://schemas.microsoft.com/office/drawing/2014/main" id="{F10BCCF5-D685-47FF-B675-647EAEB72C8E}"/>
+              </a:ext>
+              <a:ext uri="{C183D7F6-B498-43B3-948B-1728B52AA6E4}">
+                <adec:decorative xmlns:adec="http://schemas.microsoft.com/office/drawing/2017/decorative" val="1"/>
+              </a:ext>
+            </a:extLst>
+          </p:cNvPr>
+          <p:cNvSpPr>
+            <a:spLocks noGrp="1" noRot="1" noChangeAspect="1" noMove="1" noResize="1" noEditPoints="1" noAdjustHandles="1" noChangeArrowheads="1" noChangeShapeType="1" noTextEdit="1"/>
+          </p:cNvSpPr>
+          <p:nvPr>
+            <p:extLst>
+              <p:ext uri="{386F3935-93C4-4BCD-93E2-E3B085C9AB24}">
+                <p16:designElem xmlns:p16="http://schemas.microsoft.com/office/powerpoint/2015/main" val="1"/>
+              </p:ext>
+            </p:extLst>
+          </p:nvPr>
+        </p:nvSpPr>
+        <p:spPr>
+          <a:xfrm>
+            <a:off x="387914" y="857786"/>
+            <a:ext cx="11067024" cy="5208932"/>
+          </a:xfrm>
+          <a:prstGeom prst="rect">
+            <a:avLst/>
+          </a:prstGeom>
+          <a:solidFill>
+            <a:schemeClr val="bg1"/>
+          </a:solidFill>
+          <a:ln>
+            <a:noFill/>
+          </a:ln>
+          <a:effectLst>
+            <a:outerShdw blurRad="139700" dist="127000" dir="5400000" algn="t" rotWithShape="0">
+              <a:prstClr val="black">
+                <a:alpha val="15000"/>
+              </a:prstClr>
+            </a:outerShdw>
+          </a:effectLst>
+        </p:spPr>
+        <p:style>
+          <a:lnRef idx="2">
+            <a:schemeClr val="accent1">
+              <a:shade val="50000"/>
+            </a:schemeClr>
+          </a:lnRef>
+          <a:fillRef idx="1">
+            <a:schemeClr val="accent1"/>
+          </a:fillRef>
+          <a:effectRef idx="0">
+            <a:schemeClr val="accent1"/>
+          </a:effectRef>
+          <a:fontRef idx="minor">
+            <a:schemeClr val="lt1"/>
+          </a:fontRef>
+        </p:style>
+        <p:txBody>
+          <a:bodyPr rtlCol="0" anchor="ctr"/>
+          <a:lstStyle/>
+          <a:p>
+            <a:pPr algn="ctr"/>
+            <a:endParaRPr lang="en-US"/>
+          </a:p>
+        </p:txBody>
+      </p:sp>
+      <p:sp>
+        <p:nvSpPr>
+          <p:cNvPr id="2" name="Titolo 1">
+            <a:extLst>
+              <a:ext uri="{FF2B5EF4-FFF2-40B4-BE49-F238E27FC236}">
+                <a16:creationId xmlns:a16="http://schemas.microsoft.com/office/drawing/2014/main" id="{FA8208BF-DDFF-43D4-9C2B-CAE04644E730}"/>
+              </a:ext>
+            </a:extLst>
+          </p:cNvPr>
+          <p:cNvSpPr>
+            <a:spLocks noGrp="1"/>
+          </p:cNvSpPr>
+          <p:nvPr>
+            <p:ph type="title"/>
+          </p:nvPr>
+        </p:nvSpPr>
+        <p:spPr>
+          <a:xfrm>
+            <a:off x="987689" y="3071183"/>
+            <a:ext cx="9910296" cy="2590027"/>
+          </a:xfrm>
+        </p:spPr>
+        <p:txBody>
+          <a:bodyPr vert="horz" lIns="91440" tIns="45720" rIns="91440" bIns="45720" rtlCol="0" anchor="t">
+            <a:normAutofit/>
+          </a:bodyPr>
+          <a:lstStyle/>
+          <a:p>
+            <a:pPr algn="ctr"/>
+            <a:r>
+              <a:rPr lang="en-US" sz="8000" kern="1200" dirty="0">
+                <a:solidFill>
+                  <a:schemeClr val="tx1"/>
+                </a:solidFill>
+                <a:latin typeface="+mj-lt"/>
+                <a:ea typeface="+mj-ea"/>
+                <a:cs typeface="+mj-cs"/>
+              </a:rPr>
+              <a:t>MySQL</a:t>
+            </a:r>
+          </a:p>
+        </p:txBody>
+      </p:sp>
+      <p:sp>
+        <p:nvSpPr>
+          <p:cNvPr id="39" name="Rectangle 38">
+            <a:extLst>
+              <a:ext uri="{FF2B5EF4-FFF2-40B4-BE49-F238E27FC236}">
+                <a16:creationId xmlns:a16="http://schemas.microsoft.com/office/drawing/2014/main" id="{B0EE8A42-107A-4D4C-8D56-BBAE95C7FC0D}"/>
+              </a:ext>
+              <a:ext uri="{C183D7F6-B498-43B3-948B-1728B52AA6E4}">
+                <adec:decorative xmlns:adec="http://schemas.microsoft.com/office/drawing/2017/decorative" val="1"/>
+              </a:ext>
+            </a:extLst>
+          </p:cNvPr>
+          <p:cNvSpPr>
+            <a:spLocks noGrp="1" noRot="1" noChangeAspect="1" noMove="1" noResize="1" noEditPoints="1" noAdjustHandles="1" noChangeArrowheads="1" noChangeShapeType="1" noTextEdit="1"/>
+          </p:cNvSpPr>
+          <p:nvPr>
+            <p:extLst>
+              <p:ext uri="{386F3935-93C4-4BCD-93E2-E3B085C9AB24}">
+                <p16:designElem xmlns:p16="http://schemas.microsoft.com/office/powerpoint/2015/main" val="1"/>
+              </p:ext>
+            </p:extLst>
+          </p:nvPr>
+        </p:nvSpPr>
+        <p:spPr>
+          <a:xfrm rot="5400000">
+            <a:off x="-1524009" y="3366125"/>
+            <a:ext cx="3200400" cy="152382"/>
+          </a:xfrm>
+          <a:prstGeom prst="rect">
+            <a:avLst/>
+          </a:prstGeom>
+          <a:solidFill>
+            <a:schemeClr val="accent4"/>
+          </a:solidFill>
+          <a:ln>
+            <a:noFill/>
+          </a:ln>
+        </p:spPr>
+        <p:style>
+          <a:lnRef idx="2">
+            <a:schemeClr val="accent1">
+              <a:shade val="50000"/>
+            </a:schemeClr>
+          </a:lnRef>
+          <a:fillRef idx="1">
+            <a:schemeClr val="accent1"/>
+          </a:fillRef>
+          <a:effectRef idx="0">
+            <a:schemeClr val="accent1"/>
+          </a:effectRef>
+          <a:fontRef idx="minor">
+            <a:schemeClr val="lt1"/>
+          </a:fontRef>
+        </p:style>
+        <p:txBody>
+          <a:bodyPr rtlCol="0" anchor="ctr"/>
+          <a:lstStyle/>
+          <a:p>
+            <a:pPr algn="ctr"/>
+            <a:endParaRPr lang="en-US"/>
+          </a:p>
+        </p:txBody>
+      </p:sp>
+    </p:spTree>
+    <p:extLst>
+      <p:ext uri="{BB962C8B-B14F-4D97-AF65-F5344CB8AC3E}">
+        <p14:creationId xmlns:p14="http://schemas.microsoft.com/office/powerpoint/2010/main" val="98539100"/>
+      </p:ext>
+    </p:extLst>
+  </p:cSld>
+  <p:clrMapOvr>
+    <a:masterClrMapping/>
+  </p:clrMapOvr>
+</p:sld>
+</file>
+
+<file path=ppt/slides/slide11.xml><?xml version="1.0" encoding="utf-8"?>
 <p:sld xmlns:a="http://schemas.openxmlformats.org/drawingml/2006/main" xmlns:r="http://schemas.openxmlformats.org/officeDocument/2006/relationships" xmlns:p="http://schemas.openxmlformats.org/presentationml/2006/main">
   <p:cSld>
     <p:bg>
@@ -4304,7 +4705,7 @@
 </p:sld>
 </file>
 
-<file path=ppt/slides/slide11.xml><?xml version="1.0" encoding="utf-8"?>
+<file path=ppt/slides/slide12.xml><?xml version="1.0" encoding="utf-8"?>
 <p:sld xmlns:a="http://schemas.openxmlformats.org/drawingml/2006/main" xmlns:r="http://schemas.openxmlformats.org/officeDocument/2006/relationships" xmlns:p="http://schemas.openxmlformats.org/presentationml/2006/main">
   <p:cSld>
     <p:bg>
@@ -4630,7 +5031,7 @@
 </p:sld>
 </file>
 
-<file path=ppt/slides/slide12.xml><?xml version="1.0" encoding="utf-8"?>
+<file path=ppt/slides/slide13.xml><?xml version="1.0" encoding="utf-8"?>
 <p:sld xmlns:a="http://schemas.openxmlformats.org/drawingml/2006/main" xmlns:r="http://schemas.openxmlformats.org/officeDocument/2006/relationships" xmlns:p="http://schemas.openxmlformats.org/presentationml/2006/main">
   <p:cSld>
     <p:bg>
@@ -5030,107 +5431,6 @@
 </p:sld>
 </file>
 
-<file path=ppt/slides/slide13.xml><?xml version="1.0" encoding="utf-8"?>
-<p:sld xmlns:a="http://schemas.openxmlformats.org/drawingml/2006/main" xmlns:r="http://schemas.openxmlformats.org/officeDocument/2006/relationships" xmlns:p="http://schemas.openxmlformats.org/presentationml/2006/main">
-  <p:cSld>
-    <p:spTree>
-      <p:nvGrpSpPr>
-        <p:cNvPr id="1" name=""/>
-        <p:cNvGrpSpPr/>
-        <p:nvPr/>
-      </p:nvGrpSpPr>
-      <p:grpSpPr>
-        <a:xfrm>
-          <a:off x="0" y="0"/>
-          <a:ext cx="0" cy="0"/>
-          <a:chOff x="0" y="0"/>
-          <a:chExt cx="0" cy="0"/>
-        </a:xfrm>
-      </p:grpSpPr>
-      <p:sp>
-        <p:nvSpPr>
-          <p:cNvPr id="6" name="Rettangolo 5">
-            <a:extLst>
-              <a:ext uri="{FF2B5EF4-FFF2-40B4-BE49-F238E27FC236}">
-                <a16:creationId xmlns:a16="http://schemas.microsoft.com/office/drawing/2014/main" id="{D0C4D06F-D616-4D74-8471-49CB2778B537}"/>
-              </a:ext>
-            </a:extLst>
-          </p:cNvPr>
-          <p:cNvSpPr/>
-          <p:nvPr/>
-        </p:nvSpPr>
-        <p:spPr>
-          <a:xfrm>
-            <a:off x="394408" y="3147735"/>
-            <a:ext cx="3675624" cy="1200329"/>
-          </a:xfrm>
-          <a:prstGeom prst="rect">
-            <a:avLst/>
-          </a:prstGeom>
-        </p:spPr>
-        <p:txBody>
-          <a:bodyPr wrap="square">
-            <a:spAutoFit/>
-          </a:bodyPr>
-          <a:lstStyle/>
-          <a:p>
-            <a:r>
-              <a:rPr lang="en-US" sz="3600" dirty="0"/>
-              <a:t>For each emotion: 8 collection</a:t>
-            </a:r>
-            <a:endParaRPr lang="it-IT" sz="3600" dirty="0"/>
-          </a:p>
-        </p:txBody>
-      </p:sp>
-      <p:pic>
-        <p:nvPicPr>
-          <p:cNvPr id="8" name="Immagine 7" descr="Immagine che contiene screenshot&#10;&#10;Descrizione generata automaticamente">
-            <a:extLst>
-              <a:ext uri="{FF2B5EF4-FFF2-40B4-BE49-F238E27FC236}">
-                <a16:creationId xmlns:a16="http://schemas.microsoft.com/office/drawing/2014/main" id="{969DA7EC-C8B3-477E-AABA-6EBAF8C4C107}"/>
-              </a:ext>
-            </a:extLst>
-          </p:cNvPr>
-          <p:cNvPicPr>
-            <a:picLocks noChangeAspect="1"/>
-          </p:cNvPicPr>
-          <p:nvPr/>
-        </p:nvPicPr>
-        <p:blipFill>
-          <a:blip r:embed="rId2">
-            <a:extLst>
-              <a:ext uri="{28A0092B-C50C-407E-A947-70E740481C1C}">
-                <a14:useLocalDpi xmlns:a14="http://schemas.microsoft.com/office/drawing/2010/main" val="0"/>
-              </a:ext>
-            </a:extLst>
-          </a:blip>
-          <a:stretch>
-            <a:fillRect/>
-          </a:stretch>
-        </p:blipFill>
-        <p:spPr>
-          <a:xfrm>
-            <a:off x="4175458" y="631349"/>
-            <a:ext cx="8016542" cy="6226651"/>
-          </a:xfrm>
-          <a:prstGeom prst="rect">
-            <a:avLst/>
-          </a:prstGeom>
-        </p:spPr>
-      </p:pic>
-    </p:spTree>
-    <p:extLst>
-      <p:ext uri="{BB962C8B-B14F-4D97-AF65-F5344CB8AC3E}">
-        <p14:creationId xmlns:p14="http://schemas.microsoft.com/office/powerpoint/2010/main" val="2165523614"/>
-      </p:ext>
-    </p:extLst>
-  </p:cSld>
-  <p:clrMapOvr>
-    <a:masterClrMapping/>
-  </p:clrMapOvr>
-</p:sld>
-</file>
-
 <file path=ppt/slides/slide14.xml><?xml version="1.0" encoding="utf-8"?>
 <p:sld xmlns:a="http://schemas.openxmlformats.org/drawingml/2006/main" xmlns:r="http://schemas.openxmlformats.org/officeDocument/2006/relationships" xmlns:p="http://schemas.openxmlformats.org/presentationml/2006/main">
   <p:cSld>
@@ -5150,6 +5450,107 @@
       </p:grpSpPr>
       <p:sp>
         <p:nvSpPr>
+          <p:cNvPr id="6" name="Rettangolo 5">
+            <a:extLst>
+              <a:ext uri="{FF2B5EF4-FFF2-40B4-BE49-F238E27FC236}">
+                <a16:creationId xmlns:a16="http://schemas.microsoft.com/office/drawing/2014/main" id="{D0C4D06F-D616-4D74-8471-49CB2778B537}"/>
+              </a:ext>
+            </a:extLst>
+          </p:cNvPr>
+          <p:cNvSpPr/>
+          <p:nvPr/>
+        </p:nvSpPr>
+        <p:spPr>
+          <a:xfrm>
+            <a:off x="394408" y="3147735"/>
+            <a:ext cx="3675624" cy="1200329"/>
+          </a:xfrm>
+          <a:prstGeom prst="rect">
+            <a:avLst/>
+          </a:prstGeom>
+        </p:spPr>
+        <p:txBody>
+          <a:bodyPr wrap="square">
+            <a:spAutoFit/>
+          </a:bodyPr>
+          <a:lstStyle/>
+          <a:p>
+            <a:r>
+              <a:rPr lang="en-US" sz="3600" dirty="0"/>
+              <a:t>For each emotion: 8 collection</a:t>
+            </a:r>
+            <a:endParaRPr lang="it-IT" sz="3600" dirty="0"/>
+          </a:p>
+        </p:txBody>
+      </p:sp>
+      <p:pic>
+        <p:nvPicPr>
+          <p:cNvPr id="8" name="Immagine 7" descr="Immagine che contiene screenshot&#10;&#10;Descrizione generata automaticamente">
+            <a:extLst>
+              <a:ext uri="{FF2B5EF4-FFF2-40B4-BE49-F238E27FC236}">
+                <a16:creationId xmlns:a16="http://schemas.microsoft.com/office/drawing/2014/main" id="{969DA7EC-C8B3-477E-AABA-6EBAF8C4C107}"/>
+              </a:ext>
+            </a:extLst>
+          </p:cNvPr>
+          <p:cNvPicPr>
+            <a:picLocks noChangeAspect="1"/>
+          </p:cNvPicPr>
+          <p:nvPr/>
+        </p:nvPicPr>
+        <p:blipFill>
+          <a:blip r:embed="rId2">
+            <a:extLst>
+              <a:ext uri="{28A0092B-C50C-407E-A947-70E740481C1C}">
+                <a14:useLocalDpi xmlns:a14="http://schemas.microsoft.com/office/drawing/2010/main" val="0"/>
+              </a:ext>
+            </a:extLst>
+          </a:blip>
+          <a:stretch>
+            <a:fillRect/>
+          </a:stretch>
+        </p:blipFill>
+        <p:spPr>
+          <a:xfrm>
+            <a:off x="4175458" y="631349"/>
+            <a:ext cx="8016542" cy="6226651"/>
+          </a:xfrm>
+          <a:prstGeom prst="rect">
+            <a:avLst/>
+          </a:prstGeom>
+        </p:spPr>
+      </p:pic>
+    </p:spTree>
+    <p:extLst>
+      <p:ext uri="{BB962C8B-B14F-4D97-AF65-F5344CB8AC3E}">
+        <p14:creationId xmlns:p14="http://schemas.microsoft.com/office/powerpoint/2010/main" val="2165523614"/>
+      </p:ext>
+    </p:extLst>
+  </p:cSld>
+  <p:clrMapOvr>
+    <a:masterClrMapping/>
+  </p:clrMapOvr>
+</p:sld>
+</file>
+
+<file path=ppt/slides/slide15.xml><?xml version="1.0" encoding="utf-8"?>
+<p:sld xmlns:a="http://schemas.openxmlformats.org/drawingml/2006/main" xmlns:r="http://schemas.openxmlformats.org/officeDocument/2006/relationships" xmlns:p="http://schemas.openxmlformats.org/presentationml/2006/main">
+  <p:cSld>
+    <p:spTree>
+      <p:nvGrpSpPr>
+        <p:cNvPr id="1" name=""/>
+        <p:cNvGrpSpPr/>
+        <p:nvPr/>
+      </p:nvGrpSpPr>
+      <p:grpSpPr>
+        <a:xfrm>
+          <a:off x="0" y="0"/>
+          <a:ext cx="0" cy="0"/>
+          <a:chOff x="0" y="0"/>
+          <a:chExt cx="0" cy="0"/>
+        </a:xfrm>
+      </p:grpSpPr>
+      <p:sp>
+        <p:nvSpPr>
           <p:cNvPr id="2" name="Titolo 1">
             <a:extLst>
               <a:ext uri="{FF2B5EF4-FFF2-40B4-BE49-F238E27FC236}">
@@ -5351,7 +5752,7 @@
 </p:sld>
 </file>
 
-<file path=ppt/slides/slide15.xml><?xml version="1.0" encoding="utf-8"?>
+<file path=ppt/slides/slide16.xml><?xml version="1.0" encoding="utf-8"?>
 <p:sld xmlns:a="http://schemas.openxmlformats.org/drawingml/2006/main" xmlns:r="http://schemas.openxmlformats.org/officeDocument/2006/relationships" xmlns:p="http://schemas.openxmlformats.org/presentationml/2006/main">
   <p:cSld>
     <p:bg>
@@ -5751,7 +6152,7 @@
 </p:sld>
 </file>
 
-<file path=ppt/slides/slide16.xml><?xml version="1.0" encoding="utf-8"?>
+<file path=ppt/slides/slide17.xml><?xml version="1.0" encoding="utf-8"?>
 <p:sld xmlns:a="http://schemas.openxmlformats.org/drawingml/2006/main" xmlns:r="http://schemas.openxmlformats.org/officeDocument/2006/relationships" xmlns:p="http://schemas.openxmlformats.org/presentationml/2006/main">
   <p:cSld>
     <p:bg>
@@ -6200,405 +6601,6 @@
 </p:sld>
 </file>
 
-<file path=ppt/slides/slide17.xml><?xml version="1.0" encoding="utf-8"?>
-<p:sld xmlns:a="http://schemas.openxmlformats.org/drawingml/2006/main" xmlns:r="http://schemas.openxmlformats.org/officeDocument/2006/relationships" xmlns:p="http://schemas.openxmlformats.org/presentationml/2006/main">
-  <p:cSld>
-    <p:bg>
-      <p:bgPr>
-        <a:solidFill>
-          <a:schemeClr val="bg1"/>
-        </a:solidFill>
-        <a:effectLst/>
-      </p:bgPr>
-    </p:bg>
-    <p:spTree>
-      <p:nvGrpSpPr>
-        <p:cNvPr id="1" name=""/>
-        <p:cNvGrpSpPr/>
-        <p:nvPr/>
-      </p:nvGrpSpPr>
-      <p:grpSpPr>
-        <a:xfrm>
-          <a:off x="0" y="0"/>
-          <a:ext cx="0" cy="0"/>
-          <a:chOff x="0" y="0"/>
-          <a:chExt cx="0" cy="0"/>
-        </a:xfrm>
-      </p:grpSpPr>
-      <p:sp useBgFill="1">
-        <p:nvSpPr>
-          <p:cNvPr id="7" name="Rectangle 6">
-            <a:extLst>
-              <a:ext uri="{FF2B5EF4-FFF2-40B4-BE49-F238E27FC236}">
-                <a16:creationId xmlns:a16="http://schemas.microsoft.com/office/drawing/2014/main" id="{0E42565C-E3CC-4EF0-8093-88FCC788A3C2}"/>
-              </a:ext>
-              <a:ext uri="{C183D7F6-B498-43B3-948B-1728B52AA6E4}">
-                <adec:decorative xmlns:adec="http://schemas.microsoft.com/office/drawing/2017/decorative" val="1"/>
-              </a:ext>
-            </a:extLst>
-          </p:cNvPr>
-          <p:cNvSpPr>
-            <a:spLocks noGrp="1" noRot="1" noChangeAspect="1" noMove="1" noResize="1" noEditPoints="1" noAdjustHandles="1" noChangeArrowheads="1" noChangeShapeType="1" noTextEdit="1"/>
-          </p:cNvSpPr>
-          <p:nvPr>
-            <p:extLst>
-              <p:ext uri="{386F3935-93C4-4BCD-93E2-E3B085C9AB24}">
-                <p16:designElem xmlns:p16="http://schemas.microsoft.com/office/powerpoint/2015/main" val="1"/>
-              </p:ext>
-            </p:extLst>
-          </p:nvPr>
-        </p:nvSpPr>
-        <p:spPr>
-          <a:xfrm>
-            <a:off x="0" y="0"/>
-            <a:ext cx="12191999" cy="6857365"/>
-          </a:xfrm>
-          <a:prstGeom prst="rect">
-            <a:avLst/>
-          </a:prstGeom>
-          <a:ln>
-            <a:noFill/>
-          </a:ln>
-        </p:spPr>
-        <p:style>
-          <a:lnRef idx="2">
-            <a:schemeClr val="accent1">
-              <a:shade val="50000"/>
-            </a:schemeClr>
-          </a:lnRef>
-          <a:fillRef idx="1">
-            <a:schemeClr val="accent1"/>
-          </a:fillRef>
-          <a:effectRef idx="0">
-            <a:schemeClr val="accent1"/>
-          </a:effectRef>
-          <a:fontRef idx="minor">
-            <a:schemeClr val="lt1"/>
-          </a:fontRef>
-        </p:style>
-        <p:txBody>
-          <a:bodyPr rtlCol="0" anchor="ctr"/>
-          <a:lstStyle/>
-          <a:p>
-            <a:pPr algn="ctr"/>
-            <a:endParaRPr lang="en-US"/>
-          </a:p>
-        </p:txBody>
-      </p:sp>
-      <p:sp>
-        <p:nvSpPr>
-          <p:cNvPr id="9" name="Rectangle 8">
-            <a:extLst>
-              <a:ext uri="{FF2B5EF4-FFF2-40B4-BE49-F238E27FC236}">
-                <a16:creationId xmlns:a16="http://schemas.microsoft.com/office/drawing/2014/main" id="{02F429C4-ABC9-46FC-818A-B5429CDE4A96}"/>
-              </a:ext>
-              <a:ext uri="{C183D7F6-B498-43B3-948B-1728B52AA6E4}">
-                <adec:decorative xmlns:adec="http://schemas.microsoft.com/office/drawing/2017/decorative" val="1"/>
-              </a:ext>
-            </a:extLst>
-          </p:cNvPr>
-          <p:cNvSpPr>
-            <a:spLocks noGrp="1" noRot="1" noChangeAspect="1" noMove="1" noResize="1" noEditPoints="1" noAdjustHandles="1" noChangeArrowheads="1" noChangeShapeType="1" noTextEdit="1"/>
-          </p:cNvSpPr>
-          <p:nvPr>
-            <p:extLst>
-              <p:ext uri="{386F3935-93C4-4BCD-93E2-E3B085C9AB24}">
-                <p16:designElem xmlns:p16="http://schemas.microsoft.com/office/powerpoint/2015/main" val="1"/>
-              </p:ext>
-            </p:extLst>
-          </p:nvPr>
-        </p:nvSpPr>
-        <p:spPr>
-          <a:xfrm rot="5400000">
-            <a:off x="-1270325" y="3369273"/>
-            <a:ext cx="3200400" cy="152382"/>
-          </a:xfrm>
-          <a:prstGeom prst="rect">
-            <a:avLst/>
-          </a:prstGeom>
-          <a:solidFill>
-            <a:schemeClr val="accent4"/>
-          </a:solidFill>
-          <a:ln>
-            <a:noFill/>
-          </a:ln>
-        </p:spPr>
-        <p:style>
-          <a:lnRef idx="2">
-            <a:schemeClr val="accent1">
-              <a:shade val="50000"/>
-            </a:schemeClr>
-          </a:lnRef>
-          <a:fillRef idx="1">
-            <a:schemeClr val="accent1"/>
-          </a:fillRef>
-          <a:effectRef idx="0">
-            <a:schemeClr val="accent1"/>
-          </a:effectRef>
-          <a:fontRef idx="minor">
-            <a:schemeClr val="lt1"/>
-          </a:fontRef>
-        </p:style>
-        <p:txBody>
-          <a:bodyPr rtlCol="0" anchor="ctr"/>
-          <a:lstStyle/>
-          <a:p>
-            <a:pPr algn="ctr"/>
-            <a:endParaRPr lang="en-US"/>
-          </a:p>
-        </p:txBody>
-      </p:sp>
-      <p:sp>
-        <p:nvSpPr>
-          <p:cNvPr id="11" name="Rectangle 10">
-            <a:extLst>
-              <a:ext uri="{FF2B5EF4-FFF2-40B4-BE49-F238E27FC236}">
-                <a16:creationId xmlns:a16="http://schemas.microsoft.com/office/drawing/2014/main" id="{2CEF98E4-3709-4952-8F42-2305CCE34FA3}"/>
-              </a:ext>
-              <a:ext uri="{C183D7F6-B498-43B3-948B-1728B52AA6E4}">
-                <adec:decorative xmlns:adec="http://schemas.microsoft.com/office/drawing/2017/decorative" val="1"/>
-              </a:ext>
-            </a:extLst>
-          </p:cNvPr>
-          <p:cNvSpPr>
-            <a:spLocks noGrp="1" noRot="1" noChangeAspect="1" noMove="1" noResize="1" noEditPoints="1" noAdjustHandles="1" noChangeArrowheads="1" noChangeShapeType="1" noTextEdit="1"/>
-          </p:cNvSpPr>
-          <p:nvPr>
-            <p:extLst>
-              <p:ext uri="{386F3935-93C4-4BCD-93E2-E3B085C9AB24}">
-                <p16:designElem xmlns:p16="http://schemas.microsoft.com/office/powerpoint/2015/main" val="1"/>
-              </p:ext>
-            </p:extLst>
-          </p:nvPr>
-        </p:nvSpPr>
-        <p:spPr>
-          <a:xfrm rot="16200000">
-            <a:off x="6374475" y="1040470"/>
-            <a:ext cx="6858003" cy="4777047"/>
-          </a:xfrm>
-          <a:prstGeom prst="rect">
-            <a:avLst/>
-          </a:prstGeom>
-          <a:solidFill>
-            <a:schemeClr val="accent4"/>
-          </a:solidFill>
-          <a:ln>
-            <a:noFill/>
-          </a:ln>
-        </p:spPr>
-        <p:style>
-          <a:lnRef idx="2">
-            <a:schemeClr val="accent1">
-              <a:shade val="50000"/>
-            </a:schemeClr>
-          </a:lnRef>
-          <a:fillRef idx="1">
-            <a:schemeClr val="accent1"/>
-          </a:fillRef>
-          <a:effectRef idx="0">
-            <a:schemeClr val="accent1"/>
-          </a:effectRef>
-          <a:fontRef idx="minor">
-            <a:schemeClr val="lt1"/>
-          </a:fontRef>
-        </p:style>
-        <p:txBody>
-          <a:bodyPr rtlCol="0" anchor="ctr"/>
-          <a:lstStyle/>
-          <a:p>
-            <a:pPr algn="ctr"/>
-            <a:endParaRPr lang="en-US" dirty="0"/>
-          </a:p>
-        </p:txBody>
-      </p:sp>
-      <p:sp>
-        <p:nvSpPr>
-          <p:cNvPr id="13" name="Rectangle 12">
-            <a:extLst>
-              <a:ext uri="{FF2B5EF4-FFF2-40B4-BE49-F238E27FC236}">
-                <a16:creationId xmlns:a16="http://schemas.microsoft.com/office/drawing/2014/main" id="{F10BCCF5-D685-47FF-B675-647EAEB72C8E}"/>
-              </a:ext>
-              <a:ext uri="{C183D7F6-B498-43B3-948B-1728B52AA6E4}">
-                <adec:decorative xmlns:adec="http://schemas.microsoft.com/office/drawing/2017/decorative" val="1"/>
-              </a:ext>
-            </a:extLst>
-          </p:cNvPr>
-          <p:cNvSpPr>
-            <a:spLocks noGrp="1" noRot="1" noChangeAspect="1" noMove="1" noResize="1" noEditPoints="1" noAdjustHandles="1" noChangeArrowheads="1" noChangeShapeType="1" noTextEdit="1"/>
-          </p:cNvSpPr>
-          <p:nvPr>
-            <p:extLst>
-              <p:ext uri="{386F3935-93C4-4BCD-93E2-E3B085C9AB24}">
-                <p16:designElem xmlns:p16="http://schemas.microsoft.com/office/powerpoint/2015/main" val="1"/>
-              </p:ext>
-            </p:extLst>
-          </p:nvPr>
-        </p:nvSpPr>
-        <p:spPr>
-          <a:xfrm>
-            <a:off x="387914" y="857786"/>
-            <a:ext cx="8027347" cy="5208932"/>
-          </a:xfrm>
-          <a:prstGeom prst="rect">
-            <a:avLst/>
-          </a:prstGeom>
-          <a:solidFill>
-            <a:schemeClr val="bg1"/>
-          </a:solidFill>
-          <a:ln>
-            <a:noFill/>
-          </a:ln>
-          <a:effectLst>
-            <a:outerShdw blurRad="139700" dist="127000" dir="5400000" algn="t" rotWithShape="0">
-              <a:prstClr val="black">
-                <a:alpha val="15000"/>
-              </a:prstClr>
-            </a:outerShdw>
-          </a:effectLst>
-        </p:spPr>
-        <p:style>
-          <a:lnRef idx="2">
-            <a:schemeClr val="accent1">
-              <a:shade val="50000"/>
-            </a:schemeClr>
-          </a:lnRef>
-          <a:fillRef idx="1">
-            <a:schemeClr val="accent1"/>
-          </a:fillRef>
-          <a:effectRef idx="0">
-            <a:schemeClr val="accent1"/>
-          </a:effectRef>
-          <a:fontRef idx="minor">
-            <a:schemeClr val="lt1"/>
-          </a:fontRef>
-        </p:style>
-        <p:txBody>
-          <a:bodyPr rtlCol="0" anchor="ctr"/>
-          <a:lstStyle/>
-          <a:p>
-            <a:pPr algn="ctr"/>
-            <a:endParaRPr lang="en-US"/>
-          </a:p>
-        </p:txBody>
-      </p:sp>
-      <p:sp>
-        <p:nvSpPr>
-          <p:cNvPr id="2" name="Titolo 1">
-            <a:extLst>
-              <a:ext uri="{FF2B5EF4-FFF2-40B4-BE49-F238E27FC236}">
-                <a16:creationId xmlns:a16="http://schemas.microsoft.com/office/drawing/2014/main" id="{0081EE58-42F5-4074-9A4D-D8E5E19BE69C}"/>
-              </a:ext>
-            </a:extLst>
-          </p:cNvPr>
-          <p:cNvSpPr>
-            <a:spLocks noGrp="1"/>
-          </p:cNvSpPr>
-          <p:nvPr>
-            <p:ph type="title"/>
-          </p:nvPr>
-        </p:nvSpPr>
-        <p:spPr>
-          <a:xfrm>
-            <a:off x="879620" y="1471351"/>
-            <a:ext cx="7108911" cy="4016621"/>
-          </a:xfrm>
-        </p:spPr>
-        <p:txBody>
-          <a:bodyPr vert="horz" lIns="91440" tIns="45720" rIns="91440" bIns="45720" rtlCol="0" anchor="ctr">
-            <a:normAutofit/>
-          </a:bodyPr>
-          <a:lstStyle/>
-          <a:p>
-            <a:r>
-              <a:rPr lang="en-US" sz="6600" kern="1200">
-                <a:solidFill>
-                  <a:schemeClr val="tx1"/>
-                </a:solidFill>
-                <a:latin typeface="+mj-lt"/>
-                <a:ea typeface="+mj-ea"/>
-                <a:cs typeface="+mj-cs"/>
-              </a:rPr>
-              <a:t>WORDCLOUD</a:t>
-            </a:r>
-          </a:p>
-        </p:txBody>
-      </p:sp>
-      <p:sp>
-        <p:nvSpPr>
-          <p:cNvPr id="15" name="Rectangle 14">
-            <a:extLst>
-              <a:ext uri="{FF2B5EF4-FFF2-40B4-BE49-F238E27FC236}">
-                <a16:creationId xmlns:a16="http://schemas.microsoft.com/office/drawing/2014/main" id="{B0EE8A42-107A-4D4C-8D56-BBAE95C7FC0D}"/>
-              </a:ext>
-              <a:ext uri="{C183D7F6-B498-43B3-948B-1728B52AA6E4}">
-                <adec:decorative xmlns:adec="http://schemas.microsoft.com/office/drawing/2017/decorative" val="1"/>
-              </a:ext>
-            </a:extLst>
-          </p:cNvPr>
-          <p:cNvSpPr>
-            <a:spLocks noGrp="1" noRot="1" noChangeAspect="1" noMove="1" noResize="1" noEditPoints="1" noAdjustHandles="1" noChangeArrowheads="1" noChangeShapeType="1" noTextEdit="1"/>
-          </p:cNvSpPr>
-          <p:nvPr>
-            <p:extLst>
-              <p:ext uri="{386F3935-93C4-4BCD-93E2-E3B085C9AB24}">
-                <p16:designElem xmlns:p16="http://schemas.microsoft.com/office/powerpoint/2015/main" val="1"/>
-              </p:ext>
-            </p:extLst>
-          </p:nvPr>
-        </p:nvSpPr>
-        <p:spPr>
-          <a:xfrm rot="5400000">
-            <a:off x="-1524009" y="3366125"/>
-            <a:ext cx="3200400" cy="152382"/>
-          </a:xfrm>
-          <a:prstGeom prst="rect">
-            <a:avLst/>
-          </a:prstGeom>
-          <a:solidFill>
-            <a:schemeClr val="accent4"/>
-          </a:solidFill>
-          <a:ln>
-            <a:noFill/>
-          </a:ln>
-        </p:spPr>
-        <p:style>
-          <a:lnRef idx="2">
-            <a:schemeClr val="accent1">
-              <a:shade val="50000"/>
-            </a:schemeClr>
-          </a:lnRef>
-          <a:fillRef idx="1">
-            <a:schemeClr val="accent1"/>
-          </a:fillRef>
-          <a:effectRef idx="0">
-            <a:schemeClr val="accent1"/>
-          </a:effectRef>
-          <a:fontRef idx="minor">
-            <a:schemeClr val="lt1"/>
-          </a:fontRef>
-        </p:style>
-        <p:txBody>
-          <a:bodyPr rtlCol="0" anchor="ctr"/>
-          <a:lstStyle/>
-          <a:p>
-            <a:pPr algn="ctr"/>
-            <a:endParaRPr lang="en-US"/>
-          </a:p>
-        </p:txBody>
-      </p:sp>
-    </p:spTree>
-    <p:extLst>
-      <p:ext uri="{BB962C8B-B14F-4D97-AF65-F5344CB8AC3E}">
-        <p14:creationId xmlns:p14="http://schemas.microsoft.com/office/powerpoint/2010/main" val="2879569401"/>
-      </p:ext>
-    </p:extLst>
-  </p:cSld>
-  <p:clrMapOvr>
-    <a:masterClrMapping/>
-  </p:clrMapOvr>
-</p:sld>
-</file>
-
 <file path=ppt/slides/slide18.xml><?xml version="1.0" encoding="utf-8"?>
 <p:sld xmlns:a="http://schemas.openxmlformats.org/drawingml/2006/main" xmlns:r="http://schemas.openxmlformats.org/officeDocument/2006/relationships" xmlns:p="http://schemas.openxmlformats.org/presentationml/2006/main">
   <p:cSld>
@@ -6626,10 +6628,10 @@
       </p:grpSpPr>
       <p:sp useBgFill="1">
         <p:nvSpPr>
-          <p:cNvPr id="12" name="Rectangle 11">
-            <a:extLst>
-              <a:ext uri="{FF2B5EF4-FFF2-40B4-BE49-F238E27FC236}">
-                <a16:creationId xmlns:a16="http://schemas.microsoft.com/office/drawing/2014/main" id="{3C3E5D51-F8E7-4DCA-AAE7-E43895B7DF65}"/>
+          <p:cNvPr id="7" name="Rectangle 6">
+            <a:extLst>
+              <a:ext uri="{FF2B5EF4-FFF2-40B4-BE49-F238E27FC236}">
+                <a16:creationId xmlns:a16="http://schemas.microsoft.com/office/drawing/2014/main" id="{0E42565C-E3CC-4EF0-8093-88FCC788A3C2}"/>
               </a:ext>
               <a:ext uri="{C183D7F6-B498-43B3-948B-1728B52AA6E4}">
                 <adec:decorative xmlns:adec="http://schemas.microsoft.com/office/drawing/2017/decorative" val="1"/>
@@ -6686,50 +6688,10 @@
       </p:sp>
       <p:sp>
         <p:nvSpPr>
-          <p:cNvPr id="2" name="Titolo 1">
-            <a:extLst>
-              <a:ext uri="{FF2B5EF4-FFF2-40B4-BE49-F238E27FC236}">
-                <a16:creationId xmlns:a16="http://schemas.microsoft.com/office/drawing/2014/main" id="{04746F7F-A39E-494D-8C67-A7A58689EBEA}"/>
-              </a:ext>
-            </a:extLst>
-          </p:cNvPr>
-          <p:cNvSpPr>
-            <a:spLocks noGrp="1"/>
-          </p:cNvSpPr>
-          <p:nvPr>
-            <p:ph type="title"/>
-          </p:nvPr>
-        </p:nvSpPr>
-        <p:spPr>
-          <a:xfrm>
-            <a:off x="532015" y="3930305"/>
-            <a:ext cx="3861960" cy="2437244"/>
-          </a:xfrm>
-        </p:spPr>
-        <p:txBody>
-          <a:bodyPr anchor="ctr">
-            <a:normAutofit/>
-          </a:bodyPr>
-          <a:lstStyle/>
-          <a:p>
-            <a:r>
-              <a:rPr lang="it-IT" sz="3600" dirty="0"/>
-              <a:t>Anger </a:t>
-            </a:r>
-            <a:r>
-              <a:rPr lang="it-IT" sz="3600" dirty="0" err="1"/>
-              <a:t>Wordcloud</a:t>
-            </a:r>
-            <a:endParaRPr lang="it-IT" sz="3600" dirty="0"/>
-          </a:p>
-        </p:txBody>
-      </p:sp>
-      <p:sp>
-        <p:nvSpPr>
-          <p:cNvPr id="14" name="Rectangle 13">
-            <a:extLst>
-              <a:ext uri="{FF2B5EF4-FFF2-40B4-BE49-F238E27FC236}">
-                <a16:creationId xmlns:a16="http://schemas.microsoft.com/office/drawing/2014/main" id="{95C8260E-968F-44E8-A823-ABB431311926}"/>
+          <p:cNvPr id="9" name="Rectangle 8">
+            <a:extLst>
+              <a:ext uri="{FF2B5EF4-FFF2-40B4-BE49-F238E27FC236}">
+                <a16:creationId xmlns:a16="http://schemas.microsoft.com/office/drawing/2014/main" id="{02F429C4-ABC9-46FC-818A-B5429CDE4A96}"/>
               </a:ext>
               <a:ext uri="{C183D7F6-B498-43B3-948B-1728B52AA6E4}">
                 <adec:decorative xmlns:adec="http://schemas.microsoft.com/office/drawing/2017/decorative" val="1"/>
@@ -6748,9 +6710,9 @@
           </p:nvPr>
         </p:nvSpPr>
         <p:spPr>
-          <a:xfrm>
-            <a:off x="0" y="0"/>
-            <a:ext cx="12192000" cy="865848"/>
+          <a:xfrm rot="5400000">
+            <a:off x="-1270325" y="3369273"/>
+            <a:ext cx="3200400" cy="152382"/>
           </a:xfrm>
           <a:prstGeom prst="rect">
             <a:avLst/>
@@ -6789,10 +6751,10 @@
       </p:sp>
       <p:sp>
         <p:nvSpPr>
-          <p:cNvPr id="16" name="Rectangle 15">
-            <a:extLst>
-              <a:ext uri="{FF2B5EF4-FFF2-40B4-BE49-F238E27FC236}">
-                <a16:creationId xmlns:a16="http://schemas.microsoft.com/office/drawing/2014/main" id="{2C1BBA94-3F40-40AA-8BB9-E69E25E537C1}"/>
+          <p:cNvPr id="11" name="Rectangle 10">
+            <a:extLst>
+              <a:ext uri="{FF2B5EF4-FFF2-40B4-BE49-F238E27FC236}">
+                <a16:creationId xmlns:a16="http://schemas.microsoft.com/office/drawing/2014/main" id="{2CEF98E4-3709-4952-8F42-2305CCE34FA3}"/>
               </a:ext>
               <a:ext uri="{C183D7F6-B498-43B3-948B-1728B52AA6E4}">
                 <adec:decorative xmlns:adec="http://schemas.microsoft.com/office/drawing/2017/decorative" val="1"/>
@@ -6811,9 +6773,72 @@
           </p:nvPr>
         </p:nvSpPr>
         <p:spPr>
+          <a:xfrm rot="16200000">
+            <a:off x="6374475" y="1040470"/>
+            <a:ext cx="6858003" cy="4777047"/>
+          </a:xfrm>
+          <a:prstGeom prst="rect">
+            <a:avLst/>
+          </a:prstGeom>
+          <a:solidFill>
+            <a:schemeClr val="accent4"/>
+          </a:solidFill>
+          <a:ln>
+            <a:noFill/>
+          </a:ln>
+        </p:spPr>
+        <p:style>
+          <a:lnRef idx="2">
+            <a:schemeClr val="accent1">
+              <a:shade val="50000"/>
+            </a:schemeClr>
+          </a:lnRef>
+          <a:fillRef idx="1">
+            <a:schemeClr val="accent1"/>
+          </a:fillRef>
+          <a:effectRef idx="0">
+            <a:schemeClr val="accent1"/>
+          </a:effectRef>
+          <a:fontRef idx="minor">
+            <a:schemeClr val="lt1"/>
+          </a:fontRef>
+        </p:style>
+        <p:txBody>
+          <a:bodyPr rtlCol="0" anchor="ctr"/>
+          <a:lstStyle/>
+          <a:p>
+            <a:pPr algn="ctr"/>
+            <a:endParaRPr lang="en-US" dirty="0"/>
+          </a:p>
+        </p:txBody>
+      </p:sp>
+      <p:sp>
+        <p:nvSpPr>
+          <p:cNvPr id="13" name="Rectangle 12">
+            <a:extLst>
+              <a:ext uri="{FF2B5EF4-FFF2-40B4-BE49-F238E27FC236}">
+                <a16:creationId xmlns:a16="http://schemas.microsoft.com/office/drawing/2014/main" id="{F10BCCF5-D685-47FF-B675-647EAEB72C8E}"/>
+              </a:ext>
+              <a:ext uri="{C183D7F6-B498-43B3-948B-1728B52AA6E4}">
+                <adec:decorative xmlns:adec="http://schemas.microsoft.com/office/drawing/2017/decorative" val="1"/>
+              </a:ext>
+            </a:extLst>
+          </p:cNvPr>
+          <p:cNvSpPr>
+            <a:spLocks noGrp="1" noRot="1" noChangeAspect="1" noMove="1" noResize="1" noEditPoints="1" noAdjustHandles="1" noChangeArrowheads="1" noChangeShapeType="1" noTextEdit="1"/>
+          </p:cNvSpPr>
+          <p:nvPr>
+            <p:extLst>
+              <p:ext uri="{386F3935-93C4-4BCD-93E2-E3B085C9AB24}">
+                <p16:designElem xmlns:p16="http://schemas.microsoft.com/office/powerpoint/2015/main" val="1"/>
+              </p:ext>
+            </p:extLst>
+          </p:nvPr>
+        </p:nvSpPr>
+        <p:spPr>
           <a:xfrm>
-            <a:off x="517889" y="0"/>
-            <a:ext cx="11231745" cy="3557848"/>
+            <a:off x="387914" y="857786"/>
+            <a:ext cx="8027347" cy="5208932"/>
           </a:xfrm>
           <a:prstGeom prst="rect">
             <a:avLst/>
@@ -6857,132 +6882,54 @@
           </a:p>
         </p:txBody>
       </p:sp>
-      <p:pic>
-        <p:nvPicPr>
-          <p:cNvPr id="6" name="Immagine 5">
-            <a:extLst>
-              <a:ext uri="{FF2B5EF4-FFF2-40B4-BE49-F238E27FC236}">
-                <a16:creationId xmlns:a16="http://schemas.microsoft.com/office/drawing/2014/main" id="{F013E6DC-5918-4E33-8D52-779F01D8AE8F}"/>
-              </a:ext>
-            </a:extLst>
-          </p:cNvPr>
-          <p:cNvPicPr>
-            <a:picLocks noChangeAspect="1"/>
-          </p:cNvPicPr>
-          <p:nvPr/>
-        </p:nvPicPr>
-        <p:blipFill>
-          <a:blip r:embed="rId2"/>
-          <a:stretch>
-            <a:fillRect/>
-          </a:stretch>
-        </p:blipFill>
+      <p:sp>
+        <p:nvSpPr>
+          <p:cNvPr id="2" name="Titolo 1">
+            <a:extLst>
+              <a:ext uri="{FF2B5EF4-FFF2-40B4-BE49-F238E27FC236}">
+                <a16:creationId xmlns:a16="http://schemas.microsoft.com/office/drawing/2014/main" id="{0081EE58-42F5-4074-9A4D-D8E5E19BE69C}"/>
+              </a:ext>
+            </a:extLst>
+          </p:cNvPr>
+          <p:cNvSpPr>
+            <a:spLocks noGrp="1"/>
+          </p:cNvSpPr>
+          <p:nvPr>
+            <p:ph type="title"/>
+          </p:nvPr>
+        </p:nvSpPr>
         <p:spPr>
           <a:xfrm>
-            <a:off x="778778" y="532876"/>
-            <a:ext cx="2507107" cy="2507107"/>
-          </a:xfrm>
-          <a:prstGeom prst="rect">
-            <a:avLst/>
-          </a:prstGeom>
-        </p:spPr>
-      </p:pic>
-      <p:pic>
-        <p:nvPicPr>
-          <p:cNvPr id="7" name="Immagine 6">
-            <a:extLst>
-              <a:ext uri="{FF2B5EF4-FFF2-40B4-BE49-F238E27FC236}">
-                <a16:creationId xmlns:a16="http://schemas.microsoft.com/office/drawing/2014/main" id="{9D1BB3CA-E894-4916-B818-762928249725}"/>
-              </a:ext>
-            </a:extLst>
-          </p:cNvPr>
-          <p:cNvPicPr>
-            <a:picLocks noChangeAspect="1"/>
-          </p:cNvPicPr>
-          <p:nvPr/>
-        </p:nvPicPr>
-        <p:blipFill>
-          <a:blip r:embed="rId3"/>
-          <a:stretch>
-            <a:fillRect/>
-          </a:stretch>
-        </p:blipFill>
-        <p:spPr>
-          <a:xfrm>
-            <a:off x="3536516" y="532438"/>
-            <a:ext cx="2507982" cy="2507982"/>
-          </a:xfrm>
-          <a:prstGeom prst="rect">
-            <a:avLst/>
-          </a:prstGeom>
-        </p:spPr>
-      </p:pic>
-      <p:pic>
-        <p:nvPicPr>
-          <p:cNvPr id="5" name="Immagine 4">
-            <a:extLst>
-              <a:ext uri="{FF2B5EF4-FFF2-40B4-BE49-F238E27FC236}">
-                <a16:creationId xmlns:a16="http://schemas.microsoft.com/office/drawing/2014/main" id="{B903A237-E9F9-4601-B112-FEAB1DB2ACF5}"/>
-              </a:ext>
-            </a:extLst>
-          </p:cNvPr>
-          <p:cNvPicPr>
-            <a:picLocks noChangeAspect="1"/>
-          </p:cNvPicPr>
-          <p:nvPr/>
-        </p:nvPicPr>
-        <p:blipFill>
-          <a:blip r:embed="rId4"/>
-          <a:stretch>
-            <a:fillRect/>
-          </a:stretch>
-        </p:blipFill>
-        <p:spPr>
-          <a:xfrm>
-            <a:off x="6259368" y="532438"/>
-            <a:ext cx="2507982" cy="2507982"/>
-          </a:xfrm>
-          <a:prstGeom prst="rect">
-            <a:avLst/>
-          </a:prstGeom>
-        </p:spPr>
-      </p:pic>
-      <p:pic>
-        <p:nvPicPr>
-          <p:cNvPr id="4" name="Segnaposto contenuto 4">
-            <a:extLst>
-              <a:ext uri="{FF2B5EF4-FFF2-40B4-BE49-F238E27FC236}">
-                <a16:creationId xmlns:a16="http://schemas.microsoft.com/office/drawing/2014/main" id="{E630DB07-658E-4568-8CEC-3B71EDDE7AC6}"/>
-              </a:ext>
-            </a:extLst>
-          </p:cNvPr>
-          <p:cNvPicPr>
-            <a:picLocks noChangeAspect="1"/>
-          </p:cNvPicPr>
-          <p:nvPr/>
-        </p:nvPicPr>
-        <p:blipFill>
-          <a:blip r:embed="rId5"/>
-          <a:stretch>
-            <a:fillRect/>
-          </a:stretch>
-        </p:blipFill>
-        <p:spPr>
-          <a:xfrm>
-            <a:off x="8982219" y="528922"/>
-            <a:ext cx="2515016" cy="2515016"/>
-          </a:xfrm>
-          <a:prstGeom prst="rect">
-            <a:avLst/>
-          </a:prstGeom>
-        </p:spPr>
-      </p:pic>
-      <p:sp>
-        <p:nvSpPr>
-          <p:cNvPr id="18" name="Rectangle 17">
-            <a:extLst>
-              <a:ext uri="{FF2B5EF4-FFF2-40B4-BE49-F238E27FC236}">
-                <a16:creationId xmlns:a16="http://schemas.microsoft.com/office/drawing/2014/main" id="{FE43805F-24A6-46A4-B19B-54F28347355C}"/>
+            <a:off x="879620" y="1471351"/>
+            <a:ext cx="7108911" cy="4016621"/>
+          </a:xfrm>
+        </p:spPr>
+        <p:txBody>
+          <a:bodyPr vert="horz" lIns="91440" tIns="45720" rIns="91440" bIns="45720" rtlCol="0" anchor="ctr">
+            <a:normAutofit/>
+          </a:bodyPr>
+          <a:lstStyle/>
+          <a:p>
+            <a:r>
+              <a:rPr lang="en-US" sz="6600" kern="1200">
+                <a:solidFill>
+                  <a:schemeClr val="tx1"/>
+                </a:solidFill>
+                <a:latin typeface="+mj-lt"/>
+                <a:ea typeface="+mj-ea"/>
+                <a:cs typeface="+mj-cs"/>
+              </a:rPr>
+              <a:t>WORDCLOUD</a:t>
+            </a:r>
+          </a:p>
+        </p:txBody>
+      </p:sp>
+      <p:sp>
+        <p:nvSpPr>
+          <p:cNvPr id="15" name="Rectangle 14">
+            <a:extLst>
+              <a:ext uri="{FF2B5EF4-FFF2-40B4-BE49-F238E27FC236}">
+                <a16:creationId xmlns:a16="http://schemas.microsoft.com/office/drawing/2014/main" id="{B0EE8A42-107A-4D4C-8D56-BBAE95C7FC0D}"/>
               </a:ext>
               <a:ext uri="{C183D7F6-B498-43B3-948B-1728B52AA6E4}">
                 <adec:decorative xmlns:adec="http://schemas.microsoft.com/office/drawing/2017/decorative" val="1"/>
@@ -7001,9 +6948,9 @@
           </p:nvPr>
         </p:nvSpPr>
         <p:spPr>
-          <a:xfrm rot="5400000" flipH="1">
-            <a:off x="3635346" y="5126067"/>
-            <a:ext cx="2194560" cy="45719"/>
+          <a:xfrm rot="5400000">
+            <a:off x="-1524009" y="3366125"/>
+            <a:ext cx="3200400" cy="152382"/>
           </a:xfrm>
           <a:prstGeom prst="rect">
             <a:avLst/>
@@ -7040,63 +6987,10 @@
           </a:p>
         </p:txBody>
       </p:sp>
-      <p:sp>
-        <p:nvSpPr>
-          <p:cNvPr id="3" name="Segnaposto contenuto 2">
-            <a:extLst>
-              <a:ext uri="{FF2B5EF4-FFF2-40B4-BE49-F238E27FC236}">
-                <a16:creationId xmlns:a16="http://schemas.microsoft.com/office/drawing/2014/main" id="{F7D0C500-3E07-44E2-A01E-D8310F0254E6}"/>
-              </a:ext>
-            </a:extLst>
-          </p:cNvPr>
-          <p:cNvSpPr>
-            <a:spLocks noGrp="1"/>
-          </p:cNvSpPr>
-          <p:nvPr>
-            <p:ph idx="1"/>
-          </p:nvPr>
-        </p:nvSpPr>
-        <p:spPr>
-          <a:xfrm>
-            <a:off x="5162719" y="3930305"/>
-            <a:ext cx="6586915" cy="2437244"/>
-          </a:xfrm>
-        </p:spPr>
-        <p:txBody>
-          <a:bodyPr anchor="ctr">
-            <a:normAutofit/>
-          </a:bodyPr>
-          <a:lstStyle/>
-          <a:p>
-            <a:r>
-              <a:rPr lang="it-IT" sz="2000" dirty="0"/>
-              <a:t>EMOTICONS</a:t>
-            </a:r>
-          </a:p>
-          <a:p>
-            <a:r>
-              <a:rPr lang="it-IT" sz="2000" dirty="0"/>
-              <a:t>EMOJI</a:t>
-            </a:r>
-          </a:p>
-          <a:p>
-            <a:r>
-              <a:rPr lang="it-IT" sz="2000" dirty="0"/>
-              <a:t>HASHTAG</a:t>
-            </a:r>
-          </a:p>
-          <a:p>
-            <a:r>
-              <a:rPr lang="it-IT" sz="2000" dirty="0"/>
-              <a:t>WORDS</a:t>
-            </a:r>
-          </a:p>
-        </p:txBody>
-      </p:sp>
     </p:spTree>
     <p:extLst>
       <p:ext uri="{BB962C8B-B14F-4D97-AF65-F5344CB8AC3E}">
-        <p14:creationId xmlns:p14="http://schemas.microsoft.com/office/powerpoint/2010/main" val="1893891798"/>
+        <p14:creationId xmlns:p14="http://schemas.microsoft.com/office/powerpoint/2010/main" val="2879569401"/>
       </p:ext>
     </p:extLst>
   </p:cSld>
@@ -7133,7 +7027,7 @@
       </p:grpSpPr>
       <p:sp useBgFill="1">
         <p:nvSpPr>
-          <p:cNvPr id="35" name="Rectangle 26">
+          <p:cNvPr id="12" name="Rectangle 11">
             <a:extLst>
               <a:ext uri="{FF2B5EF4-FFF2-40B4-BE49-F238E27FC236}">
                 <a16:creationId xmlns:a16="http://schemas.microsoft.com/office/drawing/2014/main" id="{3C3E5D51-F8E7-4DCA-AAE7-E43895B7DF65}"/>
@@ -7220,8 +7114,12 @@
           <a:lstStyle/>
           <a:p>
             <a:r>
-              <a:rPr lang="it-IT" sz="3600"/>
-              <a:t>Anticipation Wordcloud</a:t>
+              <a:rPr lang="it-IT" sz="3600" dirty="0"/>
+              <a:t>Anger </a:t>
+            </a:r>
+            <a:r>
+              <a:rPr lang="it-IT" sz="3600" dirty="0" err="1"/>
+              <a:t>Wordcloud</a:t>
             </a:r>
             <a:endParaRPr lang="it-IT" sz="3600" dirty="0"/>
           </a:p>
@@ -7229,7 +7127,7 @@
       </p:sp>
       <p:sp>
         <p:nvSpPr>
-          <p:cNvPr id="36" name="Rectangle 28">
+          <p:cNvPr id="14" name="Rectangle 13">
             <a:extLst>
               <a:ext uri="{FF2B5EF4-FFF2-40B4-BE49-F238E27FC236}">
                 <a16:creationId xmlns:a16="http://schemas.microsoft.com/office/drawing/2014/main" id="{95C8260E-968F-44E8-A823-ABB431311926}"/>
@@ -7292,7 +7190,7 @@
       </p:sp>
       <p:sp>
         <p:nvSpPr>
-          <p:cNvPr id="37" name="Rectangle 30">
+          <p:cNvPr id="16" name="Rectangle 15">
             <a:extLst>
               <a:ext uri="{FF2B5EF4-FFF2-40B4-BE49-F238E27FC236}">
                 <a16:creationId xmlns:a16="http://schemas.microsoft.com/office/drawing/2014/main" id="{2C1BBA94-3F40-40AA-8BB9-E69E25E537C1}"/>
@@ -7362,10 +7260,10 @@
       </p:sp>
       <p:pic>
         <p:nvPicPr>
-          <p:cNvPr id="10" name="Immagine 9">
-            <a:extLst>
-              <a:ext uri="{FF2B5EF4-FFF2-40B4-BE49-F238E27FC236}">
-                <a16:creationId xmlns:a16="http://schemas.microsoft.com/office/drawing/2014/main" id="{48571BF1-E7AE-41D3-BD95-29A4E2DD22D5}"/>
+          <p:cNvPr id="6" name="Immagine 5">
+            <a:extLst>
+              <a:ext uri="{FF2B5EF4-FFF2-40B4-BE49-F238E27FC236}">
+                <a16:creationId xmlns:a16="http://schemas.microsoft.com/office/drawing/2014/main" id="{F013E6DC-5918-4E33-8D52-779F01D8AE8F}"/>
               </a:ext>
             </a:extLst>
           </p:cNvPr>
@@ -7392,10 +7290,10 @@
       </p:pic>
       <p:pic>
         <p:nvPicPr>
-          <p:cNvPr id="11" name="Immagine 10">
-            <a:extLst>
-              <a:ext uri="{FF2B5EF4-FFF2-40B4-BE49-F238E27FC236}">
-                <a16:creationId xmlns:a16="http://schemas.microsoft.com/office/drawing/2014/main" id="{D190567F-7A4C-485C-A727-67D7CAFDB7DA}"/>
+          <p:cNvPr id="7" name="Immagine 6">
+            <a:extLst>
+              <a:ext uri="{FF2B5EF4-FFF2-40B4-BE49-F238E27FC236}">
+                <a16:creationId xmlns:a16="http://schemas.microsoft.com/office/drawing/2014/main" id="{9D1BB3CA-E894-4916-B818-762928249725}"/>
               </a:ext>
             </a:extLst>
           </p:cNvPr>
@@ -7422,10 +7320,10 @@
       </p:pic>
       <p:pic>
         <p:nvPicPr>
-          <p:cNvPr id="9" name="Immagine 8">
-            <a:extLst>
-              <a:ext uri="{FF2B5EF4-FFF2-40B4-BE49-F238E27FC236}">
-                <a16:creationId xmlns:a16="http://schemas.microsoft.com/office/drawing/2014/main" id="{2EFEED7C-CBA9-4806-84AD-3BC25621BF6B}"/>
+          <p:cNvPr id="5" name="Immagine 4">
+            <a:extLst>
+              <a:ext uri="{FF2B5EF4-FFF2-40B4-BE49-F238E27FC236}">
+                <a16:creationId xmlns:a16="http://schemas.microsoft.com/office/drawing/2014/main" id="{B903A237-E9F9-4601-B112-FEAB1DB2ACF5}"/>
               </a:ext>
             </a:extLst>
           </p:cNvPr>
@@ -7452,10 +7350,10 @@
       </p:pic>
       <p:pic>
         <p:nvPicPr>
-          <p:cNvPr id="8" name="Immagine 7">
-            <a:extLst>
-              <a:ext uri="{FF2B5EF4-FFF2-40B4-BE49-F238E27FC236}">
-                <a16:creationId xmlns:a16="http://schemas.microsoft.com/office/drawing/2014/main" id="{3521122F-CC71-40D2-9343-4157DF2ACDA1}"/>
+          <p:cNvPr id="4" name="Segnaposto contenuto 4">
+            <a:extLst>
+              <a:ext uri="{FF2B5EF4-FFF2-40B4-BE49-F238E27FC236}">
+                <a16:creationId xmlns:a16="http://schemas.microsoft.com/office/drawing/2014/main" id="{E630DB07-658E-4568-8CEC-3B71EDDE7AC6}"/>
               </a:ext>
             </a:extLst>
           </p:cNvPr>
@@ -7482,7 +7380,7 @@
       </p:pic>
       <p:sp>
         <p:nvSpPr>
-          <p:cNvPr id="38" name="Rectangle 32">
+          <p:cNvPr id="18" name="Rectangle 17">
             <a:extLst>
               <a:ext uri="{FF2B5EF4-FFF2-40B4-BE49-F238E27FC236}">
                 <a16:creationId xmlns:a16="http://schemas.microsoft.com/office/drawing/2014/main" id="{FE43805F-24A6-46A4-B19B-54F28347355C}"/>
@@ -7572,35 +7470,34 @@
           <a:lstStyle/>
           <a:p>
             <a:r>
-              <a:rPr lang="it-IT" sz="2000"/>
+              <a:rPr lang="it-IT" sz="2000" dirty="0"/>
               <a:t>EMOTICONS</a:t>
             </a:r>
           </a:p>
           <a:p>
             <a:r>
-              <a:rPr lang="it-IT" sz="2000"/>
+              <a:rPr lang="it-IT" sz="2000" dirty="0"/>
               <a:t>EMOJI</a:t>
             </a:r>
           </a:p>
           <a:p>
             <a:r>
-              <a:rPr lang="it-IT" sz="2000"/>
+              <a:rPr lang="it-IT" sz="2000" dirty="0"/>
               <a:t>HASHTAG</a:t>
             </a:r>
           </a:p>
           <a:p>
             <a:r>
-              <a:rPr lang="it-IT" sz="2000"/>
+              <a:rPr lang="it-IT" sz="2000" dirty="0"/>
               <a:t>WORDS</a:t>
             </a:r>
-            <a:endParaRPr lang="it-IT" sz="2000" dirty="0"/>
           </a:p>
         </p:txBody>
       </p:sp>
     </p:spTree>
     <p:extLst>
       <p:ext uri="{BB962C8B-B14F-4D97-AF65-F5344CB8AC3E}">
-        <p14:creationId xmlns:p14="http://schemas.microsoft.com/office/powerpoint/2010/main" val="39698839"/>
+        <p14:creationId xmlns:p14="http://schemas.microsoft.com/office/powerpoint/2010/main" val="1893891798"/>
       </p:ext>
     </p:extLst>
   </p:cSld>
@@ -7635,12 +7532,496 @@
           <a:chExt cx="0" cy="0"/>
         </a:xfrm>
       </p:grpSpPr>
+      <p:sp>
+        <p:nvSpPr>
+          <p:cNvPr id="8" name="Rectangle 7">
+            <a:extLst>
+              <a:ext uri="{FF2B5EF4-FFF2-40B4-BE49-F238E27FC236}">
+                <a16:creationId xmlns:a16="http://schemas.microsoft.com/office/drawing/2014/main" id="{F3060C83-F051-4F0E-ABAD-AA0DFC48B218}"/>
+              </a:ext>
+              <a:ext uri="{C183D7F6-B498-43B3-948B-1728B52AA6E4}">
+                <adec:decorative xmlns:adec="http://schemas.microsoft.com/office/drawing/2017/decorative" val="1"/>
+              </a:ext>
+            </a:extLst>
+          </p:cNvPr>
+          <p:cNvSpPr>
+            <a:spLocks noGrp="1" noRot="1" noChangeAspect="1" noMove="1" noResize="1" noEditPoints="1" noAdjustHandles="1" noChangeArrowheads="1" noChangeShapeType="1" noTextEdit="1"/>
+          </p:cNvSpPr>
+          <p:nvPr>
+            <p:extLst>
+              <p:ext uri="{386F3935-93C4-4BCD-93E2-E3B085C9AB24}">
+                <p16:designElem xmlns:p16="http://schemas.microsoft.com/office/powerpoint/2015/main" val="1"/>
+              </p:ext>
+            </p:extLst>
+          </p:nvPr>
+        </p:nvSpPr>
+        <p:spPr>
+          <a:xfrm>
+            <a:off x="0" y="0"/>
+            <a:ext cx="12192000" cy="6858000"/>
+          </a:xfrm>
+          <a:prstGeom prst="rect">
+            <a:avLst/>
+          </a:prstGeom>
+          <a:solidFill>
+            <a:schemeClr val="bg1"/>
+          </a:solidFill>
+          <a:ln>
+            <a:noFill/>
+          </a:ln>
+        </p:spPr>
+        <p:style>
+          <a:lnRef idx="2">
+            <a:schemeClr val="accent1">
+              <a:shade val="50000"/>
+            </a:schemeClr>
+          </a:lnRef>
+          <a:fillRef idx="1">
+            <a:schemeClr val="accent1"/>
+          </a:fillRef>
+          <a:effectRef idx="0">
+            <a:schemeClr val="accent1"/>
+          </a:effectRef>
+          <a:fontRef idx="minor">
+            <a:schemeClr val="lt1"/>
+          </a:fontRef>
+        </p:style>
+        <p:txBody>
+          <a:bodyPr rtlCol="0" anchor="ctr"/>
+          <a:lstStyle/>
+          <a:p>
+            <a:pPr algn="ctr"/>
+            <a:endParaRPr lang="en-US" dirty="0"/>
+          </a:p>
+        </p:txBody>
+      </p:sp>
+      <p:sp>
+        <p:nvSpPr>
+          <p:cNvPr id="10" name="Freeform: Shape 9">
+            <a:extLst>
+              <a:ext uri="{FF2B5EF4-FFF2-40B4-BE49-F238E27FC236}">
+                <a16:creationId xmlns:a16="http://schemas.microsoft.com/office/drawing/2014/main" id="{83C98ABE-055B-441F-B07E-44F97F083C39}"/>
+              </a:ext>
+              <a:ext uri="{C183D7F6-B498-43B3-948B-1728B52AA6E4}">
+                <adec:decorative xmlns:adec="http://schemas.microsoft.com/office/drawing/2017/decorative" val="1"/>
+              </a:ext>
+            </a:extLst>
+          </p:cNvPr>
+          <p:cNvSpPr>
+            <a:spLocks noGrp="1" noRot="1" noChangeAspect="1" noMove="1" noResize="1" noEditPoints="1" noAdjustHandles="1" noChangeArrowheads="1" noChangeShapeType="1" noTextEdit="1"/>
+          </p:cNvSpPr>
+          <p:nvPr>
+            <p:extLst>
+              <p:ext uri="{386F3935-93C4-4BCD-93E2-E3B085C9AB24}">
+                <p16:designElem xmlns:p16="http://schemas.microsoft.com/office/powerpoint/2015/main" val="1"/>
+              </p:ext>
+            </p:extLst>
+          </p:nvPr>
+        </p:nvSpPr>
+        <p:spPr>
+          <a:xfrm rot="18900000" flipH="1">
+            <a:off x="-376156" y="-253670"/>
+            <a:ext cx="1827638" cy="1376989"/>
+          </a:xfrm>
+          <a:custGeom>
+            <a:avLst/>
+            <a:gdLst>
+              <a:gd name="connsiteX0" fmla="*/ 0 w 1827638"/>
+              <a:gd name="connsiteY0" fmla="*/ 987379 h 1376989"/>
+              <a:gd name="connsiteX1" fmla="*/ 987379 w 1827638"/>
+              <a:gd name="connsiteY1" fmla="*/ 0 h 1376989"/>
+              <a:gd name="connsiteX2" fmla="*/ 1827638 w 1827638"/>
+              <a:gd name="connsiteY2" fmla="*/ 840260 h 1376989"/>
+              <a:gd name="connsiteX3" fmla="*/ 1827638 w 1827638"/>
+              <a:gd name="connsiteY3" fmla="*/ 1376989 h 1376989"/>
+              <a:gd name="connsiteX4" fmla="*/ 0 w 1827638"/>
+              <a:gd name="connsiteY4" fmla="*/ 1376989 h 1376989"/>
+            </a:gdLst>
+            <a:ahLst/>
+            <a:cxnLst>
+              <a:cxn ang="0">
+                <a:pos x="connsiteX0" y="connsiteY0"/>
+              </a:cxn>
+              <a:cxn ang="0">
+                <a:pos x="connsiteX1" y="connsiteY1"/>
+              </a:cxn>
+              <a:cxn ang="0">
+                <a:pos x="connsiteX2" y="connsiteY2"/>
+              </a:cxn>
+              <a:cxn ang="0">
+                <a:pos x="connsiteX3" y="connsiteY3"/>
+              </a:cxn>
+              <a:cxn ang="0">
+                <a:pos x="connsiteX4" y="connsiteY4"/>
+              </a:cxn>
+            </a:cxnLst>
+            <a:rect l="l" t="t" r="r" b="b"/>
+            <a:pathLst>
+              <a:path w="1827638" h="1376989">
+                <a:moveTo>
+                  <a:pt x="0" y="987379"/>
+                </a:moveTo>
+                <a:lnTo>
+                  <a:pt x="987379" y="0"/>
+                </a:lnTo>
+                <a:lnTo>
+                  <a:pt x="1827638" y="840260"/>
+                </a:lnTo>
+                <a:lnTo>
+                  <a:pt x="1827638" y="1376989"/>
+                </a:lnTo>
+                <a:lnTo>
+                  <a:pt x="0" y="1376989"/>
+                </a:lnTo>
+                <a:close/>
+              </a:path>
+            </a:pathLst>
+          </a:custGeom>
+          <a:solidFill>
+            <a:schemeClr val="accent1">
+              <a:alpha val="30000"/>
+            </a:schemeClr>
+          </a:solidFill>
+          <a:ln>
+            <a:noFill/>
+          </a:ln>
+        </p:spPr>
+        <p:style>
+          <a:lnRef idx="2">
+            <a:schemeClr val="accent1">
+              <a:shade val="50000"/>
+            </a:schemeClr>
+          </a:lnRef>
+          <a:fillRef idx="1">
+            <a:schemeClr val="accent1"/>
+          </a:fillRef>
+          <a:effectRef idx="0">
+            <a:schemeClr val="accent1"/>
+          </a:effectRef>
+          <a:fontRef idx="minor">
+            <a:schemeClr val="lt1"/>
+          </a:fontRef>
+        </p:style>
+        <p:txBody>
+          <a:bodyPr rtlCol="0" anchor="ctr"/>
+          <a:lstStyle/>
+          <a:p>
+            <a:pPr algn="ctr"/>
+            <a:endParaRPr lang="en-US" dirty="0"/>
+          </a:p>
+        </p:txBody>
+      </p:sp>
+      <p:sp>
+        <p:nvSpPr>
+          <p:cNvPr id="12" name="Rectangle 11">
+            <a:extLst>
+              <a:ext uri="{FF2B5EF4-FFF2-40B4-BE49-F238E27FC236}">
+                <a16:creationId xmlns:a16="http://schemas.microsoft.com/office/drawing/2014/main" id="{29FDB030-9B49-4CED-8CCD-4D99382388AC}"/>
+              </a:ext>
+              <a:ext uri="{C183D7F6-B498-43B3-948B-1728B52AA6E4}">
+                <adec:decorative xmlns:adec="http://schemas.microsoft.com/office/drawing/2017/decorative" val="1"/>
+              </a:ext>
+            </a:extLst>
+          </p:cNvPr>
+          <p:cNvSpPr>
+            <a:spLocks noGrp="1" noRot="1" noChangeAspect="1" noMove="1" noResize="1" noEditPoints="1" noAdjustHandles="1" noChangeArrowheads="1" noChangeShapeType="1" noTextEdit="1"/>
+          </p:cNvSpPr>
+          <p:nvPr>
+            <p:extLst>
+              <p:ext uri="{386F3935-93C4-4BCD-93E2-E3B085C9AB24}">
+                <p16:designElem xmlns:p16="http://schemas.microsoft.com/office/powerpoint/2015/main" val="1"/>
+              </p:ext>
+            </p:extLst>
+          </p:nvPr>
+        </p:nvSpPr>
+        <p:spPr>
+          <a:xfrm rot="18900000" flipH="1">
+            <a:off x="891641" y="422146"/>
+            <a:ext cx="645368" cy="645368"/>
+          </a:xfrm>
+          <a:prstGeom prst="rect">
+            <a:avLst/>
+          </a:prstGeom>
+          <a:solidFill>
+            <a:schemeClr val="accent1">
+              <a:alpha val="30000"/>
+            </a:schemeClr>
+          </a:solidFill>
+          <a:ln>
+            <a:noFill/>
+          </a:ln>
+        </p:spPr>
+        <p:style>
+          <a:lnRef idx="2">
+            <a:schemeClr val="accent1">
+              <a:shade val="50000"/>
+            </a:schemeClr>
+          </a:lnRef>
+          <a:fillRef idx="1">
+            <a:schemeClr val="accent1"/>
+          </a:fillRef>
+          <a:effectRef idx="0">
+            <a:schemeClr val="accent1"/>
+          </a:effectRef>
+          <a:fontRef idx="minor">
+            <a:schemeClr val="lt1"/>
+          </a:fontRef>
+        </p:style>
+        <p:txBody>
+          <a:bodyPr rtlCol="0" anchor="ctr"/>
+          <a:lstStyle/>
+          <a:p>
+            <a:pPr algn="ctr"/>
+            <a:endParaRPr lang="en-US"/>
+          </a:p>
+        </p:txBody>
+      </p:sp>
+      <p:sp>
+        <p:nvSpPr>
+          <p:cNvPr id="14" name="Rectangle 13">
+            <a:extLst>
+              <a:ext uri="{FF2B5EF4-FFF2-40B4-BE49-F238E27FC236}">
+                <a16:creationId xmlns:a16="http://schemas.microsoft.com/office/drawing/2014/main" id="{3783CA14-24A1-485C-8B30-D6A5D87987AD}"/>
+              </a:ext>
+              <a:ext uri="{C183D7F6-B498-43B3-948B-1728B52AA6E4}">
+                <adec:decorative xmlns:adec="http://schemas.microsoft.com/office/drawing/2017/decorative" val="1"/>
+              </a:ext>
+            </a:extLst>
+          </p:cNvPr>
+          <p:cNvSpPr>
+            <a:spLocks noGrp="1" noRot="1" noChangeAspect="1" noMove="1" noResize="1" noEditPoints="1" noAdjustHandles="1" noChangeArrowheads="1" noChangeShapeType="1" noTextEdit="1"/>
+          </p:cNvSpPr>
+          <p:nvPr>
+            <p:extLst>
+              <p:ext uri="{386F3935-93C4-4BCD-93E2-E3B085C9AB24}">
+                <p16:designElem xmlns:p16="http://schemas.microsoft.com/office/powerpoint/2015/main" val="1"/>
+              </p:ext>
+            </p:extLst>
+          </p:nvPr>
+        </p:nvSpPr>
+        <p:spPr>
+          <a:xfrm rot="18900000" flipH="1">
+            <a:off x="10043482" y="655140"/>
+            <a:ext cx="687472" cy="687472"/>
+          </a:xfrm>
+          <a:prstGeom prst="rect">
+            <a:avLst/>
+          </a:prstGeom>
+          <a:solidFill>
+            <a:schemeClr val="accent4">
+              <a:alpha val="30000"/>
+            </a:schemeClr>
+          </a:solidFill>
+          <a:ln>
+            <a:noFill/>
+          </a:ln>
+        </p:spPr>
+        <p:style>
+          <a:lnRef idx="2">
+            <a:schemeClr val="accent1">
+              <a:shade val="50000"/>
+            </a:schemeClr>
+          </a:lnRef>
+          <a:fillRef idx="1">
+            <a:schemeClr val="accent1"/>
+          </a:fillRef>
+          <a:effectRef idx="0">
+            <a:schemeClr val="accent1"/>
+          </a:effectRef>
+          <a:fontRef idx="minor">
+            <a:schemeClr val="lt1"/>
+          </a:fontRef>
+        </p:style>
+        <p:txBody>
+          <a:bodyPr rtlCol="0" anchor="ctr"/>
+          <a:lstStyle/>
+          <a:p>
+            <a:pPr algn="ctr"/>
+            <a:endParaRPr lang="en-US"/>
+          </a:p>
+        </p:txBody>
+      </p:sp>
+      <p:sp>
+        <p:nvSpPr>
+          <p:cNvPr id="16" name="Freeform: Shape 15">
+            <a:extLst>
+              <a:ext uri="{FF2B5EF4-FFF2-40B4-BE49-F238E27FC236}">
+                <a16:creationId xmlns:a16="http://schemas.microsoft.com/office/drawing/2014/main" id="{9A97C86A-04D6-40F7-AE84-31AB43E6A846}"/>
+              </a:ext>
+              <a:ext uri="{C183D7F6-B498-43B3-948B-1728B52AA6E4}">
+                <adec:decorative xmlns:adec="http://schemas.microsoft.com/office/drawing/2017/decorative" val="1"/>
+              </a:ext>
+            </a:extLst>
+          </p:cNvPr>
+          <p:cNvSpPr>
+            <a:spLocks noGrp="1" noRot="1" noChangeAspect="1" noMove="1" noResize="1" noEditPoints="1" noAdjustHandles="1" noChangeArrowheads="1" noChangeShapeType="1" noTextEdit="1"/>
+          </p:cNvSpPr>
+          <p:nvPr>
+            <p:extLst>
+              <p:ext uri="{386F3935-93C4-4BCD-93E2-E3B085C9AB24}">
+                <p16:designElem xmlns:p16="http://schemas.microsoft.com/office/powerpoint/2015/main" val="1"/>
+              </p:ext>
+            </p:extLst>
+          </p:nvPr>
+        </p:nvSpPr>
+        <p:spPr>
+          <a:xfrm rot="10800000" flipH="1">
+            <a:off x="9356643" y="0"/>
+            <a:ext cx="2835357" cy="1480837"/>
+          </a:xfrm>
+          <a:custGeom>
+            <a:avLst/>
+            <a:gdLst>
+              <a:gd name="connsiteX0" fmla="*/ 2835357 w 2835357"/>
+              <a:gd name="connsiteY0" fmla="*/ 1480837 h 1480837"/>
+              <a:gd name="connsiteX1" fmla="*/ 0 w 2835357"/>
+              <a:gd name="connsiteY1" fmla="*/ 1480837 h 1480837"/>
+              <a:gd name="connsiteX2" fmla="*/ 1552727 w 2835357"/>
+              <a:gd name="connsiteY2" fmla="*/ 0 h 1480837"/>
+              <a:gd name="connsiteX3" fmla="*/ 2835357 w 2835357"/>
+              <a:gd name="connsiteY3" fmla="*/ 1223245 h 1480837"/>
+            </a:gdLst>
+            <a:ahLst/>
+            <a:cxnLst>
+              <a:cxn ang="0">
+                <a:pos x="connsiteX0" y="connsiteY0"/>
+              </a:cxn>
+              <a:cxn ang="0">
+                <a:pos x="connsiteX1" y="connsiteY1"/>
+              </a:cxn>
+              <a:cxn ang="0">
+                <a:pos x="connsiteX2" y="connsiteY2"/>
+              </a:cxn>
+              <a:cxn ang="0">
+                <a:pos x="connsiteX3" y="connsiteY3"/>
+              </a:cxn>
+            </a:cxnLst>
+            <a:rect l="l" t="t" r="r" b="b"/>
+            <a:pathLst>
+              <a:path w="2835357" h="1480837">
+                <a:moveTo>
+                  <a:pt x="2835357" y="1480837"/>
+                </a:moveTo>
+                <a:lnTo>
+                  <a:pt x="0" y="1480837"/>
+                </a:lnTo>
+                <a:lnTo>
+                  <a:pt x="1552727" y="0"/>
+                </a:lnTo>
+                <a:lnTo>
+                  <a:pt x="2835357" y="1223245"/>
+                </a:lnTo>
+                <a:close/>
+              </a:path>
+            </a:pathLst>
+          </a:custGeom>
+          <a:solidFill>
+            <a:schemeClr val="accent4">
+              <a:alpha val="30000"/>
+            </a:schemeClr>
+          </a:solidFill>
+          <a:ln>
+            <a:noFill/>
+          </a:ln>
+        </p:spPr>
+        <p:style>
+          <a:lnRef idx="2">
+            <a:schemeClr val="accent1">
+              <a:shade val="50000"/>
+            </a:schemeClr>
+          </a:lnRef>
+          <a:fillRef idx="1">
+            <a:schemeClr val="accent1"/>
+          </a:fillRef>
+          <a:effectRef idx="0">
+            <a:schemeClr val="accent1"/>
+          </a:effectRef>
+          <a:fontRef idx="minor">
+            <a:schemeClr val="lt1"/>
+          </a:fontRef>
+        </p:style>
+        <p:txBody>
+          <a:bodyPr wrap="square" rtlCol="0" anchor="ctr">
+            <a:noAutofit/>
+          </a:bodyPr>
+          <a:lstStyle/>
+          <a:p>
+            <a:pPr algn="ctr"/>
+            <a:endParaRPr lang="en-US" dirty="0"/>
+          </a:p>
+        </p:txBody>
+      </p:sp>
+      <p:sp>
+        <p:nvSpPr>
+          <p:cNvPr id="18" name="Isosceles Triangle 17">
+            <a:extLst>
+              <a:ext uri="{FF2B5EF4-FFF2-40B4-BE49-F238E27FC236}">
+                <a16:creationId xmlns:a16="http://schemas.microsoft.com/office/drawing/2014/main" id="{FF9F2414-84E8-453E-B1F3-389FDE8192D9}"/>
+              </a:ext>
+              <a:ext uri="{C183D7F6-B498-43B3-948B-1728B52AA6E4}">
+                <adec:decorative xmlns:adec="http://schemas.microsoft.com/office/drawing/2017/decorative" val="1"/>
+              </a:ext>
+            </a:extLst>
+          </p:cNvPr>
+          <p:cNvSpPr>
+            <a:spLocks noGrp="1" noRot="1" noChangeAspect="1" noMove="1" noResize="1" noEditPoints="1" noAdjustHandles="1" noChangeArrowheads="1" noChangeShapeType="1" noTextEdit="1"/>
+          </p:cNvSpPr>
+          <p:nvPr>
+            <p:extLst>
+              <p:ext uri="{386F3935-93C4-4BCD-93E2-E3B085C9AB24}">
+                <p16:designElem xmlns:p16="http://schemas.microsoft.com/office/powerpoint/2015/main" val="1"/>
+              </p:ext>
+            </p:extLst>
+          </p:nvPr>
+        </p:nvSpPr>
+        <p:spPr>
+          <a:xfrm flipH="1">
+            <a:off x="7976344" y="6115501"/>
+            <a:ext cx="1494513" cy="742499"/>
+          </a:xfrm>
+          <a:prstGeom prst="triangle">
+            <a:avLst/>
+          </a:prstGeom>
+          <a:solidFill>
+            <a:schemeClr val="accent1">
+              <a:alpha val="30000"/>
+            </a:schemeClr>
+          </a:solidFill>
+          <a:ln>
+            <a:noFill/>
+          </a:ln>
+        </p:spPr>
+        <p:style>
+          <a:lnRef idx="2">
+            <a:schemeClr val="accent1">
+              <a:shade val="50000"/>
+            </a:schemeClr>
+          </a:lnRef>
+          <a:fillRef idx="1">
+            <a:schemeClr val="accent1"/>
+          </a:fillRef>
+          <a:effectRef idx="0">
+            <a:schemeClr val="accent1"/>
+          </a:effectRef>
+          <a:fontRef idx="minor">
+            <a:schemeClr val="lt1"/>
+          </a:fontRef>
+        </p:style>
+        <p:txBody>
+          <a:bodyPr rtlCol="0" anchor="ctr"/>
+          <a:lstStyle/>
+          <a:p>
+            <a:pPr algn="ctr"/>
+            <a:endParaRPr lang="en-US"/>
+          </a:p>
+        </p:txBody>
+      </p:sp>
       <p:pic>
         <p:nvPicPr>
-          <p:cNvPr id="5" name="Immagine 4" descr="Immagine che contiene testo&#10;&#10;Descrizione generata automaticamente">
-            <a:extLst>
-              <a:ext uri="{FF2B5EF4-FFF2-40B4-BE49-F238E27FC236}">
-                <a16:creationId xmlns:a16="http://schemas.microsoft.com/office/drawing/2014/main" id="{FFECBC73-85C1-4767-B60C-914D454402FB}"/>
+          <p:cNvPr id="3" name="Immagine 2" descr="Immagine che contiene testo&#10;&#10;Descrizione generata automaticamente">
+            <a:extLst>
+              <a:ext uri="{FF2B5EF4-FFF2-40B4-BE49-F238E27FC236}">
+                <a16:creationId xmlns:a16="http://schemas.microsoft.com/office/drawing/2014/main" id="{0F646681-32F3-443E-B359-1AA7625E8EC2}"/>
               </a:ext>
             </a:extLst>
           </p:cNvPr>
@@ -7649,7 +8030,7 @@
           </p:cNvPicPr>
           <p:nvPr/>
         </p:nvPicPr>
-        <p:blipFill rotWithShape="1">
+        <p:blipFill>
           <a:blip r:embed="rId2">
             <a:extLst>
               <a:ext uri="{28A0092B-C50C-407E-A947-70E740481C1C}">
@@ -7657,19 +8038,88 @@
               </a:ext>
             </a:extLst>
           </a:blip>
-          <a:srcRect t="6850"/>
-          <a:stretch/>
+          <a:stretch>
+            <a:fillRect/>
+          </a:stretch>
         </p:blipFill>
         <p:spPr>
           <a:xfrm>
-            <a:off x="62090" y="363983"/>
-            <a:ext cx="12129910" cy="5762497"/>
+            <a:off x="643467" y="648208"/>
+            <a:ext cx="10905066" cy="5561583"/>
           </a:xfrm>
           <a:prstGeom prst="rect">
             <a:avLst/>
           </a:prstGeom>
+          <a:ln>
+            <a:noFill/>
+          </a:ln>
         </p:spPr>
       </p:pic>
+      <p:sp>
+        <p:nvSpPr>
+          <p:cNvPr id="20" name="Isosceles Triangle 19">
+            <a:extLst>
+              <a:ext uri="{FF2B5EF4-FFF2-40B4-BE49-F238E27FC236}">
+                <a16:creationId xmlns:a16="http://schemas.microsoft.com/office/drawing/2014/main" id="{3ECA69A1-7536-43AC-85EF-C7106179F5ED}"/>
+              </a:ext>
+              <a:ext uri="{C183D7F6-B498-43B3-948B-1728B52AA6E4}">
+                <adec:decorative xmlns:adec="http://schemas.microsoft.com/office/drawing/2017/decorative" val="1"/>
+              </a:ext>
+            </a:extLst>
+          </p:cNvPr>
+          <p:cNvSpPr>
+            <a:spLocks noGrp="1" noRot="1" noChangeAspect="1" noMove="1" noResize="1" noEditPoints="1" noAdjustHandles="1" noChangeArrowheads="1" noChangeShapeType="1" noTextEdit="1"/>
+          </p:cNvSpPr>
+          <p:nvPr>
+            <p:extLst>
+              <p:ext uri="{386F3935-93C4-4BCD-93E2-E3B085C9AB24}">
+                <p16:designElem xmlns:p16="http://schemas.microsoft.com/office/powerpoint/2015/main" val="1"/>
+              </p:ext>
+            </p:extLst>
+          </p:nvPr>
+        </p:nvSpPr>
+        <p:spPr>
+          <a:xfrm flipH="1">
+            <a:off x="7604080" y="6453143"/>
+            <a:ext cx="814903" cy="404857"/>
+          </a:xfrm>
+          <a:prstGeom prst="triangle">
+            <a:avLst/>
+          </a:prstGeom>
+          <a:solidFill>
+            <a:schemeClr val="accent1">
+              <a:alpha val="30000"/>
+            </a:schemeClr>
+          </a:solidFill>
+          <a:ln>
+            <a:noFill/>
+          </a:ln>
+        </p:spPr>
+        <p:style>
+          <a:lnRef idx="2">
+            <a:schemeClr val="accent1">
+              <a:shade val="50000"/>
+            </a:schemeClr>
+          </a:lnRef>
+          <a:fillRef idx="1">
+            <a:schemeClr val="accent1"/>
+          </a:fillRef>
+          <a:effectRef idx="0">
+            <a:schemeClr val="accent1"/>
+          </a:effectRef>
+          <a:fontRef idx="minor">
+            <a:schemeClr val="lt1"/>
+          </a:fontRef>
+        </p:style>
+        <p:txBody>
+          <a:bodyPr rtlCol="0" anchor="ctr"/>
+          <a:lstStyle/>
+          <a:p>
+            <a:pPr algn="ctr"/>
+            <a:endParaRPr lang="en-US"/>
+          </a:p>
+        </p:txBody>
+      </p:sp>
     </p:spTree>
     <p:extLst>
       <p:ext uri="{BB962C8B-B14F-4D97-AF65-F5344CB8AC3E}">
@@ -7710,10 +8160,10 @@
       </p:grpSpPr>
       <p:sp useBgFill="1">
         <p:nvSpPr>
-          <p:cNvPr id="29" name="Rectangle 28">
-            <a:extLst>
-              <a:ext uri="{FF2B5EF4-FFF2-40B4-BE49-F238E27FC236}">
-                <a16:creationId xmlns:a16="http://schemas.microsoft.com/office/drawing/2014/main" id="{153860BD-2B77-4099-8348-E7AB857CDF6C}"/>
+          <p:cNvPr id="35" name="Rectangle 26">
+            <a:extLst>
+              <a:ext uri="{FF2B5EF4-FFF2-40B4-BE49-F238E27FC236}">
+                <a16:creationId xmlns:a16="http://schemas.microsoft.com/office/drawing/2014/main" id="{3C3E5D51-F8E7-4DCA-AAE7-E43895B7DF65}"/>
               </a:ext>
               <a:ext uri="{C183D7F6-B498-43B3-948B-1728B52AA6E4}">
                 <adec:decorative xmlns:adec="http://schemas.microsoft.com/office/drawing/2017/decorative" val="1"/>
@@ -7798,14 +8248,15 @@
           <a:p>
             <a:r>
               <a:rPr lang="it-IT" sz="3600"/>
-              <a:t>Disgust Wordcloud</a:t>
-            </a:r>
-          </a:p>
-        </p:txBody>
-      </p:sp>
-      <p:sp>
-        <p:nvSpPr>
-          <p:cNvPr id="31" name="Rectangle 30">
+              <a:t>Anticipation Wordcloud</a:t>
+            </a:r>
+            <a:endParaRPr lang="it-IT" sz="3600" dirty="0"/>
+          </a:p>
+        </p:txBody>
+      </p:sp>
+      <p:sp>
+        <p:nvSpPr>
+          <p:cNvPr id="36" name="Rectangle 28">
             <a:extLst>
               <a:ext uri="{FF2B5EF4-FFF2-40B4-BE49-F238E27FC236}">
                 <a16:creationId xmlns:a16="http://schemas.microsoft.com/office/drawing/2014/main" id="{95C8260E-968F-44E8-A823-ABB431311926}"/>
@@ -7868,7 +8319,7 @@
       </p:sp>
       <p:sp>
         <p:nvSpPr>
-          <p:cNvPr id="33" name="Rectangle 32">
+          <p:cNvPr id="37" name="Rectangle 30">
             <a:extLst>
               <a:ext uri="{FF2B5EF4-FFF2-40B4-BE49-F238E27FC236}">
                 <a16:creationId xmlns:a16="http://schemas.microsoft.com/office/drawing/2014/main" id="{2C1BBA94-3F40-40AA-8BB9-E69E25E537C1}"/>
@@ -7938,10 +8389,10 @@
       </p:sp>
       <p:pic>
         <p:nvPicPr>
-          <p:cNvPr id="12" name="Immagine 11">
-            <a:extLst>
-              <a:ext uri="{FF2B5EF4-FFF2-40B4-BE49-F238E27FC236}">
-                <a16:creationId xmlns:a16="http://schemas.microsoft.com/office/drawing/2014/main" id="{6486E1ED-B584-4310-94BE-37DD6142E4F7}"/>
+          <p:cNvPr id="10" name="Immagine 9">
+            <a:extLst>
+              <a:ext uri="{FF2B5EF4-FFF2-40B4-BE49-F238E27FC236}">
+                <a16:creationId xmlns:a16="http://schemas.microsoft.com/office/drawing/2014/main" id="{48571BF1-E7AE-41D3-BD95-29A4E2DD22D5}"/>
               </a:ext>
             </a:extLst>
           </p:cNvPr>
@@ -7950,15 +8401,16 @@
           </p:cNvPicPr>
           <p:nvPr/>
         </p:nvPicPr>
-        <p:blipFill rotWithShape="1">
+        <p:blipFill>
           <a:blip r:embed="rId2"/>
-          <a:srcRect l="10821" r="-4" b="-4"/>
-          <a:stretch/>
+          <a:stretch>
+            <a:fillRect/>
+          </a:stretch>
         </p:blipFill>
         <p:spPr>
           <a:xfrm>
-            <a:off x="778779" y="380770"/>
-            <a:ext cx="2507107" cy="2811320"/>
+            <a:off x="778778" y="532876"/>
+            <a:ext cx="2507107" cy="2507107"/>
           </a:xfrm>
           <a:prstGeom prst="rect">
             <a:avLst/>
@@ -7967,10 +8419,10 @@
       </p:pic>
       <p:pic>
         <p:nvPicPr>
-          <p:cNvPr id="13" name="Immagine 12">
-            <a:extLst>
-              <a:ext uri="{FF2B5EF4-FFF2-40B4-BE49-F238E27FC236}">
-                <a16:creationId xmlns:a16="http://schemas.microsoft.com/office/drawing/2014/main" id="{810C7ACD-53AF-4F9D-AA05-DE7C7A4F3A8B}"/>
+          <p:cNvPr id="11" name="Immagine 10">
+            <a:extLst>
+              <a:ext uri="{FF2B5EF4-FFF2-40B4-BE49-F238E27FC236}">
+                <a16:creationId xmlns:a16="http://schemas.microsoft.com/office/drawing/2014/main" id="{D190567F-7A4C-485C-A727-67D7CAFDB7DA}"/>
               </a:ext>
             </a:extLst>
           </p:cNvPr>
@@ -7979,15 +8431,16 @@
           </p:cNvPicPr>
           <p:nvPr/>
         </p:nvPicPr>
-        <p:blipFill rotWithShape="1">
+        <p:blipFill>
           <a:blip r:embed="rId3"/>
-          <a:srcRect l="6484" r="4302" b="-4"/>
-          <a:stretch/>
+          <a:stretch>
+            <a:fillRect/>
+          </a:stretch>
         </p:blipFill>
         <p:spPr>
           <a:xfrm>
-            <a:off x="6133646" y="380770"/>
-            <a:ext cx="2507982" cy="2811320"/>
+            <a:off x="3536516" y="532438"/>
+            <a:ext cx="2507982" cy="2507982"/>
           </a:xfrm>
           <a:prstGeom prst="rect">
             <a:avLst/>
@@ -7996,10 +8449,10 @@
       </p:pic>
       <p:pic>
         <p:nvPicPr>
-          <p:cNvPr id="6" name="Immagine 5">
-            <a:extLst>
-              <a:ext uri="{FF2B5EF4-FFF2-40B4-BE49-F238E27FC236}">
-                <a16:creationId xmlns:a16="http://schemas.microsoft.com/office/drawing/2014/main" id="{7E0E3A65-66E1-4061-9CEB-23F7141246F3}"/>
+          <p:cNvPr id="9" name="Immagine 8">
+            <a:extLst>
+              <a:ext uri="{FF2B5EF4-FFF2-40B4-BE49-F238E27FC236}">
+                <a16:creationId xmlns:a16="http://schemas.microsoft.com/office/drawing/2014/main" id="{2EFEED7C-CBA9-4806-84AD-3BC25621BF6B}"/>
               </a:ext>
             </a:extLst>
           </p:cNvPr>
@@ -8008,15 +8461,16 @@
           </p:cNvPicPr>
           <p:nvPr/>
         </p:nvPicPr>
-        <p:blipFill rotWithShape="1">
+        <p:blipFill>
           <a:blip r:embed="rId4"/>
-          <a:srcRect l="10790" r="-4" b="-4"/>
-          <a:stretch/>
+          <a:stretch>
+            <a:fillRect/>
+          </a:stretch>
         </p:blipFill>
         <p:spPr>
           <a:xfrm>
-            <a:off x="3455775" y="380770"/>
-            <a:ext cx="2507982" cy="2811320"/>
+            <a:off x="6259368" y="532438"/>
+            <a:ext cx="2507982" cy="2507982"/>
           </a:xfrm>
           <a:prstGeom prst="rect">
             <a:avLst/>
@@ -8025,10 +8479,10 @@
       </p:pic>
       <p:pic>
         <p:nvPicPr>
-          <p:cNvPr id="7" name="Immagine 6">
-            <a:extLst>
-              <a:ext uri="{FF2B5EF4-FFF2-40B4-BE49-F238E27FC236}">
-                <a16:creationId xmlns:a16="http://schemas.microsoft.com/office/drawing/2014/main" id="{84393D7C-805E-4F8B-B3C9-EDFB19660486}"/>
+          <p:cNvPr id="8" name="Immagine 7">
+            <a:extLst>
+              <a:ext uri="{FF2B5EF4-FFF2-40B4-BE49-F238E27FC236}">
+                <a16:creationId xmlns:a16="http://schemas.microsoft.com/office/drawing/2014/main" id="{3521122F-CC71-40D2-9343-4157DF2ACDA1}"/>
               </a:ext>
             </a:extLst>
           </p:cNvPr>
@@ -8037,15 +8491,16 @@
           </p:cNvPicPr>
           <p:nvPr/>
         </p:nvPicPr>
-        <p:blipFill rotWithShape="1">
+        <p:blipFill>
           <a:blip r:embed="rId5"/>
-          <a:srcRect l="3673" r="6863" b="-4"/>
-          <a:stretch/>
+          <a:stretch>
+            <a:fillRect/>
+          </a:stretch>
         </p:blipFill>
         <p:spPr>
           <a:xfrm>
-            <a:off x="8938123" y="373264"/>
-            <a:ext cx="2515016" cy="2811320"/>
+            <a:off x="8982219" y="528922"/>
+            <a:ext cx="2515016" cy="2515016"/>
           </a:xfrm>
           <a:prstGeom prst="rect">
             <a:avLst/>
@@ -8054,7 +8509,7 @@
       </p:pic>
       <p:sp>
         <p:nvSpPr>
-          <p:cNvPr id="35" name="Rectangle 34">
+          <p:cNvPr id="38" name="Rectangle 32">
             <a:extLst>
               <a:ext uri="{FF2B5EF4-FFF2-40B4-BE49-F238E27FC236}">
                 <a16:creationId xmlns:a16="http://schemas.microsoft.com/office/drawing/2014/main" id="{FE43805F-24A6-46A4-B19B-54F28347355C}"/>
@@ -8117,10 +8572,10 @@
       </p:sp>
       <p:sp>
         <p:nvSpPr>
-          <p:cNvPr id="23" name="Segnaposto contenuto 2">
-            <a:extLst>
-              <a:ext uri="{FF2B5EF4-FFF2-40B4-BE49-F238E27FC236}">
-                <a16:creationId xmlns:a16="http://schemas.microsoft.com/office/drawing/2014/main" id="{781874DA-D175-45D5-A6E3-BE3123D793D6}"/>
+          <p:cNvPr id="3" name="Segnaposto contenuto 2">
+            <a:extLst>
+              <a:ext uri="{FF2B5EF4-FFF2-40B4-BE49-F238E27FC236}">
+                <a16:creationId xmlns:a16="http://schemas.microsoft.com/office/drawing/2014/main" id="{F7D0C500-3E07-44E2-A01E-D8310F0254E6}"/>
               </a:ext>
             </a:extLst>
           </p:cNvPr>
@@ -8144,34 +8599,35 @@
           <a:lstStyle/>
           <a:p>
             <a:r>
-              <a:rPr lang="it-IT" sz="2000" dirty="0"/>
+              <a:rPr lang="it-IT" sz="2000"/>
               <a:t>EMOTICONS</a:t>
             </a:r>
           </a:p>
           <a:p>
             <a:r>
-              <a:rPr lang="it-IT" sz="2000" dirty="0"/>
+              <a:rPr lang="it-IT" sz="2000"/>
               <a:t>EMOJI</a:t>
             </a:r>
           </a:p>
           <a:p>
             <a:r>
-              <a:rPr lang="it-IT" sz="2000" dirty="0"/>
+              <a:rPr lang="it-IT" sz="2000"/>
               <a:t>HASHTAG</a:t>
             </a:r>
           </a:p>
           <a:p>
             <a:r>
-              <a:rPr lang="it-IT" sz="2000" dirty="0"/>
+              <a:rPr lang="it-IT" sz="2000"/>
               <a:t>WORDS</a:t>
             </a:r>
+            <a:endParaRPr lang="it-IT" sz="2000" dirty="0"/>
           </a:p>
         </p:txBody>
       </p:sp>
     </p:spTree>
     <p:extLst>
       <p:ext uri="{BB962C8B-B14F-4D97-AF65-F5344CB8AC3E}">
-        <p14:creationId xmlns:p14="http://schemas.microsoft.com/office/powerpoint/2010/main" val="323234162"/>
+        <p14:creationId xmlns:p14="http://schemas.microsoft.com/office/powerpoint/2010/main" val="39698839"/>
       </p:ext>
     </p:extLst>
   </p:cSld>
@@ -8208,7 +8664,7 @@
       </p:grpSpPr>
       <p:sp useBgFill="1">
         <p:nvSpPr>
-          <p:cNvPr id="28" name="Rectangle 27">
+          <p:cNvPr id="29" name="Rectangle 28">
             <a:extLst>
               <a:ext uri="{FF2B5EF4-FFF2-40B4-BE49-F238E27FC236}">
                 <a16:creationId xmlns:a16="http://schemas.microsoft.com/office/drawing/2014/main" id="{153860BD-2B77-4099-8348-E7AB857CDF6C}"/>
@@ -8296,23 +8752,14 @@
           <a:p>
             <a:r>
               <a:rPr lang="it-IT" sz="3600"/>
-              <a:t>Fear</a:t>
-            </a:r>
-            <a:r>
-              <a:rPr lang="it-IT" sz="3600" dirty="0"/>
-              <a:t> </a:t>
-            </a:r>
-            <a:r>
-              <a:rPr lang="it-IT" sz="3600"/>
-              <a:t>Wordcloud</a:t>
-            </a:r>
-            <a:endParaRPr lang="it-IT" sz="3600" dirty="0"/>
-          </a:p>
-        </p:txBody>
-      </p:sp>
-      <p:sp>
-        <p:nvSpPr>
-          <p:cNvPr id="30" name="Rectangle 29">
+              <a:t>Disgust Wordcloud</a:t>
+            </a:r>
+          </a:p>
+        </p:txBody>
+      </p:sp>
+      <p:sp>
+        <p:nvSpPr>
+          <p:cNvPr id="31" name="Rectangle 30">
             <a:extLst>
               <a:ext uri="{FF2B5EF4-FFF2-40B4-BE49-F238E27FC236}">
                 <a16:creationId xmlns:a16="http://schemas.microsoft.com/office/drawing/2014/main" id="{95C8260E-968F-44E8-A823-ABB431311926}"/>
@@ -8375,7 +8822,7 @@
       </p:sp>
       <p:sp>
         <p:nvSpPr>
-          <p:cNvPr id="32" name="Rectangle 31">
+          <p:cNvPr id="33" name="Rectangle 32">
             <a:extLst>
               <a:ext uri="{FF2B5EF4-FFF2-40B4-BE49-F238E27FC236}">
                 <a16:creationId xmlns:a16="http://schemas.microsoft.com/office/drawing/2014/main" id="{2C1BBA94-3F40-40AA-8BB9-E69E25E537C1}"/>
@@ -8445,10 +8892,10 @@
       </p:sp>
       <p:pic>
         <p:nvPicPr>
-          <p:cNvPr id="14" name="Immagine 13" descr="Immagine che contiene testo&#10;&#10;Descrizione generata automaticamente">
-            <a:extLst>
-              <a:ext uri="{FF2B5EF4-FFF2-40B4-BE49-F238E27FC236}">
-                <a16:creationId xmlns:a16="http://schemas.microsoft.com/office/drawing/2014/main" id="{15BF6AC1-3834-494C-BCE4-C8EA0EB68E5E}"/>
+          <p:cNvPr id="12" name="Immagine 11">
+            <a:extLst>
+              <a:ext uri="{FF2B5EF4-FFF2-40B4-BE49-F238E27FC236}">
+                <a16:creationId xmlns:a16="http://schemas.microsoft.com/office/drawing/2014/main" id="{6486E1ED-B584-4310-94BE-37DD6142E4F7}"/>
               </a:ext>
             </a:extLst>
           </p:cNvPr>
@@ -8458,13 +8905,7 @@
           <p:nvPr/>
         </p:nvPicPr>
         <p:blipFill rotWithShape="1">
-          <a:blip r:embed="rId2">
-            <a:extLst>
-              <a:ext uri="{28A0092B-C50C-407E-A947-70E740481C1C}">
-                <a14:useLocalDpi xmlns:a14="http://schemas.microsoft.com/office/drawing/2010/main" val="0"/>
-              </a:ext>
-            </a:extLst>
-          </a:blip>
+          <a:blip r:embed="rId2"/>
           <a:srcRect l="10821" r="-4" b="-4"/>
           <a:stretch/>
         </p:blipFill>
@@ -8480,10 +8921,10 @@
       </p:pic>
       <p:pic>
         <p:nvPicPr>
-          <p:cNvPr id="10" name="Immagine 9">
-            <a:extLst>
-              <a:ext uri="{FF2B5EF4-FFF2-40B4-BE49-F238E27FC236}">
-                <a16:creationId xmlns:a16="http://schemas.microsoft.com/office/drawing/2014/main" id="{E0A58870-82E9-4925-97D3-ED47008515D4}"/>
+          <p:cNvPr id="13" name="Immagine 12">
+            <a:extLst>
+              <a:ext uri="{FF2B5EF4-FFF2-40B4-BE49-F238E27FC236}">
+                <a16:creationId xmlns:a16="http://schemas.microsoft.com/office/drawing/2014/main" id="{810C7ACD-53AF-4F9D-AA05-DE7C7A4F3A8B}"/>
               </a:ext>
             </a:extLst>
           </p:cNvPr>
@@ -8493,19 +8934,13 @@
           <p:nvPr/>
         </p:nvPicPr>
         <p:blipFill rotWithShape="1">
-          <a:blip r:embed="rId3">
-            <a:extLst>
-              <a:ext uri="{28A0092B-C50C-407E-A947-70E740481C1C}">
-                <a14:useLocalDpi xmlns:a14="http://schemas.microsoft.com/office/drawing/2010/main" val="0"/>
-              </a:ext>
-            </a:extLst>
-          </a:blip>
-          <a:srcRect l="10790" r="-4" b="-4"/>
+          <a:blip r:embed="rId3"/>
+          <a:srcRect l="6484" r="4302" b="-4"/>
           <a:stretch/>
         </p:blipFill>
         <p:spPr>
           <a:xfrm>
-            <a:off x="3544829" y="380769"/>
+            <a:off x="6133646" y="380770"/>
             <a:ext cx="2507982" cy="2811320"/>
           </a:xfrm>
           <a:prstGeom prst="rect">
@@ -8515,10 +8950,10 @@
       </p:pic>
       <p:pic>
         <p:nvPicPr>
-          <p:cNvPr id="8" name="Immagine 7">
-            <a:extLst>
-              <a:ext uri="{FF2B5EF4-FFF2-40B4-BE49-F238E27FC236}">
-                <a16:creationId xmlns:a16="http://schemas.microsoft.com/office/drawing/2014/main" id="{46392770-BAFD-4ECD-82B8-70CA6A851895}"/>
+          <p:cNvPr id="6" name="Immagine 5">
+            <a:extLst>
+              <a:ext uri="{FF2B5EF4-FFF2-40B4-BE49-F238E27FC236}">
+                <a16:creationId xmlns:a16="http://schemas.microsoft.com/office/drawing/2014/main" id="{7E0E3A65-66E1-4061-9CEB-23F7141246F3}"/>
               </a:ext>
             </a:extLst>
           </p:cNvPr>
@@ -8528,19 +8963,13 @@
           <p:nvPr/>
         </p:nvPicPr>
         <p:blipFill rotWithShape="1">
-          <a:blip r:embed="rId4">
-            <a:extLst>
-              <a:ext uri="{28A0092B-C50C-407E-A947-70E740481C1C}">
-                <a14:useLocalDpi xmlns:a14="http://schemas.microsoft.com/office/drawing/2010/main" val="0"/>
-              </a:ext>
-            </a:extLst>
-          </a:blip>
-          <a:srcRect l="9185" r="1601" b="-4"/>
+          <a:blip r:embed="rId4"/>
+          <a:srcRect l="10790" r="-4" b="-4"/>
           <a:stretch/>
         </p:blipFill>
         <p:spPr>
           <a:xfrm>
-            <a:off x="9241652" y="380769"/>
+            <a:off x="3455775" y="380770"/>
             <a:ext cx="2507982" cy="2811320"/>
           </a:xfrm>
           <a:prstGeom prst="rect">
@@ -8550,10 +8979,10 @@
       </p:pic>
       <p:pic>
         <p:nvPicPr>
-          <p:cNvPr id="4" name="Immagine 3">
-            <a:extLst>
-              <a:ext uri="{FF2B5EF4-FFF2-40B4-BE49-F238E27FC236}">
-                <a16:creationId xmlns:a16="http://schemas.microsoft.com/office/drawing/2014/main" id="{4A02C009-CA8B-42F2-9220-DC1BC7D30355}"/>
+          <p:cNvPr id="7" name="Immagine 6">
+            <a:extLst>
+              <a:ext uri="{FF2B5EF4-FFF2-40B4-BE49-F238E27FC236}">
+                <a16:creationId xmlns:a16="http://schemas.microsoft.com/office/drawing/2014/main" id="{84393D7C-805E-4F8B-B3C9-EDFB19660486}"/>
               </a:ext>
             </a:extLst>
           </p:cNvPr>
@@ -8563,19 +8992,13 @@
           <p:nvPr/>
         </p:nvPicPr>
         <p:blipFill rotWithShape="1">
-          <a:blip r:embed="rId5">
-            <a:extLst>
-              <a:ext uri="{28A0092B-C50C-407E-A947-70E740481C1C}">
-                <a14:useLocalDpi xmlns:a14="http://schemas.microsoft.com/office/drawing/2010/main" val="0"/>
-              </a:ext>
-            </a:extLst>
-          </a:blip>
-          <a:srcRect l="4919" r="5617" b="-4"/>
+          <a:blip r:embed="rId5"/>
+          <a:srcRect l="3673" r="6863" b="-4"/>
           <a:stretch/>
         </p:blipFill>
         <p:spPr>
           <a:xfrm>
-            <a:off x="6311754" y="380769"/>
+            <a:off x="8938123" y="373264"/>
             <a:ext cx="2515016" cy="2811320"/>
           </a:xfrm>
           <a:prstGeom prst="rect">
@@ -8585,7 +9008,7 @@
       </p:pic>
       <p:sp>
         <p:nvSpPr>
-          <p:cNvPr id="34" name="Rectangle 33">
+          <p:cNvPr id="35" name="Rectangle 34">
             <a:extLst>
               <a:ext uri="{FF2B5EF4-FFF2-40B4-BE49-F238E27FC236}">
                 <a16:creationId xmlns:a16="http://schemas.microsoft.com/office/drawing/2014/main" id="{FE43805F-24A6-46A4-B19B-54F28347355C}"/>
@@ -8702,7 +9125,7 @@
     </p:spTree>
     <p:extLst>
       <p:ext uri="{BB962C8B-B14F-4D97-AF65-F5344CB8AC3E}">
-        <p14:creationId xmlns:p14="http://schemas.microsoft.com/office/powerpoint/2010/main" val="420910212"/>
+        <p14:creationId xmlns:p14="http://schemas.microsoft.com/office/powerpoint/2010/main" val="323234162"/>
       </p:ext>
     </p:extLst>
   </p:cSld>
@@ -8826,11 +9249,15 @@
           <a:lstStyle/>
           <a:p>
             <a:r>
+              <a:rPr lang="it-IT" sz="3600"/>
+              <a:t>Fear</a:t>
+            </a:r>
+            <a:r>
               <a:rPr lang="it-IT" sz="3600" dirty="0"/>
-              <a:t>Joy </a:t>
-            </a:r>
-            <a:r>
-              <a:rPr lang="it-IT" sz="3600" dirty="0" err="1"/>
+              <a:t> </a:t>
+            </a:r>
+            <a:r>
+              <a:rPr lang="it-IT" sz="3600"/>
               <a:t>Wordcloud</a:t>
             </a:r>
             <a:endParaRPr lang="it-IT" sz="3600" dirty="0"/>
@@ -8972,10 +9399,10 @@
       </p:sp>
       <p:pic>
         <p:nvPicPr>
-          <p:cNvPr id="13" name="Immagine 12" descr="Immagine che contiene testo&#10;&#10;Descrizione generata automaticamente">
-            <a:extLst>
-              <a:ext uri="{FF2B5EF4-FFF2-40B4-BE49-F238E27FC236}">
-                <a16:creationId xmlns:a16="http://schemas.microsoft.com/office/drawing/2014/main" id="{354430D8-573D-405F-BA7B-E91AF486C1C9}"/>
+          <p:cNvPr id="14" name="Immagine 13" descr="Immagine che contiene testo&#10;&#10;Descrizione generata automaticamente">
+            <a:extLst>
+              <a:ext uri="{FF2B5EF4-FFF2-40B4-BE49-F238E27FC236}">
+                <a16:creationId xmlns:a16="http://schemas.microsoft.com/office/drawing/2014/main" id="{15BF6AC1-3834-494C-BCE4-C8EA0EB68E5E}"/>
               </a:ext>
             </a:extLst>
           </p:cNvPr>
@@ -9007,10 +9434,10 @@
       </p:pic>
       <p:pic>
         <p:nvPicPr>
-          <p:cNvPr id="7" name="Immagine 6">
-            <a:extLst>
-              <a:ext uri="{FF2B5EF4-FFF2-40B4-BE49-F238E27FC236}">
-                <a16:creationId xmlns:a16="http://schemas.microsoft.com/office/drawing/2014/main" id="{F35DDC7B-DDB1-4C5C-B5C2-F01B7EB66D00}"/>
+          <p:cNvPr id="10" name="Immagine 9">
+            <a:extLst>
+              <a:ext uri="{FF2B5EF4-FFF2-40B4-BE49-F238E27FC236}">
+                <a16:creationId xmlns:a16="http://schemas.microsoft.com/office/drawing/2014/main" id="{E0A58870-82E9-4925-97D3-ED47008515D4}"/>
               </a:ext>
             </a:extLst>
           </p:cNvPr>
@@ -9027,12 +9454,12 @@
               </a:ext>
             </a:extLst>
           </a:blip>
-          <a:srcRect l="5719" r="5067" b="-4"/>
+          <a:srcRect l="10790" r="-4" b="-4"/>
           <a:stretch/>
         </p:blipFill>
         <p:spPr>
           <a:xfrm>
-            <a:off x="9038233" y="373264"/>
+            <a:off x="3544829" y="380769"/>
             <a:ext cx="2507982" cy="2811320"/>
           </a:xfrm>
           <a:prstGeom prst="rect">
@@ -9042,10 +9469,10 @@
       </p:pic>
       <p:pic>
         <p:nvPicPr>
-          <p:cNvPr id="5" name="Immagine 4">
-            <a:extLst>
-              <a:ext uri="{FF2B5EF4-FFF2-40B4-BE49-F238E27FC236}">
-                <a16:creationId xmlns:a16="http://schemas.microsoft.com/office/drawing/2014/main" id="{B6C2C9C8-25A9-439D-9AA1-3C7DADAC2BD9}"/>
+          <p:cNvPr id="8" name="Immagine 7">
+            <a:extLst>
+              <a:ext uri="{FF2B5EF4-FFF2-40B4-BE49-F238E27FC236}">
+                <a16:creationId xmlns:a16="http://schemas.microsoft.com/office/drawing/2014/main" id="{46392770-BAFD-4ECD-82B8-70CA6A851895}"/>
               </a:ext>
             </a:extLst>
           </p:cNvPr>
@@ -9062,12 +9489,12 @@
               </a:ext>
             </a:extLst>
           </a:blip>
-          <a:srcRect l="10790" r="-4" b="-4"/>
+          <a:srcRect l="9185" r="1601" b="-4"/>
           <a:stretch/>
         </p:blipFill>
         <p:spPr>
           <a:xfrm>
-            <a:off x="6398134" y="389510"/>
+            <a:off x="9241652" y="380769"/>
             <a:ext cx="2507982" cy="2811320"/>
           </a:xfrm>
           <a:prstGeom prst="rect">
@@ -9077,10 +9504,10 @@
       </p:pic>
       <p:pic>
         <p:nvPicPr>
-          <p:cNvPr id="11" name="Immagine 10">
-            <a:extLst>
-              <a:ext uri="{FF2B5EF4-FFF2-40B4-BE49-F238E27FC236}">
-                <a16:creationId xmlns:a16="http://schemas.microsoft.com/office/drawing/2014/main" id="{A1A21DFF-5AA0-41BF-9EA4-405BBD8DD5D1}"/>
+          <p:cNvPr id="4" name="Immagine 3">
+            <a:extLst>
+              <a:ext uri="{FF2B5EF4-FFF2-40B4-BE49-F238E27FC236}">
+                <a16:creationId xmlns:a16="http://schemas.microsoft.com/office/drawing/2014/main" id="{4A02C009-CA8B-42F2-9220-DC1BC7D30355}"/>
               </a:ext>
             </a:extLst>
           </p:cNvPr>
@@ -9097,12 +9524,12 @@
               </a:ext>
             </a:extLst>
           </a:blip>
-          <a:srcRect l="10540" r="-4" b="-4"/>
+          <a:srcRect l="4919" r="5617" b="-4"/>
           <a:stretch/>
         </p:blipFill>
         <p:spPr>
           <a:xfrm>
-            <a:off x="3671321" y="373264"/>
+            <a:off x="6311754" y="380769"/>
             <a:ext cx="2515016" cy="2811320"/>
           </a:xfrm>
           <a:prstGeom prst="rect">
@@ -9229,7 +9656,7 @@
     </p:spTree>
     <p:extLst>
       <p:ext uri="{BB962C8B-B14F-4D97-AF65-F5344CB8AC3E}">
-        <p14:creationId xmlns:p14="http://schemas.microsoft.com/office/powerpoint/2010/main" val="600286733"/>
+        <p14:creationId xmlns:p14="http://schemas.microsoft.com/office/powerpoint/2010/main" val="420910212"/>
       </p:ext>
     </p:extLst>
   </p:cSld>
@@ -9269,7 +9696,7 @@
           <p:cNvPr id="28" name="Rectangle 27">
             <a:extLst>
               <a:ext uri="{FF2B5EF4-FFF2-40B4-BE49-F238E27FC236}">
-                <a16:creationId xmlns:a16="http://schemas.microsoft.com/office/drawing/2014/main" id="{3C3E5D51-F8E7-4DCA-AAE7-E43895B7DF65}"/>
+                <a16:creationId xmlns:a16="http://schemas.microsoft.com/office/drawing/2014/main" id="{153860BD-2B77-4099-8348-E7AB857CDF6C}"/>
               </a:ext>
               <a:ext uri="{C183D7F6-B498-43B3-948B-1728B52AA6E4}">
                 <adec:decorative xmlns:adec="http://schemas.microsoft.com/office/drawing/2017/decorative" val="1"/>
@@ -9353,15 +9780,11 @@
           <a:lstStyle/>
           <a:p>
             <a:r>
-              <a:rPr lang="it-IT" sz="3600"/>
-              <a:t>Sadness</a:t>
-            </a:r>
-            <a:r>
               <a:rPr lang="it-IT" sz="3600" dirty="0"/>
-              <a:t> </a:t>
-            </a:r>
-            <a:r>
-              <a:rPr lang="it-IT" sz="3600"/>
+              <a:t>Joy </a:t>
+            </a:r>
+            <a:r>
+              <a:rPr lang="it-IT" sz="3600" dirty="0" err="1"/>
               <a:t>Wordcloud</a:t>
             </a:r>
             <a:endParaRPr lang="it-IT" sz="3600" dirty="0"/>
@@ -9503,10 +9926,10 @@
       </p:sp>
       <p:pic>
         <p:nvPicPr>
-          <p:cNvPr id="14" name="Immagine 13">
-            <a:extLst>
-              <a:ext uri="{FF2B5EF4-FFF2-40B4-BE49-F238E27FC236}">
-                <a16:creationId xmlns:a16="http://schemas.microsoft.com/office/drawing/2014/main" id="{2D961C42-0129-4D56-AA43-83DD7ADE76D0}"/>
+          <p:cNvPr id="13" name="Immagine 12" descr="Immagine che contiene testo&#10;&#10;Descrizione generata automaticamente">
+            <a:extLst>
+              <a:ext uri="{FF2B5EF4-FFF2-40B4-BE49-F238E27FC236}">
+                <a16:creationId xmlns:a16="http://schemas.microsoft.com/office/drawing/2014/main" id="{354430D8-573D-405F-BA7B-E91AF486C1C9}"/>
               </a:ext>
             </a:extLst>
           </p:cNvPr>
@@ -9515,7 +9938,7 @@
           </p:cNvPicPr>
           <p:nvPr/>
         </p:nvPicPr>
-        <p:blipFill>
+        <p:blipFill rotWithShape="1">
           <a:blip r:embed="rId2">
             <a:extLst>
               <a:ext uri="{28A0092B-C50C-407E-A947-70E740481C1C}">
@@ -9523,14 +9946,13 @@
               </a:ext>
             </a:extLst>
           </a:blip>
-          <a:stretch>
-            <a:fillRect/>
-          </a:stretch>
+          <a:srcRect l="10821" r="-4" b="-4"/>
+          <a:stretch/>
         </p:blipFill>
         <p:spPr>
           <a:xfrm>
-            <a:off x="778778" y="532876"/>
-            <a:ext cx="2507107" cy="2507107"/>
+            <a:off x="778779" y="380770"/>
+            <a:ext cx="2507107" cy="2811320"/>
           </a:xfrm>
           <a:prstGeom prst="rect">
             <a:avLst/>
@@ -9539,10 +9961,10 @@
       </p:pic>
       <p:pic>
         <p:nvPicPr>
-          <p:cNvPr id="10" name="Immagine 9">
-            <a:extLst>
-              <a:ext uri="{FF2B5EF4-FFF2-40B4-BE49-F238E27FC236}">
-                <a16:creationId xmlns:a16="http://schemas.microsoft.com/office/drawing/2014/main" id="{1753AD65-6AB4-4124-9259-E57CFE7DF996}"/>
+          <p:cNvPr id="7" name="Immagine 6">
+            <a:extLst>
+              <a:ext uri="{FF2B5EF4-FFF2-40B4-BE49-F238E27FC236}">
+                <a16:creationId xmlns:a16="http://schemas.microsoft.com/office/drawing/2014/main" id="{F35DDC7B-DDB1-4C5C-B5C2-F01B7EB66D00}"/>
               </a:ext>
             </a:extLst>
           </p:cNvPr>
@@ -9551,7 +9973,7 @@
           </p:cNvPicPr>
           <p:nvPr/>
         </p:nvPicPr>
-        <p:blipFill>
+        <p:blipFill rotWithShape="1">
           <a:blip r:embed="rId3">
             <a:extLst>
               <a:ext uri="{28A0092B-C50C-407E-A947-70E740481C1C}">
@@ -9559,14 +9981,13 @@
               </a:ext>
             </a:extLst>
           </a:blip>
-          <a:stretch>
-            <a:fillRect/>
-          </a:stretch>
+          <a:srcRect l="5719" r="5067" b="-4"/>
+          <a:stretch/>
         </p:blipFill>
         <p:spPr>
           <a:xfrm>
-            <a:off x="3536516" y="532438"/>
-            <a:ext cx="2507982" cy="2507982"/>
+            <a:off x="9038233" y="373264"/>
+            <a:ext cx="2507982" cy="2811320"/>
           </a:xfrm>
           <a:prstGeom prst="rect">
             <a:avLst/>
@@ -9575,10 +9996,10 @@
       </p:pic>
       <p:pic>
         <p:nvPicPr>
-          <p:cNvPr id="4" name="Immagine 3" descr="Immagine che contiene testo, mappa&#10;&#10;Descrizione generata automaticamente">
-            <a:extLst>
-              <a:ext uri="{FF2B5EF4-FFF2-40B4-BE49-F238E27FC236}">
-                <a16:creationId xmlns:a16="http://schemas.microsoft.com/office/drawing/2014/main" id="{78B32A29-CA7D-48B0-81D3-9D6B6B70FEE8}"/>
+          <p:cNvPr id="5" name="Immagine 4">
+            <a:extLst>
+              <a:ext uri="{FF2B5EF4-FFF2-40B4-BE49-F238E27FC236}">
+                <a16:creationId xmlns:a16="http://schemas.microsoft.com/office/drawing/2014/main" id="{B6C2C9C8-25A9-439D-9AA1-3C7DADAC2BD9}"/>
               </a:ext>
             </a:extLst>
           </p:cNvPr>
@@ -9587,7 +10008,7 @@
           </p:cNvPicPr>
           <p:nvPr/>
         </p:nvPicPr>
-        <p:blipFill>
+        <p:blipFill rotWithShape="1">
           <a:blip r:embed="rId4">
             <a:extLst>
               <a:ext uri="{28A0092B-C50C-407E-A947-70E740481C1C}">
@@ -9595,14 +10016,13 @@
               </a:ext>
             </a:extLst>
           </a:blip>
-          <a:stretch>
-            <a:fillRect/>
-          </a:stretch>
+          <a:srcRect l="10790" r="-4" b="-4"/>
+          <a:stretch/>
         </p:blipFill>
         <p:spPr>
           <a:xfrm>
-            <a:off x="6259368" y="532438"/>
-            <a:ext cx="2507982" cy="2507982"/>
+            <a:off x="6398134" y="389510"/>
+            <a:ext cx="2507982" cy="2811320"/>
           </a:xfrm>
           <a:prstGeom prst="rect">
             <a:avLst/>
@@ -9611,10 +10031,10 @@
       </p:pic>
       <p:pic>
         <p:nvPicPr>
-          <p:cNvPr id="8" name="Immagine 7" descr="Immagine che contiene cibo&#10;&#10;Descrizione generata automaticamente">
-            <a:extLst>
-              <a:ext uri="{FF2B5EF4-FFF2-40B4-BE49-F238E27FC236}">
-                <a16:creationId xmlns:a16="http://schemas.microsoft.com/office/drawing/2014/main" id="{5FBB888F-DBE4-49E4-B441-00A8A4490153}"/>
+          <p:cNvPr id="11" name="Immagine 10">
+            <a:extLst>
+              <a:ext uri="{FF2B5EF4-FFF2-40B4-BE49-F238E27FC236}">
+                <a16:creationId xmlns:a16="http://schemas.microsoft.com/office/drawing/2014/main" id="{A1A21DFF-5AA0-41BF-9EA4-405BBD8DD5D1}"/>
               </a:ext>
             </a:extLst>
           </p:cNvPr>
@@ -9623,7 +10043,7 @@
           </p:cNvPicPr>
           <p:nvPr/>
         </p:nvPicPr>
-        <p:blipFill>
+        <p:blipFill rotWithShape="1">
           <a:blip r:embed="rId5">
             <a:extLst>
               <a:ext uri="{28A0092B-C50C-407E-A947-70E740481C1C}">
@@ -9631,14 +10051,13 @@
               </a:ext>
             </a:extLst>
           </a:blip>
-          <a:stretch>
-            <a:fillRect/>
-          </a:stretch>
+          <a:srcRect l="10540" r="-4" b="-4"/>
+          <a:stretch/>
         </p:blipFill>
         <p:spPr>
           <a:xfrm>
-            <a:off x="8982219" y="528922"/>
-            <a:ext cx="2515016" cy="2515016"/>
+            <a:off x="3671321" y="373264"/>
+            <a:ext cx="2515016" cy="2811320"/>
           </a:xfrm>
           <a:prstGeom prst="rect">
             <a:avLst/>
@@ -9764,7 +10183,7 @@
     </p:spTree>
     <p:extLst>
       <p:ext uri="{BB962C8B-B14F-4D97-AF65-F5344CB8AC3E}">
-        <p14:creationId xmlns:p14="http://schemas.microsoft.com/office/powerpoint/2010/main" val="216635107"/>
+        <p14:creationId xmlns:p14="http://schemas.microsoft.com/office/powerpoint/2010/main" val="600286733"/>
       </p:ext>
     </p:extLst>
   </p:cSld>
@@ -9804,7 +10223,7 @@
           <p:cNvPr id="28" name="Rectangle 27">
             <a:extLst>
               <a:ext uri="{FF2B5EF4-FFF2-40B4-BE49-F238E27FC236}">
-                <a16:creationId xmlns:a16="http://schemas.microsoft.com/office/drawing/2014/main" id="{153860BD-2B77-4099-8348-E7AB857CDF6C}"/>
+                <a16:creationId xmlns:a16="http://schemas.microsoft.com/office/drawing/2014/main" id="{3C3E5D51-F8E7-4DCA-AAE7-E43895B7DF65}"/>
               </a:ext>
               <a:ext uri="{C183D7F6-B498-43B3-948B-1728B52AA6E4}">
                 <adec:decorative xmlns:adec="http://schemas.microsoft.com/office/drawing/2017/decorative" val="1"/>
@@ -9888,15 +10307,15 @@
           <a:lstStyle/>
           <a:p>
             <a:r>
-              <a:rPr lang="it-IT" sz="3600" dirty="0" err="1"/>
-              <a:t>Surprise</a:t>
+              <a:rPr lang="it-IT" sz="3600"/>
+              <a:t>Sadness</a:t>
             </a:r>
             <a:r>
               <a:rPr lang="it-IT" sz="3600" dirty="0"/>
               <a:t> </a:t>
             </a:r>
             <a:r>
-              <a:rPr lang="it-IT" sz="3600" dirty="0" err="1"/>
+              <a:rPr lang="it-IT" sz="3600"/>
               <a:t>Wordcloud</a:t>
             </a:r>
             <a:endParaRPr lang="it-IT" sz="3600" dirty="0"/>
@@ -10038,10 +10457,10 @@
       </p:sp>
       <p:pic>
         <p:nvPicPr>
-          <p:cNvPr id="5" name="Immagine 4">
-            <a:extLst>
-              <a:ext uri="{FF2B5EF4-FFF2-40B4-BE49-F238E27FC236}">
-                <a16:creationId xmlns:a16="http://schemas.microsoft.com/office/drawing/2014/main" id="{2EBAD7F6-C57B-4BD0-AC2F-EE320D461A63}"/>
+          <p:cNvPr id="14" name="Immagine 13">
+            <a:extLst>
+              <a:ext uri="{FF2B5EF4-FFF2-40B4-BE49-F238E27FC236}">
+                <a16:creationId xmlns:a16="http://schemas.microsoft.com/office/drawing/2014/main" id="{2D961C42-0129-4D56-AA43-83DD7ADE76D0}"/>
               </a:ext>
             </a:extLst>
           </p:cNvPr>
@@ -10050,7 +10469,7 @@
           </p:cNvPicPr>
           <p:nvPr/>
         </p:nvPicPr>
-        <p:blipFill rotWithShape="1">
+        <p:blipFill>
           <a:blip r:embed="rId2">
             <a:extLst>
               <a:ext uri="{28A0092B-C50C-407E-A947-70E740481C1C}">
@@ -10058,13 +10477,14 @@
               </a:ext>
             </a:extLst>
           </a:blip>
-          <a:srcRect l="6062" r="4755" b="-4"/>
-          <a:stretch/>
+          <a:stretch>
+            <a:fillRect/>
+          </a:stretch>
         </p:blipFill>
         <p:spPr>
           <a:xfrm>
-            <a:off x="6266475" y="373264"/>
-            <a:ext cx="2507107" cy="2811320"/>
+            <a:off x="778778" y="532876"/>
+            <a:ext cx="2507107" cy="2507107"/>
           </a:xfrm>
           <a:prstGeom prst="rect">
             <a:avLst/>
@@ -10073,10 +10493,10 @@
       </p:pic>
       <p:pic>
         <p:nvPicPr>
-          <p:cNvPr id="11" name="Immagine 10" descr="Immagine che contiene dispositivo&#10;&#10;Descrizione generata automaticamente">
-            <a:extLst>
-              <a:ext uri="{FF2B5EF4-FFF2-40B4-BE49-F238E27FC236}">
-                <a16:creationId xmlns:a16="http://schemas.microsoft.com/office/drawing/2014/main" id="{43153950-4519-452A-9F37-4292E50A3D2C}"/>
+          <p:cNvPr id="10" name="Immagine 9">
+            <a:extLst>
+              <a:ext uri="{FF2B5EF4-FFF2-40B4-BE49-F238E27FC236}">
+                <a16:creationId xmlns:a16="http://schemas.microsoft.com/office/drawing/2014/main" id="{1753AD65-6AB4-4124-9259-E57CFE7DF996}"/>
               </a:ext>
             </a:extLst>
           </p:cNvPr>
@@ -10085,7 +10505,7 @@
           </p:cNvPicPr>
           <p:nvPr/>
         </p:nvPicPr>
-        <p:blipFill rotWithShape="1">
+        <p:blipFill>
           <a:blip r:embed="rId3">
             <a:extLst>
               <a:ext uri="{28A0092B-C50C-407E-A947-70E740481C1C}">
@@ -10093,13 +10513,14 @@
               </a:ext>
             </a:extLst>
           </a:blip>
-          <a:srcRect l="10790" r="-4" b="-4"/>
-          <a:stretch/>
+          <a:stretch>
+            <a:fillRect/>
+          </a:stretch>
         </p:blipFill>
         <p:spPr>
           <a:xfrm>
-            <a:off x="3544829" y="380769"/>
-            <a:ext cx="2507982" cy="2811320"/>
+            <a:off x="3536516" y="532438"/>
+            <a:ext cx="2507982" cy="2507982"/>
           </a:xfrm>
           <a:prstGeom prst="rect">
             <a:avLst/>
@@ -10108,10 +10529,10 @@
       </p:pic>
       <p:pic>
         <p:nvPicPr>
-          <p:cNvPr id="13" name="Immagine 12" descr="Immagine che contiene testo&#10;&#10;Descrizione generata automaticamente">
-            <a:extLst>
-              <a:ext uri="{FF2B5EF4-FFF2-40B4-BE49-F238E27FC236}">
-                <a16:creationId xmlns:a16="http://schemas.microsoft.com/office/drawing/2014/main" id="{4ED46153-E56A-47E1-90CF-61D2DE52FF9A}"/>
+          <p:cNvPr id="4" name="Immagine 3" descr="Immagine che contiene testo, mappa&#10;&#10;Descrizione generata automaticamente">
+            <a:extLst>
+              <a:ext uri="{FF2B5EF4-FFF2-40B4-BE49-F238E27FC236}">
+                <a16:creationId xmlns:a16="http://schemas.microsoft.com/office/drawing/2014/main" id="{78B32A29-CA7D-48B0-81D3-9D6B6B70FEE8}"/>
               </a:ext>
             </a:extLst>
           </p:cNvPr>
@@ -10120,7 +10541,7 @@
           </p:cNvPicPr>
           <p:nvPr/>
         </p:nvPicPr>
-        <p:blipFill rotWithShape="1">
+        <p:blipFill>
           <a:blip r:embed="rId4">
             <a:extLst>
               <a:ext uri="{28A0092B-C50C-407E-A947-70E740481C1C}">
@@ -10128,13 +10549,14 @@
               </a:ext>
             </a:extLst>
           </a:blip>
-          <a:srcRect l="10790" r="-4" b="-4"/>
-          <a:stretch/>
+          <a:stretch>
+            <a:fillRect/>
+          </a:stretch>
         </p:blipFill>
         <p:spPr>
           <a:xfrm>
-            <a:off x="689993" y="373264"/>
-            <a:ext cx="2507982" cy="2811320"/>
+            <a:off x="6259368" y="532438"/>
+            <a:ext cx="2507982" cy="2507982"/>
           </a:xfrm>
           <a:prstGeom prst="rect">
             <a:avLst/>
@@ -10143,10 +10565,10 @@
       </p:pic>
       <p:pic>
         <p:nvPicPr>
-          <p:cNvPr id="7" name="Immagine 6">
-            <a:extLst>
-              <a:ext uri="{FF2B5EF4-FFF2-40B4-BE49-F238E27FC236}">
-                <a16:creationId xmlns:a16="http://schemas.microsoft.com/office/drawing/2014/main" id="{3694C798-FA1D-4848-92E1-CFB039D6A680}"/>
+          <p:cNvPr id="8" name="Immagine 7" descr="Immagine che contiene cibo&#10;&#10;Descrizione generata automaticamente">
+            <a:extLst>
+              <a:ext uri="{FF2B5EF4-FFF2-40B4-BE49-F238E27FC236}">
+                <a16:creationId xmlns:a16="http://schemas.microsoft.com/office/drawing/2014/main" id="{5FBB888F-DBE4-49E4-B441-00A8A4490153}"/>
               </a:ext>
             </a:extLst>
           </p:cNvPr>
@@ -10155,7 +10577,7 @@
           </p:cNvPicPr>
           <p:nvPr/>
         </p:nvPicPr>
-        <p:blipFill rotWithShape="1">
+        <p:blipFill>
           <a:blip r:embed="rId5">
             <a:extLst>
               <a:ext uri="{28A0092B-C50C-407E-A947-70E740481C1C}">
@@ -10163,13 +10585,14 @@
               </a:ext>
             </a:extLst>
           </a:blip>
-          <a:srcRect l="6127" r="4409" b="-4"/>
-          <a:stretch/>
+          <a:stretch>
+            <a:fillRect/>
+          </a:stretch>
         </p:blipFill>
         <p:spPr>
           <a:xfrm>
-            <a:off x="9079751" y="380769"/>
-            <a:ext cx="2515016" cy="2811320"/>
+            <a:off x="8982219" y="528922"/>
+            <a:ext cx="2515016" cy="2515016"/>
           </a:xfrm>
           <a:prstGeom prst="rect">
             <a:avLst/>
@@ -10295,7 +10718,7 @@
     </p:spTree>
     <p:extLst>
       <p:ext uri="{BB962C8B-B14F-4D97-AF65-F5344CB8AC3E}">
-        <p14:creationId xmlns:p14="http://schemas.microsoft.com/office/powerpoint/2010/main" val="2901111456"/>
+        <p14:creationId xmlns:p14="http://schemas.microsoft.com/office/powerpoint/2010/main" val="216635107"/>
       </p:ext>
     </p:extLst>
   </p:cSld>
@@ -10335,7 +10758,7 @@
           <p:cNvPr id="28" name="Rectangle 27">
             <a:extLst>
               <a:ext uri="{FF2B5EF4-FFF2-40B4-BE49-F238E27FC236}">
-                <a16:creationId xmlns:a16="http://schemas.microsoft.com/office/drawing/2014/main" id="{3C3E5D51-F8E7-4DCA-AAE7-E43895B7DF65}"/>
+                <a16:creationId xmlns:a16="http://schemas.microsoft.com/office/drawing/2014/main" id="{153860BD-2B77-4099-8348-E7AB857CDF6C}"/>
               </a:ext>
               <a:ext uri="{C183D7F6-B498-43B3-948B-1728B52AA6E4}">
                 <adec:decorative xmlns:adec="http://schemas.microsoft.com/office/drawing/2017/decorative" val="1"/>
@@ -10419,11 +10842,15 @@
           <a:lstStyle/>
           <a:p>
             <a:r>
+              <a:rPr lang="it-IT" sz="3600" dirty="0" err="1"/>
+              <a:t>Surprise</a:t>
+            </a:r>
+            <a:r>
               <a:rPr lang="it-IT" sz="3600" dirty="0"/>
-              <a:t>Trust </a:t>
-            </a:r>
-            <a:r>
-              <a:rPr lang="it-IT" sz="3600"/>
+              <a:t> </a:t>
+            </a:r>
+            <a:r>
+              <a:rPr lang="it-IT" sz="3600" dirty="0" err="1"/>
               <a:t>Wordcloud</a:t>
             </a:r>
             <a:endParaRPr lang="it-IT" sz="3600" dirty="0"/>
@@ -10565,6 +10992,533 @@
       </p:sp>
       <p:pic>
         <p:nvPicPr>
+          <p:cNvPr id="5" name="Immagine 4">
+            <a:extLst>
+              <a:ext uri="{FF2B5EF4-FFF2-40B4-BE49-F238E27FC236}">
+                <a16:creationId xmlns:a16="http://schemas.microsoft.com/office/drawing/2014/main" id="{2EBAD7F6-C57B-4BD0-AC2F-EE320D461A63}"/>
+              </a:ext>
+            </a:extLst>
+          </p:cNvPr>
+          <p:cNvPicPr>
+            <a:picLocks noChangeAspect="1"/>
+          </p:cNvPicPr>
+          <p:nvPr/>
+        </p:nvPicPr>
+        <p:blipFill rotWithShape="1">
+          <a:blip r:embed="rId2">
+            <a:extLst>
+              <a:ext uri="{28A0092B-C50C-407E-A947-70E740481C1C}">
+                <a14:useLocalDpi xmlns:a14="http://schemas.microsoft.com/office/drawing/2010/main" val="0"/>
+              </a:ext>
+            </a:extLst>
+          </a:blip>
+          <a:srcRect l="6062" r="4755" b="-4"/>
+          <a:stretch/>
+        </p:blipFill>
+        <p:spPr>
+          <a:xfrm>
+            <a:off x="6266475" y="373264"/>
+            <a:ext cx="2507107" cy="2811320"/>
+          </a:xfrm>
+          <a:prstGeom prst="rect">
+            <a:avLst/>
+          </a:prstGeom>
+        </p:spPr>
+      </p:pic>
+      <p:pic>
+        <p:nvPicPr>
+          <p:cNvPr id="11" name="Immagine 10" descr="Immagine che contiene dispositivo&#10;&#10;Descrizione generata automaticamente">
+            <a:extLst>
+              <a:ext uri="{FF2B5EF4-FFF2-40B4-BE49-F238E27FC236}">
+                <a16:creationId xmlns:a16="http://schemas.microsoft.com/office/drawing/2014/main" id="{43153950-4519-452A-9F37-4292E50A3D2C}"/>
+              </a:ext>
+            </a:extLst>
+          </p:cNvPr>
+          <p:cNvPicPr>
+            <a:picLocks noChangeAspect="1"/>
+          </p:cNvPicPr>
+          <p:nvPr/>
+        </p:nvPicPr>
+        <p:blipFill rotWithShape="1">
+          <a:blip r:embed="rId3">
+            <a:extLst>
+              <a:ext uri="{28A0092B-C50C-407E-A947-70E740481C1C}">
+                <a14:useLocalDpi xmlns:a14="http://schemas.microsoft.com/office/drawing/2010/main" val="0"/>
+              </a:ext>
+            </a:extLst>
+          </a:blip>
+          <a:srcRect l="10790" r="-4" b="-4"/>
+          <a:stretch/>
+        </p:blipFill>
+        <p:spPr>
+          <a:xfrm>
+            <a:off x="3544829" y="380769"/>
+            <a:ext cx="2507982" cy="2811320"/>
+          </a:xfrm>
+          <a:prstGeom prst="rect">
+            <a:avLst/>
+          </a:prstGeom>
+        </p:spPr>
+      </p:pic>
+      <p:pic>
+        <p:nvPicPr>
+          <p:cNvPr id="13" name="Immagine 12" descr="Immagine che contiene testo&#10;&#10;Descrizione generata automaticamente">
+            <a:extLst>
+              <a:ext uri="{FF2B5EF4-FFF2-40B4-BE49-F238E27FC236}">
+                <a16:creationId xmlns:a16="http://schemas.microsoft.com/office/drawing/2014/main" id="{4ED46153-E56A-47E1-90CF-61D2DE52FF9A}"/>
+              </a:ext>
+            </a:extLst>
+          </p:cNvPr>
+          <p:cNvPicPr>
+            <a:picLocks noChangeAspect="1"/>
+          </p:cNvPicPr>
+          <p:nvPr/>
+        </p:nvPicPr>
+        <p:blipFill rotWithShape="1">
+          <a:blip r:embed="rId4">
+            <a:extLst>
+              <a:ext uri="{28A0092B-C50C-407E-A947-70E740481C1C}">
+                <a14:useLocalDpi xmlns:a14="http://schemas.microsoft.com/office/drawing/2010/main" val="0"/>
+              </a:ext>
+            </a:extLst>
+          </a:blip>
+          <a:srcRect l="10790" r="-4" b="-4"/>
+          <a:stretch/>
+        </p:blipFill>
+        <p:spPr>
+          <a:xfrm>
+            <a:off x="689993" y="373264"/>
+            <a:ext cx="2507982" cy="2811320"/>
+          </a:xfrm>
+          <a:prstGeom prst="rect">
+            <a:avLst/>
+          </a:prstGeom>
+        </p:spPr>
+      </p:pic>
+      <p:pic>
+        <p:nvPicPr>
+          <p:cNvPr id="7" name="Immagine 6">
+            <a:extLst>
+              <a:ext uri="{FF2B5EF4-FFF2-40B4-BE49-F238E27FC236}">
+                <a16:creationId xmlns:a16="http://schemas.microsoft.com/office/drawing/2014/main" id="{3694C798-FA1D-4848-92E1-CFB039D6A680}"/>
+              </a:ext>
+            </a:extLst>
+          </p:cNvPr>
+          <p:cNvPicPr>
+            <a:picLocks noChangeAspect="1"/>
+          </p:cNvPicPr>
+          <p:nvPr/>
+        </p:nvPicPr>
+        <p:blipFill rotWithShape="1">
+          <a:blip r:embed="rId5">
+            <a:extLst>
+              <a:ext uri="{28A0092B-C50C-407E-A947-70E740481C1C}">
+                <a14:useLocalDpi xmlns:a14="http://schemas.microsoft.com/office/drawing/2010/main" val="0"/>
+              </a:ext>
+            </a:extLst>
+          </a:blip>
+          <a:srcRect l="6127" r="4409" b="-4"/>
+          <a:stretch/>
+        </p:blipFill>
+        <p:spPr>
+          <a:xfrm>
+            <a:off x="9079751" y="380769"/>
+            <a:ext cx="2515016" cy="2811320"/>
+          </a:xfrm>
+          <a:prstGeom prst="rect">
+            <a:avLst/>
+          </a:prstGeom>
+        </p:spPr>
+      </p:pic>
+      <p:sp>
+        <p:nvSpPr>
+          <p:cNvPr id="34" name="Rectangle 33">
+            <a:extLst>
+              <a:ext uri="{FF2B5EF4-FFF2-40B4-BE49-F238E27FC236}">
+                <a16:creationId xmlns:a16="http://schemas.microsoft.com/office/drawing/2014/main" id="{FE43805F-24A6-46A4-B19B-54F28347355C}"/>
+              </a:ext>
+              <a:ext uri="{C183D7F6-B498-43B3-948B-1728B52AA6E4}">
+                <adec:decorative xmlns:adec="http://schemas.microsoft.com/office/drawing/2017/decorative" val="1"/>
+              </a:ext>
+            </a:extLst>
+          </p:cNvPr>
+          <p:cNvSpPr>
+            <a:spLocks noGrp="1" noRot="1" noChangeAspect="1" noMove="1" noResize="1" noEditPoints="1" noAdjustHandles="1" noChangeArrowheads="1" noChangeShapeType="1" noTextEdit="1"/>
+          </p:cNvSpPr>
+          <p:nvPr>
+            <p:extLst>
+              <p:ext uri="{386F3935-93C4-4BCD-93E2-E3B085C9AB24}">
+                <p16:designElem xmlns:p16="http://schemas.microsoft.com/office/powerpoint/2015/main" val="1"/>
+              </p:ext>
+            </p:extLst>
+          </p:nvPr>
+        </p:nvSpPr>
+        <p:spPr>
+          <a:xfrm rot="5400000" flipH="1">
+            <a:off x="3635346" y="5126067"/>
+            <a:ext cx="2194560" cy="45719"/>
+          </a:xfrm>
+          <a:prstGeom prst="rect">
+            <a:avLst/>
+          </a:prstGeom>
+          <a:solidFill>
+            <a:schemeClr val="accent4"/>
+          </a:solidFill>
+          <a:ln>
+            <a:noFill/>
+          </a:ln>
+        </p:spPr>
+        <p:style>
+          <a:lnRef idx="2">
+            <a:schemeClr val="accent1">
+              <a:shade val="50000"/>
+            </a:schemeClr>
+          </a:lnRef>
+          <a:fillRef idx="1">
+            <a:schemeClr val="accent1"/>
+          </a:fillRef>
+          <a:effectRef idx="0">
+            <a:schemeClr val="accent1"/>
+          </a:effectRef>
+          <a:fontRef idx="minor">
+            <a:schemeClr val="lt1"/>
+          </a:fontRef>
+        </p:style>
+        <p:txBody>
+          <a:bodyPr rtlCol="0" anchor="ctr"/>
+          <a:lstStyle/>
+          <a:p>
+            <a:pPr algn="ctr"/>
+            <a:endParaRPr lang="en-US"/>
+          </a:p>
+        </p:txBody>
+      </p:sp>
+      <p:sp>
+        <p:nvSpPr>
+          <p:cNvPr id="23" name="Segnaposto contenuto 2">
+            <a:extLst>
+              <a:ext uri="{FF2B5EF4-FFF2-40B4-BE49-F238E27FC236}">
+                <a16:creationId xmlns:a16="http://schemas.microsoft.com/office/drawing/2014/main" id="{781874DA-D175-45D5-A6E3-BE3123D793D6}"/>
+              </a:ext>
+            </a:extLst>
+          </p:cNvPr>
+          <p:cNvSpPr>
+            <a:spLocks noGrp="1"/>
+          </p:cNvSpPr>
+          <p:nvPr>
+            <p:ph idx="1"/>
+          </p:nvPr>
+        </p:nvSpPr>
+        <p:spPr>
+          <a:xfrm>
+            <a:off x="5162719" y="3930305"/>
+            <a:ext cx="6586915" cy="2437244"/>
+          </a:xfrm>
+        </p:spPr>
+        <p:txBody>
+          <a:bodyPr anchor="ctr">
+            <a:normAutofit/>
+          </a:bodyPr>
+          <a:lstStyle/>
+          <a:p>
+            <a:r>
+              <a:rPr lang="it-IT" sz="2000" dirty="0"/>
+              <a:t>EMOTICONS</a:t>
+            </a:r>
+          </a:p>
+          <a:p>
+            <a:r>
+              <a:rPr lang="it-IT" sz="2000" dirty="0"/>
+              <a:t>EMOJI</a:t>
+            </a:r>
+          </a:p>
+          <a:p>
+            <a:r>
+              <a:rPr lang="it-IT" sz="2000" dirty="0"/>
+              <a:t>HASHTAG</a:t>
+            </a:r>
+          </a:p>
+          <a:p>
+            <a:r>
+              <a:rPr lang="it-IT" sz="2000" dirty="0"/>
+              <a:t>WORDS</a:t>
+            </a:r>
+          </a:p>
+        </p:txBody>
+      </p:sp>
+    </p:spTree>
+    <p:extLst>
+      <p:ext uri="{BB962C8B-B14F-4D97-AF65-F5344CB8AC3E}">
+        <p14:creationId xmlns:p14="http://schemas.microsoft.com/office/powerpoint/2010/main" val="2901111456"/>
+      </p:ext>
+    </p:extLst>
+  </p:cSld>
+  <p:clrMapOvr>
+    <a:masterClrMapping/>
+  </p:clrMapOvr>
+</p:sld>
+</file>
+
+<file path=ppt/slides/slide26.xml><?xml version="1.0" encoding="utf-8"?>
+<p:sld xmlns:a="http://schemas.openxmlformats.org/drawingml/2006/main" xmlns:r="http://schemas.openxmlformats.org/officeDocument/2006/relationships" xmlns:p="http://schemas.openxmlformats.org/presentationml/2006/main">
+  <p:cSld>
+    <p:bg>
+      <p:bgPr>
+        <a:solidFill>
+          <a:schemeClr val="bg1"/>
+        </a:solidFill>
+        <a:effectLst/>
+      </p:bgPr>
+    </p:bg>
+    <p:spTree>
+      <p:nvGrpSpPr>
+        <p:cNvPr id="1" name=""/>
+        <p:cNvGrpSpPr/>
+        <p:nvPr/>
+      </p:nvGrpSpPr>
+      <p:grpSpPr>
+        <a:xfrm>
+          <a:off x="0" y="0"/>
+          <a:ext cx="0" cy="0"/>
+          <a:chOff x="0" y="0"/>
+          <a:chExt cx="0" cy="0"/>
+        </a:xfrm>
+      </p:grpSpPr>
+      <p:sp useBgFill="1">
+        <p:nvSpPr>
+          <p:cNvPr id="28" name="Rectangle 27">
+            <a:extLst>
+              <a:ext uri="{FF2B5EF4-FFF2-40B4-BE49-F238E27FC236}">
+                <a16:creationId xmlns:a16="http://schemas.microsoft.com/office/drawing/2014/main" id="{3C3E5D51-F8E7-4DCA-AAE7-E43895B7DF65}"/>
+              </a:ext>
+              <a:ext uri="{C183D7F6-B498-43B3-948B-1728B52AA6E4}">
+                <adec:decorative xmlns:adec="http://schemas.microsoft.com/office/drawing/2017/decorative" val="1"/>
+              </a:ext>
+            </a:extLst>
+          </p:cNvPr>
+          <p:cNvSpPr>
+            <a:spLocks noGrp="1" noRot="1" noChangeAspect="1" noMove="1" noResize="1" noEditPoints="1" noAdjustHandles="1" noChangeArrowheads="1" noChangeShapeType="1" noTextEdit="1"/>
+          </p:cNvSpPr>
+          <p:nvPr>
+            <p:extLst>
+              <p:ext uri="{386F3935-93C4-4BCD-93E2-E3B085C9AB24}">
+                <p16:designElem xmlns:p16="http://schemas.microsoft.com/office/powerpoint/2015/main" val="1"/>
+              </p:ext>
+            </p:extLst>
+          </p:nvPr>
+        </p:nvSpPr>
+        <p:spPr>
+          <a:xfrm>
+            <a:off x="0" y="0"/>
+            <a:ext cx="12191999" cy="6857365"/>
+          </a:xfrm>
+          <a:prstGeom prst="rect">
+            <a:avLst/>
+          </a:prstGeom>
+          <a:ln>
+            <a:noFill/>
+          </a:ln>
+        </p:spPr>
+        <p:style>
+          <a:lnRef idx="2">
+            <a:schemeClr val="accent1">
+              <a:shade val="50000"/>
+            </a:schemeClr>
+          </a:lnRef>
+          <a:fillRef idx="1">
+            <a:schemeClr val="accent1"/>
+          </a:fillRef>
+          <a:effectRef idx="0">
+            <a:schemeClr val="accent1"/>
+          </a:effectRef>
+          <a:fontRef idx="minor">
+            <a:schemeClr val="lt1"/>
+          </a:fontRef>
+        </p:style>
+        <p:txBody>
+          <a:bodyPr rtlCol="0" anchor="ctr"/>
+          <a:lstStyle/>
+          <a:p>
+            <a:pPr algn="ctr"/>
+            <a:endParaRPr lang="en-US"/>
+          </a:p>
+        </p:txBody>
+      </p:sp>
+      <p:sp>
+        <p:nvSpPr>
+          <p:cNvPr id="2" name="Titolo 1">
+            <a:extLst>
+              <a:ext uri="{FF2B5EF4-FFF2-40B4-BE49-F238E27FC236}">
+                <a16:creationId xmlns:a16="http://schemas.microsoft.com/office/drawing/2014/main" id="{04746F7F-A39E-494D-8C67-A7A58689EBEA}"/>
+              </a:ext>
+            </a:extLst>
+          </p:cNvPr>
+          <p:cNvSpPr>
+            <a:spLocks noGrp="1"/>
+          </p:cNvSpPr>
+          <p:nvPr>
+            <p:ph type="title"/>
+          </p:nvPr>
+        </p:nvSpPr>
+        <p:spPr>
+          <a:xfrm>
+            <a:off x="532015" y="3930305"/>
+            <a:ext cx="3861960" cy="2437244"/>
+          </a:xfrm>
+        </p:spPr>
+        <p:txBody>
+          <a:bodyPr anchor="ctr">
+            <a:normAutofit/>
+          </a:bodyPr>
+          <a:lstStyle/>
+          <a:p>
+            <a:r>
+              <a:rPr lang="it-IT" sz="3600" dirty="0"/>
+              <a:t>Trust </a:t>
+            </a:r>
+            <a:r>
+              <a:rPr lang="it-IT" sz="3600"/>
+              <a:t>Wordcloud</a:t>
+            </a:r>
+            <a:endParaRPr lang="it-IT" sz="3600" dirty="0"/>
+          </a:p>
+        </p:txBody>
+      </p:sp>
+      <p:sp>
+        <p:nvSpPr>
+          <p:cNvPr id="30" name="Rectangle 29">
+            <a:extLst>
+              <a:ext uri="{FF2B5EF4-FFF2-40B4-BE49-F238E27FC236}">
+                <a16:creationId xmlns:a16="http://schemas.microsoft.com/office/drawing/2014/main" id="{95C8260E-968F-44E8-A823-ABB431311926}"/>
+              </a:ext>
+              <a:ext uri="{C183D7F6-B498-43B3-948B-1728B52AA6E4}">
+                <adec:decorative xmlns:adec="http://schemas.microsoft.com/office/drawing/2017/decorative" val="1"/>
+              </a:ext>
+            </a:extLst>
+          </p:cNvPr>
+          <p:cNvSpPr>
+            <a:spLocks noGrp="1" noRot="1" noChangeAspect="1" noMove="1" noResize="1" noEditPoints="1" noAdjustHandles="1" noChangeArrowheads="1" noChangeShapeType="1" noTextEdit="1"/>
+          </p:cNvSpPr>
+          <p:nvPr>
+            <p:extLst>
+              <p:ext uri="{386F3935-93C4-4BCD-93E2-E3B085C9AB24}">
+                <p16:designElem xmlns:p16="http://schemas.microsoft.com/office/powerpoint/2015/main" val="1"/>
+              </p:ext>
+            </p:extLst>
+          </p:nvPr>
+        </p:nvSpPr>
+        <p:spPr>
+          <a:xfrm>
+            <a:off x="0" y="0"/>
+            <a:ext cx="12192000" cy="865848"/>
+          </a:xfrm>
+          <a:prstGeom prst="rect">
+            <a:avLst/>
+          </a:prstGeom>
+          <a:solidFill>
+            <a:schemeClr val="accent4"/>
+          </a:solidFill>
+          <a:ln>
+            <a:noFill/>
+          </a:ln>
+        </p:spPr>
+        <p:style>
+          <a:lnRef idx="2">
+            <a:schemeClr val="accent1">
+              <a:shade val="50000"/>
+            </a:schemeClr>
+          </a:lnRef>
+          <a:fillRef idx="1">
+            <a:schemeClr val="accent1"/>
+          </a:fillRef>
+          <a:effectRef idx="0">
+            <a:schemeClr val="accent1"/>
+          </a:effectRef>
+          <a:fontRef idx="minor">
+            <a:schemeClr val="lt1"/>
+          </a:fontRef>
+        </p:style>
+        <p:txBody>
+          <a:bodyPr rtlCol="0" anchor="ctr"/>
+          <a:lstStyle/>
+          <a:p>
+            <a:pPr algn="ctr"/>
+            <a:endParaRPr lang="en-US"/>
+          </a:p>
+        </p:txBody>
+      </p:sp>
+      <p:sp>
+        <p:nvSpPr>
+          <p:cNvPr id="32" name="Rectangle 31">
+            <a:extLst>
+              <a:ext uri="{FF2B5EF4-FFF2-40B4-BE49-F238E27FC236}">
+                <a16:creationId xmlns:a16="http://schemas.microsoft.com/office/drawing/2014/main" id="{2C1BBA94-3F40-40AA-8BB9-E69E25E537C1}"/>
+              </a:ext>
+              <a:ext uri="{C183D7F6-B498-43B3-948B-1728B52AA6E4}">
+                <adec:decorative xmlns:adec="http://schemas.microsoft.com/office/drawing/2017/decorative" val="1"/>
+              </a:ext>
+            </a:extLst>
+          </p:cNvPr>
+          <p:cNvSpPr>
+            <a:spLocks noGrp="1" noRot="1" noChangeAspect="1" noMove="1" noResize="1" noEditPoints="1" noAdjustHandles="1" noChangeArrowheads="1" noChangeShapeType="1" noTextEdit="1"/>
+          </p:cNvSpPr>
+          <p:nvPr>
+            <p:extLst>
+              <p:ext uri="{386F3935-93C4-4BCD-93E2-E3B085C9AB24}">
+                <p16:designElem xmlns:p16="http://schemas.microsoft.com/office/powerpoint/2015/main" val="1"/>
+              </p:ext>
+            </p:extLst>
+          </p:nvPr>
+        </p:nvSpPr>
+        <p:spPr>
+          <a:xfrm>
+            <a:off x="517889" y="0"/>
+            <a:ext cx="11231745" cy="3557848"/>
+          </a:xfrm>
+          <a:prstGeom prst="rect">
+            <a:avLst/>
+          </a:prstGeom>
+          <a:solidFill>
+            <a:schemeClr val="bg1"/>
+          </a:solidFill>
+          <a:ln>
+            <a:noFill/>
+          </a:ln>
+          <a:effectLst>
+            <a:outerShdw blurRad="139700" dist="127000" dir="5400000" algn="t" rotWithShape="0">
+              <a:prstClr val="black">
+                <a:alpha val="15000"/>
+              </a:prstClr>
+            </a:outerShdw>
+          </a:effectLst>
+        </p:spPr>
+        <p:style>
+          <a:lnRef idx="2">
+            <a:schemeClr val="accent1">
+              <a:shade val="50000"/>
+            </a:schemeClr>
+          </a:lnRef>
+          <a:fillRef idx="1">
+            <a:schemeClr val="accent1"/>
+          </a:fillRef>
+          <a:effectRef idx="0">
+            <a:schemeClr val="accent1"/>
+          </a:effectRef>
+          <a:fontRef idx="minor">
+            <a:schemeClr val="lt1"/>
+          </a:fontRef>
+        </p:style>
+        <p:txBody>
+          <a:bodyPr rtlCol="0" anchor="ctr"/>
+          <a:lstStyle/>
+          <a:p>
+            <a:pPr algn="ctr"/>
+            <a:endParaRPr lang="en-US"/>
+          </a:p>
+        </p:txBody>
+      </p:sp>
+      <p:pic>
+        <p:nvPicPr>
           <p:cNvPr id="14" name="Immagine 13" descr="Immagine che contiene testo&#10;&#10;Descrizione generata automaticamente">
             <a:extLst>
               <a:ext uri="{FF2B5EF4-FFF2-40B4-BE49-F238E27FC236}">
@@ -10836,7 +11790,7 @@
 </p:sld>
 </file>
 
-<file path=ppt/slides/slide26.xml><?xml version="1.0" encoding="utf-8"?>
+<file path=ppt/slides/slide27.xml><?xml version="1.0" encoding="utf-8"?>
 <p:sld xmlns:a="http://schemas.openxmlformats.org/drawingml/2006/main" xmlns:r="http://schemas.openxmlformats.org/officeDocument/2006/relationships" xmlns:p="http://schemas.openxmlformats.org/presentationml/2006/main">
   <p:cSld>
     <p:spTree>
@@ -10919,7 +11873,7 @@
 </p:sld>
 </file>
 
-<file path=ppt/slides/slide27.xml><?xml version="1.0" encoding="utf-8"?>
+<file path=ppt/slides/slide28.xml><?xml version="1.0" encoding="utf-8"?>
 <p:sld xmlns:a="http://schemas.openxmlformats.org/drawingml/2006/main" xmlns:r="http://schemas.openxmlformats.org/officeDocument/2006/relationships" xmlns:p="http://schemas.openxmlformats.org/presentationml/2006/main">
   <p:cSld>
     <p:spTree>
@@ -11499,12 +12453,8 @@
           <a:lstStyle/>
           <a:p>
             <a:r>
-              <a:rPr lang="it-IT" dirty="0"/>
-              <a:t>File system – </a:t>
-            </a:r>
-            <a:r>
               <a:rPr lang="it-IT" dirty="0" err="1"/>
-              <a:t>main</a:t>
+              <a:t>Main</a:t>
             </a:r>
             <a:r>
               <a:rPr lang="it-IT" dirty="0"/>
@@ -11537,7 +12487,7 @@
         </p:spPr>
         <p:txBody>
           <a:bodyPr>
-            <a:normAutofit fontScale="92500" lnSpcReduction="20000"/>
+            <a:normAutofit lnSpcReduction="10000"/>
           </a:bodyPr>
           <a:lstStyle/>
           <a:p>
@@ -11574,6 +12524,44 @@
                 <a:sym typeface="Wingdings" panose="05000000000000000000" pitchFamily="2" charset="2"/>
               </a:rPr>
               <a:t>, etc.</a:t>
+            </a:r>
+          </a:p>
+          <a:p>
+            <a:r>
+              <a:rPr lang="it-IT" sz="1800" dirty="0" err="1">
+                <a:highlight>
+                  <a:srgbClr val="FFFF00"/>
+                </a:highlight>
+                <a:sym typeface="Wingdings" panose="05000000000000000000" pitchFamily="2" charset="2"/>
+              </a:rPr>
+              <a:t>twitter_message</a:t>
+            </a:r>
+            <a:r>
+              <a:rPr lang="it-IT" sz="1800" dirty="0">
+                <a:highlight>
+                  <a:srgbClr val="FFFF00"/>
+                </a:highlight>
+                <a:sym typeface="Wingdings" panose="05000000000000000000" pitchFamily="2" charset="2"/>
+              </a:rPr>
+              <a:t> </a:t>
+            </a:r>
+            <a:r>
+              <a:rPr lang="it-IT" sz="1800" dirty="0">
+                <a:sym typeface="Wingdings" panose="05000000000000000000" pitchFamily="2" charset="2"/>
+              </a:rPr>
+              <a:t> </a:t>
+            </a:r>
+            <a:r>
+              <a:rPr lang="it-IT" sz="1800" dirty="0" err="1">
+                <a:sym typeface="Wingdings" panose="05000000000000000000" pitchFamily="2" charset="2"/>
+              </a:rPr>
+              <a:t>initial</a:t>
+            </a:r>
+            <a:r>
+              <a:rPr lang="it-IT" sz="1800" dirty="0">
+                <a:sym typeface="Wingdings" panose="05000000000000000000" pitchFamily="2" charset="2"/>
+              </a:rPr>
+              <a:t> dataset</a:t>
             </a:r>
           </a:p>
           <a:p>
@@ -11610,13 +12598,110 @@
               <a:rPr lang="it-IT" sz="1800" dirty="0">
                 <a:sym typeface="Wingdings" panose="05000000000000000000" pitchFamily="2" charset="2"/>
               </a:rPr>
-              <a:t> from file </a:t>
+              <a:t> from file «</a:t>
             </a:r>
             <a:r>
               <a:rPr lang="it-IT" sz="1800" dirty="0" err="1">
                 <a:sym typeface="Wingdings" panose="05000000000000000000" pitchFamily="2" charset="2"/>
               </a:rPr>
               <a:t>result_count</a:t>
+            </a:r>
+            <a:r>
+              <a:rPr lang="it-IT" sz="1800" dirty="0">
+                <a:sym typeface="Wingdings" panose="05000000000000000000" pitchFamily="2" charset="2"/>
+              </a:rPr>
+              <a:t>» </a:t>
+            </a:r>
+          </a:p>
+          <a:p>
+            <a:pPr marL="0" indent="0">
+              <a:buNone/>
+            </a:pPr>
+            <a:r>
+              <a:rPr lang="it-IT" sz="1800" dirty="0">
+                <a:sym typeface="Wingdings" panose="05000000000000000000" pitchFamily="2" charset="2"/>
+              </a:rPr>
+              <a:t>	(4 for </a:t>
+            </a:r>
+            <a:r>
+              <a:rPr lang="it-IT" sz="1800" dirty="0" err="1">
+                <a:sym typeface="Wingdings" panose="05000000000000000000" pitchFamily="2" charset="2"/>
+              </a:rPr>
+              <a:t>each</a:t>
+            </a:r>
+            <a:r>
+              <a:rPr lang="it-IT" sz="1800" dirty="0">
+                <a:sym typeface="Wingdings" panose="05000000000000000000" pitchFamily="2" charset="2"/>
+              </a:rPr>
+              <a:t> </a:t>
+            </a:r>
+            <a:r>
+              <a:rPr lang="it-IT" sz="1800" dirty="0" err="1">
+                <a:sym typeface="Wingdings" panose="05000000000000000000" pitchFamily="2" charset="2"/>
+              </a:rPr>
+              <a:t>emotion</a:t>
+            </a:r>
+            <a:r>
+              <a:rPr lang="it-IT" sz="1800" dirty="0">
+                <a:sym typeface="Wingdings" panose="05000000000000000000" pitchFamily="2" charset="2"/>
+              </a:rPr>
+              <a:t>: word + hashtag + emoji + emoticons)</a:t>
+            </a:r>
+          </a:p>
+          <a:p>
+            <a:r>
+              <a:rPr lang="it-IT" sz="1800" dirty="0" err="1">
+                <a:highlight>
+                  <a:srgbClr val="FFFF00"/>
+                </a:highlight>
+                <a:sym typeface="Wingdings" panose="05000000000000000000" pitchFamily="2" charset="2"/>
+              </a:rPr>
+              <a:t>img_mongo</a:t>
+            </a:r>
+            <a:r>
+              <a:rPr lang="it-IT" sz="1800" dirty="0">
+                <a:highlight>
+                  <a:srgbClr val="FFFF00"/>
+                </a:highlight>
+                <a:sym typeface="Wingdings" panose="05000000000000000000" pitchFamily="2" charset="2"/>
+              </a:rPr>
+              <a:t> </a:t>
+            </a:r>
+            <a:r>
+              <a:rPr lang="it-IT" sz="1800" dirty="0">
+                <a:sym typeface="Wingdings" panose="05000000000000000000" pitchFamily="2" charset="2"/>
+              </a:rPr>
+              <a:t> </a:t>
+            </a:r>
+            <a:r>
+              <a:rPr lang="it-IT" sz="1800" dirty="0" err="1">
+                <a:sym typeface="Wingdings" panose="05000000000000000000" pitchFamily="2" charset="2"/>
+              </a:rPr>
+              <a:t>wordcloud</a:t>
+            </a:r>
+            <a:r>
+              <a:rPr lang="it-IT" sz="1800" dirty="0">
+                <a:sym typeface="Wingdings" panose="05000000000000000000" pitchFamily="2" charset="2"/>
+              </a:rPr>
+              <a:t> from </a:t>
+            </a:r>
+            <a:r>
+              <a:rPr lang="it-IT" sz="1800" dirty="0" err="1">
+                <a:sym typeface="Wingdings" panose="05000000000000000000" pitchFamily="2" charset="2"/>
+              </a:rPr>
+              <a:t>mongo</a:t>
+            </a:r>
+            <a:r>
+              <a:rPr lang="it-IT" sz="1800" dirty="0">
+                <a:sym typeface="Wingdings" panose="05000000000000000000" pitchFamily="2" charset="2"/>
+              </a:rPr>
+              <a:t> </a:t>
+            </a:r>
+            <a:r>
+              <a:rPr lang="it-IT" sz="1800" dirty="0" err="1">
+                <a:sym typeface="Wingdings" panose="05000000000000000000" pitchFamily="2" charset="2"/>
+              </a:rPr>
+              <a:t>collection</a:t>
             </a:r>
             <a:r>
               <a:rPr lang="it-IT" sz="1800" dirty="0">
@@ -11703,7 +12788,7 @@
               <a:rPr lang="it-IT" sz="1800" dirty="0">
                 <a:sym typeface="Wingdings" panose="05000000000000000000" pitchFamily="2" charset="2"/>
               </a:rPr>
-              <a:t> file from processing (elaboration.py)  PRE LOAD DB</a:t>
+              <a:t> file from processing (elaboration.py)  PRE-LOAD DB</a:t>
             </a:r>
           </a:p>
           <a:p>
@@ -11745,49 +12830,6 @@
             <a:pPr marL="0" indent="0">
               <a:buNone/>
             </a:pPr>
-            <a:endParaRPr lang="it-IT" sz="1800" dirty="0">
-              <a:sym typeface="Wingdings" panose="05000000000000000000" pitchFamily="2" charset="2"/>
-            </a:endParaRPr>
-          </a:p>
-          <a:p>
-            <a:r>
-              <a:rPr lang="it-IT" sz="1800" dirty="0" err="1">
-                <a:highlight>
-                  <a:srgbClr val="FFFF00"/>
-                </a:highlight>
-                <a:sym typeface="Wingdings" panose="05000000000000000000" pitchFamily="2" charset="2"/>
-              </a:rPr>
-              <a:t>twitter_message</a:t>
-            </a:r>
-            <a:r>
-              <a:rPr lang="it-IT" sz="1800" dirty="0">
-                <a:highlight>
-                  <a:srgbClr val="FFFF00"/>
-                </a:highlight>
-                <a:sym typeface="Wingdings" panose="05000000000000000000" pitchFamily="2" charset="2"/>
-              </a:rPr>
-              <a:t> </a:t>
-            </a:r>
-            <a:r>
-              <a:rPr lang="it-IT" sz="1800" dirty="0">
-                <a:sym typeface="Wingdings" panose="05000000000000000000" pitchFamily="2" charset="2"/>
-              </a:rPr>
-              <a:t> </a:t>
-            </a:r>
-            <a:r>
-              <a:rPr lang="it-IT" sz="1800" dirty="0" err="1">
-                <a:sym typeface="Wingdings" panose="05000000000000000000" pitchFamily="2" charset="2"/>
-              </a:rPr>
-              <a:t>initial</a:t>
-            </a:r>
-            <a:r>
-              <a:rPr lang="it-IT" sz="1800" dirty="0">
-                <a:sym typeface="Wingdings" panose="05000000000000000000" pitchFamily="2" charset="2"/>
-              </a:rPr>
-              <a:t> dataset</a:t>
-            </a:r>
-          </a:p>
-          <a:p>
             <a:endParaRPr lang="it-IT" sz="1800" dirty="0">
               <a:sym typeface="Wingdings" panose="05000000000000000000" pitchFamily="2" charset="2"/>
             </a:endParaRPr>
@@ -11837,103 +12879,6 @@
             <a:endParaRPr lang="it-IT" sz="1800" dirty="0">
               <a:sym typeface="Wingdings" panose="05000000000000000000" pitchFamily="2" charset="2"/>
             </a:endParaRPr>
-          </a:p>
-          <a:p>
-            <a:r>
-              <a:rPr lang="it-IT" sz="1800" dirty="0" err="1">
-                <a:highlight>
-                  <a:srgbClr val="FFFF00"/>
-                </a:highlight>
-                <a:sym typeface="Wingdings" panose="05000000000000000000" pitchFamily="2" charset="2"/>
-              </a:rPr>
-              <a:t>img_mongo</a:t>
-            </a:r>
-            <a:r>
-              <a:rPr lang="it-IT" sz="1800" dirty="0">
-                <a:highlight>
-                  <a:srgbClr val="FFFF00"/>
-                </a:highlight>
-                <a:sym typeface="Wingdings" panose="05000000000000000000" pitchFamily="2" charset="2"/>
-              </a:rPr>
-              <a:t> </a:t>
-            </a:r>
-            <a:r>
-              <a:rPr lang="it-IT" sz="1800" dirty="0">
-                <a:sym typeface="Wingdings" panose="05000000000000000000" pitchFamily="2" charset="2"/>
-              </a:rPr>
-              <a:t> </a:t>
-            </a:r>
-            <a:r>
-              <a:rPr lang="it-IT" sz="1800" dirty="0" err="1">
-                <a:sym typeface="Wingdings" panose="05000000000000000000" pitchFamily="2" charset="2"/>
-              </a:rPr>
-              <a:t>wordcloud</a:t>
-            </a:r>
-            <a:r>
-              <a:rPr lang="it-IT" sz="1800" dirty="0">
-                <a:sym typeface="Wingdings" panose="05000000000000000000" pitchFamily="2" charset="2"/>
-              </a:rPr>
-              <a:t> from </a:t>
-            </a:r>
-            <a:r>
-              <a:rPr lang="it-IT" sz="1800" dirty="0" err="1">
-                <a:sym typeface="Wingdings" panose="05000000000000000000" pitchFamily="2" charset="2"/>
-              </a:rPr>
-              <a:t>mongo</a:t>
-            </a:r>
-            <a:r>
-              <a:rPr lang="it-IT" sz="1800" dirty="0">
-                <a:sym typeface="Wingdings" panose="05000000000000000000" pitchFamily="2" charset="2"/>
-              </a:rPr>
-              <a:t> </a:t>
-            </a:r>
-            <a:r>
-              <a:rPr lang="it-IT" sz="1800" dirty="0" err="1">
-                <a:sym typeface="Wingdings" panose="05000000000000000000" pitchFamily="2" charset="2"/>
-              </a:rPr>
-              <a:t>collection</a:t>
-            </a:r>
-            <a:r>
-              <a:rPr lang="it-IT" sz="1800" dirty="0">
-                <a:sym typeface="Wingdings" panose="05000000000000000000" pitchFamily="2" charset="2"/>
-              </a:rPr>
-              <a:t> </a:t>
-            </a:r>
-          </a:p>
-          <a:p>
-            <a:pPr marL="0" indent="0">
-              <a:buNone/>
-            </a:pPr>
-            <a:r>
-              <a:rPr lang="it-IT" sz="1800" dirty="0">
-                <a:sym typeface="Wingdings" panose="05000000000000000000" pitchFamily="2" charset="2"/>
-              </a:rPr>
-              <a:t>	(4 for </a:t>
-            </a:r>
-            <a:r>
-              <a:rPr lang="it-IT" sz="1800" dirty="0" err="1">
-                <a:sym typeface="Wingdings" panose="05000000000000000000" pitchFamily="2" charset="2"/>
-              </a:rPr>
-              <a:t>each</a:t>
-            </a:r>
-            <a:r>
-              <a:rPr lang="it-IT" sz="1800" dirty="0">
-                <a:sym typeface="Wingdings" panose="05000000000000000000" pitchFamily="2" charset="2"/>
-              </a:rPr>
-              <a:t> </a:t>
-            </a:r>
-            <a:r>
-              <a:rPr lang="it-IT" sz="1800" dirty="0" err="1">
-                <a:sym typeface="Wingdings" panose="05000000000000000000" pitchFamily="2" charset="2"/>
-              </a:rPr>
-              <a:t>emotion</a:t>
-            </a:r>
-            <a:r>
-              <a:rPr lang="it-IT" sz="1800" dirty="0">
-                <a:sym typeface="Wingdings" panose="05000000000000000000" pitchFamily="2" charset="2"/>
-              </a:rPr>
-              <a:t>: word + hashtag + emoji + emoticons)</a:t>
-            </a:r>
           </a:p>
           <a:p>
             <a:endParaRPr lang="it-IT" sz="2400" dirty="0">
@@ -12009,7 +12954,7 @@
         </p:nvSpPr>
         <p:spPr>
           <a:xfrm>
-            <a:off x="838200" y="0"/>
+            <a:off x="838200" y="370576"/>
             <a:ext cx="10515600" cy="679904"/>
           </a:xfrm>
         </p:spPr>
@@ -12020,10 +12965,13 @@
           <a:lstStyle/>
           <a:p>
             <a:r>
-              <a:rPr lang="it-IT"/>
-              <a:t>File system – main file – MySQL</a:t>
-            </a:r>
-            <a:endParaRPr lang="it-IT" dirty="0"/>
+              <a:rPr lang="it-IT" dirty="0" err="1"/>
+              <a:t>Main</a:t>
+            </a:r>
+            <a:r>
+              <a:rPr lang="it-IT" dirty="0"/>
+              <a:t> file (1) – MySQL</a:t>
+            </a:r>
           </a:p>
         </p:txBody>
       </p:sp>
@@ -12045,18 +12993,18 @@
         </p:nvSpPr>
         <p:spPr>
           <a:xfrm>
-            <a:off x="838200" y="679903"/>
-            <a:ext cx="10515600" cy="6111513"/>
+            <a:off x="838200" y="1382763"/>
+            <a:ext cx="10515600" cy="4424757"/>
           </a:xfrm>
         </p:spPr>
         <p:txBody>
           <a:bodyPr>
-            <a:normAutofit fontScale="25000" lnSpcReduction="20000"/>
+            <a:normAutofit/>
           </a:bodyPr>
           <a:lstStyle/>
           <a:p>
             <a:r>
-              <a:rPr lang="it-IT" sz="5600" dirty="0">
+              <a:rPr lang="it-IT" sz="2000" dirty="0">
                 <a:highlight>
                   <a:srgbClr val="FFFF00"/>
                 </a:highlight>
@@ -12067,69 +13015,102 @@
           <a:p>
             <a:pPr lvl="1"/>
             <a:r>
-              <a:rPr lang="it-IT" sz="4800" dirty="0">
+              <a:rPr lang="it-IT" sz="1800" dirty="0">
+                <a:highlight>
+                  <a:srgbClr val="00FFFF"/>
+                </a:highlight>
                 <a:sym typeface="Wingdings" panose="05000000000000000000" pitchFamily="2" charset="2"/>
               </a:rPr>
-              <a:t>INPUT: </a:t>
-            </a:r>
-            <a:r>
-              <a:rPr lang="it-IT" sz="4800" dirty="0" err="1">
+              <a:t>INPUT</a:t>
+            </a:r>
+            <a:r>
+              <a:rPr lang="it-IT" sz="1800" dirty="0">
+                <a:sym typeface="Wingdings" panose="05000000000000000000" pitchFamily="2" charset="2"/>
+              </a:rPr>
+              <a:t>: </a:t>
+            </a:r>
+            <a:r>
+              <a:rPr lang="it-IT" sz="1800" dirty="0" err="1">
                 <a:sym typeface="Wingdings" panose="05000000000000000000" pitchFamily="2" charset="2"/>
               </a:rPr>
               <a:t>twitter</a:t>
             </a:r>
             <a:r>
-              <a:rPr lang="it-IT" sz="4800" dirty="0">
+              <a:rPr lang="it-IT" sz="1800" dirty="0">
                 <a:sym typeface="Wingdings" panose="05000000000000000000" pitchFamily="2" charset="2"/>
               </a:rPr>
               <a:t> </a:t>
             </a:r>
             <a:r>
-              <a:rPr lang="it-IT" sz="4800" dirty="0" err="1">
+              <a:rPr lang="it-IT" sz="1800" dirty="0" err="1">
                 <a:sym typeface="Wingdings" panose="05000000000000000000" pitchFamily="2" charset="2"/>
               </a:rPr>
               <a:t>message</a:t>
             </a:r>
-            <a:endParaRPr lang="it-IT" sz="4800" dirty="0">
+            <a:endParaRPr lang="it-IT" sz="1800" dirty="0">
               <a:sym typeface="Wingdings" panose="05000000000000000000" pitchFamily="2" charset="2"/>
             </a:endParaRPr>
           </a:p>
           <a:p>
             <a:pPr lvl="1"/>
             <a:r>
-              <a:rPr lang="it-IT" sz="4800" dirty="0"/>
+              <a:rPr lang="it-IT" sz="1800" dirty="0"/>
               <a:t>processing </a:t>
             </a:r>
             <a:r>
-              <a:rPr lang="it-IT" sz="4800" dirty="0" err="1"/>
+              <a:rPr lang="it-IT" sz="1800" dirty="0" err="1"/>
               <a:t>twitter</a:t>
             </a:r>
             <a:r>
-              <a:rPr lang="it-IT" sz="4800" dirty="0"/>
+              <a:rPr lang="it-IT" sz="1800" dirty="0"/>
               <a:t> </a:t>
             </a:r>
             <a:r>
-              <a:rPr lang="it-IT" sz="4800" dirty="0" err="1"/>
+              <a:rPr lang="it-IT" sz="1800" dirty="0" err="1"/>
               <a:t>message</a:t>
             </a:r>
             <a:r>
-              <a:rPr lang="it-IT" sz="4800" dirty="0"/>
+              <a:rPr lang="it-IT" sz="1800" dirty="0"/>
               <a:t> </a:t>
             </a:r>
             <a:r>
-              <a:rPr lang="it-IT" sz="4800" dirty="0">
+              <a:rPr lang="it-IT" sz="1800" dirty="0">
                 <a:sym typeface="Wingdings" panose="05000000000000000000" pitchFamily="2" charset="2"/>
               </a:rPr>
               <a:t>(</a:t>
             </a:r>
             <a:r>
-              <a:rPr lang="it-IT" sz="4800" dirty="0" err="1">
+              <a:rPr lang="it-IT" sz="1800" dirty="0" err="1">
+                <a:sym typeface="Wingdings" panose="05000000000000000000" pitchFamily="2" charset="2"/>
+              </a:rPr>
+              <a:t>string</a:t>
+            </a:r>
+            <a:r>
+              <a:rPr lang="it-IT" sz="1800" dirty="0">
+                <a:sym typeface="Wingdings" panose="05000000000000000000" pitchFamily="2" charset="2"/>
+              </a:rPr>
+              <a:t> + </a:t>
+            </a:r>
+            <a:r>
+              <a:rPr lang="it-IT" sz="1800" dirty="0" err="1">
                 <a:sym typeface="Wingdings" panose="05000000000000000000" pitchFamily="2" charset="2"/>
               </a:rPr>
               <a:t>nltk</a:t>
             </a:r>
             <a:r>
-              <a:rPr lang="it-IT" sz="4800" dirty="0">
+              <a:rPr lang="it-IT" sz="1800" dirty="0">
+                <a:sym typeface="Wingdings" panose="05000000000000000000" pitchFamily="2" charset="2"/>
+              </a:rPr>
+              <a:t> </a:t>
+            </a:r>
+            <a:r>
+              <a:rPr lang="it-IT" sz="1800" dirty="0" err="1">
+                <a:sym typeface="Wingdings" panose="05000000000000000000" pitchFamily="2" charset="2"/>
+              </a:rPr>
+              <a:t>operation</a:t>
+            </a:r>
+            <a:r>
+              <a:rPr lang="it-IT" sz="1800" dirty="0">
                 <a:sym typeface="Wingdings" panose="05000000000000000000" pitchFamily="2" charset="2"/>
               </a:rPr>
               <a:t>)</a:t>
@@ -12138,67 +13119,67 @@
           <a:p>
             <a:pPr lvl="1"/>
             <a:r>
-              <a:rPr lang="it-IT" sz="4800" dirty="0">
+              <a:rPr lang="it-IT" sz="1800" dirty="0">
                 <a:sym typeface="Wingdings" panose="05000000000000000000" pitchFamily="2" charset="2"/>
               </a:rPr>
               <a:t>frequency </a:t>
             </a:r>
             <a:r>
-              <a:rPr lang="it-IT" sz="4800" dirty="0" err="1">
+              <a:rPr lang="it-IT" sz="1800" dirty="0" err="1">
                 <a:sym typeface="Wingdings" panose="05000000000000000000" pitchFamily="2" charset="2"/>
               </a:rPr>
               <a:t>count</a:t>
             </a:r>
-            <a:endParaRPr lang="it-IT" sz="4800" dirty="0">
+            <a:endParaRPr lang="it-IT" sz="1800" dirty="0">
               <a:sym typeface="Wingdings" panose="05000000000000000000" pitchFamily="2" charset="2"/>
             </a:endParaRPr>
           </a:p>
           <a:p>
             <a:pPr lvl="1"/>
             <a:r>
-              <a:rPr lang="it-IT" sz="4800" dirty="0" err="1">
+              <a:rPr lang="it-IT" sz="1800" dirty="0" err="1">
                 <a:sym typeface="Wingdings" panose="05000000000000000000" pitchFamily="2" charset="2"/>
               </a:rPr>
               <a:t>save</a:t>
             </a:r>
             <a:r>
-              <a:rPr lang="it-IT" sz="4800" dirty="0">
+              <a:rPr lang="it-IT" sz="1800" dirty="0">
                 <a:sym typeface="Wingdings" panose="05000000000000000000" pitchFamily="2" charset="2"/>
               </a:rPr>
               <a:t> to </a:t>
             </a:r>
             <a:r>
-              <a:rPr lang="it-IT" sz="4800" dirty="0" err="1">
+              <a:rPr lang="it-IT" sz="1800" dirty="0" err="1">
                 <a:sym typeface="Wingdings" panose="05000000000000000000" pitchFamily="2" charset="2"/>
               </a:rPr>
               <a:t>local</a:t>
             </a:r>
             <a:r>
-              <a:rPr lang="it-IT" sz="4800" dirty="0">
+              <a:rPr lang="it-IT" sz="1800" dirty="0">
                 <a:sym typeface="Wingdings" panose="05000000000000000000" pitchFamily="2" charset="2"/>
               </a:rPr>
               <a:t> array/</a:t>
             </a:r>
             <a:r>
-              <a:rPr lang="it-IT" sz="4800" dirty="0" err="1">
+              <a:rPr lang="it-IT" sz="1800" dirty="0" err="1">
                 <a:sym typeface="Wingdings" panose="05000000000000000000" pitchFamily="2" charset="2"/>
               </a:rPr>
               <a:t>dictionary</a:t>
             </a:r>
             <a:r>
-              <a:rPr lang="it-IT" sz="4800" dirty="0">
+              <a:rPr lang="it-IT" sz="1800" dirty="0">
                 <a:sym typeface="Wingdings" panose="05000000000000000000" pitchFamily="2" charset="2"/>
               </a:rPr>
               <a:t> (emoji, </a:t>
             </a:r>
             <a:r>
-              <a:rPr lang="it-IT" sz="4800" dirty="0" err="1">
+              <a:rPr lang="it-IT" sz="1800" dirty="0" err="1">
                 <a:sym typeface="Wingdings" panose="05000000000000000000" pitchFamily="2" charset="2"/>
               </a:rPr>
               <a:t>emotions</a:t>
             </a:r>
             <a:r>
-              <a:rPr lang="it-IT" sz="4800" dirty="0">
+              <a:rPr lang="it-IT" sz="1800" dirty="0">
                 <a:sym typeface="Wingdings" panose="05000000000000000000" pitchFamily="2" charset="2"/>
               </a:rPr>
               <a:t>, hashtag, word)</a:t>
@@ -12207,51 +13188,96 @@
           <a:p>
             <a:pPr lvl="1"/>
             <a:r>
-              <a:rPr lang="it-IT" sz="4800" dirty="0">
+              <a:rPr lang="it-IT" sz="1800" dirty="0">
+                <a:highlight>
+                  <a:srgbClr val="00FF00"/>
+                </a:highlight>
                 <a:sym typeface="Wingdings" panose="05000000000000000000" pitchFamily="2" charset="2"/>
               </a:rPr>
-              <a:t>OUTPUT: </a:t>
-            </a:r>
-            <a:r>
-              <a:rPr lang="it-IT" sz="4800" dirty="0" err="1">
+              <a:t>OUTPUT</a:t>
+            </a:r>
+            <a:r>
+              <a:rPr lang="it-IT" sz="1800" dirty="0">
+                <a:sym typeface="Wingdings" panose="05000000000000000000" pitchFamily="2" charset="2"/>
+              </a:rPr>
+              <a:t>: </a:t>
+            </a:r>
+            <a:r>
+              <a:rPr lang="it-IT" sz="1800" dirty="0" err="1">
                 <a:sym typeface="Wingdings" panose="05000000000000000000" pitchFamily="2" charset="2"/>
               </a:rPr>
               <a:t>save</a:t>
             </a:r>
             <a:r>
-              <a:rPr lang="it-IT" sz="4800" dirty="0">
+              <a:rPr lang="it-IT" sz="1800" dirty="0">
                 <a:sym typeface="Wingdings" panose="05000000000000000000" pitchFamily="2" charset="2"/>
               </a:rPr>
-              <a:t> to file (</a:t>
-            </a:r>
-            <a:r>
-              <a:rPr lang="it-IT" sz="4800" dirty="0" err="1">
+              <a:t> </a:t>
+            </a:r>
+            <a:r>
+              <a:rPr lang="it-IT" sz="1800" dirty="0" err="1">
+                <a:sym typeface="Wingdings" panose="05000000000000000000" pitchFamily="2" charset="2"/>
+              </a:rPr>
+              <a:t>local</a:t>
+            </a:r>
+            <a:r>
+              <a:rPr lang="it-IT" sz="1800" dirty="0">
+                <a:sym typeface="Wingdings" panose="05000000000000000000" pitchFamily="2" charset="2"/>
+              </a:rPr>
+              <a:t> array/</a:t>
+            </a:r>
+            <a:r>
+              <a:rPr lang="it-IT" sz="1800" dirty="0" err="1">
+                <a:sym typeface="Wingdings" panose="05000000000000000000" pitchFamily="2" charset="2"/>
+              </a:rPr>
+              <a:t>dictionary</a:t>
+            </a:r>
+            <a:r>
+              <a:rPr lang="it-IT" sz="1800" dirty="0">
+                <a:sym typeface="Wingdings" panose="05000000000000000000" pitchFamily="2" charset="2"/>
+              </a:rPr>
+              <a:t> to file </a:t>
+            </a:r>
+            <a:r>
+              <a:rPr lang="it-IT" sz="1800" dirty="0" err="1">
                 <a:sym typeface="Wingdings" panose="05000000000000000000" pitchFamily="2" charset="2"/>
               </a:rPr>
               <a:t>into</a:t>
             </a:r>
             <a:r>
-              <a:rPr lang="it-IT" sz="4800" dirty="0">
+              <a:rPr lang="it-IT" sz="1800" dirty="0">
                 <a:sym typeface="Wingdings" panose="05000000000000000000" pitchFamily="2" charset="2"/>
               </a:rPr>
               <a:t> folder «</a:t>
             </a:r>
             <a:r>
-              <a:rPr lang="it-IT" sz="4800" dirty="0" err="1">
+              <a:rPr lang="it-IT" sz="1800" dirty="0" err="1">
                 <a:sym typeface="Wingdings" panose="05000000000000000000" pitchFamily="2" charset="2"/>
               </a:rPr>
               <a:t>result_count</a:t>
             </a:r>
             <a:r>
-              <a:rPr lang="it-IT" sz="4800" dirty="0">
+              <a:rPr lang="it-IT" sz="1800" dirty="0">
                 <a:sym typeface="Wingdings" panose="05000000000000000000" pitchFamily="2" charset="2"/>
               </a:rPr>
-              <a:t>»)</a:t>
-            </a:r>
-          </a:p>
-          <a:p>
-            <a:r>
-              <a:rPr lang="it-IT" sz="5600" dirty="0">
+              <a:t>» (</a:t>
+            </a:r>
+            <a:r>
+              <a:rPr lang="it-IT" sz="1800" dirty="0" err="1">
+                <a:sym typeface="Wingdings" panose="05000000000000000000" pitchFamily="2" charset="2"/>
+              </a:rPr>
+              <a:t>e.g</a:t>
+            </a:r>
+            <a:r>
+              <a:rPr lang="it-IT" sz="1800" dirty="0">
+                <a:sym typeface="Wingdings" panose="05000000000000000000" pitchFamily="2" charset="2"/>
+              </a:rPr>
+              <a:t> anger_emoji.txt, anger_emoticons.txt, anger_global_dict_count.txt, etc.)</a:t>
+            </a:r>
+          </a:p>
+          <a:p>
+            <a:r>
+              <a:rPr lang="it-IT" sz="2000" dirty="0">
                 <a:highlight>
                   <a:srgbClr val="FFFF00"/>
                 </a:highlight>
@@ -12262,58 +13288,77 @@
           <a:p>
             <a:pPr lvl="1"/>
             <a:r>
-              <a:rPr lang="it-IT" sz="4800" dirty="0"/>
-              <a:t>Read file (from folder «</a:t>
-            </a:r>
-            <a:r>
-              <a:rPr lang="it-IT" sz="4800" dirty="0" err="1"/>
+              <a:rPr lang="it-IT" sz="1800" dirty="0">
+                <a:highlight>
+                  <a:srgbClr val="00FFFF"/>
+                </a:highlight>
+              </a:rPr>
+              <a:t>INPUT</a:t>
+            </a:r>
+            <a:r>
+              <a:rPr lang="it-IT" sz="1800" dirty="0"/>
+              <a:t>: </a:t>
+            </a:r>
+            <a:r>
+              <a:rPr lang="it-IT" sz="1800" dirty="0" err="1"/>
+              <a:t>read</a:t>
+            </a:r>
+            <a:r>
+              <a:rPr lang="it-IT" sz="1800" dirty="0"/>
+              <a:t> file from folder «</a:t>
+            </a:r>
+            <a:r>
+              <a:rPr lang="it-IT" sz="1800" dirty="0" err="1"/>
               <a:t>result_count</a:t>
             </a:r>
             <a:r>
-              <a:rPr lang="it-IT" sz="4800" dirty="0"/>
-              <a:t>») (for </a:t>
-            </a:r>
-            <a:r>
-              <a:rPr lang="it-IT" sz="4800" dirty="0" err="1"/>
-              <a:t>each</a:t>
-            </a:r>
-            <a:r>
-              <a:rPr lang="it-IT" sz="4800" dirty="0"/>
-              <a:t> </a:t>
-            </a:r>
-            <a:r>
-              <a:rPr lang="it-IT" sz="4800" dirty="0" err="1"/>
-              <a:t>emotion</a:t>
-            </a:r>
-            <a:r>
-              <a:rPr lang="it-IT" sz="4800" dirty="0"/>
-              <a:t>)</a:t>
-            </a:r>
+              <a:rPr lang="it-IT" sz="1800" dirty="0"/>
+              <a:t>» </a:t>
+            </a:r>
+            <a:r>
+              <a:rPr lang="it-IT" sz="1800" dirty="0">
+                <a:sym typeface="Wingdings" panose="05000000000000000000" pitchFamily="2" charset="2"/>
+              </a:rPr>
+              <a:t>(</a:t>
+            </a:r>
+            <a:r>
+              <a:rPr lang="it-IT" sz="1800" dirty="0" err="1">
+                <a:sym typeface="Wingdings" panose="05000000000000000000" pitchFamily="2" charset="2"/>
+              </a:rPr>
+              <a:t>e.g</a:t>
+            </a:r>
+            <a:r>
+              <a:rPr lang="it-IT" sz="1800" dirty="0">
+                <a:sym typeface="Wingdings" panose="05000000000000000000" pitchFamily="2" charset="2"/>
+              </a:rPr>
+              <a:t> anger_emoji.txt, anger_emoticons.txt, anger_global_dict_count.txt, etc.)</a:t>
+            </a:r>
+            <a:endParaRPr lang="it-IT" sz="1800" dirty="0"/>
           </a:p>
           <a:p>
             <a:pPr lvl="1"/>
             <a:r>
-              <a:rPr lang="it-IT" sz="4800" dirty="0" err="1"/>
-              <a:t>Insert</a:t>
-            </a:r>
-            <a:r>
-              <a:rPr lang="it-IT" sz="4800" dirty="0"/>
+              <a:rPr lang="it-IT" sz="1800" dirty="0" err="1"/>
+              <a:t>insert</a:t>
+            </a:r>
+            <a:r>
+              <a:rPr lang="it-IT" sz="1800" dirty="0"/>
               <a:t> data to </a:t>
             </a:r>
             <a:r>
-              <a:rPr lang="it-IT" sz="4800" dirty="0" err="1"/>
+              <a:rPr lang="it-IT" sz="1800" dirty="0" err="1"/>
               <a:t>db</a:t>
             </a:r>
             <a:r>
-              <a:rPr lang="it-IT" sz="4800" dirty="0"/>
+              <a:rPr lang="it-IT" sz="1800" dirty="0"/>
               <a:t> (</a:t>
             </a:r>
             <a:r>
-              <a:rPr lang="it-IT" sz="4800" dirty="0" err="1"/>
+              <a:rPr lang="it-IT" sz="1800" dirty="0" err="1"/>
               <a:t>Mysql</a:t>
             </a:r>
             <a:r>
-              <a:rPr lang="it-IT" sz="4800" dirty="0"/>
+              <a:rPr lang="it-IT" sz="1800" dirty="0"/>
               <a:t>)</a:t>
             </a:r>
           </a:p>
@@ -12322,15 +13367,15 @@
               <a:buNone/>
             </a:pPr>
             <a:r>
-              <a:rPr lang="it-IT" sz="4800" dirty="0"/>
+              <a:rPr lang="it-IT" sz="1800" dirty="0"/>
               <a:t>	DB = «</a:t>
             </a:r>
             <a:r>
-              <a:rPr lang="it-IT" sz="4800" dirty="0" err="1"/>
+              <a:rPr lang="it-IT" sz="1800" dirty="0" err="1"/>
               <a:t>emotion</a:t>
             </a:r>
             <a:r>
-              <a:rPr lang="it-IT" sz="4800" dirty="0"/>
+              <a:rPr lang="it-IT" sz="1800" dirty="0"/>
               <a:t>»</a:t>
             </a:r>
           </a:p>
@@ -12339,428 +13384,22 @@
               <a:buNone/>
             </a:pPr>
             <a:r>
-              <a:rPr lang="it-IT" sz="4800" dirty="0"/>
+              <a:rPr lang="it-IT" sz="1800" dirty="0"/>
               <a:t>	</a:t>
             </a:r>
             <a:r>
-              <a:rPr lang="it-IT" sz="4800" dirty="0" err="1"/>
+              <a:rPr lang="it-IT" sz="1800" dirty="0" err="1"/>
               <a:t>Table</a:t>
             </a:r>
             <a:r>
-              <a:rPr lang="it-IT" sz="4800" dirty="0"/>
+              <a:rPr lang="it-IT" sz="1800" dirty="0"/>
               <a:t> = </a:t>
             </a:r>
             <a:r>
-              <a:rPr lang="en-US" sz="4800" dirty="0"/>
+              <a:rPr lang="en-US" sz="1800" dirty="0"/>
               <a:t>["anger", "anticipation", "disgust", "fear", "joy", "sadness", "surprise", "trust"]</a:t>
             </a:r>
-            <a:endParaRPr lang="it-IT" sz="4800" dirty="0"/>
-          </a:p>
-          <a:p>
-            <a:r>
-              <a:rPr lang="it-IT" sz="5600" dirty="0">
-                <a:highlight>
-                  <a:srgbClr val="FFFF00"/>
-                </a:highlight>
-              </a:rPr>
-              <a:t>db_lexical.py</a:t>
-            </a:r>
-          </a:p>
-          <a:p>
-            <a:pPr lvl="1"/>
-            <a:r>
-              <a:rPr lang="it-IT" sz="4800" dirty="0"/>
-              <a:t>INPUT: </a:t>
-            </a:r>
-            <a:r>
-              <a:rPr lang="it-IT" sz="4800" dirty="0" err="1"/>
-              <a:t>read</a:t>
-            </a:r>
-            <a:r>
-              <a:rPr lang="it-IT" sz="4800" dirty="0"/>
-              <a:t> </a:t>
-            </a:r>
-            <a:r>
-              <a:rPr lang="it-IT" sz="4800" dirty="0" err="1"/>
-              <a:t>lexical</a:t>
-            </a:r>
-            <a:r>
-              <a:rPr lang="it-IT" sz="4800" dirty="0"/>
-              <a:t> </a:t>
-            </a:r>
-            <a:r>
-              <a:rPr lang="it-IT" sz="4800" dirty="0" err="1"/>
-              <a:t>resources</a:t>
-            </a:r>
-            <a:endParaRPr lang="it-IT" sz="4800" dirty="0"/>
-          </a:p>
-          <a:p>
-            <a:pPr lvl="1"/>
-            <a:r>
-              <a:rPr lang="it-IT" sz="4800" dirty="0"/>
-              <a:t>Update </a:t>
-            </a:r>
-            <a:r>
-              <a:rPr lang="it-IT" sz="4800" dirty="0" err="1"/>
-              <a:t>table</a:t>
-            </a:r>
-            <a:endParaRPr lang="it-IT" sz="4800" dirty="0"/>
-          </a:p>
-          <a:p>
-            <a:pPr marL="457200" lvl="1" indent="0">
-              <a:buNone/>
-            </a:pPr>
-            <a:r>
-              <a:rPr lang="en-US" sz="4800" dirty="0"/>
-              <a:t>	["anger", "anticipation", "disgust", "fear", "joy", "sadness", "surprise", "trust"]</a:t>
-            </a:r>
-          </a:p>
-          <a:p>
-            <a:pPr marL="457200" lvl="1" indent="0">
-              <a:buNone/>
-            </a:pPr>
-            <a:r>
-              <a:rPr lang="it-IT" sz="4800" dirty="0"/>
-              <a:t>	</a:t>
-            </a:r>
-            <a:r>
-              <a:rPr lang="it-IT" sz="4800" dirty="0" err="1"/>
-              <a:t>boolean</a:t>
-            </a:r>
-            <a:r>
-              <a:rPr lang="it-IT" sz="4800" dirty="0"/>
-              <a:t> </a:t>
-            </a:r>
-            <a:r>
-              <a:rPr lang="it-IT" sz="4800" dirty="0" err="1"/>
-              <a:t>values</a:t>
-            </a:r>
-            <a:r>
-              <a:rPr lang="it-IT" sz="4800" dirty="0"/>
-              <a:t> (</a:t>
-            </a:r>
-            <a:r>
-              <a:rPr lang="it-IT" sz="4800" dirty="0" err="1"/>
-              <a:t>emo_sn</a:t>
-            </a:r>
-            <a:r>
-              <a:rPr lang="it-IT" sz="4800" dirty="0"/>
-              <a:t>, </a:t>
-            </a:r>
-            <a:r>
-              <a:rPr lang="it-IT" sz="4800" dirty="0" err="1"/>
-              <a:t>nrc</a:t>
-            </a:r>
-            <a:r>
-              <a:rPr lang="it-IT" sz="4800" dirty="0"/>
-              <a:t>, </a:t>
-            </a:r>
-            <a:r>
-              <a:rPr lang="it-IT" sz="4800" dirty="0" err="1"/>
-              <a:t>sentisense</a:t>
-            </a:r>
-            <a:r>
-              <a:rPr lang="it-IT" sz="4800" dirty="0"/>
-              <a:t>), </a:t>
-            </a:r>
-          </a:p>
-          <a:p>
-            <a:pPr marL="457200" lvl="1" indent="0">
-              <a:buNone/>
-            </a:pPr>
-            <a:r>
-              <a:rPr lang="it-IT" sz="4800" dirty="0"/>
-              <a:t>	</a:t>
-            </a:r>
-            <a:r>
-              <a:rPr lang="it-IT" sz="4800" dirty="0" err="1"/>
-              <a:t>conScore</a:t>
-            </a:r>
-            <a:r>
-              <a:rPr lang="it-IT" sz="4800" dirty="0"/>
-              <a:t> (</a:t>
-            </a:r>
-            <a:r>
-              <a:rPr lang="it-IT" sz="4800" dirty="0" err="1"/>
-              <a:t>afinn</a:t>
-            </a:r>
-            <a:r>
-              <a:rPr lang="it-IT" sz="4800" dirty="0"/>
-              <a:t>, </a:t>
-            </a:r>
-            <a:r>
-              <a:rPr lang="it-IT" sz="4800" dirty="0" err="1"/>
-              <a:t>anew_aro</a:t>
-            </a:r>
-            <a:r>
-              <a:rPr lang="it-IT" sz="4800" dirty="0"/>
-              <a:t>, </a:t>
-            </a:r>
-            <a:r>
-              <a:rPr lang="it-IT" sz="4800" dirty="0" err="1"/>
-              <a:t>anew_dom</a:t>
-            </a:r>
-            <a:r>
-              <a:rPr lang="it-IT" sz="4800" dirty="0"/>
-              <a:t>, ...), </a:t>
-            </a:r>
-          </a:p>
-          <a:p>
-            <a:pPr marL="457200" lvl="1" indent="0">
-              <a:buNone/>
-            </a:pPr>
-            <a:r>
-              <a:rPr lang="it-IT" sz="4800" dirty="0"/>
-              <a:t>	</a:t>
-            </a:r>
-            <a:r>
-              <a:rPr lang="it-IT" sz="4800" dirty="0" err="1"/>
-              <a:t>Neg</a:t>
-            </a:r>
-            <a:r>
-              <a:rPr lang="it-IT" sz="4800" dirty="0"/>
-              <a:t>/</a:t>
-            </a:r>
-            <a:r>
-              <a:rPr lang="it-IT" sz="4800" dirty="0" err="1"/>
-              <a:t>Pos</a:t>
-            </a:r>
-            <a:r>
-              <a:rPr lang="it-IT" sz="4800" dirty="0"/>
-              <a:t> (</a:t>
-            </a:r>
-            <a:r>
-              <a:rPr lang="it-IT" sz="4800" dirty="0" err="1"/>
-              <a:t>gi_neg</a:t>
-            </a:r>
-            <a:r>
-              <a:rPr lang="it-IT" sz="4800" dirty="0"/>
-              <a:t>, </a:t>
-            </a:r>
-            <a:r>
-              <a:rPr lang="it-IT" sz="4800" dirty="0" err="1"/>
-              <a:t>hl_neg</a:t>
-            </a:r>
-            <a:r>
-              <a:rPr lang="it-IT" sz="4800" dirty="0"/>
-              <a:t>, …, </a:t>
-            </a:r>
-            <a:r>
-              <a:rPr lang="it-IT" sz="4800" dirty="0" err="1"/>
-              <a:t>gi_pos</a:t>
-            </a:r>
-            <a:r>
-              <a:rPr lang="it-IT" sz="4800" dirty="0"/>
-              <a:t>, </a:t>
-            </a:r>
-            <a:r>
-              <a:rPr lang="it-IT" sz="4800" dirty="0" err="1"/>
-              <a:t>hl_pos</a:t>
-            </a:r>
-            <a:r>
-              <a:rPr lang="it-IT" sz="4800" dirty="0"/>
-              <a:t>, ...)</a:t>
-            </a:r>
-          </a:p>
-          <a:p>
-            <a:r>
-              <a:rPr lang="it-IT" sz="5600" dirty="0" err="1">
-                <a:highlight>
-                  <a:srgbClr val="FFFF00"/>
-                </a:highlight>
-              </a:rPr>
-              <a:t>frequency_count</a:t>
-            </a:r>
-            <a:endParaRPr lang="it-IT" sz="5600" dirty="0">
-              <a:highlight>
-                <a:srgbClr val="FFFF00"/>
-              </a:highlight>
-            </a:endParaRPr>
-          </a:p>
-          <a:p>
-            <a:pPr lvl="1"/>
-            <a:r>
-              <a:rPr lang="it-IT" sz="4800" dirty="0"/>
-              <a:t>INPUT: sum from DB (for </a:t>
-            </a:r>
-            <a:r>
-              <a:rPr lang="it-IT" sz="4800" dirty="0" err="1"/>
-              <a:t>each</a:t>
-            </a:r>
-            <a:r>
-              <a:rPr lang="it-IT" sz="4800" dirty="0"/>
-              <a:t> </a:t>
-            </a:r>
-            <a:r>
-              <a:rPr lang="it-IT" sz="4800" dirty="0" err="1"/>
-              <a:t>emotion</a:t>
-            </a:r>
-            <a:r>
-              <a:rPr lang="it-IT" sz="4800" dirty="0"/>
-              <a:t>)</a:t>
-            </a:r>
-          </a:p>
-          <a:p>
-            <a:pPr lvl="1"/>
-            <a:r>
-              <a:rPr lang="it-IT" sz="4800" dirty="0" err="1"/>
-              <a:t>average</a:t>
-            </a:r>
-            <a:r>
-              <a:rPr lang="it-IT" sz="4800" dirty="0"/>
-              <a:t> </a:t>
-            </a:r>
-            <a:r>
-              <a:rPr lang="it-IT" sz="4800" dirty="0" err="1"/>
-              <a:t>calculation</a:t>
-            </a:r>
-            <a:r>
-              <a:rPr lang="it-IT" sz="4800" dirty="0"/>
-              <a:t> (for </a:t>
-            </a:r>
-            <a:r>
-              <a:rPr lang="it-IT" sz="4800" dirty="0" err="1"/>
-              <a:t>each</a:t>
-            </a:r>
-            <a:r>
-              <a:rPr lang="it-IT" sz="4800" dirty="0"/>
-              <a:t> </a:t>
-            </a:r>
-            <a:r>
-              <a:rPr lang="it-IT" sz="4800" dirty="0" err="1"/>
-              <a:t>emotion</a:t>
-            </a:r>
-            <a:r>
-              <a:rPr lang="it-IT" sz="4800" dirty="0"/>
-              <a:t>)</a:t>
-            </a:r>
-          </a:p>
-          <a:p>
-            <a:pPr lvl="1"/>
-            <a:r>
-              <a:rPr lang="it-IT" sz="4800" dirty="0"/>
-              <a:t>OUTPUT: </a:t>
-            </a:r>
-            <a:r>
-              <a:rPr lang="it-IT" sz="4800" dirty="0" err="1"/>
-              <a:t>save</a:t>
-            </a:r>
-            <a:r>
-              <a:rPr lang="it-IT" sz="4800" dirty="0"/>
-              <a:t> to file «frequency.txt»</a:t>
-            </a:r>
-          </a:p>
-          <a:p>
-            <a:r>
-              <a:rPr lang="it-IT" sz="5600" dirty="0" err="1">
-                <a:highlight>
-                  <a:srgbClr val="FFFF00"/>
-                </a:highlight>
-              </a:rPr>
-              <a:t>wordcloud_from_file</a:t>
-            </a:r>
-            <a:endParaRPr lang="it-IT" sz="5600" dirty="0">
-              <a:highlight>
-                <a:srgbClr val="FFFF00"/>
-              </a:highlight>
-            </a:endParaRPr>
-          </a:p>
-          <a:p>
-            <a:pPr lvl="1"/>
-            <a:r>
-              <a:rPr lang="it-IT" sz="4800" dirty="0"/>
-              <a:t>INPUT: </a:t>
-            </a:r>
-            <a:r>
-              <a:rPr lang="it-IT" sz="4800" dirty="0" err="1"/>
-              <a:t>read</a:t>
-            </a:r>
-            <a:r>
-              <a:rPr lang="it-IT" sz="4800" dirty="0"/>
-              <a:t> </a:t>
-            </a:r>
-            <a:r>
-              <a:rPr lang="it-IT" sz="4800" dirty="0" err="1"/>
-              <a:t>result</a:t>
-            </a:r>
-            <a:r>
-              <a:rPr lang="it-IT" sz="4800" dirty="0"/>
-              <a:t> </a:t>
-            </a:r>
-            <a:r>
-              <a:rPr lang="it-IT" sz="4800" dirty="0" err="1"/>
-              <a:t>count</a:t>
-            </a:r>
-            <a:endParaRPr lang="it-IT" sz="4800" dirty="0"/>
-          </a:p>
-          <a:p>
-            <a:pPr lvl="1"/>
-            <a:r>
-              <a:rPr lang="it-IT" sz="4800" dirty="0"/>
-              <a:t>Create </a:t>
-            </a:r>
-            <a:r>
-              <a:rPr lang="it-IT" sz="4800" dirty="0" err="1"/>
-              <a:t>wordcloud</a:t>
-            </a:r>
-            <a:r>
-              <a:rPr lang="it-IT" sz="4800" dirty="0"/>
-              <a:t> IMG</a:t>
-            </a:r>
-          </a:p>
-          <a:p>
-            <a:pPr lvl="1"/>
-            <a:r>
-              <a:rPr lang="it-IT" sz="4800" dirty="0"/>
-              <a:t>OUTPUT: </a:t>
-            </a:r>
-            <a:r>
-              <a:rPr lang="it-IT" sz="4800" dirty="0" err="1"/>
-              <a:t>save</a:t>
-            </a:r>
-            <a:r>
-              <a:rPr lang="it-IT" sz="4800" dirty="0"/>
-              <a:t> file to folder «</a:t>
-            </a:r>
-            <a:r>
-              <a:rPr lang="it-IT" sz="4800" dirty="0" err="1"/>
-              <a:t>wordcloud</a:t>
-            </a:r>
-            <a:r>
-              <a:rPr lang="it-IT" sz="4800" dirty="0"/>
-              <a:t>» </a:t>
-            </a:r>
-            <a:r>
-              <a:rPr lang="it-IT" sz="4800" dirty="0">
-                <a:sym typeface="Wingdings" panose="05000000000000000000" pitchFamily="2" charset="2"/>
-              </a:rPr>
-              <a:t>(4 for </a:t>
-            </a:r>
-            <a:r>
-              <a:rPr lang="it-IT" sz="4800" dirty="0" err="1">
-                <a:sym typeface="Wingdings" panose="05000000000000000000" pitchFamily="2" charset="2"/>
-              </a:rPr>
-              <a:t>each</a:t>
-            </a:r>
-            <a:r>
-              <a:rPr lang="it-IT" sz="4800" dirty="0">
-                <a:sym typeface="Wingdings" panose="05000000000000000000" pitchFamily="2" charset="2"/>
-              </a:rPr>
-              <a:t> </a:t>
-            </a:r>
-            <a:r>
-              <a:rPr lang="it-IT" sz="4800" dirty="0" err="1">
-                <a:sym typeface="Wingdings" panose="05000000000000000000" pitchFamily="2" charset="2"/>
-              </a:rPr>
-              <a:t>emotion</a:t>
-            </a:r>
-            <a:r>
-              <a:rPr lang="it-IT" sz="4800" dirty="0">
-                <a:sym typeface="Wingdings" panose="05000000000000000000" pitchFamily="2" charset="2"/>
-              </a:rPr>
-              <a:t>: word + hashtag + emoji + emoticons)</a:t>
-            </a:r>
-            <a:endParaRPr lang="it-IT" sz="4800" dirty="0"/>
+            <a:endParaRPr lang="it-IT" sz="1800" dirty="0"/>
           </a:p>
         </p:txBody>
       </p:sp>
@@ -12799,7 +13438,7 @@
           <p:cNvPr id="2" name="Titolo 1">
             <a:extLst>
               <a:ext uri="{FF2B5EF4-FFF2-40B4-BE49-F238E27FC236}">
-                <a16:creationId xmlns:a16="http://schemas.microsoft.com/office/drawing/2014/main" id="{DBBC55BB-6068-46A1-A169-2E53ECF72E22}"/>
+                <a16:creationId xmlns:a16="http://schemas.microsoft.com/office/drawing/2014/main" id="{D8626678-4C91-4F52-8DB9-404691C7EF39}"/>
               </a:ext>
             </a:extLst>
           </p:cNvPr>
@@ -12810,35 +13449,19 @@
             <p:ph type="title"/>
           </p:nvPr>
         </p:nvSpPr>
-        <p:spPr>
-          <a:xfrm>
-            <a:off x="685800" y="31751"/>
-            <a:ext cx="10515600" cy="679904"/>
-          </a:xfrm>
-        </p:spPr>
-        <p:txBody>
-          <a:bodyPr>
-            <a:normAutofit fontScale="90000"/>
-          </a:bodyPr>
-          <a:lstStyle/>
-          <a:p>
+        <p:spPr/>
+        <p:txBody>
+          <a:bodyPr/>
+          <a:lstStyle/>
+          <a:p>
+            <a:r>
+              <a:rPr lang="it-IT" dirty="0" err="1"/>
+              <a:t>Main</a:t>
+            </a:r>
             <a:r>
               <a:rPr lang="it-IT" dirty="0"/>
-              <a:t>File system – </a:t>
-            </a:r>
-            <a:r>
-              <a:rPr lang="it-IT" dirty="0" err="1"/>
-              <a:t>main</a:t>
-            </a:r>
-            <a:r>
-              <a:rPr lang="it-IT" dirty="0"/>
-              <a:t> file – </a:t>
-            </a:r>
-            <a:r>
-              <a:rPr lang="it-IT" dirty="0" err="1"/>
-              <a:t>Mongo</a:t>
-            </a:r>
-            <a:endParaRPr lang="it-IT" dirty="0"/>
+              <a:t> file (2) – MySQL</a:t>
+            </a:r>
           </a:p>
         </p:txBody>
       </p:sp>
@@ -12847,7 +13470,7 @@
           <p:cNvPr id="3" name="Segnaposto contenuto 2">
             <a:extLst>
               <a:ext uri="{FF2B5EF4-FFF2-40B4-BE49-F238E27FC236}">
-                <a16:creationId xmlns:a16="http://schemas.microsoft.com/office/drawing/2014/main" id="{21F5B75A-43C2-420A-AE12-65BE148D8BFD}"/>
+                <a16:creationId xmlns:a16="http://schemas.microsoft.com/office/drawing/2014/main" id="{DBA423A6-1FDE-4215-80EB-04B004B6427F}"/>
               </a:ext>
             </a:extLst>
           </p:cNvPr>
@@ -12858,568 +13481,461 @@
             <p:ph idx="1"/>
           </p:nvPr>
         </p:nvSpPr>
-        <p:spPr>
-          <a:xfrm>
-            <a:off x="838200" y="1045030"/>
-            <a:ext cx="10515600" cy="5447844"/>
-          </a:xfrm>
-        </p:spPr>
-        <p:txBody>
-          <a:bodyPr>
-            <a:normAutofit fontScale="92500" lnSpcReduction="10000"/>
-          </a:bodyPr>
-          <a:lstStyle/>
-          <a:p>
-            <a:r>
-              <a:rPr lang="it-IT" dirty="0">
+        <p:spPr/>
+        <p:txBody>
+          <a:bodyPr/>
+          <a:lstStyle/>
+          <a:p>
+            <a:r>
+              <a:rPr lang="it-IT" sz="1600" dirty="0">
                 <a:highlight>
                   <a:srgbClr val="FFFF00"/>
                 </a:highlight>
               </a:rPr>
-              <a:t>main.py </a:t>
+              <a:t>db_lexical.py</a:t>
             </a:r>
           </a:p>
           <a:p>
             <a:pPr lvl="1"/>
             <a:r>
-              <a:rPr lang="it-IT" dirty="0">
-                <a:sym typeface="Wingdings" panose="05000000000000000000" pitchFamily="2" charset="2"/>
+              <a:rPr lang="it-IT" sz="1400" dirty="0">
+                <a:highlight>
+                  <a:srgbClr val="00FFFF"/>
+                </a:highlight>
               </a:rPr>
-              <a:t>INPUT: </a:t>
-            </a:r>
-            <a:r>
-              <a:rPr lang="it-IT" dirty="0" err="1">
-                <a:sym typeface="Wingdings" panose="05000000000000000000" pitchFamily="2" charset="2"/>
-              </a:rPr>
-              <a:t>twitter</a:t>
-            </a:r>
-            <a:r>
-              <a:rPr lang="it-IT" dirty="0">
-                <a:sym typeface="Wingdings" panose="05000000000000000000" pitchFamily="2" charset="2"/>
-              </a:rPr>
+              <a:t>INPUT</a:t>
+            </a:r>
+            <a:r>
+              <a:rPr lang="it-IT" sz="1400" dirty="0"/>
+              <a:t>: </a:t>
+            </a:r>
+            <a:r>
+              <a:rPr lang="it-IT" sz="1400" dirty="0" err="1"/>
+              <a:t>read</a:t>
+            </a:r>
+            <a:r>
+              <a:rPr lang="it-IT" sz="1400" dirty="0"/>
+              <a:t> file from folder «</a:t>
+            </a:r>
+            <a:r>
+              <a:rPr lang="it-IT" sz="1400" dirty="0" err="1"/>
+              <a:t>lexical</a:t>
+            </a:r>
+            <a:r>
+              <a:rPr lang="it-IT" sz="1400" dirty="0"/>
               <a:t> </a:t>
             </a:r>
             <a:r>
-              <a:rPr lang="it-IT" dirty="0" err="1">
-                <a:sym typeface="Wingdings" panose="05000000000000000000" pitchFamily="2" charset="2"/>
-              </a:rPr>
-              <a:t>message</a:t>
-            </a:r>
-            <a:endParaRPr lang="it-IT" dirty="0">
-              <a:sym typeface="Wingdings" panose="05000000000000000000" pitchFamily="2" charset="2"/>
-            </a:endParaRPr>
+              <a:rPr lang="it-IT" sz="1400" dirty="0" err="1"/>
+              <a:t>resources</a:t>
+            </a:r>
+            <a:r>
+              <a:rPr lang="it-IT" sz="1400" dirty="0"/>
+              <a:t>»</a:t>
+            </a:r>
           </a:p>
           <a:p>
             <a:pPr lvl="1"/>
             <a:r>
-              <a:rPr lang="it-IT" dirty="0"/>
-              <a:t>processing </a:t>
-            </a:r>
-            <a:r>
-              <a:rPr lang="it-IT" dirty="0" err="1"/>
-              <a:t>twitter</a:t>
-            </a:r>
-            <a:r>
-              <a:rPr lang="it-IT" dirty="0"/>
+              <a:rPr lang="it-IT" sz="1400" dirty="0"/>
+              <a:t>Update </a:t>
+            </a:r>
+            <a:r>
+              <a:rPr lang="it-IT" sz="1400" dirty="0" err="1"/>
+              <a:t>table</a:t>
+            </a:r>
+            <a:endParaRPr lang="it-IT" sz="1400" dirty="0"/>
+          </a:p>
+          <a:p>
+            <a:pPr marL="457200" lvl="1" indent="0">
+              <a:buNone/>
+            </a:pPr>
+            <a:r>
+              <a:rPr lang="en-US" sz="1400" dirty="0"/>
+              <a:t>	["anger", "anticipation", "disgust", "fear", "joy", "sadness", "surprise", "trust"]</a:t>
+            </a:r>
+          </a:p>
+          <a:p>
+            <a:pPr marL="457200" lvl="1" indent="0">
+              <a:buNone/>
+            </a:pPr>
+            <a:r>
+              <a:rPr lang="it-IT" sz="1400" dirty="0"/>
+              <a:t>	</a:t>
+            </a:r>
+            <a:r>
+              <a:rPr lang="it-IT" sz="1400" dirty="0" err="1"/>
+              <a:t>boolean</a:t>
+            </a:r>
+            <a:r>
+              <a:rPr lang="it-IT" sz="1400" dirty="0"/>
               <a:t> </a:t>
             </a:r>
             <a:r>
-              <a:rPr lang="it-IT" dirty="0" err="1"/>
-              <a:t>message</a:t>
-            </a:r>
-            <a:r>
-              <a:rPr lang="it-IT" dirty="0"/>
-              <a:t> </a:t>
-            </a:r>
-            <a:r>
-              <a:rPr lang="it-IT" dirty="0">
-                <a:sym typeface="Wingdings" panose="05000000000000000000" pitchFamily="2" charset="2"/>
-              </a:rPr>
-              <a:t>(</a:t>
-            </a:r>
-            <a:r>
-              <a:rPr lang="it-IT" dirty="0" err="1">
-                <a:sym typeface="Wingdings" panose="05000000000000000000" pitchFamily="2" charset="2"/>
-              </a:rPr>
-              <a:t>nltk</a:t>
-            </a:r>
-            <a:r>
-              <a:rPr lang="it-IT" dirty="0">
-                <a:sym typeface="Wingdings" panose="05000000000000000000" pitchFamily="2" charset="2"/>
-              </a:rPr>
-              <a:t>)</a:t>
-            </a:r>
-          </a:p>
-          <a:p>
-            <a:pPr lvl="1"/>
-            <a:r>
-              <a:rPr lang="it-IT" dirty="0">
-                <a:sym typeface="Wingdings" panose="05000000000000000000" pitchFamily="2" charset="2"/>
-              </a:rPr>
-              <a:t>OUTPUT: </a:t>
-            </a:r>
-            <a:r>
-              <a:rPr lang="it-IT" dirty="0" err="1">
-                <a:sym typeface="Wingdings" panose="05000000000000000000" pitchFamily="2" charset="2"/>
-              </a:rPr>
-              <a:t>save</a:t>
-            </a:r>
-            <a:r>
-              <a:rPr lang="it-IT" dirty="0">
-                <a:sym typeface="Wingdings" panose="05000000000000000000" pitchFamily="2" charset="2"/>
-              </a:rPr>
-              <a:t> to </a:t>
-            </a:r>
-            <a:r>
-              <a:rPr lang="it-IT" dirty="0" err="1">
-                <a:sym typeface="Wingdings" panose="05000000000000000000" pitchFamily="2" charset="2"/>
-              </a:rPr>
-              <a:t>mongo</a:t>
-            </a:r>
-            <a:r>
-              <a:rPr lang="it-IT" dirty="0">
-                <a:sym typeface="Wingdings" panose="05000000000000000000" pitchFamily="2" charset="2"/>
-              </a:rPr>
-              <a:t> </a:t>
-            </a:r>
-            <a:r>
-              <a:rPr lang="it-IT" dirty="0" err="1">
-                <a:sym typeface="Wingdings" panose="05000000000000000000" pitchFamily="2" charset="2"/>
-              </a:rPr>
-              <a:t>collection</a:t>
-            </a:r>
-            <a:r>
-              <a:rPr lang="it-IT" dirty="0">
-                <a:sym typeface="Wingdings" panose="05000000000000000000" pitchFamily="2" charset="2"/>
-              </a:rPr>
+              <a:rPr lang="it-IT" sz="1400" dirty="0" err="1"/>
+              <a:t>values</a:t>
+            </a:r>
+            <a:r>
+              <a:rPr lang="it-IT" sz="1400" dirty="0"/>
               <a:t> (</a:t>
             </a:r>
             <a:r>
-              <a:rPr lang="it-IT" dirty="0" err="1">
-                <a:sym typeface="Wingdings" panose="05000000000000000000" pitchFamily="2" charset="2"/>
-              </a:rPr>
-              <a:t>anger_word</a:t>
-            </a:r>
-            <a:r>
-              <a:rPr lang="it-IT" dirty="0">
-                <a:sym typeface="Wingdings" panose="05000000000000000000" pitchFamily="2" charset="2"/>
-              </a:rPr>
+              <a:rPr lang="it-IT" sz="1400" dirty="0" err="1"/>
+              <a:t>emo_sn</a:t>
+            </a:r>
+            <a:r>
+              <a:rPr lang="it-IT" sz="1400" dirty="0"/>
               <a:t>, </a:t>
             </a:r>
             <a:r>
-              <a:rPr lang="it-IT" dirty="0" err="1">
-                <a:sym typeface="Wingdings" panose="05000000000000000000" pitchFamily="2" charset="2"/>
-              </a:rPr>
-              <a:t>anticipation_word</a:t>
-            </a:r>
-            <a:r>
-              <a:rPr lang="it-IT" dirty="0">
-                <a:sym typeface="Wingdings" panose="05000000000000000000" pitchFamily="2" charset="2"/>
-              </a:rPr>
-              <a:t>, etc.)</a:t>
-            </a:r>
-            <a:endParaRPr lang="it-IT" dirty="0"/>
-          </a:p>
-          <a:p>
-            <a:r>
-              <a:rPr lang="it-IT" dirty="0">
+              <a:rPr lang="it-IT" sz="1400" dirty="0" err="1"/>
+              <a:t>nrc</a:t>
+            </a:r>
+            <a:r>
+              <a:rPr lang="it-IT" sz="1400" dirty="0"/>
+              <a:t>, </a:t>
+            </a:r>
+            <a:r>
+              <a:rPr lang="it-IT" sz="1400" dirty="0" err="1"/>
+              <a:t>sentisense</a:t>
+            </a:r>
+            <a:r>
+              <a:rPr lang="it-IT" sz="1400" dirty="0"/>
+              <a:t>), </a:t>
+            </a:r>
+          </a:p>
+          <a:p>
+            <a:pPr marL="457200" lvl="1" indent="0">
+              <a:buNone/>
+            </a:pPr>
+            <a:r>
+              <a:rPr lang="it-IT" sz="1400" dirty="0"/>
+              <a:t>	</a:t>
+            </a:r>
+            <a:r>
+              <a:rPr lang="it-IT" sz="1400" dirty="0" err="1"/>
+              <a:t>conScore</a:t>
+            </a:r>
+            <a:r>
+              <a:rPr lang="it-IT" sz="1400" dirty="0"/>
+              <a:t> (</a:t>
+            </a:r>
+            <a:r>
+              <a:rPr lang="it-IT" sz="1400" dirty="0" err="1"/>
+              <a:t>afinn</a:t>
+            </a:r>
+            <a:r>
+              <a:rPr lang="it-IT" sz="1400" dirty="0"/>
+              <a:t>, </a:t>
+            </a:r>
+            <a:r>
+              <a:rPr lang="it-IT" sz="1400" dirty="0" err="1"/>
+              <a:t>anew_aro</a:t>
+            </a:r>
+            <a:r>
+              <a:rPr lang="it-IT" sz="1400" dirty="0"/>
+              <a:t>, </a:t>
+            </a:r>
+            <a:r>
+              <a:rPr lang="it-IT" sz="1400" dirty="0" err="1"/>
+              <a:t>anew_dom</a:t>
+            </a:r>
+            <a:r>
+              <a:rPr lang="it-IT" sz="1400" dirty="0"/>
+              <a:t>, ...), </a:t>
+            </a:r>
+          </a:p>
+          <a:p>
+            <a:pPr marL="457200" lvl="1" indent="0">
+              <a:buNone/>
+            </a:pPr>
+            <a:r>
+              <a:rPr lang="it-IT" sz="1400" dirty="0"/>
+              <a:t>	</a:t>
+            </a:r>
+            <a:r>
+              <a:rPr lang="it-IT" sz="1400" dirty="0" err="1"/>
+              <a:t>Neg</a:t>
+            </a:r>
+            <a:r>
+              <a:rPr lang="it-IT" sz="1400" dirty="0"/>
+              <a:t>/</a:t>
+            </a:r>
+            <a:r>
+              <a:rPr lang="it-IT" sz="1400" dirty="0" err="1"/>
+              <a:t>Pos</a:t>
+            </a:r>
+            <a:r>
+              <a:rPr lang="it-IT" sz="1400" dirty="0"/>
+              <a:t> (</a:t>
+            </a:r>
+            <a:r>
+              <a:rPr lang="it-IT" sz="1400" dirty="0" err="1"/>
+              <a:t>gi_neg</a:t>
+            </a:r>
+            <a:r>
+              <a:rPr lang="it-IT" sz="1400" dirty="0"/>
+              <a:t>, </a:t>
+            </a:r>
+            <a:r>
+              <a:rPr lang="it-IT" sz="1400" dirty="0" err="1"/>
+              <a:t>hl_neg</a:t>
+            </a:r>
+            <a:r>
+              <a:rPr lang="it-IT" sz="1400" dirty="0"/>
+              <a:t>, …, </a:t>
+            </a:r>
+            <a:r>
+              <a:rPr lang="it-IT" sz="1400" dirty="0" err="1"/>
+              <a:t>gi_pos</a:t>
+            </a:r>
+            <a:r>
+              <a:rPr lang="it-IT" sz="1400" dirty="0"/>
+              <a:t>, </a:t>
+            </a:r>
+            <a:r>
+              <a:rPr lang="it-IT" sz="1400" dirty="0" err="1"/>
+              <a:t>hl_pos</a:t>
+            </a:r>
+            <a:r>
+              <a:rPr lang="it-IT" sz="1400" dirty="0"/>
+              <a:t>, ...)</a:t>
+            </a:r>
+          </a:p>
+          <a:p>
+            <a:r>
+              <a:rPr lang="it-IT" sz="1600" dirty="0" err="1">
                 <a:highlight>
                   <a:srgbClr val="FFFF00"/>
                 </a:highlight>
               </a:rPr>
-              <a:t>map_reduce.py</a:t>
-            </a:r>
+              <a:t>frequency_count</a:t>
+            </a:r>
+            <a:endParaRPr lang="it-IT" sz="1600" dirty="0">
+              <a:highlight>
+                <a:srgbClr val="FFFF00"/>
+              </a:highlight>
+            </a:endParaRPr>
           </a:p>
           <a:p>
             <a:pPr lvl="1"/>
             <a:r>
-              <a:rPr lang="it-IT" dirty="0"/>
-              <a:t>INPUT: </a:t>
-            </a:r>
-            <a:r>
-              <a:rPr lang="it-IT" dirty="0" err="1">
-                <a:sym typeface="Wingdings" panose="05000000000000000000" pitchFamily="2" charset="2"/>
+              <a:rPr lang="it-IT" sz="1400" dirty="0">
+                <a:highlight>
+                  <a:srgbClr val="00FFFF"/>
+                </a:highlight>
               </a:rPr>
-              <a:t>mongo</a:t>
-            </a:r>
-            <a:r>
-              <a:rPr lang="it-IT" dirty="0">
-                <a:sym typeface="Wingdings" panose="05000000000000000000" pitchFamily="2" charset="2"/>
+              <a:t>INPUT</a:t>
+            </a:r>
+            <a:r>
+              <a:rPr lang="it-IT" sz="1400" dirty="0"/>
+              <a:t>: «</a:t>
+            </a:r>
+            <a:r>
+              <a:rPr lang="it-IT" sz="1400" dirty="0" err="1"/>
+              <a:t>select</a:t>
+            </a:r>
+            <a:r>
+              <a:rPr lang="it-IT" sz="1400" dirty="0"/>
+              <a:t> sum from DB» </a:t>
+            </a:r>
+          </a:p>
+          <a:p>
+            <a:pPr lvl="1"/>
+            <a:r>
+              <a:rPr lang="it-IT" sz="1400" dirty="0" err="1"/>
+              <a:t>average</a:t>
+            </a:r>
+            <a:r>
+              <a:rPr lang="it-IT" sz="1400" dirty="0"/>
+              <a:t> </a:t>
+            </a:r>
+            <a:r>
+              <a:rPr lang="it-IT" sz="1400" dirty="0" err="1"/>
+              <a:t>calculation</a:t>
+            </a:r>
+            <a:endParaRPr lang="it-IT" sz="1400" dirty="0"/>
+          </a:p>
+          <a:p>
+            <a:pPr lvl="1"/>
+            <a:r>
+              <a:rPr lang="it-IT" sz="1400" dirty="0">
+                <a:highlight>
+                  <a:srgbClr val="00FF00"/>
+                </a:highlight>
               </a:rPr>
-              <a:t> </a:t>
-            </a:r>
-            <a:r>
-              <a:rPr lang="it-IT" dirty="0" err="1">
-                <a:sym typeface="Wingdings" panose="05000000000000000000" pitchFamily="2" charset="2"/>
-              </a:rPr>
-              <a:t>collection</a:t>
-            </a:r>
-            <a:r>
-              <a:rPr lang="it-IT" dirty="0">
-                <a:sym typeface="Wingdings" panose="05000000000000000000" pitchFamily="2" charset="2"/>
-              </a:rPr>
-              <a:t> (</a:t>
-            </a:r>
-            <a:r>
-              <a:rPr lang="it-IT" dirty="0" err="1">
-                <a:sym typeface="Wingdings" panose="05000000000000000000" pitchFamily="2" charset="2"/>
-              </a:rPr>
-              <a:t>anger_word</a:t>
-            </a:r>
-            <a:r>
-              <a:rPr lang="it-IT" dirty="0">
-                <a:sym typeface="Wingdings" panose="05000000000000000000" pitchFamily="2" charset="2"/>
-              </a:rPr>
-              <a:t>, </a:t>
-            </a:r>
-            <a:r>
-              <a:rPr lang="it-IT" dirty="0" err="1">
-                <a:sym typeface="Wingdings" panose="05000000000000000000" pitchFamily="2" charset="2"/>
-              </a:rPr>
-              <a:t>anticipation_word</a:t>
-            </a:r>
-            <a:r>
-              <a:rPr lang="it-IT" dirty="0">
-                <a:sym typeface="Wingdings" panose="05000000000000000000" pitchFamily="2" charset="2"/>
-              </a:rPr>
-              <a:t>, etc.)</a:t>
-            </a:r>
-            <a:endParaRPr lang="it-IT" dirty="0"/>
-          </a:p>
-          <a:p>
-            <a:pPr lvl="1"/>
-            <a:r>
-              <a:rPr lang="it-IT" dirty="0" err="1"/>
-              <a:t>map</a:t>
-            </a:r>
-            <a:r>
-              <a:rPr lang="it-IT" dirty="0"/>
-              <a:t> reduce </a:t>
-            </a:r>
-            <a:r>
-              <a:rPr lang="it-IT" dirty="0" err="1"/>
-              <a:t>operation</a:t>
-            </a:r>
-            <a:r>
-              <a:rPr lang="it-IT" dirty="0"/>
-              <a:t> (wordMap.js, wordReduceOperation.js)</a:t>
-            </a:r>
-          </a:p>
-          <a:p>
-            <a:pPr lvl="1"/>
-            <a:r>
-              <a:rPr lang="it-IT" dirty="0"/>
-              <a:t>OUTPUT: </a:t>
-            </a:r>
-            <a:r>
-              <a:rPr lang="it-IT" dirty="0" err="1"/>
+              <a:t>OUTPUT</a:t>
+            </a:r>
+            <a:r>
+              <a:rPr lang="it-IT" sz="1400" dirty="0"/>
+              <a:t>: </a:t>
+            </a:r>
+            <a:r>
+              <a:rPr lang="it-IT" sz="1400" dirty="0" err="1"/>
               <a:t>save</a:t>
             </a:r>
             <a:r>
-              <a:rPr lang="it-IT" dirty="0"/>
-              <a:t> to </a:t>
-            </a:r>
-            <a:r>
-              <a:rPr lang="it-IT" dirty="0" err="1"/>
-              <a:t>mongo</a:t>
-            </a:r>
-            <a:r>
-              <a:rPr lang="it-IT" dirty="0"/>
-              <a:t> </a:t>
-            </a:r>
-            <a:r>
-              <a:rPr lang="it-IT" dirty="0" err="1"/>
-              <a:t>colletion</a:t>
-            </a:r>
-            <a:r>
-              <a:rPr lang="it-IT" dirty="0"/>
-              <a:t> «frequency» </a:t>
+              <a:rPr lang="it-IT" sz="1400" dirty="0"/>
+              <a:t> to file «frequency.txt»</a:t>
             </a:r>
           </a:p>
           <a:p>
             <a:pPr marL="457200" lvl="1" indent="0">
               <a:buNone/>
             </a:pPr>
-            <a:r>
-              <a:rPr lang="it-IT" dirty="0">
-                <a:sym typeface="Wingdings" panose="05000000000000000000" pitchFamily="2" charset="2"/>
-              </a:rPr>
-              <a:t>	(</a:t>
-            </a:r>
-            <a:r>
-              <a:rPr lang="it-IT" dirty="0" err="1">
-                <a:sym typeface="Wingdings" panose="05000000000000000000" pitchFamily="2" charset="2"/>
-              </a:rPr>
-              <a:t>anger_frequency</a:t>
-            </a:r>
-            <a:r>
-              <a:rPr lang="it-IT" dirty="0">
-                <a:sym typeface="Wingdings" panose="05000000000000000000" pitchFamily="2" charset="2"/>
-              </a:rPr>
-              <a:t>, </a:t>
-            </a:r>
-            <a:r>
-              <a:rPr lang="it-IT" dirty="0" err="1">
-                <a:sym typeface="Wingdings" panose="05000000000000000000" pitchFamily="2" charset="2"/>
-              </a:rPr>
-              <a:t>anticipation_frequency</a:t>
-            </a:r>
-            <a:r>
-              <a:rPr lang="it-IT" dirty="0">
-                <a:sym typeface="Wingdings" panose="05000000000000000000" pitchFamily="2" charset="2"/>
-              </a:rPr>
-              <a:t>)</a:t>
-            </a:r>
-            <a:endParaRPr lang="it-IT" dirty="0"/>
-          </a:p>
-          <a:p>
-            <a:r>
-              <a:rPr lang="it-IT" dirty="0">
+            <a:endParaRPr lang="it-IT" sz="1400" dirty="0"/>
+          </a:p>
+          <a:p>
+            <a:r>
+              <a:rPr lang="it-IT" sz="1600" dirty="0" err="1">
                 <a:highlight>
                   <a:srgbClr val="FFFF00"/>
                 </a:highlight>
               </a:rPr>
-              <a:t>update_lexical.py</a:t>
-            </a:r>
+              <a:t>wordcloud_from_file</a:t>
+            </a:r>
+            <a:endParaRPr lang="it-IT" sz="1600" dirty="0">
+              <a:highlight>
+                <a:srgbClr val="FFFF00"/>
+              </a:highlight>
+            </a:endParaRPr>
           </a:p>
           <a:p>
             <a:pPr lvl="1"/>
             <a:r>
-              <a:rPr lang="it-IT" dirty="0"/>
-              <a:t>INPUT: </a:t>
-            </a:r>
-            <a:r>
-              <a:rPr lang="it-IT" dirty="0" err="1"/>
+              <a:rPr lang="it-IT" sz="1400" dirty="0">
+                <a:highlight>
+                  <a:srgbClr val="00FFFF"/>
+                </a:highlight>
+              </a:rPr>
+              <a:t>INPUT</a:t>
+            </a:r>
+            <a:r>
+              <a:rPr lang="it-IT" sz="1400" dirty="0"/>
+              <a:t>: </a:t>
+            </a:r>
+            <a:r>
+              <a:rPr lang="it-IT" sz="1400" dirty="0" err="1"/>
               <a:t>read</a:t>
             </a:r>
             <a:r>
-              <a:rPr lang="it-IT" dirty="0"/>
+              <a:rPr lang="it-IT" sz="1400" dirty="0"/>
               <a:t> </a:t>
             </a:r>
             <a:r>
-              <a:rPr lang="it-IT" dirty="0" err="1"/>
-              <a:t>lexical</a:t>
-            </a:r>
-            <a:r>
-              <a:rPr lang="it-IT" dirty="0"/>
+              <a:rPr lang="it-IT" sz="1400" dirty="0" err="1"/>
+              <a:t>result</a:t>
+            </a:r>
+            <a:r>
+              <a:rPr lang="it-IT" sz="1400" dirty="0"/>
               <a:t> </a:t>
             </a:r>
             <a:r>
-              <a:rPr lang="it-IT" dirty="0" err="1"/>
-              <a:t>resources</a:t>
-            </a:r>
-            <a:endParaRPr lang="it-IT" dirty="0"/>
+              <a:rPr lang="it-IT" sz="1400" dirty="0" err="1"/>
+              <a:t>count</a:t>
+            </a:r>
+            <a:r>
+              <a:rPr lang="it-IT" sz="1400" dirty="0"/>
+              <a:t> </a:t>
+            </a:r>
+            <a:r>
+              <a:rPr lang="it-IT" sz="1400" dirty="0">
+                <a:sym typeface="Wingdings" panose="05000000000000000000" pitchFamily="2" charset="2"/>
+              </a:rPr>
+              <a:t>(</a:t>
+            </a:r>
+            <a:r>
+              <a:rPr lang="it-IT" sz="1400" dirty="0" err="1">
+                <a:sym typeface="Wingdings" panose="05000000000000000000" pitchFamily="2" charset="2"/>
+              </a:rPr>
+              <a:t>e.g</a:t>
+            </a:r>
+            <a:r>
+              <a:rPr lang="it-IT" sz="1400" dirty="0">
+                <a:sym typeface="Wingdings" panose="05000000000000000000" pitchFamily="2" charset="2"/>
+              </a:rPr>
+              <a:t> anger_emoji.txt, anger_emoticons.txt, anger_global_dict_count.txt, etc.)</a:t>
+            </a:r>
+            <a:endParaRPr lang="it-IT" sz="1400" dirty="0"/>
           </a:p>
           <a:p>
             <a:pPr lvl="1"/>
             <a:r>
-              <a:rPr lang="it-IT" dirty="0"/>
-              <a:t>Update </a:t>
-            </a:r>
-            <a:r>
-              <a:rPr lang="it-IT" dirty="0" err="1"/>
-              <a:t>mongo</a:t>
-            </a:r>
-            <a:r>
-              <a:rPr lang="it-IT" dirty="0"/>
+              <a:rPr lang="it-IT" sz="1400" dirty="0"/>
+              <a:t>Create </a:t>
+            </a:r>
+            <a:r>
+              <a:rPr lang="it-IT" sz="1400" dirty="0" err="1"/>
+              <a:t>wordcloud</a:t>
+            </a:r>
+            <a:r>
+              <a:rPr lang="it-IT" sz="1400" dirty="0"/>
+              <a:t> IMG</a:t>
+            </a:r>
+          </a:p>
+          <a:p>
+            <a:pPr lvl="1"/>
+            <a:r>
+              <a:rPr lang="it-IT" sz="1400" dirty="0">
+                <a:highlight>
+                  <a:srgbClr val="00FF00"/>
+                </a:highlight>
+              </a:rPr>
+              <a:t>OUTPUT</a:t>
+            </a:r>
+            <a:r>
+              <a:rPr lang="it-IT" sz="1400" dirty="0"/>
+              <a:t>: </a:t>
+            </a:r>
+            <a:r>
+              <a:rPr lang="it-IT" sz="1400" dirty="0" err="1"/>
+              <a:t>save</a:t>
+            </a:r>
+            <a:r>
+              <a:rPr lang="it-IT" sz="1400" dirty="0"/>
+              <a:t> file to folder «</a:t>
+            </a:r>
+            <a:r>
+              <a:rPr lang="it-IT" sz="1400" dirty="0" err="1"/>
+              <a:t>wordcloud</a:t>
+            </a:r>
+            <a:r>
+              <a:rPr lang="it-IT" sz="1400" dirty="0"/>
+              <a:t>» </a:t>
+            </a:r>
+            <a:r>
+              <a:rPr lang="it-IT" sz="1400" dirty="0">
+                <a:sym typeface="Wingdings" panose="05000000000000000000" pitchFamily="2" charset="2"/>
+              </a:rPr>
+              <a:t>(4 for </a:t>
+            </a:r>
+            <a:r>
+              <a:rPr lang="it-IT" sz="1400" dirty="0" err="1">
+                <a:sym typeface="Wingdings" panose="05000000000000000000" pitchFamily="2" charset="2"/>
+              </a:rPr>
+              <a:t>each</a:t>
+            </a:r>
+            <a:r>
+              <a:rPr lang="it-IT" sz="1400" dirty="0">
+                <a:sym typeface="Wingdings" panose="05000000000000000000" pitchFamily="2" charset="2"/>
+              </a:rPr>
               <a:t> </a:t>
             </a:r>
             <a:r>
-              <a:rPr lang="it-IT" dirty="0" err="1"/>
-              <a:t>collection</a:t>
-            </a:r>
-            <a:r>
-              <a:rPr lang="it-IT" dirty="0"/>
-              <a:t> «frequency»</a:t>
-            </a:r>
-          </a:p>
-          <a:p>
-            <a:pPr marL="457200" lvl="1" indent="0">
-              <a:buNone/>
-            </a:pPr>
-            <a:r>
-              <a:rPr lang="it-IT" dirty="0"/>
-              <a:t>	</a:t>
-            </a:r>
-            <a:r>
-              <a:rPr lang="it-IT" dirty="0" err="1"/>
-              <a:t>boolean</a:t>
-            </a:r>
-            <a:r>
-              <a:rPr lang="it-IT" dirty="0"/>
-              <a:t> </a:t>
-            </a:r>
-            <a:r>
-              <a:rPr lang="it-IT" dirty="0" err="1"/>
-              <a:t>values</a:t>
-            </a:r>
-            <a:r>
-              <a:rPr lang="it-IT" dirty="0"/>
-              <a:t> (</a:t>
-            </a:r>
-            <a:r>
-              <a:rPr lang="it-IT" dirty="0" err="1"/>
-              <a:t>emo_sn</a:t>
-            </a:r>
-            <a:r>
-              <a:rPr lang="it-IT" dirty="0"/>
-              <a:t>, </a:t>
-            </a:r>
-            <a:r>
-              <a:rPr lang="it-IT" dirty="0" err="1"/>
-              <a:t>nrc</a:t>
-            </a:r>
-            <a:r>
-              <a:rPr lang="it-IT" dirty="0"/>
-              <a:t>, </a:t>
-            </a:r>
-            <a:r>
-              <a:rPr lang="it-IT" dirty="0" err="1"/>
-              <a:t>sentisense</a:t>
-            </a:r>
-            <a:r>
-              <a:rPr lang="it-IT" dirty="0"/>
-              <a:t>), </a:t>
-            </a:r>
-          </a:p>
-          <a:p>
-            <a:pPr marL="457200" lvl="1" indent="0">
-              <a:buNone/>
-            </a:pPr>
-            <a:r>
-              <a:rPr lang="it-IT" dirty="0"/>
-              <a:t>	</a:t>
-            </a:r>
-            <a:r>
-              <a:rPr lang="it-IT" dirty="0" err="1"/>
-              <a:t>conScore</a:t>
-            </a:r>
-            <a:r>
-              <a:rPr lang="it-IT" dirty="0"/>
-              <a:t> (</a:t>
-            </a:r>
-            <a:r>
-              <a:rPr lang="it-IT" dirty="0" err="1"/>
-              <a:t>afinn</a:t>
-            </a:r>
-            <a:r>
-              <a:rPr lang="it-IT" dirty="0"/>
-              <a:t>, </a:t>
-            </a:r>
-            <a:r>
-              <a:rPr lang="it-IT" dirty="0" err="1"/>
-              <a:t>anew_aro</a:t>
-            </a:r>
-            <a:r>
-              <a:rPr lang="it-IT" dirty="0"/>
-              <a:t>, </a:t>
-            </a:r>
-            <a:r>
-              <a:rPr lang="it-IT" dirty="0" err="1"/>
-              <a:t>anew_dom</a:t>
-            </a:r>
-            <a:r>
-              <a:rPr lang="it-IT" dirty="0"/>
-              <a:t>, ...), </a:t>
-            </a:r>
-          </a:p>
-          <a:p>
-            <a:pPr marL="457200" lvl="1" indent="0">
-              <a:buNone/>
-            </a:pPr>
-            <a:r>
-              <a:rPr lang="it-IT" dirty="0"/>
-              <a:t>	</a:t>
-            </a:r>
-            <a:r>
-              <a:rPr lang="it-IT" dirty="0" err="1"/>
-              <a:t>Neg</a:t>
-            </a:r>
-            <a:r>
-              <a:rPr lang="it-IT" dirty="0"/>
-              <a:t>/</a:t>
-            </a:r>
-            <a:r>
-              <a:rPr lang="it-IT" dirty="0" err="1"/>
-              <a:t>Pos</a:t>
-            </a:r>
-            <a:r>
-              <a:rPr lang="it-IT" dirty="0"/>
-              <a:t> (</a:t>
-            </a:r>
-            <a:r>
-              <a:rPr lang="it-IT" dirty="0" err="1"/>
-              <a:t>gi_neg</a:t>
-            </a:r>
-            <a:r>
-              <a:rPr lang="it-IT" dirty="0"/>
-              <a:t>, </a:t>
-            </a:r>
-            <a:r>
-              <a:rPr lang="it-IT" dirty="0" err="1"/>
-              <a:t>hl_neg</a:t>
-            </a:r>
-            <a:r>
-              <a:rPr lang="it-IT" dirty="0"/>
-              <a:t>, …, </a:t>
-            </a:r>
-            <a:r>
-              <a:rPr lang="it-IT" dirty="0" err="1"/>
-              <a:t>gi_pos</a:t>
-            </a:r>
-            <a:r>
-              <a:rPr lang="it-IT" dirty="0"/>
-              <a:t>, </a:t>
-            </a:r>
-            <a:r>
-              <a:rPr lang="it-IT" dirty="0" err="1"/>
-              <a:t>hl_pos</a:t>
-            </a:r>
-            <a:r>
-              <a:rPr lang="it-IT" dirty="0"/>
-              <a:t>, ...)</a:t>
-            </a:r>
-          </a:p>
-          <a:p>
-            <a:endParaRPr lang="it-IT" dirty="0"/>
-          </a:p>
-          <a:p>
-            <a:endParaRPr lang="it-IT" dirty="0"/>
-          </a:p>
-          <a:p>
-            <a:pPr marL="457200" lvl="1" indent="0">
-              <a:buNone/>
-            </a:pPr>
-            <a:endParaRPr lang="it-IT" dirty="0"/>
-          </a:p>
-          <a:p>
-            <a:pPr lvl="1"/>
-            <a:endParaRPr lang="it-IT" dirty="0"/>
-          </a:p>
-          <a:p>
-            <a:pPr lvl="1"/>
-            <a:endParaRPr lang="it-IT" dirty="0"/>
-          </a:p>
-          <a:p>
-            <a:pPr lvl="1"/>
-            <a:endParaRPr lang="it-IT" dirty="0"/>
-          </a:p>
-          <a:p>
-            <a:endParaRPr lang="it-IT" dirty="0"/>
-          </a:p>
-          <a:p>
-            <a:endParaRPr lang="it-IT" dirty="0"/>
-          </a:p>
-          <a:p>
-            <a:pPr marL="0" indent="0">
-              <a:buNone/>
-            </a:pPr>
-            <a:endParaRPr lang="it-IT" dirty="0"/>
-          </a:p>
-          <a:p>
-            <a:pPr marL="0" indent="0">
-              <a:buNone/>
-            </a:pPr>
+              <a:rPr lang="it-IT" sz="1400" dirty="0" err="1">
+                <a:sym typeface="Wingdings" panose="05000000000000000000" pitchFamily="2" charset="2"/>
+              </a:rPr>
+              <a:t>emotion</a:t>
+            </a:r>
+            <a:r>
+              <a:rPr lang="it-IT" sz="1400" dirty="0">
+                <a:sym typeface="Wingdings" panose="05000000000000000000" pitchFamily="2" charset="2"/>
+              </a:rPr>
+              <a:t>: word + hashtag + emoji + emoticons)</a:t>
+            </a:r>
+            <a:endParaRPr lang="it-IT" sz="1400" dirty="0"/>
+          </a:p>
+          <a:p>
             <a:endParaRPr lang="it-IT" dirty="0"/>
           </a:p>
         </p:txBody>
@@ -13427,7 +13943,7 @@
     </p:spTree>
     <p:extLst>
       <p:ext uri="{BB962C8B-B14F-4D97-AF65-F5344CB8AC3E}">
-        <p14:creationId xmlns:p14="http://schemas.microsoft.com/office/powerpoint/2010/main" val="4262275973"/>
+        <p14:creationId xmlns:p14="http://schemas.microsoft.com/office/powerpoint/2010/main" val="3812511035"/>
       </p:ext>
     </p:extLst>
   </p:cSld>
@@ -13459,7 +13975,7 @@
           <p:cNvPr id="2" name="Titolo 1">
             <a:extLst>
               <a:ext uri="{FF2B5EF4-FFF2-40B4-BE49-F238E27FC236}">
-                <a16:creationId xmlns:a16="http://schemas.microsoft.com/office/drawing/2014/main" id="{1D8EE56F-47DC-4A1B-BFF4-D4543D101AFA}"/>
+                <a16:creationId xmlns:a16="http://schemas.microsoft.com/office/drawing/2014/main" id="{DBBC55BB-6068-46A1-A169-2E53ECF72E22}"/>
               </a:ext>
             </a:extLst>
           </p:cNvPr>
@@ -13472,86 +13988,622 @@
         </p:nvSpPr>
         <p:spPr>
           <a:xfrm>
-            <a:off x="838200" y="365125"/>
-            <a:ext cx="10315575" cy="815975"/>
-          </a:xfrm>
-        </p:spPr>
-        <p:txBody>
-          <a:bodyPr/>
-          <a:lstStyle/>
-          <a:p>
-            <a:r>
-              <a:rPr lang="it-IT"/>
-              <a:t>Elaboration.py</a:t>
+            <a:off x="685800" y="31751"/>
+            <a:ext cx="10515600" cy="679904"/>
+          </a:xfrm>
+        </p:spPr>
+        <p:txBody>
+          <a:bodyPr>
+            <a:normAutofit fontScale="90000"/>
+          </a:bodyPr>
+          <a:lstStyle/>
+          <a:p>
+            <a:r>
+              <a:rPr lang="it-IT" dirty="0"/>
+              <a:t>File system – </a:t>
+            </a:r>
+            <a:r>
+              <a:rPr lang="it-IT" dirty="0" err="1"/>
+              <a:t>main</a:t>
+            </a:r>
+            <a:r>
+              <a:rPr lang="it-IT" dirty="0"/>
+              <a:t> file – </a:t>
+            </a:r>
+            <a:r>
+              <a:rPr lang="it-IT" dirty="0" err="1"/>
+              <a:t>Mongo</a:t>
             </a:r>
             <a:endParaRPr lang="it-IT" dirty="0"/>
           </a:p>
         </p:txBody>
       </p:sp>
-      <p:pic>
-        <p:nvPicPr>
-          <p:cNvPr id="8" name="Immagine 7">
-            <a:extLst>
-              <a:ext uri="{FF2B5EF4-FFF2-40B4-BE49-F238E27FC236}">
-                <a16:creationId xmlns:a16="http://schemas.microsoft.com/office/drawing/2014/main" id="{ECE874CD-CA7B-433A-809B-80C331AC9D18}"/>
-              </a:ext>
-            </a:extLst>
-          </p:cNvPr>
-          <p:cNvPicPr>
-            <a:picLocks noChangeAspect="1"/>
-          </p:cNvPicPr>
-          <p:nvPr/>
-        </p:nvPicPr>
-        <p:blipFill>
-          <a:blip r:embed="rId2"/>
-          <a:stretch>
-            <a:fillRect/>
-          </a:stretch>
-        </p:blipFill>
+      <p:sp>
+        <p:nvSpPr>
+          <p:cNvPr id="3" name="Segnaposto contenuto 2">
+            <a:extLst>
+              <a:ext uri="{FF2B5EF4-FFF2-40B4-BE49-F238E27FC236}">
+                <a16:creationId xmlns:a16="http://schemas.microsoft.com/office/drawing/2014/main" id="{21F5B75A-43C2-420A-AE12-65BE148D8BFD}"/>
+              </a:ext>
+            </a:extLst>
+          </p:cNvPr>
+          <p:cNvSpPr>
+            <a:spLocks noGrp="1"/>
+          </p:cNvSpPr>
+          <p:nvPr>
+            <p:ph idx="1"/>
+          </p:nvPr>
+        </p:nvSpPr>
         <p:spPr>
           <a:xfrm>
-            <a:off x="7457324" y="174625"/>
-            <a:ext cx="4009030" cy="6858000"/>
-          </a:xfrm>
-          <a:prstGeom prst="rect">
-            <a:avLst/>
-          </a:prstGeom>
-        </p:spPr>
-      </p:pic>
-      <p:pic>
-        <p:nvPicPr>
-          <p:cNvPr id="9" name="Immagine 8">
-            <a:extLst>
-              <a:ext uri="{FF2B5EF4-FFF2-40B4-BE49-F238E27FC236}">
-                <a16:creationId xmlns:a16="http://schemas.microsoft.com/office/drawing/2014/main" id="{5C605331-0E2C-4A1B-8ED7-61F91AFCCE79}"/>
-              </a:ext>
-            </a:extLst>
-          </p:cNvPr>
-          <p:cNvPicPr>
-            <a:picLocks noChangeAspect="1"/>
-          </p:cNvPicPr>
-          <p:nvPr/>
-        </p:nvPicPr>
-        <p:blipFill>
-          <a:blip r:embed="rId3"/>
-          <a:stretch>
-            <a:fillRect/>
-          </a:stretch>
-        </p:blipFill>
-        <p:spPr>
-          <a:xfrm>
-            <a:off x="2180474" y="1262864"/>
-            <a:ext cx="3658351" cy="5455436"/>
-          </a:xfrm>
-          <a:prstGeom prst="rect">
-            <a:avLst/>
-          </a:prstGeom>
-        </p:spPr>
-      </p:pic>
+            <a:off x="838200" y="1045030"/>
+            <a:ext cx="10515600" cy="5447844"/>
+          </a:xfrm>
+        </p:spPr>
+        <p:txBody>
+          <a:bodyPr>
+            <a:normAutofit fontScale="92500" lnSpcReduction="10000"/>
+          </a:bodyPr>
+          <a:lstStyle/>
+          <a:p>
+            <a:r>
+              <a:rPr lang="it-IT" dirty="0">
+                <a:highlight>
+                  <a:srgbClr val="FFFF00"/>
+                </a:highlight>
+              </a:rPr>
+              <a:t>main.py </a:t>
+            </a:r>
+          </a:p>
+          <a:p>
+            <a:pPr lvl="1"/>
+            <a:r>
+              <a:rPr lang="it-IT" dirty="0">
+                <a:sym typeface="Wingdings" panose="05000000000000000000" pitchFamily="2" charset="2"/>
+              </a:rPr>
+              <a:t>INPUT: </a:t>
+            </a:r>
+            <a:r>
+              <a:rPr lang="it-IT" dirty="0" err="1">
+                <a:sym typeface="Wingdings" panose="05000000000000000000" pitchFamily="2" charset="2"/>
+              </a:rPr>
+              <a:t>twitter</a:t>
+            </a:r>
+            <a:r>
+              <a:rPr lang="it-IT" dirty="0">
+                <a:sym typeface="Wingdings" panose="05000000000000000000" pitchFamily="2" charset="2"/>
+              </a:rPr>
+              <a:t> </a:t>
+            </a:r>
+            <a:r>
+              <a:rPr lang="it-IT" dirty="0" err="1">
+                <a:sym typeface="Wingdings" panose="05000000000000000000" pitchFamily="2" charset="2"/>
+              </a:rPr>
+              <a:t>message</a:t>
+            </a:r>
+            <a:endParaRPr lang="it-IT" dirty="0">
+              <a:sym typeface="Wingdings" panose="05000000000000000000" pitchFamily="2" charset="2"/>
+            </a:endParaRPr>
+          </a:p>
+          <a:p>
+            <a:pPr lvl="1"/>
+            <a:r>
+              <a:rPr lang="it-IT" dirty="0"/>
+              <a:t>processing </a:t>
+            </a:r>
+            <a:r>
+              <a:rPr lang="it-IT" dirty="0" err="1"/>
+              <a:t>twitter</a:t>
+            </a:r>
+            <a:r>
+              <a:rPr lang="it-IT" dirty="0"/>
+              <a:t> </a:t>
+            </a:r>
+            <a:r>
+              <a:rPr lang="it-IT" dirty="0" err="1"/>
+              <a:t>message</a:t>
+            </a:r>
+            <a:r>
+              <a:rPr lang="it-IT" dirty="0"/>
+              <a:t> </a:t>
+            </a:r>
+            <a:r>
+              <a:rPr lang="it-IT" dirty="0">
+                <a:sym typeface="Wingdings" panose="05000000000000000000" pitchFamily="2" charset="2"/>
+              </a:rPr>
+              <a:t>(</a:t>
+            </a:r>
+            <a:r>
+              <a:rPr lang="it-IT" dirty="0" err="1">
+                <a:sym typeface="Wingdings" panose="05000000000000000000" pitchFamily="2" charset="2"/>
+              </a:rPr>
+              <a:t>nltk</a:t>
+            </a:r>
+            <a:r>
+              <a:rPr lang="it-IT" dirty="0">
+                <a:sym typeface="Wingdings" panose="05000000000000000000" pitchFamily="2" charset="2"/>
+              </a:rPr>
+              <a:t>)</a:t>
+            </a:r>
+          </a:p>
+          <a:p>
+            <a:pPr lvl="1"/>
+            <a:r>
+              <a:rPr lang="it-IT" dirty="0">
+                <a:sym typeface="Wingdings" panose="05000000000000000000" pitchFamily="2" charset="2"/>
+              </a:rPr>
+              <a:t>OUTPUT: </a:t>
+            </a:r>
+            <a:r>
+              <a:rPr lang="it-IT" dirty="0" err="1">
+                <a:sym typeface="Wingdings" panose="05000000000000000000" pitchFamily="2" charset="2"/>
+              </a:rPr>
+              <a:t>save</a:t>
+            </a:r>
+            <a:r>
+              <a:rPr lang="it-IT" dirty="0">
+                <a:sym typeface="Wingdings" panose="05000000000000000000" pitchFamily="2" charset="2"/>
+              </a:rPr>
+              <a:t> to </a:t>
+            </a:r>
+            <a:r>
+              <a:rPr lang="it-IT" dirty="0" err="1">
+                <a:sym typeface="Wingdings" panose="05000000000000000000" pitchFamily="2" charset="2"/>
+              </a:rPr>
+              <a:t>mongo</a:t>
+            </a:r>
+            <a:r>
+              <a:rPr lang="it-IT" dirty="0">
+                <a:sym typeface="Wingdings" panose="05000000000000000000" pitchFamily="2" charset="2"/>
+              </a:rPr>
+              <a:t> </a:t>
+            </a:r>
+            <a:r>
+              <a:rPr lang="it-IT" dirty="0" err="1">
+                <a:sym typeface="Wingdings" panose="05000000000000000000" pitchFamily="2" charset="2"/>
+              </a:rPr>
+              <a:t>collection</a:t>
+            </a:r>
+            <a:r>
+              <a:rPr lang="it-IT" dirty="0">
+                <a:sym typeface="Wingdings" panose="05000000000000000000" pitchFamily="2" charset="2"/>
+              </a:rPr>
+              <a:t> (</a:t>
+            </a:r>
+            <a:r>
+              <a:rPr lang="it-IT" dirty="0" err="1">
+                <a:sym typeface="Wingdings" panose="05000000000000000000" pitchFamily="2" charset="2"/>
+              </a:rPr>
+              <a:t>anger_word</a:t>
+            </a:r>
+            <a:r>
+              <a:rPr lang="it-IT" dirty="0">
+                <a:sym typeface="Wingdings" panose="05000000000000000000" pitchFamily="2" charset="2"/>
+              </a:rPr>
+              <a:t>, </a:t>
+            </a:r>
+            <a:r>
+              <a:rPr lang="it-IT" dirty="0" err="1">
+                <a:sym typeface="Wingdings" panose="05000000000000000000" pitchFamily="2" charset="2"/>
+              </a:rPr>
+              <a:t>anticipation_word</a:t>
+            </a:r>
+            <a:r>
+              <a:rPr lang="it-IT" dirty="0">
+                <a:sym typeface="Wingdings" panose="05000000000000000000" pitchFamily="2" charset="2"/>
+              </a:rPr>
+              <a:t>, etc.)</a:t>
+            </a:r>
+            <a:endParaRPr lang="it-IT" dirty="0"/>
+          </a:p>
+          <a:p>
+            <a:r>
+              <a:rPr lang="it-IT" dirty="0">
+                <a:highlight>
+                  <a:srgbClr val="FFFF00"/>
+                </a:highlight>
+              </a:rPr>
+              <a:t>map_reduce.py</a:t>
+            </a:r>
+          </a:p>
+          <a:p>
+            <a:pPr lvl="1"/>
+            <a:r>
+              <a:rPr lang="it-IT" dirty="0"/>
+              <a:t>INPUT: </a:t>
+            </a:r>
+            <a:r>
+              <a:rPr lang="it-IT" dirty="0" err="1">
+                <a:sym typeface="Wingdings" panose="05000000000000000000" pitchFamily="2" charset="2"/>
+              </a:rPr>
+              <a:t>mongo</a:t>
+            </a:r>
+            <a:r>
+              <a:rPr lang="it-IT" dirty="0">
+                <a:sym typeface="Wingdings" panose="05000000000000000000" pitchFamily="2" charset="2"/>
+              </a:rPr>
+              <a:t> </a:t>
+            </a:r>
+            <a:r>
+              <a:rPr lang="it-IT" dirty="0" err="1">
+                <a:sym typeface="Wingdings" panose="05000000000000000000" pitchFamily="2" charset="2"/>
+              </a:rPr>
+              <a:t>collection</a:t>
+            </a:r>
+            <a:r>
+              <a:rPr lang="it-IT" dirty="0">
+                <a:sym typeface="Wingdings" panose="05000000000000000000" pitchFamily="2" charset="2"/>
+              </a:rPr>
+              <a:t> (</a:t>
+            </a:r>
+            <a:r>
+              <a:rPr lang="it-IT" dirty="0" err="1">
+                <a:sym typeface="Wingdings" panose="05000000000000000000" pitchFamily="2" charset="2"/>
+              </a:rPr>
+              <a:t>anger_word</a:t>
+            </a:r>
+            <a:r>
+              <a:rPr lang="it-IT" dirty="0">
+                <a:sym typeface="Wingdings" panose="05000000000000000000" pitchFamily="2" charset="2"/>
+              </a:rPr>
+              <a:t>, </a:t>
+            </a:r>
+            <a:r>
+              <a:rPr lang="it-IT" dirty="0" err="1">
+                <a:sym typeface="Wingdings" panose="05000000000000000000" pitchFamily="2" charset="2"/>
+              </a:rPr>
+              <a:t>anticipation_word</a:t>
+            </a:r>
+            <a:r>
+              <a:rPr lang="it-IT" dirty="0">
+                <a:sym typeface="Wingdings" panose="05000000000000000000" pitchFamily="2" charset="2"/>
+              </a:rPr>
+              <a:t>, etc.)</a:t>
+            </a:r>
+            <a:endParaRPr lang="it-IT" dirty="0"/>
+          </a:p>
+          <a:p>
+            <a:pPr lvl="1"/>
+            <a:r>
+              <a:rPr lang="it-IT" dirty="0" err="1"/>
+              <a:t>map</a:t>
+            </a:r>
+            <a:r>
+              <a:rPr lang="it-IT" dirty="0"/>
+              <a:t> reduce </a:t>
+            </a:r>
+            <a:r>
+              <a:rPr lang="it-IT" dirty="0" err="1"/>
+              <a:t>operation</a:t>
+            </a:r>
+            <a:r>
+              <a:rPr lang="it-IT" dirty="0"/>
+              <a:t> (wordMap.js, wordReduceOperation.js)</a:t>
+            </a:r>
+          </a:p>
+          <a:p>
+            <a:pPr lvl="1"/>
+            <a:r>
+              <a:rPr lang="it-IT" dirty="0"/>
+              <a:t>OUTPUT: </a:t>
+            </a:r>
+            <a:r>
+              <a:rPr lang="it-IT" dirty="0" err="1"/>
+              <a:t>save</a:t>
+            </a:r>
+            <a:r>
+              <a:rPr lang="it-IT" dirty="0"/>
+              <a:t> to </a:t>
+            </a:r>
+            <a:r>
+              <a:rPr lang="it-IT" dirty="0" err="1"/>
+              <a:t>mongo</a:t>
+            </a:r>
+            <a:r>
+              <a:rPr lang="it-IT" dirty="0"/>
+              <a:t> </a:t>
+            </a:r>
+            <a:r>
+              <a:rPr lang="it-IT" dirty="0" err="1"/>
+              <a:t>colletion</a:t>
+            </a:r>
+            <a:r>
+              <a:rPr lang="it-IT" dirty="0"/>
+              <a:t> «frequency» </a:t>
+            </a:r>
+          </a:p>
+          <a:p>
+            <a:pPr marL="457200" lvl="1" indent="0">
+              <a:buNone/>
+            </a:pPr>
+            <a:r>
+              <a:rPr lang="it-IT" dirty="0">
+                <a:sym typeface="Wingdings" panose="05000000000000000000" pitchFamily="2" charset="2"/>
+              </a:rPr>
+              <a:t>	(</a:t>
+            </a:r>
+            <a:r>
+              <a:rPr lang="it-IT" dirty="0" err="1">
+                <a:sym typeface="Wingdings" panose="05000000000000000000" pitchFamily="2" charset="2"/>
+              </a:rPr>
+              <a:t>anger_frequency</a:t>
+            </a:r>
+            <a:r>
+              <a:rPr lang="it-IT" dirty="0">
+                <a:sym typeface="Wingdings" panose="05000000000000000000" pitchFamily="2" charset="2"/>
+              </a:rPr>
+              <a:t>, </a:t>
+            </a:r>
+            <a:r>
+              <a:rPr lang="it-IT" dirty="0" err="1">
+                <a:sym typeface="Wingdings" panose="05000000000000000000" pitchFamily="2" charset="2"/>
+              </a:rPr>
+              <a:t>anticipation_frequency</a:t>
+            </a:r>
+            <a:r>
+              <a:rPr lang="it-IT" dirty="0">
+                <a:sym typeface="Wingdings" panose="05000000000000000000" pitchFamily="2" charset="2"/>
+              </a:rPr>
+              <a:t>)</a:t>
+            </a:r>
+            <a:endParaRPr lang="it-IT" dirty="0"/>
+          </a:p>
+          <a:p>
+            <a:r>
+              <a:rPr lang="it-IT" dirty="0">
+                <a:highlight>
+                  <a:srgbClr val="FFFF00"/>
+                </a:highlight>
+              </a:rPr>
+              <a:t>update_lexical.py</a:t>
+            </a:r>
+          </a:p>
+          <a:p>
+            <a:pPr lvl="1"/>
+            <a:r>
+              <a:rPr lang="it-IT" dirty="0"/>
+              <a:t>INPUT: </a:t>
+            </a:r>
+            <a:r>
+              <a:rPr lang="it-IT" dirty="0" err="1"/>
+              <a:t>read</a:t>
+            </a:r>
+            <a:r>
+              <a:rPr lang="it-IT" dirty="0"/>
+              <a:t> </a:t>
+            </a:r>
+            <a:r>
+              <a:rPr lang="it-IT" dirty="0" err="1"/>
+              <a:t>lexical</a:t>
+            </a:r>
+            <a:r>
+              <a:rPr lang="it-IT" dirty="0"/>
+              <a:t> </a:t>
+            </a:r>
+            <a:r>
+              <a:rPr lang="it-IT" dirty="0" err="1"/>
+              <a:t>resources</a:t>
+            </a:r>
+            <a:endParaRPr lang="it-IT" dirty="0"/>
+          </a:p>
+          <a:p>
+            <a:pPr lvl="1"/>
+            <a:r>
+              <a:rPr lang="it-IT" dirty="0"/>
+              <a:t>Update </a:t>
+            </a:r>
+            <a:r>
+              <a:rPr lang="it-IT" dirty="0" err="1"/>
+              <a:t>mongo</a:t>
+            </a:r>
+            <a:r>
+              <a:rPr lang="it-IT" dirty="0"/>
+              <a:t> </a:t>
+            </a:r>
+            <a:r>
+              <a:rPr lang="it-IT" dirty="0" err="1"/>
+              <a:t>collection</a:t>
+            </a:r>
+            <a:r>
+              <a:rPr lang="it-IT" dirty="0"/>
+              <a:t> «frequency»</a:t>
+            </a:r>
+          </a:p>
+          <a:p>
+            <a:pPr marL="457200" lvl="1" indent="0">
+              <a:buNone/>
+            </a:pPr>
+            <a:r>
+              <a:rPr lang="it-IT" dirty="0"/>
+              <a:t>	</a:t>
+            </a:r>
+            <a:r>
+              <a:rPr lang="it-IT" dirty="0" err="1"/>
+              <a:t>boolean</a:t>
+            </a:r>
+            <a:r>
+              <a:rPr lang="it-IT" dirty="0"/>
+              <a:t> </a:t>
+            </a:r>
+            <a:r>
+              <a:rPr lang="it-IT" dirty="0" err="1"/>
+              <a:t>values</a:t>
+            </a:r>
+            <a:r>
+              <a:rPr lang="it-IT" dirty="0"/>
+              <a:t> (</a:t>
+            </a:r>
+            <a:r>
+              <a:rPr lang="it-IT" dirty="0" err="1"/>
+              <a:t>emo_sn</a:t>
+            </a:r>
+            <a:r>
+              <a:rPr lang="it-IT" dirty="0"/>
+              <a:t>, </a:t>
+            </a:r>
+            <a:r>
+              <a:rPr lang="it-IT" dirty="0" err="1"/>
+              <a:t>nrc</a:t>
+            </a:r>
+            <a:r>
+              <a:rPr lang="it-IT" dirty="0"/>
+              <a:t>, </a:t>
+            </a:r>
+            <a:r>
+              <a:rPr lang="it-IT" dirty="0" err="1"/>
+              <a:t>sentisense</a:t>
+            </a:r>
+            <a:r>
+              <a:rPr lang="it-IT" dirty="0"/>
+              <a:t>), </a:t>
+            </a:r>
+          </a:p>
+          <a:p>
+            <a:pPr marL="457200" lvl="1" indent="0">
+              <a:buNone/>
+            </a:pPr>
+            <a:r>
+              <a:rPr lang="it-IT" dirty="0"/>
+              <a:t>	</a:t>
+            </a:r>
+            <a:r>
+              <a:rPr lang="it-IT" dirty="0" err="1"/>
+              <a:t>conScore</a:t>
+            </a:r>
+            <a:r>
+              <a:rPr lang="it-IT" dirty="0"/>
+              <a:t> (</a:t>
+            </a:r>
+            <a:r>
+              <a:rPr lang="it-IT" dirty="0" err="1"/>
+              <a:t>afinn</a:t>
+            </a:r>
+            <a:r>
+              <a:rPr lang="it-IT" dirty="0"/>
+              <a:t>, </a:t>
+            </a:r>
+            <a:r>
+              <a:rPr lang="it-IT" dirty="0" err="1"/>
+              <a:t>anew_aro</a:t>
+            </a:r>
+            <a:r>
+              <a:rPr lang="it-IT" dirty="0"/>
+              <a:t>, </a:t>
+            </a:r>
+            <a:r>
+              <a:rPr lang="it-IT" dirty="0" err="1"/>
+              <a:t>anew_dom</a:t>
+            </a:r>
+            <a:r>
+              <a:rPr lang="it-IT" dirty="0"/>
+              <a:t>, ...), </a:t>
+            </a:r>
+          </a:p>
+          <a:p>
+            <a:pPr marL="457200" lvl="1" indent="0">
+              <a:buNone/>
+            </a:pPr>
+            <a:r>
+              <a:rPr lang="it-IT" dirty="0"/>
+              <a:t>	</a:t>
+            </a:r>
+            <a:r>
+              <a:rPr lang="it-IT" dirty="0" err="1"/>
+              <a:t>Neg</a:t>
+            </a:r>
+            <a:r>
+              <a:rPr lang="it-IT" dirty="0"/>
+              <a:t>/</a:t>
+            </a:r>
+            <a:r>
+              <a:rPr lang="it-IT" dirty="0" err="1"/>
+              <a:t>Pos</a:t>
+            </a:r>
+            <a:r>
+              <a:rPr lang="it-IT" dirty="0"/>
+              <a:t> (</a:t>
+            </a:r>
+            <a:r>
+              <a:rPr lang="it-IT" dirty="0" err="1"/>
+              <a:t>gi_neg</a:t>
+            </a:r>
+            <a:r>
+              <a:rPr lang="it-IT" dirty="0"/>
+              <a:t>, </a:t>
+            </a:r>
+            <a:r>
+              <a:rPr lang="it-IT" dirty="0" err="1"/>
+              <a:t>hl_neg</a:t>
+            </a:r>
+            <a:r>
+              <a:rPr lang="it-IT" dirty="0"/>
+              <a:t>, …, </a:t>
+            </a:r>
+            <a:r>
+              <a:rPr lang="it-IT" dirty="0" err="1"/>
+              <a:t>gi_pos</a:t>
+            </a:r>
+            <a:r>
+              <a:rPr lang="it-IT" dirty="0"/>
+              <a:t>, </a:t>
+            </a:r>
+            <a:r>
+              <a:rPr lang="it-IT" dirty="0" err="1"/>
+              <a:t>hl_pos</a:t>
+            </a:r>
+            <a:r>
+              <a:rPr lang="it-IT" dirty="0"/>
+              <a:t>, ...)</a:t>
+            </a:r>
+          </a:p>
+          <a:p>
+            <a:endParaRPr lang="it-IT" dirty="0"/>
+          </a:p>
+          <a:p>
+            <a:endParaRPr lang="it-IT" dirty="0"/>
+          </a:p>
+          <a:p>
+            <a:pPr marL="457200" lvl="1" indent="0">
+              <a:buNone/>
+            </a:pPr>
+            <a:endParaRPr lang="it-IT" dirty="0"/>
+          </a:p>
+          <a:p>
+            <a:pPr lvl="1"/>
+            <a:endParaRPr lang="it-IT" dirty="0"/>
+          </a:p>
+          <a:p>
+            <a:pPr lvl="1"/>
+            <a:endParaRPr lang="it-IT" dirty="0"/>
+          </a:p>
+          <a:p>
+            <a:pPr lvl="1"/>
+            <a:endParaRPr lang="it-IT" dirty="0"/>
+          </a:p>
+          <a:p>
+            <a:endParaRPr lang="it-IT" dirty="0"/>
+          </a:p>
+          <a:p>
+            <a:endParaRPr lang="it-IT" dirty="0"/>
+          </a:p>
+          <a:p>
+            <a:pPr marL="0" indent="0">
+              <a:buNone/>
+            </a:pPr>
+            <a:endParaRPr lang="it-IT" dirty="0"/>
+          </a:p>
+          <a:p>
+            <a:pPr marL="0" indent="0">
+              <a:buNone/>
+            </a:pPr>
+            <a:endParaRPr lang="it-IT" dirty="0"/>
+          </a:p>
+        </p:txBody>
+      </p:sp>
     </p:spTree>
     <p:extLst>
       <p:ext uri="{BB962C8B-B14F-4D97-AF65-F5344CB8AC3E}">
-        <p14:creationId xmlns:p14="http://schemas.microsoft.com/office/powerpoint/2010/main" val="3450911192"/>
+        <p14:creationId xmlns:p14="http://schemas.microsoft.com/office/powerpoint/2010/main" val="4262275973"/>
       </p:ext>
     </p:extLst>
   </p:cSld>
@@ -13564,14 +14616,6 @@
 <file path=ppt/slides/slide8.xml><?xml version="1.0" encoding="utf-8"?>
 <p:sld xmlns:a="http://schemas.openxmlformats.org/drawingml/2006/main" xmlns:r="http://schemas.openxmlformats.org/officeDocument/2006/relationships" xmlns:p="http://schemas.openxmlformats.org/presentationml/2006/main">
   <p:cSld>
-    <p:bg>
-      <p:bgPr>
-        <a:solidFill>
-          <a:schemeClr val="bg1"/>
-        </a:solidFill>
-        <a:effectLst/>
-      </p:bgPr>
-    </p:bg>
     <p:spTree>
       <p:nvGrpSpPr>
         <p:cNvPr id="1" name=""/>
@@ -13586,372 +14630,104 @@
           <a:chExt cx="0" cy="0"/>
         </a:xfrm>
       </p:grpSpPr>
-      <p:sp useBgFill="1">
-        <p:nvSpPr>
-          <p:cNvPr id="7" name="Rectangle 6">
-            <a:extLst>
-              <a:ext uri="{FF2B5EF4-FFF2-40B4-BE49-F238E27FC236}">
-                <a16:creationId xmlns:a16="http://schemas.microsoft.com/office/drawing/2014/main" id="{A7895A40-19A4-42D6-9D30-DBC1E8002635}"/>
-              </a:ext>
-              <a:ext uri="{C183D7F6-B498-43B3-948B-1728B52AA6E4}">
-                <adec:decorative xmlns:adec="http://schemas.microsoft.com/office/drawing/2017/decorative" val="1"/>
-              </a:ext>
-            </a:extLst>
-          </p:cNvPr>
-          <p:cNvSpPr>
-            <a:spLocks noGrp="1" noRot="1" noChangeAspect="1" noMove="1" noResize="1" noEditPoints="1" noAdjustHandles="1" noChangeArrowheads="1" noChangeShapeType="1" noTextEdit="1"/>
-          </p:cNvSpPr>
-          <p:nvPr>
-            <p:extLst>
-              <p:ext uri="{386F3935-93C4-4BCD-93E2-E3B085C9AB24}">
-                <p16:designElem xmlns:p16="http://schemas.microsoft.com/office/powerpoint/2015/main" val="1"/>
-              </p:ext>
-            </p:extLst>
+      <p:sp>
+        <p:nvSpPr>
+          <p:cNvPr id="2" name="Titolo 1">
+            <a:extLst>
+              <a:ext uri="{FF2B5EF4-FFF2-40B4-BE49-F238E27FC236}">
+                <a16:creationId xmlns:a16="http://schemas.microsoft.com/office/drawing/2014/main" id="{1D8EE56F-47DC-4A1B-BFF4-D4543D101AFA}"/>
+              </a:ext>
+            </a:extLst>
+          </p:cNvPr>
+          <p:cNvSpPr>
+            <a:spLocks noGrp="1"/>
+          </p:cNvSpPr>
+          <p:nvPr>
+            <p:ph type="title"/>
           </p:nvPr>
         </p:nvSpPr>
         <p:spPr>
           <a:xfrm>
-            <a:off x="0" y="0"/>
-            <a:ext cx="12191999" cy="6857365"/>
+            <a:off x="838200" y="365125"/>
+            <a:ext cx="10315575" cy="815975"/>
+          </a:xfrm>
+        </p:spPr>
+        <p:txBody>
+          <a:bodyPr/>
+          <a:lstStyle/>
+          <a:p>
+            <a:r>
+              <a:rPr lang="it-IT"/>
+              <a:t>Elaboration.py</a:t>
+            </a:r>
+            <a:endParaRPr lang="it-IT" dirty="0"/>
+          </a:p>
+        </p:txBody>
+      </p:sp>
+      <p:pic>
+        <p:nvPicPr>
+          <p:cNvPr id="8" name="Immagine 7">
+            <a:extLst>
+              <a:ext uri="{FF2B5EF4-FFF2-40B4-BE49-F238E27FC236}">
+                <a16:creationId xmlns:a16="http://schemas.microsoft.com/office/drawing/2014/main" id="{ECE874CD-CA7B-433A-809B-80C331AC9D18}"/>
+              </a:ext>
+            </a:extLst>
+          </p:cNvPr>
+          <p:cNvPicPr>
+            <a:picLocks noChangeAspect="1"/>
+          </p:cNvPicPr>
+          <p:nvPr/>
+        </p:nvPicPr>
+        <p:blipFill>
+          <a:blip r:embed="rId2"/>
+          <a:stretch>
+            <a:fillRect/>
+          </a:stretch>
+        </p:blipFill>
+        <p:spPr>
+          <a:xfrm>
+            <a:off x="7457324" y="174625"/>
+            <a:ext cx="4009030" cy="6858000"/>
           </a:xfrm>
           <a:prstGeom prst="rect">
             <a:avLst/>
           </a:prstGeom>
-          <a:ln>
-            <a:noFill/>
-          </a:ln>
-        </p:spPr>
-        <p:style>
-          <a:lnRef idx="2">
-            <a:schemeClr val="accent1">
-              <a:shade val="50000"/>
-            </a:schemeClr>
-          </a:lnRef>
-          <a:fillRef idx="1">
-            <a:schemeClr val="accent1"/>
-          </a:fillRef>
-          <a:effectRef idx="0">
-            <a:schemeClr val="accent1"/>
-          </a:effectRef>
-          <a:fontRef idx="minor">
-            <a:schemeClr val="lt1"/>
-          </a:fontRef>
-        </p:style>
-        <p:txBody>
-          <a:bodyPr rtlCol="0" anchor="ctr"/>
-          <a:lstStyle/>
-          <a:p>
-            <a:pPr algn="ctr"/>
-            <a:endParaRPr lang="en-US"/>
-          </a:p>
-        </p:txBody>
-      </p:sp>
-      <p:sp>
-        <p:nvSpPr>
-          <p:cNvPr id="9" name="Rectangle 8">
-            <a:extLst>
-              <a:ext uri="{FF2B5EF4-FFF2-40B4-BE49-F238E27FC236}">
-                <a16:creationId xmlns:a16="http://schemas.microsoft.com/office/drawing/2014/main" id="{02F429C4-ABC9-46FC-818A-B5429CDE4A96}"/>
-              </a:ext>
-              <a:ext uri="{C183D7F6-B498-43B3-948B-1728B52AA6E4}">
-                <adec:decorative xmlns:adec="http://schemas.microsoft.com/office/drawing/2017/decorative" val="1"/>
-              </a:ext>
-            </a:extLst>
-          </p:cNvPr>
-          <p:cNvSpPr>
-            <a:spLocks noGrp="1" noRot="1" noChangeAspect="1" noMove="1" noResize="1" noEditPoints="1" noAdjustHandles="1" noChangeArrowheads="1" noChangeShapeType="1" noTextEdit="1"/>
-          </p:cNvSpPr>
-          <p:nvPr>
-            <p:extLst>
-              <p:ext uri="{386F3935-93C4-4BCD-93E2-E3B085C9AB24}">
-                <p16:designElem xmlns:p16="http://schemas.microsoft.com/office/powerpoint/2015/main" val="1"/>
-              </p:ext>
-            </p:extLst>
-          </p:nvPr>
-        </p:nvSpPr>
-        <p:spPr>
-          <a:xfrm rot="5400000">
-            <a:off x="-1270325" y="3369273"/>
-            <a:ext cx="3200400" cy="152382"/>
+        </p:spPr>
+      </p:pic>
+      <p:pic>
+        <p:nvPicPr>
+          <p:cNvPr id="9" name="Immagine 8">
+            <a:extLst>
+              <a:ext uri="{FF2B5EF4-FFF2-40B4-BE49-F238E27FC236}">
+                <a16:creationId xmlns:a16="http://schemas.microsoft.com/office/drawing/2014/main" id="{5C605331-0E2C-4A1B-8ED7-61F91AFCCE79}"/>
+              </a:ext>
+            </a:extLst>
+          </p:cNvPr>
+          <p:cNvPicPr>
+            <a:picLocks noChangeAspect="1"/>
+          </p:cNvPicPr>
+          <p:nvPr/>
+        </p:nvPicPr>
+        <p:blipFill>
+          <a:blip r:embed="rId3"/>
+          <a:stretch>
+            <a:fillRect/>
+          </a:stretch>
+        </p:blipFill>
+        <p:spPr>
+          <a:xfrm>
+            <a:off x="2180474" y="1262864"/>
+            <a:ext cx="3658351" cy="5455436"/>
           </a:xfrm>
           <a:prstGeom prst="rect">
             <a:avLst/>
           </a:prstGeom>
-          <a:solidFill>
-            <a:schemeClr val="accent4"/>
-          </a:solidFill>
-          <a:ln>
-            <a:noFill/>
-          </a:ln>
-        </p:spPr>
-        <p:style>
-          <a:lnRef idx="2">
-            <a:schemeClr val="accent1">
-              <a:shade val="50000"/>
-            </a:schemeClr>
-          </a:lnRef>
-          <a:fillRef idx="1">
-            <a:schemeClr val="accent1"/>
-          </a:fillRef>
-          <a:effectRef idx="0">
-            <a:schemeClr val="accent1"/>
-          </a:effectRef>
-          <a:fontRef idx="minor">
-            <a:schemeClr val="lt1"/>
-          </a:fontRef>
-        </p:style>
-        <p:txBody>
-          <a:bodyPr rtlCol="0" anchor="ctr"/>
-          <a:lstStyle/>
-          <a:p>
-            <a:pPr algn="ctr"/>
-            <a:endParaRPr lang="en-US"/>
-          </a:p>
-        </p:txBody>
-      </p:sp>
-      <p:sp>
-        <p:nvSpPr>
-          <p:cNvPr id="11" name="Rectangle 10">
-            <a:extLst>
-              <a:ext uri="{FF2B5EF4-FFF2-40B4-BE49-F238E27FC236}">
-                <a16:creationId xmlns:a16="http://schemas.microsoft.com/office/drawing/2014/main" id="{2CEF98E4-3709-4952-8F42-2305CCE34FA3}"/>
-              </a:ext>
-              <a:ext uri="{C183D7F6-B498-43B3-948B-1728B52AA6E4}">
-                <adec:decorative xmlns:adec="http://schemas.microsoft.com/office/drawing/2017/decorative" val="1"/>
-              </a:ext>
-            </a:extLst>
-          </p:cNvPr>
-          <p:cNvSpPr>
-            <a:spLocks noGrp="1" noRot="1" noChangeAspect="1" noMove="1" noResize="1" noEditPoints="1" noAdjustHandles="1" noChangeArrowheads="1" noChangeShapeType="1" noTextEdit="1"/>
-          </p:cNvSpPr>
-          <p:nvPr>
-            <p:extLst>
-              <p:ext uri="{386F3935-93C4-4BCD-93E2-E3B085C9AB24}">
-                <p16:designElem xmlns:p16="http://schemas.microsoft.com/office/powerpoint/2015/main" val="1"/>
-              </p:ext>
-            </p:extLst>
-          </p:nvPr>
-        </p:nvSpPr>
-        <p:spPr>
-          <a:xfrm rot="16200000">
-            <a:off x="6374475" y="1040470"/>
-            <a:ext cx="6858003" cy="4777047"/>
-          </a:xfrm>
-          <a:prstGeom prst="rect">
-            <a:avLst/>
-          </a:prstGeom>
-          <a:solidFill>
-            <a:schemeClr val="accent4"/>
-          </a:solidFill>
-          <a:ln>
-            <a:noFill/>
-          </a:ln>
-        </p:spPr>
-        <p:style>
-          <a:lnRef idx="2">
-            <a:schemeClr val="accent1">
-              <a:shade val="50000"/>
-            </a:schemeClr>
-          </a:lnRef>
-          <a:fillRef idx="1">
-            <a:schemeClr val="accent1"/>
-          </a:fillRef>
-          <a:effectRef idx="0">
-            <a:schemeClr val="accent1"/>
-          </a:effectRef>
-          <a:fontRef idx="minor">
-            <a:schemeClr val="lt1"/>
-          </a:fontRef>
-        </p:style>
-        <p:txBody>
-          <a:bodyPr rtlCol="0" anchor="ctr"/>
-          <a:lstStyle/>
-          <a:p>
-            <a:pPr algn="ctr"/>
-            <a:endParaRPr lang="en-US" dirty="0"/>
-          </a:p>
-        </p:txBody>
-      </p:sp>
-      <p:sp>
-        <p:nvSpPr>
-          <p:cNvPr id="13" name="Rectangle 12">
-            <a:extLst>
-              <a:ext uri="{FF2B5EF4-FFF2-40B4-BE49-F238E27FC236}">
-                <a16:creationId xmlns:a16="http://schemas.microsoft.com/office/drawing/2014/main" id="{F10BCCF5-D685-47FF-B675-647EAEB72C8E}"/>
-              </a:ext>
-              <a:ext uri="{C183D7F6-B498-43B3-948B-1728B52AA6E4}">
-                <adec:decorative xmlns:adec="http://schemas.microsoft.com/office/drawing/2017/decorative" val="1"/>
-              </a:ext>
-            </a:extLst>
-          </p:cNvPr>
-          <p:cNvSpPr>
-            <a:spLocks noGrp="1" noRot="1" noChangeAspect="1" noMove="1" noResize="1" noEditPoints="1" noAdjustHandles="1" noChangeArrowheads="1" noChangeShapeType="1" noTextEdit="1"/>
-          </p:cNvSpPr>
-          <p:nvPr>
-            <p:extLst>
-              <p:ext uri="{386F3935-93C4-4BCD-93E2-E3B085C9AB24}">
-                <p16:designElem xmlns:p16="http://schemas.microsoft.com/office/powerpoint/2015/main" val="1"/>
-              </p:ext>
-            </p:extLst>
-          </p:nvPr>
-        </p:nvSpPr>
-        <p:spPr>
-          <a:xfrm>
-            <a:off x="387914" y="857786"/>
-            <a:ext cx="11067024" cy="5208932"/>
-          </a:xfrm>
-          <a:prstGeom prst="rect">
-            <a:avLst/>
-          </a:prstGeom>
-          <a:solidFill>
-            <a:schemeClr val="bg1"/>
-          </a:solidFill>
-          <a:ln>
-            <a:noFill/>
-          </a:ln>
-          <a:effectLst>
-            <a:outerShdw blurRad="139700" dist="127000" dir="5400000" algn="t" rotWithShape="0">
-              <a:prstClr val="black">
-                <a:alpha val="15000"/>
-              </a:prstClr>
-            </a:outerShdw>
-          </a:effectLst>
-        </p:spPr>
-        <p:style>
-          <a:lnRef idx="2">
-            <a:schemeClr val="accent1">
-              <a:shade val="50000"/>
-            </a:schemeClr>
-          </a:lnRef>
-          <a:fillRef idx="1">
-            <a:schemeClr val="accent1"/>
-          </a:fillRef>
-          <a:effectRef idx="0">
-            <a:schemeClr val="accent1"/>
-          </a:effectRef>
-          <a:fontRef idx="minor">
-            <a:schemeClr val="lt1"/>
-          </a:fontRef>
-        </p:style>
-        <p:txBody>
-          <a:bodyPr rtlCol="0" anchor="ctr"/>
-          <a:lstStyle/>
-          <a:p>
-            <a:pPr algn="ctr"/>
-            <a:endParaRPr lang="en-US"/>
-          </a:p>
-        </p:txBody>
-      </p:sp>
-      <p:sp>
-        <p:nvSpPr>
-          <p:cNvPr id="2" name="Titolo 1">
-            <a:extLst>
-              <a:ext uri="{FF2B5EF4-FFF2-40B4-BE49-F238E27FC236}">
-                <a16:creationId xmlns:a16="http://schemas.microsoft.com/office/drawing/2014/main" id="{FA8208BF-DDFF-43D4-9C2B-CAE04644E730}"/>
-              </a:ext>
-            </a:extLst>
-          </p:cNvPr>
-          <p:cNvSpPr>
-            <a:spLocks noGrp="1"/>
-          </p:cNvSpPr>
-          <p:nvPr>
-            <p:ph type="title"/>
-          </p:nvPr>
-        </p:nvSpPr>
-        <p:spPr>
-          <a:xfrm>
-            <a:off x="987689" y="3071183"/>
-            <a:ext cx="9910296" cy="2590027"/>
-          </a:xfrm>
-        </p:spPr>
-        <p:txBody>
-          <a:bodyPr vert="horz" lIns="91440" tIns="45720" rIns="91440" bIns="45720" rtlCol="0" anchor="t">
-            <a:normAutofit/>
-          </a:bodyPr>
-          <a:lstStyle/>
-          <a:p>
-            <a:pPr algn="ctr"/>
-            <a:r>
-              <a:rPr lang="en-US" sz="8000" kern="1200" dirty="0">
-                <a:solidFill>
-                  <a:schemeClr val="tx1"/>
-                </a:solidFill>
-                <a:latin typeface="+mj-lt"/>
-                <a:ea typeface="+mj-ea"/>
-                <a:cs typeface="+mj-cs"/>
-              </a:rPr>
-              <a:t>Data structure</a:t>
-            </a:r>
-          </a:p>
-        </p:txBody>
-      </p:sp>
-      <p:sp>
-        <p:nvSpPr>
-          <p:cNvPr id="15" name="Rectangle 14">
-            <a:extLst>
-              <a:ext uri="{FF2B5EF4-FFF2-40B4-BE49-F238E27FC236}">
-                <a16:creationId xmlns:a16="http://schemas.microsoft.com/office/drawing/2014/main" id="{B0EE8A42-107A-4D4C-8D56-BBAE95C7FC0D}"/>
-              </a:ext>
-              <a:ext uri="{C183D7F6-B498-43B3-948B-1728B52AA6E4}">
-                <adec:decorative xmlns:adec="http://schemas.microsoft.com/office/drawing/2017/decorative" val="1"/>
-              </a:ext>
-            </a:extLst>
-          </p:cNvPr>
-          <p:cNvSpPr>
-            <a:spLocks noGrp="1" noRot="1" noChangeAspect="1" noMove="1" noResize="1" noEditPoints="1" noAdjustHandles="1" noChangeArrowheads="1" noChangeShapeType="1" noTextEdit="1"/>
-          </p:cNvSpPr>
-          <p:nvPr>
-            <p:extLst>
-              <p:ext uri="{386F3935-93C4-4BCD-93E2-E3B085C9AB24}">
-                <p16:designElem xmlns:p16="http://schemas.microsoft.com/office/powerpoint/2015/main" val="1"/>
-              </p:ext>
-            </p:extLst>
-          </p:nvPr>
-        </p:nvSpPr>
-        <p:spPr>
-          <a:xfrm rot="5400000">
-            <a:off x="-1524009" y="3366125"/>
-            <a:ext cx="3200400" cy="152382"/>
-          </a:xfrm>
-          <a:prstGeom prst="rect">
-            <a:avLst/>
-          </a:prstGeom>
-          <a:solidFill>
-            <a:schemeClr val="accent4"/>
-          </a:solidFill>
-          <a:ln>
-            <a:noFill/>
-          </a:ln>
-        </p:spPr>
-        <p:style>
-          <a:lnRef idx="2">
-            <a:schemeClr val="accent1">
-              <a:shade val="50000"/>
-            </a:schemeClr>
-          </a:lnRef>
-          <a:fillRef idx="1">
-            <a:schemeClr val="accent1"/>
-          </a:fillRef>
-          <a:effectRef idx="0">
-            <a:schemeClr val="accent1"/>
-          </a:effectRef>
-          <a:fontRef idx="minor">
-            <a:schemeClr val="lt1"/>
-          </a:fontRef>
-        </p:style>
-        <p:txBody>
-          <a:bodyPr rtlCol="0" anchor="ctr"/>
-          <a:lstStyle/>
-          <a:p>
-            <a:pPr algn="ctr"/>
-            <a:endParaRPr lang="en-US"/>
-          </a:p>
-        </p:txBody>
-      </p:sp>
+        </p:spPr>
+      </p:pic>
     </p:spTree>
     <p:extLst>
       <p:ext uri="{BB962C8B-B14F-4D97-AF65-F5344CB8AC3E}">
-        <p14:creationId xmlns:p14="http://schemas.microsoft.com/office/powerpoint/2010/main" val="1105264063"/>
+        <p14:creationId xmlns:p14="http://schemas.microsoft.com/office/powerpoint/2010/main" val="3450911192"/>
       </p:ext>
     </p:extLst>
   </p:cSld>
@@ -13988,7 +14764,7 @@
       </p:grpSpPr>
       <p:sp useBgFill="1">
         <p:nvSpPr>
-          <p:cNvPr id="31" name="Rectangle 30">
+          <p:cNvPr id="7" name="Rectangle 6">
             <a:extLst>
               <a:ext uri="{FF2B5EF4-FFF2-40B4-BE49-F238E27FC236}">
                 <a16:creationId xmlns:a16="http://schemas.microsoft.com/office/drawing/2014/main" id="{A7895A40-19A4-42D6-9D30-DBC1E8002635}"/>
@@ -14048,7 +14824,7 @@
       </p:sp>
       <p:sp>
         <p:nvSpPr>
-          <p:cNvPr id="33" name="Rectangle 32">
+          <p:cNvPr id="9" name="Rectangle 8">
             <a:extLst>
               <a:ext uri="{FF2B5EF4-FFF2-40B4-BE49-F238E27FC236}">
                 <a16:creationId xmlns:a16="http://schemas.microsoft.com/office/drawing/2014/main" id="{02F429C4-ABC9-46FC-818A-B5429CDE4A96}"/>
@@ -14111,7 +14887,7 @@
       </p:sp>
       <p:sp>
         <p:nvSpPr>
-          <p:cNvPr id="35" name="Rectangle 34">
+          <p:cNvPr id="11" name="Rectangle 10">
             <a:extLst>
               <a:ext uri="{FF2B5EF4-FFF2-40B4-BE49-F238E27FC236}">
                 <a16:creationId xmlns:a16="http://schemas.microsoft.com/office/drawing/2014/main" id="{2CEF98E4-3709-4952-8F42-2305CCE34FA3}"/>
@@ -14174,7 +14950,7 @@
       </p:sp>
       <p:sp>
         <p:nvSpPr>
-          <p:cNvPr id="37" name="Rectangle 36">
+          <p:cNvPr id="13" name="Rectangle 12">
             <a:extLst>
               <a:ext uri="{FF2B5EF4-FFF2-40B4-BE49-F238E27FC236}">
                 <a16:creationId xmlns:a16="http://schemas.microsoft.com/office/drawing/2014/main" id="{F10BCCF5-D685-47FF-B675-647EAEB72C8E}"/>
@@ -14280,14 +15056,14 @@
                 <a:ea typeface="+mj-ea"/>
                 <a:cs typeface="+mj-cs"/>
               </a:rPr>
-              <a:t>MySQL</a:t>
-            </a:r>
-          </a:p>
-        </p:txBody>
-      </p:sp>
-      <p:sp>
-        <p:nvSpPr>
-          <p:cNvPr id="39" name="Rectangle 38">
+              <a:t>Data structure</a:t>
+            </a:r>
+          </a:p>
+        </p:txBody>
+      </p:sp>
+      <p:sp>
+        <p:nvSpPr>
+          <p:cNvPr id="15" name="Rectangle 14">
             <a:extLst>
               <a:ext uri="{FF2B5EF4-FFF2-40B4-BE49-F238E27FC236}">
                 <a16:creationId xmlns:a16="http://schemas.microsoft.com/office/drawing/2014/main" id="{B0EE8A42-107A-4D4C-8D56-BBAE95C7FC0D}"/>
@@ -14351,7 +15127,7 @@
     </p:spTree>
     <p:extLst>
       <p:ext uri="{BB962C8B-B14F-4D97-AF65-F5344CB8AC3E}">
-        <p14:creationId xmlns:p14="http://schemas.microsoft.com/office/powerpoint/2010/main" val="98539100"/>
+        <p14:creationId xmlns:p14="http://schemas.microsoft.com/office/powerpoint/2010/main" val="1105264063"/>
       </p:ext>
     </p:extLst>
   </p:cSld>

--- a/silde/slide.pptx
+++ b/silde/slide.pptx
@@ -30032,8 +30032,8 @@
         </p:blipFill>
         <p:spPr>
           <a:xfrm>
-            <a:off x="677334" y="1780163"/>
-            <a:ext cx="8528201" cy="4291046"/>
+            <a:off x="441664" y="1554994"/>
+            <a:ext cx="8975713" cy="4516216"/>
           </a:xfrm>
           <a:prstGeom prst="rect">
             <a:avLst/>
@@ -30132,8 +30132,8 @@
         </p:blipFill>
         <p:spPr>
           <a:xfrm>
-            <a:off x="1585119" y="2334419"/>
-            <a:ext cx="6781800" cy="3151981"/>
+            <a:off x="2253006" y="2315567"/>
+            <a:ext cx="6076206" cy="2824042"/>
           </a:xfrm>
           <a:prstGeom prst="rect">
             <a:avLst/>
@@ -30231,8 +30231,8 @@
         </p:blipFill>
         <p:spPr>
           <a:xfrm>
-            <a:off x="1468198" y="2505110"/>
-            <a:ext cx="7805804" cy="2422491"/>
+            <a:off x="2215297" y="2637086"/>
+            <a:ext cx="6728765" cy="2088238"/>
           </a:xfrm>
           <a:prstGeom prst="rect">
             <a:avLst/>
@@ -39540,7 +39540,7 @@
         </p:blipFill>
         <p:spPr>
           <a:xfrm>
-            <a:off x="9674885" y="1196237"/>
+            <a:off x="9600268" y="1106089"/>
             <a:ext cx="2483779" cy="2483779"/>
           </a:xfrm>
           <a:prstGeom prst="rect">
@@ -39576,7 +39576,7 @@
         </p:blipFill>
         <p:spPr>
           <a:xfrm>
-            <a:off x="6610139" y="1196237"/>
+            <a:off x="6600804" y="1106089"/>
             <a:ext cx="2483778" cy="2483778"/>
           </a:xfrm>
           <a:prstGeom prst="rect">
@@ -40621,7 +40621,7 @@
         </p:blipFill>
         <p:spPr>
           <a:xfrm>
-            <a:off x="9348322" y="1350388"/>
+            <a:off x="9339199" y="1241888"/>
             <a:ext cx="2483779" cy="2483779"/>
           </a:xfrm>
           <a:prstGeom prst="rect">
@@ -42780,7 +42780,7 @@
         </p:blipFill>
         <p:spPr>
           <a:xfrm>
-            <a:off x="9532269" y="1166781"/>
+            <a:off x="9519773" y="1166781"/>
             <a:ext cx="2483779" cy="2483779"/>
           </a:xfrm>
           <a:prstGeom prst="rect">
@@ -42816,7 +42816,7 @@
         </p:blipFill>
         <p:spPr>
           <a:xfrm>
-            <a:off x="6428421" y="1326103"/>
+            <a:off x="6434166" y="1326103"/>
             <a:ext cx="2483778" cy="2483778"/>
           </a:xfrm>
           <a:prstGeom prst="rect">
@@ -42888,7 +42888,7 @@
         </p:blipFill>
         <p:spPr>
           <a:xfrm>
-            <a:off x="92857" y="1166781"/>
+            <a:off x="92857" y="1166783"/>
             <a:ext cx="2483777" cy="2483777"/>
           </a:xfrm>
           <a:prstGeom prst="rect">
@@ -46062,7 +46062,7 @@
           <p:nvPr>
             <p:extLst>
               <p:ext uri="{D42A27DB-BD31-4B8C-83A1-F6EECF244321}">
-                <p14:modId xmlns:p14="http://schemas.microsoft.com/office/powerpoint/2010/main" val="708602178"/>
+                <p14:modId xmlns:p14="http://schemas.microsoft.com/office/powerpoint/2010/main" val="2250727953"/>
               </p:ext>
             </p:extLst>
           </p:nvPr>
@@ -46172,13 +46172,8 @@
                       </a:pPr>
                       <a:r>
                         <a:rPr lang="it-IT" sz="1200" b="0" dirty="0"/>
-                        <a:t>Data </a:t>
+                        <a:t>Modello dei dati</a:t>
                       </a:r>
-                      <a:r>
-                        <a:rPr lang="it-IT" sz="1200" b="0" dirty="0" err="1"/>
-                        <a:t>Modelling</a:t>
-                      </a:r>
-                      <a:endParaRPr lang="it-IT" sz="1200" b="0" dirty="0"/>
                     </a:p>
                     <a:p>
                       <a:endParaRPr lang="it-IT" sz="1200" dirty="0"/>
@@ -46193,7 +46188,7 @@
                     <a:p>
                       <a:r>
                         <a:rPr lang="it-IT" sz="1200" dirty="0"/>
-                        <a:t>Struttura dati fissa</a:t>
+                        <a:t>Struttura dati fissa.</a:t>
                       </a:r>
                     </a:p>
                     <a:p>

--- a/silde/slide.pptx
+++ b/silde/slide.pptx
@@ -23,28 +23,33 @@
     <p:sldId id="289" r:id="rId17"/>
     <p:sldId id="294" r:id="rId18"/>
     <p:sldId id="290" r:id="rId19"/>
-    <p:sldId id="285" r:id="rId20"/>
-    <p:sldId id="286" r:id="rId21"/>
-    <p:sldId id="287" r:id="rId22"/>
-    <p:sldId id="300" r:id="rId23"/>
-    <p:sldId id="297" r:id="rId24"/>
-    <p:sldId id="298" r:id="rId25"/>
-    <p:sldId id="299" r:id="rId26"/>
-    <p:sldId id="301" r:id="rId27"/>
-    <p:sldId id="302" r:id="rId28"/>
-    <p:sldId id="276" r:id="rId29"/>
-    <p:sldId id="295" r:id="rId30"/>
-    <p:sldId id="296" r:id="rId31"/>
-    <p:sldId id="274" r:id="rId32"/>
-    <p:sldId id="275" r:id="rId33"/>
-    <p:sldId id="277" r:id="rId34"/>
-    <p:sldId id="278" r:id="rId35"/>
-    <p:sldId id="279" r:id="rId36"/>
-    <p:sldId id="280" r:id="rId37"/>
-    <p:sldId id="281" r:id="rId38"/>
-    <p:sldId id="282" r:id="rId39"/>
-    <p:sldId id="288" r:id="rId40"/>
-    <p:sldId id="317" r:id="rId41"/>
+    <p:sldId id="318" r:id="rId20"/>
+    <p:sldId id="319" r:id="rId21"/>
+    <p:sldId id="320" r:id="rId22"/>
+    <p:sldId id="285" r:id="rId23"/>
+    <p:sldId id="286" r:id="rId24"/>
+    <p:sldId id="287" r:id="rId25"/>
+    <p:sldId id="300" r:id="rId26"/>
+    <p:sldId id="297" r:id="rId27"/>
+    <p:sldId id="298" r:id="rId28"/>
+    <p:sldId id="299" r:id="rId29"/>
+    <p:sldId id="301" r:id="rId30"/>
+    <p:sldId id="302" r:id="rId31"/>
+    <p:sldId id="276" r:id="rId32"/>
+    <p:sldId id="295" r:id="rId33"/>
+    <p:sldId id="296" r:id="rId34"/>
+    <p:sldId id="274" r:id="rId35"/>
+    <p:sldId id="275" r:id="rId36"/>
+    <p:sldId id="277" r:id="rId37"/>
+    <p:sldId id="278" r:id="rId38"/>
+    <p:sldId id="279" r:id="rId39"/>
+    <p:sldId id="280" r:id="rId40"/>
+    <p:sldId id="281" r:id="rId41"/>
+    <p:sldId id="282" r:id="rId42"/>
+    <p:sldId id="288" r:id="rId43"/>
+    <p:sldId id="317" r:id="rId44"/>
+    <p:sldId id="321" r:id="rId45"/>
+    <p:sldId id="322" r:id="rId46"/>
   </p:sldIdLst>
   <p:sldSz cx="12192000" cy="6858000"/>
   <p:notesSz cx="6858000" cy="9144000"/>
@@ -166,6 +171,9 @@
             <p14:sldId id="289"/>
             <p14:sldId id="294"/>
             <p14:sldId id="290"/>
+            <p14:sldId id="318"/>
+            <p14:sldId id="319"/>
+            <p14:sldId id="320"/>
             <p14:sldId id="285"/>
             <p14:sldId id="286"/>
             <p14:sldId id="287"/>
@@ -188,6 +196,8 @@
             <p14:sldId id="282"/>
             <p14:sldId id="288"/>
             <p14:sldId id="317"/>
+            <p14:sldId id="321"/>
+            <p14:sldId id="322"/>
           </p14:sldIdLst>
         </p14:section>
       </p14:sectionLst>
@@ -15544,7 +15554,7 @@
           <a:p>
             <a:fld id="{F62949A3-00FA-41A1-BCFC-94B38994B861}" type="datetimeFigureOut">
               <a:rPr lang="it-IT" smtClean="0"/>
-              <a:t>19/05/2020</a:t>
+              <a:t>20/05/2020</a:t>
             </a:fld>
             <a:endParaRPr lang="it-IT"/>
           </a:p>
@@ -15795,7 +15805,7 @@
           <a:p>
             <a:fld id="{F62949A3-00FA-41A1-BCFC-94B38994B861}" type="datetimeFigureOut">
               <a:rPr lang="it-IT" smtClean="0"/>
-              <a:t>19/05/2020</a:t>
+              <a:t>20/05/2020</a:t>
             </a:fld>
             <a:endParaRPr lang="it-IT"/>
           </a:p>
@@ -16109,7 +16119,7 @@
           <a:p>
             <a:fld id="{F62949A3-00FA-41A1-BCFC-94B38994B861}" type="datetimeFigureOut">
               <a:rPr lang="it-IT" smtClean="0"/>
-              <a:t>19/05/2020</a:t>
+              <a:t>20/05/2020</a:t>
             </a:fld>
             <a:endParaRPr lang="it-IT"/>
           </a:p>
@@ -16450,7 +16460,7 @@
           <a:p>
             <a:fld id="{F62949A3-00FA-41A1-BCFC-94B38994B861}" type="datetimeFigureOut">
               <a:rPr lang="it-IT" smtClean="0"/>
-              <a:t>19/05/2020</a:t>
+              <a:t>20/05/2020</a:t>
             </a:fld>
             <a:endParaRPr lang="it-IT"/>
           </a:p>
@@ -16764,7 +16774,7 @@
           <a:p>
             <a:fld id="{F62949A3-00FA-41A1-BCFC-94B38994B861}" type="datetimeFigureOut">
               <a:rPr lang="it-IT" smtClean="0"/>
-              <a:t>19/05/2020</a:t>
+              <a:t>20/05/2020</a:t>
             </a:fld>
             <a:endParaRPr lang="it-IT"/>
           </a:p>
@@ -17157,7 +17167,7 @@
           <a:p>
             <a:fld id="{F62949A3-00FA-41A1-BCFC-94B38994B861}" type="datetimeFigureOut">
               <a:rPr lang="it-IT" smtClean="0"/>
-              <a:t>19/05/2020</a:t>
+              <a:t>20/05/2020</a:t>
             </a:fld>
             <a:endParaRPr lang="it-IT"/>
           </a:p>
@@ -17327,7 +17337,7 @@
           <a:p>
             <a:fld id="{F62949A3-00FA-41A1-BCFC-94B38994B861}" type="datetimeFigureOut">
               <a:rPr lang="it-IT" smtClean="0"/>
-              <a:t>19/05/2020</a:t>
+              <a:t>20/05/2020</a:t>
             </a:fld>
             <a:endParaRPr lang="it-IT"/>
           </a:p>
@@ -17507,7 +17517,7 @@
           <a:p>
             <a:fld id="{F62949A3-00FA-41A1-BCFC-94B38994B861}" type="datetimeFigureOut">
               <a:rPr lang="it-IT" smtClean="0"/>
-              <a:t>19/05/2020</a:t>
+              <a:t>20/05/2020</a:t>
             </a:fld>
             <a:endParaRPr lang="it-IT"/>
           </a:p>
@@ -17683,7 +17693,7 @@
           <a:p>
             <a:fld id="{F62949A3-00FA-41A1-BCFC-94B38994B861}" type="datetimeFigureOut">
               <a:rPr lang="it-IT" smtClean="0"/>
-              <a:t>19/05/2020</a:t>
+              <a:t>20/05/2020</a:t>
             </a:fld>
             <a:endParaRPr lang="it-IT"/>
           </a:p>
@@ -17930,7 +17940,7 @@
           <a:p>
             <a:fld id="{F62949A3-00FA-41A1-BCFC-94B38994B861}" type="datetimeFigureOut">
               <a:rPr lang="it-IT" smtClean="0"/>
-              <a:t>19/05/2020</a:t>
+              <a:t>20/05/2020</a:t>
             </a:fld>
             <a:endParaRPr lang="it-IT"/>
           </a:p>
@@ -18162,7 +18172,7 @@
           <a:p>
             <a:fld id="{F62949A3-00FA-41A1-BCFC-94B38994B861}" type="datetimeFigureOut">
               <a:rPr lang="it-IT" smtClean="0"/>
-              <a:t>19/05/2020</a:t>
+              <a:t>20/05/2020</a:t>
             </a:fld>
             <a:endParaRPr lang="it-IT"/>
           </a:p>
@@ -18536,7 +18546,7 @@
           <a:p>
             <a:fld id="{F62949A3-00FA-41A1-BCFC-94B38994B861}" type="datetimeFigureOut">
               <a:rPr lang="it-IT" smtClean="0"/>
-              <a:t>19/05/2020</a:t>
+              <a:t>20/05/2020</a:t>
             </a:fld>
             <a:endParaRPr lang="it-IT"/>
           </a:p>
@@ -18659,7 +18669,7 @@
           <a:p>
             <a:fld id="{F62949A3-00FA-41A1-BCFC-94B38994B861}" type="datetimeFigureOut">
               <a:rPr lang="it-IT" smtClean="0"/>
-              <a:t>19/05/2020</a:t>
+              <a:t>20/05/2020</a:t>
             </a:fld>
             <a:endParaRPr lang="it-IT"/>
           </a:p>
@@ -18754,7 +18764,7 @@
           <a:p>
             <a:fld id="{F62949A3-00FA-41A1-BCFC-94B38994B861}" type="datetimeFigureOut">
               <a:rPr lang="it-IT" smtClean="0"/>
-              <a:t>19/05/2020</a:t>
+              <a:t>20/05/2020</a:t>
             </a:fld>
             <a:endParaRPr lang="it-IT"/>
           </a:p>
@@ -19009,7 +19019,7 @@
           <a:p>
             <a:fld id="{F62949A3-00FA-41A1-BCFC-94B38994B861}" type="datetimeFigureOut">
               <a:rPr lang="it-IT" smtClean="0"/>
-              <a:t>19/05/2020</a:t>
+              <a:t>20/05/2020</a:t>
             </a:fld>
             <a:endParaRPr lang="it-IT"/>
           </a:p>
@@ -19272,7 +19282,7 @@
           <a:p>
             <a:fld id="{F62949A3-00FA-41A1-BCFC-94B38994B861}" type="datetimeFigureOut">
               <a:rPr lang="it-IT" smtClean="0"/>
-              <a:t>19/05/2020</a:t>
+              <a:t>20/05/2020</a:t>
             </a:fld>
             <a:endParaRPr lang="it-IT"/>
           </a:p>
@@ -20015,7 +20025,7 @@
           <a:p>
             <a:fld id="{F62949A3-00FA-41A1-BCFC-94B38994B861}" type="datetimeFigureOut">
               <a:rPr lang="it-IT" smtClean="0"/>
-              <a:t>19/05/2020</a:t>
+              <a:t>20/05/2020</a:t>
             </a:fld>
             <a:endParaRPr lang="it-IT"/>
           </a:p>
@@ -27030,8 +27040,8 @@
           <a:p>
             <a:pPr algn="r"/>
             <a:r>
-              <a:rPr lang="en-US" sz="5400"/>
-              <a:t>Mongo</a:t>
+              <a:rPr lang="en-US" sz="5400" dirty="0"/>
+              <a:t>MongoDB</a:t>
             </a:r>
           </a:p>
         </p:txBody>
@@ -27200,10 +27210,10 @@
       </p:grpSpPr>
       <p:sp>
         <p:nvSpPr>
-          <p:cNvPr id="19" name="Titolo 1">
+          <p:cNvPr id="2" name="Titolo 1">
             <a:extLst>
               <a:ext uri="{FF2B5EF4-FFF2-40B4-BE49-F238E27FC236}">
-                <a16:creationId xmlns:a16="http://schemas.microsoft.com/office/drawing/2014/main" id="{67C21EC9-5590-42DF-B26E-94517D1F2268}"/>
+                <a16:creationId xmlns:a16="http://schemas.microsoft.com/office/drawing/2014/main" id="{1CCC7909-F4E5-4F14-B4B7-8E9E0A164BDB}"/>
               </a:ext>
             </a:extLst>
           </p:cNvPr>
@@ -27216,49 +27226,329 @@
         </p:nvSpPr>
         <p:spPr>
           <a:xfrm>
-            <a:off x="1057080" y="318044"/>
-            <a:ext cx="10071536" cy="1134503"/>
+            <a:off x="677333" y="609600"/>
+            <a:ext cx="9066741" cy="1320800"/>
           </a:xfrm>
         </p:spPr>
         <p:txBody>
-          <a:bodyPr vert="horz" lIns="91440" tIns="45720" rIns="91440" bIns="45720" rtlCol="0" anchor="b">
-            <a:normAutofit fontScale="90000"/>
-          </a:bodyPr>
+          <a:bodyPr/>
           <a:lstStyle/>
           <a:p>
-            <a:pPr algn="ctr"/>
             <a:r>
-              <a:rPr lang="en-US" sz="4000" dirty="0"/>
-              <a:t>Sharding Data </a:t>
+              <a:rPr lang="it-IT" dirty="0"/>
+              <a:t>CLUSTER ARCHITECTURE (1)</a:t>
             </a:r>
-            <a:br>
-              <a:rPr lang="en-US" sz="2900" dirty="0"/>
-            </a:br>
+          </a:p>
+        </p:txBody>
+      </p:sp>
+      <p:sp>
+        <p:nvSpPr>
+          <p:cNvPr id="7" name="Segnaposto contenuto 2">
+            <a:extLst>
+              <a:ext uri="{FF2B5EF4-FFF2-40B4-BE49-F238E27FC236}">
+                <a16:creationId xmlns:a16="http://schemas.microsoft.com/office/drawing/2014/main" id="{FB0109D0-4977-490B-BDFD-2FAD23CCB813}"/>
+              </a:ext>
+            </a:extLst>
+          </p:cNvPr>
+          <p:cNvSpPr txBox="1">
+            <a:spLocks/>
+          </p:cNvSpPr>
+          <p:nvPr/>
+        </p:nvSpPr>
+        <p:spPr>
+          <a:xfrm>
+            <a:off x="760808" y="1416006"/>
+            <a:ext cx="8038012" cy="2146638"/>
+          </a:xfrm>
+          <a:prstGeom prst="rect">
+            <a:avLst/>
+          </a:prstGeom>
+        </p:spPr>
+        <p:txBody>
+          <a:bodyPr vert="horz" lIns="91440" tIns="45720" rIns="91440" bIns="45720" rtlCol="0">
+            <a:normAutofit fontScale="85000" lnSpcReduction="20000"/>
+          </a:bodyPr>
+          <a:lstStyle>
+            <a:lvl1pPr marL="342900" indent="-342900" algn="l" defTabSz="457200" rtl="0" eaLnBrk="1" latinLnBrk="0" hangingPunct="1">
+              <a:spcBef>
+                <a:spcPts val="1000"/>
+              </a:spcBef>
+              <a:spcAft>
+                <a:spcPts val="0"/>
+              </a:spcAft>
+              <a:buClr>
+                <a:schemeClr val="accent1"/>
+              </a:buClr>
+              <a:buSzPct val="80000"/>
+              <a:buFont typeface="Wingdings 3" charset="2"/>
+              <a:buChar char=""/>
+              <a:defRPr sz="1800" kern="1200">
+                <a:solidFill>
+                  <a:schemeClr val="tx1">
+                    <a:lumMod val="75000"/>
+                    <a:lumOff val="25000"/>
+                  </a:schemeClr>
+                </a:solidFill>
+                <a:latin typeface="+mn-lt"/>
+                <a:ea typeface="+mn-ea"/>
+                <a:cs typeface="+mn-cs"/>
+              </a:defRPr>
+            </a:lvl1pPr>
+            <a:lvl2pPr marL="742950" indent="-285750" algn="l" defTabSz="457200" rtl="0" eaLnBrk="1" latinLnBrk="0" hangingPunct="1">
+              <a:spcBef>
+                <a:spcPts val="1000"/>
+              </a:spcBef>
+              <a:spcAft>
+                <a:spcPts val="0"/>
+              </a:spcAft>
+              <a:buClr>
+                <a:schemeClr val="accent1"/>
+              </a:buClr>
+              <a:buSzPct val="80000"/>
+              <a:buFont typeface="Wingdings 3" charset="2"/>
+              <a:buChar char=""/>
+              <a:defRPr sz="1600" kern="1200">
+                <a:solidFill>
+                  <a:schemeClr val="tx1">
+                    <a:lumMod val="75000"/>
+                    <a:lumOff val="25000"/>
+                  </a:schemeClr>
+                </a:solidFill>
+                <a:latin typeface="+mn-lt"/>
+                <a:ea typeface="+mn-ea"/>
+                <a:cs typeface="+mn-cs"/>
+              </a:defRPr>
+            </a:lvl2pPr>
+            <a:lvl3pPr marL="1143000" indent="-228600" algn="l" defTabSz="457200" rtl="0" eaLnBrk="1" latinLnBrk="0" hangingPunct="1">
+              <a:spcBef>
+                <a:spcPts val="1000"/>
+              </a:spcBef>
+              <a:spcAft>
+                <a:spcPts val="0"/>
+              </a:spcAft>
+              <a:buClr>
+                <a:schemeClr val="accent1"/>
+              </a:buClr>
+              <a:buSzPct val="80000"/>
+              <a:buFont typeface="Wingdings 3" charset="2"/>
+              <a:buChar char=""/>
+              <a:defRPr sz="1400" kern="1200">
+                <a:solidFill>
+                  <a:schemeClr val="tx1">
+                    <a:lumMod val="75000"/>
+                    <a:lumOff val="25000"/>
+                  </a:schemeClr>
+                </a:solidFill>
+                <a:latin typeface="+mn-lt"/>
+                <a:ea typeface="+mn-ea"/>
+                <a:cs typeface="+mn-cs"/>
+              </a:defRPr>
+            </a:lvl3pPr>
+            <a:lvl4pPr marL="1600200" indent="-228600" algn="l" defTabSz="457200" rtl="0" eaLnBrk="1" latinLnBrk="0" hangingPunct="1">
+              <a:spcBef>
+                <a:spcPts val="1000"/>
+              </a:spcBef>
+              <a:spcAft>
+                <a:spcPts val="0"/>
+              </a:spcAft>
+              <a:buClr>
+                <a:schemeClr val="accent1"/>
+              </a:buClr>
+              <a:buSzPct val="80000"/>
+              <a:buFont typeface="Wingdings 3" charset="2"/>
+              <a:buChar char=""/>
+              <a:defRPr sz="1200" kern="1200">
+                <a:solidFill>
+                  <a:schemeClr val="tx1">
+                    <a:lumMod val="75000"/>
+                    <a:lumOff val="25000"/>
+                  </a:schemeClr>
+                </a:solidFill>
+                <a:latin typeface="+mn-lt"/>
+                <a:ea typeface="+mn-ea"/>
+                <a:cs typeface="+mn-cs"/>
+              </a:defRPr>
+            </a:lvl4pPr>
+            <a:lvl5pPr marL="2057400" indent="-228600" algn="l" defTabSz="457200" rtl="0" eaLnBrk="1" latinLnBrk="0" hangingPunct="1">
+              <a:spcBef>
+                <a:spcPts val="1000"/>
+              </a:spcBef>
+              <a:spcAft>
+                <a:spcPts val="0"/>
+              </a:spcAft>
+              <a:buClr>
+                <a:schemeClr val="accent1"/>
+              </a:buClr>
+              <a:buSzPct val="80000"/>
+              <a:buFont typeface="Wingdings 3" charset="2"/>
+              <a:buChar char=""/>
+              <a:defRPr sz="1200" kern="1200">
+                <a:solidFill>
+                  <a:schemeClr val="tx1">
+                    <a:lumMod val="75000"/>
+                    <a:lumOff val="25000"/>
+                  </a:schemeClr>
+                </a:solidFill>
+                <a:latin typeface="+mn-lt"/>
+                <a:ea typeface="+mn-ea"/>
+                <a:cs typeface="+mn-cs"/>
+              </a:defRPr>
+            </a:lvl5pPr>
+            <a:lvl6pPr marL="2514600" indent="-228600" algn="l" defTabSz="457200" rtl="0" eaLnBrk="1" latinLnBrk="0" hangingPunct="1">
+              <a:spcBef>
+                <a:spcPts val="1000"/>
+              </a:spcBef>
+              <a:spcAft>
+                <a:spcPts val="0"/>
+              </a:spcAft>
+              <a:buClr>
+                <a:schemeClr val="accent1"/>
+              </a:buClr>
+              <a:buSzPct val="80000"/>
+              <a:buFont typeface="Wingdings 3" charset="2"/>
+              <a:buChar char=""/>
+              <a:defRPr sz="1200" kern="1200">
+                <a:solidFill>
+                  <a:schemeClr val="tx1">
+                    <a:lumMod val="75000"/>
+                    <a:lumOff val="25000"/>
+                  </a:schemeClr>
+                </a:solidFill>
+                <a:latin typeface="+mn-lt"/>
+                <a:ea typeface="+mn-ea"/>
+                <a:cs typeface="+mn-cs"/>
+              </a:defRPr>
+            </a:lvl6pPr>
+            <a:lvl7pPr marL="2971800" indent="-228600" algn="l" defTabSz="457200" rtl="0" eaLnBrk="1" latinLnBrk="0" hangingPunct="1">
+              <a:spcBef>
+                <a:spcPts val="1000"/>
+              </a:spcBef>
+              <a:spcAft>
+                <a:spcPts val="0"/>
+              </a:spcAft>
+              <a:buClr>
+                <a:schemeClr val="accent1"/>
+              </a:buClr>
+              <a:buSzPct val="80000"/>
+              <a:buFont typeface="Wingdings 3" charset="2"/>
+              <a:buChar char=""/>
+              <a:defRPr sz="1200" kern="1200">
+                <a:solidFill>
+                  <a:schemeClr val="tx1">
+                    <a:lumMod val="75000"/>
+                    <a:lumOff val="25000"/>
+                  </a:schemeClr>
+                </a:solidFill>
+                <a:latin typeface="+mn-lt"/>
+                <a:ea typeface="+mn-ea"/>
+                <a:cs typeface="+mn-cs"/>
+              </a:defRPr>
+            </a:lvl7pPr>
+            <a:lvl8pPr marL="3429000" indent="-228600" algn="l" defTabSz="457200" rtl="0" eaLnBrk="1" latinLnBrk="0" hangingPunct="1">
+              <a:spcBef>
+                <a:spcPts val="1000"/>
+              </a:spcBef>
+              <a:spcAft>
+                <a:spcPts val="0"/>
+              </a:spcAft>
+              <a:buClr>
+                <a:schemeClr val="accent1"/>
+              </a:buClr>
+              <a:buSzPct val="80000"/>
+              <a:buFont typeface="Wingdings 3" charset="2"/>
+              <a:buChar char=""/>
+              <a:defRPr sz="1200" kern="1200">
+                <a:solidFill>
+                  <a:schemeClr val="tx1">
+                    <a:lumMod val="75000"/>
+                    <a:lumOff val="25000"/>
+                  </a:schemeClr>
+                </a:solidFill>
+                <a:latin typeface="+mn-lt"/>
+                <a:ea typeface="+mn-ea"/>
+                <a:cs typeface="+mn-cs"/>
+              </a:defRPr>
+            </a:lvl8pPr>
+            <a:lvl9pPr marL="3886200" indent="-228600" algn="l" defTabSz="457200" rtl="0" eaLnBrk="1" latinLnBrk="0" hangingPunct="1">
+              <a:spcBef>
+                <a:spcPts val="1000"/>
+              </a:spcBef>
+              <a:spcAft>
+                <a:spcPts val="0"/>
+              </a:spcAft>
+              <a:buClr>
+                <a:schemeClr val="accent1"/>
+              </a:buClr>
+              <a:buSzPct val="80000"/>
+              <a:buFont typeface="Wingdings 3" charset="2"/>
+              <a:buChar char=""/>
+              <a:defRPr sz="1200" kern="1200">
+                <a:solidFill>
+                  <a:schemeClr val="tx1">
+                    <a:lumMod val="75000"/>
+                    <a:lumOff val="25000"/>
+                  </a:schemeClr>
+                </a:solidFill>
+                <a:latin typeface="+mn-lt"/>
+                <a:ea typeface="+mn-ea"/>
+                <a:cs typeface="+mn-cs"/>
+              </a:defRPr>
+            </a:lvl9pPr>
+          </a:lstStyle>
+          <a:p>
+            <a:pPr marL="0" indent="0">
+              <a:buNone/>
+            </a:pPr>
             <a:r>
-              <a:rPr lang="en-US" sz="2900" dirty="0"/>
-              <a:t>Example</a:t>
+              <a:rPr lang="it-IT" dirty="0"/>
+              <a:t>MONGOS ROUTER</a:t>
             </a:r>
-            <a:br>
-              <a:rPr lang="en-US" sz="2900" dirty="0"/>
-            </a:br>
+          </a:p>
+          <a:p>
             <a:r>
-              <a:rPr lang="en-US" sz="2900" dirty="0"/>
-              <a:t>Collection: </a:t>
+              <a:rPr lang="it-IT" dirty="0"/>
+              <a:t>Router/</a:t>
             </a:r>
             <a:r>
-              <a:rPr lang="en-US" sz="2900" dirty="0" err="1"/>
-              <a:t>trust_word</a:t>
+              <a:rPr lang="it-IT" dirty="0" err="1"/>
+              <a:t>balancer</a:t>
             </a:r>
-            <a:endParaRPr lang="en-US" sz="2900" dirty="0"/>
+            <a:endParaRPr lang="it-IT" dirty="0"/>
+          </a:p>
+          <a:p>
+            <a:r>
+              <a:rPr lang="it-IT" dirty="0"/>
+              <a:t>Interfaccia alle applicazioni client;</a:t>
+            </a:r>
+          </a:p>
+          <a:p>
+            <a:r>
+              <a:rPr lang="it-IT" dirty="0"/>
+              <a:t>Le applicazioni esterne non devono preoccuparsi dell’architettura del sistema, ma possono solamente connettersi a questo nodo come se fosse un semplice database </a:t>
+            </a:r>
+            <a:r>
+              <a:rPr lang="it-IT" dirty="0" err="1"/>
+              <a:t>MongoDB</a:t>
+            </a:r>
+            <a:r>
+              <a:rPr lang="it-IT" dirty="0"/>
+              <a:t>;</a:t>
+            </a:r>
+          </a:p>
+          <a:p>
+            <a:r>
+              <a:rPr lang="it-IT" dirty="0"/>
+              <a:t>Tutte le query e le operazioni di scrittura vengono quindi inviate ai nodi router, che le smistano al cluster. </a:t>
+            </a:r>
           </a:p>
         </p:txBody>
       </p:sp>
       <p:pic>
         <p:nvPicPr>
-          <p:cNvPr id="21" name="Segnaposto contenuto 3">
+          <p:cNvPr id="12" name="Segnaposto contenuto 11" descr="Immagine che contiene screenshot&#10;&#10;Descrizione generata automaticamente">
             <a:extLst>
               <a:ext uri="{FF2B5EF4-FFF2-40B4-BE49-F238E27FC236}">
-                <a16:creationId xmlns:a16="http://schemas.microsoft.com/office/drawing/2014/main" id="{299DD200-573C-4166-822A-5452B770FC87}"/>
+                <a16:creationId xmlns:a16="http://schemas.microsoft.com/office/drawing/2014/main" id="{7EE92B48-E685-45D9-9C15-8AD5087C0745}"/>
               </a:ext>
             </a:extLst>
           </p:cNvPr>
@@ -27270,25 +27560,28 @@
           </p:nvPr>
         </p:nvPicPr>
         <p:blipFill>
-          <a:blip r:embed="rId2"/>
+          <a:blip r:embed="rId2">
+            <a:extLst>
+              <a:ext uri="{28A0092B-C50C-407E-A947-70E740481C1C}">
+                <a14:useLocalDpi xmlns:a14="http://schemas.microsoft.com/office/drawing/2010/main" val="0"/>
+              </a:ext>
+            </a:extLst>
+          </a:blip>
           <a:stretch>
             <a:fillRect/>
           </a:stretch>
         </p:blipFill>
         <p:spPr>
           <a:xfrm>
-            <a:off x="2280116" y="1452547"/>
-            <a:ext cx="7649490" cy="4130723"/>
+            <a:off x="677333" y="3584723"/>
+            <a:ext cx="8596312" cy="2685756"/>
           </a:xfrm>
-          <a:prstGeom prst="rect">
-            <a:avLst/>
-          </a:prstGeom>
         </p:spPr>
       </p:pic>
     </p:spTree>
     <p:extLst>
       <p:ext uri="{BB962C8B-B14F-4D97-AF65-F5344CB8AC3E}">
-        <p14:creationId xmlns:p14="http://schemas.microsoft.com/office/powerpoint/2010/main" val="3118941891"/>
+        <p14:creationId xmlns:p14="http://schemas.microsoft.com/office/powerpoint/2010/main" val="3333468010"/>
       </p:ext>
     </p:extLst>
   </p:cSld>
@@ -28802,6 +29095,926 @@
       </p:grpSpPr>
       <p:sp>
         <p:nvSpPr>
+          <p:cNvPr id="2" name="Titolo 1">
+            <a:extLst>
+              <a:ext uri="{FF2B5EF4-FFF2-40B4-BE49-F238E27FC236}">
+                <a16:creationId xmlns:a16="http://schemas.microsoft.com/office/drawing/2014/main" id="{1CCC7909-F4E5-4F14-B4B7-8E9E0A164BDB}"/>
+              </a:ext>
+            </a:extLst>
+          </p:cNvPr>
+          <p:cNvSpPr>
+            <a:spLocks noGrp="1"/>
+          </p:cNvSpPr>
+          <p:nvPr>
+            <p:ph type="title"/>
+          </p:nvPr>
+        </p:nvSpPr>
+        <p:spPr>
+          <a:xfrm>
+            <a:off x="677333" y="609600"/>
+            <a:ext cx="9066741" cy="1320800"/>
+          </a:xfrm>
+        </p:spPr>
+        <p:txBody>
+          <a:bodyPr/>
+          <a:lstStyle/>
+          <a:p>
+            <a:r>
+              <a:rPr lang="it-IT" dirty="0"/>
+              <a:t>CLUSTER ARCHITECTURE (2)</a:t>
+            </a:r>
+          </a:p>
+        </p:txBody>
+      </p:sp>
+      <p:sp>
+        <p:nvSpPr>
+          <p:cNvPr id="7" name="Segnaposto contenuto 2">
+            <a:extLst>
+              <a:ext uri="{FF2B5EF4-FFF2-40B4-BE49-F238E27FC236}">
+                <a16:creationId xmlns:a16="http://schemas.microsoft.com/office/drawing/2014/main" id="{FB0109D0-4977-490B-BDFD-2FAD23CCB813}"/>
+              </a:ext>
+            </a:extLst>
+          </p:cNvPr>
+          <p:cNvSpPr txBox="1">
+            <a:spLocks/>
+          </p:cNvSpPr>
+          <p:nvPr/>
+        </p:nvSpPr>
+        <p:spPr>
+          <a:xfrm>
+            <a:off x="760808" y="1416006"/>
+            <a:ext cx="8038012" cy="2146638"/>
+          </a:xfrm>
+          <a:prstGeom prst="rect">
+            <a:avLst/>
+          </a:prstGeom>
+        </p:spPr>
+        <p:txBody>
+          <a:bodyPr vert="horz" lIns="91440" tIns="45720" rIns="91440" bIns="45720" rtlCol="0">
+            <a:normAutofit fontScale="92500"/>
+          </a:bodyPr>
+          <a:lstStyle>
+            <a:lvl1pPr marL="342900" indent="-342900" algn="l" defTabSz="457200" rtl="0" eaLnBrk="1" latinLnBrk="0" hangingPunct="1">
+              <a:spcBef>
+                <a:spcPts val="1000"/>
+              </a:spcBef>
+              <a:spcAft>
+                <a:spcPts val="0"/>
+              </a:spcAft>
+              <a:buClr>
+                <a:schemeClr val="accent1"/>
+              </a:buClr>
+              <a:buSzPct val="80000"/>
+              <a:buFont typeface="Wingdings 3" charset="2"/>
+              <a:buChar char=""/>
+              <a:defRPr sz="1800" kern="1200">
+                <a:solidFill>
+                  <a:schemeClr val="tx1">
+                    <a:lumMod val="75000"/>
+                    <a:lumOff val="25000"/>
+                  </a:schemeClr>
+                </a:solidFill>
+                <a:latin typeface="+mn-lt"/>
+                <a:ea typeface="+mn-ea"/>
+                <a:cs typeface="+mn-cs"/>
+              </a:defRPr>
+            </a:lvl1pPr>
+            <a:lvl2pPr marL="742950" indent="-285750" algn="l" defTabSz="457200" rtl="0" eaLnBrk="1" latinLnBrk="0" hangingPunct="1">
+              <a:spcBef>
+                <a:spcPts val="1000"/>
+              </a:spcBef>
+              <a:spcAft>
+                <a:spcPts val="0"/>
+              </a:spcAft>
+              <a:buClr>
+                <a:schemeClr val="accent1"/>
+              </a:buClr>
+              <a:buSzPct val="80000"/>
+              <a:buFont typeface="Wingdings 3" charset="2"/>
+              <a:buChar char=""/>
+              <a:defRPr sz="1600" kern="1200">
+                <a:solidFill>
+                  <a:schemeClr val="tx1">
+                    <a:lumMod val="75000"/>
+                    <a:lumOff val="25000"/>
+                  </a:schemeClr>
+                </a:solidFill>
+                <a:latin typeface="+mn-lt"/>
+                <a:ea typeface="+mn-ea"/>
+                <a:cs typeface="+mn-cs"/>
+              </a:defRPr>
+            </a:lvl2pPr>
+            <a:lvl3pPr marL="1143000" indent="-228600" algn="l" defTabSz="457200" rtl="0" eaLnBrk="1" latinLnBrk="0" hangingPunct="1">
+              <a:spcBef>
+                <a:spcPts val="1000"/>
+              </a:spcBef>
+              <a:spcAft>
+                <a:spcPts val="0"/>
+              </a:spcAft>
+              <a:buClr>
+                <a:schemeClr val="accent1"/>
+              </a:buClr>
+              <a:buSzPct val="80000"/>
+              <a:buFont typeface="Wingdings 3" charset="2"/>
+              <a:buChar char=""/>
+              <a:defRPr sz="1400" kern="1200">
+                <a:solidFill>
+                  <a:schemeClr val="tx1">
+                    <a:lumMod val="75000"/>
+                    <a:lumOff val="25000"/>
+                  </a:schemeClr>
+                </a:solidFill>
+                <a:latin typeface="+mn-lt"/>
+                <a:ea typeface="+mn-ea"/>
+                <a:cs typeface="+mn-cs"/>
+              </a:defRPr>
+            </a:lvl3pPr>
+            <a:lvl4pPr marL="1600200" indent="-228600" algn="l" defTabSz="457200" rtl="0" eaLnBrk="1" latinLnBrk="0" hangingPunct="1">
+              <a:spcBef>
+                <a:spcPts val="1000"/>
+              </a:spcBef>
+              <a:spcAft>
+                <a:spcPts val="0"/>
+              </a:spcAft>
+              <a:buClr>
+                <a:schemeClr val="accent1"/>
+              </a:buClr>
+              <a:buSzPct val="80000"/>
+              <a:buFont typeface="Wingdings 3" charset="2"/>
+              <a:buChar char=""/>
+              <a:defRPr sz="1200" kern="1200">
+                <a:solidFill>
+                  <a:schemeClr val="tx1">
+                    <a:lumMod val="75000"/>
+                    <a:lumOff val="25000"/>
+                  </a:schemeClr>
+                </a:solidFill>
+                <a:latin typeface="+mn-lt"/>
+                <a:ea typeface="+mn-ea"/>
+                <a:cs typeface="+mn-cs"/>
+              </a:defRPr>
+            </a:lvl4pPr>
+            <a:lvl5pPr marL="2057400" indent="-228600" algn="l" defTabSz="457200" rtl="0" eaLnBrk="1" latinLnBrk="0" hangingPunct="1">
+              <a:spcBef>
+                <a:spcPts val="1000"/>
+              </a:spcBef>
+              <a:spcAft>
+                <a:spcPts val="0"/>
+              </a:spcAft>
+              <a:buClr>
+                <a:schemeClr val="accent1"/>
+              </a:buClr>
+              <a:buSzPct val="80000"/>
+              <a:buFont typeface="Wingdings 3" charset="2"/>
+              <a:buChar char=""/>
+              <a:defRPr sz="1200" kern="1200">
+                <a:solidFill>
+                  <a:schemeClr val="tx1">
+                    <a:lumMod val="75000"/>
+                    <a:lumOff val="25000"/>
+                  </a:schemeClr>
+                </a:solidFill>
+                <a:latin typeface="+mn-lt"/>
+                <a:ea typeface="+mn-ea"/>
+                <a:cs typeface="+mn-cs"/>
+              </a:defRPr>
+            </a:lvl5pPr>
+            <a:lvl6pPr marL="2514600" indent="-228600" algn="l" defTabSz="457200" rtl="0" eaLnBrk="1" latinLnBrk="0" hangingPunct="1">
+              <a:spcBef>
+                <a:spcPts val="1000"/>
+              </a:spcBef>
+              <a:spcAft>
+                <a:spcPts val="0"/>
+              </a:spcAft>
+              <a:buClr>
+                <a:schemeClr val="accent1"/>
+              </a:buClr>
+              <a:buSzPct val="80000"/>
+              <a:buFont typeface="Wingdings 3" charset="2"/>
+              <a:buChar char=""/>
+              <a:defRPr sz="1200" kern="1200">
+                <a:solidFill>
+                  <a:schemeClr val="tx1">
+                    <a:lumMod val="75000"/>
+                    <a:lumOff val="25000"/>
+                  </a:schemeClr>
+                </a:solidFill>
+                <a:latin typeface="+mn-lt"/>
+                <a:ea typeface="+mn-ea"/>
+                <a:cs typeface="+mn-cs"/>
+              </a:defRPr>
+            </a:lvl6pPr>
+            <a:lvl7pPr marL="2971800" indent="-228600" algn="l" defTabSz="457200" rtl="0" eaLnBrk="1" latinLnBrk="0" hangingPunct="1">
+              <a:spcBef>
+                <a:spcPts val="1000"/>
+              </a:spcBef>
+              <a:spcAft>
+                <a:spcPts val="0"/>
+              </a:spcAft>
+              <a:buClr>
+                <a:schemeClr val="accent1"/>
+              </a:buClr>
+              <a:buSzPct val="80000"/>
+              <a:buFont typeface="Wingdings 3" charset="2"/>
+              <a:buChar char=""/>
+              <a:defRPr sz="1200" kern="1200">
+                <a:solidFill>
+                  <a:schemeClr val="tx1">
+                    <a:lumMod val="75000"/>
+                    <a:lumOff val="25000"/>
+                  </a:schemeClr>
+                </a:solidFill>
+                <a:latin typeface="+mn-lt"/>
+                <a:ea typeface="+mn-ea"/>
+                <a:cs typeface="+mn-cs"/>
+              </a:defRPr>
+            </a:lvl7pPr>
+            <a:lvl8pPr marL="3429000" indent="-228600" algn="l" defTabSz="457200" rtl="0" eaLnBrk="1" latinLnBrk="0" hangingPunct="1">
+              <a:spcBef>
+                <a:spcPts val="1000"/>
+              </a:spcBef>
+              <a:spcAft>
+                <a:spcPts val="0"/>
+              </a:spcAft>
+              <a:buClr>
+                <a:schemeClr val="accent1"/>
+              </a:buClr>
+              <a:buSzPct val="80000"/>
+              <a:buFont typeface="Wingdings 3" charset="2"/>
+              <a:buChar char=""/>
+              <a:defRPr sz="1200" kern="1200">
+                <a:solidFill>
+                  <a:schemeClr val="tx1">
+                    <a:lumMod val="75000"/>
+                    <a:lumOff val="25000"/>
+                  </a:schemeClr>
+                </a:solidFill>
+                <a:latin typeface="+mn-lt"/>
+                <a:ea typeface="+mn-ea"/>
+                <a:cs typeface="+mn-cs"/>
+              </a:defRPr>
+            </a:lvl8pPr>
+            <a:lvl9pPr marL="3886200" indent="-228600" algn="l" defTabSz="457200" rtl="0" eaLnBrk="1" latinLnBrk="0" hangingPunct="1">
+              <a:spcBef>
+                <a:spcPts val="1000"/>
+              </a:spcBef>
+              <a:spcAft>
+                <a:spcPts val="0"/>
+              </a:spcAft>
+              <a:buClr>
+                <a:schemeClr val="accent1"/>
+              </a:buClr>
+              <a:buSzPct val="80000"/>
+              <a:buFont typeface="Wingdings 3" charset="2"/>
+              <a:buChar char=""/>
+              <a:defRPr sz="1200" kern="1200">
+                <a:solidFill>
+                  <a:schemeClr val="tx1">
+                    <a:lumMod val="75000"/>
+                    <a:lumOff val="25000"/>
+                  </a:schemeClr>
+                </a:solidFill>
+                <a:latin typeface="+mn-lt"/>
+                <a:ea typeface="+mn-ea"/>
+                <a:cs typeface="+mn-cs"/>
+              </a:defRPr>
+            </a:lvl9pPr>
+          </a:lstStyle>
+          <a:p>
+            <a:pPr marL="0" indent="0">
+              <a:buNone/>
+            </a:pPr>
+            <a:r>
+              <a:rPr lang="it-IT" dirty="0"/>
+              <a:t>CONFIG SERVERS (MONGOD)</a:t>
+            </a:r>
+          </a:p>
+          <a:p>
+            <a:r>
+              <a:rPr lang="it-IT" dirty="0"/>
+              <a:t>Contiene informazioni sull’architettura del cluster;</a:t>
+            </a:r>
+          </a:p>
+          <a:p>
+            <a:r>
+              <a:rPr lang="it-IT" dirty="0"/>
+              <a:t>Si occupa della distribuzione, del reperimento dei dati e dello smistamento delle operazioni (a quale nodo inviare le richieste di lettura e di scrittura) </a:t>
+            </a:r>
+          </a:p>
+          <a:p>
+            <a:r>
+              <a:rPr lang="it-IT" sz="1300" dirty="0"/>
+              <a:t>Nota: per le architetture di produzione, si raccomanda di utilizzarne almeno tre nodi di tipo </a:t>
+            </a:r>
+            <a:r>
+              <a:rPr lang="it-IT" sz="1300" dirty="0" err="1"/>
+              <a:t>config</a:t>
+            </a:r>
+            <a:r>
+              <a:rPr lang="it-IT" sz="1300" dirty="0"/>
+              <a:t> servers. Utilizzarne uno solo è infatti un pericolo, perché in caso di guasto tutto il cluster diventa inutilizzabile.</a:t>
+            </a:r>
+          </a:p>
+        </p:txBody>
+      </p:sp>
+      <p:pic>
+        <p:nvPicPr>
+          <p:cNvPr id="6" name="Segnaposto contenuto 5" descr="Immagine che contiene screenshot&#10;&#10;Descrizione generata automaticamente">
+            <a:extLst>
+              <a:ext uri="{FF2B5EF4-FFF2-40B4-BE49-F238E27FC236}">
+                <a16:creationId xmlns:a16="http://schemas.microsoft.com/office/drawing/2014/main" id="{C126CA9C-4DE6-42A3-AC65-117E896D62C9}"/>
+              </a:ext>
+            </a:extLst>
+          </p:cNvPr>
+          <p:cNvPicPr>
+            <a:picLocks noGrp="1" noChangeAspect="1"/>
+          </p:cNvPicPr>
+          <p:nvPr>
+            <p:ph idx="1"/>
+          </p:nvPr>
+        </p:nvPicPr>
+        <p:blipFill>
+          <a:blip r:embed="rId2">
+            <a:extLst>
+              <a:ext uri="{28A0092B-C50C-407E-A947-70E740481C1C}">
+                <a14:useLocalDpi xmlns:a14="http://schemas.microsoft.com/office/drawing/2010/main" val="0"/>
+              </a:ext>
+            </a:extLst>
+          </a:blip>
+          <a:stretch>
+            <a:fillRect/>
+          </a:stretch>
+        </p:blipFill>
+        <p:spPr>
+          <a:xfrm>
+            <a:off x="677333" y="3584723"/>
+            <a:ext cx="8596312" cy="2685756"/>
+          </a:xfrm>
+        </p:spPr>
+      </p:pic>
+    </p:spTree>
+    <p:extLst>
+      <p:ext uri="{BB962C8B-B14F-4D97-AF65-F5344CB8AC3E}">
+        <p14:creationId xmlns:p14="http://schemas.microsoft.com/office/powerpoint/2010/main" val="3696859126"/>
+      </p:ext>
+    </p:extLst>
+  </p:cSld>
+  <p:clrMapOvr>
+    <a:masterClrMapping/>
+  </p:clrMapOvr>
+</p:sld>
+</file>
+
+<file path=ppt/slides/slide21.xml><?xml version="1.0" encoding="utf-8"?>
+<p:sld xmlns:a="http://schemas.openxmlformats.org/drawingml/2006/main" xmlns:r="http://schemas.openxmlformats.org/officeDocument/2006/relationships" xmlns:p="http://schemas.openxmlformats.org/presentationml/2006/main">
+  <p:cSld>
+    <p:spTree>
+      <p:nvGrpSpPr>
+        <p:cNvPr id="1" name=""/>
+        <p:cNvGrpSpPr/>
+        <p:nvPr/>
+      </p:nvGrpSpPr>
+      <p:grpSpPr>
+        <a:xfrm>
+          <a:off x="0" y="0"/>
+          <a:ext cx="0" cy="0"/>
+          <a:chOff x="0" y="0"/>
+          <a:chExt cx="0" cy="0"/>
+        </a:xfrm>
+      </p:grpSpPr>
+      <p:sp>
+        <p:nvSpPr>
+          <p:cNvPr id="2" name="Titolo 1">
+            <a:extLst>
+              <a:ext uri="{FF2B5EF4-FFF2-40B4-BE49-F238E27FC236}">
+                <a16:creationId xmlns:a16="http://schemas.microsoft.com/office/drawing/2014/main" id="{1CCC7909-F4E5-4F14-B4B7-8E9E0A164BDB}"/>
+              </a:ext>
+            </a:extLst>
+          </p:cNvPr>
+          <p:cNvSpPr>
+            <a:spLocks noGrp="1"/>
+          </p:cNvSpPr>
+          <p:nvPr>
+            <p:ph type="title"/>
+          </p:nvPr>
+        </p:nvSpPr>
+        <p:spPr>
+          <a:xfrm>
+            <a:off x="677333" y="609600"/>
+            <a:ext cx="9066741" cy="1320800"/>
+          </a:xfrm>
+        </p:spPr>
+        <p:txBody>
+          <a:bodyPr/>
+          <a:lstStyle/>
+          <a:p>
+            <a:r>
+              <a:rPr lang="it-IT" dirty="0"/>
+              <a:t>CLUSTER ARCHITECTURE (3)</a:t>
+            </a:r>
+          </a:p>
+        </p:txBody>
+      </p:sp>
+      <p:sp>
+        <p:nvSpPr>
+          <p:cNvPr id="7" name="Segnaposto contenuto 2">
+            <a:extLst>
+              <a:ext uri="{FF2B5EF4-FFF2-40B4-BE49-F238E27FC236}">
+                <a16:creationId xmlns:a16="http://schemas.microsoft.com/office/drawing/2014/main" id="{FB0109D0-4977-490B-BDFD-2FAD23CCB813}"/>
+              </a:ext>
+            </a:extLst>
+          </p:cNvPr>
+          <p:cNvSpPr txBox="1">
+            <a:spLocks/>
+          </p:cNvSpPr>
+          <p:nvPr/>
+        </p:nvSpPr>
+        <p:spPr>
+          <a:xfrm>
+            <a:off x="760808" y="1416006"/>
+            <a:ext cx="8038012" cy="2146638"/>
+          </a:xfrm>
+          <a:prstGeom prst="rect">
+            <a:avLst/>
+          </a:prstGeom>
+        </p:spPr>
+        <p:txBody>
+          <a:bodyPr vert="horz" lIns="91440" tIns="45720" rIns="91440" bIns="45720" rtlCol="0">
+            <a:normAutofit/>
+          </a:bodyPr>
+          <a:lstStyle>
+            <a:lvl1pPr marL="342900" indent="-342900" algn="l" defTabSz="457200" rtl="0" eaLnBrk="1" latinLnBrk="0" hangingPunct="1">
+              <a:spcBef>
+                <a:spcPts val="1000"/>
+              </a:spcBef>
+              <a:spcAft>
+                <a:spcPts val="0"/>
+              </a:spcAft>
+              <a:buClr>
+                <a:schemeClr val="accent1"/>
+              </a:buClr>
+              <a:buSzPct val="80000"/>
+              <a:buFont typeface="Wingdings 3" charset="2"/>
+              <a:buChar char=""/>
+              <a:defRPr sz="1800" kern="1200">
+                <a:solidFill>
+                  <a:schemeClr val="tx1">
+                    <a:lumMod val="75000"/>
+                    <a:lumOff val="25000"/>
+                  </a:schemeClr>
+                </a:solidFill>
+                <a:latin typeface="+mn-lt"/>
+                <a:ea typeface="+mn-ea"/>
+                <a:cs typeface="+mn-cs"/>
+              </a:defRPr>
+            </a:lvl1pPr>
+            <a:lvl2pPr marL="742950" indent="-285750" algn="l" defTabSz="457200" rtl="0" eaLnBrk="1" latinLnBrk="0" hangingPunct="1">
+              <a:spcBef>
+                <a:spcPts val="1000"/>
+              </a:spcBef>
+              <a:spcAft>
+                <a:spcPts val="0"/>
+              </a:spcAft>
+              <a:buClr>
+                <a:schemeClr val="accent1"/>
+              </a:buClr>
+              <a:buSzPct val="80000"/>
+              <a:buFont typeface="Wingdings 3" charset="2"/>
+              <a:buChar char=""/>
+              <a:defRPr sz="1600" kern="1200">
+                <a:solidFill>
+                  <a:schemeClr val="tx1">
+                    <a:lumMod val="75000"/>
+                    <a:lumOff val="25000"/>
+                  </a:schemeClr>
+                </a:solidFill>
+                <a:latin typeface="+mn-lt"/>
+                <a:ea typeface="+mn-ea"/>
+                <a:cs typeface="+mn-cs"/>
+              </a:defRPr>
+            </a:lvl2pPr>
+            <a:lvl3pPr marL="1143000" indent="-228600" algn="l" defTabSz="457200" rtl="0" eaLnBrk="1" latinLnBrk="0" hangingPunct="1">
+              <a:spcBef>
+                <a:spcPts val="1000"/>
+              </a:spcBef>
+              <a:spcAft>
+                <a:spcPts val="0"/>
+              </a:spcAft>
+              <a:buClr>
+                <a:schemeClr val="accent1"/>
+              </a:buClr>
+              <a:buSzPct val="80000"/>
+              <a:buFont typeface="Wingdings 3" charset="2"/>
+              <a:buChar char=""/>
+              <a:defRPr sz="1400" kern="1200">
+                <a:solidFill>
+                  <a:schemeClr val="tx1">
+                    <a:lumMod val="75000"/>
+                    <a:lumOff val="25000"/>
+                  </a:schemeClr>
+                </a:solidFill>
+                <a:latin typeface="+mn-lt"/>
+                <a:ea typeface="+mn-ea"/>
+                <a:cs typeface="+mn-cs"/>
+              </a:defRPr>
+            </a:lvl3pPr>
+            <a:lvl4pPr marL="1600200" indent="-228600" algn="l" defTabSz="457200" rtl="0" eaLnBrk="1" latinLnBrk="0" hangingPunct="1">
+              <a:spcBef>
+                <a:spcPts val="1000"/>
+              </a:spcBef>
+              <a:spcAft>
+                <a:spcPts val="0"/>
+              </a:spcAft>
+              <a:buClr>
+                <a:schemeClr val="accent1"/>
+              </a:buClr>
+              <a:buSzPct val="80000"/>
+              <a:buFont typeface="Wingdings 3" charset="2"/>
+              <a:buChar char=""/>
+              <a:defRPr sz="1200" kern="1200">
+                <a:solidFill>
+                  <a:schemeClr val="tx1">
+                    <a:lumMod val="75000"/>
+                    <a:lumOff val="25000"/>
+                  </a:schemeClr>
+                </a:solidFill>
+                <a:latin typeface="+mn-lt"/>
+                <a:ea typeface="+mn-ea"/>
+                <a:cs typeface="+mn-cs"/>
+              </a:defRPr>
+            </a:lvl4pPr>
+            <a:lvl5pPr marL="2057400" indent="-228600" algn="l" defTabSz="457200" rtl="0" eaLnBrk="1" latinLnBrk="0" hangingPunct="1">
+              <a:spcBef>
+                <a:spcPts val="1000"/>
+              </a:spcBef>
+              <a:spcAft>
+                <a:spcPts val="0"/>
+              </a:spcAft>
+              <a:buClr>
+                <a:schemeClr val="accent1"/>
+              </a:buClr>
+              <a:buSzPct val="80000"/>
+              <a:buFont typeface="Wingdings 3" charset="2"/>
+              <a:buChar char=""/>
+              <a:defRPr sz="1200" kern="1200">
+                <a:solidFill>
+                  <a:schemeClr val="tx1">
+                    <a:lumMod val="75000"/>
+                    <a:lumOff val="25000"/>
+                  </a:schemeClr>
+                </a:solidFill>
+                <a:latin typeface="+mn-lt"/>
+                <a:ea typeface="+mn-ea"/>
+                <a:cs typeface="+mn-cs"/>
+              </a:defRPr>
+            </a:lvl5pPr>
+            <a:lvl6pPr marL="2514600" indent="-228600" algn="l" defTabSz="457200" rtl="0" eaLnBrk="1" latinLnBrk="0" hangingPunct="1">
+              <a:spcBef>
+                <a:spcPts val="1000"/>
+              </a:spcBef>
+              <a:spcAft>
+                <a:spcPts val="0"/>
+              </a:spcAft>
+              <a:buClr>
+                <a:schemeClr val="accent1"/>
+              </a:buClr>
+              <a:buSzPct val="80000"/>
+              <a:buFont typeface="Wingdings 3" charset="2"/>
+              <a:buChar char=""/>
+              <a:defRPr sz="1200" kern="1200">
+                <a:solidFill>
+                  <a:schemeClr val="tx1">
+                    <a:lumMod val="75000"/>
+                    <a:lumOff val="25000"/>
+                  </a:schemeClr>
+                </a:solidFill>
+                <a:latin typeface="+mn-lt"/>
+                <a:ea typeface="+mn-ea"/>
+                <a:cs typeface="+mn-cs"/>
+              </a:defRPr>
+            </a:lvl6pPr>
+            <a:lvl7pPr marL="2971800" indent="-228600" algn="l" defTabSz="457200" rtl="0" eaLnBrk="1" latinLnBrk="0" hangingPunct="1">
+              <a:spcBef>
+                <a:spcPts val="1000"/>
+              </a:spcBef>
+              <a:spcAft>
+                <a:spcPts val="0"/>
+              </a:spcAft>
+              <a:buClr>
+                <a:schemeClr val="accent1"/>
+              </a:buClr>
+              <a:buSzPct val="80000"/>
+              <a:buFont typeface="Wingdings 3" charset="2"/>
+              <a:buChar char=""/>
+              <a:defRPr sz="1200" kern="1200">
+                <a:solidFill>
+                  <a:schemeClr val="tx1">
+                    <a:lumMod val="75000"/>
+                    <a:lumOff val="25000"/>
+                  </a:schemeClr>
+                </a:solidFill>
+                <a:latin typeface="+mn-lt"/>
+                <a:ea typeface="+mn-ea"/>
+                <a:cs typeface="+mn-cs"/>
+              </a:defRPr>
+            </a:lvl7pPr>
+            <a:lvl8pPr marL="3429000" indent="-228600" algn="l" defTabSz="457200" rtl="0" eaLnBrk="1" latinLnBrk="0" hangingPunct="1">
+              <a:spcBef>
+                <a:spcPts val="1000"/>
+              </a:spcBef>
+              <a:spcAft>
+                <a:spcPts val="0"/>
+              </a:spcAft>
+              <a:buClr>
+                <a:schemeClr val="accent1"/>
+              </a:buClr>
+              <a:buSzPct val="80000"/>
+              <a:buFont typeface="Wingdings 3" charset="2"/>
+              <a:buChar char=""/>
+              <a:defRPr sz="1200" kern="1200">
+                <a:solidFill>
+                  <a:schemeClr val="tx1">
+                    <a:lumMod val="75000"/>
+                    <a:lumOff val="25000"/>
+                  </a:schemeClr>
+                </a:solidFill>
+                <a:latin typeface="+mn-lt"/>
+                <a:ea typeface="+mn-ea"/>
+                <a:cs typeface="+mn-cs"/>
+              </a:defRPr>
+            </a:lvl8pPr>
+            <a:lvl9pPr marL="3886200" indent="-228600" algn="l" defTabSz="457200" rtl="0" eaLnBrk="1" latinLnBrk="0" hangingPunct="1">
+              <a:spcBef>
+                <a:spcPts val="1000"/>
+              </a:spcBef>
+              <a:spcAft>
+                <a:spcPts val="0"/>
+              </a:spcAft>
+              <a:buClr>
+                <a:schemeClr val="accent1"/>
+              </a:buClr>
+              <a:buSzPct val="80000"/>
+              <a:buFont typeface="Wingdings 3" charset="2"/>
+              <a:buChar char=""/>
+              <a:defRPr sz="1200" kern="1200">
+                <a:solidFill>
+                  <a:schemeClr val="tx1">
+                    <a:lumMod val="75000"/>
+                    <a:lumOff val="25000"/>
+                  </a:schemeClr>
+                </a:solidFill>
+                <a:latin typeface="+mn-lt"/>
+                <a:ea typeface="+mn-ea"/>
+                <a:cs typeface="+mn-cs"/>
+              </a:defRPr>
+            </a:lvl9pPr>
+          </a:lstStyle>
+          <a:p>
+            <a:pPr marL="0" indent="0">
+              <a:buNone/>
+            </a:pPr>
+            <a:r>
+              <a:rPr lang="it-IT" dirty="0"/>
+              <a:t>SHARD (MONGOD)</a:t>
+            </a:r>
+          </a:p>
+          <a:p>
+            <a:r>
+              <a:rPr lang="it-IT" dirty="0"/>
+              <a:t>nodo di un cluster</a:t>
+            </a:r>
+          </a:p>
+          <a:p>
+            <a:r>
+              <a:rPr lang="it-IT" dirty="0"/>
+              <a:t>può essere un singolo </a:t>
+            </a:r>
+            <a:r>
+              <a:rPr lang="it-IT" dirty="0" err="1"/>
+              <a:t>mongod</a:t>
+            </a:r>
+            <a:r>
+              <a:rPr lang="it-IT" dirty="0"/>
+              <a:t> oppure un Replica Set</a:t>
+            </a:r>
+          </a:p>
+        </p:txBody>
+      </p:sp>
+      <p:pic>
+        <p:nvPicPr>
+          <p:cNvPr id="4" name="Immagine 3" descr="Immagine che contiene screenshot&#10;&#10;Descrizione generata automaticamente">
+            <a:extLst>
+              <a:ext uri="{FF2B5EF4-FFF2-40B4-BE49-F238E27FC236}">
+                <a16:creationId xmlns:a16="http://schemas.microsoft.com/office/drawing/2014/main" id="{08DF0A3B-C9D9-496F-9231-FE55369EF751}"/>
+              </a:ext>
+            </a:extLst>
+          </p:cNvPr>
+          <p:cNvPicPr>
+            <a:picLocks noChangeAspect="1"/>
+          </p:cNvPicPr>
+          <p:nvPr/>
+        </p:nvPicPr>
+        <p:blipFill>
+          <a:blip r:embed="rId2">
+            <a:extLst>
+              <a:ext uri="{28A0092B-C50C-407E-A947-70E740481C1C}">
+                <a14:useLocalDpi xmlns:a14="http://schemas.microsoft.com/office/drawing/2010/main" val="0"/>
+              </a:ext>
+            </a:extLst>
+          </a:blip>
+          <a:stretch>
+            <a:fillRect/>
+          </a:stretch>
+        </p:blipFill>
+        <p:spPr>
+          <a:xfrm>
+            <a:off x="566737" y="3543300"/>
+            <a:ext cx="8658225" cy="2705100"/>
+          </a:xfrm>
+          <a:prstGeom prst="rect">
+            <a:avLst/>
+          </a:prstGeom>
+        </p:spPr>
+      </p:pic>
+      <p:pic>
+        <p:nvPicPr>
+          <p:cNvPr id="9" name="Immagine 8">
+            <a:extLst>
+              <a:ext uri="{FF2B5EF4-FFF2-40B4-BE49-F238E27FC236}">
+                <a16:creationId xmlns:a16="http://schemas.microsoft.com/office/drawing/2014/main" id="{89A7734A-669C-4CA1-BCDF-1D0056AB915F}"/>
+              </a:ext>
+            </a:extLst>
+          </p:cNvPr>
+          <p:cNvPicPr>
+            <a:picLocks noChangeAspect="1"/>
+          </p:cNvPicPr>
+          <p:nvPr/>
+        </p:nvPicPr>
+        <p:blipFill>
+          <a:blip r:embed="rId3"/>
+          <a:stretch>
+            <a:fillRect/>
+          </a:stretch>
+        </p:blipFill>
+        <p:spPr>
+          <a:xfrm>
+            <a:off x="6779678" y="1647825"/>
+            <a:ext cx="2894810" cy="1320800"/>
+          </a:xfrm>
+          <a:prstGeom prst="rect">
+            <a:avLst/>
+          </a:prstGeom>
+        </p:spPr>
+      </p:pic>
+    </p:spTree>
+    <p:extLst>
+      <p:ext uri="{BB962C8B-B14F-4D97-AF65-F5344CB8AC3E}">
+        <p14:creationId xmlns:p14="http://schemas.microsoft.com/office/powerpoint/2010/main" val="2845400937"/>
+      </p:ext>
+    </p:extLst>
+  </p:cSld>
+  <p:clrMapOvr>
+    <a:masterClrMapping/>
+  </p:clrMapOvr>
+</p:sld>
+</file>
+
+<file path=ppt/slides/slide22.xml><?xml version="1.0" encoding="utf-8"?>
+<p:sld xmlns:a="http://schemas.openxmlformats.org/drawingml/2006/main" xmlns:r="http://schemas.openxmlformats.org/officeDocument/2006/relationships" xmlns:p="http://schemas.openxmlformats.org/presentationml/2006/main">
+  <p:cSld>
+    <p:spTree>
+      <p:nvGrpSpPr>
+        <p:cNvPr id="1" name=""/>
+        <p:cNvGrpSpPr/>
+        <p:nvPr/>
+      </p:nvGrpSpPr>
+      <p:grpSpPr>
+        <a:xfrm>
+          <a:off x="0" y="0"/>
+          <a:ext cx="0" cy="0"/>
+          <a:chOff x="0" y="0"/>
+          <a:chExt cx="0" cy="0"/>
+        </a:xfrm>
+      </p:grpSpPr>
+      <p:sp>
+        <p:nvSpPr>
+          <p:cNvPr id="19" name="Titolo 1">
+            <a:extLst>
+              <a:ext uri="{FF2B5EF4-FFF2-40B4-BE49-F238E27FC236}">
+                <a16:creationId xmlns:a16="http://schemas.microsoft.com/office/drawing/2014/main" id="{67C21EC9-5590-42DF-B26E-94517D1F2268}"/>
+              </a:ext>
+            </a:extLst>
+          </p:cNvPr>
+          <p:cNvSpPr>
+            <a:spLocks noGrp="1"/>
+          </p:cNvSpPr>
+          <p:nvPr>
+            <p:ph type="title"/>
+          </p:nvPr>
+        </p:nvSpPr>
+        <p:spPr>
+          <a:xfrm>
+            <a:off x="1057080" y="318044"/>
+            <a:ext cx="10071536" cy="1134503"/>
+          </a:xfrm>
+        </p:spPr>
+        <p:txBody>
+          <a:bodyPr vert="horz" lIns="91440" tIns="45720" rIns="91440" bIns="45720" rtlCol="0" anchor="b">
+            <a:normAutofit fontScale="90000"/>
+          </a:bodyPr>
+          <a:lstStyle/>
+          <a:p>
+            <a:pPr algn="ctr"/>
+            <a:r>
+              <a:rPr lang="en-US" sz="4000" dirty="0"/>
+              <a:t>Sharding Data </a:t>
+            </a:r>
+            <a:br>
+              <a:rPr lang="en-US" sz="2900" dirty="0"/>
+            </a:br>
+            <a:r>
+              <a:rPr lang="en-US" sz="2900" dirty="0"/>
+              <a:t>Example</a:t>
+            </a:r>
+            <a:br>
+              <a:rPr lang="en-US" sz="2900" dirty="0"/>
+            </a:br>
+            <a:r>
+              <a:rPr lang="en-US" sz="2900" dirty="0"/>
+              <a:t>Collection: </a:t>
+            </a:r>
+            <a:r>
+              <a:rPr lang="en-US" sz="2900" dirty="0" err="1"/>
+              <a:t>trust_word</a:t>
+            </a:r>
+            <a:endParaRPr lang="en-US" sz="2900" dirty="0"/>
+          </a:p>
+        </p:txBody>
+      </p:sp>
+      <p:pic>
+        <p:nvPicPr>
+          <p:cNvPr id="21" name="Segnaposto contenuto 3">
+            <a:extLst>
+              <a:ext uri="{FF2B5EF4-FFF2-40B4-BE49-F238E27FC236}">
+                <a16:creationId xmlns:a16="http://schemas.microsoft.com/office/drawing/2014/main" id="{299DD200-573C-4166-822A-5452B770FC87}"/>
+              </a:ext>
+            </a:extLst>
+          </p:cNvPr>
+          <p:cNvPicPr>
+            <a:picLocks noGrp="1" noChangeAspect="1"/>
+          </p:cNvPicPr>
+          <p:nvPr>
+            <p:ph idx="1"/>
+          </p:nvPr>
+        </p:nvPicPr>
+        <p:blipFill>
+          <a:blip r:embed="rId2"/>
+          <a:stretch>
+            <a:fillRect/>
+          </a:stretch>
+        </p:blipFill>
+        <p:spPr>
+          <a:xfrm>
+            <a:off x="2280116" y="1452547"/>
+            <a:ext cx="7649490" cy="4130723"/>
+          </a:xfrm>
+          <a:prstGeom prst="rect">
+            <a:avLst/>
+          </a:prstGeom>
+        </p:spPr>
+      </p:pic>
+    </p:spTree>
+    <p:extLst>
+      <p:ext uri="{BB962C8B-B14F-4D97-AF65-F5344CB8AC3E}">
+        <p14:creationId xmlns:p14="http://schemas.microsoft.com/office/powerpoint/2010/main" val="3118941891"/>
+      </p:ext>
+    </p:extLst>
+  </p:cSld>
+  <p:clrMapOvr>
+    <a:masterClrMapping/>
+  </p:clrMapOvr>
+</p:sld>
+</file>
+
+<file path=ppt/slides/slide23.xml><?xml version="1.0" encoding="utf-8"?>
+<p:sld xmlns:a="http://schemas.openxmlformats.org/drawingml/2006/main" xmlns:r="http://schemas.openxmlformats.org/officeDocument/2006/relationships" xmlns:p="http://schemas.openxmlformats.org/presentationml/2006/main">
+  <p:cSld>
+    <p:spTree>
+      <p:nvGrpSpPr>
+        <p:cNvPr id="1" name=""/>
+        <p:cNvGrpSpPr/>
+        <p:nvPr/>
+      </p:nvGrpSpPr>
+      <p:grpSpPr>
+        <a:xfrm>
+          <a:off x="0" y="0"/>
+          <a:ext cx="0" cy="0"/>
+          <a:chOff x="0" y="0"/>
+          <a:chExt cx="0" cy="0"/>
+        </a:xfrm>
+      </p:grpSpPr>
+      <p:sp>
+        <p:nvSpPr>
           <p:cNvPr id="6" name="Rettangolo 5">
             <a:extLst>
               <a:ext uri="{FF2B5EF4-FFF2-40B4-BE49-F238E27FC236}">
@@ -28891,14 +30104,51 @@
         </p:blipFill>
         <p:spPr>
           <a:xfrm>
-            <a:off x="499834" y="315674"/>
-            <a:ext cx="8016542" cy="6226651"/>
+            <a:off x="1385659" y="984836"/>
+            <a:ext cx="7155026" cy="5557489"/>
           </a:xfrm>
           <a:prstGeom prst="rect">
             <a:avLst/>
           </a:prstGeom>
         </p:spPr>
       </p:pic>
+      <p:sp>
+        <p:nvSpPr>
+          <p:cNvPr id="4" name="Titolo 1">
+            <a:extLst>
+              <a:ext uri="{FF2B5EF4-FFF2-40B4-BE49-F238E27FC236}">
+                <a16:creationId xmlns:a16="http://schemas.microsoft.com/office/drawing/2014/main" id="{A06262A8-7DEC-431E-8763-48ACC832605A}"/>
+              </a:ext>
+            </a:extLst>
+          </p:cNvPr>
+          <p:cNvSpPr>
+            <a:spLocks noGrp="1"/>
+          </p:cNvSpPr>
+          <p:nvPr>
+            <p:ph type="title"/>
+          </p:nvPr>
+        </p:nvSpPr>
+        <p:spPr>
+          <a:xfrm>
+            <a:off x="842724" y="315675"/>
+            <a:ext cx="7579151" cy="574376"/>
+          </a:xfrm>
+        </p:spPr>
+        <p:txBody>
+          <a:bodyPr vert="horz" lIns="91440" tIns="45720" rIns="91440" bIns="45720" rtlCol="0" anchor="b">
+            <a:normAutofit fontScale="90000"/>
+          </a:bodyPr>
+          <a:lstStyle/>
+          <a:p>
+            <a:pPr algn="ctr"/>
+            <a:r>
+              <a:rPr lang="en-US" sz="4000" dirty="0"/>
+              <a:t>COLLECTIONS</a:t>
+            </a:r>
+            <a:endParaRPr lang="en-US" sz="2900" dirty="0"/>
+          </a:p>
+        </p:txBody>
+      </p:sp>
     </p:spTree>
     <p:extLst>
       <p:ext uri="{BB962C8B-B14F-4D97-AF65-F5344CB8AC3E}">
@@ -28912,7 +30162,7 @@
 </p:sld>
 </file>
 
-<file path=ppt/slides/slide21.xml><?xml version="1.0" encoding="utf-8"?>
+<file path=ppt/slides/slide24.xml><?xml version="1.0" encoding="utf-8"?>
 <p:sld xmlns:a="http://schemas.openxmlformats.org/drawingml/2006/main" xmlns:r="http://schemas.openxmlformats.org/officeDocument/2006/relationships" xmlns:p="http://schemas.openxmlformats.org/presentationml/2006/main">
   <p:cSld>
     <p:spTree>
@@ -29132,7 +30382,7 @@
 </p:sld>
 </file>
 
-<file path=ppt/slides/slide22.xml><?xml version="1.0" encoding="utf-8"?>
+<file path=ppt/slides/slide25.xml><?xml version="1.0" encoding="utf-8"?>
 <p:sld xmlns:a="http://schemas.openxmlformats.org/drawingml/2006/main" xmlns:r="http://schemas.openxmlformats.org/officeDocument/2006/relationships" xmlns:p="http://schemas.openxmlformats.org/presentationml/2006/main">
   <p:cSld>
     <p:bg>
@@ -29959,7 +31209,7 @@
 </p:sld>
 </file>
 
-<file path=ppt/slides/slide23.xml><?xml version="1.0" encoding="utf-8"?>
+<file path=ppt/slides/slide26.xml><?xml version="1.0" encoding="utf-8"?>
 <p:sld xmlns:a="http://schemas.openxmlformats.org/drawingml/2006/main" xmlns:r="http://schemas.openxmlformats.org/officeDocument/2006/relationships" xmlns:p="http://schemas.openxmlformats.org/presentationml/2006/main">
   <p:cSld>
     <p:spTree>
@@ -30053,7 +31303,7 @@
 </p:sld>
 </file>
 
-<file path=ppt/slides/slide24.xml><?xml version="1.0" encoding="utf-8"?>
+<file path=ppt/slides/slide27.xml><?xml version="1.0" encoding="utf-8"?>
 <p:sld xmlns:a="http://schemas.openxmlformats.org/drawingml/2006/main" xmlns:r="http://schemas.openxmlformats.org/officeDocument/2006/relationships" xmlns:p="http://schemas.openxmlformats.org/presentationml/2006/main">
   <p:cSld>
     <p:spTree>
@@ -30153,7 +31403,7 @@
 </p:sld>
 </file>
 
-<file path=ppt/slides/slide25.xml><?xml version="1.0" encoding="utf-8"?>
+<file path=ppt/slides/slide28.xml><?xml version="1.0" encoding="utf-8"?>
 <p:sld xmlns:a="http://schemas.openxmlformats.org/drawingml/2006/main" xmlns:r="http://schemas.openxmlformats.org/officeDocument/2006/relationships" xmlns:p="http://schemas.openxmlformats.org/presentationml/2006/main">
   <p:cSld>
     <p:spTree>
@@ -30252,7 +31502,7 @@
 </p:sld>
 </file>
 
-<file path=ppt/slides/slide26.xml><?xml version="1.0" encoding="utf-8"?>
+<file path=ppt/slides/slide29.xml><?xml version="1.0" encoding="utf-8"?>
 <p:sld xmlns:a="http://schemas.openxmlformats.org/drawingml/2006/main" xmlns:r="http://schemas.openxmlformats.org/officeDocument/2006/relationships" xmlns:p="http://schemas.openxmlformats.org/presentationml/2006/main">
   <p:cSld>
     <p:spTree>
@@ -30349,7 +31599,1558 @@
 </p:sld>
 </file>
 
-<file path=ppt/slides/slide27.xml><?xml version="1.0" encoding="utf-8"?>
+<file path=ppt/slides/slide3.xml><?xml version="1.0" encoding="utf-8"?>
+<p:sld xmlns:a="http://schemas.openxmlformats.org/drawingml/2006/main" xmlns:r="http://schemas.openxmlformats.org/officeDocument/2006/relationships" xmlns:p="http://schemas.openxmlformats.org/presentationml/2006/main">
+  <p:cSld>
+    <p:bg>
+      <p:bgPr>
+        <a:solidFill>
+          <a:schemeClr val="bg1"/>
+        </a:solidFill>
+        <a:effectLst/>
+      </p:bgPr>
+    </p:bg>
+    <p:spTree>
+      <p:nvGrpSpPr>
+        <p:cNvPr id="1" name=""/>
+        <p:cNvGrpSpPr/>
+        <p:nvPr/>
+      </p:nvGrpSpPr>
+      <p:grpSpPr>
+        <a:xfrm>
+          <a:off x="0" y="0"/>
+          <a:ext cx="0" cy="0"/>
+          <a:chOff x="0" y="0"/>
+          <a:chExt cx="0" cy="0"/>
+        </a:xfrm>
+      </p:grpSpPr>
+      <p:grpSp>
+        <p:nvGrpSpPr>
+          <p:cNvPr id="10" name="Group 9">
+            <a:extLst>
+              <a:ext uri="{FF2B5EF4-FFF2-40B4-BE49-F238E27FC236}">
+                <a16:creationId xmlns:a16="http://schemas.microsoft.com/office/drawing/2014/main" id="{609316A9-990D-4EC3-A671-70EE5C1493A4}"/>
+              </a:ext>
+              <a:ext uri="{C183D7F6-B498-43B3-948B-1728B52AA6E4}">
+                <adec:decorative xmlns:adec="http://schemas.microsoft.com/office/drawing/2017/decorative" val="1"/>
+              </a:ext>
+            </a:extLst>
+          </p:cNvPr>
+          <p:cNvGrpSpPr>
+            <a:grpSpLocks noGrp="1" noUngrp="1" noRot="1" noChangeAspect="1" noMove="1" noResize="1"/>
+          </p:cNvGrpSpPr>
+          <p:nvPr>
+            <p:extLst>
+              <p:ext uri="{386F3935-93C4-4BCD-93E2-E3B085C9AB24}">
+                <p16:designElem xmlns:p16="http://schemas.microsoft.com/office/powerpoint/2015/main" val="1"/>
+              </p:ext>
+            </p:extLst>
+          </p:nvPr>
+        </p:nvGrpSpPr>
+        <p:grpSpPr>
+          <a:xfrm>
+            <a:off x="0" y="-8467"/>
+            <a:ext cx="12192000" cy="6866467"/>
+            <a:chOff x="0" y="-8467"/>
+            <a:chExt cx="12192000" cy="6866467"/>
+          </a:xfrm>
+        </p:grpSpPr>
+        <p:cxnSp>
+          <p:nvCxnSpPr>
+            <p:cNvPr id="11" name="Straight Connector 10">
+              <a:extLst>
+                <a:ext uri="{FF2B5EF4-FFF2-40B4-BE49-F238E27FC236}">
+                  <a16:creationId xmlns:a16="http://schemas.microsoft.com/office/drawing/2014/main" id="{9B0C6109-9159-49CA-AD7A-F9035539DB7F}"/>
+                </a:ext>
+                <a:ext uri="{C183D7F6-B498-43B3-948B-1728B52AA6E4}">
+                  <adec:decorative xmlns:adec="http://schemas.microsoft.com/office/drawing/2017/decorative" val="1"/>
+                </a:ext>
+              </a:extLst>
+            </p:cNvPr>
+            <p:cNvCxnSpPr/>
+            <p:nvPr>
+              <p:extLst>
+                <p:ext uri="{386F3935-93C4-4BCD-93E2-E3B085C9AB24}">
+                  <p16:designElem xmlns:p16="http://schemas.microsoft.com/office/powerpoint/2015/main" val="1"/>
+                </p:ext>
+              </p:extLst>
+            </p:nvPr>
+          </p:nvCxnSpPr>
+          <p:spPr>
+            <a:xfrm>
+              <a:off x="9371012" y="0"/>
+              <a:ext cx="1219200" cy="6858000"/>
+            </a:xfrm>
+            <a:prstGeom prst="line">
+              <a:avLst/>
+            </a:prstGeom>
+            <a:ln w="9525">
+              <a:solidFill>
+                <a:schemeClr val="bg1">
+                  <a:lumMod val="75000"/>
+                </a:schemeClr>
+              </a:solidFill>
+            </a:ln>
+          </p:spPr>
+          <p:style>
+            <a:lnRef idx="2">
+              <a:schemeClr val="accent1"/>
+            </a:lnRef>
+            <a:fillRef idx="0">
+              <a:schemeClr val="accent1"/>
+            </a:fillRef>
+            <a:effectRef idx="1">
+              <a:schemeClr val="accent1"/>
+            </a:effectRef>
+            <a:fontRef idx="minor">
+              <a:schemeClr val="tx1"/>
+            </a:fontRef>
+          </p:style>
+        </p:cxnSp>
+        <p:cxnSp>
+          <p:nvCxnSpPr>
+            <p:cNvPr id="21" name="Straight Connector 11">
+              <a:extLst>
+                <a:ext uri="{FF2B5EF4-FFF2-40B4-BE49-F238E27FC236}">
+                  <a16:creationId xmlns:a16="http://schemas.microsoft.com/office/drawing/2014/main" id="{686F14F5-308C-4EB6-87AB-05DE9501B1AA}"/>
+                </a:ext>
+                <a:ext uri="{C183D7F6-B498-43B3-948B-1728B52AA6E4}">
+                  <adec:decorative xmlns:adec="http://schemas.microsoft.com/office/drawing/2017/decorative" val="1"/>
+                </a:ext>
+              </a:extLst>
+            </p:cNvPr>
+            <p:cNvCxnSpPr/>
+            <p:nvPr>
+              <p:extLst>
+                <p:ext uri="{386F3935-93C4-4BCD-93E2-E3B085C9AB24}">
+                  <p16:designElem xmlns:p16="http://schemas.microsoft.com/office/powerpoint/2015/main" val="1"/>
+                </p:ext>
+              </p:extLst>
+            </p:nvPr>
+          </p:nvCxnSpPr>
+          <p:spPr>
+            <a:xfrm flipH="1">
+              <a:off x="7425267" y="3681413"/>
+              <a:ext cx="4763558" cy="3176587"/>
+            </a:xfrm>
+            <a:prstGeom prst="line">
+              <a:avLst/>
+            </a:prstGeom>
+            <a:ln w="9525">
+              <a:solidFill>
+                <a:schemeClr val="bg1">
+                  <a:lumMod val="85000"/>
+                </a:schemeClr>
+              </a:solidFill>
+            </a:ln>
+          </p:spPr>
+          <p:style>
+            <a:lnRef idx="2">
+              <a:schemeClr val="accent1"/>
+            </a:lnRef>
+            <a:fillRef idx="0">
+              <a:schemeClr val="accent1"/>
+            </a:fillRef>
+            <a:effectRef idx="1">
+              <a:schemeClr val="accent1"/>
+            </a:effectRef>
+            <a:fontRef idx="minor">
+              <a:schemeClr val="tx1"/>
+            </a:fontRef>
+          </p:style>
+        </p:cxnSp>
+        <p:sp>
+          <p:nvSpPr>
+            <p:cNvPr id="13" name="Rectangle 23">
+              <a:extLst>
+                <a:ext uri="{FF2B5EF4-FFF2-40B4-BE49-F238E27FC236}">
+                  <a16:creationId xmlns:a16="http://schemas.microsoft.com/office/drawing/2014/main" id="{BA032363-A188-47C5-9D59-9B788809DCD2}"/>
+                </a:ext>
+                <a:ext uri="{C183D7F6-B498-43B3-948B-1728B52AA6E4}">
+                  <adec:decorative xmlns:adec="http://schemas.microsoft.com/office/drawing/2017/decorative" val="1"/>
+                </a:ext>
+              </a:extLst>
+            </p:cNvPr>
+            <p:cNvSpPr/>
+            <p:nvPr>
+              <p:extLst>
+                <p:ext uri="{386F3935-93C4-4BCD-93E2-E3B085C9AB24}">
+                  <p16:designElem xmlns:p16="http://schemas.microsoft.com/office/powerpoint/2015/main" val="1"/>
+                </p:ext>
+              </p:extLst>
+            </p:nvPr>
+          </p:nvSpPr>
+          <p:spPr>
+            <a:xfrm>
+              <a:off x="9181476" y="-8467"/>
+              <a:ext cx="3007349" cy="6866467"/>
+            </a:xfrm>
+            <a:custGeom>
+              <a:avLst/>
+              <a:gdLst/>
+              <a:ahLst/>
+              <a:cxnLst/>
+              <a:rect l="l" t="t" r="r" b="b"/>
+              <a:pathLst>
+                <a:path w="3007349" h="6866467">
+                  <a:moveTo>
+                    <a:pt x="2045532" y="0"/>
+                  </a:moveTo>
+                  <a:lnTo>
+                    <a:pt x="3007349" y="0"/>
+                  </a:lnTo>
+                  <a:lnTo>
+                    <a:pt x="3007349" y="6866467"/>
+                  </a:lnTo>
+                  <a:lnTo>
+                    <a:pt x="0" y="6866467"/>
+                  </a:lnTo>
+                  <a:lnTo>
+                    <a:pt x="2045532" y="0"/>
+                  </a:lnTo>
+                  <a:close/>
+                </a:path>
+              </a:pathLst>
+            </a:custGeom>
+            <a:solidFill>
+              <a:schemeClr val="accent1">
+                <a:alpha val="30000"/>
+              </a:schemeClr>
+            </a:solidFill>
+            <a:ln>
+              <a:noFill/>
+            </a:ln>
+            <a:effectLst/>
+          </p:spPr>
+          <p:style>
+            <a:lnRef idx="1">
+              <a:schemeClr val="accent1"/>
+            </a:lnRef>
+            <a:fillRef idx="3">
+              <a:schemeClr val="accent1"/>
+            </a:fillRef>
+            <a:effectRef idx="2">
+              <a:schemeClr val="accent1"/>
+            </a:effectRef>
+            <a:fontRef idx="minor">
+              <a:schemeClr val="lt1"/>
+            </a:fontRef>
+          </p:style>
+        </p:sp>
+        <p:sp>
+          <p:nvSpPr>
+            <p:cNvPr id="14" name="Rectangle 25">
+              <a:extLst>
+                <a:ext uri="{FF2B5EF4-FFF2-40B4-BE49-F238E27FC236}">
+                  <a16:creationId xmlns:a16="http://schemas.microsoft.com/office/drawing/2014/main" id="{2C4077DF-6BB9-4069-AD28-6B1664EBB064}"/>
+                </a:ext>
+                <a:ext uri="{C183D7F6-B498-43B3-948B-1728B52AA6E4}">
+                  <adec:decorative xmlns:adec="http://schemas.microsoft.com/office/drawing/2017/decorative" val="1"/>
+                </a:ext>
+              </a:extLst>
+            </p:cNvPr>
+            <p:cNvSpPr/>
+            <p:nvPr>
+              <p:extLst>
+                <p:ext uri="{386F3935-93C4-4BCD-93E2-E3B085C9AB24}">
+                  <p16:designElem xmlns:p16="http://schemas.microsoft.com/office/powerpoint/2015/main" val="1"/>
+                </p:ext>
+              </p:extLst>
+            </p:nvPr>
+          </p:nvSpPr>
+          <p:spPr>
+            <a:xfrm>
+              <a:off x="9603442" y="-8467"/>
+              <a:ext cx="2588558" cy="6866467"/>
+            </a:xfrm>
+            <a:custGeom>
+              <a:avLst/>
+              <a:gdLst/>
+              <a:ahLst/>
+              <a:cxnLst/>
+              <a:rect l="l" t="t" r="r" b="b"/>
+              <a:pathLst>
+                <a:path w="2573311" h="6866467">
+                  <a:moveTo>
+                    <a:pt x="0" y="0"/>
+                  </a:moveTo>
+                  <a:lnTo>
+                    <a:pt x="2573311" y="0"/>
+                  </a:lnTo>
+                  <a:lnTo>
+                    <a:pt x="2573311" y="6866467"/>
+                  </a:lnTo>
+                  <a:lnTo>
+                    <a:pt x="1202336" y="6866467"/>
+                  </a:lnTo>
+                  <a:lnTo>
+                    <a:pt x="0" y="0"/>
+                  </a:lnTo>
+                  <a:close/>
+                </a:path>
+              </a:pathLst>
+            </a:custGeom>
+            <a:solidFill>
+              <a:schemeClr val="accent1">
+                <a:alpha val="20000"/>
+              </a:schemeClr>
+            </a:solidFill>
+            <a:ln>
+              <a:noFill/>
+            </a:ln>
+            <a:effectLst/>
+          </p:spPr>
+          <p:style>
+            <a:lnRef idx="1">
+              <a:schemeClr val="accent1"/>
+            </a:lnRef>
+            <a:fillRef idx="3">
+              <a:schemeClr val="accent1"/>
+            </a:fillRef>
+            <a:effectRef idx="2">
+              <a:schemeClr val="accent1"/>
+            </a:effectRef>
+            <a:fontRef idx="minor">
+              <a:schemeClr val="lt1"/>
+            </a:fontRef>
+          </p:style>
+        </p:sp>
+        <p:sp>
+          <p:nvSpPr>
+            <p:cNvPr id="15" name="Isosceles Triangle 14">
+              <a:extLst>
+                <a:ext uri="{FF2B5EF4-FFF2-40B4-BE49-F238E27FC236}">
+                  <a16:creationId xmlns:a16="http://schemas.microsoft.com/office/drawing/2014/main" id="{1D2B8B50-3419-41ED-9A9F-3CF9EEBBD3F2}"/>
+                </a:ext>
+                <a:ext uri="{C183D7F6-B498-43B3-948B-1728B52AA6E4}">
+                  <adec:decorative xmlns:adec="http://schemas.microsoft.com/office/drawing/2017/decorative" val="1"/>
+                </a:ext>
+              </a:extLst>
+            </p:cNvPr>
+            <p:cNvSpPr/>
+            <p:nvPr>
+              <p:extLst>
+                <p:ext uri="{386F3935-93C4-4BCD-93E2-E3B085C9AB24}">
+                  <p16:designElem xmlns:p16="http://schemas.microsoft.com/office/powerpoint/2015/main" val="1"/>
+                </p:ext>
+              </p:extLst>
+            </p:nvPr>
+          </p:nvSpPr>
+          <p:spPr>
+            <a:xfrm>
+              <a:off x="8932333" y="3048000"/>
+              <a:ext cx="3259667" cy="3810000"/>
+            </a:xfrm>
+            <a:prstGeom prst="triangle">
+              <a:avLst>
+                <a:gd name="adj" fmla="val 100000"/>
+              </a:avLst>
+            </a:prstGeom>
+            <a:solidFill>
+              <a:schemeClr val="accent2">
+                <a:alpha val="72000"/>
+              </a:schemeClr>
+            </a:solidFill>
+            <a:ln>
+              <a:noFill/>
+            </a:ln>
+            <a:effectLst/>
+          </p:spPr>
+          <p:style>
+            <a:lnRef idx="1">
+              <a:schemeClr val="accent1"/>
+            </a:lnRef>
+            <a:fillRef idx="3">
+              <a:schemeClr val="accent1"/>
+            </a:fillRef>
+            <a:effectRef idx="2">
+              <a:schemeClr val="accent1"/>
+            </a:effectRef>
+            <a:fontRef idx="minor">
+              <a:schemeClr val="lt1"/>
+            </a:fontRef>
+          </p:style>
+        </p:sp>
+        <p:sp>
+          <p:nvSpPr>
+            <p:cNvPr id="16" name="Rectangle 27">
+              <a:extLst>
+                <a:ext uri="{FF2B5EF4-FFF2-40B4-BE49-F238E27FC236}">
+                  <a16:creationId xmlns:a16="http://schemas.microsoft.com/office/drawing/2014/main" id="{5C640498-2E73-4FA2-BEB6-C3596A458C8A}"/>
+                </a:ext>
+                <a:ext uri="{C183D7F6-B498-43B3-948B-1728B52AA6E4}">
+                  <adec:decorative xmlns:adec="http://schemas.microsoft.com/office/drawing/2017/decorative" val="1"/>
+                </a:ext>
+              </a:extLst>
+            </p:cNvPr>
+            <p:cNvSpPr/>
+            <p:nvPr>
+              <p:extLst>
+                <p:ext uri="{386F3935-93C4-4BCD-93E2-E3B085C9AB24}">
+                  <p16:designElem xmlns:p16="http://schemas.microsoft.com/office/powerpoint/2015/main" val="1"/>
+                </p:ext>
+              </p:extLst>
+            </p:nvPr>
+          </p:nvSpPr>
+          <p:spPr>
+            <a:xfrm>
+              <a:off x="9334500" y="-8467"/>
+              <a:ext cx="2854326" cy="6866467"/>
+            </a:xfrm>
+            <a:custGeom>
+              <a:avLst/>
+              <a:gdLst/>
+              <a:ahLst/>
+              <a:cxnLst/>
+              <a:rect l="l" t="t" r="r" b="b"/>
+              <a:pathLst>
+                <a:path w="2858013" h="6866467">
+                  <a:moveTo>
+                    <a:pt x="0" y="0"/>
+                  </a:moveTo>
+                  <a:lnTo>
+                    <a:pt x="2858013" y="0"/>
+                  </a:lnTo>
+                  <a:lnTo>
+                    <a:pt x="2858013" y="6866467"/>
+                  </a:lnTo>
+                  <a:lnTo>
+                    <a:pt x="2473942" y="6866467"/>
+                  </a:lnTo>
+                  <a:lnTo>
+                    <a:pt x="0" y="0"/>
+                  </a:lnTo>
+                  <a:close/>
+                </a:path>
+              </a:pathLst>
+            </a:custGeom>
+            <a:solidFill>
+              <a:schemeClr val="accent2">
+                <a:lumMod val="75000"/>
+                <a:alpha val="70000"/>
+              </a:schemeClr>
+            </a:solidFill>
+            <a:ln>
+              <a:noFill/>
+            </a:ln>
+            <a:effectLst/>
+          </p:spPr>
+          <p:style>
+            <a:lnRef idx="1">
+              <a:schemeClr val="accent1"/>
+            </a:lnRef>
+            <a:fillRef idx="3">
+              <a:schemeClr val="accent1"/>
+            </a:fillRef>
+            <a:effectRef idx="2">
+              <a:schemeClr val="accent1"/>
+            </a:effectRef>
+            <a:fontRef idx="minor">
+              <a:schemeClr val="lt1"/>
+            </a:fontRef>
+          </p:style>
+        </p:sp>
+        <p:sp>
+          <p:nvSpPr>
+            <p:cNvPr id="17" name="Rectangle 28">
+              <a:extLst>
+                <a:ext uri="{FF2B5EF4-FFF2-40B4-BE49-F238E27FC236}">
+                  <a16:creationId xmlns:a16="http://schemas.microsoft.com/office/drawing/2014/main" id="{3240EEFC-4112-4C39-A816-C815774F6D69}"/>
+                </a:ext>
+                <a:ext uri="{C183D7F6-B498-43B3-948B-1728B52AA6E4}">
+                  <adec:decorative xmlns:adec="http://schemas.microsoft.com/office/drawing/2017/decorative" val="1"/>
+                </a:ext>
+              </a:extLst>
+            </p:cNvPr>
+            <p:cNvSpPr/>
+            <p:nvPr>
+              <p:extLst>
+                <p:ext uri="{386F3935-93C4-4BCD-93E2-E3B085C9AB24}">
+                  <p16:designElem xmlns:p16="http://schemas.microsoft.com/office/powerpoint/2015/main" val="1"/>
+                </p:ext>
+              </p:extLst>
+            </p:nvPr>
+          </p:nvSpPr>
+          <p:spPr>
+            <a:xfrm>
+              <a:off x="10898730" y="-8467"/>
+              <a:ext cx="1290094" cy="6866467"/>
+            </a:xfrm>
+            <a:custGeom>
+              <a:avLst/>
+              <a:gdLst/>
+              <a:ahLst/>
+              <a:cxnLst/>
+              <a:rect l="l" t="t" r="r" b="b"/>
+              <a:pathLst>
+                <a:path w="1290094" h="6858000">
+                  <a:moveTo>
+                    <a:pt x="1019735" y="0"/>
+                  </a:moveTo>
+                  <a:lnTo>
+                    <a:pt x="1290094" y="0"/>
+                  </a:lnTo>
+                  <a:lnTo>
+                    <a:pt x="1290094" y="6858000"/>
+                  </a:lnTo>
+                  <a:lnTo>
+                    <a:pt x="0" y="6858000"/>
+                  </a:lnTo>
+                  <a:lnTo>
+                    <a:pt x="1019735" y="0"/>
+                  </a:lnTo>
+                  <a:close/>
+                </a:path>
+              </a:pathLst>
+            </a:custGeom>
+            <a:solidFill>
+              <a:schemeClr val="accent1">
+                <a:lumMod val="60000"/>
+                <a:lumOff val="40000"/>
+                <a:alpha val="70000"/>
+              </a:schemeClr>
+            </a:solidFill>
+            <a:ln>
+              <a:noFill/>
+            </a:ln>
+            <a:effectLst/>
+          </p:spPr>
+          <p:style>
+            <a:lnRef idx="1">
+              <a:schemeClr val="accent1"/>
+            </a:lnRef>
+            <a:fillRef idx="3">
+              <a:schemeClr val="accent1"/>
+            </a:fillRef>
+            <a:effectRef idx="2">
+              <a:schemeClr val="accent1"/>
+            </a:effectRef>
+            <a:fontRef idx="minor">
+              <a:schemeClr val="lt1"/>
+            </a:fontRef>
+          </p:style>
+        </p:sp>
+        <p:sp>
+          <p:nvSpPr>
+            <p:cNvPr id="18" name="Rectangle 29">
+              <a:extLst>
+                <a:ext uri="{FF2B5EF4-FFF2-40B4-BE49-F238E27FC236}">
+                  <a16:creationId xmlns:a16="http://schemas.microsoft.com/office/drawing/2014/main" id="{ADF362B0-03EA-4800-9FAA-9F128587E428}"/>
+                </a:ext>
+                <a:ext uri="{C183D7F6-B498-43B3-948B-1728B52AA6E4}">
+                  <adec:decorative xmlns:adec="http://schemas.microsoft.com/office/drawing/2017/decorative" val="1"/>
+                </a:ext>
+              </a:extLst>
+            </p:cNvPr>
+            <p:cNvSpPr/>
+            <p:nvPr>
+              <p:extLst>
+                <p:ext uri="{386F3935-93C4-4BCD-93E2-E3B085C9AB24}">
+                  <p16:designElem xmlns:p16="http://schemas.microsoft.com/office/powerpoint/2015/main" val="1"/>
+                </p:ext>
+              </p:extLst>
+            </p:nvPr>
+          </p:nvSpPr>
+          <p:spPr>
+            <a:xfrm>
+              <a:off x="10938999" y="-8467"/>
+              <a:ext cx="1249825" cy="6866467"/>
+            </a:xfrm>
+            <a:custGeom>
+              <a:avLst/>
+              <a:gdLst/>
+              <a:ahLst/>
+              <a:cxnLst/>
+              <a:rect l="l" t="t" r="r" b="b"/>
+              <a:pathLst>
+                <a:path w="1249825" h="6858000">
+                  <a:moveTo>
+                    <a:pt x="0" y="0"/>
+                  </a:moveTo>
+                  <a:lnTo>
+                    <a:pt x="1249825" y="0"/>
+                  </a:lnTo>
+                  <a:lnTo>
+                    <a:pt x="1249825" y="6858000"/>
+                  </a:lnTo>
+                  <a:lnTo>
+                    <a:pt x="1109382" y="6858000"/>
+                  </a:lnTo>
+                  <a:lnTo>
+                    <a:pt x="0" y="0"/>
+                  </a:lnTo>
+                  <a:close/>
+                </a:path>
+              </a:pathLst>
+            </a:custGeom>
+            <a:solidFill>
+              <a:schemeClr val="accent1">
+                <a:alpha val="65000"/>
+              </a:schemeClr>
+            </a:solidFill>
+            <a:ln>
+              <a:noFill/>
+            </a:ln>
+            <a:effectLst/>
+          </p:spPr>
+          <p:style>
+            <a:lnRef idx="1">
+              <a:schemeClr val="accent1"/>
+            </a:lnRef>
+            <a:fillRef idx="3">
+              <a:schemeClr val="accent1"/>
+            </a:fillRef>
+            <a:effectRef idx="2">
+              <a:schemeClr val="accent1"/>
+            </a:effectRef>
+            <a:fontRef idx="minor">
+              <a:schemeClr val="lt1"/>
+            </a:fontRef>
+          </p:style>
+        </p:sp>
+        <p:sp>
+          <p:nvSpPr>
+            <p:cNvPr id="19" name="Isosceles Triangle 18">
+              <a:extLst>
+                <a:ext uri="{FF2B5EF4-FFF2-40B4-BE49-F238E27FC236}">
+                  <a16:creationId xmlns:a16="http://schemas.microsoft.com/office/drawing/2014/main" id="{0BA84559-2F4C-4795-9246-4C563F942DB9}"/>
+                </a:ext>
+                <a:ext uri="{C183D7F6-B498-43B3-948B-1728B52AA6E4}">
+                  <adec:decorative xmlns:adec="http://schemas.microsoft.com/office/drawing/2017/decorative" val="1"/>
+                </a:ext>
+              </a:extLst>
+            </p:cNvPr>
+            <p:cNvSpPr/>
+            <p:nvPr>
+              <p:extLst>
+                <p:ext uri="{386F3935-93C4-4BCD-93E2-E3B085C9AB24}">
+                  <p16:designElem xmlns:p16="http://schemas.microsoft.com/office/powerpoint/2015/main" val="1"/>
+                </p:ext>
+              </p:extLst>
+            </p:nvPr>
+          </p:nvSpPr>
+          <p:spPr>
+            <a:xfrm>
+              <a:off x="10371666" y="3589867"/>
+              <a:ext cx="1817159" cy="3268133"/>
+            </a:xfrm>
+            <a:prstGeom prst="triangle">
+              <a:avLst>
+                <a:gd name="adj" fmla="val 100000"/>
+              </a:avLst>
+            </a:prstGeom>
+            <a:solidFill>
+              <a:schemeClr val="accent1">
+                <a:alpha val="80000"/>
+              </a:schemeClr>
+            </a:solidFill>
+            <a:ln>
+              <a:noFill/>
+            </a:ln>
+            <a:effectLst/>
+          </p:spPr>
+          <p:style>
+            <a:lnRef idx="1">
+              <a:schemeClr val="accent1"/>
+            </a:lnRef>
+            <a:fillRef idx="3">
+              <a:schemeClr val="accent1"/>
+            </a:fillRef>
+            <a:effectRef idx="2">
+              <a:schemeClr val="accent1"/>
+            </a:effectRef>
+            <a:fontRef idx="minor">
+              <a:schemeClr val="lt1"/>
+            </a:fontRef>
+          </p:style>
+        </p:sp>
+        <p:sp>
+          <p:nvSpPr>
+            <p:cNvPr id="20" name="Isosceles Triangle 19">
+              <a:extLst>
+                <a:ext uri="{FF2B5EF4-FFF2-40B4-BE49-F238E27FC236}">
+                  <a16:creationId xmlns:a16="http://schemas.microsoft.com/office/drawing/2014/main" id="{FA77A1AA-CA47-4A91-A0A1-0A8CE31A985E}"/>
+                </a:ext>
+                <a:ext uri="{C183D7F6-B498-43B3-948B-1728B52AA6E4}">
+                  <adec:decorative xmlns:adec="http://schemas.microsoft.com/office/drawing/2017/decorative" val="1"/>
+                </a:ext>
+              </a:extLst>
+            </p:cNvPr>
+            <p:cNvSpPr/>
+            <p:nvPr>
+              <p:extLst>
+                <p:ext uri="{386F3935-93C4-4BCD-93E2-E3B085C9AB24}">
+                  <p16:designElem xmlns:p16="http://schemas.microsoft.com/office/powerpoint/2015/main" val="1"/>
+                </p:ext>
+              </p:extLst>
+            </p:nvPr>
+          </p:nvSpPr>
+          <p:spPr>
+            <a:xfrm>
+              <a:off x="0" y="4013200"/>
+              <a:ext cx="448733" cy="2844800"/>
+            </a:xfrm>
+            <a:prstGeom prst="triangle">
+              <a:avLst>
+                <a:gd name="adj" fmla="val 0"/>
+              </a:avLst>
+            </a:prstGeom>
+            <a:solidFill>
+              <a:schemeClr val="accent1">
+                <a:alpha val="85000"/>
+              </a:schemeClr>
+            </a:solidFill>
+            <a:ln>
+              <a:noFill/>
+            </a:ln>
+            <a:effectLst/>
+          </p:spPr>
+          <p:style>
+            <a:lnRef idx="1">
+              <a:schemeClr val="accent1"/>
+            </a:lnRef>
+            <a:fillRef idx="3">
+              <a:schemeClr val="accent1"/>
+            </a:fillRef>
+            <a:effectRef idx="2">
+              <a:schemeClr val="accent1"/>
+            </a:effectRef>
+            <a:fontRef idx="minor">
+              <a:schemeClr val="lt1"/>
+            </a:fontRef>
+          </p:style>
+        </p:sp>
+      </p:grpSp>
+      <p:sp>
+        <p:nvSpPr>
+          <p:cNvPr id="22" name="Rectangle 21">
+            <a:extLst>
+              <a:ext uri="{FF2B5EF4-FFF2-40B4-BE49-F238E27FC236}">
+                <a16:creationId xmlns:a16="http://schemas.microsoft.com/office/drawing/2014/main" id="{03E8462A-FEBA-4848-81CC-3F8DA3E477BE}"/>
+              </a:ext>
+              <a:ext uri="{C183D7F6-B498-43B3-948B-1728B52AA6E4}">
+                <adec:decorative xmlns:adec="http://schemas.microsoft.com/office/drawing/2017/decorative" val="1"/>
+              </a:ext>
+            </a:extLst>
+          </p:cNvPr>
+          <p:cNvSpPr>
+            <a:spLocks noGrp="1" noRot="1" noChangeAspect="1" noMove="1" noResize="1" noEditPoints="1" noAdjustHandles="1" noChangeArrowheads="1" noChangeShapeType="1" noTextEdit="1"/>
+          </p:cNvSpPr>
+          <p:nvPr>
+            <p:extLst>
+              <p:ext uri="{386F3935-93C4-4BCD-93E2-E3B085C9AB24}">
+                <p16:designElem xmlns:p16="http://schemas.microsoft.com/office/powerpoint/2015/main" val="1"/>
+              </p:ext>
+            </p:extLst>
+          </p:nvPr>
+        </p:nvSpPr>
+        <p:spPr>
+          <a:xfrm>
+            <a:off x="0" y="0"/>
+            <a:ext cx="12188952" cy="6858000"/>
+          </a:xfrm>
+          <a:prstGeom prst="rect">
+            <a:avLst/>
+          </a:prstGeom>
+          <a:solidFill>
+            <a:schemeClr val="accent2"/>
+          </a:solidFill>
+          <a:ln>
+            <a:noFill/>
+          </a:ln>
+        </p:spPr>
+        <p:style>
+          <a:lnRef idx="2">
+            <a:schemeClr val="accent1">
+              <a:shade val="50000"/>
+            </a:schemeClr>
+          </a:lnRef>
+          <a:fillRef idx="1">
+            <a:schemeClr val="accent1"/>
+          </a:fillRef>
+          <a:effectRef idx="0">
+            <a:schemeClr val="accent1"/>
+          </a:effectRef>
+          <a:fontRef idx="minor">
+            <a:schemeClr val="lt1"/>
+          </a:fontRef>
+        </p:style>
+        <p:txBody>
+          <a:bodyPr rtlCol="0" anchor="ctr"/>
+          <a:lstStyle/>
+          <a:p>
+            <a:pPr algn="ctr"/>
+            <a:endParaRPr lang="en-US"/>
+          </a:p>
+        </p:txBody>
+      </p:sp>
+      <p:grpSp>
+        <p:nvGrpSpPr>
+          <p:cNvPr id="24" name="Group 23">
+            <a:extLst>
+              <a:ext uri="{FF2B5EF4-FFF2-40B4-BE49-F238E27FC236}">
+                <a16:creationId xmlns:a16="http://schemas.microsoft.com/office/drawing/2014/main" id="{2109F83F-40FE-4DB3-84CC-09FB3340D06D}"/>
+              </a:ext>
+              <a:ext uri="{C183D7F6-B498-43B3-948B-1728B52AA6E4}">
+                <adec:decorative xmlns:adec="http://schemas.microsoft.com/office/drawing/2017/decorative" val="1"/>
+              </a:ext>
+            </a:extLst>
+          </p:cNvPr>
+          <p:cNvGrpSpPr>
+            <a:grpSpLocks noGrp="1" noUngrp="1" noRot="1" noChangeAspect="1" noMove="1" noResize="1"/>
+          </p:cNvGrpSpPr>
+          <p:nvPr>
+            <p:extLst>
+              <p:ext uri="{386F3935-93C4-4BCD-93E2-E3B085C9AB24}">
+                <p16:designElem xmlns:p16="http://schemas.microsoft.com/office/powerpoint/2015/main" val="1"/>
+              </p:ext>
+            </p:extLst>
+          </p:nvPr>
+        </p:nvGrpSpPr>
+        <p:grpSpPr>
+          <a:xfrm>
+            <a:off x="0" y="-8467"/>
+            <a:ext cx="12192000" cy="6866467"/>
+            <a:chOff x="0" y="-8467"/>
+            <a:chExt cx="12192000" cy="6866467"/>
+          </a:xfrm>
+        </p:grpSpPr>
+        <p:cxnSp>
+          <p:nvCxnSpPr>
+            <p:cNvPr id="25" name="Straight Connector 24">
+              <a:extLst>
+                <a:ext uri="{FF2B5EF4-FFF2-40B4-BE49-F238E27FC236}">
+                  <a16:creationId xmlns:a16="http://schemas.microsoft.com/office/drawing/2014/main" id="{1DE492D7-C3C3-48FF-80C8-37021EA0262F}"/>
+                </a:ext>
+                <a:ext uri="{C183D7F6-B498-43B3-948B-1728B52AA6E4}">
+                  <adec:decorative xmlns:adec="http://schemas.microsoft.com/office/drawing/2017/decorative" val="1"/>
+                </a:ext>
+              </a:extLst>
+            </p:cNvPr>
+            <p:cNvCxnSpPr/>
+            <p:nvPr>
+              <p:extLst>
+                <p:ext uri="{386F3935-93C4-4BCD-93E2-E3B085C9AB24}">
+                  <p16:designElem xmlns:p16="http://schemas.microsoft.com/office/powerpoint/2015/main" val="1"/>
+                </p:ext>
+              </p:extLst>
+            </p:nvPr>
+          </p:nvCxnSpPr>
+          <p:spPr>
+            <a:xfrm flipH="1">
+              <a:off x="7425267" y="3681413"/>
+              <a:ext cx="4763558" cy="3176587"/>
+            </a:xfrm>
+            <a:prstGeom prst="line">
+              <a:avLst/>
+            </a:prstGeom>
+            <a:ln w="9525">
+              <a:solidFill>
+                <a:schemeClr val="bg1">
+                  <a:lumMod val="85000"/>
+                </a:schemeClr>
+              </a:solidFill>
+            </a:ln>
+          </p:spPr>
+          <p:style>
+            <a:lnRef idx="2">
+              <a:schemeClr val="accent1"/>
+            </a:lnRef>
+            <a:fillRef idx="0">
+              <a:schemeClr val="accent1"/>
+            </a:fillRef>
+            <a:effectRef idx="1">
+              <a:schemeClr val="accent1"/>
+            </a:effectRef>
+            <a:fontRef idx="minor">
+              <a:schemeClr val="tx1"/>
+            </a:fontRef>
+          </p:style>
+        </p:cxnSp>
+        <p:sp>
+          <p:nvSpPr>
+            <p:cNvPr id="26" name="Rectangle 23">
+              <a:extLst>
+                <a:ext uri="{FF2B5EF4-FFF2-40B4-BE49-F238E27FC236}">
+                  <a16:creationId xmlns:a16="http://schemas.microsoft.com/office/drawing/2014/main" id="{0B30FF97-2E9A-490A-AED2-90BA2E0EC17F}"/>
+                </a:ext>
+                <a:ext uri="{C183D7F6-B498-43B3-948B-1728B52AA6E4}">
+                  <adec:decorative xmlns:adec="http://schemas.microsoft.com/office/drawing/2017/decorative" val="1"/>
+                </a:ext>
+              </a:extLst>
+            </p:cNvPr>
+            <p:cNvSpPr/>
+            <p:nvPr>
+              <p:extLst>
+                <p:ext uri="{386F3935-93C4-4BCD-93E2-E3B085C9AB24}">
+                  <p16:designElem xmlns:p16="http://schemas.microsoft.com/office/powerpoint/2015/main" val="1"/>
+                </p:ext>
+              </p:extLst>
+            </p:nvPr>
+          </p:nvSpPr>
+          <p:spPr>
+            <a:xfrm>
+              <a:off x="9181476" y="-8467"/>
+              <a:ext cx="3007349" cy="6866467"/>
+            </a:xfrm>
+            <a:custGeom>
+              <a:avLst/>
+              <a:gdLst/>
+              <a:ahLst/>
+              <a:cxnLst/>
+              <a:rect l="l" t="t" r="r" b="b"/>
+              <a:pathLst>
+                <a:path w="3007349" h="6866467">
+                  <a:moveTo>
+                    <a:pt x="2045532" y="0"/>
+                  </a:moveTo>
+                  <a:lnTo>
+                    <a:pt x="3007349" y="0"/>
+                  </a:lnTo>
+                  <a:lnTo>
+                    <a:pt x="3007349" y="6866467"/>
+                  </a:lnTo>
+                  <a:lnTo>
+                    <a:pt x="0" y="6866467"/>
+                  </a:lnTo>
+                  <a:lnTo>
+                    <a:pt x="2045532" y="0"/>
+                  </a:lnTo>
+                  <a:close/>
+                </a:path>
+              </a:pathLst>
+            </a:custGeom>
+            <a:solidFill>
+              <a:schemeClr val="accent1">
+                <a:alpha val="30000"/>
+              </a:schemeClr>
+            </a:solidFill>
+            <a:ln>
+              <a:noFill/>
+            </a:ln>
+            <a:effectLst/>
+          </p:spPr>
+          <p:style>
+            <a:lnRef idx="1">
+              <a:schemeClr val="accent1"/>
+            </a:lnRef>
+            <a:fillRef idx="3">
+              <a:schemeClr val="accent1"/>
+            </a:fillRef>
+            <a:effectRef idx="2">
+              <a:schemeClr val="accent1"/>
+            </a:effectRef>
+            <a:fontRef idx="minor">
+              <a:schemeClr val="lt1"/>
+            </a:fontRef>
+          </p:style>
+        </p:sp>
+        <p:sp>
+          <p:nvSpPr>
+            <p:cNvPr id="27" name="Rectangle 25">
+              <a:extLst>
+                <a:ext uri="{FF2B5EF4-FFF2-40B4-BE49-F238E27FC236}">
+                  <a16:creationId xmlns:a16="http://schemas.microsoft.com/office/drawing/2014/main" id="{B6D53C7D-A312-47B6-A66A-230A19CFACA6}"/>
+                </a:ext>
+                <a:ext uri="{C183D7F6-B498-43B3-948B-1728B52AA6E4}">
+                  <adec:decorative xmlns:adec="http://schemas.microsoft.com/office/drawing/2017/decorative" val="1"/>
+                </a:ext>
+              </a:extLst>
+            </p:cNvPr>
+            <p:cNvSpPr/>
+            <p:nvPr>
+              <p:extLst>
+                <p:ext uri="{386F3935-93C4-4BCD-93E2-E3B085C9AB24}">
+                  <p16:designElem xmlns:p16="http://schemas.microsoft.com/office/powerpoint/2015/main" val="1"/>
+                </p:ext>
+              </p:extLst>
+            </p:nvPr>
+          </p:nvSpPr>
+          <p:spPr>
+            <a:xfrm>
+              <a:off x="9603442" y="-8467"/>
+              <a:ext cx="2588558" cy="6866467"/>
+            </a:xfrm>
+            <a:custGeom>
+              <a:avLst/>
+              <a:gdLst/>
+              <a:ahLst/>
+              <a:cxnLst/>
+              <a:rect l="l" t="t" r="r" b="b"/>
+              <a:pathLst>
+                <a:path w="2573311" h="6866467">
+                  <a:moveTo>
+                    <a:pt x="0" y="0"/>
+                  </a:moveTo>
+                  <a:lnTo>
+                    <a:pt x="2573311" y="0"/>
+                  </a:lnTo>
+                  <a:lnTo>
+                    <a:pt x="2573311" y="6866467"/>
+                  </a:lnTo>
+                  <a:lnTo>
+                    <a:pt x="1202336" y="6866467"/>
+                  </a:lnTo>
+                  <a:lnTo>
+                    <a:pt x="0" y="0"/>
+                  </a:lnTo>
+                  <a:close/>
+                </a:path>
+              </a:pathLst>
+            </a:custGeom>
+            <a:solidFill>
+              <a:schemeClr val="accent1">
+                <a:alpha val="20000"/>
+              </a:schemeClr>
+            </a:solidFill>
+            <a:ln>
+              <a:noFill/>
+            </a:ln>
+            <a:effectLst/>
+          </p:spPr>
+          <p:style>
+            <a:lnRef idx="1">
+              <a:schemeClr val="accent1"/>
+            </a:lnRef>
+            <a:fillRef idx="3">
+              <a:schemeClr val="accent1"/>
+            </a:fillRef>
+            <a:effectRef idx="2">
+              <a:schemeClr val="accent1"/>
+            </a:effectRef>
+            <a:fontRef idx="minor">
+              <a:schemeClr val="lt1"/>
+            </a:fontRef>
+          </p:style>
+        </p:sp>
+        <p:sp>
+          <p:nvSpPr>
+            <p:cNvPr id="28" name="Isosceles Triangle 27">
+              <a:extLst>
+                <a:ext uri="{FF2B5EF4-FFF2-40B4-BE49-F238E27FC236}">
+                  <a16:creationId xmlns:a16="http://schemas.microsoft.com/office/drawing/2014/main" id="{9329D58C-0D2E-4A2B-AD6A-9CEE506784A8}"/>
+                </a:ext>
+                <a:ext uri="{C183D7F6-B498-43B3-948B-1728B52AA6E4}">
+                  <adec:decorative xmlns:adec="http://schemas.microsoft.com/office/drawing/2017/decorative" val="1"/>
+                </a:ext>
+              </a:extLst>
+            </p:cNvPr>
+            <p:cNvSpPr/>
+            <p:nvPr>
+              <p:extLst>
+                <p:ext uri="{386F3935-93C4-4BCD-93E2-E3B085C9AB24}">
+                  <p16:designElem xmlns:p16="http://schemas.microsoft.com/office/powerpoint/2015/main" val="1"/>
+                </p:ext>
+              </p:extLst>
+            </p:nvPr>
+          </p:nvSpPr>
+          <p:spPr>
+            <a:xfrm>
+              <a:off x="8932333" y="3048000"/>
+              <a:ext cx="3259667" cy="3810000"/>
+            </a:xfrm>
+            <a:prstGeom prst="triangle">
+              <a:avLst>
+                <a:gd name="adj" fmla="val 100000"/>
+              </a:avLst>
+            </a:prstGeom>
+            <a:solidFill>
+              <a:schemeClr val="accent2">
+                <a:alpha val="72000"/>
+              </a:schemeClr>
+            </a:solidFill>
+            <a:ln>
+              <a:noFill/>
+            </a:ln>
+            <a:effectLst/>
+          </p:spPr>
+          <p:style>
+            <a:lnRef idx="1">
+              <a:schemeClr val="accent1"/>
+            </a:lnRef>
+            <a:fillRef idx="3">
+              <a:schemeClr val="accent1"/>
+            </a:fillRef>
+            <a:effectRef idx="2">
+              <a:schemeClr val="accent1"/>
+            </a:effectRef>
+            <a:fontRef idx="minor">
+              <a:schemeClr val="lt1"/>
+            </a:fontRef>
+          </p:style>
+        </p:sp>
+        <p:sp>
+          <p:nvSpPr>
+            <p:cNvPr id="29" name="Rectangle 27">
+              <a:extLst>
+                <a:ext uri="{FF2B5EF4-FFF2-40B4-BE49-F238E27FC236}">
+                  <a16:creationId xmlns:a16="http://schemas.microsoft.com/office/drawing/2014/main" id="{9D446EDE-C690-4461-8BF2-7634808FC8B4}"/>
+                </a:ext>
+                <a:ext uri="{C183D7F6-B498-43B3-948B-1728B52AA6E4}">
+                  <adec:decorative xmlns:adec="http://schemas.microsoft.com/office/drawing/2017/decorative" val="1"/>
+                </a:ext>
+              </a:extLst>
+            </p:cNvPr>
+            <p:cNvSpPr/>
+            <p:nvPr>
+              <p:extLst>
+                <p:ext uri="{386F3935-93C4-4BCD-93E2-E3B085C9AB24}">
+                  <p16:designElem xmlns:p16="http://schemas.microsoft.com/office/powerpoint/2015/main" val="1"/>
+                </p:ext>
+              </p:extLst>
+            </p:nvPr>
+          </p:nvSpPr>
+          <p:spPr>
+            <a:xfrm>
+              <a:off x="9334500" y="-8467"/>
+              <a:ext cx="2854326" cy="6866467"/>
+            </a:xfrm>
+            <a:custGeom>
+              <a:avLst/>
+              <a:gdLst/>
+              <a:ahLst/>
+              <a:cxnLst/>
+              <a:rect l="l" t="t" r="r" b="b"/>
+              <a:pathLst>
+                <a:path w="2858013" h="6866467">
+                  <a:moveTo>
+                    <a:pt x="0" y="0"/>
+                  </a:moveTo>
+                  <a:lnTo>
+                    <a:pt x="2858013" y="0"/>
+                  </a:lnTo>
+                  <a:lnTo>
+                    <a:pt x="2858013" y="6866467"/>
+                  </a:lnTo>
+                  <a:lnTo>
+                    <a:pt x="2473942" y="6866467"/>
+                  </a:lnTo>
+                  <a:lnTo>
+                    <a:pt x="0" y="0"/>
+                  </a:lnTo>
+                  <a:close/>
+                </a:path>
+              </a:pathLst>
+            </a:custGeom>
+            <a:solidFill>
+              <a:schemeClr val="accent2">
+                <a:lumMod val="75000"/>
+                <a:alpha val="70000"/>
+              </a:schemeClr>
+            </a:solidFill>
+            <a:ln>
+              <a:noFill/>
+            </a:ln>
+            <a:effectLst/>
+          </p:spPr>
+          <p:style>
+            <a:lnRef idx="1">
+              <a:schemeClr val="accent1"/>
+            </a:lnRef>
+            <a:fillRef idx="3">
+              <a:schemeClr val="accent1"/>
+            </a:fillRef>
+            <a:effectRef idx="2">
+              <a:schemeClr val="accent1"/>
+            </a:effectRef>
+            <a:fontRef idx="minor">
+              <a:schemeClr val="lt1"/>
+            </a:fontRef>
+          </p:style>
+        </p:sp>
+        <p:sp>
+          <p:nvSpPr>
+            <p:cNvPr id="30" name="Rectangle 28">
+              <a:extLst>
+                <a:ext uri="{FF2B5EF4-FFF2-40B4-BE49-F238E27FC236}">
+                  <a16:creationId xmlns:a16="http://schemas.microsoft.com/office/drawing/2014/main" id="{323F3D34-6531-4AD7-A8C6-195A090281A1}"/>
+                </a:ext>
+                <a:ext uri="{C183D7F6-B498-43B3-948B-1728B52AA6E4}">
+                  <adec:decorative xmlns:adec="http://schemas.microsoft.com/office/drawing/2017/decorative" val="1"/>
+                </a:ext>
+              </a:extLst>
+            </p:cNvPr>
+            <p:cNvSpPr/>
+            <p:nvPr>
+              <p:extLst>
+                <p:ext uri="{386F3935-93C4-4BCD-93E2-E3B085C9AB24}">
+                  <p16:designElem xmlns:p16="http://schemas.microsoft.com/office/powerpoint/2015/main" val="1"/>
+                </p:ext>
+              </p:extLst>
+            </p:nvPr>
+          </p:nvSpPr>
+          <p:spPr>
+            <a:xfrm>
+              <a:off x="10898730" y="-8467"/>
+              <a:ext cx="1290094" cy="6866467"/>
+            </a:xfrm>
+            <a:custGeom>
+              <a:avLst/>
+              <a:gdLst/>
+              <a:ahLst/>
+              <a:cxnLst/>
+              <a:rect l="l" t="t" r="r" b="b"/>
+              <a:pathLst>
+                <a:path w="1290094" h="6858000">
+                  <a:moveTo>
+                    <a:pt x="1019735" y="0"/>
+                  </a:moveTo>
+                  <a:lnTo>
+                    <a:pt x="1290094" y="0"/>
+                  </a:lnTo>
+                  <a:lnTo>
+                    <a:pt x="1290094" y="6858000"/>
+                  </a:lnTo>
+                  <a:lnTo>
+                    <a:pt x="0" y="6858000"/>
+                  </a:lnTo>
+                  <a:lnTo>
+                    <a:pt x="1019735" y="0"/>
+                  </a:lnTo>
+                  <a:close/>
+                </a:path>
+              </a:pathLst>
+            </a:custGeom>
+            <a:solidFill>
+              <a:schemeClr val="accent1">
+                <a:lumMod val="60000"/>
+                <a:lumOff val="40000"/>
+                <a:alpha val="70000"/>
+              </a:schemeClr>
+            </a:solidFill>
+            <a:ln>
+              <a:noFill/>
+            </a:ln>
+            <a:effectLst/>
+          </p:spPr>
+          <p:style>
+            <a:lnRef idx="1">
+              <a:schemeClr val="accent1"/>
+            </a:lnRef>
+            <a:fillRef idx="3">
+              <a:schemeClr val="accent1"/>
+            </a:fillRef>
+            <a:effectRef idx="2">
+              <a:schemeClr val="accent1"/>
+            </a:effectRef>
+            <a:fontRef idx="minor">
+              <a:schemeClr val="lt1"/>
+            </a:fontRef>
+          </p:style>
+        </p:sp>
+        <p:sp>
+          <p:nvSpPr>
+            <p:cNvPr id="31" name="Rectangle 29">
+              <a:extLst>
+                <a:ext uri="{FF2B5EF4-FFF2-40B4-BE49-F238E27FC236}">
+                  <a16:creationId xmlns:a16="http://schemas.microsoft.com/office/drawing/2014/main" id="{B9B0AE3F-2350-435F-A9B0-C310BF876385}"/>
+                </a:ext>
+                <a:ext uri="{C183D7F6-B498-43B3-948B-1728B52AA6E4}">
+                  <adec:decorative xmlns:adec="http://schemas.microsoft.com/office/drawing/2017/decorative" val="1"/>
+                </a:ext>
+              </a:extLst>
+            </p:cNvPr>
+            <p:cNvSpPr/>
+            <p:nvPr>
+              <p:extLst>
+                <p:ext uri="{386F3935-93C4-4BCD-93E2-E3B085C9AB24}">
+                  <p16:designElem xmlns:p16="http://schemas.microsoft.com/office/powerpoint/2015/main" val="1"/>
+                </p:ext>
+              </p:extLst>
+            </p:nvPr>
+          </p:nvSpPr>
+          <p:spPr>
+            <a:xfrm>
+              <a:off x="10938999" y="-8467"/>
+              <a:ext cx="1249825" cy="6866467"/>
+            </a:xfrm>
+            <a:custGeom>
+              <a:avLst/>
+              <a:gdLst/>
+              <a:ahLst/>
+              <a:cxnLst/>
+              <a:rect l="l" t="t" r="r" b="b"/>
+              <a:pathLst>
+                <a:path w="1249825" h="6858000">
+                  <a:moveTo>
+                    <a:pt x="0" y="0"/>
+                  </a:moveTo>
+                  <a:lnTo>
+                    <a:pt x="1249825" y="0"/>
+                  </a:lnTo>
+                  <a:lnTo>
+                    <a:pt x="1249825" y="6858000"/>
+                  </a:lnTo>
+                  <a:lnTo>
+                    <a:pt x="1109382" y="6858000"/>
+                  </a:lnTo>
+                  <a:lnTo>
+                    <a:pt x="0" y="0"/>
+                  </a:lnTo>
+                  <a:close/>
+                </a:path>
+              </a:pathLst>
+            </a:custGeom>
+            <a:solidFill>
+              <a:schemeClr val="accent1">
+                <a:alpha val="65000"/>
+              </a:schemeClr>
+            </a:solidFill>
+            <a:ln>
+              <a:noFill/>
+            </a:ln>
+            <a:effectLst/>
+          </p:spPr>
+          <p:style>
+            <a:lnRef idx="1">
+              <a:schemeClr val="accent1"/>
+            </a:lnRef>
+            <a:fillRef idx="3">
+              <a:schemeClr val="accent1"/>
+            </a:fillRef>
+            <a:effectRef idx="2">
+              <a:schemeClr val="accent1"/>
+            </a:effectRef>
+            <a:fontRef idx="minor">
+              <a:schemeClr val="lt1"/>
+            </a:fontRef>
+          </p:style>
+        </p:sp>
+        <p:sp>
+          <p:nvSpPr>
+            <p:cNvPr id="32" name="Isosceles Triangle 31">
+              <a:extLst>
+                <a:ext uri="{FF2B5EF4-FFF2-40B4-BE49-F238E27FC236}">
+                  <a16:creationId xmlns:a16="http://schemas.microsoft.com/office/drawing/2014/main" id="{4EFA655C-9E50-4C14-A89E-AD7B648E4E2B}"/>
+                </a:ext>
+                <a:ext uri="{C183D7F6-B498-43B3-948B-1728B52AA6E4}">
+                  <adec:decorative xmlns:adec="http://schemas.microsoft.com/office/drawing/2017/decorative" val="1"/>
+                </a:ext>
+              </a:extLst>
+            </p:cNvPr>
+            <p:cNvSpPr/>
+            <p:nvPr>
+              <p:extLst>
+                <p:ext uri="{386F3935-93C4-4BCD-93E2-E3B085C9AB24}">
+                  <p16:designElem xmlns:p16="http://schemas.microsoft.com/office/powerpoint/2015/main" val="1"/>
+                </p:ext>
+              </p:extLst>
+            </p:nvPr>
+          </p:nvSpPr>
+          <p:spPr>
+            <a:xfrm>
+              <a:off x="10371666" y="3589867"/>
+              <a:ext cx="1817159" cy="3268133"/>
+            </a:xfrm>
+            <a:prstGeom prst="triangle">
+              <a:avLst>
+                <a:gd name="adj" fmla="val 100000"/>
+              </a:avLst>
+            </a:prstGeom>
+            <a:solidFill>
+              <a:schemeClr val="accent1">
+                <a:alpha val="80000"/>
+              </a:schemeClr>
+            </a:solidFill>
+            <a:ln>
+              <a:noFill/>
+            </a:ln>
+            <a:effectLst/>
+          </p:spPr>
+          <p:style>
+            <a:lnRef idx="1">
+              <a:schemeClr val="accent1"/>
+            </a:lnRef>
+            <a:fillRef idx="3">
+              <a:schemeClr val="accent1"/>
+            </a:fillRef>
+            <a:effectRef idx="2">
+              <a:schemeClr val="accent1"/>
+            </a:effectRef>
+            <a:fontRef idx="minor">
+              <a:schemeClr val="lt1"/>
+            </a:fontRef>
+          </p:style>
+        </p:sp>
+        <p:sp>
+          <p:nvSpPr>
+            <p:cNvPr id="33" name="Isosceles Triangle 32">
+              <a:extLst>
+                <a:ext uri="{FF2B5EF4-FFF2-40B4-BE49-F238E27FC236}">
+                  <a16:creationId xmlns:a16="http://schemas.microsoft.com/office/drawing/2014/main" id="{3E843863-7D25-4C01-9A17-E817CB6D998A}"/>
+                </a:ext>
+                <a:ext uri="{C183D7F6-B498-43B3-948B-1728B52AA6E4}">
+                  <adec:decorative xmlns:adec="http://schemas.microsoft.com/office/drawing/2017/decorative" val="1"/>
+                </a:ext>
+              </a:extLst>
+            </p:cNvPr>
+            <p:cNvSpPr/>
+            <p:nvPr>
+              <p:extLst>
+                <p:ext uri="{386F3935-93C4-4BCD-93E2-E3B085C9AB24}">
+                  <p16:designElem xmlns:p16="http://schemas.microsoft.com/office/powerpoint/2015/main" val="1"/>
+                </p:ext>
+              </p:extLst>
+            </p:nvPr>
+          </p:nvSpPr>
+          <p:spPr>
+            <a:xfrm>
+              <a:off x="0" y="4013200"/>
+              <a:ext cx="448733" cy="2844800"/>
+            </a:xfrm>
+            <a:prstGeom prst="triangle">
+              <a:avLst>
+                <a:gd name="adj" fmla="val 0"/>
+              </a:avLst>
+            </a:prstGeom>
+            <a:solidFill>
+              <a:schemeClr val="accent1">
+                <a:alpha val="85000"/>
+              </a:schemeClr>
+            </a:solidFill>
+            <a:ln>
+              <a:noFill/>
+            </a:ln>
+            <a:effectLst/>
+          </p:spPr>
+          <p:style>
+            <a:lnRef idx="1">
+              <a:schemeClr val="accent1"/>
+            </a:lnRef>
+            <a:fillRef idx="3">
+              <a:schemeClr val="accent1"/>
+            </a:fillRef>
+            <a:effectRef idx="2">
+              <a:schemeClr val="accent1"/>
+            </a:effectRef>
+            <a:fontRef idx="minor">
+              <a:schemeClr val="lt1"/>
+            </a:fontRef>
+          </p:style>
+        </p:sp>
+      </p:grpSp>
+      <p:sp>
+        <p:nvSpPr>
+          <p:cNvPr id="35" name="Rectangle 34">
+            <a:extLst>
+              <a:ext uri="{FF2B5EF4-FFF2-40B4-BE49-F238E27FC236}">
+                <a16:creationId xmlns:a16="http://schemas.microsoft.com/office/drawing/2014/main" id="{7941F9B1-B01B-4A84-89D9-B169AEB4E456}"/>
+              </a:ext>
+              <a:ext uri="{C183D7F6-B498-43B3-948B-1728B52AA6E4}">
+                <adec:decorative xmlns:adec="http://schemas.microsoft.com/office/drawing/2017/decorative" val="1"/>
+              </a:ext>
+            </a:extLst>
+          </p:cNvPr>
+          <p:cNvSpPr>
+            <a:spLocks noGrp="1" noRot="1" noChangeAspect="1" noMove="1" noResize="1" noEditPoints="1" noAdjustHandles="1" noChangeArrowheads="1" noChangeShapeType="1" noTextEdit="1"/>
+          </p:cNvSpPr>
+          <p:nvPr>
+            <p:extLst>
+              <p:ext uri="{386F3935-93C4-4BCD-93E2-E3B085C9AB24}">
+                <p16:designElem xmlns:p16="http://schemas.microsoft.com/office/powerpoint/2015/main" val="1"/>
+              </p:ext>
+            </p:extLst>
+          </p:nvPr>
+        </p:nvSpPr>
+        <p:spPr>
+          <a:xfrm>
+            <a:off x="477012" y="480060"/>
+            <a:ext cx="11237976" cy="5897880"/>
+          </a:xfrm>
+          <a:prstGeom prst="rect">
+            <a:avLst/>
+          </a:prstGeom>
+          <a:solidFill>
+            <a:srgbClr val="FFFFFF"/>
+          </a:solidFill>
+          <a:ln w="9525">
+            <a:noFill/>
+          </a:ln>
+          <a:effectLst>
+            <a:outerShdw blurRad="63500" dist="17780" dir="5400000" algn="t" rotWithShape="0">
+              <a:prstClr val="black">
+                <a:alpha val="43000"/>
+              </a:prstClr>
+            </a:outerShdw>
+          </a:effectLst>
+        </p:spPr>
+        <p:style>
+          <a:lnRef idx="2">
+            <a:schemeClr val="accent1">
+              <a:shade val="50000"/>
+            </a:schemeClr>
+          </a:lnRef>
+          <a:fillRef idx="1">
+            <a:schemeClr val="accent1"/>
+          </a:fillRef>
+          <a:effectRef idx="0">
+            <a:schemeClr val="accent1"/>
+          </a:effectRef>
+          <a:fontRef idx="minor">
+            <a:schemeClr val="lt1"/>
+          </a:fontRef>
+        </p:style>
+        <p:txBody>
+          <a:bodyPr rtlCol="0" anchor="ctr"/>
+          <a:lstStyle/>
+          <a:p>
+            <a:pPr algn="ctr"/>
+            <a:endParaRPr lang="en-US"/>
+          </a:p>
+        </p:txBody>
+      </p:sp>
+      <p:pic>
+        <p:nvPicPr>
+          <p:cNvPr id="5" name="Segnaposto contenuto 4" descr="Immagine che contiene testo&#10;&#10;Descrizione generata automaticamente">
+            <a:extLst>
+              <a:ext uri="{FF2B5EF4-FFF2-40B4-BE49-F238E27FC236}">
+                <a16:creationId xmlns:a16="http://schemas.microsoft.com/office/drawing/2014/main" id="{723F4DDF-697F-4EEC-9FBD-98C30686B560}"/>
+              </a:ext>
+            </a:extLst>
+          </p:cNvPr>
+          <p:cNvPicPr>
+            <a:picLocks noGrp="1" noChangeAspect="1"/>
+          </p:cNvPicPr>
+          <p:nvPr>
+            <p:ph idx="1"/>
+          </p:nvPr>
+        </p:nvPicPr>
+        <p:blipFill>
+          <a:blip r:embed="rId2">
+            <a:extLst>
+              <a:ext uri="{28A0092B-C50C-407E-A947-70E740481C1C}">
+                <a14:useLocalDpi xmlns:a14="http://schemas.microsoft.com/office/drawing/2010/main" val="0"/>
+              </a:ext>
+            </a:extLst>
+          </a:blip>
+          <a:stretch>
+            <a:fillRect/>
+          </a:stretch>
+        </p:blipFill>
+        <p:spPr>
+          <a:xfrm>
+            <a:off x="493109" y="557836"/>
+            <a:ext cx="11113462" cy="5667866"/>
+          </a:xfrm>
+          <a:prstGeom prst="rect">
+            <a:avLst/>
+          </a:prstGeom>
+        </p:spPr>
+      </p:pic>
+    </p:spTree>
+    <p:extLst>
+      <p:ext uri="{BB962C8B-B14F-4D97-AF65-F5344CB8AC3E}">
+        <p14:creationId xmlns:p14="http://schemas.microsoft.com/office/powerpoint/2010/main" val="735307251"/>
+      </p:ext>
+    </p:extLst>
+  </p:cSld>
+  <p:clrMapOvr>
+    <a:masterClrMapping/>
+  </p:clrMapOvr>
+</p:sld>
+</file>
+
+<file path=ppt/slides/slide30.xml><?xml version="1.0" encoding="utf-8"?>
 <p:sld xmlns:a="http://schemas.openxmlformats.org/drawingml/2006/main" xmlns:r="http://schemas.openxmlformats.org/officeDocument/2006/relationships" xmlns:p="http://schemas.openxmlformats.org/presentationml/2006/main">
   <p:cSld>
     <p:spTree>
@@ -30447,7 +33248,7 @@
 </p:sld>
 </file>
 
-<file path=ppt/slides/slide28.xml><?xml version="1.0" encoding="utf-8"?>
+<file path=ppt/slides/slide31.xml><?xml version="1.0" encoding="utf-8"?>
 <p:sld xmlns:a="http://schemas.openxmlformats.org/drawingml/2006/main" xmlns:r="http://schemas.openxmlformats.org/officeDocument/2006/relationships" xmlns:p="http://schemas.openxmlformats.org/presentationml/2006/main">
   <p:cSld>
     <p:bg>
@@ -31321,7 +34122,7 @@
 </p:sld>
 </file>
 
-<file path=ppt/slides/slide29.xml><?xml version="1.0" encoding="utf-8"?>
+<file path=ppt/slides/slide32.xml><?xml version="1.0" encoding="utf-8"?>
 <p:sld xmlns:a="http://schemas.openxmlformats.org/drawingml/2006/main" xmlns:r="http://schemas.openxmlformats.org/officeDocument/2006/relationships" xmlns:p="http://schemas.openxmlformats.org/presentationml/2006/main">
   <p:cSld>
     <p:bg>
@@ -31614,1558 +34415,7 @@
 </p:sld>
 </file>
 
-<file path=ppt/slides/slide3.xml><?xml version="1.0" encoding="utf-8"?>
-<p:sld xmlns:a="http://schemas.openxmlformats.org/drawingml/2006/main" xmlns:r="http://schemas.openxmlformats.org/officeDocument/2006/relationships" xmlns:p="http://schemas.openxmlformats.org/presentationml/2006/main">
-  <p:cSld>
-    <p:bg>
-      <p:bgPr>
-        <a:solidFill>
-          <a:schemeClr val="bg1"/>
-        </a:solidFill>
-        <a:effectLst/>
-      </p:bgPr>
-    </p:bg>
-    <p:spTree>
-      <p:nvGrpSpPr>
-        <p:cNvPr id="1" name=""/>
-        <p:cNvGrpSpPr/>
-        <p:nvPr/>
-      </p:nvGrpSpPr>
-      <p:grpSpPr>
-        <a:xfrm>
-          <a:off x="0" y="0"/>
-          <a:ext cx="0" cy="0"/>
-          <a:chOff x="0" y="0"/>
-          <a:chExt cx="0" cy="0"/>
-        </a:xfrm>
-      </p:grpSpPr>
-      <p:grpSp>
-        <p:nvGrpSpPr>
-          <p:cNvPr id="10" name="Group 9">
-            <a:extLst>
-              <a:ext uri="{FF2B5EF4-FFF2-40B4-BE49-F238E27FC236}">
-                <a16:creationId xmlns:a16="http://schemas.microsoft.com/office/drawing/2014/main" id="{609316A9-990D-4EC3-A671-70EE5C1493A4}"/>
-              </a:ext>
-              <a:ext uri="{C183D7F6-B498-43B3-948B-1728B52AA6E4}">
-                <adec:decorative xmlns:adec="http://schemas.microsoft.com/office/drawing/2017/decorative" val="1"/>
-              </a:ext>
-            </a:extLst>
-          </p:cNvPr>
-          <p:cNvGrpSpPr>
-            <a:grpSpLocks noGrp="1" noUngrp="1" noRot="1" noChangeAspect="1" noMove="1" noResize="1"/>
-          </p:cNvGrpSpPr>
-          <p:nvPr>
-            <p:extLst>
-              <p:ext uri="{386F3935-93C4-4BCD-93E2-E3B085C9AB24}">
-                <p16:designElem xmlns:p16="http://schemas.microsoft.com/office/powerpoint/2015/main" val="1"/>
-              </p:ext>
-            </p:extLst>
-          </p:nvPr>
-        </p:nvGrpSpPr>
-        <p:grpSpPr>
-          <a:xfrm>
-            <a:off x="0" y="-8467"/>
-            <a:ext cx="12192000" cy="6866467"/>
-            <a:chOff x="0" y="-8467"/>
-            <a:chExt cx="12192000" cy="6866467"/>
-          </a:xfrm>
-        </p:grpSpPr>
-        <p:cxnSp>
-          <p:nvCxnSpPr>
-            <p:cNvPr id="11" name="Straight Connector 10">
-              <a:extLst>
-                <a:ext uri="{FF2B5EF4-FFF2-40B4-BE49-F238E27FC236}">
-                  <a16:creationId xmlns:a16="http://schemas.microsoft.com/office/drawing/2014/main" id="{9B0C6109-9159-49CA-AD7A-F9035539DB7F}"/>
-                </a:ext>
-                <a:ext uri="{C183D7F6-B498-43B3-948B-1728B52AA6E4}">
-                  <adec:decorative xmlns:adec="http://schemas.microsoft.com/office/drawing/2017/decorative" val="1"/>
-                </a:ext>
-              </a:extLst>
-            </p:cNvPr>
-            <p:cNvCxnSpPr/>
-            <p:nvPr>
-              <p:extLst>
-                <p:ext uri="{386F3935-93C4-4BCD-93E2-E3B085C9AB24}">
-                  <p16:designElem xmlns:p16="http://schemas.microsoft.com/office/powerpoint/2015/main" val="1"/>
-                </p:ext>
-              </p:extLst>
-            </p:nvPr>
-          </p:nvCxnSpPr>
-          <p:spPr>
-            <a:xfrm>
-              <a:off x="9371012" y="0"/>
-              <a:ext cx="1219200" cy="6858000"/>
-            </a:xfrm>
-            <a:prstGeom prst="line">
-              <a:avLst/>
-            </a:prstGeom>
-            <a:ln w="9525">
-              <a:solidFill>
-                <a:schemeClr val="bg1">
-                  <a:lumMod val="75000"/>
-                </a:schemeClr>
-              </a:solidFill>
-            </a:ln>
-          </p:spPr>
-          <p:style>
-            <a:lnRef idx="2">
-              <a:schemeClr val="accent1"/>
-            </a:lnRef>
-            <a:fillRef idx="0">
-              <a:schemeClr val="accent1"/>
-            </a:fillRef>
-            <a:effectRef idx="1">
-              <a:schemeClr val="accent1"/>
-            </a:effectRef>
-            <a:fontRef idx="minor">
-              <a:schemeClr val="tx1"/>
-            </a:fontRef>
-          </p:style>
-        </p:cxnSp>
-        <p:cxnSp>
-          <p:nvCxnSpPr>
-            <p:cNvPr id="21" name="Straight Connector 11">
-              <a:extLst>
-                <a:ext uri="{FF2B5EF4-FFF2-40B4-BE49-F238E27FC236}">
-                  <a16:creationId xmlns:a16="http://schemas.microsoft.com/office/drawing/2014/main" id="{686F14F5-308C-4EB6-87AB-05DE9501B1AA}"/>
-                </a:ext>
-                <a:ext uri="{C183D7F6-B498-43B3-948B-1728B52AA6E4}">
-                  <adec:decorative xmlns:adec="http://schemas.microsoft.com/office/drawing/2017/decorative" val="1"/>
-                </a:ext>
-              </a:extLst>
-            </p:cNvPr>
-            <p:cNvCxnSpPr/>
-            <p:nvPr>
-              <p:extLst>
-                <p:ext uri="{386F3935-93C4-4BCD-93E2-E3B085C9AB24}">
-                  <p16:designElem xmlns:p16="http://schemas.microsoft.com/office/powerpoint/2015/main" val="1"/>
-                </p:ext>
-              </p:extLst>
-            </p:nvPr>
-          </p:nvCxnSpPr>
-          <p:spPr>
-            <a:xfrm flipH="1">
-              <a:off x="7425267" y="3681413"/>
-              <a:ext cx="4763558" cy="3176587"/>
-            </a:xfrm>
-            <a:prstGeom prst="line">
-              <a:avLst/>
-            </a:prstGeom>
-            <a:ln w="9525">
-              <a:solidFill>
-                <a:schemeClr val="bg1">
-                  <a:lumMod val="85000"/>
-                </a:schemeClr>
-              </a:solidFill>
-            </a:ln>
-          </p:spPr>
-          <p:style>
-            <a:lnRef idx="2">
-              <a:schemeClr val="accent1"/>
-            </a:lnRef>
-            <a:fillRef idx="0">
-              <a:schemeClr val="accent1"/>
-            </a:fillRef>
-            <a:effectRef idx="1">
-              <a:schemeClr val="accent1"/>
-            </a:effectRef>
-            <a:fontRef idx="minor">
-              <a:schemeClr val="tx1"/>
-            </a:fontRef>
-          </p:style>
-        </p:cxnSp>
-        <p:sp>
-          <p:nvSpPr>
-            <p:cNvPr id="13" name="Rectangle 23">
-              <a:extLst>
-                <a:ext uri="{FF2B5EF4-FFF2-40B4-BE49-F238E27FC236}">
-                  <a16:creationId xmlns:a16="http://schemas.microsoft.com/office/drawing/2014/main" id="{BA032363-A188-47C5-9D59-9B788809DCD2}"/>
-                </a:ext>
-                <a:ext uri="{C183D7F6-B498-43B3-948B-1728B52AA6E4}">
-                  <adec:decorative xmlns:adec="http://schemas.microsoft.com/office/drawing/2017/decorative" val="1"/>
-                </a:ext>
-              </a:extLst>
-            </p:cNvPr>
-            <p:cNvSpPr/>
-            <p:nvPr>
-              <p:extLst>
-                <p:ext uri="{386F3935-93C4-4BCD-93E2-E3B085C9AB24}">
-                  <p16:designElem xmlns:p16="http://schemas.microsoft.com/office/powerpoint/2015/main" val="1"/>
-                </p:ext>
-              </p:extLst>
-            </p:nvPr>
-          </p:nvSpPr>
-          <p:spPr>
-            <a:xfrm>
-              <a:off x="9181476" y="-8467"/>
-              <a:ext cx="3007349" cy="6866467"/>
-            </a:xfrm>
-            <a:custGeom>
-              <a:avLst/>
-              <a:gdLst/>
-              <a:ahLst/>
-              <a:cxnLst/>
-              <a:rect l="l" t="t" r="r" b="b"/>
-              <a:pathLst>
-                <a:path w="3007349" h="6866467">
-                  <a:moveTo>
-                    <a:pt x="2045532" y="0"/>
-                  </a:moveTo>
-                  <a:lnTo>
-                    <a:pt x="3007349" y="0"/>
-                  </a:lnTo>
-                  <a:lnTo>
-                    <a:pt x="3007349" y="6866467"/>
-                  </a:lnTo>
-                  <a:lnTo>
-                    <a:pt x="0" y="6866467"/>
-                  </a:lnTo>
-                  <a:lnTo>
-                    <a:pt x="2045532" y="0"/>
-                  </a:lnTo>
-                  <a:close/>
-                </a:path>
-              </a:pathLst>
-            </a:custGeom>
-            <a:solidFill>
-              <a:schemeClr val="accent1">
-                <a:alpha val="30000"/>
-              </a:schemeClr>
-            </a:solidFill>
-            <a:ln>
-              <a:noFill/>
-            </a:ln>
-            <a:effectLst/>
-          </p:spPr>
-          <p:style>
-            <a:lnRef idx="1">
-              <a:schemeClr val="accent1"/>
-            </a:lnRef>
-            <a:fillRef idx="3">
-              <a:schemeClr val="accent1"/>
-            </a:fillRef>
-            <a:effectRef idx="2">
-              <a:schemeClr val="accent1"/>
-            </a:effectRef>
-            <a:fontRef idx="minor">
-              <a:schemeClr val="lt1"/>
-            </a:fontRef>
-          </p:style>
-        </p:sp>
-        <p:sp>
-          <p:nvSpPr>
-            <p:cNvPr id="14" name="Rectangle 25">
-              <a:extLst>
-                <a:ext uri="{FF2B5EF4-FFF2-40B4-BE49-F238E27FC236}">
-                  <a16:creationId xmlns:a16="http://schemas.microsoft.com/office/drawing/2014/main" id="{2C4077DF-6BB9-4069-AD28-6B1664EBB064}"/>
-                </a:ext>
-                <a:ext uri="{C183D7F6-B498-43B3-948B-1728B52AA6E4}">
-                  <adec:decorative xmlns:adec="http://schemas.microsoft.com/office/drawing/2017/decorative" val="1"/>
-                </a:ext>
-              </a:extLst>
-            </p:cNvPr>
-            <p:cNvSpPr/>
-            <p:nvPr>
-              <p:extLst>
-                <p:ext uri="{386F3935-93C4-4BCD-93E2-E3B085C9AB24}">
-                  <p16:designElem xmlns:p16="http://schemas.microsoft.com/office/powerpoint/2015/main" val="1"/>
-                </p:ext>
-              </p:extLst>
-            </p:nvPr>
-          </p:nvSpPr>
-          <p:spPr>
-            <a:xfrm>
-              <a:off x="9603442" y="-8467"/>
-              <a:ext cx="2588558" cy="6866467"/>
-            </a:xfrm>
-            <a:custGeom>
-              <a:avLst/>
-              <a:gdLst/>
-              <a:ahLst/>
-              <a:cxnLst/>
-              <a:rect l="l" t="t" r="r" b="b"/>
-              <a:pathLst>
-                <a:path w="2573311" h="6866467">
-                  <a:moveTo>
-                    <a:pt x="0" y="0"/>
-                  </a:moveTo>
-                  <a:lnTo>
-                    <a:pt x="2573311" y="0"/>
-                  </a:lnTo>
-                  <a:lnTo>
-                    <a:pt x="2573311" y="6866467"/>
-                  </a:lnTo>
-                  <a:lnTo>
-                    <a:pt x="1202336" y="6866467"/>
-                  </a:lnTo>
-                  <a:lnTo>
-                    <a:pt x="0" y="0"/>
-                  </a:lnTo>
-                  <a:close/>
-                </a:path>
-              </a:pathLst>
-            </a:custGeom>
-            <a:solidFill>
-              <a:schemeClr val="accent1">
-                <a:alpha val="20000"/>
-              </a:schemeClr>
-            </a:solidFill>
-            <a:ln>
-              <a:noFill/>
-            </a:ln>
-            <a:effectLst/>
-          </p:spPr>
-          <p:style>
-            <a:lnRef idx="1">
-              <a:schemeClr val="accent1"/>
-            </a:lnRef>
-            <a:fillRef idx="3">
-              <a:schemeClr val="accent1"/>
-            </a:fillRef>
-            <a:effectRef idx="2">
-              <a:schemeClr val="accent1"/>
-            </a:effectRef>
-            <a:fontRef idx="minor">
-              <a:schemeClr val="lt1"/>
-            </a:fontRef>
-          </p:style>
-        </p:sp>
-        <p:sp>
-          <p:nvSpPr>
-            <p:cNvPr id="15" name="Isosceles Triangle 14">
-              <a:extLst>
-                <a:ext uri="{FF2B5EF4-FFF2-40B4-BE49-F238E27FC236}">
-                  <a16:creationId xmlns:a16="http://schemas.microsoft.com/office/drawing/2014/main" id="{1D2B8B50-3419-41ED-9A9F-3CF9EEBBD3F2}"/>
-                </a:ext>
-                <a:ext uri="{C183D7F6-B498-43B3-948B-1728B52AA6E4}">
-                  <adec:decorative xmlns:adec="http://schemas.microsoft.com/office/drawing/2017/decorative" val="1"/>
-                </a:ext>
-              </a:extLst>
-            </p:cNvPr>
-            <p:cNvSpPr/>
-            <p:nvPr>
-              <p:extLst>
-                <p:ext uri="{386F3935-93C4-4BCD-93E2-E3B085C9AB24}">
-                  <p16:designElem xmlns:p16="http://schemas.microsoft.com/office/powerpoint/2015/main" val="1"/>
-                </p:ext>
-              </p:extLst>
-            </p:nvPr>
-          </p:nvSpPr>
-          <p:spPr>
-            <a:xfrm>
-              <a:off x="8932333" y="3048000"/>
-              <a:ext cx="3259667" cy="3810000"/>
-            </a:xfrm>
-            <a:prstGeom prst="triangle">
-              <a:avLst>
-                <a:gd name="adj" fmla="val 100000"/>
-              </a:avLst>
-            </a:prstGeom>
-            <a:solidFill>
-              <a:schemeClr val="accent2">
-                <a:alpha val="72000"/>
-              </a:schemeClr>
-            </a:solidFill>
-            <a:ln>
-              <a:noFill/>
-            </a:ln>
-            <a:effectLst/>
-          </p:spPr>
-          <p:style>
-            <a:lnRef idx="1">
-              <a:schemeClr val="accent1"/>
-            </a:lnRef>
-            <a:fillRef idx="3">
-              <a:schemeClr val="accent1"/>
-            </a:fillRef>
-            <a:effectRef idx="2">
-              <a:schemeClr val="accent1"/>
-            </a:effectRef>
-            <a:fontRef idx="minor">
-              <a:schemeClr val="lt1"/>
-            </a:fontRef>
-          </p:style>
-        </p:sp>
-        <p:sp>
-          <p:nvSpPr>
-            <p:cNvPr id="16" name="Rectangle 27">
-              <a:extLst>
-                <a:ext uri="{FF2B5EF4-FFF2-40B4-BE49-F238E27FC236}">
-                  <a16:creationId xmlns:a16="http://schemas.microsoft.com/office/drawing/2014/main" id="{5C640498-2E73-4FA2-BEB6-C3596A458C8A}"/>
-                </a:ext>
-                <a:ext uri="{C183D7F6-B498-43B3-948B-1728B52AA6E4}">
-                  <adec:decorative xmlns:adec="http://schemas.microsoft.com/office/drawing/2017/decorative" val="1"/>
-                </a:ext>
-              </a:extLst>
-            </p:cNvPr>
-            <p:cNvSpPr/>
-            <p:nvPr>
-              <p:extLst>
-                <p:ext uri="{386F3935-93C4-4BCD-93E2-E3B085C9AB24}">
-                  <p16:designElem xmlns:p16="http://schemas.microsoft.com/office/powerpoint/2015/main" val="1"/>
-                </p:ext>
-              </p:extLst>
-            </p:nvPr>
-          </p:nvSpPr>
-          <p:spPr>
-            <a:xfrm>
-              <a:off x="9334500" y="-8467"/>
-              <a:ext cx="2854326" cy="6866467"/>
-            </a:xfrm>
-            <a:custGeom>
-              <a:avLst/>
-              <a:gdLst/>
-              <a:ahLst/>
-              <a:cxnLst/>
-              <a:rect l="l" t="t" r="r" b="b"/>
-              <a:pathLst>
-                <a:path w="2858013" h="6866467">
-                  <a:moveTo>
-                    <a:pt x="0" y="0"/>
-                  </a:moveTo>
-                  <a:lnTo>
-                    <a:pt x="2858013" y="0"/>
-                  </a:lnTo>
-                  <a:lnTo>
-                    <a:pt x="2858013" y="6866467"/>
-                  </a:lnTo>
-                  <a:lnTo>
-                    <a:pt x="2473942" y="6866467"/>
-                  </a:lnTo>
-                  <a:lnTo>
-                    <a:pt x="0" y="0"/>
-                  </a:lnTo>
-                  <a:close/>
-                </a:path>
-              </a:pathLst>
-            </a:custGeom>
-            <a:solidFill>
-              <a:schemeClr val="accent2">
-                <a:lumMod val="75000"/>
-                <a:alpha val="70000"/>
-              </a:schemeClr>
-            </a:solidFill>
-            <a:ln>
-              <a:noFill/>
-            </a:ln>
-            <a:effectLst/>
-          </p:spPr>
-          <p:style>
-            <a:lnRef idx="1">
-              <a:schemeClr val="accent1"/>
-            </a:lnRef>
-            <a:fillRef idx="3">
-              <a:schemeClr val="accent1"/>
-            </a:fillRef>
-            <a:effectRef idx="2">
-              <a:schemeClr val="accent1"/>
-            </a:effectRef>
-            <a:fontRef idx="minor">
-              <a:schemeClr val="lt1"/>
-            </a:fontRef>
-          </p:style>
-        </p:sp>
-        <p:sp>
-          <p:nvSpPr>
-            <p:cNvPr id="17" name="Rectangle 28">
-              <a:extLst>
-                <a:ext uri="{FF2B5EF4-FFF2-40B4-BE49-F238E27FC236}">
-                  <a16:creationId xmlns:a16="http://schemas.microsoft.com/office/drawing/2014/main" id="{3240EEFC-4112-4C39-A816-C815774F6D69}"/>
-                </a:ext>
-                <a:ext uri="{C183D7F6-B498-43B3-948B-1728B52AA6E4}">
-                  <adec:decorative xmlns:adec="http://schemas.microsoft.com/office/drawing/2017/decorative" val="1"/>
-                </a:ext>
-              </a:extLst>
-            </p:cNvPr>
-            <p:cNvSpPr/>
-            <p:nvPr>
-              <p:extLst>
-                <p:ext uri="{386F3935-93C4-4BCD-93E2-E3B085C9AB24}">
-                  <p16:designElem xmlns:p16="http://schemas.microsoft.com/office/powerpoint/2015/main" val="1"/>
-                </p:ext>
-              </p:extLst>
-            </p:nvPr>
-          </p:nvSpPr>
-          <p:spPr>
-            <a:xfrm>
-              <a:off x="10898730" y="-8467"/>
-              <a:ext cx="1290094" cy="6866467"/>
-            </a:xfrm>
-            <a:custGeom>
-              <a:avLst/>
-              <a:gdLst/>
-              <a:ahLst/>
-              <a:cxnLst/>
-              <a:rect l="l" t="t" r="r" b="b"/>
-              <a:pathLst>
-                <a:path w="1290094" h="6858000">
-                  <a:moveTo>
-                    <a:pt x="1019735" y="0"/>
-                  </a:moveTo>
-                  <a:lnTo>
-                    <a:pt x="1290094" y="0"/>
-                  </a:lnTo>
-                  <a:lnTo>
-                    <a:pt x="1290094" y="6858000"/>
-                  </a:lnTo>
-                  <a:lnTo>
-                    <a:pt x="0" y="6858000"/>
-                  </a:lnTo>
-                  <a:lnTo>
-                    <a:pt x="1019735" y="0"/>
-                  </a:lnTo>
-                  <a:close/>
-                </a:path>
-              </a:pathLst>
-            </a:custGeom>
-            <a:solidFill>
-              <a:schemeClr val="accent1">
-                <a:lumMod val="60000"/>
-                <a:lumOff val="40000"/>
-                <a:alpha val="70000"/>
-              </a:schemeClr>
-            </a:solidFill>
-            <a:ln>
-              <a:noFill/>
-            </a:ln>
-            <a:effectLst/>
-          </p:spPr>
-          <p:style>
-            <a:lnRef idx="1">
-              <a:schemeClr val="accent1"/>
-            </a:lnRef>
-            <a:fillRef idx="3">
-              <a:schemeClr val="accent1"/>
-            </a:fillRef>
-            <a:effectRef idx="2">
-              <a:schemeClr val="accent1"/>
-            </a:effectRef>
-            <a:fontRef idx="minor">
-              <a:schemeClr val="lt1"/>
-            </a:fontRef>
-          </p:style>
-        </p:sp>
-        <p:sp>
-          <p:nvSpPr>
-            <p:cNvPr id="18" name="Rectangle 29">
-              <a:extLst>
-                <a:ext uri="{FF2B5EF4-FFF2-40B4-BE49-F238E27FC236}">
-                  <a16:creationId xmlns:a16="http://schemas.microsoft.com/office/drawing/2014/main" id="{ADF362B0-03EA-4800-9FAA-9F128587E428}"/>
-                </a:ext>
-                <a:ext uri="{C183D7F6-B498-43B3-948B-1728B52AA6E4}">
-                  <adec:decorative xmlns:adec="http://schemas.microsoft.com/office/drawing/2017/decorative" val="1"/>
-                </a:ext>
-              </a:extLst>
-            </p:cNvPr>
-            <p:cNvSpPr/>
-            <p:nvPr>
-              <p:extLst>
-                <p:ext uri="{386F3935-93C4-4BCD-93E2-E3B085C9AB24}">
-                  <p16:designElem xmlns:p16="http://schemas.microsoft.com/office/powerpoint/2015/main" val="1"/>
-                </p:ext>
-              </p:extLst>
-            </p:nvPr>
-          </p:nvSpPr>
-          <p:spPr>
-            <a:xfrm>
-              <a:off x="10938999" y="-8467"/>
-              <a:ext cx="1249825" cy="6866467"/>
-            </a:xfrm>
-            <a:custGeom>
-              <a:avLst/>
-              <a:gdLst/>
-              <a:ahLst/>
-              <a:cxnLst/>
-              <a:rect l="l" t="t" r="r" b="b"/>
-              <a:pathLst>
-                <a:path w="1249825" h="6858000">
-                  <a:moveTo>
-                    <a:pt x="0" y="0"/>
-                  </a:moveTo>
-                  <a:lnTo>
-                    <a:pt x="1249825" y="0"/>
-                  </a:lnTo>
-                  <a:lnTo>
-                    <a:pt x="1249825" y="6858000"/>
-                  </a:lnTo>
-                  <a:lnTo>
-                    <a:pt x="1109382" y="6858000"/>
-                  </a:lnTo>
-                  <a:lnTo>
-                    <a:pt x="0" y="0"/>
-                  </a:lnTo>
-                  <a:close/>
-                </a:path>
-              </a:pathLst>
-            </a:custGeom>
-            <a:solidFill>
-              <a:schemeClr val="accent1">
-                <a:alpha val="65000"/>
-              </a:schemeClr>
-            </a:solidFill>
-            <a:ln>
-              <a:noFill/>
-            </a:ln>
-            <a:effectLst/>
-          </p:spPr>
-          <p:style>
-            <a:lnRef idx="1">
-              <a:schemeClr val="accent1"/>
-            </a:lnRef>
-            <a:fillRef idx="3">
-              <a:schemeClr val="accent1"/>
-            </a:fillRef>
-            <a:effectRef idx="2">
-              <a:schemeClr val="accent1"/>
-            </a:effectRef>
-            <a:fontRef idx="minor">
-              <a:schemeClr val="lt1"/>
-            </a:fontRef>
-          </p:style>
-        </p:sp>
-        <p:sp>
-          <p:nvSpPr>
-            <p:cNvPr id="19" name="Isosceles Triangle 18">
-              <a:extLst>
-                <a:ext uri="{FF2B5EF4-FFF2-40B4-BE49-F238E27FC236}">
-                  <a16:creationId xmlns:a16="http://schemas.microsoft.com/office/drawing/2014/main" id="{0BA84559-2F4C-4795-9246-4C563F942DB9}"/>
-                </a:ext>
-                <a:ext uri="{C183D7F6-B498-43B3-948B-1728B52AA6E4}">
-                  <adec:decorative xmlns:adec="http://schemas.microsoft.com/office/drawing/2017/decorative" val="1"/>
-                </a:ext>
-              </a:extLst>
-            </p:cNvPr>
-            <p:cNvSpPr/>
-            <p:nvPr>
-              <p:extLst>
-                <p:ext uri="{386F3935-93C4-4BCD-93E2-E3B085C9AB24}">
-                  <p16:designElem xmlns:p16="http://schemas.microsoft.com/office/powerpoint/2015/main" val="1"/>
-                </p:ext>
-              </p:extLst>
-            </p:nvPr>
-          </p:nvSpPr>
-          <p:spPr>
-            <a:xfrm>
-              <a:off x="10371666" y="3589867"/>
-              <a:ext cx="1817159" cy="3268133"/>
-            </a:xfrm>
-            <a:prstGeom prst="triangle">
-              <a:avLst>
-                <a:gd name="adj" fmla="val 100000"/>
-              </a:avLst>
-            </a:prstGeom>
-            <a:solidFill>
-              <a:schemeClr val="accent1">
-                <a:alpha val="80000"/>
-              </a:schemeClr>
-            </a:solidFill>
-            <a:ln>
-              <a:noFill/>
-            </a:ln>
-            <a:effectLst/>
-          </p:spPr>
-          <p:style>
-            <a:lnRef idx="1">
-              <a:schemeClr val="accent1"/>
-            </a:lnRef>
-            <a:fillRef idx="3">
-              <a:schemeClr val="accent1"/>
-            </a:fillRef>
-            <a:effectRef idx="2">
-              <a:schemeClr val="accent1"/>
-            </a:effectRef>
-            <a:fontRef idx="minor">
-              <a:schemeClr val="lt1"/>
-            </a:fontRef>
-          </p:style>
-        </p:sp>
-        <p:sp>
-          <p:nvSpPr>
-            <p:cNvPr id="20" name="Isosceles Triangle 19">
-              <a:extLst>
-                <a:ext uri="{FF2B5EF4-FFF2-40B4-BE49-F238E27FC236}">
-                  <a16:creationId xmlns:a16="http://schemas.microsoft.com/office/drawing/2014/main" id="{FA77A1AA-CA47-4A91-A0A1-0A8CE31A985E}"/>
-                </a:ext>
-                <a:ext uri="{C183D7F6-B498-43B3-948B-1728B52AA6E4}">
-                  <adec:decorative xmlns:adec="http://schemas.microsoft.com/office/drawing/2017/decorative" val="1"/>
-                </a:ext>
-              </a:extLst>
-            </p:cNvPr>
-            <p:cNvSpPr/>
-            <p:nvPr>
-              <p:extLst>
-                <p:ext uri="{386F3935-93C4-4BCD-93E2-E3B085C9AB24}">
-                  <p16:designElem xmlns:p16="http://schemas.microsoft.com/office/powerpoint/2015/main" val="1"/>
-                </p:ext>
-              </p:extLst>
-            </p:nvPr>
-          </p:nvSpPr>
-          <p:spPr>
-            <a:xfrm>
-              <a:off x="0" y="4013200"/>
-              <a:ext cx="448733" cy="2844800"/>
-            </a:xfrm>
-            <a:prstGeom prst="triangle">
-              <a:avLst>
-                <a:gd name="adj" fmla="val 0"/>
-              </a:avLst>
-            </a:prstGeom>
-            <a:solidFill>
-              <a:schemeClr val="accent1">
-                <a:alpha val="85000"/>
-              </a:schemeClr>
-            </a:solidFill>
-            <a:ln>
-              <a:noFill/>
-            </a:ln>
-            <a:effectLst/>
-          </p:spPr>
-          <p:style>
-            <a:lnRef idx="1">
-              <a:schemeClr val="accent1"/>
-            </a:lnRef>
-            <a:fillRef idx="3">
-              <a:schemeClr val="accent1"/>
-            </a:fillRef>
-            <a:effectRef idx="2">
-              <a:schemeClr val="accent1"/>
-            </a:effectRef>
-            <a:fontRef idx="minor">
-              <a:schemeClr val="lt1"/>
-            </a:fontRef>
-          </p:style>
-        </p:sp>
-      </p:grpSp>
-      <p:sp>
-        <p:nvSpPr>
-          <p:cNvPr id="22" name="Rectangle 21">
-            <a:extLst>
-              <a:ext uri="{FF2B5EF4-FFF2-40B4-BE49-F238E27FC236}">
-                <a16:creationId xmlns:a16="http://schemas.microsoft.com/office/drawing/2014/main" id="{03E8462A-FEBA-4848-81CC-3F8DA3E477BE}"/>
-              </a:ext>
-              <a:ext uri="{C183D7F6-B498-43B3-948B-1728B52AA6E4}">
-                <adec:decorative xmlns:adec="http://schemas.microsoft.com/office/drawing/2017/decorative" val="1"/>
-              </a:ext>
-            </a:extLst>
-          </p:cNvPr>
-          <p:cNvSpPr>
-            <a:spLocks noGrp="1" noRot="1" noChangeAspect="1" noMove="1" noResize="1" noEditPoints="1" noAdjustHandles="1" noChangeArrowheads="1" noChangeShapeType="1" noTextEdit="1"/>
-          </p:cNvSpPr>
-          <p:nvPr>
-            <p:extLst>
-              <p:ext uri="{386F3935-93C4-4BCD-93E2-E3B085C9AB24}">
-                <p16:designElem xmlns:p16="http://schemas.microsoft.com/office/powerpoint/2015/main" val="1"/>
-              </p:ext>
-            </p:extLst>
-          </p:nvPr>
-        </p:nvSpPr>
-        <p:spPr>
-          <a:xfrm>
-            <a:off x="0" y="0"/>
-            <a:ext cx="12188952" cy="6858000"/>
-          </a:xfrm>
-          <a:prstGeom prst="rect">
-            <a:avLst/>
-          </a:prstGeom>
-          <a:solidFill>
-            <a:schemeClr val="accent2"/>
-          </a:solidFill>
-          <a:ln>
-            <a:noFill/>
-          </a:ln>
-        </p:spPr>
-        <p:style>
-          <a:lnRef idx="2">
-            <a:schemeClr val="accent1">
-              <a:shade val="50000"/>
-            </a:schemeClr>
-          </a:lnRef>
-          <a:fillRef idx="1">
-            <a:schemeClr val="accent1"/>
-          </a:fillRef>
-          <a:effectRef idx="0">
-            <a:schemeClr val="accent1"/>
-          </a:effectRef>
-          <a:fontRef idx="minor">
-            <a:schemeClr val="lt1"/>
-          </a:fontRef>
-        </p:style>
-        <p:txBody>
-          <a:bodyPr rtlCol="0" anchor="ctr"/>
-          <a:lstStyle/>
-          <a:p>
-            <a:pPr algn="ctr"/>
-            <a:endParaRPr lang="en-US"/>
-          </a:p>
-        </p:txBody>
-      </p:sp>
-      <p:grpSp>
-        <p:nvGrpSpPr>
-          <p:cNvPr id="24" name="Group 23">
-            <a:extLst>
-              <a:ext uri="{FF2B5EF4-FFF2-40B4-BE49-F238E27FC236}">
-                <a16:creationId xmlns:a16="http://schemas.microsoft.com/office/drawing/2014/main" id="{2109F83F-40FE-4DB3-84CC-09FB3340D06D}"/>
-              </a:ext>
-              <a:ext uri="{C183D7F6-B498-43B3-948B-1728B52AA6E4}">
-                <adec:decorative xmlns:adec="http://schemas.microsoft.com/office/drawing/2017/decorative" val="1"/>
-              </a:ext>
-            </a:extLst>
-          </p:cNvPr>
-          <p:cNvGrpSpPr>
-            <a:grpSpLocks noGrp="1" noUngrp="1" noRot="1" noChangeAspect="1" noMove="1" noResize="1"/>
-          </p:cNvGrpSpPr>
-          <p:nvPr>
-            <p:extLst>
-              <p:ext uri="{386F3935-93C4-4BCD-93E2-E3B085C9AB24}">
-                <p16:designElem xmlns:p16="http://schemas.microsoft.com/office/powerpoint/2015/main" val="1"/>
-              </p:ext>
-            </p:extLst>
-          </p:nvPr>
-        </p:nvGrpSpPr>
-        <p:grpSpPr>
-          <a:xfrm>
-            <a:off x="0" y="-8467"/>
-            <a:ext cx="12192000" cy="6866467"/>
-            <a:chOff x="0" y="-8467"/>
-            <a:chExt cx="12192000" cy="6866467"/>
-          </a:xfrm>
-        </p:grpSpPr>
-        <p:cxnSp>
-          <p:nvCxnSpPr>
-            <p:cNvPr id="25" name="Straight Connector 24">
-              <a:extLst>
-                <a:ext uri="{FF2B5EF4-FFF2-40B4-BE49-F238E27FC236}">
-                  <a16:creationId xmlns:a16="http://schemas.microsoft.com/office/drawing/2014/main" id="{1DE492D7-C3C3-48FF-80C8-37021EA0262F}"/>
-                </a:ext>
-                <a:ext uri="{C183D7F6-B498-43B3-948B-1728B52AA6E4}">
-                  <adec:decorative xmlns:adec="http://schemas.microsoft.com/office/drawing/2017/decorative" val="1"/>
-                </a:ext>
-              </a:extLst>
-            </p:cNvPr>
-            <p:cNvCxnSpPr/>
-            <p:nvPr>
-              <p:extLst>
-                <p:ext uri="{386F3935-93C4-4BCD-93E2-E3B085C9AB24}">
-                  <p16:designElem xmlns:p16="http://schemas.microsoft.com/office/powerpoint/2015/main" val="1"/>
-                </p:ext>
-              </p:extLst>
-            </p:nvPr>
-          </p:nvCxnSpPr>
-          <p:spPr>
-            <a:xfrm flipH="1">
-              <a:off x="7425267" y="3681413"/>
-              <a:ext cx="4763558" cy="3176587"/>
-            </a:xfrm>
-            <a:prstGeom prst="line">
-              <a:avLst/>
-            </a:prstGeom>
-            <a:ln w="9525">
-              <a:solidFill>
-                <a:schemeClr val="bg1">
-                  <a:lumMod val="85000"/>
-                </a:schemeClr>
-              </a:solidFill>
-            </a:ln>
-          </p:spPr>
-          <p:style>
-            <a:lnRef idx="2">
-              <a:schemeClr val="accent1"/>
-            </a:lnRef>
-            <a:fillRef idx="0">
-              <a:schemeClr val="accent1"/>
-            </a:fillRef>
-            <a:effectRef idx="1">
-              <a:schemeClr val="accent1"/>
-            </a:effectRef>
-            <a:fontRef idx="minor">
-              <a:schemeClr val="tx1"/>
-            </a:fontRef>
-          </p:style>
-        </p:cxnSp>
-        <p:sp>
-          <p:nvSpPr>
-            <p:cNvPr id="26" name="Rectangle 23">
-              <a:extLst>
-                <a:ext uri="{FF2B5EF4-FFF2-40B4-BE49-F238E27FC236}">
-                  <a16:creationId xmlns:a16="http://schemas.microsoft.com/office/drawing/2014/main" id="{0B30FF97-2E9A-490A-AED2-90BA2E0EC17F}"/>
-                </a:ext>
-                <a:ext uri="{C183D7F6-B498-43B3-948B-1728B52AA6E4}">
-                  <adec:decorative xmlns:adec="http://schemas.microsoft.com/office/drawing/2017/decorative" val="1"/>
-                </a:ext>
-              </a:extLst>
-            </p:cNvPr>
-            <p:cNvSpPr/>
-            <p:nvPr>
-              <p:extLst>
-                <p:ext uri="{386F3935-93C4-4BCD-93E2-E3B085C9AB24}">
-                  <p16:designElem xmlns:p16="http://schemas.microsoft.com/office/powerpoint/2015/main" val="1"/>
-                </p:ext>
-              </p:extLst>
-            </p:nvPr>
-          </p:nvSpPr>
-          <p:spPr>
-            <a:xfrm>
-              <a:off x="9181476" y="-8467"/>
-              <a:ext cx="3007349" cy="6866467"/>
-            </a:xfrm>
-            <a:custGeom>
-              <a:avLst/>
-              <a:gdLst/>
-              <a:ahLst/>
-              <a:cxnLst/>
-              <a:rect l="l" t="t" r="r" b="b"/>
-              <a:pathLst>
-                <a:path w="3007349" h="6866467">
-                  <a:moveTo>
-                    <a:pt x="2045532" y="0"/>
-                  </a:moveTo>
-                  <a:lnTo>
-                    <a:pt x="3007349" y="0"/>
-                  </a:lnTo>
-                  <a:lnTo>
-                    <a:pt x="3007349" y="6866467"/>
-                  </a:lnTo>
-                  <a:lnTo>
-                    <a:pt x="0" y="6866467"/>
-                  </a:lnTo>
-                  <a:lnTo>
-                    <a:pt x="2045532" y="0"/>
-                  </a:lnTo>
-                  <a:close/>
-                </a:path>
-              </a:pathLst>
-            </a:custGeom>
-            <a:solidFill>
-              <a:schemeClr val="accent1">
-                <a:alpha val="30000"/>
-              </a:schemeClr>
-            </a:solidFill>
-            <a:ln>
-              <a:noFill/>
-            </a:ln>
-            <a:effectLst/>
-          </p:spPr>
-          <p:style>
-            <a:lnRef idx="1">
-              <a:schemeClr val="accent1"/>
-            </a:lnRef>
-            <a:fillRef idx="3">
-              <a:schemeClr val="accent1"/>
-            </a:fillRef>
-            <a:effectRef idx="2">
-              <a:schemeClr val="accent1"/>
-            </a:effectRef>
-            <a:fontRef idx="minor">
-              <a:schemeClr val="lt1"/>
-            </a:fontRef>
-          </p:style>
-        </p:sp>
-        <p:sp>
-          <p:nvSpPr>
-            <p:cNvPr id="27" name="Rectangle 25">
-              <a:extLst>
-                <a:ext uri="{FF2B5EF4-FFF2-40B4-BE49-F238E27FC236}">
-                  <a16:creationId xmlns:a16="http://schemas.microsoft.com/office/drawing/2014/main" id="{B6D53C7D-A312-47B6-A66A-230A19CFACA6}"/>
-                </a:ext>
-                <a:ext uri="{C183D7F6-B498-43B3-948B-1728B52AA6E4}">
-                  <adec:decorative xmlns:adec="http://schemas.microsoft.com/office/drawing/2017/decorative" val="1"/>
-                </a:ext>
-              </a:extLst>
-            </p:cNvPr>
-            <p:cNvSpPr/>
-            <p:nvPr>
-              <p:extLst>
-                <p:ext uri="{386F3935-93C4-4BCD-93E2-E3B085C9AB24}">
-                  <p16:designElem xmlns:p16="http://schemas.microsoft.com/office/powerpoint/2015/main" val="1"/>
-                </p:ext>
-              </p:extLst>
-            </p:nvPr>
-          </p:nvSpPr>
-          <p:spPr>
-            <a:xfrm>
-              <a:off x="9603442" y="-8467"/>
-              <a:ext cx="2588558" cy="6866467"/>
-            </a:xfrm>
-            <a:custGeom>
-              <a:avLst/>
-              <a:gdLst/>
-              <a:ahLst/>
-              <a:cxnLst/>
-              <a:rect l="l" t="t" r="r" b="b"/>
-              <a:pathLst>
-                <a:path w="2573311" h="6866467">
-                  <a:moveTo>
-                    <a:pt x="0" y="0"/>
-                  </a:moveTo>
-                  <a:lnTo>
-                    <a:pt x="2573311" y="0"/>
-                  </a:lnTo>
-                  <a:lnTo>
-                    <a:pt x="2573311" y="6866467"/>
-                  </a:lnTo>
-                  <a:lnTo>
-                    <a:pt x="1202336" y="6866467"/>
-                  </a:lnTo>
-                  <a:lnTo>
-                    <a:pt x="0" y="0"/>
-                  </a:lnTo>
-                  <a:close/>
-                </a:path>
-              </a:pathLst>
-            </a:custGeom>
-            <a:solidFill>
-              <a:schemeClr val="accent1">
-                <a:alpha val="20000"/>
-              </a:schemeClr>
-            </a:solidFill>
-            <a:ln>
-              <a:noFill/>
-            </a:ln>
-            <a:effectLst/>
-          </p:spPr>
-          <p:style>
-            <a:lnRef idx="1">
-              <a:schemeClr val="accent1"/>
-            </a:lnRef>
-            <a:fillRef idx="3">
-              <a:schemeClr val="accent1"/>
-            </a:fillRef>
-            <a:effectRef idx="2">
-              <a:schemeClr val="accent1"/>
-            </a:effectRef>
-            <a:fontRef idx="minor">
-              <a:schemeClr val="lt1"/>
-            </a:fontRef>
-          </p:style>
-        </p:sp>
-        <p:sp>
-          <p:nvSpPr>
-            <p:cNvPr id="28" name="Isosceles Triangle 27">
-              <a:extLst>
-                <a:ext uri="{FF2B5EF4-FFF2-40B4-BE49-F238E27FC236}">
-                  <a16:creationId xmlns:a16="http://schemas.microsoft.com/office/drawing/2014/main" id="{9329D58C-0D2E-4A2B-AD6A-9CEE506784A8}"/>
-                </a:ext>
-                <a:ext uri="{C183D7F6-B498-43B3-948B-1728B52AA6E4}">
-                  <adec:decorative xmlns:adec="http://schemas.microsoft.com/office/drawing/2017/decorative" val="1"/>
-                </a:ext>
-              </a:extLst>
-            </p:cNvPr>
-            <p:cNvSpPr/>
-            <p:nvPr>
-              <p:extLst>
-                <p:ext uri="{386F3935-93C4-4BCD-93E2-E3B085C9AB24}">
-                  <p16:designElem xmlns:p16="http://schemas.microsoft.com/office/powerpoint/2015/main" val="1"/>
-                </p:ext>
-              </p:extLst>
-            </p:nvPr>
-          </p:nvSpPr>
-          <p:spPr>
-            <a:xfrm>
-              <a:off x="8932333" y="3048000"/>
-              <a:ext cx="3259667" cy="3810000"/>
-            </a:xfrm>
-            <a:prstGeom prst="triangle">
-              <a:avLst>
-                <a:gd name="adj" fmla="val 100000"/>
-              </a:avLst>
-            </a:prstGeom>
-            <a:solidFill>
-              <a:schemeClr val="accent2">
-                <a:alpha val="72000"/>
-              </a:schemeClr>
-            </a:solidFill>
-            <a:ln>
-              <a:noFill/>
-            </a:ln>
-            <a:effectLst/>
-          </p:spPr>
-          <p:style>
-            <a:lnRef idx="1">
-              <a:schemeClr val="accent1"/>
-            </a:lnRef>
-            <a:fillRef idx="3">
-              <a:schemeClr val="accent1"/>
-            </a:fillRef>
-            <a:effectRef idx="2">
-              <a:schemeClr val="accent1"/>
-            </a:effectRef>
-            <a:fontRef idx="minor">
-              <a:schemeClr val="lt1"/>
-            </a:fontRef>
-          </p:style>
-        </p:sp>
-        <p:sp>
-          <p:nvSpPr>
-            <p:cNvPr id="29" name="Rectangle 27">
-              <a:extLst>
-                <a:ext uri="{FF2B5EF4-FFF2-40B4-BE49-F238E27FC236}">
-                  <a16:creationId xmlns:a16="http://schemas.microsoft.com/office/drawing/2014/main" id="{9D446EDE-C690-4461-8BF2-7634808FC8B4}"/>
-                </a:ext>
-                <a:ext uri="{C183D7F6-B498-43B3-948B-1728B52AA6E4}">
-                  <adec:decorative xmlns:adec="http://schemas.microsoft.com/office/drawing/2017/decorative" val="1"/>
-                </a:ext>
-              </a:extLst>
-            </p:cNvPr>
-            <p:cNvSpPr/>
-            <p:nvPr>
-              <p:extLst>
-                <p:ext uri="{386F3935-93C4-4BCD-93E2-E3B085C9AB24}">
-                  <p16:designElem xmlns:p16="http://schemas.microsoft.com/office/powerpoint/2015/main" val="1"/>
-                </p:ext>
-              </p:extLst>
-            </p:nvPr>
-          </p:nvSpPr>
-          <p:spPr>
-            <a:xfrm>
-              <a:off x="9334500" y="-8467"/>
-              <a:ext cx="2854326" cy="6866467"/>
-            </a:xfrm>
-            <a:custGeom>
-              <a:avLst/>
-              <a:gdLst/>
-              <a:ahLst/>
-              <a:cxnLst/>
-              <a:rect l="l" t="t" r="r" b="b"/>
-              <a:pathLst>
-                <a:path w="2858013" h="6866467">
-                  <a:moveTo>
-                    <a:pt x="0" y="0"/>
-                  </a:moveTo>
-                  <a:lnTo>
-                    <a:pt x="2858013" y="0"/>
-                  </a:lnTo>
-                  <a:lnTo>
-                    <a:pt x="2858013" y="6866467"/>
-                  </a:lnTo>
-                  <a:lnTo>
-                    <a:pt x="2473942" y="6866467"/>
-                  </a:lnTo>
-                  <a:lnTo>
-                    <a:pt x="0" y="0"/>
-                  </a:lnTo>
-                  <a:close/>
-                </a:path>
-              </a:pathLst>
-            </a:custGeom>
-            <a:solidFill>
-              <a:schemeClr val="accent2">
-                <a:lumMod val="75000"/>
-                <a:alpha val="70000"/>
-              </a:schemeClr>
-            </a:solidFill>
-            <a:ln>
-              <a:noFill/>
-            </a:ln>
-            <a:effectLst/>
-          </p:spPr>
-          <p:style>
-            <a:lnRef idx="1">
-              <a:schemeClr val="accent1"/>
-            </a:lnRef>
-            <a:fillRef idx="3">
-              <a:schemeClr val="accent1"/>
-            </a:fillRef>
-            <a:effectRef idx="2">
-              <a:schemeClr val="accent1"/>
-            </a:effectRef>
-            <a:fontRef idx="minor">
-              <a:schemeClr val="lt1"/>
-            </a:fontRef>
-          </p:style>
-        </p:sp>
-        <p:sp>
-          <p:nvSpPr>
-            <p:cNvPr id="30" name="Rectangle 28">
-              <a:extLst>
-                <a:ext uri="{FF2B5EF4-FFF2-40B4-BE49-F238E27FC236}">
-                  <a16:creationId xmlns:a16="http://schemas.microsoft.com/office/drawing/2014/main" id="{323F3D34-6531-4AD7-A8C6-195A090281A1}"/>
-                </a:ext>
-                <a:ext uri="{C183D7F6-B498-43B3-948B-1728B52AA6E4}">
-                  <adec:decorative xmlns:adec="http://schemas.microsoft.com/office/drawing/2017/decorative" val="1"/>
-                </a:ext>
-              </a:extLst>
-            </p:cNvPr>
-            <p:cNvSpPr/>
-            <p:nvPr>
-              <p:extLst>
-                <p:ext uri="{386F3935-93C4-4BCD-93E2-E3B085C9AB24}">
-                  <p16:designElem xmlns:p16="http://schemas.microsoft.com/office/powerpoint/2015/main" val="1"/>
-                </p:ext>
-              </p:extLst>
-            </p:nvPr>
-          </p:nvSpPr>
-          <p:spPr>
-            <a:xfrm>
-              <a:off x="10898730" y="-8467"/>
-              <a:ext cx="1290094" cy="6866467"/>
-            </a:xfrm>
-            <a:custGeom>
-              <a:avLst/>
-              <a:gdLst/>
-              <a:ahLst/>
-              <a:cxnLst/>
-              <a:rect l="l" t="t" r="r" b="b"/>
-              <a:pathLst>
-                <a:path w="1290094" h="6858000">
-                  <a:moveTo>
-                    <a:pt x="1019735" y="0"/>
-                  </a:moveTo>
-                  <a:lnTo>
-                    <a:pt x="1290094" y="0"/>
-                  </a:lnTo>
-                  <a:lnTo>
-                    <a:pt x="1290094" y="6858000"/>
-                  </a:lnTo>
-                  <a:lnTo>
-                    <a:pt x="0" y="6858000"/>
-                  </a:lnTo>
-                  <a:lnTo>
-                    <a:pt x="1019735" y="0"/>
-                  </a:lnTo>
-                  <a:close/>
-                </a:path>
-              </a:pathLst>
-            </a:custGeom>
-            <a:solidFill>
-              <a:schemeClr val="accent1">
-                <a:lumMod val="60000"/>
-                <a:lumOff val="40000"/>
-                <a:alpha val="70000"/>
-              </a:schemeClr>
-            </a:solidFill>
-            <a:ln>
-              <a:noFill/>
-            </a:ln>
-            <a:effectLst/>
-          </p:spPr>
-          <p:style>
-            <a:lnRef idx="1">
-              <a:schemeClr val="accent1"/>
-            </a:lnRef>
-            <a:fillRef idx="3">
-              <a:schemeClr val="accent1"/>
-            </a:fillRef>
-            <a:effectRef idx="2">
-              <a:schemeClr val="accent1"/>
-            </a:effectRef>
-            <a:fontRef idx="minor">
-              <a:schemeClr val="lt1"/>
-            </a:fontRef>
-          </p:style>
-        </p:sp>
-        <p:sp>
-          <p:nvSpPr>
-            <p:cNvPr id="31" name="Rectangle 29">
-              <a:extLst>
-                <a:ext uri="{FF2B5EF4-FFF2-40B4-BE49-F238E27FC236}">
-                  <a16:creationId xmlns:a16="http://schemas.microsoft.com/office/drawing/2014/main" id="{B9B0AE3F-2350-435F-A9B0-C310BF876385}"/>
-                </a:ext>
-                <a:ext uri="{C183D7F6-B498-43B3-948B-1728B52AA6E4}">
-                  <adec:decorative xmlns:adec="http://schemas.microsoft.com/office/drawing/2017/decorative" val="1"/>
-                </a:ext>
-              </a:extLst>
-            </p:cNvPr>
-            <p:cNvSpPr/>
-            <p:nvPr>
-              <p:extLst>
-                <p:ext uri="{386F3935-93C4-4BCD-93E2-E3B085C9AB24}">
-                  <p16:designElem xmlns:p16="http://schemas.microsoft.com/office/powerpoint/2015/main" val="1"/>
-                </p:ext>
-              </p:extLst>
-            </p:nvPr>
-          </p:nvSpPr>
-          <p:spPr>
-            <a:xfrm>
-              <a:off x="10938999" y="-8467"/>
-              <a:ext cx="1249825" cy="6866467"/>
-            </a:xfrm>
-            <a:custGeom>
-              <a:avLst/>
-              <a:gdLst/>
-              <a:ahLst/>
-              <a:cxnLst/>
-              <a:rect l="l" t="t" r="r" b="b"/>
-              <a:pathLst>
-                <a:path w="1249825" h="6858000">
-                  <a:moveTo>
-                    <a:pt x="0" y="0"/>
-                  </a:moveTo>
-                  <a:lnTo>
-                    <a:pt x="1249825" y="0"/>
-                  </a:lnTo>
-                  <a:lnTo>
-                    <a:pt x="1249825" y="6858000"/>
-                  </a:lnTo>
-                  <a:lnTo>
-                    <a:pt x="1109382" y="6858000"/>
-                  </a:lnTo>
-                  <a:lnTo>
-                    <a:pt x="0" y="0"/>
-                  </a:lnTo>
-                  <a:close/>
-                </a:path>
-              </a:pathLst>
-            </a:custGeom>
-            <a:solidFill>
-              <a:schemeClr val="accent1">
-                <a:alpha val="65000"/>
-              </a:schemeClr>
-            </a:solidFill>
-            <a:ln>
-              <a:noFill/>
-            </a:ln>
-            <a:effectLst/>
-          </p:spPr>
-          <p:style>
-            <a:lnRef idx="1">
-              <a:schemeClr val="accent1"/>
-            </a:lnRef>
-            <a:fillRef idx="3">
-              <a:schemeClr val="accent1"/>
-            </a:fillRef>
-            <a:effectRef idx="2">
-              <a:schemeClr val="accent1"/>
-            </a:effectRef>
-            <a:fontRef idx="minor">
-              <a:schemeClr val="lt1"/>
-            </a:fontRef>
-          </p:style>
-        </p:sp>
-        <p:sp>
-          <p:nvSpPr>
-            <p:cNvPr id="32" name="Isosceles Triangle 31">
-              <a:extLst>
-                <a:ext uri="{FF2B5EF4-FFF2-40B4-BE49-F238E27FC236}">
-                  <a16:creationId xmlns:a16="http://schemas.microsoft.com/office/drawing/2014/main" id="{4EFA655C-9E50-4C14-A89E-AD7B648E4E2B}"/>
-                </a:ext>
-                <a:ext uri="{C183D7F6-B498-43B3-948B-1728B52AA6E4}">
-                  <adec:decorative xmlns:adec="http://schemas.microsoft.com/office/drawing/2017/decorative" val="1"/>
-                </a:ext>
-              </a:extLst>
-            </p:cNvPr>
-            <p:cNvSpPr/>
-            <p:nvPr>
-              <p:extLst>
-                <p:ext uri="{386F3935-93C4-4BCD-93E2-E3B085C9AB24}">
-                  <p16:designElem xmlns:p16="http://schemas.microsoft.com/office/powerpoint/2015/main" val="1"/>
-                </p:ext>
-              </p:extLst>
-            </p:nvPr>
-          </p:nvSpPr>
-          <p:spPr>
-            <a:xfrm>
-              <a:off x="10371666" y="3589867"/>
-              <a:ext cx="1817159" cy="3268133"/>
-            </a:xfrm>
-            <a:prstGeom prst="triangle">
-              <a:avLst>
-                <a:gd name="adj" fmla="val 100000"/>
-              </a:avLst>
-            </a:prstGeom>
-            <a:solidFill>
-              <a:schemeClr val="accent1">
-                <a:alpha val="80000"/>
-              </a:schemeClr>
-            </a:solidFill>
-            <a:ln>
-              <a:noFill/>
-            </a:ln>
-            <a:effectLst/>
-          </p:spPr>
-          <p:style>
-            <a:lnRef idx="1">
-              <a:schemeClr val="accent1"/>
-            </a:lnRef>
-            <a:fillRef idx="3">
-              <a:schemeClr val="accent1"/>
-            </a:fillRef>
-            <a:effectRef idx="2">
-              <a:schemeClr val="accent1"/>
-            </a:effectRef>
-            <a:fontRef idx="minor">
-              <a:schemeClr val="lt1"/>
-            </a:fontRef>
-          </p:style>
-        </p:sp>
-        <p:sp>
-          <p:nvSpPr>
-            <p:cNvPr id="33" name="Isosceles Triangle 32">
-              <a:extLst>
-                <a:ext uri="{FF2B5EF4-FFF2-40B4-BE49-F238E27FC236}">
-                  <a16:creationId xmlns:a16="http://schemas.microsoft.com/office/drawing/2014/main" id="{3E843863-7D25-4C01-9A17-E817CB6D998A}"/>
-                </a:ext>
-                <a:ext uri="{C183D7F6-B498-43B3-948B-1728B52AA6E4}">
-                  <adec:decorative xmlns:adec="http://schemas.microsoft.com/office/drawing/2017/decorative" val="1"/>
-                </a:ext>
-              </a:extLst>
-            </p:cNvPr>
-            <p:cNvSpPr/>
-            <p:nvPr>
-              <p:extLst>
-                <p:ext uri="{386F3935-93C4-4BCD-93E2-E3B085C9AB24}">
-                  <p16:designElem xmlns:p16="http://schemas.microsoft.com/office/powerpoint/2015/main" val="1"/>
-                </p:ext>
-              </p:extLst>
-            </p:nvPr>
-          </p:nvSpPr>
-          <p:spPr>
-            <a:xfrm>
-              <a:off x="0" y="4013200"/>
-              <a:ext cx="448733" cy="2844800"/>
-            </a:xfrm>
-            <a:prstGeom prst="triangle">
-              <a:avLst>
-                <a:gd name="adj" fmla="val 0"/>
-              </a:avLst>
-            </a:prstGeom>
-            <a:solidFill>
-              <a:schemeClr val="accent1">
-                <a:alpha val="85000"/>
-              </a:schemeClr>
-            </a:solidFill>
-            <a:ln>
-              <a:noFill/>
-            </a:ln>
-            <a:effectLst/>
-          </p:spPr>
-          <p:style>
-            <a:lnRef idx="1">
-              <a:schemeClr val="accent1"/>
-            </a:lnRef>
-            <a:fillRef idx="3">
-              <a:schemeClr val="accent1"/>
-            </a:fillRef>
-            <a:effectRef idx="2">
-              <a:schemeClr val="accent1"/>
-            </a:effectRef>
-            <a:fontRef idx="minor">
-              <a:schemeClr val="lt1"/>
-            </a:fontRef>
-          </p:style>
-        </p:sp>
-      </p:grpSp>
-      <p:sp>
-        <p:nvSpPr>
-          <p:cNvPr id="35" name="Rectangle 34">
-            <a:extLst>
-              <a:ext uri="{FF2B5EF4-FFF2-40B4-BE49-F238E27FC236}">
-                <a16:creationId xmlns:a16="http://schemas.microsoft.com/office/drawing/2014/main" id="{7941F9B1-B01B-4A84-89D9-B169AEB4E456}"/>
-              </a:ext>
-              <a:ext uri="{C183D7F6-B498-43B3-948B-1728B52AA6E4}">
-                <adec:decorative xmlns:adec="http://schemas.microsoft.com/office/drawing/2017/decorative" val="1"/>
-              </a:ext>
-            </a:extLst>
-          </p:cNvPr>
-          <p:cNvSpPr>
-            <a:spLocks noGrp="1" noRot="1" noChangeAspect="1" noMove="1" noResize="1" noEditPoints="1" noAdjustHandles="1" noChangeArrowheads="1" noChangeShapeType="1" noTextEdit="1"/>
-          </p:cNvSpPr>
-          <p:nvPr>
-            <p:extLst>
-              <p:ext uri="{386F3935-93C4-4BCD-93E2-E3B085C9AB24}">
-                <p16:designElem xmlns:p16="http://schemas.microsoft.com/office/powerpoint/2015/main" val="1"/>
-              </p:ext>
-            </p:extLst>
-          </p:nvPr>
-        </p:nvSpPr>
-        <p:spPr>
-          <a:xfrm>
-            <a:off x="477012" y="480060"/>
-            <a:ext cx="11237976" cy="5897880"/>
-          </a:xfrm>
-          <a:prstGeom prst="rect">
-            <a:avLst/>
-          </a:prstGeom>
-          <a:solidFill>
-            <a:srgbClr val="FFFFFF"/>
-          </a:solidFill>
-          <a:ln w="9525">
-            <a:noFill/>
-          </a:ln>
-          <a:effectLst>
-            <a:outerShdw blurRad="63500" dist="17780" dir="5400000" algn="t" rotWithShape="0">
-              <a:prstClr val="black">
-                <a:alpha val="43000"/>
-              </a:prstClr>
-            </a:outerShdw>
-          </a:effectLst>
-        </p:spPr>
-        <p:style>
-          <a:lnRef idx="2">
-            <a:schemeClr val="accent1">
-              <a:shade val="50000"/>
-            </a:schemeClr>
-          </a:lnRef>
-          <a:fillRef idx="1">
-            <a:schemeClr val="accent1"/>
-          </a:fillRef>
-          <a:effectRef idx="0">
-            <a:schemeClr val="accent1"/>
-          </a:effectRef>
-          <a:fontRef idx="minor">
-            <a:schemeClr val="lt1"/>
-          </a:fontRef>
-        </p:style>
-        <p:txBody>
-          <a:bodyPr rtlCol="0" anchor="ctr"/>
-          <a:lstStyle/>
-          <a:p>
-            <a:pPr algn="ctr"/>
-            <a:endParaRPr lang="en-US"/>
-          </a:p>
-        </p:txBody>
-      </p:sp>
-      <p:pic>
-        <p:nvPicPr>
-          <p:cNvPr id="5" name="Segnaposto contenuto 4" descr="Immagine che contiene testo&#10;&#10;Descrizione generata automaticamente">
-            <a:extLst>
-              <a:ext uri="{FF2B5EF4-FFF2-40B4-BE49-F238E27FC236}">
-                <a16:creationId xmlns:a16="http://schemas.microsoft.com/office/drawing/2014/main" id="{723F4DDF-697F-4EEC-9FBD-98C30686B560}"/>
-              </a:ext>
-            </a:extLst>
-          </p:cNvPr>
-          <p:cNvPicPr>
-            <a:picLocks noGrp="1" noChangeAspect="1"/>
-          </p:cNvPicPr>
-          <p:nvPr>
-            <p:ph idx="1"/>
-          </p:nvPr>
-        </p:nvPicPr>
-        <p:blipFill>
-          <a:blip r:embed="rId2">
-            <a:extLst>
-              <a:ext uri="{28A0092B-C50C-407E-A947-70E740481C1C}">
-                <a14:useLocalDpi xmlns:a14="http://schemas.microsoft.com/office/drawing/2010/main" val="0"/>
-              </a:ext>
-            </a:extLst>
-          </a:blip>
-          <a:stretch>
-            <a:fillRect/>
-          </a:stretch>
-        </p:blipFill>
-        <p:spPr>
-          <a:xfrm>
-            <a:off x="493109" y="557836"/>
-            <a:ext cx="11113462" cy="5667866"/>
-          </a:xfrm>
-          <a:prstGeom prst="rect">
-            <a:avLst/>
-          </a:prstGeom>
-        </p:spPr>
-      </p:pic>
-    </p:spTree>
-    <p:extLst>
-      <p:ext uri="{BB962C8B-B14F-4D97-AF65-F5344CB8AC3E}">
-        <p14:creationId xmlns:p14="http://schemas.microsoft.com/office/powerpoint/2010/main" val="735307251"/>
-      </p:ext>
-    </p:extLst>
-  </p:cSld>
-  <p:clrMapOvr>
-    <a:masterClrMapping/>
-  </p:clrMapOvr>
-</p:sld>
-</file>
-
-<file path=ppt/slides/slide30.xml><?xml version="1.0" encoding="utf-8"?>
+<file path=ppt/slides/slide33.xml><?xml version="1.0" encoding="utf-8"?>
 <p:sld xmlns:a="http://schemas.openxmlformats.org/drawingml/2006/main" xmlns:r="http://schemas.openxmlformats.org/officeDocument/2006/relationships" xmlns:p="http://schemas.openxmlformats.org/presentationml/2006/main">
   <p:cSld>
     <p:bg>
@@ -34385,7 +35635,7 @@
 </p:sld>
 </file>
 
-<file path=ppt/slides/slide31.xml><?xml version="1.0" encoding="utf-8"?>
+<file path=ppt/slides/slide34.xml><?xml version="1.0" encoding="utf-8"?>
 <p:sld xmlns:a="http://schemas.openxmlformats.org/drawingml/2006/main" xmlns:r="http://schemas.openxmlformats.org/officeDocument/2006/relationships" xmlns:p="http://schemas.openxmlformats.org/presentationml/2006/main">
   <p:cSld>
     <p:bg>
@@ -35466,7 +36716,7 @@
 </p:sld>
 </file>
 
-<file path=ppt/slides/slide32.xml><?xml version="1.0" encoding="utf-8"?>
+<file path=ppt/slides/slide35.xml><?xml version="1.0" encoding="utf-8"?>
 <p:sld xmlns:a="http://schemas.openxmlformats.org/drawingml/2006/main" xmlns:r="http://schemas.openxmlformats.org/officeDocument/2006/relationships" xmlns:p="http://schemas.openxmlformats.org/presentationml/2006/main">
   <p:cSld>
     <p:bg>
@@ -36548,7 +37798,7 @@
 </p:sld>
 </file>
 
-<file path=ppt/slides/slide33.xml><?xml version="1.0" encoding="utf-8"?>
+<file path=ppt/slides/slide36.xml><?xml version="1.0" encoding="utf-8"?>
 <p:sld xmlns:a="http://schemas.openxmlformats.org/drawingml/2006/main" xmlns:r="http://schemas.openxmlformats.org/officeDocument/2006/relationships" xmlns:p="http://schemas.openxmlformats.org/presentationml/2006/main">
   <p:cSld>
     <p:bg>
@@ -37630,7 +38880,7 @@
 </p:sld>
 </file>
 
-<file path=ppt/slides/slide34.xml><?xml version="1.0" encoding="utf-8"?>
+<file path=ppt/slides/slide37.xml><?xml version="1.0" encoding="utf-8"?>
 <p:sld xmlns:a="http://schemas.openxmlformats.org/drawingml/2006/main" xmlns:r="http://schemas.openxmlformats.org/officeDocument/2006/relationships" xmlns:p="http://schemas.openxmlformats.org/presentationml/2006/main">
   <p:cSld>
     <p:bg>
@@ -38712,7 +39962,7 @@
 </p:sld>
 </file>
 
-<file path=ppt/slides/slide35.xml><?xml version="1.0" encoding="utf-8"?>
+<file path=ppt/slides/slide38.xml><?xml version="1.0" encoding="utf-8"?>
 <p:sld xmlns:a="http://schemas.openxmlformats.org/drawingml/2006/main" xmlns:r="http://schemas.openxmlformats.org/officeDocument/2006/relationships" xmlns:p="http://schemas.openxmlformats.org/presentationml/2006/main">
   <p:cSld>
     <p:bg>
@@ -39793,7 +41043,7 @@
 </p:sld>
 </file>
 
-<file path=ppt/slides/slide36.xml><?xml version="1.0" encoding="utf-8"?>
+<file path=ppt/slides/slide39.xml><?xml version="1.0" encoding="utf-8"?>
 <p:sld xmlns:a="http://schemas.openxmlformats.org/drawingml/2006/main" xmlns:r="http://schemas.openxmlformats.org/officeDocument/2006/relationships" xmlns:p="http://schemas.openxmlformats.org/presentationml/2006/main">
   <p:cSld>
     <p:bg>
@@ -40875,7 +42125,1558 @@
 </p:sld>
 </file>
 
-<file path=ppt/slides/slide37.xml><?xml version="1.0" encoding="utf-8"?>
+<file path=ppt/slides/slide4.xml><?xml version="1.0" encoding="utf-8"?>
+<p:sld xmlns:a="http://schemas.openxmlformats.org/drawingml/2006/main" xmlns:r="http://schemas.openxmlformats.org/officeDocument/2006/relationships" xmlns:p="http://schemas.openxmlformats.org/presentationml/2006/main">
+  <p:cSld>
+    <p:bg>
+      <p:bgPr>
+        <a:solidFill>
+          <a:schemeClr val="bg1"/>
+        </a:solidFill>
+        <a:effectLst/>
+      </p:bgPr>
+    </p:bg>
+    <p:spTree>
+      <p:nvGrpSpPr>
+        <p:cNvPr id="1" name=""/>
+        <p:cNvGrpSpPr/>
+        <p:nvPr/>
+      </p:nvGrpSpPr>
+      <p:grpSpPr>
+        <a:xfrm>
+          <a:off x="0" y="0"/>
+          <a:ext cx="0" cy="0"/>
+          <a:chOff x="0" y="0"/>
+          <a:chExt cx="0" cy="0"/>
+        </a:xfrm>
+      </p:grpSpPr>
+      <p:grpSp>
+        <p:nvGrpSpPr>
+          <p:cNvPr id="37" name="Group 9">
+            <a:extLst>
+              <a:ext uri="{FF2B5EF4-FFF2-40B4-BE49-F238E27FC236}">
+                <a16:creationId xmlns:a16="http://schemas.microsoft.com/office/drawing/2014/main" id="{609316A9-990D-4EC3-A671-70EE5C1493A4}"/>
+              </a:ext>
+              <a:ext uri="{C183D7F6-B498-43B3-948B-1728B52AA6E4}">
+                <adec:decorative xmlns:adec="http://schemas.microsoft.com/office/drawing/2017/decorative" val="1"/>
+              </a:ext>
+            </a:extLst>
+          </p:cNvPr>
+          <p:cNvGrpSpPr>
+            <a:grpSpLocks noGrp="1" noUngrp="1" noRot="1" noChangeAspect="1" noMove="1" noResize="1"/>
+          </p:cNvGrpSpPr>
+          <p:nvPr>
+            <p:extLst>
+              <p:ext uri="{386F3935-93C4-4BCD-93E2-E3B085C9AB24}">
+                <p16:designElem xmlns:p16="http://schemas.microsoft.com/office/powerpoint/2015/main" val="1"/>
+              </p:ext>
+            </p:extLst>
+          </p:nvPr>
+        </p:nvGrpSpPr>
+        <p:grpSpPr>
+          <a:xfrm>
+            <a:off x="0" y="-8467"/>
+            <a:ext cx="12192000" cy="6866467"/>
+            <a:chOff x="0" y="-8467"/>
+            <a:chExt cx="12192000" cy="6866467"/>
+          </a:xfrm>
+        </p:grpSpPr>
+        <p:cxnSp>
+          <p:nvCxnSpPr>
+            <p:cNvPr id="11" name="Straight Connector 10">
+              <a:extLst>
+                <a:ext uri="{FF2B5EF4-FFF2-40B4-BE49-F238E27FC236}">
+                  <a16:creationId xmlns:a16="http://schemas.microsoft.com/office/drawing/2014/main" id="{9B0C6109-9159-49CA-AD7A-F9035539DB7F}"/>
+                </a:ext>
+                <a:ext uri="{C183D7F6-B498-43B3-948B-1728B52AA6E4}">
+                  <adec:decorative xmlns:adec="http://schemas.microsoft.com/office/drawing/2017/decorative" val="1"/>
+                </a:ext>
+              </a:extLst>
+            </p:cNvPr>
+            <p:cNvCxnSpPr/>
+            <p:nvPr>
+              <p:extLst>
+                <p:ext uri="{386F3935-93C4-4BCD-93E2-E3B085C9AB24}">
+                  <p16:designElem xmlns:p16="http://schemas.microsoft.com/office/powerpoint/2015/main" val="1"/>
+                </p:ext>
+              </p:extLst>
+            </p:nvPr>
+          </p:nvCxnSpPr>
+          <p:spPr>
+            <a:xfrm>
+              <a:off x="9371012" y="0"/>
+              <a:ext cx="1219200" cy="6858000"/>
+            </a:xfrm>
+            <a:prstGeom prst="line">
+              <a:avLst/>
+            </a:prstGeom>
+            <a:ln w="9525">
+              <a:solidFill>
+                <a:schemeClr val="bg1">
+                  <a:lumMod val="75000"/>
+                </a:schemeClr>
+              </a:solidFill>
+            </a:ln>
+          </p:spPr>
+          <p:style>
+            <a:lnRef idx="2">
+              <a:schemeClr val="accent1"/>
+            </a:lnRef>
+            <a:fillRef idx="0">
+              <a:schemeClr val="accent1"/>
+            </a:fillRef>
+            <a:effectRef idx="1">
+              <a:schemeClr val="accent1"/>
+            </a:effectRef>
+            <a:fontRef idx="minor">
+              <a:schemeClr val="tx1"/>
+            </a:fontRef>
+          </p:style>
+        </p:cxnSp>
+        <p:cxnSp>
+          <p:nvCxnSpPr>
+            <p:cNvPr id="12" name="Straight Connector 11">
+              <a:extLst>
+                <a:ext uri="{FF2B5EF4-FFF2-40B4-BE49-F238E27FC236}">
+                  <a16:creationId xmlns:a16="http://schemas.microsoft.com/office/drawing/2014/main" id="{686F14F5-308C-4EB6-87AB-05DE9501B1AA}"/>
+                </a:ext>
+                <a:ext uri="{C183D7F6-B498-43B3-948B-1728B52AA6E4}">
+                  <adec:decorative xmlns:adec="http://schemas.microsoft.com/office/drawing/2017/decorative" val="1"/>
+                </a:ext>
+              </a:extLst>
+            </p:cNvPr>
+            <p:cNvCxnSpPr/>
+            <p:nvPr>
+              <p:extLst>
+                <p:ext uri="{386F3935-93C4-4BCD-93E2-E3B085C9AB24}">
+                  <p16:designElem xmlns:p16="http://schemas.microsoft.com/office/powerpoint/2015/main" val="1"/>
+                </p:ext>
+              </p:extLst>
+            </p:nvPr>
+          </p:nvCxnSpPr>
+          <p:spPr>
+            <a:xfrm flipH="1">
+              <a:off x="7425267" y="3681413"/>
+              <a:ext cx="4763558" cy="3176587"/>
+            </a:xfrm>
+            <a:prstGeom prst="line">
+              <a:avLst/>
+            </a:prstGeom>
+            <a:ln w="9525">
+              <a:solidFill>
+                <a:schemeClr val="bg1">
+                  <a:lumMod val="85000"/>
+                </a:schemeClr>
+              </a:solidFill>
+            </a:ln>
+          </p:spPr>
+          <p:style>
+            <a:lnRef idx="2">
+              <a:schemeClr val="accent1"/>
+            </a:lnRef>
+            <a:fillRef idx="0">
+              <a:schemeClr val="accent1"/>
+            </a:fillRef>
+            <a:effectRef idx="1">
+              <a:schemeClr val="accent1"/>
+            </a:effectRef>
+            <a:fontRef idx="minor">
+              <a:schemeClr val="tx1"/>
+            </a:fontRef>
+          </p:style>
+        </p:cxnSp>
+        <p:sp>
+          <p:nvSpPr>
+            <p:cNvPr id="13" name="Rectangle 23">
+              <a:extLst>
+                <a:ext uri="{FF2B5EF4-FFF2-40B4-BE49-F238E27FC236}">
+                  <a16:creationId xmlns:a16="http://schemas.microsoft.com/office/drawing/2014/main" id="{BA032363-A188-47C5-9D59-9B788809DCD2}"/>
+                </a:ext>
+                <a:ext uri="{C183D7F6-B498-43B3-948B-1728B52AA6E4}">
+                  <adec:decorative xmlns:adec="http://schemas.microsoft.com/office/drawing/2017/decorative" val="1"/>
+                </a:ext>
+              </a:extLst>
+            </p:cNvPr>
+            <p:cNvSpPr/>
+            <p:nvPr>
+              <p:extLst>
+                <p:ext uri="{386F3935-93C4-4BCD-93E2-E3B085C9AB24}">
+                  <p16:designElem xmlns:p16="http://schemas.microsoft.com/office/powerpoint/2015/main" val="1"/>
+                </p:ext>
+              </p:extLst>
+            </p:nvPr>
+          </p:nvSpPr>
+          <p:spPr>
+            <a:xfrm>
+              <a:off x="9181476" y="-8467"/>
+              <a:ext cx="3007349" cy="6866467"/>
+            </a:xfrm>
+            <a:custGeom>
+              <a:avLst/>
+              <a:gdLst/>
+              <a:ahLst/>
+              <a:cxnLst/>
+              <a:rect l="l" t="t" r="r" b="b"/>
+              <a:pathLst>
+                <a:path w="3007349" h="6866467">
+                  <a:moveTo>
+                    <a:pt x="2045532" y="0"/>
+                  </a:moveTo>
+                  <a:lnTo>
+                    <a:pt x="3007349" y="0"/>
+                  </a:lnTo>
+                  <a:lnTo>
+                    <a:pt x="3007349" y="6866467"/>
+                  </a:lnTo>
+                  <a:lnTo>
+                    <a:pt x="0" y="6866467"/>
+                  </a:lnTo>
+                  <a:lnTo>
+                    <a:pt x="2045532" y="0"/>
+                  </a:lnTo>
+                  <a:close/>
+                </a:path>
+              </a:pathLst>
+            </a:custGeom>
+            <a:solidFill>
+              <a:schemeClr val="accent1">
+                <a:alpha val="30000"/>
+              </a:schemeClr>
+            </a:solidFill>
+            <a:ln>
+              <a:noFill/>
+            </a:ln>
+            <a:effectLst/>
+          </p:spPr>
+          <p:style>
+            <a:lnRef idx="1">
+              <a:schemeClr val="accent1"/>
+            </a:lnRef>
+            <a:fillRef idx="3">
+              <a:schemeClr val="accent1"/>
+            </a:fillRef>
+            <a:effectRef idx="2">
+              <a:schemeClr val="accent1"/>
+            </a:effectRef>
+            <a:fontRef idx="minor">
+              <a:schemeClr val="lt1"/>
+            </a:fontRef>
+          </p:style>
+        </p:sp>
+        <p:sp>
+          <p:nvSpPr>
+            <p:cNvPr id="14" name="Rectangle 25">
+              <a:extLst>
+                <a:ext uri="{FF2B5EF4-FFF2-40B4-BE49-F238E27FC236}">
+                  <a16:creationId xmlns:a16="http://schemas.microsoft.com/office/drawing/2014/main" id="{2C4077DF-6BB9-4069-AD28-6B1664EBB064}"/>
+                </a:ext>
+                <a:ext uri="{C183D7F6-B498-43B3-948B-1728B52AA6E4}">
+                  <adec:decorative xmlns:adec="http://schemas.microsoft.com/office/drawing/2017/decorative" val="1"/>
+                </a:ext>
+              </a:extLst>
+            </p:cNvPr>
+            <p:cNvSpPr/>
+            <p:nvPr>
+              <p:extLst>
+                <p:ext uri="{386F3935-93C4-4BCD-93E2-E3B085C9AB24}">
+                  <p16:designElem xmlns:p16="http://schemas.microsoft.com/office/powerpoint/2015/main" val="1"/>
+                </p:ext>
+              </p:extLst>
+            </p:nvPr>
+          </p:nvSpPr>
+          <p:spPr>
+            <a:xfrm>
+              <a:off x="9603442" y="-8467"/>
+              <a:ext cx="2588558" cy="6866467"/>
+            </a:xfrm>
+            <a:custGeom>
+              <a:avLst/>
+              <a:gdLst/>
+              <a:ahLst/>
+              <a:cxnLst/>
+              <a:rect l="l" t="t" r="r" b="b"/>
+              <a:pathLst>
+                <a:path w="2573311" h="6866467">
+                  <a:moveTo>
+                    <a:pt x="0" y="0"/>
+                  </a:moveTo>
+                  <a:lnTo>
+                    <a:pt x="2573311" y="0"/>
+                  </a:lnTo>
+                  <a:lnTo>
+                    <a:pt x="2573311" y="6866467"/>
+                  </a:lnTo>
+                  <a:lnTo>
+                    <a:pt x="1202336" y="6866467"/>
+                  </a:lnTo>
+                  <a:lnTo>
+                    <a:pt x="0" y="0"/>
+                  </a:lnTo>
+                  <a:close/>
+                </a:path>
+              </a:pathLst>
+            </a:custGeom>
+            <a:solidFill>
+              <a:schemeClr val="accent1">
+                <a:alpha val="20000"/>
+              </a:schemeClr>
+            </a:solidFill>
+            <a:ln>
+              <a:noFill/>
+            </a:ln>
+            <a:effectLst/>
+          </p:spPr>
+          <p:style>
+            <a:lnRef idx="1">
+              <a:schemeClr val="accent1"/>
+            </a:lnRef>
+            <a:fillRef idx="3">
+              <a:schemeClr val="accent1"/>
+            </a:fillRef>
+            <a:effectRef idx="2">
+              <a:schemeClr val="accent1"/>
+            </a:effectRef>
+            <a:fontRef idx="minor">
+              <a:schemeClr val="lt1"/>
+            </a:fontRef>
+          </p:style>
+        </p:sp>
+        <p:sp>
+          <p:nvSpPr>
+            <p:cNvPr id="15" name="Isosceles Triangle 14">
+              <a:extLst>
+                <a:ext uri="{FF2B5EF4-FFF2-40B4-BE49-F238E27FC236}">
+                  <a16:creationId xmlns:a16="http://schemas.microsoft.com/office/drawing/2014/main" id="{1D2B8B50-3419-41ED-9A9F-3CF9EEBBD3F2}"/>
+                </a:ext>
+                <a:ext uri="{C183D7F6-B498-43B3-948B-1728B52AA6E4}">
+                  <adec:decorative xmlns:adec="http://schemas.microsoft.com/office/drawing/2017/decorative" val="1"/>
+                </a:ext>
+              </a:extLst>
+            </p:cNvPr>
+            <p:cNvSpPr/>
+            <p:nvPr>
+              <p:extLst>
+                <p:ext uri="{386F3935-93C4-4BCD-93E2-E3B085C9AB24}">
+                  <p16:designElem xmlns:p16="http://schemas.microsoft.com/office/powerpoint/2015/main" val="1"/>
+                </p:ext>
+              </p:extLst>
+            </p:nvPr>
+          </p:nvSpPr>
+          <p:spPr>
+            <a:xfrm>
+              <a:off x="8932333" y="3048000"/>
+              <a:ext cx="3259667" cy="3810000"/>
+            </a:xfrm>
+            <a:prstGeom prst="triangle">
+              <a:avLst>
+                <a:gd name="adj" fmla="val 100000"/>
+              </a:avLst>
+            </a:prstGeom>
+            <a:solidFill>
+              <a:schemeClr val="accent2">
+                <a:alpha val="72000"/>
+              </a:schemeClr>
+            </a:solidFill>
+            <a:ln>
+              <a:noFill/>
+            </a:ln>
+            <a:effectLst/>
+          </p:spPr>
+          <p:style>
+            <a:lnRef idx="1">
+              <a:schemeClr val="accent1"/>
+            </a:lnRef>
+            <a:fillRef idx="3">
+              <a:schemeClr val="accent1"/>
+            </a:fillRef>
+            <a:effectRef idx="2">
+              <a:schemeClr val="accent1"/>
+            </a:effectRef>
+            <a:fontRef idx="minor">
+              <a:schemeClr val="lt1"/>
+            </a:fontRef>
+          </p:style>
+        </p:sp>
+        <p:sp>
+          <p:nvSpPr>
+            <p:cNvPr id="16" name="Rectangle 27">
+              <a:extLst>
+                <a:ext uri="{FF2B5EF4-FFF2-40B4-BE49-F238E27FC236}">
+                  <a16:creationId xmlns:a16="http://schemas.microsoft.com/office/drawing/2014/main" id="{5C640498-2E73-4FA2-BEB6-C3596A458C8A}"/>
+                </a:ext>
+                <a:ext uri="{C183D7F6-B498-43B3-948B-1728B52AA6E4}">
+                  <adec:decorative xmlns:adec="http://schemas.microsoft.com/office/drawing/2017/decorative" val="1"/>
+                </a:ext>
+              </a:extLst>
+            </p:cNvPr>
+            <p:cNvSpPr/>
+            <p:nvPr>
+              <p:extLst>
+                <p:ext uri="{386F3935-93C4-4BCD-93E2-E3B085C9AB24}">
+                  <p16:designElem xmlns:p16="http://schemas.microsoft.com/office/powerpoint/2015/main" val="1"/>
+                </p:ext>
+              </p:extLst>
+            </p:nvPr>
+          </p:nvSpPr>
+          <p:spPr>
+            <a:xfrm>
+              <a:off x="9334500" y="-8467"/>
+              <a:ext cx="2854326" cy="6866467"/>
+            </a:xfrm>
+            <a:custGeom>
+              <a:avLst/>
+              <a:gdLst/>
+              <a:ahLst/>
+              <a:cxnLst/>
+              <a:rect l="l" t="t" r="r" b="b"/>
+              <a:pathLst>
+                <a:path w="2858013" h="6866467">
+                  <a:moveTo>
+                    <a:pt x="0" y="0"/>
+                  </a:moveTo>
+                  <a:lnTo>
+                    <a:pt x="2858013" y="0"/>
+                  </a:lnTo>
+                  <a:lnTo>
+                    <a:pt x="2858013" y="6866467"/>
+                  </a:lnTo>
+                  <a:lnTo>
+                    <a:pt x="2473942" y="6866467"/>
+                  </a:lnTo>
+                  <a:lnTo>
+                    <a:pt x="0" y="0"/>
+                  </a:lnTo>
+                  <a:close/>
+                </a:path>
+              </a:pathLst>
+            </a:custGeom>
+            <a:solidFill>
+              <a:schemeClr val="accent2">
+                <a:lumMod val="75000"/>
+                <a:alpha val="70000"/>
+              </a:schemeClr>
+            </a:solidFill>
+            <a:ln>
+              <a:noFill/>
+            </a:ln>
+            <a:effectLst/>
+          </p:spPr>
+          <p:style>
+            <a:lnRef idx="1">
+              <a:schemeClr val="accent1"/>
+            </a:lnRef>
+            <a:fillRef idx="3">
+              <a:schemeClr val="accent1"/>
+            </a:fillRef>
+            <a:effectRef idx="2">
+              <a:schemeClr val="accent1"/>
+            </a:effectRef>
+            <a:fontRef idx="minor">
+              <a:schemeClr val="lt1"/>
+            </a:fontRef>
+          </p:style>
+        </p:sp>
+        <p:sp>
+          <p:nvSpPr>
+            <p:cNvPr id="17" name="Rectangle 28">
+              <a:extLst>
+                <a:ext uri="{FF2B5EF4-FFF2-40B4-BE49-F238E27FC236}">
+                  <a16:creationId xmlns:a16="http://schemas.microsoft.com/office/drawing/2014/main" id="{3240EEFC-4112-4C39-A816-C815774F6D69}"/>
+                </a:ext>
+                <a:ext uri="{C183D7F6-B498-43B3-948B-1728B52AA6E4}">
+                  <adec:decorative xmlns:adec="http://schemas.microsoft.com/office/drawing/2017/decorative" val="1"/>
+                </a:ext>
+              </a:extLst>
+            </p:cNvPr>
+            <p:cNvSpPr/>
+            <p:nvPr>
+              <p:extLst>
+                <p:ext uri="{386F3935-93C4-4BCD-93E2-E3B085C9AB24}">
+                  <p16:designElem xmlns:p16="http://schemas.microsoft.com/office/powerpoint/2015/main" val="1"/>
+                </p:ext>
+              </p:extLst>
+            </p:nvPr>
+          </p:nvSpPr>
+          <p:spPr>
+            <a:xfrm>
+              <a:off x="10898730" y="-8467"/>
+              <a:ext cx="1290094" cy="6866467"/>
+            </a:xfrm>
+            <a:custGeom>
+              <a:avLst/>
+              <a:gdLst/>
+              <a:ahLst/>
+              <a:cxnLst/>
+              <a:rect l="l" t="t" r="r" b="b"/>
+              <a:pathLst>
+                <a:path w="1290094" h="6858000">
+                  <a:moveTo>
+                    <a:pt x="1019735" y="0"/>
+                  </a:moveTo>
+                  <a:lnTo>
+                    <a:pt x="1290094" y="0"/>
+                  </a:lnTo>
+                  <a:lnTo>
+                    <a:pt x="1290094" y="6858000"/>
+                  </a:lnTo>
+                  <a:lnTo>
+                    <a:pt x="0" y="6858000"/>
+                  </a:lnTo>
+                  <a:lnTo>
+                    <a:pt x="1019735" y="0"/>
+                  </a:lnTo>
+                  <a:close/>
+                </a:path>
+              </a:pathLst>
+            </a:custGeom>
+            <a:solidFill>
+              <a:schemeClr val="accent1">
+                <a:lumMod val="60000"/>
+                <a:lumOff val="40000"/>
+                <a:alpha val="70000"/>
+              </a:schemeClr>
+            </a:solidFill>
+            <a:ln>
+              <a:noFill/>
+            </a:ln>
+            <a:effectLst/>
+          </p:spPr>
+          <p:style>
+            <a:lnRef idx="1">
+              <a:schemeClr val="accent1"/>
+            </a:lnRef>
+            <a:fillRef idx="3">
+              <a:schemeClr val="accent1"/>
+            </a:fillRef>
+            <a:effectRef idx="2">
+              <a:schemeClr val="accent1"/>
+            </a:effectRef>
+            <a:fontRef idx="minor">
+              <a:schemeClr val="lt1"/>
+            </a:fontRef>
+          </p:style>
+        </p:sp>
+        <p:sp>
+          <p:nvSpPr>
+            <p:cNvPr id="18" name="Rectangle 29">
+              <a:extLst>
+                <a:ext uri="{FF2B5EF4-FFF2-40B4-BE49-F238E27FC236}">
+                  <a16:creationId xmlns:a16="http://schemas.microsoft.com/office/drawing/2014/main" id="{ADF362B0-03EA-4800-9FAA-9F128587E428}"/>
+                </a:ext>
+                <a:ext uri="{C183D7F6-B498-43B3-948B-1728B52AA6E4}">
+                  <adec:decorative xmlns:adec="http://schemas.microsoft.com/office/drawing/2017/decorative" val="1"/>
+                </a:ext>
+              </a:extLst>
+            </p:cNvPr>
+            <p:cNvSpPr/>
+            <p:nvPr>
+              <p:extLst>
+                <p:ext uri="{386F3935-93C4-4BCD-93E2-E3B085C9AB24}">
+                  <p16:designElem xmlns:p16="http://schemas.microsoft.com/office/powerpoint/2015/main" val="1"/>
+                </p:ext>
+              </p:extLst>
+            </p:nvPr>
+          </p:nvSpPr>
+          <p:spPr>
+            <a:xfrm>
+              <a:off x="10938999" y="-8467"/>
+              <a:ext cx="1249825" cy="6866467"/>
+            </a:xfrm>
+            <a:custGeom>
+              <a:avLst/>
+              <a:gdLst/>
+              <a:ahLst/>
+              <a:cxnLst/>
+              <a:rect l="l" t="t" r="r" b="b"/>
+              <a:pathLst>
+                <a:path w="1249825" h="6858000">
+                  <a:moveTo>
+                    <a:pt x="0" y="0"/>
+                  </a:moveTo>
+                  <a:lnTo>
+                    <a:pt x="1249825" y="0"/>
+                  </a:lnTo>
+                  <a:lnTo>
+                    <a:pt x="1249825" y="6858000"/>
+                  </a:lnTo>
+                  <a:lnTo>
+                    <a:pt x="1109382" y="6858000"/>
+                  </a:lnTo>
+                  <a:lnTo>
+                    <a:pt x="0" y="0"/>
+                  </a:lnTo>
+                  <a:close/>
+                </a:path>
+              </a:pathLst>
+            </a:custGeom>
+            <a:solidFill>
+              <a:schemeClr val="accent1">
+                <a:alpha val="65000"/>
+              </a:schemeClr>
+            </a:solidFill>
+            <a:ln>
+              <a:noFill/>
+            </a:ln>
+            <a:effectLst/>
+          </p:spPr>
+          <p:style>
+            <a:lnRef idx="1">
+              <a:schemeClr val="accent1"/>
+            </a:lnRef>
+            <a:fillRef idx="3">
+              <a:schemeClr val="accent1"/>
+            </a:fillRef>
+            <a:effectRef idx="2">
+              <a:schemeClr val="accent1"/>
+            </a:effectRef>
+            <a:fontRef idx="minor">
+              <a:schemeClr val="lt1"/>
+            </a:fontRef>
+          </p:style>
+        </p:sp>
+        <p:sp>
+          <p:nvSpPr>
+            <p:cNvPr id="19" name="Isosceles Triangle 18">
+              <a:extLst>
+                <a:ext uri="{FF2B5EF4-FFF2-40B4-BE49-F238E27FC236}">
+                  <a16:creationId xmlns:a16="http://schemas.microsoft.com/office/drawing/2014/main" id="{0BA84559-2F4C-4795-9246-4C563F942DB9}"/>
+                </a:ext>
+                <a:ext uri="{C183D7F6-B498-43B3-948B-1728B52AA6E4}">
+                  <adec:decorative xmlns:adec="http://schemas.microsoft.com/office/drawing/2017/decorative" val="1"/>
+                </a:ext>
+              </a:extLst>
+            </p:cNvPr>
+            <p:cNvSpPr/>
+            <p:nvPr>
+              <p:extLst>
+                <p:ext uri="{386F3935-93C4-4BCD-93E2-E3B085C9AB24}">
+                  <p16:designElem xmlns:p16="http://schemas.microsoft.com/office/powerpoint/2015/main" val="1"/>
+                </p:ext>
+              </p:extLst>
+            </p:nvPr>
+          </p:nvSpPr>
+          <p:spPr>
+            <a:xfrm>
+              <a:off x="10371666" y="3589867"/>
+              <a:ext cx="1817159" cy="3268133"/>
+            </a:xfrm>
+            <a:prstGeom prst="triangle">
+              <a:avLst>
+                <a:gd name="adj" fmla="val 100000"/>
+              </a:avLst>
+            </a:prstGeom>
+            <a:solidFill>
+              <a:schemeClr val="accent1">
+                <a:alpha val="80000"/>
+              </a:schemeClr>
+            </a:solidFill>
+            <a:ln>
+              <a:noFill/>
+            </a:ln>
+            <a:effectLst/>
+          </p:spPr>
+          <p:style>
+            <a:lnRef idx="1">
+              <a:schemeClr val="accent1"/>
+            </a:lnRef>
+            <a:fillRef idx="3">
+              <a:schemeClr val="accent1"/>
+            </a:fillRef>
+            <a:effectRef idx="2">
+              <a:schemeClr val="accent1"/>
+            </a:effectRef>
+            <a:fontRef idx="minor">
+              <a:schemeClr val="lt1"/>
+            </a:fontRef>
+          </p:style>
+        </p:sp>
+        <p:sp>
+          <p:nvSpPr>
+            <p:cNvPr id="20" name="Isosceles Triangle 19">
+              <a:extLst>
+                <a:ext uri="{FF2B5EF4-FFF2-40B4-BE49-F238E27FC236}">
+                  <a16:creationId xmlns:a16="http://schemas.microsoft.com/office/drawing/2014/main" id="{FA77A1AA-CA47-4A91-A0A1-0A8CE31A985E}"/>
+                </a:ext>
+                <a:ext uri="{C183D7F6-B498-43B3-948B-1728B52AA6E4}">
+                  <adec:decorative xmlns:adec="http://schemas.microsoft.com/office/drawing/2017/decorative" val="1"/>
+                </a:ext>
+              </a:extLst>
+            </p:cNvPr>
+            <p:cNvSpPr/>
+            <p:nvPr>
+              <p:extLst>
+                <p:ext uri="{386F3935-93C4-4BCD-93E2-E3B085C9AB24}">
+                  <p16:designElem xmlns:p16="http://schemas.microsoft.com/office/powerpoint/2015/main" val="1"/>
+                </p:ext>
+              </p:extLst>
+            </p:nvPr>
+          </p:nvSpPr>
+          <p:spPr>
+            <a:xfrm>
+              <a:off x="0" y="4013200"/>
+              <a:ext cx="448733" cy="2844800"/>
+            </a:xfrm>
+            <a:prstGeom prst="triangle">
+              <a:avLst>
+                <a:gd name="adj" fmla="val 0"/>
+              </a:avLst>
+            </a:prstGeom>
+            <a:solidFill>
+              <a:schemeClr val="accent1">
+                <a:alpha val="85000"/>
+              </a:schemeClr>
+            </a:solidFill>
+            <a:ln>
+              <a:noFill/>
+            </a:ln>
+            <a:effectLst/>
+          </p:spPr>
+          <p:style>
+            <a:lnRef idx="1">
+              <a:schemeClr val="accent1"/>
+            </a:lnRef>
+            <a:fillRef idx="3">
+              <a:schemeClr val="accent1"/>
+            </a:fillRef>
+            <a:effectRef idx="2">
+              <a:schemeClr val="accent1"/>
+            </a:effectRef>
+            <a:fontRef idx="minor">
+              <a:schemeClr val="lt1"/>
+            </a:fontRef>
+          </p:style>
+        </p:sp>
+      </p:grpSp>
+      <p:sp>
+        <p:nvSpPr>
+          <p:cNvPr id="38" name="Rectangle 21">
+            <a:extLst>
+              <a:ext uri="{FF2B5EF4-FFF2-40B4-BE49-F238E27FC236}">
+                <a16:creationId xmlns:a16="http://schemas.microsoft.com/office/drawing/2014/main" id="{03E8462A-FEBA-4848-81CC-3F8DA3E477BE}"/>
+              </a:ext>
+              <a:ext uri="{C183D7F6-B498-43B3-948B-1728B52AA6E4}">
+                <adec:decorative xmlns:adec="http://schemas.microsoft.com/office/drawing/2017/decorative" val="1"/>
+              </a:ext>
+            </a:extLst>
+          </p:cNvPr>
+          <p:cNvSpPr>
+            <a:spLocks noGrp="1" noRot="1" noChangeAspect="1" noMove="1" noResize="1" noEditPoints="1" noAdjustHandles="1" noChangeArrowheads="1" noChangeShapeType="1" noTextEdit="1"/>
+          </p:cNvSpPr>
+          <p:nvPr>
+            <p:extLst>
+              <p:ext uri="{386F3935-93C4-4BCD-93E2-E3B085C9AB24}">
+                <p16:designElem xmlns:p16="http://schemas.microsoft.com/office/powerpoint/2015/main" val="1"/>
+              </p:ext>
+            </p:extLst>
+          </p:nvPr>
+        </p:nvSpPr>
+        <p:spPr>
+          <a:xfrm>
+            <a:off x="0" y="0"/>
+            <a:ext cx="12188952" cy="6858000"/>
+          </a:xfrm>
+          <a:prstGeom prst="rect">
+            <a:avLst/>
+          </a:prstGeom>
+          <a:solidFill>
+            <a:schemeClr val="accent2"/>
+          </a:solidFill>
+          <a:ln>
+            <a:noFill/>
+          </a:ln>
+        </p:spPr>
+        <p:style>
+          <a:lnRef idx="2">
+            <a:schemeClr val="accent1">
+              <a:shade val="50000"/>
+            </a:schemeClr>
+          </a:lnRef>
+          <a:fillRef idx="1">
+            <a:schemeClr val="accent1"/>
+          </a:fillRef>
+          <a:effectRef idx="0">
+            <a:schemeClr val="accent1"/>
+          </a:effectRef>
+          <a:fontRef idx="minor">
+            <a:schemeClr val="lt1"/>
+          </a:fontRef>
+        </p:style>
+        <p:txBody>
+          <a:bodyPr rtlCol="0" anchor="ctr"/>
+          <a:lstStyle/>
+          <a:p>
+            <a:pPr algn="ctr"/>
+            <a:endParaRPr lang="en-US"/>
+          </a:p>
+        </p:txBody>
+      </p:sp>
+      <p:grpSp>
+        <p:nvGrpSpPr>
+          <p:cNvPr id="39" name="Group 23">
+            <a:extLst>
+              <a:ext uri="{FF2B5EF4-FFF2-40B4-BE49-F238E27FC236}">
+                <a16:creationId xmlns:a16="http://schemas.microsoft.com/office/drawing/2014/main" id="{2109F83F-40FE-4DB3-84CC-09FB3340D06D}"/>
+              </a:ext>
+              <a:ext uri="{C183D7F6-B498-43B3-948B-1728B52AA6E4}">
+                <adec:decorative xmlns:adec="http://schemas.microsoft.com/office/drawing/2017/decorative" val="1"/>
+              </a:ext>
+            </a:extLst>
+          </p:cNvPr>
+          <p:cNvGrpSpPr>
+            <a:grpSpLocks noGrp="1" noUngrp="1" noRot="1" noChangeAspect="1" noMove="1" noResize="1"/>
+          </p:cNvGrpSpPr>
+          <p:nvPr>
+            <p:extLst>
+              <p:ext uri="{386F3935-93C4-4BCD-93E2-E3B085C9AB24}">
+                <p16:designElem xmlns:p16="http://schemas.microsoft.com/office/powerpoint/2015/main" val="1"/>
+              </p:ext>
+            </p:extLst>
+          </p:nvPr>
+        </p:nvGrpSpPr>
+        <p:grpSpPr>
+          <a:xfrm>
+            <a:off x="0" y="-8467"/>
+            <a:ext cx="12192000" cy="6866467"/>
+            <a:chOff x="0" y="-8467"/>
+            <a:chExt cx="12192000" cy="6866467"/>
+          </a:xfrm>
+        </p:grpSpPr>
+        <p:cxnSp>
+          <p:nvCxnSpPr>
+            <p:cNvPr id="25" name="Straight Connector 24">
+              <a:extLst>
+                <a:ext uri="{FF2B5EF4-FFF2-40B4-BE49-F238E27FC236}">
+                  <a16:creationId xmlns:a16="http://schemas.microsoft.com/office/drawing/2014/main" id="{1DE492D7-C3C3-48FF-80C8-37021EA0262F}"/>
+                </a:ext>
+                <a:ext uri="{C183D7F6-B498-43B3-948B-1728B52AA6E4}">
+                  <adec:decorative xmlns:adec="http://schemas.microsoft.com/office/drawing/2017/decorative" val="1"/>
+                </a:ext>
+              </a:extLst>
+            </p:cNvPr>
+            <p:cNvCxnSpPr/>
+            <p:nvPr>
+              <p:extLst>
+                <p:ext uri="{386F3935-93C4-4BCD-93E2-E3B085C9AB24}">
+                  <p16:designElem xmlns:p16="http://schemas.microsoft.com/office/powerpoint/2015/main" val="1"/>
+                </p:ext>
+              </p:extLst>
+            </p:nvPr>
+          </p:nvCxnSpPr>
+          <p:spPr>
+            <a:xfrm flipH="1">
+              <a:off x="7425267" y="3681413"/>
+              <a:ext cx="4763558" cy="3176587"/>
+            </a:xfrm>
+            <a:prstGeom prst="line">
+              <a:avLst/>
+            </a:prstGeom>
+            <a:ln w="9525">
+              <a:solidFill>
+                <a:schemeClr val="bg1">
+                  <a:lumMod val="85000"/>
+                </a:schemeClr>
+              </a:solidFill>
+            </a:ln>
+          </p:spPr>
+          <p:style>
+            <a:lnRef idx="2">
+              <a:schemeClr val="accent1"/>
+            </a:lnRef>
+            <a:fillRef idx="0">
+              <a:schemeClr val="accent1"/>
+            </a:fillRef>
+            <a:effectRef idx="1">
+              <a:schemeClr val="accent1"/>
+            </a:effectRef>
+            <a:fontRef idx="minor">
+              <a:schemeClr val="tx1"/>
+            </a:fontRef>
+          </p:style>
+        </p:cxnSp>
+        <p:sp>
+          <p:nvSpPr>
+            <p:cNvPr id="26" name="Rectangle 23">
+              <a:extLst>
+                <a:ext uri="{FF2B5EF4-FFF2-40B4-BE49-F238E27FC236}">
+                  <a16:creationId xmlns:a16="http://schemas.microsoft.com/office/drawing/2014/main" id="{0B30FF97-2E9A-490A-AED2-90BA2E0EC17F}"/>
+                </a:ext>
+                <a:ext uri="{C183D7F6-B498-43B3-948B-1728B52AA6E4}">
+                  <adec:decorative xmlns:adec="http://schemas.microsoft.com/office/drawing/2017/decorative" val="1"/>
+                </a:ext>
+              </a:extLst>
+            </p:cNvPr>
+            <p:cNvSpPr/>
+            <p:nvPr>
+              <p:extLst>
+                <p:ext uri="{386F3935-93C4-4BCD-93E2-E3B085C9AB24}">
+                  <p16:designElem xmlns:p16="http://schemas.microsoft.com/office/powerpoint/2015/main" val="1"/>
+                </p:ext>
+              </p:extLst>
+            </p:nvPr>
+          </p:nvSpPr>
+          <p:spPr>
+            <a:xfrm>
+              <a:off x="9181476" y="-8467"/>
+              <a:ext cx="3007349" cy="6866467"/>
+            </a:xfrm>
+            <a:custGeom>
+              <a:avLst/>
+              <a:gdLst/>
+              <a:ahLst/>
+              <a:cxnLst/>
+              <a:rect l="l" t="t" r="r" b="b"/>
+              <a:pathLst>
+                <a:path w="3007349" h="6866467">
+                  <a:moveTo>
+                    <a:pt x="2045532" y="0"/>
+                  </a:moveTo>
+                  <a:lnTo>
+                    <a:pt x="3007349" y="0"/>
+                  </a:lnTo>
+                  <a:lnTo>
+                    <a:pt x="3007349" y="6866467"/>
+                  </a:lnTo>
+                  <a:lnTo>
+                    <a:pt x="0" y="6866467"/>
+                  </a:lnTo>
+                  <a:lnTo>
+                    <a:pt x="2045532" y="0"/>
+                  </a:lnTo>
+                  <a:close/>
+                </a:path>
+              </a:pathLst>
+            </a:custGeom>
+            <a:solidFill>
+              <a:schemeClr val="accent1">
+                <a:alpha val="30000"/>
+              </a:schemeClr>
+            </a:solidFill>
+            <a:ln>
+              <a:noFill/>
+            </a:ln>
+            <a:effectLst/>
+          </p:spPr>
+          <p:style>
+            <a:lnRef idx="1">
+              <a:schemeClr val="accent1"/>
+            </a:lnRef>
+            <a:fillRef idx="3">
+              <a:schemeClr val="accent1"/>
+            </a:fillRef>
+            <a:effectRef idx="2">
+              <a:schemeClr val="accent1"/>
+            </a:effectRef>
+            <a:fontRef idx="minor">
+              <a:schemeClr val="lt1"/>
+            </a:fontRef>
+          </p:style>
+        </p:sp>
+        <p:sp>
+          <p:nvSpPr>
+            <p:cNvPr id="27" name="Rectangle 25">
+              <a:extLst>
+                <a:ext uri="{FF2B5EF4-FFF2-40B4-BE49-F238E27FC236}">
+                  <a16:creationId xmlns:a16="http://schemas.microsoft.com/office/drawing/2014/main" id="{B6D53C7D-A312-47B6-A66A-230A19CFACA6}"/>
+                </a:ext>
+                <a:ext uri="{C183D7F6-B498-43B3-948B-1728B52AA6E4}">
+                  <adec:decorative xmlns:adec="http://schemas.microsoft.com/office/drawing/2017/decorative" val="1"/>
+                </a:ext>
+              </a:extLst>
+            </p:cNvPr>
+            <p:cNvSpPr/>
+            <p:nvPr>
+              <p:extLst>
+                <p:ext uri="{386F3935-93C4-4BCD-93E2-E3B085C9AB24}">
+                  <p16:designElem xmlns:p16="http://schemas.microsoft.com/office/powerpoint/2015/main" val="1"/>
+                </p:ext>
+              </p:extLst>
+            </p:nvPr>
+          </p:nvSpPr>
+          <p:spPr>
+            <a:xfrm>
+              <a:off x="9603442" y="-8467"/>
+              <a:ext cx="2588558" cy="6866467"/>
+            </a:xfrm>
+            <a:custGeom>
+              <a:avLst/>
+              <a:gdLst/>
+              <a:ahLst/>
+              <a:cxnLst/>
+              <a:rect l="l" t="t" r="r" b="b"/>
+              <a:pathLst>
+                <a:path w="2573311" h="6866467">
+                  <a:moveTo>
+                    <a:pt x="0" y="0"/>
+                  </a:moveTo>
+                  <a:lnTo>
+                    <a:pt x="2573311" y="0"/>
+                  </a:lnTo>
+                  <a:lnTo>
+                    <a:pt x="2573311" y="6866467"/>
+                  </a:lnTo>
+                  <a:lnTo>
+                    <a:pt x="1202336" y="6866467"/>
+                  </a:lnTo>
+                  <a:lnTo>
+                    <a:pt x="0" y="0"/>
+                  </a:lnTo>
+                  <a:close/>
+                </a:path>
+              </a:pathLst>
+            </a:custGeom>
+            <a:solidFill>
+              <a:schemeClr val="accent1">
+                <a:alpha val="20000"/>
+              </a:schemeClr>
+            </a:solidFill>
+            <a:ln>
+              <a:noFill/>
+            </a:ln>
+            <a:effectLst/>
+          </p:spPr>
+          <p:style>
+            <a:lnRef idx="1">
+              <a:schemeClr val="accent1"/>
+            </a:lnRef>
+            <a:fillRef idx="3">
+              <a:schemeClr val="accent1"/>
+            </a:fillRef>
+            <a:effectRef idx="2">
+              <a:schemeClr val="accent1"/>
+            </a:effectRef>
+            <a:fontRef idx="minor">
+              <a:schemeClr val="lt1"/>
+            </a:fontRef>
+          </p:style>
+        </p:sp>
+        <p:sp>
+          <p:nvSpPr>
+            <p:cNvPr id="28" name="Isosceles Triangle 27">
+              <a:extLst>
+                <a:ext uri="{FF2B5EF4-FFF2-40B4-BE49-F238E27FC236}">
+                  <a16:creationId xmlns:a16="http://schemas.microsoft.com/office/drawing/2014/main" id="{9329D58C-0D2E-4A2B-AD6A-9CEE506784A8}"/>
+                </a:ext>
+                <a:ext uri="{C183D7F6-B498-43B3-948B-1728B52AA6E4}">
+                  <adec:decorative xmlns:adec="http://schemas.microsoft.com/office/drawing/2017/decorative" val="1"/>
+                </a:ext>
+              </a:extLst>
+            </p:cNvPr>
+            <p:cNvSpPr/>
+            <p:nvPr>
+              <p:extLst>
+                <p:ext uri="{386F3935-93C4-4BCD-93E2-E3B085C9AB24}">
+                  <p16:designElem xmlns:p16="http://schemas.microsoft.com/office/powerpoint/2015/main" val="1"/>
+                </p:ext>
+              </p:extLst>
+            </p:nvPr>
+          </p:nvSpPr>
+          <p:spPr>
+            <a:xfrm>
+              <a:off x="8932333" y="3048000"/>
+              <a:ext cx="3259667" cy="3810000"/>
+            </a:xfrm>
+            <a:prstGeom prst="triangle">
+              <a:avLst>
+                <a:gd name="adj" fmla="val 100000"/>
+              </a:avLst>
+            </a:prstGeom>
+            <a:solidFill>
+              <a:schemeClr val="accent2">
+                <a:alpha val="72000"/>
+              </a:schemeClr>
+            </a:solidFill>
+            <a:ln>
+              <a:noFill/>
+            </a:ln>
+            <a:effectLst/>
+          </p:spPr>
+          <p:style>
+            <a:lnRef idx="1">
+              <a:schemeClr val="accent1"/>
+            </a:lnRef>
+            <a:fillRef idx="3">
+              <a:schemeClr val="accent1"/>
+            </a:fillRef>
+            <a:effectRef idx="2">
+              <a:schemeClr val="accent1"/>
+            </a:effectRef>
+            <a:fontRef idx="minor">
+              <a:schemeClr val="lt1"/>
+            </a:fontRef>
+          </p:style>
+        </p:sp>
+        <p:sp>
+          <p:nvSpPr>
+            <p:cNvPr id="29" name="Rectangle 27">
+              <a:extLst>
+                <a:ext uri="{FF2B5EF4-FFF2-40B4-BE49-F238E27FC236}">
+                  <a16:creationId xmlns:a16="http://schemas.microsoft.com/office/drawing/2014/main" id="{9D446EDE-C690-4461-8BF2-7634808FC8B4}"/>
+                </a:ext>
+                <a:ext uri="{C183D7F6-B498-43B3-948B-1728B52AA6E4}">
+                  <adec:decorative xmlns:adec="http://schemas.microsoft.com/office/drawing/2017/decorative" val="1"/>
+                </a:ext>
+              </a:extLst>
+            </p:cNvPr>
+            <p:cNvSpPr/>
+            <p:nvPr>
+              <p:extLst>
+                <p:ext uri="{386F3935-93C4-4BCD-93E2-E3B085C9AB24}">
+                  <p16:designElem xmlns:p16="http://schemas.microsoft.com/office/powerpoint/2015/main" val="1"/>
+                </p:ext>
+              </p:extLst>
+            </p:nvPr>
+          </p:nvSpPr>
+          <p:spPr>
+            <a:xfrm>
+              <a:off x="9334500" y="-8467"/>
+              <a:ext cx="2854326" cy="6866467"/>
+            </a:xfrm>
+            <a:custGeom>
+              <a:avLst/>
+              <a:gdLst/>
+              <a:ahLst/>
+              <a:cxnLst/>
+              <a:rect l="l" t="t" r="r" b="b"/>
+              <a:pathLst>
+                <a:path w="2858013" h="6866467">
+                  <a:moveTo>
+                    <a:pt x="0" y="0"/>
+                  </a:moveTo>
+                  <a:lnTo>
+                    <a:pt x="2858013" y="0"/>
+                  </a:lnTo>
+                  <a:lnTo>
+                    <a:pt x="2858013" y="6866467"/>
+                  </a:lnTo>
+                  <a:lnTo>
+                    <a:pt x="2473942" y="6866467"/>
+                  </a:lnTo>
+                  <a:lnTo>
+                    <a:pt x="0" y="0"/>
+                  </a:lnTo>
+                  <a:close/>
+                </a:path>
+              </a:pathLst>
+            </a:custGeom>
+            <a:solidFill>
+              <a:schemeClr val="accent2">
+                <a:lumMod val="75000"/>
+                <a:alpha val="70000"/>
+              </a:schemeClr>
+            </a:solidFill>
+            <a:ln>
+              <a:noFill/>
+            </a:ln>
+            <a:effectLst/>
+          </p:spPr>
+          <p:style>
+            <a:lnRef idx="1">
+              <a:schemeClr val="accent1"/>
+            </a:lnRef>
+            <a:fillRef idx="3">
+              <a:schemeClr val="accent1"/>
+            </a:fillRef>
+            <a:effectRef idx="2">
+              <a:schemeClr val="accent1"/>
+            </a:effectRef>
+            <a:fontRef idx="minor">
+              <a:schemeClr val="lt1"/>
+            </a:fontRef>
+          </p:style>
+        </p:sp>
+        <p:sp>
+          <p:nvSpPr>
+            <p:cNvPr id="30" name="Rectangle 28">
+              <a:extLst>
+                <a:ext uri="{FF2B5EF4-FFF2-40B4-BE49-F238E27FC236}">
+                  <a16:creationId xmlns:a16="http://schemas.microsoft.com/office/drawing/2014/main" id="{323F3D34-6531-4AD7-A8C6-195A090281A1}"/>
+                </a:ext>
+                <a:ext uri="{C183D7F6-B498-43B3-948B-1728B52AA6E4}">
+                  <adec:decorative xmlns:adec="http://schemas.microsoft.com/office/drawing/2017/decorative" val="1"/>
+                </a:ext>
+              </a:extLst>
+            </p:cNvPr>
+            <p:cNvSpPr/>
+            <p:nvPr>
+              <p:extLst>
+                <p:ext uri="{386F3935-93C4-4BCD-93E2-E3B085C9AB24}">
+                  <p16:designElem xmlns:p16="http://schemas.microsoft.com/office/powerpoint/2015/main" val="1"/>
+                </p:ext>
+              </p:extLst>
+            </p:nvPr>
+          </p:nvSpPr>
+          <p:spPr>
+            <a:xfrm>
+              <a:off x="10898730" y="-8467"/>
+              <a:ext cx="1290094" cy="6866467"/>
+            </a:xfrm>
+            <a:custGeom>
+              <a:avLst/>
+              <a:gdLst/>
+              <a:ahLst/>
+              <a:cxnLst/>
+              <a:rect l="l" t="t" r="r" b="b"/>
+              <a:pathLst>
+                <a:path w="1290094" h="6858000">
+                  <a:moveTo>
+                    <a:pt x="1019735" y="0"/>
+                  </a:moveTo>
+                  <a:lnTo>
+                    <a:pt x="1290094" y="0"/>
+                  </a:lnTo>
+                  <a:lnTo>
+                    <a:pt x="1290094" y="6858000"/>
+                  </a:lnTo>
+                  <a:lnTo>
+                    <a:pt x="0" y="6858000"/>
+                  </a:lnTo>
+                  <a:lnTo>
+                    <a:pt x="1019735" y="0"/>
+                  </a:lnTo>
+                  <a:close/>
+                </a:path>
+              </a:pathLst>
+            </a:custGeom>
+            <a:solidFill>
+              <a:schemeClr val="accent1">
+                <a:lumMod val="60000"/>
+                <a:lumOff val="40000"/>
+                <a:alpha val="70000"/>
+              </a:schemeClr>
+            </a:solidFill>
+            <a:ln>
+              <a:noFill/>
+            </a:ln>
+            <a:effectLst/>
+          </p:spPr>
+          <p:style>
+            <a:lnRef idx="1">
+              <a:schemeClr val="accent1"/>
+            </a:lnRef>
+            <a:fillRef idx="3">
+              <a:schemeClr val="accent1"/>
+            </a:fillRef>
+            <a:effectRef idx="2">
+              <a:schemeClr val="accent1"/>
+            </a:effectRef>
+            <a:fontRef idx="minor">
+              <a:schemeClr val="lt1"/>
+            </a:fontRef>
+          </p:style>
+        </p:sp>
+        <p:sp>
+          <p:nvSpPr>
+            <p:cNvPr id="31" name="Rectangle 29">
+              <a:extLst>
+                <a:ext uri="{FF2B5EF4-FFF2-40B4-BE49-F238E27FC236}">
+                  <a16:creationId xmlns:a16="http://schemas.microsoft.com/office/drawing/2014/main" id="{B9B0AE3F-2350-435F-A9B0-C310BF876385}"/>
+                </a:ext>
+                <a:ext uri="{C183D7F6-B498-43B3-948B-1728B52AA6E4}">
+                  <adec:decorative xmlns:adec="http://schemas.microsoft.com/office/drawing/2017/decorative" val="1"/>
+                </a:ext>
+              </a:extLst>
+            </p:cNvPr>
+            <p:cNvSpPr/>
+            <p:nvPr>
+              <p:extLst>
+                <p:ext uri="{386F3935-93C4-4BCD-93E2-E3B085C9AB24}">
+                  <p16:designElem xmlns:p16="http://schemas.microsoft.com/office/powerpoint/2015/main" val="1"/>
+                </p:ext>
+              </p:extLst>
+            </p:nvPr>
+          </p:nvSpPr>
+          <p:spPr>
+            <a:xfrm>
+              <a:off x="10938999" y="-8467"/>
+              <a:ext cx="1249825" cy="6866467"/>
+            </a:xfrm>
+            <a:custGeom>
+              <a:avLst/>
+              <a:gdLst/>
+              <a:ahLst/>
+              <a:cxnLst/>
+              <a:rect l="l" t="t" r="r" b="b"/>
+              <a:pathLst>
+                <a:path w="1249825" h="6858000">
+                  <a:moveTo>
+                    <a:pt x="0" y="0"/>
+                  </a:moveTo>
+                  <a:lnTo>
+                    <a:pt x="1249825" y="0"/>
+                  </a:lnTo>
+                  <a:lnTo>
+                    <a:pt x="1249825" y="6858000"/>
+                  </a:lnTo>
+                  <a:lnTo>
+                    <a:pt x="1109382" y="6858000"/>
+                  </a:lnTo>
+                  <a:lnTo>
+                    <a:pt x="0" y="0"/>
+                  </a:lnTo>
+                  <a:close/>
+                </a:path>
+              </a:pathLst>
+            </a:custGeom>
+            <a:solidFill>
+              <a:schemeClr val="accent1">
+                <a:alpha val="65000"/>
+              </a:schemeClr>
+            </a:solidFill>
+            <a:ln>
+              <a:noFill/>
+            </a:ln>
+            <a:effectLst/>
+          </p:spPr>
+          <p:style>
+            <a:lnRef idx="1">
+              <a:schemeClr val="accent1"/>
+            </a:lnRef>
+            <a:fillRef idx="3">
+              <a:schemeClr val="accent1"/>
+            </a:fillRef>
+            <a:effectRef idx="2">
+              <a:schemeClr val="accent1"/>
+            </a:effectRef>
+            <a:fontRef idx="minor">
+              <a:schemeClr val="lt1"/>
+            </a:fontRef>
+          </p:style>
+        </p:sp>
+        <p:sp>
+          <p:nvSpPr>
+            <p:cNvPr id="32" name="Isosceles Triangle 31">
+              <a:extLst>
+                <a:ext uri="{FF2B5EF4-FFF2-40B4-BE49-F238E27FC236}">
+                  <a16:creationId xmlns:a16="http://schemas.microsoft.com/office/drawing/2014/main" id="{4EFA655C-9E50-4C14-A89E-AD7B648E4E2B}"/>
+                </a:ext>
+                <a:ext uri="{C183D7F6-B498-43B3-948B-1728B52AA6E4}">
+                  <adec:decorative xmlns:adec="http://schemas.microsoft.com/office/drawing/2017/decorative" val="1"/>
+                </a:ext>
+              </a:extLst>
+            </p:cNvPr>
+            <p:cNvSpPr/>
+            <p:nvPr>
+              <p:extLst>
+                <p:ext uri="{386F3935-93C4-4BCD-93E2-E3B085C9AB24}">
+                  <p16:designElem xmlns:p16="http://schemas.microsoft.com/office/powerpoint/2015/main" val="1"/>
+                </p:ext>
+              </p:extLst>
+            </p:nvPr>
+          </p:nvSpPr>
+          <p:spPr>
+            <a:xfrm>
+              <a:off x="10371666" y="3589867"/>
+              <a:ext cx="1817159" cy="3268133"/>
+            </a:xfrm>
+            <a:prstGeom prst="triangle">
+              <a:avLst>
+                <a:gd name="adj" fmla="val 100000"/>
+              </a:avLst>
+            </a:prstGeom>
+            <a:solidFill>
+              <a:schemeClr val="accent1">
+                <a:alpha val="80000"/>
+              </a:schemeClr>
+            </a:solidFill>
+            <a:ln>
+              <a:noFill/>
+            </a:ln>
+            <a:effectLst/>
+          </p:spPr>
+          <p:style>
+            <a:lnRef idx="1">
+              <a:schemeClr val="accent1"/>
+            </a:lnRef>
+            <a:fillRef idx="3">
+              <a:schemeClr val="accent1"/>
+            </a:fillRef>
+            <a:effectRef idx="2">
+              <a:schemeClr val="accent1"/>
+            </a:effectRef>
+            <a:fontRef idx="minor">
+              <a:schemeClr val="lt1"/>
+            </a:fontRef>
+          </p:style>
+        </p:sp>
+        <p:sp>
+          <p:nvSpPr>
+            <p:cNvPr id="33" name="Isosceles Triangle 32">
+              <a:extLst>
+                <a:ext uri="{FF2B5EF4-FFF2-40B4-BE49-F238E27FC236}">
+                  <a16:creationId xmlns:a16="http://schemas.microsoft.com/office/drawing/2014/main" id="{3E843863-7D25-4C01-9A17-E817CB6D998A}"/>
+                </a:ext>
+                <a:ext uri="{C183D7F6-B498-43B3-948B-1728B52AA6E4}">
+                  <adec:decorative xmlns:adec="http://schemas.microsoft.com/office/drawing/2017/decorative" val="1"/>
+                </a:ext>
+              </a:extLst>
+            </p:cNvPr>
+            <p:cNvSpPr/>
+            <p:nvPr>
+              <p:extLst>
+                <p:ext uri="{386F3935-93C4-4BCD-93E2-E3B085C9AB24}">
+                  <p16:designElem xmlns:p16="http://schemas.microsoft.com/office/powerpoint/2015/main" val="1"/>
+                </p:ext>
+              </p:extLst>
+            </p:nvPr>
+          </p:nvSpPr>
+          <p:spPr>
+            <a:xfrm>
+              <a:off x="0" y="4013200"/>
+              <a:ext cx="448733" cy="2844800"/>
+            </a:xfrm>
+            <a:prstGeom prst="triangle">
+              <a:avLst>
+                <a:gd name="adj" fmla="val 0"/>
+              </a:avLst>
+            </a:prstGeom>
+            <a:solidFill>
+              <a:schemeClr val="accent1">
+                <a:alpha val="85000"/>
+              </a:schemeClr>
+            </a:solidFill>
+            <a:ln>
+              <a:noFill/>
+            </a:ln>
+            <a:effectLst/>
+          </p:spPr>
+          <p:style>
+            <a:lnRef idx="1">
+              <a:schemeClr val="accent1"/>
+            </a:lnRef>
+            <a:fillRef idx="3">
+              <a:schemeClr val="accent1"/>
+            </a:fillRef>
+            <a:effectRef idx="2">
+              <a:schemeClr val="accent1"/>
+            </a:effectRef>
+            <a:fontRef idx="minor">
+              <a:schemeClr val="lt1"/>
+            </a:fontRef>
+          </p:style>
+        </p:sp>
+      </p:grpSp>
+      <p:sp>
+        <p:nvSpPr>
+          <p:cNvPr id="40" name="Rectangle 34">
+            <a:extLst>
+              <a:ext uri="{FF2B5EF4-FFF2-40B4-BE49-F238E27FC236}">
+                <a16:creationId xmlns:a16="http://schemas.microsoft.com/office/drawing/2014/main" id="{7941F9B1-B01B-4A84-89D9-B169AEB4E456}"/>
+              </a:ext>
+              <a:ext uri="{C183D7F6-B498-43B3-948B-1728B52AA6E4}">
+                <adec:decorative xmlns:adec="http://schemas.microsoft.com/office/drawing/2017/decorative" val="1"/>
+              </a:ext>
+            </a:extLst>
+          </p:cNvPr>
+          <p:cNvSpPr>
+            <a:spLocks noGrp="1" noRot="1" noChangeAspect="1" noMove="1" noResize="1" noEditPoints="1" noAdjustHandles="1" noChangeArrowheads="1" noChangeShapeType="1" noTextEdit="1"/>
+          </p:cNvSpPr>
+          <p:nvPr>
+            <p:extLst>
+              <p:ext uri="{386F3935-93C4-4BCD-93E2-E3B085C9AB24}">
+                <p16:designElem xmlns:p16="http://schemas.microsoft.com/office/powerpoint/2015/main" val="1"/>
+              </p:ext>
+            </p:extLst>
+          </p:nvPr>
+        </p:nvSpPr>
+        <p:spPr>
+          <a:xfrm>
+            <a:off x="477012" y="480060"/>
+            <a:ext cx="11237976" cy="5897880"/>
+          </a:xfrm>
+          <a:prstGeom prst="rect">
+            <a:avLst/>
+          </a:prstGeom>
+          <a:solidFill>
+            <a:srgbClr val="FFFFFF"/>
+          </a:solidFill>
+          <a:ln w="9525">
+            <a:noFill/>
+          </a:ln>
+          <a:effectLst>
+            <a:outerShdw blurRad="63500" dist="17780" dir="5400000" algn="t" rotWithShape="0">
+              <a:prstClr val="black">
+                <a:alpha val="43000"/>
+              </a:prstClr>
+            </a:outerShdw>
+          </a:effectLst>
+        </p:spPr>
+        <p:style>
+          <a:lnRef idx="2">
+            <a:schemeClr val="accent1">
+              <a:shade val="50000"/>
+            </a:schemeClr>
+          </a:lnRef>
+          <a:fillRef idx="1">
+            <a:schemeClr val="accent1"/>
+          </a:fillRef>
+          <a:effectRef idx="0">
+            <a:schemeClr val="accent1"/>
+          </a:effectRef>
+          <a:fontRef idx="minor">
+            <a:schemeClr val="lt1"/>
+          </a:fontRef>
+        </p:style>
+        <p:txBody>
+          <a:bodyPr rtlCol="0" anchor="ctr"/>
+          <a:lstStyle/>
+          <a:p>
+            <a:pPr algn="ctr"/>
+            <a:endParaRPr lang="en-US"/>
+          </a:p>
+        </p:txBody>
+      </p:sp>
+      <p:pic>
+        <p:nvPicPr>
+          <p:cNvPr id="5" name="Segnaposto contenuto 4">
+            <a:extLst>
+              <a:ext uri="{FF2B5EF4-FFF2-40B4-BE49-F238E27FC236}">
+                <a16:creationId xmlns:a16="http://schemas.microsoft.com/office/drawing/2014/main" id="{2B1AA894-96E6-453E-A6C5-1DFFAE11A3AE}"/>
+              </a:ext>
+            </a:extLst>
+          </p:cNvPr>
+          <p:cNvPicPr>
+            <a:picLocks noGrp="1" noChangeAspect="1"/>
+          </p:cNvPicPr>
+          <p:nvPr>
+            <p:ph idx="1"/>
+          </p:nvPr>
+        </p:nvPicPr>
+        <p:blipFill>
+          <a:blip r:embed="rId2">
+            <a:extLst>
+              <a:ext uri="{28A0092B-C50C-407E-A947-70E740481C1C}">
+                <a14:useLocalDpi xmlns:a14="http://schemas.microsoft.com/office/drawing/2010/main" val="0"/>
+              </a:ext>
+            </a:extLst>
+          </a:blip>
+          <a:stretch>
+            <a:fillRect/>
+          </a:stretch>
+        </p:blipFill>
+        <p:spPr>
+          <a:xfrm>
+            <a:off x="1942743" y="1131994"/>
+            <a:ext cx="8308390" cy="4590386"/>
+          </a:xfrm>
+          <a:prstGeom prst="rect">
+            <a:avLst/>
+          </a:prstGeom>
+        </p:spPr>
+      </p:pic>
+    </p:spTree>
+    <p:extLst>
+      <p:ext uri="{BB962C8B-B14F-4D97-AF65-F5344CB8AC3E}">
+        <p14:creationId xmlns:p14="http://schemas.microsoft.com/office/powerpoint/2010/main" val="3701905229"/>
+      </p:ext>
+    </p:extLst>
+  </p:cSld>
+  <p:clrMapOvr>
+    <a:masterClrMapping/>
+  </p:clrMapOvr>
+</p:sld>
+</file>
+
+<file path=ppt/slides/slide40.xml><?xml version="1.0" encoding="utf-8"?>
 <p:sld xmlns:a="http://schemas.openxmlformats.org/drawingml/2006/main" xmlns:r="http://schemas.openxmlformats.org/officeDocument/2006/relationships" xmlns:p="http://schemas.openxmlformats.org/presentationml/2006/main">
   <p:cSld>
     <p:bg>
@@ -41952,7 +44753,7 @@
 </p:sld>
 </file>
 
-<file path=ppt/slides/slide38.xml><?xml version="1.0" encoding="utf-8"?>
+<file path=ppt/slides/slide41.xml><?xml version="1.0" encoding="utf-8"?>
 <p:sld xmlns:a="http://schemas.openxmlformats.org/drawingml/2006/main" xmlns:r="http://schemas.openxmlformats.org/officeDocument/2006/relationships" xmlns:p="http://schemas.openxmlformats.org/presentationml/2006/main">
   <p:cSld>
     <p:bg>
@@ -43033,7 +45834,7 @@
 </p:sld>
 </file>
 
-<file path=ppt/slides/slide39.xml><?xml version="1.0" encoding="utf-8"?>
+<file path=ppt/slides/slide42.xml><?xml version="1.0" encoding="utf-8"?>
 <p:sld xmlns:a="http://schemas.openxmlformats.org/drawingml/2006/main" xmlns:r="http://schemas.openxmlformats.org/officeDocument/2006/relationships" xmlns:p="http://schemas.openxmlformats.org/presentationml/2006/main">
   <p:cSld>
     <p:bg>
@@ -44479,7 +47280,1034 @@
 </p:sld>
 </file>
 
-<file path=ppt/slides/slide4.xml><?xml version="1.0" encoding="utf-8"?>
+<file path=ppt/slides/slide43.xml><?xml version="1.0" encoding="utf-8"?>
+<p:sld xmlns:a="http://schemas.openxmlformats.org/drawingml/2006/main" xmlns:r="http://schemas.openxmlformats.org/officeDocument/2006/relationships" xmlns:p="http://schemas.openxmlformats.org/presentationml/2006/main">
+  <p:cSld>
+    <p:spTree>
+      <p:nvGrpSpPr>
+        <p:cNvPr id="1" name=""/>
+        <p:cNvGrpSpPr/>
+        <p:nvPr/>
+      </p:nvGrpSpPr>
+      <p:grpSpPr>
+        <a:xfrm>
+          <a:off x="0" y="0"/>
+          <a:ext cx="0" cy="0"/>
+          <a:chOff x="0" y="0"/>
+          <a:chExt cx="0" cy="0"/>
+        </a:xfrm>
+      </p:grpSpPr>
+      <p:graphicFrame>
+        <p:nvGraphicFramePr>
+          <p:cNvPr id="6" name="Tabella 4">
+            <a:extLst>
+              <a:ext uri="{FF2B5EF4-FFF2-40B4-BE49-F238E27FC236}">
+                <a16:creationId xmlns:a16="http://schemas.microsoft.com/office/drawing/2014/main" id="{DA66106A-F0F7-40AA-A2F6-CA9E76FF68A4}"/>
+              </a:ext>
+            </a:extLst>
+          </p:cNvPr>
+          <p:cNvGraphicFramePr>
+            <a:graphicFrameLocks/>
+          </p:cNvGraphicFramePr>
+          <p:nvPr>
+            <p:extLst>
+              <p:ext uri="{D42A27DB-BD31-4B8C-83A1-F6EECF244321}">
+                <p14:modId xmlns:p14="http://schemas.microsoft.com/office/powerpoint/2010/main" val="2139432962"/>
+              </p:ext>
+            </p:extLst>
+          </p:nvPr>
+        </p:nvGraphicFramePr>
+        <p:xfrm>
+          <a:off x="441663" y="668675"/>
+          <a:ext cx="8596311" cy="5869239"/>
+        </p:xfrm>
+        <a:graphic>
+          <a:graphicData uri="http://schemas.openxmlformats.org/drawingml/2006/table">
+            <a:tbl>
+              <a:tblPr firstRow="1" bandRow="1">
+                <a:tableStyleId>{5C22544A-7EE6-4342-B048-85BDC9FD1C3A}</a:tableStyleId>
+              </a:tblPr>
+              <a:tblGrid>
+                <a:gridCol w="1575672">
+                  <a:extLst>
+                    <a:ext uri="{9D8B030D-6E8A-4147-A177-3AD203B41FA5}">
+                      <a16:colId xmlns:a16="http://schemas.microsoft.com/office/drawing/2014/main" val="282663958"/>
+                    </a:ext>
+                  </a:extLst>
+                </a:gridCol>
+                <a:gridCol w="3120272">
+                  <a:extLst>
+                    <a:ext uri="{9D8B030D-6E8A-4147-A177-3AD203B41FA5}">
+                      <a16:colId xmlns:a16="http://schemas.microsoft.com/office/drawing/2014/main" val="3099052081"/>
+                    </a:ext>
+                  </a:extLst>
+                </a:gridCol>
+                <a:gridCol w="3900367">
+                  <a:extLst>
+                    <a:ext uri="{9D8B030D-6E8A-4147-A177-3AD203B41FA5}">
+                      <a16:colId xmlns:a16="http://schemas.microsoft.com/office/drawing/2014/main" val="396588103"/>
+                    </a:ext>
+                  </a:extLst>
+                </a:gridCol>
+              </a:tblGrid>
+              <a:tr h="352359">
+                <a:tc>
+                  <a:txBody>
+                    <a:bodyPr/>
+                    <a:lstStyle/>
+                    <a:p>
+                      <a:r>
+                        <a:rPr lang="it-IT" sz="1400" dirty="0"/>
+                        <a:t>PROPERTY</a:t>
+                      </a:r>
+                    </a:p>
+                  </a:txBody>
+                  <a:tcPr/>
+                </a:tc>
+                <a:tc>
+                  <a:txBody>
+                    <a:bodyPr/>
+                    <a:lstStyle/>
+                    <a:p>
+                      <a:r>
+                        <a:rPr lang="it-IT" sz="1400" dirty="0"/>
+                        <a:t>MySQL</a:t>
+                      </a:r>
+                    </a:p>
+                  </a:txBody>
+                  <a:tcPr/>
+                </a:tc>
+                <a:tc>
+                  <a:txBody>
+                    <a:bodyPr/>
+                    <a:lstStyle/>
+                    <a:p>
+                      <a:r>
+                        <a:rPr lang="it-IT" sz="1400" dirty="0" err="1"/>
+                        <a:t>MongoDB</a:t>
+                      </a:r>
+                      <a:endParaRPr lang="it-IT" sz="1400" dirty="0"/>
+                    </a:p>
+                  </a:txBody>
+                  <a:tcPr/>
+                </a:tc>
+                <a:extLst>
+                  <a:ext uri="{0D108BD9-81ED-4DB2-BD59-A6C34878D82A}">
+                    <a16:rowId xmlns:a16="http://schemas.microsoft.com/office/drawing/2014/main" val="2226197832"/>
+                  </a:ext>
+                </a:extLst>
+              </a:tr>
+              <a:tr h="2034145">
+                <a:tc>
+                  <a:txBody>
+                    <a:bodyPr/>
+                    <a:lstStyle/>
+                    <a:p>
+                      <a:pPr marL="0" marR="0" lvl="0" indent="0" algn="l" defTabSz="457200" rtl="0" eaLnBrk="1" fontAlgn="auto" latinLnBrk="0" hangingPunct="1">
+                        <a:lnSpc>
+                          <a:spcPct val="100000"/>
+                        </a:lnSpc>
+                        <a:spcBef>
+                          <a:spcPts val="0"/>
+                        </a:spcBef>
+                        <a:spcAft>
+                          <a:spcPts val="0"/>
+                        </a:spcAft>
+                        <a:buClrTx/>
+                        <a:buSzTx/>
+                        <a:buFontTx/>
+                        <a:buNone/>
+                        <a:tabLst/>
+                        <a:defRPr/>
+                      </a:pPr>
+                      <a:r>
+                        <a:rPr lang="it-IT" sz="1400" b="0" dirty="0"/>
+                        <a:t>Modello dei dati</a:t>
+                      </a:r>
+                    </a:p>
+                    <a:p>
+                      <a:endParaRPr lang="it-IT" sz="1400" dirty="0"/>
+                    </a:p>
+                  </a:txBody>
+                  <a:tcPr/>
+                </a:tc>
+                <a:tc>
+                  <a:txBody>
+                    <a:bodyPr/>
+                    <a:lstStyle/>
+                    <a:p>
+                      <a:pPr marL="285750" indent="-285750">
+                        <a:buFont typeface="Arial" panose="020B0604020202020204" pitchFamily="34" charset="0"/>
+                        <a:buChar char="•"/>
+                      </a:pPr>
+                      <a:r>
+                        <a:rPr lang="it-IT" sz="1400" dirty="0"/>
+                        <a:t>Struttura dati fissa;</a:t>
+                      </a:r>
+                    </a:p>
+                    <a:p>
+                      <a:pPr marL="285750" indent="-285750">
+                        <a:buFont typeface="Arial" panose="020B0604020202020204" pitchFamily="34" charset="0"/>
+                        <a:buChar char="•"/>
+                      </a:pPr>
+                      <a:endParaRPr lang="it-IT" sz="1400" dirty="0"/>
+                    </a:p>
+                    <a:p>
+                      <a:pPr marL="285750" indent="-285750">
+                        <a:buFont typeface="Arial" panose="020B0604020202020204" pitchFamily="34" charset="0"/>
+                        <a:buChar char="•"/>
+                      </a:pPr>
+                      <a:r>
+                        <a:rPr lang="it-IT" sz="1400" dirty="0"/>
+                        <a:t>Adatto per una struttura di dati che non cambierà nel tempo;</a:t>
+                      </a:r>
+                    </a:p>
+                    <a:p>
+                      <a:pPr marL="285750" indent="-285750">
+                        <a:buFont typeface="Arial" panose="020B0604020202020204" pitchFamily="34" charset="0"/>
+                        <a:buChar char="•"/>
+                      </a:pPr>
+                      <a:endParaRPr lang="it-IT" sz="1400" dirty="0"/>
+                    </a:p>
+                    <a:p>
+                      <a:pPr marL="285750" indent="-285750">
+                        <a:buFont typeface="Arial" panose="020B0604020202020204" pitchFamily="34" charset="0"/>
+                        <a:buChar char="•"/>
+                      </a:pPr>
+                      <a:r>
+                        <a:rPr lang="it-IT" sz="1400" dirty="0"/>
+                        <a:t>Si creano le tabelle richieste, le colonne e si specifica il tipo di dati per ogni colonna;</a:t>
+                      </a:r>
+                    </a:p>
+                    <a:p>
+                      <a:pPr marL="285750" indent="-285750">
+                        <a:buFont typeface="Arial" panose="020B0604020202020204" pitchFamily="34" charset="0"/>
+                        <a:buChar char="•"/>
+                      </a:pPr>
+                      <a:endParaRPr lang="it-IT" sz="1400" dirty="0"/>
+                    </a:p>
+                    <a:p>
+                      <a:pPr marL="285750" indent="-285750">
+                        <a:buFont typeface="Arial" panose="020B0604020202020204" pitchFamily="34" charset="0"/>
+                        <a:buChar char="•"/>
+                      </a:pPr>
+                      <a:r>
+                        <a:rPr lang="it-IT" sz="1400" dirty="0"/>
+                        <a:t>Lo schema fisso comporta la presenza di valori NULL;</a:t>
+                      </a:r>
+                    </a:p>
+                    <a:p>
+                      <a:pPr marL="285750" indent="-285750">
+                        <a:buFont typeface="Arial" panose="020B0604020202020204" pitchFamily="34" charset="0"/>
+                        <a:buChar char="•"/>
+                      </a:pPr>
+                      <a:endParaRPr lang="it-IT" sz="1400" dirty="0"/>
+                    </a:p>
+                    <a:p>
+                      <a:pPr marL="285750" indent="-285750">
+                        <a:buFont typeface="Arial" panose="020B0604020202020204" pitchFamily="34" charset="0"/>
+                        <a:buChar char="•"/>
+                      </a:pPr>
+                      <a:r>
+                        <a:rPr lang="it-IT" sz="1400" dirty="0"/>
+                        <a:t>Prima di poter memorizzare i dati, è necessario definire tabelle e colonne.</a:t>
+                      </a:r>
+                    </a:p>
+                  </a:txBody>
+                  <a:tcPr/>
+                </a:tc>
+                <a:tc>
+                  <a:txBody>
+                    <a:bodyPr/>
+                    <a:lstStyle/>
+                    <a:p>
+                      <a:pPr marL="285750" indent="-285750">
+                        <a:buFont typeface="Arial" panose="020B0604020202020204" pitchFamily="34" charset="0"/>
+                        <a:buChar char="•"/>
+                      </a:pPr>
+                      <a:r>
+                        <a:rPr lang="it-IT" sz="1400" dirty="0"/>
+                        <a:t>Flessibilità e dinamicità dello schema;</a:t>
+                      </a:r>
+                    </a:p>
+                    <a:p>
+                      <a:pPr marL="0" indent="0">
+                        <a:buFont typeface="Arial" panose="020B0604020202020204" pitchFamily="34" charset="0"/>
+                        <a:buNone/>
+                      </a:pPr>
+                      <a:endParaRPr lang="it-IT" sz="1400" dirty="0"/>
+                    </a:p>
+                    <a:p>
+                      <a:pPr marL="285750" indent="-285750">
+                        <a:buFont typeface="Arial" panose="020B0604020202020204" pitchFamily="34" charset="0"/>
+                        <a:buChar char="•"/>
+                      </a:pPr>
+                      <a:r>
+                        <a:rPr lang="it-IT" sz="1400" dirty="0"/>
+                        <a:t>Struttura KEY-VALUE;</a:t>
+                      </a:r>
+                    </a:p>
+                    <a:p>
+                      <a:pPr marL="0" indent="0">
+                        <a:buFont typeface="Arial" panose="020B0604020202020204" pitchFamily="34" charset="0"/>
+                        <a:buNone/>
+                      </a:pPr>
+                      <a:endParaRPr lang="it-IT" sz="1400" dirty="0"/>
+                    </a:p>
+                    <a:p>
+                      <a:pPr marL="285750" indent="-285750">
+                        <a:buFont typeface="Arial" panose="020B0604020202020204" pitchFamily="34" charset="0"/>
+                        <a:buChar char="•"/>
+                      </a:pPr>
+                      <a:r>
+                        <a:rPr lang="it-IT" sz="1400" dirty="0"/>
+                        <a:t>Possibilità di annidamenti (</a:t>
+                      </a:r>
+                      <a:r>
+                        <a:rPr lang="it-IT" sz="1400" dirty="0" err="1"/>
+                        <a:t>nested</a:t>
+                      </a:r>
+                      <a:r>
+                        <a:rPr lang="it-IT" sz="1400" dirty="0"/>
+                        <a:t>);</a:t>
+                      </a:r>
+                    </a:p>
+                    <a:p>
+                      <a:pPr marL="0" indent="0">
+                        <a:buFont typeface="Arial" panose="020B0604020202020204" pitchFamily="34" charset="0"/>
+                        <a:buNone/>
+                      </a:pPr>
+                      <a:endParaRPr lang="it-IT" sz="1400" dirty="0"/>
+                    </a:p>
+                    <a:p>
+                      <a:pPr marL="285750" indent="-285750">
+                        <a:buFont typeface="Arial" panose="020B0604020202020204" pitchFamily="34" charset="0"/>
+                        <a:buChar char="•"/>
+                      </a:pPr>
+                      <a:r>
+                        <a:rPr lang="it-IT" sz="1400" dirty="0"/>
+                        <a:t>I singoli documenti hanno una propria struttura, che può essere diversa dagli altri </a:t>
+                      </a:r>
+                      <a:r>
+                        <a:rPr lang="it-IT" sz="1400" dirty="0">
+                          <a:sym typeface="Wingdings" panose="05000000000000000000" pitchFamily="2" charset="2"/>
+                        </a:rPr>
+                        <a:t> in ogni momento è possibile </a:t>
+                      </a:r>
+                      <a:r>
+                        <a:rPr lang="it-IT" sz="1400" dirty="0"/>
+                        <a:t>creare nuovi campi con un valore qualsiasi.</a:t>
+                      </a:r>
+                    </a:p>
+                  </a:txBody>
+                  <a:tcPr/>
+                </a:tc>
+                <a:extLst>
+                  <a:ext uri="{0D108BD9-81ED-4DB2-BD59-A6C34878D82A}">
+                    <a16:rowId xmlns:a16="http://schemas.microsoft.com/office/drawing/2014/main" val="524658683"/>
+                  </a:ext>
+                </a:extLst>
+              </a:tr>
+              <a:tr h="1503498">
+                <a:tc>
+                  <a:txBody>
+                    <a:bodyPr/>
+                    <a:lstStyle/>
+                    <a:p>
+                      <a:r>
+                        <a:rPr lang="it-IT" sz="1400" dirty="0"/>
+                        <a:t>Ricerca dei dati</a:t>
+                      </a:r>
+                    </a:p>
+                    <a:p>
+                      <a:endParaRPr lang="it-IT" sz="1400" dirty="0"/>
+                    </a:p>
+                  </a:txBody>
+                  <a:tcPr/>
+                </a:tc>
+                <a:tc>
+                  <a:txBody>
+                    <a:bodyPr/>
+                    <a:lstStyle/>
+                    <a:p>
+                      <a:pPr marL="171450" indent="-171450" fontAlgn="base">
+                        <a:buFont typeface="Arial" panose="020B0604020202020204" pitchFamily="34" charset="0"/>
+                        <a:buChar char="•"/>
+                      </a:pPr>
+                      <a:r>
+                        <a:rPr lang="it-IT" sz="1400" dirty="0"/>
+                        <a:t>Utilizzo dell’operatore JOIN che permette di combinare dati da più tabelle;</a:t>
+                      </a:r>
+                    </a:p>
+                    <a:p>
+                      <a:pPr marL="171450" indent="-171450" fontAlgn="base">
+                        <a:buFont typeface="Arial" panose="020B0604020202020204" pitchFamily="34" charset="0"/>
+                        <a:buChar char="•"/>
+                      </a:pPr>
+                      <a:endParaRPr lang="it-IT" sz="1400" dirty="0"/>
+                    </a:p>
+                    <a:p>
+                      <a:pPr marL="171450" indent="-171450" fontAlgn="base">
+                        <a:buFont typeface="Arial" panose="020B0604020202020204" pitchFamily="34" charset="0"/>
+                        <a:buChar char="•"/>
+                      </a:pPr>
+                      <a:r>
+                        <a:rPr lang="it-IT" sz="1400" dirty="0"/>
+                        <a:t>Le </a:t>
+                      </a:r>
+                      <a:r>
+                        <a:rPr lang="it-IT" sz="1400" i="0" dirty="0"/>
+                        <a:t>FOREIGN KEY</a:t>
+                      </a:r>
+                      <a:r>
+                        <a:rPr lang="it-IT" sz="1400" i="1" dirty="0"/>
+                        <a:t> </a:t>
+                      </a:r>
+                      <a:r>
+                        <a:rPr lang="it-IT" sz="1400" dirty="0"/>
+                        <a:t>consentono di creare relazioni tra tabelle;</a:t>
+                      </a:r>
+                    </a:p>
+                    <a:p>
+                      <a:pPr marL="171450" indent="-171450" fontAlgn="base">
+                        <a:buFont typeface="Arial" panose="020B0604020202020204" pitchFamily="34" charset="0"/>
+                        <a:buChar char="•"/>
+                      </a:pPr>
+                      <a:endParaRPr lang="it-IT" sz="1400" dirty="0"/>
+                    </a:p>
+                    <a:p>
+                      <a:pPr marL="171450" indent="-171450" fontAlgn="base">
+                        <a:buFont typeface="Arial" panose="020B0604020202020204" pitchFamily="34" charset="0"/>
+                        <a:buChar char="•"/>
+                      </a:pPr>
+                      <a:r>
+                        <a:rPr lang="it-IT" sz="1400" dirty="0"/>
+                        <a:t>Una ricerca efficace richiede una conoscenza approfondita del modello dei dati di riferimento.</a:t>
+                      </a:r>
+                    </a:p>
+                  </a:txBody>
+                  <a:tcPr/>
+                </a:tc>
+                <a:tc>
+                  <a:txBody>
+                    <a:bodyPr/>
+                    <a:lstStyle/>
+                    <a:p>
+                      <a:pPr marL="285750" indent="-285750">
+                        <a:buFont typeface="Arial" panose="020B0604020202020204" pitchFamily="34" charset="0"/>
+                        <a:buChar char="•"/>
+                      </a:pPr>
+                      <a:r>
+                        <a:rPr lang="it-IT" sz="1400" dirty="0"/>
+                        <a:t>Grazie all’annidamento (</a:t>
+                      </a:r>
+                      <a:r>
+                        <a:rPr lang="it-IT" sz="1400" dirty="0" err="1"/>
+                        <a:t>nested</a:t>
+                      </a:r>
+                      <a:r>
+                        <a:rPr lang="it-IT" sz="1400" dirty="0"/>
+                        <a:t>) tutti i dati necessari sono presenti in un solo documento.</a:t>
+                      </a:r>
+                    </a:p>
+                    <a:p>
+                      <a:pPr marL="0" indent="0">
+                        <a:buFont typeface="Arial" panose="020B0604020202020204" pitchFamily="34" charset="0"/>
+                        <a:buNone/>
+                      </a:pPr>
+                      <a:endParaRPr lang="it-IT" sz="1400" dirty="0"/>
+                    </a:p>
+                    <a:p>
+                      <a:pPr marL="285750" indent="-285750">
+                        <a:buFont typeface="Arial" panose="020B0604020202020204" pitchFamily="34" charset="0"/>
+                        <a:buChar char="•"/>
+                      </a:pPr>
+                      <a:r>
+                        <a:rPr lang="it-IT" sz="1400" dirty="0"/>
+                        <a:t>L’assenza di operazioni di JOIN tra i documenti comporta performance più alte per i tempi di risposta.</a:t>
+                      </a:r>
+                    </a:p>
+                  </a:txBody>
+                  <a:tcPr/>
+                </a:tc>
+                <a:extLst>
+                  <a:ext uri="{0D108BD9-81ED-4DB2-BD59-A6C34878D82A}">
+                    <a16:rowId xmlns:a16="http://schemas.microsoft.com/office/drawing/2014/main" val="660594604"/>
+                  </a:ext>
+                </a:extLst>
+              </a:tr>
+            </a:tbl>
+          </a:graphicData>
+        </a:graphic>
+      </p:graphicFrame>
+      <p:sp>
+        <p:nvSpPr>
+          <p:cNvPr id="4" name="Titolo 1">
+            <a:extLst>
+              <a:ext uri="{FF2B5EF4-FFF2-40B4-BE49-F238E27FC236}">
+                <a16:creationId xmlns:a16="http://schemas.microsoft.com/office/drawing/2014/main" id="{A7CA80C0-DA2E-4EFC-8D0B-7DDB050D42FA}"/>
+              </a:ext>
+            </a:extLst>
+          </p:cNvPr>
+          <p:cNvSpPr>
+            <a:spLocks noGrp="1"/>
+          </p:cNvSpPr>
+          <p:nvPr>
+            <p:ph type="title"/>
+          </p:nvPr>
+        </p:nvSpPr>
+        <p:spPr>
+          <a:xfrm>
+            <a:off x="950242" y="0"/>
+            <a:ext cx="7579151" cy="574376"/>
+          </a:xfrm>
+        </p:spPr>
+        <p:txBody>
+          <a:bodyPr vert="horz" lIns="91440" tIns="45720" rIns="91440" bIns="45720" rtlCol="0" anchor="b">
+            <a:normAutofit fontScale="90000"/>
+          </a:bodyPr>
+          <a:lstStyle/>
+          <a:p>
+            <a:pPr algn="ctr"/>
+            <a:r>
+              <a:rPr lang="en-US" sz="4000" dirty="0"/>
+              <a:t>Conclusions (1)</a:t>
+            </a:r>
+            <a:endParaRPr lang="en-US" sz="2900" dirty="0"/>
+          </a:p>
+        </p:txBody>
+      </p:sp>
+    </p:spTree>
+    <p:extLst>
+      <p:ext uri="{BB962C8B-B14F-4D97-AF65-F5344CB8AC3E}">
+        <p14:creationId xmlns:p14="http://schemas.microsoft.com/office/powerpoint/2010/main" val="2591938850"/>
+      </p:ext>
+    </p:extLst>
+  </p:cSld>
+  <p:clrMapOvr>
+    <a:masterClrMapping/>
+  </p:clrMapOvr>
+</p:sld>
+</file>
+
+<file path=ppt/slides/slide44.xml><?xml version="1.0" encoding="utf-8"?>
+<p:sld xmlns:a="http://schemas.openxmlformats.org/drawingml/2006/main" xmlns:r="http://schemas.openxmlformats.org/officeDocument/2006/relationships" xmlns:p="http://schemas.openxmlformats.org/presentationml/2006/main">
+  <p:cSld>
+    <p:spTree>
+      <p:nvGrpSpPr>
+        <p:cNvPr id="1" name=""/>
+        <p:cNvGrpSpPr/>
+        <p:nvPr/>
+      </p:nvGrpSpPr>
+      <p:grpSpPr>
+        <a:xfrm>
+          <a:off x="0" y="0"/>
+          <a:ext cx="0" cy="0"/>
+          <a:chOff x="0" y="0"/>
+          <a:chExt cx="0" cy="0"/>
+        </a:xfrm>
+      </p:grpSpPr>
+      <p:graphicFrame>
+        <p:nvGraphicFramePr>
+          <p:cNvPr id="4" name="Tabella 4">
+            <a:extLst>
+              <a:ext uri="{FF2B5EF4-FFF2-40B4-BE49-F238E27FC236}">
+                <a16:creationId xmlns:a16="http://schemas.microsoft.com/office/drawing/2014/main" id="{3225ADA6-5AEA-4EE5-86C7-4AF07BB3E69A}"/>
+              </a:ext>
+            </a:extLst>
+          </p:cNvPr>
+          <p:cNvGraphicFramePr>
+            <a:graphicFrameLocks/>
+          </p:cNvGraphicFramePr>
+          <p:nvPr>
+            <p:extLst>
+              <p:ext uri="{D42A27DB-BD31-4B8C-83A1-F6EECF244321}">
+                <p14:modId xmlns:p14="http://schemas.microsoft.com/office/powerpoint/2010/main" val="3401758368"/>
+              </p:ext>
+            </p:extLst>
+          </p:nvPr>
+        </p:nvGraphicFramePr>
+        <p:xfrm>
+          <a:off x="742767" y="574376"/>
+          <a:ext cx="8596311" cy="4802439"/>
+        </p:xfrm>
+        <a:graphic>
+          <a:graphicData uri="http://schemas.openxmlformats.org/drawingml/2006/table">
+            <a:tbl>
+              <a:tblPr firstRow="1" bandRow="1">
+                <a:tableStyleId>{5C22544A-7EE6-4342-B048-85BDC9FD1C3A}</a:tableStyleId>
+              </a:tblPr>
+              <a:tblGrid>
+                <a:gridCol w="1575672">
+                  <a:extLst>
+                    <a:ext uri="{9D8B030D-6E8A-4147-A177-3AD203B41FA5}">
+                      <a16:colId xmlns:a16="http://schemas.microsoft.com/office/drawing/2014/main" val="282663958"/>
+                    </a:ext>
+                  </a:extLst>
+                </a:gridCol>
+                <a:gridCol w="3120272">
+                  <a:extLst>
+                    <a:ext uri="{9D8B030D-6E8A-4147-A177-3AD203B41FA5}">
+                      <a16:colId xmlns:a16="http://schemas.microsoft.com/office/drawing/2014/main" val="3099052081"/>
+                    </a:ext>
+                  </a:extLst>
+                </a:gridCol>
+                <a:gridCol w="3900367">
+                  <a:extLst>
+                    <a:ext uri="{9D8B030D-6E8A-4147-A177-3AD203B41FA5}">
+                      <a16:colId xmlns:a16="http://schemas.microsoft.com/office/drawing/2014/main" val="396588103"/>
+                    </a:ext>
+                  </a:extLst>
+                </a:gridCol>
+              </a:tblGrid>
+              <a:tr h="352359">
+                <a:tc>
+                  <a:txBody>
+                    <a:bodyPr/>
+                    <a:lstStyle/>
+                    <a:p>
+                      <a:r>
+                        <a:rPr lang="it-IT" sz="1400" dirty="0"/>
+                        <a:t>PROPERTY</a:t>
+                      </a:r>
+                    </a:p>
+                  </a:txBody>
+                  <a:tcPr/>
+                </a:tc>
+                <a:tc>
+                  <a:txBody>
+                    <a:bodyPr/>
+                    <a:lstStyle/>
+                    <a:p>
+                      <a:r>
+                        <a:rPr lang="it-IT" sz="1400" dirty="0"/>
+                        <a:t>MySQL</a:t>
+                      </a:r>
+                    </a:p>
+                  </a:txBody>
+                  <a:tcPr/>
+                </a:tc>
+                <a:tc>
+                  <a:txBody>
+                    <a:bodyPr/>
+                    <a:lstStyle/>
+                    <a:p>
+                      <a:r>
+                        <a:rPr lang="it-IT" sz="1400" dirty="0" err="1"/>
+                        <a:t>MongoDB</a:t>
+                      </a:r>
+                      <a:endParaRPr lang="it-IT" sz="1400" dirty="0"/>
+                    </a:p>
+                  </a:txBody>
+                  <a:tcPr/>
+                </a:tc>
+                <a:extLst>
+                  <a:ext uri="{0D108BD9-81ED-4DB2-BD59-A6C34878D82A}">
+                    <a16:rowId xmlns:a16="http://schemas.microsoft.com/office/drawing/2014/main" val="2226197832"/>
+                  </a:ext>
+                </a:extLst>
+              </a:tr>
+              <a:tr h="972852">
+                <a:tc>
+                  <a:txBody>
+                    <a:bodyPr/>
+                    <a:lstStyle/>
+                    <a:p>
+                      <a:r>
+                        <a:rPr lang="it-IT" sz="1400" dirty="0"/>
+                        <a:t>Vincoli e integrità dei dati</a:t>
+                      </a:r>
+                    </a:p>
+                    <a:p>
+                      <a:endParaRPr lang="it-IT" sz="1400" dirty="0"/>
+                    </a:p>
+                  </a:txBody>
+                  <a:tcPr/>
+                </a:tc>
+                <a:tc>
+                  <a:txBody>
+                    <a:bodyPr/>
+                    <a:lstStyle/>
+                    <a:p>
+                      <a:pPr marL="285750" marR="0" lvl="0" indent="-285750" algn="l" defTabSz="457200" rtl="0" eaLnBrk="1" fontAlgn="auto" latinLnBrk="0" hangingPunct="1">
+                        <a:lnSpc>
+                          <a:spcPct val="100000"/>
+                        </a:lnSpc>
+                        <a:spcBef>
+                          <a:spcPts val="0"/>
+                        </a:spcBef>
+                        <a:spcAft>
+                          <a:spcPts val="0"/>
+                        </a:spcAft>
+                        <a:buClrTx/>
+                        <a:buSzTx/>
+                        <a:buFont typeface="Arial" panose="020B0604020202020204" pitchFamily="34" charset="0"/>
+                        <a:buChar char="•"/>
+                        <a:tabLst/>
+                        <a:defRPr/>
+                      </a:pPr>
+                      <a:r>
+                        <a:rPr lang="it-IT" sz="1400" dirty="0"/>
+                        <a:t>Non accetta alcun tipo di dato che non rispetti la strutture imposta dal programmatore.</a:t>
+                      </a:r>
+                    </a:p>
+                  </a:txBody>
+                  <a:tcPr/>
+                </a:tc>
+                <a:tc>
+                  <a:txBody>
+                    <a:bodyPr/>
+                    <a:lstStyle/>
+                    <a:p>
+                      <a:pPr marL="285750" marR="0" lvl="0" indent="-285750" algn="l" defTabSz="457200" rtl="0" eaLnBrk="1" fontAlgn="auto" latinLnBrk="0" hangingPunct="1">
+                        <a:lnSpc>
+                          <a:spcPct val="100000"/>
+                        </a:lnSpc>
+                        <a:spcBef>
+                          <a:spcPts val="0"/>
+                        </a:spcBef>
+                        <a:spcAft>
+                          <a:spcPts val="0"/>
+                        </a:spcAft>
+                        <a:buClrTx/>
+                        <a:buSzTx/>
+                        <a:buFont typeface="Arial" panose="020B0604020202020204" pitchFamily="34" charset="0"/>
+                        <a:buChar char="•"/>
+                        <a:tabLst/>
+                        <a:defRPr/>
+                      </a:pPr>
+                      <a:r>
+                        <a:rPr lang="it-IT" sz="1400" dirty="0"/>
+                        <a:t>Non esiste un vincolo sul tipo di dato.</a:t>
+                      </a:r>
+                    </a:p>
+                    <a:p>
+                      <a:pPr marL="0" marR="0" lvl="0" indent="0" algn="l" defTabSz="457200" rtl="0" eaLnBrk="1" fontAlgn="auto" latinLnBrk="0" hangingPunct="1">
+                        <a:lnSpc>
+                          <a:spcPct val="100000"/>
+                        </a:lnSpc>
+                        <a:spcBef>
+                          <a:spcPts val="0"/>
+                        </a:spcBef>
+                        <a:spcAft>
+                          <a:spcPts val="0"/>
+                        </a:spcAft>
+                        <a:buClrTx/>
+                        <a:buSzTx/>
+                        <a:buFontTx/>
+                        <a:buNone/>
+                        <a:tabLst/>
+                        <a:defRPr/>
+                      </a:pPr>
+                      <a:endParaRPr lang="it-IT" sz="1400" dirty="0"/>
+                    </a:p>
+                    <a:p>
+                      <a:pPr marL="285750" marR="0" lvl="0" indent="-285750" algn="l" defTabSz="457200" rtl="0" eaLnBrk="1" fontAlgn="auto" latinLnBrk="0" hangingPunct="1">
+                        <a:lnSpc>
+                          <a:spcPct val="100000"/>
+                        </a:lnSpc>
+                        <a:spcBef>
+                          <a:spcPts val="0"/>
+                        </a:spcBef>
+                        <a:spcAft>
+                          <a:spcPts val="0"/>
+                        </a:spcAft>
+                        <a:buClrTx/>
+                        <a:buSzTx/>
+                        <a:buFont typeface="Arial" panose="020B0604020202020204" pitchFamily="34" charset="0"/>
+                        <a:buChar char="•"/>
+                        <a:tabLst/>
+                        <a:defRPr/>
+                      </a:pPr>
+                      <a:r>
+                        <a:rPr lang="it-IT" sz="1400" dirty="0"/>
+                        <a:t>Svantaggio: non essendoci dei controlli sull’integrità dei dati, il compito ricade totalmente sull’applicativo che dialoga col database. </a:t>
+                      </a:r>
+                    </a:p>
+                  </a:txBody>
+                  <a:tcPr/>
+                </a:tc>
+                <a:extLst>
+                  <a:ext uri="{0D108BD9-81ED-4DB2-BD59-A6C34878D82A}">
+                    <a16:rowId xmlns:a16="http://schemas.microsoft.com/office/drawing/2014/main" val="3432872428"/>
+                  </a:ext>
+                </a:extLst>
+              </a:tr>
+              <a:tr h="658097">
+                <a:tc>
+                  <a:txBody>
+                    <a:bodyPr/>
+                    <a:lstStyle/>
+                    <a:p>
+                      <a:r>
+                        <a:rPr lang="it-IT" sz="1400" dirty="0"/>
+                        <a:t>Scalabilità</a:t>
+                      </a:r>
+                    </a:p>
+                    <a:p>
+                      <a:endParaRPr lang="it-IT" sz="1400" dirty="0"/>
+                    </a:p>
+                  </a:txBody>
+                  <a:tcPr/>
+                </a:tc>
+                <a:tc>
+                  <a:txBody>
+                    <a:bodyPr/>
+                    <a:lstStyle/>
+                    <a:p>
+                      <a:pPr marL="285750" indent="-285750" fontAlgn="base">
+                        <a:buFont typeface="Arial" panose="020B0604020202020204" pitchFamily="34" charset="0"/>
+                        <a:buChar char="•"/>
+                      </a:pPr>
+                      <a:r>
+                        <a:rPr lang="it-IT" sz="1400" dirty="0"/>
+                        <a:t>Scalabilità verticale;</a:t>
+                      </a:r>
+                    </a:p>
+                    <a:p>
+                      <a:pPr marL="285750" indent="-285750" fontAlgn="base">
+                        <a:buFont typeface="Arial" panose="020B0604020202020204" pitchFamily="34" charset="0"/>
+                        <a:buChar char="•"/>
+                      </a:pPr>
+                      <a:endParaRPr lang="it-IT" sz="1400" dirty="0"/>
+                    </a:p>
+                    <a:p>
+                      <a:pPr marL="285750" indent="-285750" fontAlgn="base">
+                        <a:buFont typeface="Arial" panose="020B0604020202020204" pitchFamily="34" charset="0"/>
+                        <a:buChar char="•"/>
+                      </a:pPr>
+                      <a:r>
+                        <a:rPr lang="it-IT" sz="1400" dirty="0"/>
+                        <a:t>A fronte di un maggiore carico di lavoro si procede a incrementare </a:t>
+                      </a:r>
+                      <a:r>
+                        <a:rPr lang="it-IT" sz="1400" dirty="0">
+                          <a:sym typeface="Wingdings" panose="05000000000000000000" pitchFamily="2" charset="2"/>
+                        </a:rPr>
+                        <a:t>l’hardware sulle macchine server;</a:t>
+                      </a:r>
+                    </a:p>
+                    <a:p>
+                      <a:pPr fontAlgn="base"/>
+                      <a:endParaRPr lang="it-IT" sz="1400" dirty="0">
+                        <a:sym typeface="Wingdings" panose="05000000000000000000" pitchFamily="2" charset="2"/>
+                      </a:endParaRPr>
+                    </a:p>
+                    <a:p>
+                      <a:pPr marL="285750" marR="0" lvl="0" indent="-285750" algn="l" defTabSz="457200" rtl="0" eaLnBrk="1" fontAlgn="base" latinLnBrk="0" hangingPunct="1">
+                        <a:lnSpc>
+                          <a:spcPct val="100000"/>
+                        </a:lnSpc>
+                        <a:spcBef>
+                          <a:spcPts val="0"/>
+                        </a:spcBef>
+                        <a:spcAft>
+                          <a:spcPts val="0"/>
+                        </a:spcAft>
+                        <a:buClrTx/>
+                        <a:buSzTx/>
+                        <a:buFont typeface="Arial" panose="020B0604020202020204" pitchFamily="34" charset="0"/>
+                        <a:buChar char="•"/>
+                        <a:tabLst/>
+                        <a:defRPr/>
+                      </a:pPr>
+                      <a:r>
+                        <a:rPr lang="it-IT" sz="1400" dirty="0"/>
+                        <a:t>La replica e il clustering sono disponibili, ma comportano complessità implementativa.</a:t>
+                      </a:r>
+                    </a:p>
+                  </a:txBody>
+                  <a:tcPr/>
+                </a:tc>
+                <a:tc>
+                  <a:txBody>
+                    <a:bodyPr/>
+                    <a:lstStyle/>
+                    <a:p>
+                      <a:pPr marL="285750" indent="-285750" fontAlgn="base">
+                        <a:buFont typeface="Arial" panose="020B0604020202020204" pitchFamily="34" charset="0"/>
+                        <a:buChar char="•"/>
+                      </a:pPr>
+                      <a:r>
+                        <a:rPr lang="it-IT" sz="1400" dirty="0"/>
+                        <a:t>Scalabilità orizzontale </a:t>
+                      </a:r>
+                      <a:r>
+                        <a:rPr lang="it-IT" sz="1400" dirty="0">
+                          <a:sym typeface="Wingdings" panose="05000000000000000000" pitchFamily="2" charset="2"/>
+                        </a:rPr>
+                        <a:t> c</a:t>
+                      </a:r>
+                      <a:r>
+                        <a:rPr lang="it-IT" sz="1400" dirty="0"/>
+                        <a:t>aratteristica importante per i Big Data;</a:t>
+                      </a:r>
+                    </a:p>
+                    <a:p>
+                      <a:pPr fontAlgn="base"/>
+                      <a:endParaRPr lang="it-IT" sz="1400" dirty="0"/>
+                    </a:p>
+                    <a:p>
+                      <a:pPr marL="285750" marR="0" lvl="0" indent="-285750" algn="l" defTabSz="457200" rtl="0" eaLnBrk="1" fontAlgn="base" latinLnBrk="0" hangingPunct="1">
+                        <a:lnSpc>
+                          <a:spcPct val="100000"/>
+                        </a:lnSpc>
+                        <a:spcBef>
+                          <a:spcPts val="0"/>
+                        </a:spcBef>
+                        <a:spcAft>
+                          <a:spcPts val="0"/>
+                        </a:spcAft>
+                        <a:buClrTx/>
+                        <a:buSzTx/>
+                        <a:buFont typeface="Arial" panose="020B0604020202020204" pitchFamily="34" charset="0"/>
+                        <a:buChar char="•"/>
+                        <a:tabLst/>
+                        <a:defRPr/>
+                      </a:pPr>
+                      <a:r>
+                        <a:rPr lang="it-IT" sz="1400" dirty="0"/>
+                        <a:t>Consente di distribuire i dati e le operazioni su macchine differenti al fine di parallelizzare le operazioni;</a:t>
+                      </a:r>
+                    </a:p>
+                    <a:p>
+                      <a:pPr marL="285750" marR="0" lvl="0" indent="-285750" algn="l" defTabSz="457200" rtl="0" eaLnBrk="1" fontAlgn="base" latinLnBrk="0" hangingPunct="1">
+                        <a:lnSpc>
+                          <a:spcPct val="100000"/>
+                        </a:lnSpc>
+                        <a:spcBef>
+                          <a:spcPts val="0"/>
+                        </a:spcBef>
+                        <a:spcAft>
+                          <a:spcPts val="0"/>
+                        </a:spcAft>
+                        <a:buClrTx/>
+                        <a:buSzTx/>
+                        <a:buFont typeface="Arial" panose="020B0604020202020204" pitchFamily="34" charset="0"/>
+                        <a:buChar char="•"/>
+                        <a:tabLst/>
+                        <a:defRPr/>
+                      </a:pPr>
+                      <a:endParaRPr lang="it-IT" sz="1400" dirty="0"/>
+                    </a:p>
+                    <a:p>
+                      <a:pPr marL="285750" indent="-285750" fontAlgn="base">
+                        <a:buFont typeface="Arial" panose="020B0604020202020204" pitchFamily="34" charset="0"/>
+                        <a:buChar char="•"/>
+                      </a:pPr>
+                      <a:r>
+                        <a:rPr lang="it-IT" sz="1400" dirty="0"/>
+                        <a:t>È possibile configurare più nodi che si replicano automaticamente senza un singolo punto di errore, cosi da evitare che il crash di un server porti all’interruzione del servizio;</a:t>
+                      </a:r>
+                    </a:p>
+                    <a:p>
+                      <a:pPr fontAlgn="base"/>
+                      <a:endParaRPr lang="it-IT" sz="1400" dirty="0"/>
+                    </a:p>
+                    <a:p>
+                      <a:pPr marL="285750" indent="-285750" fontAlgn="base">
+                        <a:buFont typeface="Arial" panose="020B0604020202020204" pitchFamily="34" charset="0"/>
+                        <a:buChar char="•"/>
+                      </a:pPr>
+                      <a:r>
+                        <a:rPr lang="it-IT" sz="1400" dirty="0"/>
+                        <a:t>Elevata scalabilità e disponibilità dei dati.</a:t>
+                      </a:r>
+                    </a:p>
+                  </a:txBody>
+                  <a:tcPr/>
+                </a:tc>
+                <a:extLst>
+                  <a:ext uri="{0D108BD9-81ED-4DB2-BD59-A6C34878D82A}">
+                    <a16:rowId xmlns:a16="http://schemas.microsoft.com/office/drawing/2014/main" val="259508540"/>
+                  </a:ext>
+                </a:extLst>
+              </a:tr>
+            </a:tbl>
+          </a:graphicData>
+        </a:graphic>
+      </p:graphicFrame>
+      <p:sp>
+        <p:nvSpPr>
+          <p:cNvPr id="6" name="Titolo 1">
+            <a:extLst>
+              <a:ext uri="{FF2B5EF4-FFF2-40B4-BE49-F238E27FC236}">
+                <a16:creationId xmlns:a16="http://schemas.microsoft.com/office/drawing/2014/main" id="{A3446FB3-DDFC-4F87-ACFE-B95E8E743B41}"/>
+              </a:ext>
+            </a:extLst>
+          </p:cNvPr>
+          <p:cNvSpPr>
+            <a:spLocks noGrp="1"/>
+          </p:cNvSpPr>
+          <p:nvPr>
+            <p:ph type="title"/>
+          </p:nvPr>
+        </p:nvSpPr>
+        <p:spPr>
+          <a:xfrm>
+            <a:off x="1251345" y="0"/>
+            <a:ext cx="7579151" cy="574376"/>
+          </a:xfrm>
+        </p:spPr>
+        <p:txBody>
+          <a:bodyPr vert="horz" lIns="91440" tIns="45720" rIns="91440" bIns="45720" rtlCol="0" anchor="b">
+            <a:normAutofit fontScale="90000"/>
+          </a:bodyPr>
+          <a:lstStyle/>
+          <a:p>
+            <a:pPr algn="ctr"/>
+            <a:r>
+              <a:rPr lang="en-US" sz="4000" dirty="0"/>
+              <a:t>Conclusions (2)</a:t>
+            </a:r>
+            <a:endParaRPr lang="en-US" sz="2900" dirty="0"/>
+          </a:p>
+        </p:txBody>
+      </p:sp>
+      <p:pic>
+        <p:nvPicPr>
+          <p:cNvPr id="7" name="Immagine 6">
+            <a:extLst>
+              <a:ext uri="{FF2B5EF4-FFF2-40B4-BE49-F238E27FC236}">
+                <a16:creationId xmlns:a16="http://schemas.microsoft.com/office/drawing/2014/main" id="{182ADD43-ED0A-4041-B423-C9BE502F2D31}"/>
+              </a:ext>
+            </a:extLst>
+          </p:cNvPr>
+          <p:cNvPicPr>
+            <a:picLocks noChangeAspect="1"/>
+          </p:cNvPicPr>
+          <p:nvPr/>
+        </p:nvPicPr>
+        <p:blipFill>
+          <a:blip r:embed="rId2"/>
+          <a:stretch>
+            <a:fillRect/>
+          </a:stretch>
+        </p:blipFill>
+        <p:spPr>
+          <a:xfrm>
+            <a:off x="3007334" y="5440661"/>
+            <a:ext cx="4067175" cy="1685925"/>
+          </a:xfrm>
+          <a:prstGeom prst="rect">
+            <a:avLst/>
+          </a:prstGeom>
+        </p:spPr>
+      </p:pic>
+    </p:spTree>
+    <p:extLst>
+      <p:ext uri="{BB962C8B-B14F-4D97-AF65-F5344CB8AC3E}">
+        <p14:creationId xmlns:p14="http://schemas.microsoft.com/office/powerpoint/2010/main" val="3047328773"/>
+      </p:ext>
+    </p:extLst>
+  </p:cSld>
+  <p:clrMapOvr>
+    <a:masterClrMapping/>
+  </p:clrMapOvr>
+</p:sld>
+</file>
+
+<file path=ppt/slides/slide45.xml><?xml version="1.0" encoding="utf-8"?>
 <p:sld xmlns:a="http://schemas.openxmlformats.org/drawingml/2006/main" xmlns:r="http://schemas.openxmlformats.org/officeDocument/2006/relationships" xmlns:p="http://schemas.openxmlformats.org/presentationml/2006/main">
   <p:cSld>
     <p:bg>
@@ -44506,10 +48334,10 @@
       </p:grpSpPr>
       <p:grpSp>
         <p:nvGrpSpPr>
-          <p:cNvPr id="37" name="Group 9">
+          <p:cNvPr id="13" name="Group 12">
             <a:extLst>
               <a:ext uri="{FF2B5EF4-FFF2-40B4-BE49-F238E27FC236}">
-                <a16:creationId xmlns:a16="http://schemas.microsoft.com/office/drawing/2014/main" id="{609316A9-990D-4EC3-A671-70EE5C1493A4}"/>
+                <a16:creationId xmlns:a16="http://schemas.microsoft.com/office/drawing/2014/main" id="{28460BD8-AE3F-4AC9-9D0B-717052AA5D3A}"/>
               </a:ext>
               <a:ext uri="{C183D7F6-B498-43B3-948B-1728B52AA6E4}">
                 <adec:decorative xmlns:adec="http://schemas.microsoft.com/office/drawing/2017/decorative" val="1"/>
@@ -44537,10 +48365,10 @@
         </p:grpSpPr>
         <p:cxnSp>
           <p:nvCxnSpPr>
-            <p:cNvPr id="11" name="Straight Connector 10">
+            <p:cNvPr id="14" name="Straight Connector 13">
               <a:extLst>
                 <a:ext uri="{FF2B5EF4-FFF2-40B4-BE49-F238E27FC236}">
-                  <a16:creationId xmlns:a16="http://schemas.microsoft.com/office/drawing/2014/main" id="{9B0C6109-9159-49CA-AD7A-F9035539DB7F}"/>
+                  <a16:creationId xmlns:a16="http://schemas.microsoft.com/office/drawing/2014/main" id="{54420CFE-F482-466E-9E1E-C78513C0B85D}"/>
                 </a:ext>
                 <a:ext uri="{C183D7F6-B498-43B3-948B-1728B52AA6E4}">
                   <adec:decorative xmlns:adec="http://schemas.microsoft.com/office/drawing/2017/decorative" val="1"/>
@@ -44589,10 +48417,10 @@
         </p:cxnSp>
         <p:cxnSp>
           <p:nvCxnSpPr>
-            <p:cNvPr id="12" name="Straight Connector 11">
+            <p:cNvPr id="15" name="Straight Connector 14">
               <a:extLst>
                 <a:ext uri="{FF2B5EF4-FFF2-40B4-BE49-F238E27FC236}">
-                  <a16:creationId xmlns:a16="http://schemas.microsoft.com/office/drawing/2014/main" id="{686F14F5-308C-4EB6-87AB-05DE9501B1AA}"/>
+                  <a16:creationId xmlns:a16="http://schemas.microsoft.com/office/drawing/2014/main" id="{5331032B-BD21-4BDA-920C-12E358052567}"/>
                 </a:ext>
                 <a:ext uri="{C183D7F6-B498-43B3-948B-1728B52AA6E4}">
                   <adec:decorative xmlns:adec="http://schemas.microsoft.com/office/drawing/2017/decorative" val="1"/>
@@ -44641,10 +48469,10 @@
         </p:cxnSp>
         <p:sp>
           <p:nvSpPr>
-            <p:cNvPr id="13" name="Rectangle 23">
+            <p:cNvPr id="16" name="Rectangle 23">
               <a:extLst>
                 <a:ext uri="{FF2B5EF4-FFF2-40B4-BE49-F238E27FC236}">
-                  <a16:creationId xmlns:a16="http://schemas.microsoft.com/office/drawing/2014/main" id="{BA032363-A188-47C5-9D59-9B788809DCD2}"/>
+                  <a16:creationId xmlns:a16="http://schemas.microsoft.com/office/drawing/2014/main" id="{E7514DA3-59E7-409E-8A3B-AD097F6E5644}"/>
                 </a:ext>
                 <a:ext uri="{C183D7F6-B498-43B3-948B-1728B52AA6E4}">
                   <adec:decorative xmlns:adec="http://schemas.microsoft.com/office/drawing/2017/decorative" val="1"/>
@@ -44719,10 +48547,10 @@
         </p:sp>
         <p:sp>
           <p:nvSpPr>
-            <p:cNvPr id="14" name="Rectangle 25">
+            <p:cNvPr id="17" name="Rectangle 25">
               <a:extLst>
                 <a:ext uri="{FF2B5EF4-FFF2-40B4-BE49-F238E27FC236}">
-                  <a16:creationId xmlns:a16="http://schemas.microsoft.com/office/drawing/2014/main" id="{2C4077DF-6BB9-4069-AD28-6B1664EBB064}"/>
+                  <a16:creationId xmlns:a16="http://schemas.microsoft.com/office/drawing/2014/main" id="{57B9A2A6-3BE4-4599-9364-F71C5BFD61F8}"/>
                 </a:ext>
                 <a:ext uri="{C183D7F6-B498-43B3-948B-1728B52AA6E4}">
                   <adec:decorative xmlns:adec="http://schemas.microsoft.com/office/drawing/2017/decorative" val="1"/>
@@ -44797,10 +48625,10 @@
         </p:sp>
         <p:sp>
           <p:nvSpPr>
-            <p:cNvPr id="15" name="Isosceles Triangle 14">
+            <p:cNvPr id="18" name="Isosceles Triangle 17">
               <a:extLst>
                 <a:ext uri="{FF2B5EF4-FFF2-40B4-BE49-F238E27FC236}">
-                  <a16:creationId xmlns:a16="http://schemas.microsoft.com/office/drawing/2014/main" id="{1D2B8B50-3419-41ED-9A9F-3CF9EEBBD3F2}"/>
+                  <a16:creationId xmlns:a16="http://schemas.microsoft.com/office/drawing/2014/main" id="{4FD744C6-4ED8-4BC9-BF68-6BDF701C5DB4}"/>
                 </a:ext>
                 <a:ext uri="{C183D7F6-B498-43B3-948B-1728B52AA6E4}">
                   <adec:decorative xmlns:adec="http://schemas.microsoft.com/office/drawing/2017/decorative" val="1"/>
@@ -44853,10 +48681,10 @@
         </p:sp>
         <p:sp>
           <p:nvSpPr>
-            <p:cNvPr id="16" name="Rectangle 27">
+            <p:cNvPr id="19" name="Rectangle 27">
               <a:extLst>
                 <a:ext uri="{FF2B5EF4-FFF2-40B4-BE49-F238E27FC236}">
-                  <a16:creationId xmlns:a16="http://schemas.microsoft.com/office/drawing/2014/main" id="{5C640498-2E73-4FA2-BEB6-C3596A458C8A}"/>
+                  <a16:creationId xmlns:a16="http://schemas.microsoft.com/office/drawing/2014/main" id="{092C5BAD-C911-4F8F-A1C5-470268BE668B}"/>
                 </a:ext>
                 <a:ext uri="{C183D7F6-B498-43B3-948B-1728B52AA6E4}">
                   <adec:decorative xmlns:adec="http://schemas.microsoft.com/office/drawing/2017/decorative" val="1"/>
@@ -44932,10 +48760,10 @@
         </p:sp>
         <p:sp>
           <p:nvSpPr>
-            <p:cNvPr id="17" name="Rectangle 28">
+            <p:cNvPr id="20" name="Rectangle 28">
               <a:extLst>
                 <a:ext uri="{FF2B5EF4-FFF2-40B4-BE49-F238E27FC236}">
-                  <a16:creationId xmlns:a16="http://schemas.microsoft.com/office/drawing/2014/main" id="{3240EEFC-4112-4C39-A816-C815774F6D69}"/>
+                  <a16:creationId xmlns:a16="http://schemas.microsoft.com/office/drawing/2014/main" id="{B133D0C8-4EC4-424F-8E70-0482D5B1B653}"/>
                 </a:ext>
                 <a:ext uri="{C183D7F6-B498-43B3-948B-1728B52AA6E4}">
                   <adec:decorative xmlns:adec="http://schemas.microsoft.com/office/drawing/2017/decorative" val="1"/>
@@ -45012,10 +48840,10 @@
         </p:sp>
         <p:sp>
           <p:nvSpPr>
-            <p:cNvPr id="18" name="Rectangle 29">
+            <p:cNvPr id="21" name="Rectangle 29">
               <a:extLst>
                 <a:ext uri="{FF2B5EF4-FFF2-40B4-BE49-F238E27FC236}">
-                  <a16:creationId xmlns:a16="http://schemas.microsoft.com/office/drawing/2014/main" id="{ADF362B0-03EA-4800-9FAA-9F128587E428}"/>
+                  <a16:creationId xmlns:a16="http://schemas.microsoft.com/office/drawing/2014/main" id="{7B1532A0-F4B3-4DE8-B18F-740CAAD25AC4}"/>
                 </a:ext>
                 <a:ext uri="{C183D7F6-B498-43B3-948B-1728B52AA6E4}">
                   <adec:decorative xmlns:adec="http://schemas.microsoft.com/office/drawing/2017/decorative" val="1"/>
@@ -45090,10 +48918,10 @@
         </p:sp>
         <p:sp>
           <p:nvSpPr>
-            <p:cNvPr id="19" name="Isosceles Triangle 18">
+            <p:cNvPr id="22" name="Isosceles Triangle 21">
               <a:extLst>
                 <a:ext uri="{FF2B5EF4-FFF2-40B4-BE49-F238E27FC236}">
-                  <a16:creationId xmlns:a16="http://schemas.microsoft.com/office/drawing/2014/main" id="{0BA84559-2F4C-4795-9246-4C563F942DB9}"/>
+                  <a16:creationId xmlns:a16="http://schemas.microsoft.com/office/drawing/2014/main" id="{8EFDD162-BBBA-4062-8BBF-53DBA1091374}"/>
                 </a:ext>
                 <a:ext uri="{C183D7F6-B498-43B3-948B-1728B52AA6E4}">
                   <adec:decorative xmlns:adec="http://schemas.microsoft.com/office/drawing/2017/decorative" val="1"/>
@@ -45146,10 +48974,10 @@
         </p:sp>
         <p:sp>
           <p:nvSpPr>
-            <p:cNvPr id="20" name="Isosceles Triangle 19">
+            <p:cNvPr id="23" name="Isosceles Triangle 22">
               <a:extLst>
                 <a:ext uri="{FF2B5EF4-FFF2-40B4-BE49-F238E27FC236}">
-                  <a16:creationId xmlns:a16="http://schemas.microsoft.com/office/drawing/2014/main" id="{FA77A1AA-CA47-4A91-A0A1-0A8CE31A985E}"/>
+                  <a16:creationId xmlns:a16="http://schemas.microsoft.com/office/drawing/2014/main" id="{DCFC9E65-3E19-4483-B952-25D29683CA56}"/>
                 </a:ext>
                 <a:ext uri="{C183D7F6-B498-43B3-948B-1728B52AA6E4}">
                   <adec:decorative xmlns:adec="http://schemas.microsoft.com/office/drawing/2017/decorative" val="1"/>
@@ -45166,13 +48994,13 @@
             </p:nvPr>
           </p:nvSpPr>
           <p:spPr>
-            <a:xfrm>
-              <a:off x="0" y="4013200"/>
-              <a:ext cx="448733" cy="2844800"/>
+            <a:xfrm rot="10800000">
+              <a:off x="0" y="0"/>
+              <a:ext cx="842596" cy="5666154"/>
             </a:xfrm>
             <a:prstGeom prst="triangle">
               <a:avLst>
-                <a:gd name="adj" fmla="val 0"/>
+                <a:gd name="adj" fmla="val 100000"/>
               </a:avLst>
             </a:prstGeom>
             <a:solidFill>
@@ -45201,12 +49029,12 @@
           </p:style>
         </p:sp>
       </p:grpSp>
-      <p:sp>
+      <p:sp useBgFill="1">
         <p:nvSpPr>
-          <p:cNvPr id="38" name="Rectangle 21">
+          <p:cNvPr id="25" name="Rectangle 24">
             <a:extLst>
               <a:ext uri="{FF2B5EF4-FFF2-40B4-BE49-F238E27FC236}">
-                <a16:creationId xmlns:a16="http://schemas.microsoft.com/office/drawing/2014/main" id="{03E8462A-FEBA-4848-81CC-3F8DA3E477BE}"/>
+                <a16:creationId xmlns:a16="http://schemas.microsoft.com/office/drawing/2014/main" id="{0ADFFC45-3DC9-4433-926F-043E879D9DFC}"/>
               </a:ext>
               <a:ext uri="{C183D7F6-B498-43B3-948B-1728B52AA6E4}">
                 <adec:decorative xmlns:adec="http://schemas.microsoft.com/office/drawing/2017/decorative" val="1"/>
@@ -45227,14 +49055,11 @@
         <p:spPr>
           <a:xfrm>
             <a:off x="0" y="0"/>
-            <a:ext cx="12188952" cy="6858000"/>
+            <a:ext cx="12192000" cy="6858000"/>
           </a:xfrm>
           <a:prstGeom prst="rect">
             <a:avLst/>
           </a:prstGeom>
-          <a:solidFill>
-            <a:schemeClr val="accent2"/>
-          </a:solidFill>
           <a:ln>
             <a:noFill/>
           </a:ln>
@@ -45266,10 +49091,10 @@
       </p:sp>
       <p:grpSp>
         <p:nvGrpSpPr>
-          <p:cNvPr id="39" name="Group 23">
+          <p:cNvPr id="27" name="Group 26">
             <a:extLst>
               <a:ext uri="{FF2B5EF4-FFF2-40B4-BE49-F238E27FC236}">
-                <a16:creationId xmlns:a16="http://schemas.microsoft.com/office/drawing/2014/main" id="{2109F83F-40FE-4DB3-84CC-09FB3340D06D}"/>
+                <a16:creationId xmlns:a16="http://schemas.microsoft.com/office/drawing/2014/main" id="{B5F26A87-0610-435F-AA13-BD658385C9D9}"/>
               </a:ext>
               <a:ext uri="{C183D7F6-B498-43B3-948B-1728B52AA6E4}">
                 <adec:decorative xmlns:adec="http://schemas.microsoft.com/office/drawing/2017/decorative" val="1"/>
@@ -45289,18 +49114,70 @@
         </p:nvGrpSpPr>
         <p:grpSpPr>
           <a:xfrm>
-            <a:off x="0" y="-8467"/>
-            <a:ext cx="12192000" cy="6866467"/>
-            <a:chOff x="0" y="-8467"/>
-            <a:chExt cx="12192000" cy="6866467"/>
+            <a:off x="4267230" y="-8468"/>
+            <a:ext cx="4763558" cy="6866467"/>
+            <a:chOff x="67175" y="-8467"/>
+            <a:chExt cx="4763558" cy="6866467"/>
           </a:xfrm>
         </p:grpSpPr>
         <p:cxnSp>
           <p:nvCxnSpPr>
-            <p:cNvPr id="25" name="Straight Connector 24">
+            <p:cNvPr id="28" name="Straight Connector 27">
               <a:extLst>
                 <a:ext uri="{FF2B5EF4-FFF2-40B4-BE49-F238E27FC236}">
-                  <a16:creationId xmlns:a16="http://schemas.microsoft.com/office/drawing/2014/main" id="{1DE492D7-C3C3-48FF-80C8-37021EA0262F}"/>
+                  <a16:creationId xmlns:a16="http://schemas.microsoft.com/office/drawing/2014/main" id="{E6321436-5AAD-4FB6-BB0D-316D4540E82A}"/>
+                </a:ext>
+                <a:ext uri="{C183D7F6-B498-43B3-948B-1728B52AA6E4}">
+                  <adec:decorative xmlns:adec="http://schemas.microsoft.com/office/drawing/2017/decorative" val="1"/>
+                </a:ext>
+              </a:extLst>
+            </p:cNvPr>
+            <p:cNvCxnSpPr/>
+            <p:nvPr>
+              <p:extLst>
+                <p:ext uri="{386F3935-93C4-4BCD-93E2-E3B085C9AB24}">
+                  <p16:designElem xmlns:p16="http://schemas.microsoft.com/office/powerpoint/2015/main" val="1"/>
+                </p:ext>
+              </p:extLst>
+            </p:nvPr>
+          </p:nvCxnSpPr>
+          <p:spPr>
+            <a:xfrm>
+              <a:off x="1448300" y="0"/>
+              <a:ext cx="1219200" cy="6858000"/>
+            </a:xfrm>
+            <a:prstGeom prst="line">
+              <a:avLst/>
+            </a:prstGeom>
+            <a:ln w="9525">
+              <a:solidFill>
+                <a:schemeClr val="accent1">
+                  <a:lumMod val="75000"/>
+                </a:schemeClr>
+              </a:solidFill>
+            </a:ln>
+          </p:spPr>
+          <p:style>
+            <a:lnRef idx="2">
+              <a:schemeClr val="accent1"/>
+            </a:lnRef>
+            <a:fillRef idx="0">
+              <a:schemeClr val="accent1"/>
+            </a:fillRef>
+            <a:effectRef idx="1">
+              <a:schemeClr val="accent1"/>
+            </a:effectRef>
+            <a:fontRef idx="minor">
+              <a:schemeClr val="tx1"/>
+            </a:fontRef>
+          </p:style>
+        </p:cxnSp>
+        <p:cxnSp>
+          <p:nvCxnSpPr>
+            <p:cNvPr id="29" name="Straight Connector 28">
+              <a:extLst>
+                <a:ext uri="{FF2B5EF4-FFF2-40B4-BE49-F238E27FC236}">
+                  <a16:creationId xmlns:a16="http://schemas.microsoft.com/office/drawing/2014/main" id="{94B0BD33-3D46-4F43-947A-825DFEF6106A}"/>
                 </a:ext>
                 <a:ext uri="{C183D7F6-B498-43B3-948B-1728B52AA6E4}">
                   <adec:decorative xmlns:adec="http://schemas.microsoft.com/office/drawing/2017/decorative" val="1"/>
@@ -45318,7 +49195,7 @@
           </p:nvCxnSpPr>
           <p:spPr>
             <a:xfrm flipH="1">
-              <a:off x="7425267" y="3681413"/>
+              <a:off x="67175" y="3681413"/>
               <a:ext cx="4763558" cy="3176587"/>
             </a:xfrm>
             <a:prstGeom prst="line">
@@ -45326,8 +49203,10 @@
             </a:prstGeom>
             <a:ln w="9525">
               <a:solidFill>
-                <a:schemeClr val="bg1">
-                  <a:lumMod val="85000"/>
+                <a:schemeClr val="tx1">
+                  <a:lumMod val="50000"/>
+                  <a:lumOff val="50000"/>
+                  <a:alpha val="80000"/>
                 </a:schemeClr>
               </a:solidFill>
             </a:ln>
@@ -45349,10 +49228,10 @@
         </p:cxnSp>
         <p:sp>
           <p:nvSpPr>
-            <p:cNvPr id="26" name="Rectangle 23">
+            <p:cNvPr id="30" name="Rectangle 23">
               <a:extLst>
                 <a:ext uri="{FF2B5EF4-FFF2-40B4-BE49-F238E27FC236}">
-                  <a16:creationId xmlns:a16="http://schemas.microsoft.com/office/drawing/2014/main" id="{0B30FF97-2E9A-490A-AED2-90BA2E0EC17F}"/>
+                  <a16:creationId xmlns:a16="http://schemas.microsoft.com/office/drawing/2014/main" id="{92E26C27-E1F5-47DC-9F83-469D196C55D0}"/>
                 </a:ext>
                 <a:ext uri="{C183D7F6-B498-43B3-948B-1728B52AA6E4}">
                   <adec:decorative xmlns:adec="http://schemas.microsoft.com/office/drawing/2017/decorative" val="1"/>
@@ -45370,7 +49249,7 @@
           </p:nvSpPr>
           <p:spPr>
             <a:xfrm>
-              <a:off x="9181476" y="-8467"/>
+              <a:off x="1258764" y="-8467"/>
               <a:ext cx="3007349" cy="6866467"/>
             </a:xfrm>
             <a:custGeom>
@@ -45427,10 +49306,10 @@
         </p:sp>
         <p:sp>
           <p:nvSpPr>
-            <p:cNvPr id="27" name="Rectangle 25">
+            <p:cNvPr id="31" name="Rectangle 25">
               <a:extLst>
                 <a:ext uri="{FF2B5EF4-FFF2-40B4-BE49-F238E27FC236}">
-                  <a16:creationId xmlns:a16="http://schemas.microsoft.com/office/drawing/2014/main" id="{B6D53C7D-A312-47B6-A66A-230A19CFACA6}"/>
+                  <a16:creationId xmlns:a16="http://schemas.microsoft.com/office/drawing/2014/main" id="{95F944E7-2B4E-4AE2-B4DB-846FF8AE0B7A}"/>
                 </a:ext>
                 <a:ext uri="{C183D7F6-B498-43B3-948B-1728B52AA6E4}">
                   <adec:decorative xmlns:adec="http://schemas.microsoft.com/office/drawing/2017/decorative" val="1"/>
@@ -45448,7 +49327,7 @@
           </p:nvSpPr>
           <p:spPr>
             <a:xfrm>
-              <a:off x="9603442" y="-8467"/>
+              <a:off x="1680730" y="-8467"/>
               <a:ext cx="2588558" cy="6866467"/>
             </a:xfrm>
             <a:custGeom>
@@ -45505,10 +49384,10 @@
         </p:sp>
         <p:sp>
           <p:nvSpPr>
-            <p:cNvPr id="28" name="Isosceles Triangle 27">
+            <p:cNvPr id="32" name="Isosceles Triangle 31">
               <a:extLst>
                 <a:ext uri="{FF2B5EF4-FFF2-40B4-BE49-F238E27FC236}">
-                  <a16:creationId xmlns:a16="http://schemas.microsoft.com/office/drawing/2014/main" id="{9329D58C-0D2E-4A2B-AD6A-9CEE506784A8}"/>
+                  <a16:creationId xmlns:a16="http://schemas.microsoft.com/office/drawing/2014/main" id="{FF14952D-390F-46CC-B302-73DDD9C4160F}"/>
                 </a:ext>
                 <a:ext uri="{C183D7F6-B498-43B3-948B-1728B52AA6E4}">
                   <adec:decorative xmlns:adec="http://schemas.microsoft.com/office/drawing/2017/decorative" val="1"/>
@@ -45526,7 +49405,7 @@
           </p:nvSpPr>
           <p:spPr>
             <a:xfrm>
-              <a:off x="8932333" y="3048000"/>
+              <a:off x="1009621" y="3048000"/>
               <a:ext cx="3259667" cy="3810000"/>
             </a:xfrm>
             <a:prstGeom prst="triangle">
@@ -45561,10 +49440,10 @@
         </p:sp>
         <p:sp>
           <p:nvSpPr>
-            <p:cNvPr id="29" name="Rectangle 27">
+            <p:cNvPr id="33" name="Rectangle 27">
               <a:extLst>
                 <a:ext uri="{FF2B5EF4-FFF2-40B4-BE49-F238E27FC236}">
-                  <a16:creationId xmlns:a16="http://schemas.microsoft.com/office/drawing/2014/main" id="{9D446EDE-C690-4461-8BF2-7634808FC8B4}"/>
+                  <a16:creationId xmlns:a16="http://schemas.microsoft.com/office/drawing/2014/main" id="{867CDE55-B22A-40D0-882A-9452919EEC28}"/>
                 </a:ext>
                 <a:ext uri="{C183D7F6-B498-43B3-948B-1728B52AA6E4}">
                   <adec:decorative xmlns:adec="http://schemas.microsoft.com/office/drawing/2017/decorative" val="1"/>
@@ -45582,7 +49461,7 @@
           </p:nvSpPr>
           <p:spPr>
             <a:xfrm>
-              <a:off x="9334500" y="-8467"/>
+              <a:off x="1411788" y="-8467"/>
               <a:ext cx="2854326" cy="6866467"/>
             </a:xfrm>
             <a:custGeom>
@@ -45640,10 +49519,10 @@
         </p:sp>
         <p:sp>
           <p:nvSpPr>
-            <p:cNvPr id="30" name="Rectangle 28">
+            <p:cNvPr id="34" name="Isosceles Triangle 33">
               <a:extLst>
                 <a:ext uri="{FF2B5EF4-FFF2-40B4-BE49-F238E27FC236}">
-                  <a16:creationId xmlns:a16="http://schemas.microsoft.com/office/drawing/2014/main" id="{323F3D34-6531-4AD7-A8C6-195A090281A1}"/>
+                  <a16:creationId xmlns:a16="http://schemas.microsoft.com/office/drawing/2014/main" id="{8C409231-C942-4808-B529-DAC32A7DB002}"/>
                 </a:ext>
                 <a:ext uri="{C183D7F6-B498-43B3-948B-1728B52AA6E4}">
                   <adec:decorative xmlns:adec="http://schemas.microsoft.com/office/drawing/2017/decorative" val="1"/>
@@ -45661,165 +49540,7 @@
           </p:nvSpPr>
           <p:spPr>
             <a:xfrm>
-              <a:off x="10898730" y="-8467"/>
-              <a:ext cx="1290094" cy="6866467"/>
-            </a:xfrm>
-            <a:custGeom>
-              <a:avLst/>
-              <a:gdLst/>
-              <a:ahLst/>
-              <a:cxnLst/>
-              <a:rect l="l" t="t" r="r" b="b"/>
-              <a:pathLst>
-                <a:path w="1290094" h="6858000">
-                  <a:moveTo>
-                    <a:pt x="1019735" y="0"/>
-                  </a:moveTo>
-                  <a:lnTo>
-                    <a:pt x="1290094" y="0"/>
-                  </a:lnTo>
-                  <a:lnTo>
-                    <a:pt x="1290094" y="6858000"/>
-                  </a:lnTo>
-                  <a:lnTo>
-                    <a:pt x="0" y="6858000"/>
-                  </a:lnTo>
-                  <a:lnTo>
-                    <a:pt x="1019735" y="0"/>
-                  </a:lnTo>
-                  <a:close/>
-                </a:path>
-              </a:pathLst>
-            </a:custGeom>
-            <a:solidFill>
-              <a:schemeClr val="accent1">
-                <a:lumMod val="60000"/>
-                <a:lumOff val="40000"/>
-                <a:alpha val="70000"/>
-              </a:schemeClr>
-            </a:solidFill>
-            <a:ln>
-              <a:noFill/>
-            </a:ln>
-            <a:effectLst/>
-          </p:spPr>
-          <p:style>
-            <a:lnRef idx="1">
-              <a:schemeClr val="accent1"/>
-            </a:lnRef>
-            <a:fillRef idx="3">
-              <a:schemeClr val="accent1"/>
-            </a:fillRef>
-            <a:effectRef idx="2">
-              <a:schemeClr val="accent1"/>
-            </a:effectRef>
-            <a:fontRef idx="minor">
-              <a:schemeClr val="lt1"/>
-            </a:fontRef>
-          </p:style>
-        </p:sp>
-        <p:sp>
-          <p:nvSpPr>
-            <p:cNvPr id="31" name="Rectangle 29">
-              <a:extLst>
-                <a:ext uri="{FF2B5EF4-FFF2-40B4-BE49-F238E27FC236}">
-                  <a16:creationId xmlns:a16="http://schemas.microsoft.com/office/drawing/2014/main" id="{B9B0AE3F-2350-435F-A9B0-C310BF876385}"/>
-                </a:ext>
-                <a:ext uri="{C183D7F6-B498-43B3-948B-1728B52AA6E4}">
-                  <adec:decorative xmlns:adec="http://schemas.microsoft.com/office/drawing/2017/decorative" val="1"/>
-                </a:ext>
-              </a:extLst>
-            </p:cNvPr>
-            <p:cNvSpPr/>
-            <p:nvPr>
-              <p:extLst>
-                <p:ext uri="{386F3935-93C4-4BCD-93E2-E3B085C9AB24}">
-                  <p16:designElem xmlns:p16="http://schemas.microsoft.com/office/powerpoint/2015/main" val="1"/>
-                </p:ext>
-              </p:extLst>
-            </p:nvPr>
-          </p:nvSpPr>
-          <p:spPr>
-            <a:xfrm>
-              <a:off x="10938999" y="-8467"/>
-              <a:ext cx="1249825" cy="6866467"/>
-            </a:xfrm>
-            <a:custGeom>
-              <a:avLst/>
-              <a:gdLst/>
-              <a:ahLst/>
-              <a:cxnLst/>
-              <a:rect l="l" t="t" r="r" b="b"/>
-              <a:pathLst>
-                <a:path w="1249825" h="6858000">
-                  <a:moveTo>
-                    <a:pt x="0" y="0"/>
-                  </a:moveTo>
-                  <a:lnTo>
-                    <a:pt x="1249825" y="0"/>
-                  </a:lnTo>
-                  <a:lnTo>
-                    <a:pt x="1249825" y="6858000"/>
-                  </a:lnTo>
-                  <a:lnTo>
-                    <a:pt x="1109382" y="6858000"/>
-                  </a:lnTo>
-                  <a:lnTo>
-                    <a:pt x="0" y="0"/>
-                  </a:lnTo>
-                  <a:close/>
-                </a:path>
-              </a:pathLst>
-            </a:custGeom>
-            <a:solidFill>
-              <a:schemeClr val="accent1">
-                <a:alpha val="65000"/>
-              </a:schemeClr>
-            </a:solidFill>
-            <a:ln>
-              <a:noFill/>
-            </a:ln>
-            <a:effectLst/>
-          </p:spPr>
-          <p:style>
-            <a:lnRef idx="1">
-              <a:schemeClr val="accent1"/>
-            </a:lnRef>
-            <a:fillRef idx="3">
-              <a:schemeClr val="accent1"/>
-            </a:fillRef>
-            <a:effectRef idx="2">
-              <a:schemeClr val="accent1"/>
-            </a:effectRef>
-            <a:fontRef idx="minor">
-              <a:schemeClr val="lt1"/>
-            </a:fontRef>
-          </p:style>
-        </p:sp>
-        <p:sp>
-          <p:nvSpPr>
-            <p:cNvPr id="32" name="Isosceles Triangle 31">
-              <a:extLst>
-                <a:ext uri="{FF2B5EF4-FFF2-40B4-BE49-F238E27FC236}">
-                  <a16:creationId xmlns:a16="http://schemas.microsoft.com/office/drawing/2014/main" id="{4EFA655C-9E50-4C14-A89E-AD7B648E4E2B}"/>
-                </a:ext>
-                <a:ext uri="{C183D7F6-B498-43B3-948B-1728B52AA6E4}">
-                  <adec:decorative xmlns:adec="http://schemas.microsoft.com/office/drawing/2017/decorative" val="1"/>
-                </a:ext>
-              </a:extLst>
-            </p:cNvPr>
-            <p:cNvSpPr/>
-            <p:nvPr>
-              <p:extLst>
-                <p:ext uri="{386F3935-93C4-4BCD-93E2-E3B085C9AB24}">
-                  <p16:designElem xmlns:p16="http://schemas.microsoft.com/office/powerpoint/2015/main" val="1"/>
-                </p:ext>
-              </p:extLst>
-            </p:nvPr>
-          </p:nvSpPr>
-          <p:spPr>
-            <a:xfrm>
-              <a:off x="10371666" y="3589867"/>
+              <a:off x="2448954" y="3589867"/>
               <a:ext cx="1817159" cy="3268133"/>
             </a:xfrm>
             <a:prstGeom prst="triangle">
@@ -45852,69 +49573,49 @@
             </a:fontRef>
           </p:style>
         </p:sp>
-        <p:sp>
-          <p:nvSpPr>
-            <p:cNvPr id="33" name="Isosceles Triangle 32">
-              <a:extLst>
-                <a:ext uri="{FF2B5EF4-FFF2-40B4-BE49-F238E27FC236}">
-                  <a16:creationId xmlns:a16="http://schemas.microsoft.com/office/drawing/2014/main" id="{3E843863-7D25-4C01-9A17-E817CB6D998A}"/>
-                </a:ext>
-                <a:ext uri="{C183D7F6-B498-43B3-948B-1728B52AA6E4}">
-                  <adec:decorative xmlns:adec="http://schemas.microsoft.com/office/drawing/2017/decorative" val="1"/>
-                </a:ext>
-              </a:extLst>
-            </p:cNvPr>
-            <p:cNvSpPr/>
-            <p:nvPr>
-              <p:extLst>
-                <p:ext uri="{386F3935-93C4-4BCD-93E2-E3B085C9AB24}">
-                  <p16:designElem xmlns:p16="http://schemas.microsoft.com/office/powerpoint/2015/main" val="1"/>
-                </p:ext>
-              </p:extLst>
-            </p:nvPr>
-          </p:nvSpPr>
-          <p:spPr>
-            <a:xfrm>
-              <a:off x="0" y="4013200"/>
-              <a:ext cx="448733" cy="2844800"/>
-            </a:xfrm>
-            <a:prstGeom prst="triangle">
-              <a:avLst>
-                <a:gd name="adj" fmla="val 0"/>
-              </a:avLst>
-            </a:prstGeom>
-            <a:solidFill>
-              <a:schemeClr val="accent1">
-                <a:alpha val="85000"/>
-              </a:schemeClr>
-            </a:solidFill>
-            <a:ln>
-              <a:noFill/>
-            </a:ln>
-            <a:effectLst/>
-          </p:spPr>
-          <p:style>
-            <a:lnRef idx="1">
-              <a:schemeClr val="accent1"/>
-            </a:lnRef>
-            <a:fillRef idx="3">
-              <a:schemeClr val="accent1"/>
-            </a:fillRef>
-            <a:effectRef idx="2">
-              <a:schemeClr val="accent1"/>
-            </a:effectRef>
-            <a:fontRef idx="minor">
-              <a:schemeClr val="lt1"/>
-            </a:fontRef>
-          </p:style>
-        </p:sp>
       </p:grpSp>
       <p:sp>
         <p:nvSpPr>
-          <p:cNvPr id="40" name="Rectangle 34">
+          <p:cNvPr id="8" name="Titolo 1">
             <a:extLst>
               <a:ext uri="{FF2B5EF4-FFF2-40B4-BE49-F238E27FC236}">
-                <a16:creationId xmlns:a16="http://schemas.microsoft.com/office/drawing/2014/main" id="{7941F9B1-B01B-4A84-89D9-B169AEB4E456}"/>
+                <a16:creationId xmlns:a16="http://schemas.microsoft.com/office/drawing/2014/main" id="{F8834550-13E9-4577-9D6B-D0A1884AA878}"/>
+              </a:ext>
+            </a:extLst>
+          </p:cNvPr>
+          <p:cNvSpPr>
+            <a:spLocks noGrp="1"/>
+          </p:cNvSpPr>
+          <p:nvPr>
+            <p:ph type="title"/>
+          </p:nvPr>
+        </p:nvSpPr>
+        <p:spPr>
+          <a:xfrm>
+            <a:off x="677335" y="1282701"/>
+            <a:ext cx="5096060" cy="4307148"/>
+          </a:xfrm>
+        </p:spPr>
+        <p:txBody>
+          <a:bodyPr vert="horz" lIns="91440" tIns="45720" rIns="91440" bIns="45720" rtlCol="0" anchor="ctr">
+            <a:normAutofit/>
+          </a:bodyPr>
+          <a:lstStyle/>
+          <a:p>
+            <a:pPr algn="r"/>
+            <a:r>
+              <a:rPr lang="en-US" sz="5400"/>
+              <a:t>GRAZIE PER L’ATTENZIONE</a:t>
+            </a:r>
+          </a:p>
+        </p:txBody>
+      </p:sp>
+      <p:sp>
+        <p:nvSpPr>
+          <p:cNvPr id="36" name="Freeform: Shape 35">
+            <a:extLst>
+              <a:ext uri="{FF2B5EF4-FFF2-40B4-BE49-F238E27FC236}">
+                <a16:creationId xmlns:a16="http://schemas.microsoft.com/office/drawing/2014/main" id="{69370F01-B8C9-4CE4-824C-92B2792E6ED0}"/>
               </a:ext>
               <a:ext uri="{C183D7F6-B498-43B3-948B-1728B52AA6E4}">
                 <adec:decorative xmlns:adec="http://schemas.microsoft.com/office/drawing/2017/decorative" val="1"/>
@@ -45934,25 +49635,85 @@
         </p:nvSpPr>
         <p:spPr>
           <a:xfrm>
-            <a:off x="477012" y="480060"/>
-            <a:ext cx="11237976" cy="5897880"/>
+            <a:off x="7136497" y="-8468"/>
+            <a:ext cx="5074930" cy="6866468"/>
           </a:xfrm>
-          <a:prstGeom prst="rect">
+          <a:custGeom>
             <a:avLst/>
-          </a:prstGeom>
+            <a:gdLst>
+              <a:gd name="connsiteX0" fmla="*/ 0 w 5074930"/>
+              <a:gd name="connsiteY0" fmla="*/ 0 h 6858000"/>
+              <a:gd name="connsiteX1" fmla="*/ 1249825 w 5074930"/>
+              <a:gd name="connsiteY1" fmla="*/ 0 h 6858000"/>
+              <a:gd name="connsiteX2" fmla="*/ 1249825 w 5074930"/>
+              <a:gd name="connsiteY2" fmla="*/ 8457 h 6858000"/>
+              <a:gd name="connsiteX3" fmla="*/ 5074930 w 5074930"/>
+              <a:gd name="connsiteY3" fmla="*/ 8457 h 6858000"/>
+              <a:gd name="connsiteX4" fmla="*/ 5074930 w 5074930"/>
+              <a:gd name="connsiteY4" fmla="*/ 6858000 h 6858000"/>
+              <a:gd name="connsiteX5" fmla="*/ 1249825 w 5074930"/>
+              <a:gd name="connsiteY5" fmla="*/ 6858000 h 6858000"/>
+              <a:gd name="connsiteX6" fmla="*/ 1109383 w 5074930"/>
+              <a:gd name="connsiteY6" fmla="*/ 6858000 h 6858000"/>
+            </a:gdLst>
+            <a:ahLst/>
+            <a:cxnLst>
+              <a:cxn ang="0">
+                <a:pos x="connsiteX0" y="connsiteY0"/>
+              </a:cxn>
+              <a:cxn ang="0">
+                <a:pos x="connsiteX1" y="connsiteY1"/>
+              </a:cxn>
+              <a:cxn ang="0">
+                <a:pos x="connsiteX2" y="connsiteY2"/>
+              </a:cxn>
+              <a:cxn ang="0">
+                <a:pos x="connsiteX3" y="connsiteY3"/>
+              </a:cxn>
+              <a:cxn ang="0">
+                <a:pos x="connsiteX4" y="connsiteY4"/>
+              </a:cxn>
+              <a:cxn ang="0">
+                <a:pos x="connsiteX5" y="connsiteY5"/>
+              </a:cxn>
+              <a:cxn ang="0">
+                <a:pos x="connsiteX6" y="connsiteY6"/>
+              </a:cxn>
+            </a:cxnLst>
+            <a:rect l="l" t="t" r="r" b="b"/>
+            <a:pathLst>
+              <a:path w="5074930" h="6858000">
+                <a:moveTo>
+                  <a:pt x="0" y="0"/>
+                </a:moveTo>
+                <a:lnTo>
+                  <a:pt x="1249825" y="0"/>
+                </a:lnTo>
+                <a:lnTo>
+                  <a:pt x="1249825" y="8457"/>
+                </a:lnTo>
+                <a:lnTo>
+                  <a:pt x="5074930" y="8457"/>
+                </a:lnTo>
+                <a:lnTo>
+                  <a:pt x="5074930" y="6858000"/>
+                </a:lnTo>
+                <a:lnTo>
+                  <a:pt x="1249825" y="6858000"/>
+                </a:lnTo>
+                <a:lnTo>
+                  <a:pt x="1109383" y="6858000"/>
+                </a:lnTo>
+                <a:close/>
+              </a:path>
+            </a:pathLst>
+          </a:custGeom>
           <a:solidFill>
-            <a:srgbClr val="FFFFFF"/>
+            <a:schemeClr val="accent1"/>
           </a:solidFill>
-          <a:ln w="9525">
+          <a:ln>
             <a:noFill/>
           </a:ln>
-          <a:effectLst>
-            <a:outerShdw blurRad="63500" dist="17780" dir="5400000" algn="t" rotWithShape="0">
-              <a:prstClr val="black">
-                <a:alpha val="43000"/>
-              </a:prstClr>
-            </a:outerShdw>
-          </a:effectLst>
         </p:spPr>
         <p:style>
           <a:lnRef idx="2">
@@ -45971,7 +49732,9 @@
           </a:fontRef>
         </p:style>
         <p:txBody>
-          <a:bodyPr rtlCol="0" anchor="ctr"/>
+          <a:bodyPr wrap="square" rtlCol="0" anchor="ctr">
+            <a:noAutofit/>
+          </a:bodyPr>
           <a:lstStyle/>
           <a:p>
             <a:pPr algn="ctr"/>
@@ -45979,713 +49742,10 @@
           </a:p>
         </p:txBody>
       </p:sp>
-      <p:pic>
-        <p:nvPicPr>
-          <p:cNvPr id="5" name="Segnaposto contenuto 4">
-            <a:extLst>
-              <a:ext uri="{FF2B5EF4-FFF2-40B4-BE49-F238E27FC236}">
-                <a16:creationId xmlns:a16="http://schemas.microsoft.com/office/drawing/2014/main" id="{2B1AA894-96E6-453E-A6C5-1DFFAE11A3AE}"/>
-              </a:ext>
-            </a:extLst>
-          </p:cNvPr>
-          <p:cNvPicPr>
-            <a:picLocks noGrp="1" noChangeAspect="1"/>
-          </p:cNvPicPr>
-          <p:nvPr>
-            <p:ph idx="1"/>
-          </p:nvPr>
-        </p:nvPicPr>
-        <p:blipFill>
-          <a:blip r:embed="rId2">
-            <a:extLst>
-              <a:ext uri="{28A0092B-C50C-407E-A947-70E740481C1C}">
-                <a14:useLocalDpi xmlns:a14="http://schemas.microsoft.com/office/drawing/2010/main" val="0"/>
-              </a:ext>
-            </a:extLst>
-          </a:blip>
-          <a:stretch>
-            <a:fillRect/>
-          </a:stretch>
-        </p:blipFill>
-        <p:spPr>
-          <a:xfrm>
-            <a:off x="1942743" y="1131994"/>
-            <a:ext cx="8308390" cy="4590386"/>
-          </a:xfrm>
-          <a:prstGeom prst="rect">
-            <a:avLst/>
-          </a:prstGeom>
-        </p:spPr>
-      </p:pic>
     </p:spTree>
     <p:extLst>
       <p:ext uri="{BB962C8B-B14F-4D97-AF65-F5344CB8AC3E}">
-        <p14:creationId xmlns:p14="http://schemas.microsoft.com/office/powerpoint/2010/main" val="3701905229"/>
-      </p:ext>
-    </p:extLst>
-  </p:cSld>
-  <p:clrMapOvr>
-    <a:masterClrMapping/>
-  </p:clrMapOvr>
-</p:sld>
-</file>
-
-<file path=ppt/slides/slide40.xml><?xml version="1.0" encoding="utf-8"?>
-<p:sld xmlns:a="http://schemas.openxmlformats.org/drawingml/2006/main" xmlns:r="http://schemas.openxmlformats.org/officeDocument/2006/relationships" xmlns:p="http://schemas.openxmlformats.org/presentationml/2006/main">
-  <p:cSld>
-    <p:spTree>
-      <p:nvGrpSpPr>
-        <p:cNvPr id="1" name=""/>
-        <p:cNvGrpSpPr/>
-        <p:nvPr/>
-      </p:nvGrpSpPr>
-      <p:grpSpPr>
-        <a:xfrm>
-          <a:off x="0" y="0"/>
-          <a:ext cx="0" cy="0"/>
-          <a:chOff x="0" y="0"/>
-          <a:chExt cx="0" cy="0"/>
-        </a:xfrm>
-      </p:grpSpPr>
-      <p:graphicFrame>
-        <p:nvGraphicFramePr>
-          <p:cNvPr id="6" name="Tabella 4">
-            <a:extLst>
-              <a:ext uri="{FF2B5EF4-FFF2-40B4-BE49-F238E27FC236}">
-                <a16:creationId xmlns:a16="http://schemas.microsoft.com/office/drawing/2014/main" id="{DA66106A-F0F7-40AA-A2F6-CA9E76FF68A4}"/>
-              </a:ext>
-            </a:extLst>
-          </p:cNvPr>
-          <p:cNvGraphicFramePr>
-            <a:graphicFrameLocks/>
-          </p:cNvGraphicFramePr>
-          <p:nvPr>
-            <p:extLst>
-              <p:ext uri="{D42A27DB-BD31-4B8C-83A1-F6EECF244321}">
-                <p14:modId xmlns:p14="http://schemas.microsoft.com/office/powerpoint/2010/main" val="2250727953"/>
-              </p:ext>
-            </p:extLst>
-          </p:nvPr>
-        </p:nvGraphicFramePr>
-        <p:xfrm>
-          <a:off x="762174" y="0"/>
-          <a:ext cx="8596311" cy="6852049"/>
-        </p:xfrm>
-        <a:graphic>
-          <a:graphicData uri="http://schemas.openxmlformats.org/drawingml/2006/table">
-            <a:tbl>
-              <a:tblPr firstRow="1" bandRow="1">
-                <a:tableStyleId>{5C22544A-7EE6-4342-B048-85BDC9FD1C3A}</a:tableStyleId>
-              </a:tblPr>
-              <a:tblGrid>
-                <a:gridCol w="1575672">
-                  <a:extLst>
-                    <a:ext uri="{9D8B030D-6E8A-4147-A177-3AD203B41FA5}">
-                      <a16:colId xmlns:a16="http://schemas.microsoft.com/office/drawing/2014/main" val="282663958"/>
-                    </a:ext>
-                  </a:extLst>
-                </a:gridCol>
-                <a:gridCol w="3120272">
-                  <a:extLst>
-                    <a:ext uri="{9D8B030D-6E8A-4147-A177-3AD203B41FA5}">
-                      <a16:colId xmlns:a16="http://schemas.microsoft.com/office/drawing/2014/main" val="3099052081"/>
-                    </a:ext>
-                  </a:extLst>
-                </a:gridCol>
-                <a:gridCol w="3900367">
-                  <a:extLst>
-                    <a:ext uri="{9D8B030D-6E8A-4147-A177-3AD203B41FA5}">
-                      <a16:colId xmlns:a16="http://schemas.microsoft.com/office/drawing/2014/main" val="396588103"/>
-                    </a:ext>
-                  </a:extLst>
-                </a:gridCol>
-              </a:tblGrid>
-              <a:tr h="352359">
-                <a:tc>
-                  <a:txBody>
-                    <a:bodyPr/>
-                    <a:lstStyle/>
-                    <a:p>
-                      <a:r>
-                        <a:rPr lang="it-IT" sz="1200" dirty="0"/>
-                        <a:t>PROPERTY</a:t>
-                      </a:r>
-                    </a:p>
-                  </a:txBody>
-                  <a:tcPr/>
-                </a:tc>
-                <a:tc>
-                  <a:txBody>
-                    <a:bodyPr/>
-                    <a:lstStyle/>
-                    <a:p>
-                      <a:r>
-                        <a:rPr lang="it-IT" sz="1200" dirty="0"/>
-                        <a:t>MySQL</a:t>
-                      </a:r>
-                    </a:p>
-                  </a:txBody>
-                  <a:tcPr/>
-                </a:tc>
-                <a:tc>
-                  <a:txBody>
-                    <a:bodyPr/>
-                    <a:lstStyle/>
-                    <a:p>
-                      <a:r>
-                        <a:rPr lang="it-IT" sz="1200" dirty="0" err="1"/>
-                        <a:t>Mongo</a:t>
-                      </a:r>
-                      <a:endParaRPr lang="it-IT" sz="1200" dirty="0"/>
-                    </a:p>
-                  </a:txBody>
-                  <a:tcPr/>
-                </a:tc>
-                <a:extLst>
-                  <a:ext uri="{0D108BD9-81ED-4DB2-BD59-A6C34878D82A}">
-                    <a16:rowId xmlns:a16="http://schemas.microsoft.com/office/drawing/2014/main" val="2226197832"/>
-                  </a:ext>
-                </a:extLst>
-              </a:tr>
-              <a:tr h="2034145">
-                <a:tc>
-                  <a:txBody>
-                    <a:bodyPr/>
-                    <a:lstStyle/>
-                    <a:p>
-                      <a:pPr marL="0" marR="0" lvl="0" indent="0" algn="l" defTabSz="457200" rtl="0" eaLnBrk="1" fontAlgn="auto" latinLnBrk="0" hangingPunct="1">
-                        <a:lnSpc>
-                          <a:spcPct val="100000"/>
-                        </a:lnSpc>
-                        <a:spcBef>
-                          <a:spcPts val="0"/>
-                        </a:spcBef>
-                        <a:spcAft>
-                          <a:spcPts val="0"/>
-                        </a:spcAft>
-                        <a:buClrTx/>
-                        <a:buSzTx/>
-                        <a:buFontTx/>
-                        <a:buNone/>
-                        <a:tabLst/>
-                        <a:defRPr/>
-                      </a:pPr>
-                      <a:r>
-                        <a:rPr lang="it-IT" sz="1200" b="0" dirty="0"/>
-                        <a:t>Modello dei dati</a:t>
-                      </a:r>
-                    </a:p>
-                    <a:p>
-                      <a:endParaRPr lang="it-IT" sz="1200" dirty="0"/>
-                    </a:p>
-                  </a:txBody>
-                  <a:tcPr/>
-                </a:tc>
-                <a:tc>
-                  <a:txBody>
-                    <a:bodyPr/>
-                    <a:lstStyle/>
-                    <a:p>
-                      <a:r>
-                        <a:rPr lang="it-IT" sz="1200" dirty="0"/>
-                        <a:t>Struttura dati fissa.</a:t>
-                      </a:r>
-                    </a:p>
-                    <a:p>
-                      <a:endParaRPr lang="it-IT" sz="1200" dirty="0"/>
-                    </a:p>
-                    <a:p>
-                      <a:r>
-                        <a:rPr lang="it-IT" sz="1200" dirty="0"/>
-                        <a:t>Adatto per una struttura di dati che non cambierà nel tempo </a:t>
-                      </a:r>
-                    </a:p>
-                    <a:p>
-                      <a:pPr marL="0" marR="0" lvl="0" indent="0" algn="l" defTabSz="457200" rtl="0" eaLnBrk="1" fontAlgn="auto" latinLnBrk="0" hangingPunct="1">
-                        <a:lnSpc>
-                          <a:spcPct val="100000"/>
-                        </a:lnSpc>
-                        <a:spcBef>
-                          <a:spcPts val="0"/>
-                        </a:spcBef>
-                        <a:spcAft>
-                          <a:spcPts val="0"/>
-                        </a:spcAft>
-                        <a:buClrTx/>
-                        <a:buSzTx/>
-                        <a:buFontTx/>
-                        <a:buNone/>
-                        <a:tabLst/>
-                        <a:defRPr/>
-                      </a:pPr>
-                      <a:r>
-                        <a:rPr lang="it-IT" sz="1200" dirty="0"/>
-                        <a:t>Si creano quindi le tabelle richieste, le colonne e si specifica il tipo di dati per ogni colonna. </a:t>
-                      </a:r>
-                    </a:p>
-                    <a:p>
-                      <a:pPr marL="0" marR="0" lvl="0" indent="0" algn="l" defTabSz="457200" rtl="0" eaLnBrk="1" fontAlgn="auto" latinLnBrk="0" hangingPunct="1">
-                        <a:lnSpc>
-                          <a:spcPct val="100000"/>
-                        </a:lnSpc>
-                        <a:spcBef>
-                          <a:spcPts val="0"/>
-                        </a:spcBef>
-                        <a:spcAft>
-                          <a:spcPts val="0"/>
-                        </a:spcAft>
-                        <a:buClrTx/>
-                        <a:buSzTx/>
-                        <a:buFontTx/>
-                        <a:buNone/>
-                        <a:tabLst/>
-                        <a:defRPr/>
-                      </a:pPr>
-                      <a:r>
-                        <a:rPr lang="it-IT" sz="1200" dirty="0"/>
-                        <a:t>Lo schema fisso comporta la presenza di valori NULL.</a:t>
-                      </a:r>
-                    </a:p>
-                    <a:p>
-                      <a:pPr marL="0" marR="0" lvl="0" indent="0" algn="l" defTabSz="457200" rtl="0" eaLnBrk="1" fontAlgn="auto" latinLnBrk="0" hangingPunct="1">
-                        <a:lnSpc>
-                          <a:spcPct val="100000"/>
-                        </a:lnSpc>
-                        <a:spcBef>
-                          <a:spcPts val="0"/>
-                        </a:spcBef>
-                        <a:spcAft>
-                          <a:spcPts val="0"/>
-                        </a:spcAft>
-                        <a:buClrTx/>
-                        <a:buSzTx/>
-                        <a:buFontTx/>
-                        <a:buNone/>
-                        <a:tabLst/>
-                        <a:defRPr/>
-                      </a:pPr>
-                      <a:r>
-                        <a:rPr lang="it-IT" sz="1200" dirty="0"/>
-                        <a:t>Prima di poter memorizzare i dati, è necessario definire tabelle e colonne.</a:t>
-                      </a:r>
-                    </a:p>
-                  </a:txBody>
-                  <a:tcPr/>
-                </a:tc>
-                <a:tc>
-                  <a:txBody>
-                    <a:bodyPr/>
-                    <a:lstStyle/>
-                    <a:p>
-                      <a:r>
-                        <a:rPr lang="it-IT" sz="1200" dirty="0"/>
-                        <a:t>Flessibilità e dinamicità dello schema</a:t>
-                      </a:r>
-                    </a:p>
-                    <a:p>
-                      <a:r>
-                        <a:rPr lang="it-IT" sz="1200" dirty="0"/>
-                        <a:t>Struttura KEY-VALUE</a:t>
-                      </a:r>
-                    </a:p>
-                    <a:p>
-                      <a:r>
-                        <a:rPr lang="it-IT" sz="1200" dirty="0"/>
-                        <a:t>Possibilità di annidamenti (</a:t>
-                      </a:r>
-                      <a:r>
-                        <a:rPr lang="it-IT" sz="1200" dirty="0" err="1"/>
-                        <a:t>nested</a:t>
-                      </a:r>
-                      <a:r>
-                        <a:rPr lang="it-IT" sz="1200" dirty="0"/>
-                        <a:t>)</a:t>
-                      </a:r>
-                    </a:p>
-                    <a:p>
-                      <a:pPr marL="0" marR="0" lvl="0" indent="0" algn="l" defTabSz="457200" rtl="0" eaLnBrk="1" fontAlgn="auto" latinLnBrk="0" hangingPunct="1">
-                        <a:lnSpc>
-                          <a:spcPct val="100000"/>
-                        </a:lnSpc>
-                        <a:spcBef>
-                          <a:spcPts val="0"/>
-                        </a:spcBef>
-                        <a:spcAft>
-                          <a:spcPts val="0"/>
-                        </a:spcAft>
-                        <a:buClrTx/>
-                        <a:buSzTx/>
-                        <a:buFontTx/>
-                        <a:buNone/>
-                        <a:tabLst/>
-                        <a:defRPr/>
-                      </a:pPr>
-                      <a:r>
-                        <a:rPr lang="it-IT" sz="1200" dirty="0"/>
-                        <a:t>Utilizzo di collezioni.</a:t>
-                      </a:r>
-                    </a:p>
-                    <a:p>
-                      <a:r>
-                        <a:rPr lang="it-IT" sz="1200" dirty="0"/>
-                        <a:t>I singoli documenti hanno, quindi, una propria struttura, diversa dagli altri, cosa che permette di creare in ogni momento nuovi campi con un valore qualsiasi.</a:t>
-                      </a:r>
-                    </a:p>
-                  </a:txBody>
-                  <a:tcPr/>
-                </a:tc>
-                <a:extLst>
-                  <a:ext uri="{0D108BD9-81ED-4DB2-BD59-A6C34878D82A}">
-                    <a16:rowId xmlns:a16="http://schemas.microsoft.com/office/drawing/2014/main" val="524658683"/>
-                  </a:ext>
-                </a:extLst>
-              </a:tr>
-              <a:tr h="1503498">
-                <a:tc>
-                  <a:txBody>
-                    <a:bodyPr/>
-                    <a:lstStyle/>
-                    <a:p>
-                      <a:r>
-                        <a:rPr lang="it-IT" sz="1200" dirty="0"/>
-                        <a:t>Ricerca dei dati</a:t>
-                      </a:r>
-                    </a:p>
-                    <a:p>
-                      <a:endParaRPr lang="it-IT" sz="1200" dirty="0"/>
-                    </a:p>
-                  </a:txBody>
-                  <a:tcPr/>
-                </a:tc>
-                <a:tc>
-                  <a:txBody>
-                    <a:bodyPr/>
-                    <a:lstStyle/>
-                    <a:p>
-                      <a:pPr marL="171450" indent="-171450" fontAlgn="base">
-                        <a:buFont typeface="Arial" panose="020B0604020202020204" pitchFamily="34" charset="0"/>
-                        <a:buChar char="•"/>
-                      </a:pPr>
-                      <a:r>
-                        <a:rPr lang="it-IT" sz="1200" dirty="0"/>
-                        <a:t>Utilizzo dell’operatore JOIN che permette di combinare dati da più tabelle;</a:t>
-                      </a:r>
-                    </a:p>
-                    <a:p>
-                      <a:pPr marL="171450" indent="-171450" fontAlgn="base">
-                        <a:buFont typeface="Arial" panose="020B0604020202020204" pitchFamily="34" charset="0"/>
-                        <a:buChar char="•"/>
-                      </a:pPr>
-                      <a:r>
-                        <a:rPr lang="it-IT" sz="1200" dirty="0"/>
-                        <a:t>le </a:t>
-                      </a:r>
-                      <a:r>
-                        <a:rPr lang="it-IT" sz="1200" i="0" dirty="0"/>
-                        <a:t>FOREIGN KEY</a:t>
-                      </a:r>
-                      <a:r>
-                        <a:rPr lang="it-IT" sz="1200" i="1" dirty="0"/>
-                        <a:t> </a:t>
-                      </a:r>
-                      <a:r>
-                        <a:rPr lang="it-IT" sz="1200" dirty="0"/>
-                        <a:t>consentono di creare relazioni tra tabelle;</a:t>
-                      </a:r>
-                    </a:p>
-                    <a:p>
-                      <a:pPr marL="0" indent="0" fontAlgn="base">
-                        <a:buFont typeface="Arial" panose="020B0604020202020204" pitchFamily="34" charset="0"/>
-                        <a:buNone/>
-                      </a:pPr>
-                      <a:r>
-                        <a:rPr lang="it-IT" sz="1200" dirty="0"/>
-                        <a:t>Una ricerca efficace richiede una conoscenza approfondita del modello dei dati di riferimento.</a:t>
-                      </a:r>
-                    </a:p>
-                  </a:txBody>
-                  <a:tcPr/>
-                </a:tc>
-                <a:tc>
-                  <a:txBody>
-                    <a:bodyPr/>
-                    <a:lstStyle/>
-                    <a:p>
-                      <a:r>
-                        <a:rPr lang="it-IT" sz="1200" dirty="0"/>
-                        <a:t>Assenza di JOIN.</a:t>
-                      </a:r>
-                    </a:p>
-                    <a:p>
-                      <a:r>
-                        <a:rPr lang="it-IT" sz="1200" dirty="0"/>
-                        <a:t>Grazie all’annidamento (</a:t>
-                      </a:r>
-                      <a:r>
-                        <a:rPr lang="it-IT" sz="1200" dirty="0" err="1"/>
-                        <a:t>nested</a:t>
-                      </a:r>
-                      <a:r>
-                        <a:rPr lang="it-IT" sz="1200" dirty="0"/>
-                        <a:t>) tutti i dati necessari sono presenti in un solo documento.</a:t>
-                      </a:r>
-                    </a:p>
-                    <a:p>
-                      <a:endParaRPr lang="it-IT" sz="1200" dirty="0"/>
-                    </a:p>
-                    <a:p>
-                      <a:r>
-                        <a:rPr lang="it-IT" sz="1200" dirty="0"/>
-                        <a:t>L’assenza di operazioni di JOIN tra i documenti comporta performance più alte per i tempi di risposta.</a:t>
-                      </a:r>
-                    </a:p>
-                  </a:txBody>
-                  <a:tcPr/>
-                </a:tc>
-                <a:extLst>
-                  <a:ext uri="{0D108BD9-81ED-4DB2-BD59-A6C34878D82A}">
-                    <a16:rowId xmlns:a16="http://schemas.microsoft.com/office/drawing/2014/main" val="660594604"/>
-                  </a:ext>
-                </a:extLst>
-              </a:tr>
-              <a:tr h="972852">
-                <a:tc>
-                  <a:txBody>
-                    <a:bodyPr/>
-                    <a:lstStyle/>
-                    <a:p>
-                      <a:r>
-                        <a:rPr lang="it-IT" sz="1200" dirty="0"/>
-                        <a:t>Vincoli e integrità dei dati</a:t>
-                      </a:r>
-                    </a:p>
-                    <a:p>
-                      <a:endParaRPr lang="it-IT" sz="1200" dirty="0"/>
-                    </a:p>
-                  </a:txBody>
-                  <a:tcPr/>
-                </a:tc>
-                <a:tc>
-                  <a:txBody>
-                    <a:bodyPr/>
-                    <a:lstStyle/>
-                    <a:p>
-                      <a:pPr marL="0" marR="0" lvl="0" indent="0" algn="l" defTabSz="457200" rtl="0" eaLnBrk="1" fontAlgn="auto" latinLnBrk="0" hangingPunct="1">
-                        <a:lnSpc>
-                          <a:spcPct val="100000"/>
-                        </a:lnSpc>
-                        <a:spcBef>
-                          <a:spcPts val="0"/>
-                        </a:spcBef>
-                        <a:spcAft>
-                          <a:spcPts val="0"/>
-                        </a:spcAft>
-                        <a:buClrTx/>
-                        <a:buSzTx/>
-                        <a:buFontTx/>
-                        <a:buNone/>
-                        <a:tabLst/>
-                        <a:defRPr/>
-                      </a:pPr>
-                      <a:r>
-                        <a:rPr lang="it-IT" sz="1200" dirty="0"/>
-                        <a:t>Non accetta alcun tipo di dato che non rispetti la strutture imposta dal programmatore.</a:t>
-                      </a:r>
-                    </a:p>
-                  </a:txBody>
-                  <a:tcPr/>
-                </a:tc>
-                <a:tc>
-                  <a:txBody>
-                    <a:bodyPr/>
-                    <a:lstStyle/>
-                    <a:p>
-                      <a:pPr marL="0" marR="0" lvl="0" indent="0" algn="l" defTabSz="457200" rtl="0" eaLnBrk="1" fontAlgn="auto" latinLnBrk="0" hangingPunct="1">
-                        <a:lnSpc>
-                          <a:spcPct val="100000"/>
-                        </a:lnSpc>
-                        <a:spcBef>
-                          <a:spcPts val="0"/>
-                        </a:spcBef>
-                        <a:spcAft>
-                          <a:spcPts val="0"/>
-                        </a:spcAft>
-                        <a:buClrTx/>
-                        <a:buSzTx/>
-                        <a:buFontTx/>
-                        <a:buNone/>
-                        <a:tabLst/>
-                        <a:defRPr/>
-                      </a:pPr>
-                      <a:r>
-                        <a:rPr lang="it-IT" sz="1200" dirty="0"/>
-                        <a:t>Non esiste un vincolo sul tipo di dato.</a:t>
-                      </a:r>
-                    </a:p>
-                    <a:p>
-                      <a:pPr marL="0" marR="0" lvl="0" indent="0" algn="l" defTabSz="457200" rtl="0" eaLnBrk="1" fontAlgn="auto" latinLnBrk="0" hangingPunct="1">
-                        <a:lnSpc>
-                          <a:spcPct val="100000"/>
-                        </a:lnSpc>
-                        <a:spcBef>
-                          <a:spcPts val="0"/>
-                        </a:spcBef>
-                        <a:spcAft>
-                          <a:spcPts val="0"/>
-                        </a:spcAft>
-                        <a:buClrTx/>
-                        <a:buSzTx/>
-                        <a:buFontTx/>
-                        <a:buNone/>
-                        <a:tabLst/>
-                        <a:defRPr/>
-                      </a:pPr>
-                      <a:endParaRPr lang="it-IT" sz="1200" dirty="0"/>
-                    </a:p>
-                    <a:p>
-                      <a:pPr marL="0" marR="0" lvl="0" indent="0" algn="l" defTabSz="457200" rtl="0" eaLnBrk="1" fontAlgn="auto" latinLnBrk="0" hangingPunct="1">
-                        <a:lnSpc>
-                          <a:spcPct val="100000"/>
-                        </a:lnSpc>
-                        <a:spcBef>
-                          <a:spcPts val="0"/>
-                        </a:spcBef>
-                        <a:spcAft>
-                          <a:spcPts val="0"/>
-                        </a:spcAft>
-                        <a:buClrTx/>
-                        <a:buSzTx/>
-                        <a:buFontTx/>
-                        <a:buNone/>
-                        <a:tabLst/>
-                        <a:defRPr/>
-                      </a:pPr>
-                      <a:r>
-                        <a:rPr lang="it-IT" sz="1200" dirty="0"/>
-                        <a:t>Svantaggio: non essendoci dei controlli fondamentali sull’integrità dei dati, il compito ricade, quindi, totalmente sull’applicativo che dialoga col database. </a:t>
-                      </a:r>
-                    </a:p>
-                  </a:txBody>
-                  <a:tcPr/>
-                </a:tc>
-                <a:extLst>
-                  <a:ext uri="{0D108BD9-81ED-4DB2-BD59-A6C34878D82A}">
-                    <a16:rowId xmlns:a16="http://schemas.microsoft.com/office/drawing/2014/main" val="3432872428"/>
-                  </a:ext>
-                </a:extLst>
-              </a:tr>
-              <a:tr h="1836250">
-                <a:tc>
-                  <a:txBody>
-                    <a:bodyPr/>
-                    <a:lstStyle/>
-                    <a:p>
-                      <a:r>
-                        <a:rPr lang="it-IT" sz="1200" dirty="0"/>
-                        <a:t>Scalabilità</a:t>
-                      </a:r>
-                    </a:p>
-                    <a:p>
-                      <a:endParaRPr lang="it-IT" sz="1200" dirty="0"/>
-                    </a:p>
-                  </a:txBody>
-                  <a:tcPr/>
-                </a:tc>
-                <a:tc>
-                  <a:txBody>
-                    <a:bodyPr/>
-                    <a:lstStyle/>
-                    <a:p>
-                      <a:pPr fontAlgn="base"/>
-                      <a:r>
-                        <a:rPr lang="it-IT" sz="1200" dirty="0"/>
-                        <a:t>Scalabilità verticale: a fronte di un maggiore carico di lavoro si procede a incrementare il numero di server dedicati </a:t>
-                      </a:r>
-                      <a:r>
-                        <a:rPr lang="it-IT" sz="1200" dirty="0">
-                          <a:sym typeface="Wingdings" panose="05000000000000000000" pitchFamily="2" charset="2"/>
-                        </a:rPr>
-                        <a:t> incremento dell’hardware sulle macchine.</a:t>
-                      </a:r>
-                    </a:p>
-                    <a:p>
-                      <a:pPr fontAlgn="base"/>
-                      <a:endParaRPr lang="it-IT" sz="1200" dirty="0">
-                        <a:sym typeface="Wingdings" panose="05000000000000000000" pitchFamily="2" charset="2"/>
-                      </a:endParaRPr>
-                    </a:p>
-                    <a:p>
-                      <a:pPr marL="0" marR="0" lvl="0" indent="0" algn="l" defTabSz="457200" rtl="0" eaLnBrk="1" fontAlgn="base" latinLnBrk="0" hangingPunct="1">
-                        <a:lnSpc>
-                          <a:spcPct val="100000"/>
-                        </a:lnSpc>
-                        <a:spcBef>
-                          <a:spcPts val="0"/>
-                        </a:spcBef>
-                        <a:spcAft>
-                          <a:spcPts val="0"/>
-                        </a:spcAft>
-                        <a:buClrTx/>
-                        <a:buSzTx/>
-                        <a:buFontTx/>
-                        <a:buNone/>
-                        <a:tabLst/>
-                        <a:defRPr/>
-                      </a:pPr>
-                      <a:r>
-                        <a:rPr lang="it-IT" sz="1200" dirty="0"/>
-                        <a:t>La replica e il clustering sono disponibili, ma comportano complessità implementativa.</a:t>
-                      </a:r>
-                    </a:p>
-                  </a:txBody>
-                  <a:tcPr/>
-                </a:tc>
-                <a:tc>
-                  <a:txBody>
-                    <a:bodyPr/>
-                    <a:lstStyle/>
-                    <a:p>
-                      <a:pPr fontAlgn="base"/>
-                      <a:r>
-                        <a:rPr lang="it-IT" sz="1200" dirty="0"/>
-                        <a:t>Scalabilità verticale</a:t>
-                      </a:r>
-                    </a:p>
-                    <a:p>
-                      <a:pPr fontAlgn="base"/>
-                      <a:r>
-                        <a:rPr lang="it-IT" sz="1200" dirty="0"/>
-                        <a:t>È possibile configurare più nodi che si replicano automaticamente senza un singolo punto di errore, cosi da evitare che il collasso di un server porti all’interruzione del servizio.</a:t>
-                      </a:r>
-                    </a:p>
-                    <a:p>
-                      <a:pPr fontAlgn="base"/>
-                      <a:endParaRPr lang="it-IT" sz="1200" dirty="0"/>
-                    </a:p>
-                    <a:p>
-                      <a:pPr fontAlgn="base"/>
-                      <a:r>
-                        <a:rPr lang="it-IT" sz="1200" dirty="0"/>
-                        <a:t>Elevata scalabilità e disponibilità dei dati.</a:t>
-                      </a:r>
-                    </a:p>
-                  </a:txBody>
-                  <a:tcPr/>
-                </a:tc>
-                <a:extLst>
-                  <a:ext uri="{0D108BD9-81ED-4DB2-BD59-A6C34878D82A}">
-                    <a16:rowId xmlns:a16="http://schemas.microsoft.com/office/drawing/2014/main" val="259508540"/>
-                  </a:ext>
-                </a:extLst>
-              </a:tr>
-            </a:tbl>
-          </a:graphicData>
-        </a:graphic>
-      </p:graphicFrame>
-    </p:spTree>
-    <p:extLst>
-      <p:ext uri="{BB962C8B-B14F-4D97-AF65-F5344CB8AC3E}">
-        <p14:creationId xmlns:p14="http://schemas.microsoft.com/office/powerpoint/2010/main" val="2591938850"/>
+        <p14:creationId xmlns:p14="http://schemas.microsoft.com/office/powerpoint/2010/main" val="545400188"/>
       </p:ext>
     </p:extLst>
   </p:cSld>

--- a/silde/slide.pptx
+++ b/silde/slide.pptx
@@ -48286,8 +48286,8 @@
         </p:blipFill>
         <p:spPr>
           <a:xfrm>
-            <a:off x="3007334" y="5440661"/>
-            <a:ext cx="4067175" cy="1685925"/>
+            <a:off x="3148737" y="5494324"/>
+            <a:ext cx="3289770" cy="1363676"/>
           </a:xfrm>
           <a:prstGeom prst="rect">
             <a:avLst/>

--- a/silde/slide.pptx
+++ b/silde/slide.pptx
@@ -37,19 +37,20 @@
     <p:sldId id="302" r:id="rId31"/>
     <p:sldId id="276" r:id="rId32"/>
     <p:sldId id="295" r:id="rId33"/>
-    <p:sldId id="296" r:id="rId34"/>
-    <p:sldId id="274" r:id="rId35"/>
-    <p:sldId id="275" r:id="rId36"/>
-    <p:sldId id="277" r:id="rId37"/>
-    <p:sldId id="278" r:id="rId38"/>
-    <p:sldId id="279" r:id="rId39"/>
-    <p:sldId id="280" r:id="rId40"/>
-    <p:sldId id="281" r:id="rId41"/>
-    <p:sldId id="282" r:id="rId42"/>
-    <p:sldId id="288" r:id="rId43"/>
-    <p:sldId id="317" r:id="rId44"/>
-    <p:sldId id="321" r:id="rId45"/>
-    <p:sldId id="322" r:id="rId46"/>
+    <p:sldId id="323" r:id="rId34"/>
+    <p:sldId id="296" r:id="rId35"/>
+    <p:sldId id="274" r:id="rId36"/>
+    <p:sldId id="275" r:id="rId37"/>
+    <p:sldId id="277" r:id="rId38"/>
+    <p:sldId id="278" r:id="rId39"/>
+    <p:sldId id="279" r:id="rId40"/>
+    <p:sldId id="280" r:id="rId41"/>
+    <p:sldId id="281" r:id="rId42"/>
+    <p:sldId id="282" r:id="rId43"/>
+    <p:sldId id="288" r:id="rId44"/>
+    <p:sldId id="317" r:id="rId45"/>
+    <p:sldId id="321" r:id="rId46"/>
+    <p:sldId id="322" r:id="rId47"/>
   </p:sldIdLst>
   <p:sldSz cx="12192000" cy="6858000"/>
   <p:notesSz cx="6858000" cy="9144000"/>
@@ -185,6 +186,7 @@
             <p14:sldId id="302"/>
             <p14:sldId id="276"/>
             <p14:sldId id="295"/>
+            <p14:sldId id="323"/>
             <p14:sldId id="296"/>
             <p14:sldId id="274"/>
             <p14:sldId id="275"/>
@@ -20778,7 +20780,7 @@
             </a:r>
             <a:r>
               <a:rPr lang="it-IT" dirty="0"/>
-              <a:t> file (1) - MySQL</a:t>
+              <a:t> file (2/2) - MySQL</a:t>
             </a:r>
           </a:p>
         </p:txBody>
@@ -21058,7 +21060,7 @@
           <a:p>
             <a:r>
               <a:rPr lang="it-IT" dirty="0"/>
-              <a:t>Elaboration.py (1) – </a:t>
+              <a:t>Elaboration.py (1/3) – </a:t>
             </a:r>
             <a:r>
               <a:rPr lang="it-IT" dirty="0" err="1"/>
@@ -21635,7 +21637,7 @@
           <a:p>
             <a:r>
               <a:rPr lang="it-IT" dirty="0"/>
-              <a:t>Elaboration.py (2) – </a:t>
+              <a:t>Elaboration.py (2/3) – </a:t>
             </a:r>
             <a:r>
               <a:rPr lang="it-IT" dirty="0" err="1"/>
@@ -23476,7 +23478,7 @@
           <a:p>
             <a:r>
               <a:rPr lang="it-IT" dirty="0"/>
-              <a:t>Elaboration.py (3) – </a:t>
+              <a:t>Elaboration.py (3/3) – </a:t>
             </a:r>
             <a:r>
               <a:rPr lang="it-IT" dirty="0" err="1"/>
@@ -27236,7 +27238,7 @@
           <a:p>
             <a:r>
               <a:rPr lang="it-IT" dirty="0"/>
-              <a:t>CLUSTER ARCHITECTURE (1)</a:t>
+              <a:t>CLUSTER ARCHITECTURE (1/3)</a:t>
             </a:r>
           </a:p>
         </p:txBody>
@@ -29121,7 +29123,7 @@
           <a:p>
             <a:r>
               <a:rPr lang="it-IT" dirty="0"/>
-              <a:t>CLUSTER ARCHITECTURE (2)</a:t>
+              <a:t>CLUSTER ARCHITECTURE (2/3)</a:t>
             </a:r>
           </a:p>
         </p:txBody>
@@ -29510,7 +29512,7 @@
           <a:p>
             <a:r>
               <a:rPr lang="it-IT" dirty="0"/>
-              <a:t>CLUSTER ARCHITECTURE (3)</a:t>
+              <a:t>CLUSTER ARCHITECTURE (3/3)</a:t>
             </a:r>
           </a:p>
         </p:txBody>
@@ -31253,7 +31255,7 @@
             </a:r>
             <a:r>
               <a:rPr lang="it-IT" dirty="0"/>
-              <a:t> (1)</a:t>
+              <a:t> (1/5)</a:t>
             </a:r>
           </a:p>
         </p:txBody>
@@ -31347,7 +31349,7 @@
             </a:r>
             <a:r>
               <a:rPr lang="it-IT" dirty="0"/>
-              <a:t> (2)</a:t>
+              <a:t> (2/5)</a:t>
             </a:r>
             <a:br>
               <a:rPr lang="it-IT" dirty="0"/>
@@ -31447,7 +31449,7 @@
             </a:r>
             <a:r>
               <a:rPr lang="it-IT" dirty="0"/>
-              <a:t> (3)</a:t>
+              <a:t> (3/5)</a:t>
             </a:r>
             <a:br>
               <a:rPr lang="it-IT" dirty="0"/>
@@ -31546,7 +31548,7 @@
             </a:r>
             <a:r>
               <a:rPr lang="it-IT" dirty="0"/>
-              <a:t> (4)</a:t>
+              <a:t> (4/5)</a:t>
             </a:r>
           </a:p>
         </p:txBody>
@@ -33194,7 +33196,7 @@
             </a:r>
             <a:r>
               <a:rPr lang="it-IT" dirty="0"/>
-              <a:t> (5)</a:t>
+              <a:t> (5/5)</a:t>
             </a:r>
           </a:p>
         </p:txBody>
@@ -34241,17 +34243,17 @@
               </a:lnSpc>
             </a:pPr>
             <a:r>
-              <a:rPr lang="en-US"/>
+              <a:rPr lang="en-US" dirty="0"/>
               <a:t>Statistics of use of lexical resources</a:t>
             </a:r>
             <a:br>
-              <a:rPr lang="en-US"/>
+              <a:rPr lang="en-US" dirty="0"/>
             </a:br>
             <a:r>
-              <a:rPr lang="en-US"/>
-              <a:t>(MySQL/Mongo)</a:t>
+              <a:rPr lang="en-US" dirty="0"/>
+              <a:t>(MySQL/Mongo) (1/2)</a:t>
             </a:r>
-            <a:endParaRPr lang="it-IT"/>
+            <a:endParaRPr lang="it-IT" dirty="0"/>
           </a:p>
         </p:txBody>
       </p:sp>
@@ -34416,6 +34418,104 @@
 </file>
 
 <file path=ppt/slides/slide33.xml><?xml version="1.0" encoding="utf-8"?>
+<p:sld xmlns:a="http://schemas.openxmlformats.org/drawingml/2006/main" xmlns:r="http://schemas.openxmlformats.org/officeDocument/2006/relationships" xmlns:p="http://schemas.openxmlformats.org/presentationml/2006/main">
+  <p:cSld>
+    <p:spTree>
+      <p:nvGrpSpPr>
+        <p:cNvPr id="1" name=""/>
+        <p:cNvGrpSpPr/>
+        <p:nvPr/>
+      </p:nvGrpSpPr>
+      <p:grpSpPr>
+        <a:xfrm>
+          <a:off x="0" y="0"/>
+          <a:ext cx="0" cy="0"/>
+          <a:chOff x="0" y="0"/>
+          <a:chExt cx="0" cy="0"/>
+        </a:xfrm>
+      </p:grpSpPr>
+      <p:sp>
+        <p:nvSpPr>
+          <p:cNvPr id="2" name="Titolo 1">
+            <a:extLst>
+              <a:ext uri="{FF2B5EF4-FFF2-40B4-BE49-F238E27FC236}">
+                <a16:creationId xmlns:a16="http://schemas.microsoft.com/office/drawing/2014/main" id="{025D6307-166B-4B66-8745-0C5765673866}"/>
+              </a:ext>
+            </a:extLst>
+          </p:cNvPr>
+          <p:cNvSpPr>
+            <a:spLocks noGrp="1"/>
+          </p:cNvSpPr>
+          <p:nvPr>
+            <p:ph type="title"/>
+          </p:nvPr>
+        </p:nvSpPr>
+        <p:spPr/>
+        <p:txBody>
+          <a:bodyPr/>
+          <a:lstStyle/>
+          <a:p>
+            <a:r>
+              <a:rPr lang="en-US" dirty="0"/>
+              <a:t>Statistics of use of lexical resources</a:t>
+            </a:r>
+            <a:br>
+              <a:rPr lang="en-US" dirty="0"/>
+            </a:br>
+            <a:r>
+              <a:rPr lang="en-US" dirty="0"/>
+              <a:t>(MySQL/Mongo) (2/2)</a:t>
+            </a:r>
+            <a:endParaRPr lang="it-IT" dirty="0"/>
+          </a:p>
+        </p:txBody>
+      </p:sp>
+      <p:pic>
+        <p:nvPicPr>
+          <p:cNvPr id="5" name="Segnaposto contenuto 4">
+            <a:extLst>
+              <a:ext uri="{FF2B5EF4-FFF2-40B4-BE49-F238E27FC236}">
+                <a16:creationId xmlns:a16="http://schemas.microsoft.com/office/drawing/2014/main" id="{9B858B0F-495A-4390-A965-EFA7D57C74A7}"/>
+              </a:ext>
+            </a:extLst>
+          </p:cNvPr>
+          <p:cNvPicPr>
+            <a:picLocks noGrp="1" noChangeAspect="1"/>
+          </p:cNvPicPr>
+          <p:nvPr>
+            <p:ph idx="1"/>
+          </p:nvPr>
+        </p:nvPicPr>
+        <p:blipFill>
+          <a:blip r:embed="rId2"/>
+          <a:stretch>
+            <a:fillRect/>
+          </a:stretch>
+        </p:blipFill>
+        <p:spPr>
+          <a:xfrm>
+            <a:off x="2675042" y="1930400"/>
+            <a:ext cx="4601252" cy="4346044"/>
+          </a:xfrm>
+          <a:prstGeom prst="rect">
+            <a:avLst/>
+          </a:prstGeom>
+        </p:spPr>
+      </p:pic>
+    </p:spTree>
+    <p:extLst>
+      <p:ext uri="{BB962C8B-B14F-4D97-AF65-F5344CB8AC3E}">
+        <p14:creationId xmlns:p14="http://schemas.microsoft.com/office/powerpoint/2010/main" val="1593497394"/>
+      </p:ext>
+    </p:extLst>
+  </p:cSld>
+  <p:clrMapOvr>
+    <a:masterClrMapping/>
+  </p:clrMapOvr>
+</p:sld>
+</file>
+
+<file path=ppt/slides/slide34.xml><?xml version="1.0" encoding="utf-8"?>
 <p:sld xmlns:a="http://schemas.openxmlformats.org/drawingml/2006/main" xmlns:r="http://schemas.openxmlformats.org/officeDocument/2006/relationships" xmlns:p="http://schemas.openxmlformats.org/presentationml/2006/main">
   <p:cSld>
     <p:bg>
@@ -35635,7 +35735,7 @@
 </p:sld>
 </file>
 
-<file path=ppt/slides/slide34.xml><?xml version="1.0" encoding="utf-8"?>
+<file path=ppt/slides/slide35.xml><?xml version="1.0" encoding="utf-8"?>
 <p:sld xmlns:a="http://schemas.openxmlformats.org/drawingml/2006/main" xmlns:r="http://schemas.openxmlformats.org/officeDocument/2006/relationships" xmlns:p="http://schemas.openxmlformats.org/presentationml/2006/main">
   <p:cSld>
     <p:bg>
@@ -36716,7 +36816,7 @@
 </p:sld>
 </file>
 
-<file path=ppt/slides/slide35.xml><?xml version="1.0" encoding="utf-8"?>
+<file path=ppt/slides/slide36.xml><?xml version="1.0" encoding="utf-8"?>
 <p:sld xmlns:a="http://schemas.openxmlformats.org/drawingml/2006/main" xmlns:r="http://schemas.openxmlformats.org/officeDocument/2006/relationships" xmlns:p="http://schemas.openxmlformats.org/presentationml/2006/main">
   <p:cSld>
     <p:bg>
@@ -37798,7 +37898,7 @@
 </p:sld>
 </file>
 
-<file path=ppt/slides/slide36.xml><?xml version="1.0" encoding="utf-8"?>
+<file path=ppt/slides/slide37.xml><?xml version="1.0" encoding="utf-8"?>
 <p:sld xmlns:a="http://schemas.openxmlformats.org/drawingml/2006/main" xmlns:r="http://schemas.openxmlformats.org/officeDocument/2006/relationships" xmlns:p="http://schemas.openxmlformats.org/presentationml/2006/main">
   <p:cSld>
     <p:bg>
@@ -38880,7 +38980,7 @@
 </p:sld>
 </file>
 
-<file path=ppt/slides/slide37.xml><?xml version="1.0" encoding="utf-8"?>
+<file path=ppt/slides/slide38.xml><?xml version="1.0" encoding="utf-8"?>
 <p:sld xmlns:a="http://schemas.openxmlformats.org/drawingml/2006/main" xmlns:r="http://schemas.openxmlformats.org/officeDocument/2006/relationships" xmlns:p="http://schemas.openxmlformats.org/presentationml/2006/main">
   <p:cSld>
     <p:bg>
@@ -39962,7 +40062,7 @@
 </p:sld>
 </file>
 
-<file path=ppt/slides/slide38.xml><?xml version="1.0" encoding="utf-8"?>
+<file path=ppt/slides/slide39.xml><?xml version="1.0" encoding="utf-8"?>
 <p:sld xmlns:a="http://schemas.openxmlformats.org/drawingml/2006/main" xmlns:r="http://schemas.openxmlformats.org/officeDocument/2006/relationships" xmlns:p="http://schemas.openxmlformats.org/presentationml/2006/main">
   <p:cSld>
     <p:bg>
@@ -41043,7 +41143,1558 @@
 </p:sld>
 </file>
 
-<file path=ppt/slides/slide39.xml><?xml version="1.0" encoding="utf-8"?>
+<file path=ppt/slides/slide4.xml><?xml version="1.0" encoding="utf-8"?>
+<p:sld xmlns:a="http://schemas.openxmlformats.org/drawingml/2006/main" xmlns:r="http://schemas.openxmlformats.org/officeDocument/2006/relationships" xmlns:p="http://schemas.openxmlformats.org/presentationml/2006/main">
+  <p:cSld>
+    <p:bg>
+      <p:bgPr>
+        <a:solidFill>
+          <a:schemeClr val="bg1"/>
+        </a:solidFill>
+        <a:effectLst/>
+      </p:bgPr>
+    </p:bg>
+    <p:spTree>
+      <p:nvGrpSpPr>
+        <p:cNvPr id="1" name=""/>
+        <p:cNvGrpSpPr/>
+        <p:nvPr/>
+      </p:nvGrpSpPr>
+      <p:grpSpPr>
+        <a:xfrm>
+          <a:off x="0" y="0"/>
+          <a:ext cx="0" cy="0"/>
+          <a:chOff x="0" y="0"/>
+          <a:chExt cx="0" cy="0"/>
+        </a:xfrm>
+      </p:grpSpPr>
+      <p:grpSp>
+        <p:nvGrpSpPr>
+          <p:cNvPr id="37" name="Group 9">
+            <a:extLst>
+              <a:ext uri="{FF2B5EF4-FFF2-40B4-BE49-F238E27FC236}">
+                <a16:creationId xmlns:a16="http://schemas.microsoft.com/office/drawing/2014/main" id="{609316A9-990D-4EC3-A671-70EE5C1493A4}"/>
+              </a:ext>
+              <a:ext uri="{C183D7F6-B498-43B3-948B-1728B52AA6E4}">
+                <adec:decorative xmlns:adec="http://schemas.microsoft.com/office/drawing/2017/decorative" val="1"/>
+              </a:ext>
+            </a:extLst>
+          </p:cNvPr>
+          <p:cNvGrpSpPr>
+            <a:grpSpLocks noGrp="1" noUngrp="1" noRot="1" noChangeAspect="1" noMove="1" noResize="1"/>
+          </p:cNvGrpSpPr>
+          <p:nvPr>
+            <p:extLst>
+              <p:ext uri="{386F3935-93C4-4BCD-93E2-E3B085C9AB24}">
+                <p16:designElem xmlns:p16="http://schemas.microsoft.com/office/powerpoint/2015/main" val="1"/>
+              </p:ext>
+            </p:extLst>
+          </p:nvPr>
+        </p:nvGrpSpPr>
+        <p:grpSpPr>
+          <a:xfrm>
+            <a:off x="0" y="-8467"/>
+            <a:ext cx="12192000" cy="6866467"/>
+            <a:chOff x="0" y="-8467"/>
+            <a:chExt cx="12192000" cy="6866467"/>
+          </a:xfrm>
+        </p:grpSpPr>
+        <p:cxnSp>
+          <p:nvCxnSpPr>
+            <p:cNvPr id="11" name="Straight Connector 10">
+              <a:extLst>
+                <a:ext uri="{FF2B5EF4-FFF2-40B4-BE49-F238E27FC236}">
+                  <a16:creationId xmlns:a16="http://schemas.microsoft.com/office/drawing/2014/main" id="{9B0C6109-9159-49CA-AD7A-F9035539DB7F}"/>
+                </a:ext>
+                <a:ext uri="{C183D7F6-B498-43B3-948B-1728B52AA6E4}">
+                  <adec:decorative xmlns:adec="http://schemas.microsoft.com/office/drawing/2017/decorative" val="1"/>
+                </a:ext>
+              </a:extLst>
+            </p:cNvPr>
+            <p:cNvCxnSpPr/>
+            <p:nvPr>
+              <p:extLst>
+                <p:ext uri="{386F3935-93C4-4BCD-93E2-E3B085C9AB24}">
+                  <p16:designElem xmlns:p16="http://schemas.microsoft.com/office/powerpoint/2015/main" val="1"/>
+                </p:ext>
+              </p:extLst>
+            </p:nvPr>
+          </p:nvCxnSpPr>
+          <p:spPr>
+            <a:xfrm>
+              <a:off x="9371012" y="0"/>
+              <a:ext cx="1219200" cy="6858000"/>
+            </a:xfrm>
+            <a:prstGeom prst="line">
+              <a:avLst/>
+            </a:prstGeom>
+            <a:ln w="9525">
+              <a:solidFill>
+                <a:schemeClr val="bg1">
+                  <a:lumMod val="75000"/>
+                </a:schemeClr>
+              </a:solidFill>
+            </a:ln>
+          </p:spPr>
+          <p:style>
+            <a:lnRef idx="2">
+              <a:schemeClr val="accent1"/>
+            </a:lnRef>
+            <a:fillRef idx="0">
+              <a:schemeClr val="accent1"/>
+            </a:fillRef>
+            <a:effectRef idx="1">
+              <a:schemeClr val="accent1"/>
+            </a:effectRef>
+            <a:fontRef idx="minor">
+              <a:schemeClr val="tx1"/>
+            </a:fontRef>
+          </p:style>
+        </p:cxnSp>
+        <p:cxnSp>
+          <p:nvCxnSpPr>
+            <p:cNvPr id="12" name="Straight Connector 11">
+              <a:extLst>
+                <a:ext uri="{FF2B5EF4-FFF2-40B4-BE49-F238E27FC236}">
+                  <a16:creationId xmlns:a16="http://schemas.microsoft.com/office/drawing/2014/main" id="{686F14F5-308C-4EB6-87AB-05DE9501B1AA}"/>
+                </a:ext>
+                <a:ext uri="{C183D7F6-B498-43B3-948B-1728B52AA6E4}">
+                  <adec:decorative xmlns:adec="http://schemas.microsoft.com/office/drawing/2017/decorative" val="1"/>
+                </a:ext>
+              </a:extLst>
+            </p:cNvPr>
+            <p:cNvCxnSpPr/>
+            <p:nvPr>
+              <p:extLst>
+                <p:ext uri="{386F3935-93C4-4BCD-93E2-E3B085C9AB24}">
+                  <p16:designElem xmlns:p16="http://schemas.microsoft.com/office/powerpoint/2015/main" val="1"/>
+                </p:ext>
+              </p:extLst>
+            </p:nvPr>
+          </p:nvCxnSpPr>
+          <p:spPr>
+            <a:xfrm flipH="1">
+              <a:off x="7425267" y="3681413"/>
+              <a:ext cx="4763558" cy="3176587"/>
+            </a:xfrm>
+            <a:prstGeom prst="line">
+              <a:avLst/>
+            </a:prstGeom>
+            <a:ln w="9525">
+              <a:solidFill>
+                <a:schemeClr val="bg1">
+                  <a:lumMod val="85000"/>
+                </a:schemeClr>
+              </a:solidFill>
+            </a:ln>
+          </p:spPr>
+          <p:style>
+            <a:lnRef idx="2">
+              <a:schemeClr val="accent1"/>
+            </a:lnRef>
+            <a:fillRef idx="0">
+              <a:schemeClr val="accent1"/>
+            </a:fillRef>
+            <a:effectRef idx="1">
+              <a:schemeClr val="accent1"/>
+            </a:effectRef>
+            <a:fontRef idx="minor">
+              <a:schemeClr val="tx1"/>
+            </a:fontRef>
+          </p:style>
+        </p:cxnSp>
+        <p:sp>
+          <p:nvSpPr>
+            <p:cNvPr id="13" name="Rectangle 23">
+              <a:extLst>
+                <a:ext uri="{FF2B5EF4-FFF2-40B4-BE49-F238E27FC236}">
+                  <a16:creationId xmlns:a16="http://schemas.microsoft.com/office/drawing/2014/main" id="{BA032363-A188-47C5-9D59-9B788809DCD2}"/>
+                </a:ext>
+                <a:ext uri="{C183D7F6-B498-43B3-948B-1728B52AA6E4}">
+                  <adec:decorative xmlns:adec="http://schemas.microsoft.com/office/drawing/2017/decorative" val="1"/>
+                </a:ext>
+              </a:extLst>
+            </p:cNvPr>
+            <p:cNvSpPr/>
+            <p:nvPr>
+              <p:extLst>
+                <p:ext uri="{386F3935-93C4-4BCD-93E2-E3B085C9AB24}">
+                  <p16:designElem xmlns:p16="http://schemas.microsoft.com/office/powerpoint/2015/main" val="1"/>
+                </p:ext>
+              </p:extLst>
+            </p:nvPr>
+          </p:nvSpPr>
+          <p:spPr>
+            <a:xfrm>
+              <a:off x="9181476" y="-8467"/>
+              <a:ext cx="3007349" cy="6866467"/>
+            </a:xfrm>
+            <a:custGeom>
+              <a:avLst/>
+              <a:gdLst/>
+              <a:ahLst/>
+              <a:cxnLst/>
+              <a:rect l="l" t="t" r="r" b="b"/>
+              <a:pathLst>
+                <a:path w="3007349" h="6866467">
+                  <a:moveTo>
+                    <a:pt x="2045532" y="0"/>
+                  </a:moveTo>
+                  <a:lnTo>
+                    <a:pt x="3007349" y="0"/>
+                  </a:lnTo>
+                  <a:lnTo>
+                    <a:pt x="3007349" y="6866467"/>
+                  </a:lnTo>
+                  <a:lnTo>
+                    <a:pt x="0" y="6866467"/>
+                  </a:lnTo>
+                  <a:lnTo>
+                    <a:pt x="2045532" y="0"/>
+                  </a:lnTo>
+                  <a:close/>
+                </a:path>
+              </a:pathLst>
+            </a:custGeom>
+            <a:solidFill>
+              <a:schemeClr val="accent1">
+                <a:alpha val="30000"/>
+              </a:schemeClr>
+            </a:solidFill>
+            <a:ln>
+              <a:noFill/>
+            </a:ln>
+            <a:effectLst/>
+          </p:spPr>
+          <p:style>
+            <a:lnRef idx="1">
+              <a:schemeClr val="accent1"/>
+            </a:lnRef>
+            <a:fillRef idx="3">
+              <a:schemeClr val="accent1"/>
+            </a:fillRef>
+            <a:effectRef idx="2">
+              <a:schemeClr val="accent1"/>
+            </a:effectRef>
+            <a:fontRef idx="minor">
+              <a:schemeClr val="lt1"/>
+            </a:fontRef>
+          </p:style>
+        </p:sp>
+        <p:sp>
+          <p:nvSpPr>
+            <p:cNvPr id="14" name="Rectangle 25">
+              <a:extLst>
+                <a:ext uri="{FF2B5EF4-FFF2-40B4-BE49-F238E27FC236}">
+                  <a16:creationId xmlns:a16="http://schemas.microsoft.com/office/drawing/2014/main" id="{2C4077DF-6BB9-4069-AD28-6B1664EBB064}"/>
+                </a:ext>
+                <a:ext uri="{C183D7F6-B498-43B3-948B-1728B52AA6E4}">
+                  <adec:decorative xmlns:adec="http://schemas.microsoft.com/office/drawing/2017/decorative" val="1"/>
+                </a:ext>
+              </a:extLst>
+            </p:cNvPr>
+            <p:cNvSpPr/>
+            <p:nvPr>
+              <p:extLst>
+                <p:ext uri="{386F3935-93C4-4BCD-93E2-E3B085C9AB24}">
+                  <p16:designElem xmlns:p16="http://schemas.microsoft.com/office/powerpoint/2015/main" val="1"/>
+                </p:ext>
+              </p:extLst>
+            </p:nvPr>
+          </p:nvSpPr>
+          <p:spPr>
+            <a:xfrm>
+              <a:off x="9603442" y="-8467"/>
+              <a:ext cx="2588558" cy="6866467"/>
+            </a:xfrm>
+            <a:custGeom>
+              <a:avLst/>
+              <a:gdLst/>
+              <a:ahLst/>
+              <a:cxnLst/>
+              <a:rect l="l" t="t" r="r" b="b"/>
+              <a:pathLst>
+                <a:path w="2573311" h="6866467">
+                  <a:moveTo>
+                    <a:pt x="0" y="0"/>
+                  </a:moveTo>
+                  <a:lnTo>
+                    <a:pt x="2573311" y="0"/>
+                  </a:lnTo>
+                  <a:lnTo>
+                    <a:pt x="2573311" y="6866467"/>
+                  </a:lnTo>
+                  <a:lnTo>
+                    <a:pt x="1202336" y="6866467"/>
+                  </a:lnTo>
+                  <a:lnTo>
+                    <a:pt x="0" y="0"/>
+                  </a:lnTo>
+                  <a:close/>
+                </a:path>
+              </a:pathLst>
+            </a:custGeom>
+            <a:solidFill>
+              <a:schemeClr val="accent1">
+                <a:alpha val="20000"/>
+              </a:schemeClr>
+            </a:solidFill>
+            <a:ln>
+              <a:noFill/>
+            </a:ln>
+            <a:effectLst/>
+          </p:spPr>
+          <p:style>
+            <a:lnRef idx="1">
+              <a:schemeClr val="accent1"/>
+            </a:lnRef>
+            <a:fillRef idx="3">
+              <a:schemeClr val="accent1"/>
+            </a:fillRef>
+            <a:effectRef idx="2">
+              <a:schemeClr val="accent1"/>
+            </a:effectRef>
+            <a:fontRef idx="minor">
+              <a:schemeClr val="lt1"/>
+            </a:fontRef>
+          </p:style>
+        </p:sp>
+        <p:sp>
+          <p:nvSpPr>
+            <p:cNvPr id="15" name="Isosceles Triangle 14">
+              <a:extLst>
+                <a:ext uri="{FF2B5EF4-FFF2-40B4-BE49-F238E27FC236}">
+                  <a16:creationId xmlns:a16="http://schemas.microsoft.com/office/drawing/2014/main" id="{1D2B8B50-3419-41ED-9A9F-3CF9EEBBD3F2}"/>
+                </a:ext>
+                <a:ext uri="{C183D7F6-B498-43B3-948B-1728B52AA6E4}">
+                  <adec:decorative xmlns:adec="http://schemas.microsoft.com/office/drawing/2017/decorative" val="1"/>
+                </a:ext>
+              </a:extLst>
+            </p:cNvPr>
+            <p:cNvSpPr/>
+            <p:nvPr>
+              <p:extLst>
+                <p:ext uri="{386F3935-93C4-4BCD-93E2-E3B085C9AB24}">
+                  <p16:designElem xmlns:p16="http://schemas.microsoft.com/office/powerpoint/2015/main" val="1"/>
+                </p:ext>
+              </p:extLst>
+            </p:nvPr>
+          </p:nvSpPr>
+          <p:spPr>
+            <a:xfrm>
+              <a:off x="8932333" y="3048000"/>
+              <a:ext cx="3259667" cy="3810000"/>
+            </a:xfrm>
+            <a:prstGeom prst="triangle">
+              <a:avLst>
+                <a:gd name="adj" fmla="val 100000"/>
+              </a:avLst>
+            </a:prstGeom>
+            <a:solidFill>
+              <a:schemeClr val="accent2">
+                <a:alpha val="72000"/>
+              </a:schemeClr>
+            </a:solidFill>
+            <a:ln>
+              <a:noFill/>
+            </a:ln>
+            <a:effectLst/>
+          </p:spPr>
+          <p:style>
+            <a:lnRef idx="1">
+              <a:schemeClr val="accent1"/>
+            </a:lnRef>
+            <a:fillRef idx="3">
+              <a:schemeClr val="accent1"/>
+            </a:fillRef>
+            <a:effectRef idx="2">
+              <a:schemeClr val="accent1"/>
+            </a:effectRef>
+            <a:fontRef idx="minor">
+              <a:schemeClr val="lt1"/>
+            </a:fontRef>
+          </p:style>
+        </p:sp>
+        <p:sp>
+          <p:nvSpPr>
+            <p:cNvPr id="16" name="Rectangle 27">
+              <a:extLst>
+                <a:ext uri="{FF2B5EF4-FFF2-40B4-BE49-F238E27FC236}">
+                  <a16:creationId xmlns:a16="http://schemas.microsoft.com/office/drawing/2014/main" id="{5C640498-2E73-4FA2-BEB6-C3596A458C8A}"/>
+                </a:ext>
+                <a:ext uri="{C183D7F6-B498-43B3-948B-1728B52AA6E4}">
+                  <adec:decorative xmlns:adec="http://schemas.microsoft.com/office/drawing/2017/decorative" val="1"/>
+                </a:ext>
+              </a:extLst>
+            </p:cNvPr>
+            <p:cNvSpPr/>
+            <p:nvPr>
+              <p:extLst>
+                <p:ext uri="{386F3935-93C4-4BCD-93E2-E3B085C9AB24}">
+                  <p16:designElem xmlns:p16="http://schemas.microsoft.com/office/powerpoint/2015/main" val="1"/>
+                </p:ext>
+              </p:extLst>
+            </p:nvPr>
+          </p:nvSpPr>
+          <p:spPr>
+            <a:xfrm>
+              <a:off x="9334500" y="-8467"/>
+              <a:ext cx="2854326" cy="6866467"/>
+            </a:xfrm>
+            <a:custGeom>
+              <a:avLst/>
+              <a:gdLst/>
+              <a:ahLst/>
+              <a:cxnLst/>
+              <a:rect l="l" t="t" r="r" b="b"/>
+              <a:pathLst>
+                <a:path w="2858013" h="6866467">
+                  <a:moveTo>
+                    <a:pt x="0" y="0"/>
+                  </a:moveTo>
+                  <a:lnTo>
+                    <a:pt x="2858013" y="0"/>
+                  </a:lnTo>
+                  <a:lnTo>
+                    <a:pt x="2858013" y="6866467"/>
+                  </a:lnTo>
+                  <a:lnTo>
+                    <a:pt x="2473942" y="6866467"/>
+                  </a:lnTo>
+                  <a:lnTo>
+                    <a:pt x="0" y="0"/>
+                  </a:lnTo>
+                  <a:close/>
+                </a:path>
+              </a:pathLst>
+            </a:custGeom>
+            <a:solidFill>
+              <a:schemeClr val="accent2">
+                <a:lumMod val="75000"/>
+                <a:alpha val="70000"/>
+              </a:schemeClr>
+            </a:solidFill>
+            <a:ln>
+              <a:noFill/>
+            </a:ln>
+            <a:effectLst/>
+          </p:spPr>
+          <p:style>
+            <a:lnRef idx="1">
+              <a:schemeClr val="accent1"/>
+            </a:lnRef>
+            <a:fillRef idx="3">
+              <a:schemeClr val="accent1"/>
+            </a:fillRef>
+            <a:effectRef idx="2">
+              <a:schemeClr val="accent1"/>
+            </a:effectRef>
+            <a:fontRef idx="minor">
+              <a:schemeClr val="lt1"/>
+            </a:fontRef>
+          </p:style>
+        </p:sp>
+        <p:sp>
+          <p:nvSpPr>
+            <p:cNvPr id="17" name="Rectangle 28">
+              <a:extLst>
+                <a:ext uri="{FF2B5EF4-FFF2-40B4-BE49-F238E27FC236}">
+                  <a16:creationId xmlns:a16="http://schemas.microsoft.com/office/drawing/2014/main" id="{3240EEFC-4112-4C39-A816-C815774F6D69}"/>
+                </a:ext>
+                <a:ext uri="{C183D7F6-B498-43B3-948B-1728B52AA6E4}">
+                  <adec:decorative xmlns:adec="http://schemas.microsoft.com/office/drawing/2017/decorative" val="1"/>
+                </a:ext>
+              </a:extLst>
+            </p:cNvPr>
+            <p:cNvSpPr/>
+            <p:nvPr>
+              <p:extLst>
+                <p:ext uri="{386F3935-93C4-4BCD-93E2-E3B085C9AB24}">
+                  <p16:designElem xmlns:p16="http://schemas.microsoft.com/office/powerpoint/2015/main" val="1"/>
+                </p:ext>
+              </p:extLst>
+            </p:nvPr>
+          </p:nvSpPr>
+          <p:spPr>
+            <a:xfrm>
+              <a:off x="10898730" y="-8467"/>
+              <a:ext cx="1290094" cy="6866467"/>
+            </a:xfrm>
+            <a:custGeom>
+              <a:avLst/>
+              <a:gdLst/>
+              <a:ahLst/>
+              <a:cxnLst/>
+              <a:rect l="l" t="t" r="r" b="b"/>
+              <a:pathLst>
+                <a:path w="1290094" h="6858000">
+                  <a:moveTo>
+                    <a:pt x="1019735" y="0"/>
+                  </a:moveTo>
+                  <a:lnTo>
+                    <a:pt x="1290094" y="0"/>
+                  </a:lnTo>
+                  <a:lnTo>
+                    <a:pt x="1290094" y="6858000"/>
+                  </a:lnTo>
+                  <a:lnTo>
+                    <a:pt x="0" y="6858000"/>
+                  </a:lnTo>
+                  <a:lnTo>
+                    <a:pt x="1019735" y="0"/>
+                  </a:lnTo>
+                  <a:close/>
+                </a:path>
+              </a:pathLst>
+            </a:custGeom>
+            <a:solidFill>
+              <a:schemeClr val="accent1">
+                <a:lumMod val="60000"/>
+                <a:lumOff val="40000"/>
+                <a:alpha val="70000"/>
+              </a:schemeClr>
+            </a:solidFill>
+            <a:ln>
+              <a:noFill/>
+            </a:ln>
+            <a:effectLst/>
+          </p:spPr>
+          <p:style>
+            <a:lnRef idx="1">
+              <a:schemeClr val="accent1"/>
+            </a:lnRef>
+            <a:fillRef idx="3">
+              <a:schemeClr val="accent1"/>
+            </a:fillRef>
+            <a:effectRef idx="2">
+              <a:schemeClr val="accent1"/>
+            </a:effectRef>
+            <a:fontRef idx="minor">
+              <a:schemeClr val="lt1"/>
+            </a:fontRef>
+          </p:style>
+        </p:sp>
+        <p:sp>
+          <p:nvSpPr>
+            <p:cNvPr id="18" name="Rectangle 29">
+              <a:extLst>
+                <a:ext uri="{FF2B5EF4-FFF2-40B4-BE49-F238E27FC236}">
+                  <a16:creationId xmlns:a16="http://schemas.microsoft.com/office/drawing/2014/main" id="{ADF362B0-03EA-4800-9FAA-9F128587E428}"/>
+                </a:ext>
+                <a:ext uri="{C183D7F6-B498-43B3-948B-1728B52AA6E4}">
+                  <adec:decorative xmlns:adec="http://schemas.microsoft.com/office/drawing/2017/decorative" val="1"/>
+                </a:ext>
+              </a:extLst>
+            </p:cNvPr>
+            <p:cNvSpPr/>
+            <p:nvPr>
+              <p:extLst>
+                <p:ext uri="{386F3935-93C4-4BCD-93E2-E3B085C9AB24}">
+                  <p16:designElem xmlns:p16="http://schemas.microsoft.com/office/powerpoint/2015/main" val="1"/>
+                </p:ext>
+              </p:extLst>
+            </p:nvPr>
+          </p:nvSpPr>
+          <p:spPr>
+            <a:xfrm>
+              <a:off x="10938999" y="-8467"/>
+              <a:ext cx="1249825" cy="6866467"/>
+            </a:xfrm>
+            <a:custGeom>
+              <a:avLst/>
+              <a:gdLst/>
+              <a:ahLst/>
+              <a:cxnLst/>
+              <a:rect l="l" t="t" r="r" b="b"/>
+              <a:pathLst>
+                <a:path w="1249825" h="6858000">
+                  <a:moveTo>
+                    <a:pt x="0" y="0"/>
+                  </a:moveTo>
+                  <a:lnTo>
+                    <a:pt x="1249825" y="0"/>
+                  </a:lnTo>
+                  <a:lnTo>
+                    <a:pt x="1249825" y="6858000"/>
+                  </a:lnTo>
+                  <a:lnTo>
+                    <a:pt x="1109382" y="6858000"/>
+                  </a:lnTo>
+                  <a:lnTo>
+                    <a:pt x="0" y="0"/>
+                  </a:lnTo>
+                  <a:close/>
+                </a:path>
+              </a:pathLst>
+            </a:custGeom>
+            <a:solidFill>
+              <a:schemeClr val="accent1">
+                <a:alpha val="65000"/>
+              </a:schemeClr>
+            </a:solidFill>
+            <a:ln>
+              <a:noFill/>
+            </a:ln>
+            <a:effectLst/>
+          </p:spPr>
+          <p:style>
+            <a:lnRef idx="1">
+              <a:schemeClr val="accent1"/>
+            </a:lnRef>
+            <a:fillRef idx="3">
+              <a:schemeClr val="accent1"/>
+            </a:fillRef>
+            <a:effectRef idx="2">
+              <a:schemeClr val="accent1"/>
+            </a:effectRef>
+            <a:fontRef idx="minor">
+              <a:schemeClr val="lt1"/>
+            </a:fontRef>
+          </p:style>
+        </p:sp>
+        <p:sp>
+          <p:nvSpPr>
+            <p:cNvPr id="19" name="Isosceles Triangle 18">
+              <a:extLst>
+                <a:ext uri="{FF2B5EF4-FFF2-40B4-BE49-F238E27FC236}">
+                  <a16:creationId xmlns:a16="http://schemas.microsoft.com/office/drawing/2014/main" id="{0BA84559-2F4C-4795-9246-4C563F942DB9}"/>
+                </a:ext>
+                <a:ext uri="{C183D7F6-B498-43B3-948B-1728B52AA6E4}">
+                  <adec:decorative xmlns:adec="http://schemas.microsoft.com/office/drawing/2017/decorative" val="1"/>
+                </a:ext>
+              </a:extLst>
+            </p:cNvPr>
+            <p:cNvSpPr/>
+            <p:nvPr>
+              <p:extLst>
+                <p:ext uri="{386F3935-93C4-4BCD-93E2-E3B085C9AB24}">
+                  <p16:designElem xmlns:p16="http://schemas.microsoft.com/office/powerpoint/2015/main" val="1"/>
+                </p:ext>
+              </p:extLst>
+            </p:nvPr>
+          </p:nvSpPr>
+          <p:spPr>
+            <a:xfrm>
+              <a:off x="10371666" y="3589867"/>
+              <a:ext cx="1817159" cy="3268133"/>
+            </a:xfrm>
+            <a:prstGeom prst="triangle">
+              <a:avLst>
+                <a:gd name="adj" fmla="val 100000"/>
+              </a:avLst>
+            </a:prstGeom>
+            <a:solidFill>
+              <a:schemeClr val="accent1">
+                <a:alpha val="80000"/>
+              </a:schemeClr>
+            </a:solidFill>
+            <a:ln>
+              <a:noFill/>
+            </a:ln>
+            <a:effectLst/>
+          </p:spPr>
+          <p:style>
+            <a:lnRef idx="1">
+              <a:schemeClr val="accent1"/>
+            </a:lnRef>
+            <a:fillRef idx="3">
+              <a:schemeClr val="accent1"/>
+            </a:fillRef>
+            <a:effectRef idx="2">
+              <a:schemeClr val="accent1"/>
+            </a:effectRef>
+            <a:fontRef idx="minor">
+              <a:schemeClr val="lt1"/>
+            </a:fontRef>
+          </p:style>
+        </p:sp>
+        <p:sp>
+          <p:nvSpPr>
+            <p:cNvPr id="20" name="Isosceles Triangle 19">
+              <a:extLst>
+                <a:ext uri="{FF2B5EF4-FFF2-40B4-BE49-F238E27FC236}">
+                  <a16:creationId xmlns:a16="http://schemas.microsoft.com/office/drawing/2014/main" id="{FA77A1AA-CA47-4A91-A0A1-0A8CE31A985E}"/>
+                </a:ext>
+                <a:ext uri="{C183D7F6-B498-43B3-948B-1728B52AA6E4}">
+                  <adec:decorative xmlns:adec="http://schemas.microsoft.com/office/drawing/2017/decorative" val="1"/>
+                </a:ext>
+              </a:extLst>
+            </p:cNvPr>
+            <p:cNvSpPr/>
+            <p:nvPr>
+              <p:extLst>
+                <p:ext uri="{386F3935-93C4-4BCD-93E2-E3B085C9AB24}">
+                  <p16:designElem xmlns:p16="http://schemas.microsoft.com/office/powerpoint/2015/main" val="1"/>
+                </p:ext>
+              </p:extLst>
+            </p:nvPr>
+          </p:nvSpPr>
+          <p:spPr>
+            <a:xfrm>
+              <a:off x="0" y="4013200"/>
+              <a:ext cx="448733" cy="2844800"/>
+            </a:xfrm>
+            <a:prstGeom prst="triangle">
+              <a:avLst>
+                <a:gd name="adj" fmla="val 0"/>
+              </a:avLst>
+            </a:prstGeom>
+            <a:solidFill>
+              <a:schemeClr val="accent1">
+                <a:alpha val="85000"/>
+              </a:schemeClr>
+            </a:solidFill>
+            <a:ln>
+              <a:noFill/>
+            </a:ln>
+            <a:effectLst/>
+          </p:spPr>
+          <p:style>
+            <a:lnRef idx="1">
+              <a:schemeClr val="accent1"/>
+            </a:lnRef>
+            <a:fillRef idx="3">
+              <a:schemeClr val="accent1"/>
+            </a:fillRef>
+            <a:effectRef idx="2">
+              <a:schemeClr val="accent1"/>
+            </a:effectRef>
+            <a:fontRef idx="minor">
+              <a:schemeClr val="lt1"/>
+            </a:fontRef>
+          </p:style>
+        </p:sp>
+      </p:grpSp>
+      <p:sp>
+        <p:nvSpPr>
+          <p:cNvPr id="38" name="Rectangle 21">
+            <a:extLst>
+              <a:ext uri="{FF2B5EF4-FFF2-40B4-BE49-F238E27FC236}">
+                <a16:creationId xmlns:a16="http://schemas.microsoft.com/office/drawing/2014/main" id="{03E8462A-FEBA-4848-81CC-3F8DA3E477BE}"/>
+              </a:ext>
+              <a:ext uri="{C183D7F6-B498-43B3-948B-1728B52AA6E4}">
+                <adec:decorative xmlns:adec="http://schemas.microsoft.com/office/drawing/2017/decorative" val="1"/>
+              </a:ext>
+            </a:extLst>
+          </p:cNvPr>
+          <p:cNvSpPr>
+            <a:spLocks noGrp="1" noRot="1" noChangeAspect="1" noMove="1" noResize="1" noEditPoints="1" noAdjustHandles="1" noChangeArrowheads="1" noChangeShapeType="1" noTextEdit="1"/>
+          </p:cNvSpPr>
+          <p:nvPr>
+            <p:extLst>
+              <p:ext uri="{386F3935-93C4-4BCD-93E2-E3B085C9AB24}">
+                <p16:designElem xmlns:p16="http://schemas.microsoft.com/office/powerpoint/2015/main" val="1"/>
+              </p:ext>
+            </p:extLst>
+          </p:nvPr>
+        </p:nvSpPr>
+        <p:spPr>
+          <a:xfrm>
+            <a:off x="0" y="0"/>
+            <a:ext cx="12188952" cy="6858000"/>
+          </a:xfrm>
+          <a:prstGeom prst="rect">
+            <a:avLst/>
+          </a:prstGeom>
+          <a:solidFill>
+            <a:schemeClr val="accent2"/>
+          </a:solidFill>
+          <a:ln>
+            <a:noFill/>
+          </a:ln>
+        </p:spPr>
+        <p:style>
+          <a:lnRef idx="2">
+            <a:schemeClr val="accent1">
+              <a:shade val="50000"/>
+            </a:schemeClr>
+          </a:lnRef>
+          <a:fillRef idx="1">
+            <a:schemeClr val="accent1"/>
+          </a:fillRef>
+          <a:effectRef idx="0">
+            <a:schemeClr val="accent1"/>
+          </a:effectRef>
+          <a:fontRef idx="minor">
+            <a:schemeClr val="lt1"/>
+          </a:fontRef>
+        </p:style>
+        <p:txBody>
+          <a:bodyPr rtlCol="0" anchor="ctr"/>
+          <a:lstStyle/>
+          <a:p>
+            <a:pPr algn="ctr"/>
+            <a:endParaRPr lang="en-US"/>
+          </a:p>
+        </p:txBody>
+      </p:sp>
+      <p:grpSp>
+        <p:nvGrpSpPr>
+          <p:cNvPr id="39" name="Group 23">
+            <a:extLst>
+              <a:ext uri="{FF2B5EF4-FFF2-40B4-BE49-F238E27FC236}">
+                <a16:creationId xmlns:a16="http://schemas.microsoft.com/office/drawing/2014/main" id="{2109F83F-40FE-4DB3-84CC-09FB3340D06D}"/>
+              </a:ext>
+              <a:ext uri="{C183D7F6-B498-43B3-948B-1728B52AA6E4}">
+                <adec:decorative xmlns:adec="http://schemas.microsoft.com/office/drawing/2017/decorative" val="1"/>
+              </a:ext>
+            </a:extLst>
+          </p:cNvPr>
+          <p:cNvGrpSpPr>
+            <a:grpSpLocks noGrp="1" noUngrp="1" noRot="1" noChangeAspect="1" noMove="1" noResize="1"/>
+          </p:cNvGrpSpPr>
+          <p:nvPr>
+            <p:extLst>
+              <p:ext uri="{386F3935-93C4-4BCD-93E2-E3B085C9AB24}">
+                <p16:designElem xmlns:p16="http://schemas.microsoft.com/office/powerpoint/2015/main" val="1"/>
+              </p:ext>
+            </p:extLst>
+          </p:nvPr>
+        </p:nvGrpSpPr>
+        <p:grpSpPr>
+          <a:xfrm>
+            <a:off x="0" y="-8467"/>
+            <a:ext cx="12192000" cy="6866467"/>
+            <a:chOff x="0" y="-8467"/>
+            <a:chExt cx="12192000" cy="6866467"/>
+          </a:xfrm>
+        </p:grpSpPr>
+        <p:cxnSp>
+          <p:nvCxnSpPr>
+            <p:cNvPr id="25" name="Straight Connector 24">
+              <a:extLst>
+                <a:ext uri="{FF2B5EF4-FFF2-40B4-BE49-F238E27FC236}">
+                  <a16:creationId xmlns:a16="http://schemas.microsoft.com/office/drawing/2014/main" id="{1DE492D7-C3C3-48FF-80C8-37021EA0262F}"/>
+                </a:ext>
+                <a:ext uri="{C183D7F6-B498-43B3-948B-1728B52AA6E4}">
+                  <adec:decorative xmlns:adec="http://schemas.microsoft.com/office/drawing/2017/decorative" val="1"/>
+                </a:ext>
+              </a:extLst>
+            </p:cNvPr>
+            <p:cNvCxnSpPr/>
+            <p:nvPr>
+              <p:extLst>
+                <p:ext uri="{386F3935-93C4-4BCD-93E2-E3B085C9AB24}">
+                  <p16:designElem xmlns:p16="http://schemas.microsoft.com/office/powerpoint/2015/main" val="1"/>
+                </p:ext>
+              </p:extLst>
+            </p:nvPr>
+          </p:nvCxnSpPr>
+          <p:spPr>
+            <a:xfrm flipH="1">
+              <a:off x="7425267" y="3681413"/>
+              <a:ext cx="4763558" cy="3176587"/>
+            </a:xfrm>
+            <a:prstGeom prst="line">
+              <a:avLst/>
+            </a:prstGeom>
+            <a:ln w="9525">
+              <a:solidFill>
+                <a:schemeClr val="bg1">
+                  <a:lumMod val="85000"/>
+                </a:schemeClr>
+              </a:solidFill>
+            </a:ln>
+          </p:spPr>
+          <p:style>
+            <a:lnRef idx="2">
+              <a:schemeClr val="accent1"/>
+            </a:lnRef>
+            <a:fillRef idx="0">
+              <a:schemeClr val="accent1"/>
+            </a:fillRef>
+            <a:effectRef idx="1">
+              <a:schemeClr val="accent1"/>
+            </a:effectRef>
+            <a:fontRef idx="minor">
+              <a:schemeClr val="tx1"/>
+            </a:fontRef>
+          </p:style>
+        </p:cxnSp>
+        <p:sp>
+          <p:nvSpPr>
+            <p:cNvPr id="26" name="Rectangle 23">
+              <a:extLst>
+                <a:ext uri="{FF2B5EF4-FFF2-40B4-BE49-F238E27FC236}">
+                  <a16:creationId xmlns:a16="http://schemas.microsoft.com/office/drawing/2014/main" id="{0B30FF97-2E9A-490A-AED2-90BA2E0EC17F}"/>
+                </a:ext>
+                <a:ext uri="{C183D7F6-B498-43B3-948B-1728B52AA6E4}">
+                  <adec:decorative xmlns:adec="http://schemas.microsoft.com/office/drawing/2017/decorative" val="1"/>
+                </a:ext>
+              </a:extLst>
+            </p:cNvPr>
+            <p:cNvSpPr/>
+            <p:nvPr>
+              <p:extLst>
+                <p:ext uri="{386F3935-93C4-4BCD-93E2-E3B085C9AB24}">
+                  <p16:designElem xmlns:p16="http://schemas.microsoft.com/office/powerpoint/2015/main" val="1"/>
+                </p:ext>
+              </p:extLst>
+            </p:nvPr>
+          </p:nvSpPr>
+          <p:spPr>
+            <a:xfrm>
+              <a:off x="9181476" y="-8467"/>
+              <a:ext cx="3007349" cy="6866467"/>
+            </a:xfrm>
+            <a:custGeom>
+              <a:avLst/>
+              <a:gdLst/>
+              <a:ahLst/>
+              <a:cxnLst/>
+              <a:rect l="l" t="t" r="r" b="b"/>
+              <a:pathLst>
+                <a:path w="3007349" h="6866467">
+                  <a:moveTo>
+                    <a:pt x="2045532" y="0"/>
+                  </a:moveTo>
+                  <a:lnTo>
+                    <a:pt x="3007349" y="0"/>
+                  </a:lnTo>
+                  <a:lnTo>
+                    <a:pt x="3007349" y="6866467"/>
+                  </a:lnTo>
+                  <a:lnTo>
+                    <a:pt x="0" y="6866467"/>
+                  </a:lnTo>
+                  <a:lnTo>
+                    <a:pt x="2045532" y="0"/>
+                  </a:lnTo>
+                  <a:close/>
+                </a:path>
+              </a:pathLst>
+            </a:custGeom>
+            <a:solidFill>
+              <a:schemeClr val="accent1">
+                <a:alpha val="30000"/>
+              </a:schemeClr>
+            </a:solidFill>
+            <a:ln>
+              <a:noFill/>
+            </a:ln>
+            <a:effectLst/>
+          </p:spPr>
+          <p:style>
+            <a:lnRef idx="1">
+              <a:schemeClr val="accent1"/>
+            </a:lnRef>
+            <a:fillRef idx="3">
+              <a:schemeClr val="accent1"/>
+            </a:fillRef>
+            <a:effectRef idx="2">
+              <a:schemeClr val="accent1"/>
+            </a:effectRef>
+            <a:fontRef idx="minor">
+              <a:schemeClr val="lt1"/>
+            </a:fontRef>
+          </p:style>
+        </p:sp>
+        <p:sp>
+          <p:nvSpPr>
+            <p:cNvPr id="27" name="Rectangle 25">
+              <a:extLst>
+                <a:ext uri="{FF2B5EF4-FFF2-40B4-BE49-F238E27FC236}">
+                  <a16:creationId xmlns:a16="http://schemas.microsoft.com/office/drawing/2014/main" id="{B6D53C7D-A312-47B6-A66A-230A19CFACA6}"/>
+                </a:ext>
+                <a:ext uri="{C183D7F6-B498-43B3-948B-1728B52AA6E4}">
+                  <adec:decorative xmlns:adec="http://schemas.microsoft.com/office/drawing/2017/decorative" val="1"/>
+                </a:ext>
+              </a:extLst>
+            </p:cNvPr>
+            <p:cNvSpPr/>
+            <p:nvPr>
+              <p:extLst>
+                <p:ext uri="{386F3935-93C4-4BCD-93E2-E3B085C9AB24}">
+                  <p16:designElem xmlns:p16="http://schemas.microsoft.com/office/powerpoint/2015/main" val="1"/>
+                </p:ext>
+              </p:extLst>
+            </p:nvPr>
+          </p:nvSpPr>
+          <p:spPr>
+            <a:xfrm>
+              <a:off x="9603442" y="-8467"/>
+              <a:ext cx="2588558" cy="6866467"/>
+            </a:xfrm>
+            <a:custGeom>
+              <a:avLst/>
+              <a:gdLst/>
+              <a:ahLst/>
+              <a:cxnLst/>
+              <a:rect l="l" t="t" r="r" b="b"/>
+              <a:pathLst>
+                <a:path w="2573311" h="6866467">
+                  <a:moveTo>
+                    <a:pt x="0" y="0"/>
+                  </a:moveTo>
+                  <a:lnTo>
+                    <a:pt x="2573311" y="0"/>
+                  </a:lnTo>
+                  <a:lnTo>
+                    <a:pt x="2573311" y="6866467"/>
+                  </a:lnTo>
+                  <a:lnTo>
+                    <a:pt x="1202336" y="6866467"/>
+                  </a:lnTo>
+                  <a:lnTo>
+                    <a:pt x="0" y="0"/>
+                  </a:lnTo>
+                  <a:close/>
+                </a:path>
+              </a:pathLst>
+            </a:custGeom>
+            <a:solidFill>
+              <a:schemeClr val="accent1">
+                <a:alpha val="20000"/>
+              </a:schemeClr>
+            </a:solidFill>
+            <a:ln>
+              <a:noFill/>
+            </a:ln>
+            <a:effectLst/>
+          </p:spPr>
+          <p:style>
+            <a:lnRef idx="1">
+              <a:schemeClr val="accent1"/>
+            </a:lnRef>
+            <a:fillRef idx="3">
+              <a:schemeClr val="accent1"/>
+            </a:fillRef>
+            <a:effectRef idx="2">
+              <a:schemeClr val="accent1"/>
+            </a:effectRef>
+            <a:fontRef idx="minor">
+              <a:schemeClr val="lt1"/>
+            </a:fontRef>
+          </p:style>
+        </p:sp>
+        <p:sp>
+          <p:nvSpPr>
+            <p:cNvPr id="28" name="Isosceles Triangle 27">
+              <a:extLst>
+                <a:ext uri="{FF2B5EF4-FFF2-40B4-BE49-F238E27FC236}">
+                  <a16:creationId xmlns:a16="http://schemas.microsoft.com/office/drawing/2014/main" id="{9329D58C-0D2E-4A2B-AD6A-9CEE506784A8}"/>
+                </a:ext>
+                <a:ext uri="{C183D7F6-B498-43B3-948B-1728B52AA6E4}">
+                  <adec:decorative xmlns:adec="http://schemas.microsoft.com/office/drawing/2017/decorative" val="1"/>
+                </a:ext>
+              </a:extLst>
+            </p:cNvPr>
+            <p:cNvSpPr/>
+            <p:nvPr>
+              <p:extLst>
+                <p:ext uri="{386F3935-93C4-4BCD-93E2-E3B085C9AB24}">
+                  <p16:designElem xmlns:p16="http://schemas.microsoft.com/office/powerpoint/2015/main" val="1"/>
+                </p:ext>
+              </p:extLst>
+            </p:nvPr>
+          </p:nvSpPr>
+          <p:spPr>
+            <a:xfrm>
+              <a:off x="8932333" y="3048000"/>
+              <a:ext cx="3259667" cy="3810000"/>
+            </a:xfrm>
+            <a:prstGeom prst="triangle">
+              <a:avLst>
+                <a:gd name="adj" fmla="val 100000"/>
+              </a:avLst>
+            </a:prstGeom>
+            <a:solidFill>
+              <a:schemeClr val="accent2">
+                <a:alpha val="72000"/>
+              </a:schemeClr>
+            </a:solidFill>
+            <a:ln>
+              <a:noFill/>
+            </a:ln>
+            <a:effectLst/>
+          </p:spPr>
+          <p:style>
+            <a:lnRef idx="1">
+              <a:schemeClr val="accent1"/>
+            </a:lnRef>
+            <a:fillRef idx="3">
+              <a:schemeClr val="accent1"/>
+            </a:fillRef>
+            <a:effectRef idx="2">
+              <a:schemeClr val="accent1"/>
+            </a:effectRef>
+            <a:fontRef idx="minor">
+              <a:schemeClr val="lt1"/>
+            </a:fontRef>
+          </p:style>
+        </p:sp>
+        <p:sp>
+          <p:nvSpPr>
+            <p:cNvPr id="29" name="Rectangle 27">
+              <a:extLst>
+                <a:ext uri="{FF2B5EF4-FFF2-40B4-BE49-F238E27FC236}">
+                  <a16:creationId xmlns:a16="http://schemas.microsoft.com/office/drawing/2014/main" id="{9D446EDE-C690-4461-8BF2-7634808FC8B4}"/>
+                </a:ext>
+                <a:ext uri="{C183D7F6-B498-43B3-948B-1728B52AA6E4}">
+                  <adec:decorative xmlns:adec="http://schemas.microsoft.com/office/drawing/2017/decorative" val="1"/>
+                </a:ext>
+              </a:extLst>
+            </p:cNvPr>
+            <p:cNvSpPr/>
+            <p:nvPr>
+              <p:extLst>
+                <p:ext uri="{386F3935-93C4-4BCD-93E2-E3B085C9AB24}">
+                  <p16:designElem xmlns:p16="http://schemas.microsoft.com/office/powerpoint/2015/main" val="1"/>
+                </p:ext>
+              </p:extLst>
+            </p:nvPr>
+          </p:nvSpPr>
+          <p:spPr>
+            <a:xfrm>
+              <a:off x="9334500" y="-8467"/>
+              <a:ext cx="2854326" cy="6866467"/>
+            </a:xfrm>
+            <a:custGeom>
+              <a:avLst/>
+              <a:gdLst/>
+              <a:ahLst/>
+              <a:cxnLst/>
+              <a:rect l="l" t="t" r="r" b="b"/>
+              <a:pathLst>
+                <a:path w="2858013" h="6866467">
+                  <a:moveTo>
+                    <a:pt x="0" y="0"/>
+                  </a:moveTo>
+                  <a:lnTo>
+                    <a:pt x="2858013" y="0"/>
+                  </a:lnTo>
+                  <a:lnTo>
+                    <a:pt x="2858013" y="6866467"/>
+                  </a:lnTo>
+                  <a:lnTo>
+                    <a:pt x="2473942" y="6866467"/>
+                  </a:lnTo>
+                  <a:lnTo>
+                    <a:pt x="0" y="0"/>
+                  </a:lnTo>
+                  <a:close/>
+                </a:path>
+              </a:pathLst>
+            </a:custGeom>
+            <a:solidFill>
+              <a:schemeClr val="accent2">
+                <a:lumMod val="75000"/>
+                <a:alpha val="70000"/>
+              </a:schemeClr>
+            </a:solidFill>
+            <a:ln>
+              <a:noFill/>
+            </a:ln>
+            <a:effectLst/>
+          </p:spPr>
+          <p:style>
+            <a:lnRef idx="1">
+              <a:schemeClr val="accent1"/>
+            </a:lnRef>
+            <a:fillRef idx="3">
+              <a:schemeClr val="accent1"/>
+            </a:fillRef>
+            <a:effectRef idx="2">
+              <a:schemeClr val="accent1"/>
+            </a:effectRef>
+            <a:fontRef idx="minor">
+              <a:schemeClr val="lt1"/>
+            </a:fontRef>
+          </p:style>
+        </p:sp>
+        <p:sp>
+          <p:nvSpPr>
+            <p:cNvPr id="30" name="Rectangle 28">
+              <a:extLst>
+                <a:ext uri="{FF2B5EF4-FFF2-40B4-BE49-F238E27FC236}">
+                  <a16:creationId xmlns:a16="http://schemas.microsoft.com/office/drawing/2014/main" id="{323F3D34-6531-4AD7-A8C6-195A090281A1}"/>
+                </a:ext>
+                <a:ext uri="{C183D7F6-B498-43B3-948B-1728B52AA6E4}">
+                  <adec:decorative xmlns:adec="http://schemas.microsoft.com/office/drawing/2017/decorative" val="1"/>
+                </a:ext>
+              </a:extLst>
+            </p:cNvPr>
+            <p:cNvSpPr/>
+            <p:nvPr>
+              <p:extLst>
+                <p:ext uri="{386F3935-93C4-4BCD-93E2-E3B085C9AB24}">
+                  <p16:designElem xmlns:p16="http://schemas.microsoft.com/office/powerpoint/2015/main" val="1"/>
+                </p:ext>
+              </p:extLst>
+            </p:nvPr>
+          </p:nvSpPr>
+          <p:spPr>
+            <a:xfrm>
+              <a:off x="10898730" y="-8467"/>
+              <a:ext cx="1290094" cy="6866467"/>
+            </a:xfrm>
+            <a:custGeom>
+              <a:avLst/>
+              <a:gdLst/>
+              <a:ahLst/>
+              <a:cxnLst/>
+              <a:rect l="l" t="t" r="r" b="b"/>
+              <a:pathLst>
+                <a:path w="1290094" h="6858000">
+                  <a:moveTo>
+                    <a:pt x="1019735" y="0"/>
+                  </a:moveTo>
+                  <a:lnTo>
+                    <a:pt x="1290094" y="0"/>
+                  </a:lnTo>
+                  <a:lnTo>
+                    <a:pt x="1290094" y="6858000"/>
+                  </a:lnTo>
+                  <a:lnTo>
+                    <a:pt x="0" y="6858000"/>
+                  </a:lnTo>
+                  <a:lnTo>
+                    <a:pt x="1019735" y="0"/>
+                  </a:lnTo>
+                  <a:close/>
+                </a:path>
+              </a:pathLst>
+            </a:custGeom>
+            <a:solidFill>
+              <a:schemeClr val="accent1">
+                <a:lumMod val="60000"/>
+                <a:lumOff val="40000"/>
+                <a:alpha val="70000"/>
+              </a:schemeClr>
+            </a:solidFill>
+            <a:ln>
+              <a:noFill/>
+            </a:ln>
+            <a:effectLst/>
+          </p:spPr>
+          <p:style>
+            <a:lnRef idx="1">
+              <a:schemeClr val="accent1"/>
+            </a:lnRef>
+            <a:fillRef idx="3">
+              <a:schemeClr val="accent1"/>
+            </a:fillRef>
+            <a:effectRef idx="2">
+              <a:schemeClr val="accent1"/>
+            </a:effectRef>
+            <a:fontRef idx="minor">
+              <a:schemeClr val="lt1"/>
+            </a:fontRef>
+          </p:style>
+        </p:sp>
+        <p:sp>
+          <p:nvSpPr>
+            <p:cNvPr id="31" name="Rectangle 29">
+              <a:extLst>
+                <a:ext uri="{FF2B5EF4-FFF2-40B4-BE49-F238E27FC236}">
+                  <a16:creationId xmlns:a16="http://schemas.microsoft.com/office/drawing/2014/main" id="{B9B0AE3F-2350-435F-A9B0-C310BF876385}"/>
+                </a:ext>
+                <a:ext uri="{C183D7F6-B498-43B3-948B-1728B52AA6E4}">
+                  <adec:decorative xmlns:adec="http://schemas.microsoft.com/office/drawing/2017/decorative" val="1"/>
+                </a:ext>
+              </a:extLst>
+            </p:cNvPr>
+            <p:cNvSpPr/>
+            <p:nvPr>
+              <p:extLst>
+                <p:ext uri="{386F3935-93C4-4BCD-93E2-E3B085C9AB24}">
+                  <p16:designElem xmlns:p16="http://schemas.microsoft.com/office/powerpoint/2015/main" val="1"/>
+                </p:ext>
+              </p:extLst>
+            </p:nvPr>
+          </p:nvSpPr>
+          <p:spPr>
+            <a:xfrm>
+              <a:off x="10938999" y="-8467"/>
+              <a:ext cx="1249825" cy="6866467"/>
+            </a:xfrm>
+            <a:custGeom>
+              <a:avLst/>
+              <a:gdLst/>
+              <a:ahLst/>
+              <a:cxnLst/>
+              <a:rect l="l" t="t" r="r" b="b"/>
+              <a:pathLst>
+                <a:path w="1249825" h="6858000">
+                  <a:moveTo>
+                    <a:pt x="0" y="0"/>
+                  </a:moveTo>
+                  <a:lnTo>
+                    <a:pt x="1249825" y="0"/>
+                  </a:lnTo>
+                  <a:lnTo>
+                    <a:pt x="1249825" y="6858000"/>
+                  </a:lnTo>
+                  <a:lnTo>
+                    <a:pt x="1109382" y="6858000"/>
+                  </a:lnTo>
+                  <a:lnTo>
+                    <a:pt x="0" y="0"/>
+                  </a:lnTo>
+                  <a:close/>
+                </a:path>
+              </a:pathLst>
+            </a:custGeom>
+            <a:solidFill>
+              <a:schemeClr val="accent1">
+                <a:alpha val="65000"/>
+              </a:schemeClr>
+            </a:solidFill>
+            <a:ln>
+              <a:noFill/>
+            </a:ln>
+            <a:effectLst/>
+          </p:spPr>
+          <p:style>
+            <a:lnRef idx="1">
+              <a:schemeClr val="accent1"/>
+            </a:lnRef>
+            <a:fillRef idx="3">
+              <a:schemeClr val="accent1"/>
+            </a:fillRef>
+            <a:effectRef idx="2">
+              <a:schemeClr val="accent1"/>
+            </a:effectRef>
+            <a:fontRef idx="minor">
+              <a:schemeClr val="lt1"/>
+            </a:fontRef>
+          </p:style>
+        </p:sp>
+        <p:sp>
+          <p:nvSpPr>
+            <p:cNvPr id="32" name="Isosceles Triangle 31">
+              <a:extLst>
+                <a:ext uri="{FF2B5EF4-FFF2-40B4-BE49-F238E27FC236}">
+                  <a16:creationId xmlns:a16="http://schemas.microsoft.com/office/drawing/2014/main" id="{4EFA655C-9E50-4C14-A89E-AD7B648E4E2B}"/>
+                </a:ext>
+                <a:ext uri="{C183D7F6-B498-43B3-948B-1728B52AA6E4}">
+                  <adec:decorative xmlns:adec="http://schemas.microsoft.com/office/drawing/2017/decorative" val="1"/>
+                </a:ext>
+              </a:extLst>
+            </p:cNvPr>
+            <p:cNvSpPr/>
+            <p:nvPr>
+              <p:extLst>
+                <p:ext uri="{386F3935-93C4-4BCD-93E2-E3B085C9AB24}">
+                  <p16:designElem xmlns:p16="http://schemas.microsoft.com/office/powerpoint/2015/main" val="1"/>
+                </p:ext>
+              </p:extLst>
+            </p:nvPr>
+          </p:nvSpPr>
+          <p:spPr>
+            <a:xfrm>
+              <a:off x="10371666" y="3589867"/>
+              <a:ext cx="1817159" cy="3268133"/>
+            </a:xfrm>
+            <a:prstGeom prst="triangle">
+              <a:avLst>
+                <a:gd name="adj" fmla="val 100000"/>
+              </a:avLst>
+            </a:prstGeom>
+            <a:solidFill>
+              <a:schemeClr val="accent1">
+                <a:alpha val="80000"/>
+              </a:schemeClr>
+            </a:solidFill>
+            <a:ln>
+              <a:noFill/>
+            </a:ln>
+            <a:effectLst/>
+          </p:spPr>
+          <p:style>
+            <a:lnRef idx="1">
+              <a:schemeClr val="accent1"/>
+            </a:lnRef>
+            <a:fillRef idx="3">
+              <a:schemeClr val="accent1"/>
+            </a:fillRef>
+            <a:effectRef idx="2">
+              <a:schemeClr val="accent1"/>
+            </a:effectRef>
+            <a:fontRef idx="minor">
+              <a:schemeClr val="lt1"/>
+            </a:fontRef>
+          </p:style>
+        </p:sp>
+        <p:sp>
+          <p:nvSpPr>
+            <p:cNvPr id="33" name="Isosceles Triangle 32">
+              <a:extLst>
+                <a:ext uri="{FF2B5EF4-FFF2-40B4-BE49-F238E27FC236}">
+                  <a16:creationId xmlns:a16="http://schemas.microsoft.com/office/drawing/2014/main" id="{3E843863-7D25-4C01-9A17-E817CB6D998A}"/>
+                </a:ext>
+                <a:ext uri="{C183D7F6-B498-43B3-948B-1728B52AA6E4}">
+                  <adec:decorative xmlns:adec="http://schemas.microsoft.com/office/drawing/2017/decorative" val="1"/>
+                </a:ext>
+              </a:extLst>
+            </p:cNvPr>
+            <p:cNvSpPr/>
+            <p:nvPr>
+              <p:extLst>
+                <p:ext uri="{386F3935-93C4-4BCD-93E2-E3B085C9AB24}">
+                  <p16:designElem xmlns:p16="http://schemas.microsoft.com/office/powerpoint/2015/main" val="1"/>
+                </p:ext>
+              </p:extLst>
+            </p:nvPr>
+          </p:nvSpPr>
+          <p:spPr>
+            <a:xfrm>
+              <a:off x="0" y="4013200"/>
+              <a:ext cx="448733" cy="2844800"/>
+            </a:xfrm>
+            <a:prstGeom prst="triangle">
+              <a:avLst>
+                <a:gd name="adj" fmla="val 0"/>
+              </a:avLst>
+            </a:prstGeom>
+            <a:solidFill>
+              <a:schemeClr val="accent1">
+                <a:alpha val="85000"/>
+              </a:schemeClr>
+            </a:solidFill>
+            <a:ln>
+              <a:noFill/>
+            </a:ln>
+            <a:effectLst/>
+          </p:spPr>
+          <p:style>
+            <a:lnRef idx="1">
+              <a:schemeClr val="accent1"/>
+            </a:lnRef>
+            <a:fillRef idx="3">
+              <a:schemeClr val="accent1"/>
+            </a:fillRef>
+            <a:effectRef idx="2">
+              <a:schemeClr val="accent1"/>
+            </a:effectRef>
+            <a:fontRef idx="minor">
+              <a:schemeClr val="lt1"/>
+            </a:fontRef>
+          </p:style>
+        </p:sp>
+      </p:grpSp>
+      <p:sp>
+        <p:nvSpPr>
+          <p:cNvPr id="40" name="Rectangle 34">
+            <a:extLst>
+              <a:ext uri="{FF2B5EF4-FFF2-40B4-BE49-F238E27FC236}">
+                <a16:creationId xmlns:a16="http://schemas.microsoft.com/office/drawing/2014/main" id="{7941F9B1-B01B-4A84-89D9-B169AEB4E456}"/>
+              </a:ext>
+              <a:ext uri="{C183D7F6-B498-43B3-948B-1728B52AA6E4}">
+                <adec:decorative xmlns:adec="http://schemas.microsoft.com/office/drawing/2017/decorative" val="1"/>
+              </a:ext>
+            </a:extLst>
+          </p:cNvPr>
+          <p:cNvSpPr>
+            <a:spLocks noGrp="1" noRot="1" noChangeAspect="1" noMove="1" noResize="1" noEditPoints="1" noAdjustHandles="1" noChangeArrowheads="1" noChangeShapeType="1" noTextEdit="1"/>
+          </p:cNvSpPr>
+          <p:nvPr>
+            <p:extLst>
+              <p:ext uri="{386F3935-93C4-4BCD-93E2-E3B085C9AB24}">
+                <p16:designElem xmlns:p16="http://schemas.microsoft.com/office/powerpoint/2015/main" val="1"/>
+              </p:ext>
+            </p:extLst>
+          </p:nvPr>
+        </p:nvSpPr>
+        <p:spPr>
+          <a:xfrm>
+            <a:off x="477012" y="480060"/>
+            <a:ext cx="11237976" cy="5897880"/>
+          </a:xfrm>
+          <a:prstGeom prst="rect">
+            <a:avLst/>
+          </a:prstGeom>
+          <a:solidFill>
+            <a:srgbClr val="FFFFFF"/>
+          </a:solidFill>
+          <a:ln w="9525">
+            <a:noFill/>
+          </a:ln>
+          <a:effectLst>
+            <a:outerShdw blurRad="63500" dist="17780" dir="5400000" algn="t" rotWithShape="0">
+              <a:prstClr val="black">
+                <a:alpha val="43000"/>
+              </a:prstClr>
+            </a:outerShdw>
+          </a:effectLst>
+        </p:spPr>
+        <p:style>
+          <a:lnRef idx="2">
+            <a:schemeClr val="accent1">
+              <a:shade val="50000"/>
+            </a:schemeClr>
+          </a:lnRef>
+          <a:fillRef idx="1">
+            <a:schemeClr val="accent1"/>
+          </a:fillRef>
+          <a:effectRef idx="0">
+            <a:schemeClr val="accent1"/>
+          </a:effectRef>
+          <a:fontRef idx="minor">
+            <a:schemeClr val="lt1"/>
+          </a:fontRef>
+        </p:style>
+        <p:txBody>
+          <a:bodyPr rtlCol="0" anchor="ctr"/>
+          <a:lstStyle/>
+          <a:p>
+            <a:pPr algn="ctr"/>
+            <a:endParaRPr lang="en-US"/>
+          </a:p>
+        </p:txBody>
+      </p:sp>
+      <p:pic>
+        <p:nvPicPr>
+          <p:cNvPr id="5" name="Segnaposto contenuto 4">
+            <a:extLst>
+              <a:ext uri="{FF2B5EF4-FFF2-40B4-BE49-F238E27FC236}">
+                <a16:creationId xmlns:a16="http://schemas.microsoft.com/office/drawing/2014/main" id="{2B1AA894-96E6-453E-A6C5-1DFFAE11A3AE}"/>
+              </a:ext>
+            </a:extLst>
+          </p:cNvPr>
+          <p:cNvPicPr>
+            <a:picLocks noGrp="1" noChangeAspect="1"/>
+          </p:cNvPicPr>
+          <p:nvPr>
+            <p:ph idx="1"/>
+          </p:nvPr>
+        </p:nvPicPr>
+        <p:blipFill>
+          <a:blip r:embed="rId2">
+            <a:extLst>
+              <a:ext uri="{28A0092B-C50C-407E-A947-70E740481C1C}">
+                <a14:useLocalDpi xmlns:a14="http://schemas.microsoft.com/office/drawing/2010/main" val="0"/>
+              </a:ext>
+            </a:extLst>
+          </a:blip>
+          <a:stretch>
+            <a:fillRect/>
+          </a:stretch>
+        </p:blipFill>
+        <p:spPr>
+          <a:xfrm>
+            <a:off x="1942743" y="1131994"/>
+            <a:ext cx="8308390" cy="4590386"/>
+          </a:xfrm>
+          <a:prstGeom prst="rect">
+            <a:avLst/>
+          </a:prstGeom>
+        </p:spPr>
+      </p:pic>
+    </p:spTree>
+    <p:extLst>
+      <p:ext uri="{BB962C8B-B14F-4D97-AF65-F5344CB8AC3E}">
+        <p14:creationId xmlns:p14="http://schemas.microsoft.com/office/powerpoint/2010/main" val="3701905229"/>
+      </p:ext>
+    </p:extLst>
+  </p:cSld>
+  <p:clrMapOvr>
+    <a:masterClrMapping/>
+  </p:clrMapOvr>
+</p:sld>
+</file>
+
+<file path=ppt/slides/slide40.xml><?xml version="1.0" encoding="utf-8"?>
 <p:sld xmlns:a="http://schemas.openxmlformats.org/drawingml/2006/main" xmlns:r="http://schemas.openxmlformats.org/officeDocument/2006/relationships" xmlns:p="http://schemas.openxmlformats.org/presentationml/2006/main">
   <p:cSld>
     <p:bg>
@@ -42125,1558 +43776,7 @@
 </p:sld>
 </file>
 
-<file path=ppt/slides/slide4.xml><?xml version="1.0" encoding="utf-8"?>
-<p:sld xmlns:a="http://schemas.openxmlformats.org/drawingml/2006/main" xmlns:r="http://schemas.openxmlformats.org/officeDocument/2006/relationships" xmlns:p="http://schemas.openxmlformats.org/presentationml/2006/main">
-  <p:cSld>
-    <p:bg>
-      <p:bgPr>
-        <a:solidFill>
-          <a:schemeClr val="bg1"/>
-        </a:solidFill>
-        <a:effectLst/>
-      </p:bgPr>
-    </p:bg>
-    <p:spTree>
-      <p:nvGrpSpPr>
-        <p:cNvPr id="1" name=""/>
-        <p:cNvGrpSpPr/>
-        <p:nvPr/>
-      </p:nvGrpSpPr>
-      <p:grpSpPr>
-        <a:xfrm>
-          <a:off x="0" y="0"/>
-          <a:ext cx="0" cy="0"/>
-          <a:chOff x="0" y="0"/>
-          <a:chExt cx="0" cy="0"/>
-        </a:xfrm>
-      </p:grpSpPr>
-      <p:grpSp>
-        <p:nvGrpSpPr>
-          <p:cNvPr id="37" name="Group 9">
-            <a:extLst>
-              <a:ext uri="{FF2B5EF4-FFF2-40B4-BE49-F238E27FC236}">
-                <a16:creationId xmlns:a16="http://schemas.microsoft.com/office/drawing/2014/main" id="{609316A9-990D-4EC3-A671-70EE5C1493A4}"/>
-              </a:ext>
-              <a:ext uri="{C183D7F6-B498-43B3-948B-1728B52AA6E4}">
-                <adec:decorative xmlns:adec="http://schemas.microsoft.com/office/drawing/2017/decorative" val="1"/>
-              </a:ext>
-            </a:extLst>
-          </p:cNvPr>
-          <p:cNvGrpSpPr>
-            <a:grpSpLocks noGrp="1" noUngrp="1" noRot="1" noChangeAspect="1" noMove="1" noResize="1"/>
-          </p:cNvGrpSpPr>
-          <p:nvPr>
-            <p:extLst>
-              <p:ext uri="{386F3935-93C4-4BCD-93E2-E3B085C9AB24}">
-                <p16:designElem xmlns:p16="http://schemas.microsoft.com/office/powerpoint/2015/main" val="1"/>
-              </p:ext>
-            </p:extLst>
-          </p:nvPr>
-        </p:nvGrpSpPr>
-        <p:grpSpPr>
-          <a:xfrm>
-            <a:off x="0" y="-8467"/>
-            <a:ext cx="12192000" cy="6866467"/>
-            <a:chOff x="0" y="-8467"/>
-            <a:chExt cx="12192000" cy="6866467"/>
-          </a:xfrm>
-        </p:grpSpPr>
-        <p:cxnSp>
-          <p:nvCxnSpPr>
-            <p:cNvPr id="11" name="Straight Connector 10">
-              <a:extLst>
-                <a:ext uri="{FF2B5EF4-FFF2-40B4-BE49-F238E27FC236}">
-                  <a16:creationId xmlns:a16="http://schemas.microsoft.com/office/drawing/2014/main" id="{9B0C6109-9159-49CA-AD7A-F9035539DB7F}"/>
-                </a:ext>
-                <a:ext uri="{C183D7F6-B498-43B3-948B-1728B52AA6E4}">
-                  <adec:decorative xmlns:adec="http://schemas.microsoft.com/office/drawing/2017/decorative" val="1"/>
-                </a:ext>
-              </a:extLst>
-            </p:cNvPr>
-            <p:cNvCxnSpPr/>
-            <p:nvPr>
-              <p:extLst>
-                <p:ext uri="{386F3935-93C4-4BCD-93E2-E3B085C9AB24}">
-                  <p16:designElem xmlns:p16="http://schemas.microsoft.com/office/powerpoint/2015/main" val="1"/>
-                </p:ext>
-              </p:extLst>
-            </p:nvPr>
-          </p:nvCxnSpPr>
-          <p:spPr>
-            <a:xfrm>
-              <a:off x="9371012" y="0"/>
-              <a:ext cx="1219200" cy="6858000"/>
-            </a:xfrm>
-            <a:prstGeom prst="line">
-              <a:avLst/>
-            </a:prstGeom>
-            <a:ln w="9525">
-              <a:solidFill>
-                <a:schemeClr val="bg1">
-                  <a:lumMod val="75000"/>
-                </a:schemeClr>
-              </a:solidFill>
-            </a:ln>
-          </p:spPr>
-          <p:style>
-            <a:lnRef idx="2">
-              <a:schemeClr val="accent1"/>
-            </a:lnRef>
-            <a:fillRef idx="0">
-              <a:schemeClr val="accent1"/>
-            </a:fillRef>
-            <a:effectRef idx="1">
-              <a:schemeClr val="accent1"/>
-            </a:effectRef>
-            <a:fontRef idx="minor">
-              <a:schemeClr val="tx1"/>
-            </a:fontRef>
-          </p:style>
-        </p:cxnSp>
-        <p:cxnSp>
-          <p:nvCxnSpPr>
-            <p:cNvPr id="12" name="Straight Connector 11">
-              <a:extLst>
-                <a:ext uri="{FF2B5EF4-FFF2-40B4-BE49-F238E27FC236}">
-                  <a16:creationId xmlns:a16="http://schemas.microsoft.com/office/drawing/2014/main" id="{686F14F5-308C-4EB6-87AB-05DE9501B1AA}"/>
-                </a:ext>
-                <a:ext uri="{C183D7F6-B498-43B3-948B-1728B52AA6E4}">
-                  <adec:decorative xmlns:adec="http://schemas.microsoft.com/office/drawing/2017/decorative" val="1"/>
-                </a:ext>
-              </a:extLst>
-            </p:cNvPr>
-            <p:cNvCxnSpPr/>
-            <p:nvPr>
-              <p:extLst>
-                <p:ext uri="{386F3935-93C4-4BCD-93E2-E3B085C9AB24}">
-                  <p16:designElem xmlns:p16="http://schemas.microsoft.com/office/powerpoint/2015/main" val="1"/>
-                </p:ext>
-              </p:extLst>
-            </p:nvPr>
-          </p:nvCxnSpPr>
-          <p:spPr>
-            <a:xfrm flipH="1">
-              <a:off x="7425267" y="3681413"/>
-              <a:ext cx="4763558" cy="3176587"/>
-            </a:xfrm>
-            <a:prstGeom prst="line">
-              <a:avLst/>
-            </a:prstGeom>
-            <a:ln w="9525">
-              <a:solidFill>
-                <a:schemeClr val="bg1">
-                  <a:lumMod val="85000"/>
-                </a:schemeClr>
-              </a:solidFill>
-            </a:ln>
-          </p:spPr>
-          <p:style>
-            <a:lnRef idx="2">
-              <a:schemeClr val="accent1"/>
-            </a:lnRef>
-            <a:fillRef idx="0">
-              <a:schemeClr val="accent1"/>
-            </a:fillRef>
-            <a:effectRef idx="1">
-              <a:schemeClr val="accent1"/>
-            </a:effectRef>
-            <a:fontRef idx="minor">
-              <a:schemeClr val="tx1"/>
-            </a:fontRef>
-          </p:style>
-        </p:cxnSp>
-        <p:sp>
-          <p:nvSpPr>
-            <p:cNvPr id="13" name="Rectangle 23">
-              <a:extLst>
-                <a:ext uri="{FF2B5EF4-FFF2-40B4-BE49-F238E27FC236}">
-                  <a16:creationId xmlns:a16="http://schemas.microsoft.com/office/drawing/2014/main" id="{BA032363-A188-47C5-9D59-9B788809DCD2}"/>
-                </a:ext>
-                <a:ext uri="{C183D7F6-B498-43B3-948B-1728B52AA6E4}">
-                  <adec:decorative xmlns:adec="http://schemas.microsoft.com/office/drawing/2017/decorative" val="1"/>
-                </a:ext>
-              </a:extLst>
-            </p:cNvPr>
-            <p:cNvSpPr/>
-            <p:nvPr>
-              <p:extLst>
-                <p:ext uri="{386F3935-93C4-4BCD-93E2-E3B085C9AB24}">
-                  <p16:designElem xmlns:p16="http://schemas.microsoft.com/office/powerpoint/2015/main" val="1"/>
-                </p:ext>
-              </p:extLst>
-            </p:nvPr>
-          </p:nvSpPr>
-          <p:spPr>
-            <a:xfrm>
-              <a:off x="9181476" y="-8467"/>
-              <a:ext cx="3007349" cy="6866467"/>
-            </a:xfrm>
-            <a:custGeom>
-              <a:avLst/>
-              <a:gdLst/>
-              <a:ahLst/>
-              <a:cxnLst/>
-              <a:rect l="l" t="t" r="r" b="b"/>
-              <a:pathLst>
-                <a:path w="3007349" h="6866467">
-                  <a:moveTo>
-                    <a:pt x="2045532" y="0"/>
-                  </a:moveTo>
-                  <a:lnTo>
-                    <a:pt x="3007349" y="0"/>
-                  </a:lnTo>
-                  <a:lnTo>
-                    <a:pt x="3007349" y="6866467"/>
-                  </a:lnTo>
-                  <a:lnTo>
-                    <a:pt x="0" y="6866467"/>
-                  </a:lnTo>
-                  <a:lnTo>
-                    <a:pt x="2045532" y="0"/>
-                  </a:lnTo>
-                  <a:close/>
-                </a:path>
-              </a:pathLst>
-            </a:custGeom>
-            <a:solidFill>
-              <a:schemeClr val="accent1">
-                <a:alpha val="30000"/>
-              </a:schemeClr>
-            </a:solidFill>
-            <a:ln>
-              <a:noFill/>
-            </a:ln>
-            <a:effectLst/>
-          </p:spPr>
-          <p:style>
-            <a:lnRef idx="1">
-              <a:schemeClr val="accent1"/>
-            </a:lnRef>
-            <a:fillRef idx="3">
-              <a:schemeClr val="accent1"/>
-            </a:fillRef>
-            <a:effectRef idx="2">
-              <a:schemeClr val="accent1"/>
-            </a:effectRef>
-            <a:fontRef idx="minor">
-              <a:schemeClr val="lt1"/>
-            </a:fontRef>
-          </p:style>
-        </p:sp>
-        <p:sp>
-          <p:nvSpPr>
-            <p:cNvPr id="14" name="Rectangle 25">
-              <a:extLst>
-                <a:ext uri="{FF2B5EF4-FFF2-40B4-BE49-F238E27FC236}">
-                  <a16:creationId xmlns:a16="http://schemas.microsoft.com/office/drawing/2014/main" id="{2C4077DF-6BB9-4069-AD28-6B1664EBB064}"/>
-                </a:ext>
-                <a:ext uri="{C183D7F6-B498-43B3-948B-1728B52AA6E4}">
-                  <adec:decorative xmlns:adec="http://schemas.microsoft.com/office/drawing/2017/decorative" val="1"/>
-                </a:ext>
-              </a:extLst>
-            </p:cNvPr>
-            <p:cNvSpPr/>
-            <p:nvPr>
-              <p:extLst>
-                <p:ext uri="{386F3935-93C4-4BCD-93E2-E3B085C9AB24}">
-                  <p16:designElem xmlns:p16="http://schemas.microsoft.com/office/powerpoint/2015/main" val="1"/>
-                </p:ext>
-              </p:extLst>
-            </p:nvPr>
-          </p:nvSpPr>
-          <p:spPr>
-            <a:xfrm>
-              <a:off x="9603442" y="-8467"/>
-              <a:ext cx="2588558" cy="6866467"/>
-            </a:xfrm>
-            <a:custGeom>
-              <a:avLst/>
-              <a:gdLst/>
-              <a:ahLst/>
-              <a:cxnLst/>
-              <a:rect l="l" t="t" r="r" b="b"/>
-              <a:pathLst>
-                <a:path w="2573311" h="6866467">
-                  <a:moveTo>
-                    <a:pt x="0" y="0"/>
-                  </a:moveTo>
-                  <a:lnTo>
-                    <a:pt x="2573311" y="0"/>
-                  </a:lnTo>
-                  <a:lnTo>
-                    <a:pt x="2573311" y="6866467"/>
-                  </a:lnTo>
-                  <a:lnTo>
-                    <a:pt x="1202336" y="6866467"/>
-                  </a:lnTo>
-                  <a:lnTo>
-                    <a:pt x="0" y="0"/>
-                  </a:lnTo>
-                  <a:close/>
-                </a:path>
-              </a:pathLst>
-            </a:custGeom>
-            <a:solidFill>
-              <a:schemeClr val="accent1">
-                <a:alpha val="20000"/>
-              </a:schemeClr>
-            </a:solidFill>
-            <a:ln>
-              <a:noFill/>
-            </a:ln>
-            <a:effectLst/>
-          </p:spPr>
-          <p:style>
-            <a:lnRef idx="1">
-              <a:schemeClr val="accent1"/>
-            </a:lnRef>
-            <a:fillRef idx="3">
-              <a:schemeClr val="accent1"/>
-            </a:fillRef>
-            <a:effectRef idx="2">
-              <a:schemeClr val="accent1"/>
-            </a:effectRef>
-            <a:fontRef idx="minor">
-              <a:schemeClr val="lt1"/>
-            </a:fontRef>
-          </p:style>
-        </p:sp>
-        <p:sp>
-          <p:nvSpPr>
-            <p:cNvPr id="15" name="Isosceles Triangle 14">
-              <a:extLst>
-                <a:ext uri="{FF2B5EF4-FFF2-40B4-BE49-F238E27FC236}">
-                  <a16:creationId xmlns:a16="http://schemas.microsoft.com/office/drawing/2014/main" id="{1D2B8B50-3419-41ED-9A9F-3CF9EEBBD3F2}"/>
-                </a:ext>
-                <a:ext uri="{C183D7F6-B498-43B3-948B-1728B52AA6E4}">
-                  <adec:decorative xmlns:adec="http://schemas.microsoft.com/office/drawing/2017/decorative" val="1"/>
-                </a:ext>
-              </a:extLst>
-            </p:cNvPr>
-            <p:cNvSpPr/>
-            <p:nvPr>
-              <p:extLst>
-                <p:ext uri="{386F3935-93C4-4BCD-93E2-E3B085C9AB24}">
-                  <p16:designElem xmlns:p16="http://schemas.microsoft.com/office/powerpoint/2015/main" val="1"/>
-                </p:ext>
-              </p:extLst>
-            </p:nvPr>
-          </p:nvSpPr>
-          <p:spPr>
-            <a:xfrm>
-              <a:off x="8932333" y="3048000"/>
-              <a:ext cx="3259667" cy="3810000"/>
-            </a:xfrm>
-            <a:prstGeom prst="triangle">
-              <a:avLst>
-                <a:gd name="adj" fmla="val 100000"/>
-              </a:avLst>
-            </a:prstGeom>
-            <a:solidFill>
-              <a:schemeClr val="accent2">
-                <a:alpha val="72000"/>
-              </a:schemeClr>
-            </a:solidFill>
-            <a:ln>
-              <a:noFill/>
-            </a:ln>
-            <a:effectLst/>
-          </p:spPr>
-          <p:style>
-            <a:lnRef idx="1">
-              <a:schemeClr val="accent1"/>
-            </a:lnRef>
-            <a:fillRef idx="3">
-              <a:schemeClr val="accent1"/>
-            </a:fillRef>
-            <a:effectRef idx="2">
-              <a:schemeClr val="accent1"/>
-            </a:effectRef>
-            <a:fontRef idx="minor">
-              <a:schemeClr val="lt1"/>
-            </a:fontRef>
-          </p:style>
-        </p:sp>
-        <p:sp>
-          <p:nvSpPr>
-            <p:cNvPr id="16" name="Rectangle 27">
-              <a:extLst>
-                <a:ext uri="{FF2B5EF4-FFF2-40B4-BE49-F238E27FC236}">
-                  <a16:creationId xmlns:a16="http://schemas.microsoft.com/office/drawing/2014/main" id="{5C640498-2E73-4FA2-BEB6-C3596A458C8A}"/>
-                </a:ext>
-                <a:ext uri="{C183D7F6-B498-43B3-948B-1728B52AA6E4}">
-                  <adec:decorative xmlns:adec="http://schemas.microsoft.com/office/drawing/2017/decorative" val="1"/>
-                </a:ext>
-              </a:extLst>
-            </p:cNvPr>
-            <p:cNvSpPr/>
-            <p:nvPr>
-              <p:extLst>
-                <p:ext uri="{386F3935-93C4-4BCD-93E2-E3B085C9AB24}">
-                  <p16:designElem xmlns:p16="http://schemas.microsoft.com/office/powerpoint/2015/main" val="1"/>
-                </p:ext>
-              </p:extLst>
-            </p:nvPr>
-          </p:nvSpPr>
-          <p:spPr>
-            <a:xfrm>
-              <a:off x="9334500" y="-8467"/>
-              <a:ext cx="2854326" cy="6866467"/>
-            </a:xfrm>
-            <a:custGeom>
-              <a:avLst/>
-              <a:gdLst/>
-              <a:ahLst/>
-              <a:cxnLst/>
-              <a:rect l="l" t="t" r="r" b="b"/>
-              <a:pathLst>
-                <a:path w="2858013" h="6866467">
-                  <a:moveTo>
-                    <a:pt x="0" y="0"/>
-                  </a:moveTo>
-                  <a:lnTo>
-                    <a:pt x="2858013" y="0"/>
-                  </a:lnTo>
-                  <a:lnTo>
-                    <a:pt x="2858013" y="6866467"/>
-                  </a:lnTo>
-                  <a:lnTo>
-                    <a:pt x="2473942" y="6866467"/>
-                  </a:lnTo>
-                  <a:lnTo>
-                    <a:pt x="0" y="0"/>
-                  </a:lnTo>
-                  <a:close/>
-                </a:path>
-              </a:pathLst>
-            </a:custGeom>
-            <a:solidFill>
-              <a:schemeClr val="accent2">
-                <a:lumMod val="75000"/>
-                <a:alpha val="70000"/>
-              </a:schemeClr>
-            </a:solidFill>
-            <a:ln>
-              <a:noFill/>
-            </a:ln>
-            <a:effectLst/>
-          </p:spPr>
-          <p:style>
-            <a:lnRef idx="1">
-              <a:schemeClr val="accent1"/>
-            </a:lnRef>
-            <a:fillRef idx="3">
-              <a:schemeClr val="accent1"/>
-            </a:fillRef>
-            <a:effectRef idx="2">
-              <a:schemeClr val="accent1"/>
-            </a:effectRef>
-            <a:fontRef idx="minor">
-              <a:schemeClr val="lt1"/>
-            </a:fontRef>
-          </p:style>
-        </p:sp>
-        <p:sp>
-          <p:nvSpPr>
-            <p:cNvPr id="17" name="Rectangle 28">
-              <a:extLst>
-                <a:ext uri="{FF2B5EF4-FFF2-40B4-BE49-F238E27FC236}">
-                  <a16:creationId xmlns:a16="http://schemas.microsoft.com/office/drawing/2014/main" id="{3240EEFC-4112-4C39-A816-C815774F6D69}"/>
-                </a:ext>
-                <a:ext uri="{C183D7F6-B498-43B3-948B-1728B52AA6E4}">
-                  <adec:decorative xmlns:adec="http://schemas.microsoft.com/office/drawing/2017/decorative" val="1"/>
-                </a:ext>
-              </a:extLst>
-            </p:cNvPr>
-            <p:cNvSpPr/>
-            <p:nvPr>
-              <p:extLst>
-                <p:ext uri="{386F3935-93C4-4BCD-93E2-E3B085C9AB24}">
-                  <p16:designElem xmlns:p16="http://schemas.microsoft.com/office/powerpoint/2015/main" val="1"/>
-                </p:ext>
-              </p:extLst>
-            </p:nvPr>
-          </p:nvSpPr>
-          <p:spPr>
-            <a:xfrm>
-              <a:off x="10898730" y="-8467"/>
-              <a:ext cx="1290094" cy="6866467"/>
-            </a:xfrm>
-            <a:custGeom>
-              <a:avLst/>
-              <a:gdLst/>
-              <a:ahLst/>
-              <a:cxnLst/>
-              <a:rect l="l" t="t" r="r" b="b"/>
-              <a:pathLst>
-                <a:path w="1290094" h="6858000">
-                  <a:moveTo>
-                    <a:pt x="1019735" y="0"/>
-                  </a:moveTo>
-                  <a:lnTo>
-                    <a:pt x="1290094" y="0"/>
-                  </a:lnTo>
-                  <a:lnTo>
-                    <a:pt x="1290094" y="6858000"/>
-                  </a:lnTo>
-                  <a:lnTo>
-                    <a:pt x="0" y="6858000"/>
-                  </a:lnTo>
-                  <a:lnTo>
-                    <a:pt x="1019735" y="0"/>
-                  </a:lnTo>
-                  <a:close/>
-                </a:path>
-              </a:pathLst>
-            </a:custGeom>
-            <a:solidFill>
-              <a:schemeClr val="accent1">
-                <a:lumMod val="60000"/>
-                <a:lumOff val="40000"/>
-                <a:alpha val="70000"/>
-              </a:schemeClr>
-            </a:solidFill>
-            <a:ln>
-              <a:noFill/>
-            </a:ln>
-            <a:effectLst/>
-          </p:spPr>
-          <p:style>
-            <a:lnRef idx="1">
-              <a:schemeClr val="accent1"/>
-            </a:lnRef>
-            <a:fillRef idx="3">
-              <a:schemeClr val="accent1"/>
-            </a:fillRef>
-            <a:effectRef idx="2">
-              <a:schemeClr val="accent1"/>
-            </a:effectRef>
-            <a:fontRef idx="minor">
-              <a:schemeClr val="lt1"/>
-            </a:fontRef>
-          </p:style>
-        </p:sp>
-        <p:sp>
-          <p:nvSpPr>
-            <p:cNvPr id="18" name="Rectangle 29">
-              <a:extLst>
-                <a:ext uri="{FF2B5EF4-FFF2-40B4-BE49-F238E27FC236}">
-                  <a16:creationId xmlns:a16="http://schemas.microsoft.com/office/drawing/2014/main" id="{ADF362B0-03EA-4800-9FAA-9F128587E428}"/>
-                </a:ext>
-                <a:ext uri="{C183D7F6-B498-43B3-948B-1728B52AA6E4}">
-                  <adec:decorative xmlns:adec="http://schemas.microsoft.com/office/drawing/2017/decorative" val="1"/>
-                </a:ext>
-              </a:extLst>
-            </p:cNvPr>
-            <p:cNvSpPr/>
-            <p:nvPr>
-              <p:extLst>
-                <p:ext uri="{386F3935-93C4-4BCD-93E2-E3B085C9AB24}">
-                  <p16:designElem xmlns:p16="http://schemas.microsoft.com/office/powerpoint/2015/main" val="1"/>
-                </p:ext>
-              </p:extLst>
-            </p:nvPr>
-          </p:nvSpPr>
-          <p:spPr>
-            <a:xfrm>
-              <a:off x="10938999" y="-8467"/>
-              <a:ext cx="1249825" cy="6866467"/>
-            </a:xfrm>
-            <a:custGeom>
-              <a:avLst/>
-              <a:gdLst/>
-              <a:ahLst/>
-              <a:cxnLst/>
-              <a:rect l="l" t="t" r="r" b="b"/>
-              <a:pathLst>
-                <a:path w="1249825" h="6858000">
-                  <a:moveTo>
-                    <a:pt x="0" y="0"/>
-                  </a:moveTo>
-                  <a:lnTo>
-                    <a:pt x="1249825" y="0"/>
-                  </a:lnTo>
-                  <a:lnTo>
-                    <a:pt x="1249825" y="6858000"/>
-                  </a:lnTo>
-                  <a:lnTo>
-                    <a:pt x="1109382" y="6858000"/>
-                  </a:lnTo>
-                  <a:lnTo>
-                    <a:pt x="0" y="0"/>
-                  </a:lnTo>
-                  <a:close/>
-                </a:path>
-              </a:pathLst>
-            </a:custGeom>
-            <a:solidFill>
-              <a:schemeClr val="accent1">
-                <a:alpha val="65000"/>
-              </a:schemeClr>
-            </a:solidFill>
-            <a:ln>
-              <a:noFill/>
-            </a:ln>
-            <a:effectLst/>
-          </p:spPr>
-          <p:style>
-            <a:lnRef idx="1">
-              <a:schemeClr val="accent1"/>
-            </a:lnRef>
-            <a:fillRef idx="3">
-              <a:schemeClr val="accent1"/>
-            </a:fillRef>
-            <a:effectRef idx="2">
-              <a:schemeClr val="accent1"/>
-            </a:effectRef>
-            <a:fontRef idx="minor">
-              <a:schemeClr val="lt1"/>
-            </a:fontRef>
-          </p:style>
-        </p:sp>
-        <p:sp>
-          <p:nvSpPr>
-            <p:cNvPr id="19" name="Isosceles Triangle 18">
-              <a:extLst>
-                <a:ext uri="{FF2B5EF4-FFF2-40B4-BE49-F238E27FC236}">
-                  <a16:creationId xmlns:a16="http://schemas.microsoft.com/office/drawing/2014/main" id="{0BA84559-2F4C-4795-9246-4C563F942DB9}"/>
-                </a:ext>
-                <a:ext uri="{C183D7F6-B498-43B3-948B-1728B52AA6E4}">
-                  <adec:decorative xmlns:adec="http://schemas.microsoft.com/office/drawing/2017/decorative" val="1"/>
-                </a:ext>
-              </a:extLst>
-            </p:cNvPr>
-            <p:cNvSpPr/>
-            <p:nvPr>
-              <p:extLst>
-                <p:ext uri="{386F3935-93C4-4BCD-93E2-E3B085C9AB24}">
-                  <p16:designElem xmlns:p16="http://schemas.microsoft.com/office/powerpoint/2015/main" val="1"/>
-                </p:ext>
-              </p:extLst>
-            </p:nvPr>
-          </p:nvSpPr>
-          <p:spPr>
-            <a:xfrm>
-              <a:off x="10371666" y="3589867"/>
-              <a:ext cx="1817159" cy="3268133"/>
-            </a:xfrm>
-            <a:prstGeom prst="triangle">
-              <a:avLst>
-                <a:gd name="adj" fmla="val 100000"/>
-              </a:avLst>
-            </a:prstGeom>
-            <a:solidFill>
-              <a:schemeClr val="accent1">
-                <a:alpha val="80000"/>
-              </a:schemeClr>
-            </a:solidFill>
-            <a:ln>
-              <a:noFill/>
-            </a:ln>
-            <a:effectLst/>
-          </p:spPr>
-          <p:style>
-            <a:lnRef idx="1">
-              <a:schemeClr val="accent1"/>
-            </a:lnRef>
-            <a:fillRef idx="3">
-              <a:schemeClr val="accent1"/>
-            </a:fillRef>
-            <a:effectRef idx="2">
-              <a:schemeClr val="accent1"/>
-            </a:effectRef>
-            <a:fontRef idx="minor">
-              <a:schemeClr val="lt1"/>
-            </a:fontRef>
-          </p:style>
-        </p:sp>
-        <p:sp>
-          <p:nvSpPr>
-            <p:cNvPr id="20" name="Isosceles Triangle 19">
-              <a:extLst>
-                <a:ext uri="{FF2B5EF4-FFF2-40B4-BE49-F238E27FC236}">
-                  <a16:creationId xmlns:a16="http://schemas.microsoft.com/office/drawing/2014/main" id="{FA77A1AA-CA47-4A91-A0A1-0A8CE31A985E}"/>
-                </a:ext>
-                <a:ext uri="{C183D7F6-B498-43B3-948B-1728B52AA6E4}">
-                  <adec:decorative xmlns:adec="http://schemas.microsoft.com/office/drawing/2017/decorative" val="1"/>
-                </a:ext>
-              </a:extLst>
-            </p:cNvPr>
-            <p:cNvSpPr/>
-            <p:nvPr>
-              <p:extLst>
-                <p:ext uri="{386F3935-93C4-4BCD-93E2-E3B085C9AB24}">
-                  <p16:designElem xmlns:p16="http://schemas.microsoft.com/office/powerpoint/2015/main" val="1"/>
-                </p:ext>
-              </p:extLst>
-            </p:nvPr>
-          </p:nvSpPr>
-          <p:spPr>
-            <a:xfrm>
-              <a:off x="0" y="4013200"/>
-              <a:ext cx="448733" cy="2844800"/>
-            </a:xfrm>
-            <a:prstGeom prst="triangle">
-              <a:avLst>
-                <a:gd name="adj" fmla="val 0"/>
-              </a:avLst>
-            </a:prstGeom>
-            <a:solidFill>
-              <a:schemeClr val="accent1">
-                <a:alpha val="85000"/>
-              </a:schemeClr>
-            </a:solidFill>
-            <a:ln>
-              <a:noFill/>
-            </a:ln>
-            <a:effectLst/>
-          </p:spPr>
-          <p:style>
-            <a:lnRef idx="1">
-              <a:schemeClr val="accent1"/>
-            </a:lnRef>
-            <a:fillRef idx="3">
-              <a:schemeClr val="accent1"/>
-            </a:fillRef>
-            <a:effectRef idx="2">
-              <a:schemeClr val="accent1"/>
-            </a:effectRef>
-            <a:fontRef idx="minor">
-              <a:schemeClr val="lt1"/>
-            </a:fontRef>
-          </p:style>
-        </p:sp>
-      </p:grpSp>
-      <p:sp>
-        <p:nvSpPr>
-          <p:cNvPr id="38" name="Rectangle 21">
-            <a:extLst>
-              <a:ext uri="{FF2B5EF4-FFF2-40B4-BE49-F238E27FC236}">
-                <a16:creationId xmlns:a16="http://schemas.microsoft.com/office/drawing/2014/main" id="{03E8462A-FEBA-4848-81CC-3F8DA3E477BE}"/>
-              </a:ext>
-              <a:ext uri="{C183D7F6-B498-43B3-948B-1728B52AA6E4}">
-                <adec:decorative xmlns:adec="http://schemas.microsoft.com/office/drawing/2017/decorative" val="1"/>
-              </a:ext>
-            </a:extLst>
-          </p:cNvPr>
-          <p:cNvSpPr>
-            <a:spLocks noGrp="1" noRot="1" noChangeAspect="1" noMove="1" noResize="1" noEditPoints="1" noAdjustHandles="1" noChangeArrowheads="1" noChangeShapeType="1" noTextEdit="1"/>
-          </p:cNvSpPr>
-          <p:nvPr>
-            <p:extLst>
-              <p:ext uri="{386F3935-93C4-4BCD-93E2-E3B085C9AB24}">
-                <p16:designElem xmlns:p16="http://schemas.microsoft.com/office/powerpoint/2015/main" val="1"/>
-              </p:ext>
-            </p:extLst>
-          </p:nvPr>
-        </p:nvSpPr>
-        <p:spPr>
-          <a:xfrm>
-            <a:off x="0" y="0"/>
-            <a:ext cx="12188952" cy="6858000"/>
-          </a:xfrm>
-          <a:prstGeom prst="rect">
-            <a:avLst/>
-          </a:prstGeom>
-          <a:solidFill>
-            <a:schemeClr val="accent2"/>
-          </a:solidFill>
-          <a:ln>
-            <a:noFill/>
-          </a:ln>
-        </p:spPr>
-        <p:style>
-          <a:lnRef idx="2">
-            <a:schemeClr val="accent1">
-              <a:shade val="50000"/>
-            </a:schemeClr>
-          </a:lnRef>
-          <a:fillRef idx="1">
-            <a:schemeClr val="accent1"/>
-          </a:fillRef>
-          <a:effectRef idx="0">
-            <a:schemeClr val="accent1"/>
-          </a:effectRef>
-          <a:fontRef idx="minor">
-            <a:schemeClr val="lt1"/>
-          </a:fontRef>
-        </p:style>
-        <p:txBody>
-          <a:bodyPr rtlCol="0" anchor="ctr"/>
-          <a:lstStyle/>
-          <a:p>
-            <a:pPr algn="ctr"/>
-            <a:endParaRPr lang="en-US"/>
-          </a:p>
-        </p:txBody>
-      </p:sp>
-      <p:grpSp>
-        <p:nvGrpSpPr>
-          <p:cNvPr id="39" name="Group 23">
-            <a:extLst>
-              <a:ext uri="{FF2B5EF4-FFF2-40B4-BE49-F238E27FC236}">
-                <a16:creationId xmlns:a16="http://schemas.microsoft.com/office/drawing/2014/main" id="{2109F83F-40FE-4DB3-84CC-09FB3340D06D}"/>
-              </a:ext>
-              <a:ext uri="{C183D7F6-B498-43B3-948B-1728B52AA6E4}">
-                <adec:decorative xmlns:adec="http://schemas.microsoft.com/office/drawing/2017/decorative" val="1"/>
-              </a:ext>
-            </a:extLst>
-          </p:cNvPr>
-          <p:cNvGrpSpPr>
-            <a:grpSpLocks noGrp="1" noUngrp="1" noRot="1" noChangeAspect="1" noMove="1" noResize="1"/>
-          </p:cNvGrpSpPr>
-          <p:nvPr>
-            <p:extLst>
-              <p:ext uri="{386F3935-93C4-4BCD-93E2-E3B085C9AB24}">
-                <p16:designElem xmlns:p16="http://schemas.microsoft.com/office/powerpoint/2015/main" val="1"/>
-              </p:ext>
-            </p:extLst>
-          </p:nvPr>
-        </p:nvGrpSpPr>
-        <p:grpSpPr>
-          <a:xfrm>
-            <a:off x="0" y="-8467"/>
-            <a:ext cx="12192000" cy="6866467"/>
-            <a:chOff x="0" y="-8467"/>
-            <a:chExt cx="12192000" cy="6866467"/>
-          </a:xfrm>
-        </p:grpSpPr>
-        <p:cxnSp>
-          <p:nvCxnSpPr>
-            <p:cNvPr id="25" name="Straight Connector 24">
-              <a:extLst>
-                <a:ext uri="{FF2B5EF4-FFF2-40B4-BE49-F238E27FC236}">
-                  <a16:creationId xmlns:a16="http://schemas.microsoft.com/office/drawing/2014/main" id="{1DE492D7-C3C3-48FF-80C8-37021EA0262F}"/>
-                </a:ext>
-                <a:ext uri="{C183D7F6-B498-43B3-948B-1728B52AA6E4}">
-                  <adec:decorative xmlns:adec="http://schemas.microsoft.com/office/drawing/2017/decorative" val="1"/>
-                </a:ext>
-              </a:extLst>
-            </p:cNvPr>
-            <p:cNvCxnSpPr/>
-            <p:nvPr>
-              <p:extLst>
-                <p:ext uri="{386F3935-93C4-4BCD-93E2-E3B085C9AB24}">
-                  <p16:designElem xmlns:p16="http://schemas.microsoft.com/office/powerpoint/2015/main" val="1"/>
-                </p:ext>
-              </p:extLst>
-            </p:nvPr>
-          </p:nvCxnSpPr>
-          <p:spPr>
-            <a:xfrm flipH="1">
-              <a:off x="7425267" y="3681413"/>
-              <a:ext cx="4763558" cy="3176587"/>
-            </a:xfrm>
-            <a:prstGeom prst="line">
-              <a:avLst/>
-            </a:prstGeom>
-            <a:ln w="9525">
-              <a:solidFill>
-                <a:schemeClr val="bg1">
-                  <a:lumMod val="85000"/>
-                </a:schemeClr>
-              </a:solidFill>
-            </a:ln>
-          </p:spPr>
-          <p:style>
-            <a:lnRef idx="2">
-              <a:schemeClr val="accent1"/>
-            </a:lnRef>
-            <a:fillRef idx="0">
-              <a:schemeClr val="accent1"/>
-            </a:fillRef>
-            <a:effectRef idx="1">
-              <a:schemeClr val="accent1"/>
-            </a:effectRef>
-            <a:fontRef idx="minor">
-              <a:schemeClr val="tx1"/>
-            </a:fontRef>
-          </p:style>
-        </p:cxnSp>
-        <p:sp>
-          <p:nvSpPr>
-            <p:cNvPr id="26" name="Rectangle 23">
-              <a:extLst>
-                <a:ext uri="{FF2B5EF4-FFF2-40B4-BE49-F238E27FC236}">
-                  <a16:creationId xmlns:a16="http://schemas.microsoft.com/office/drawing/2014/main" id="{0B30FF97-2E9A-490A-AED2-90BA2E0EC17F}"/>
-                </a:ext>
-                <a:ext uri="{C183D7F6-B498-43B3-948B-1728B52AA6E4}">
-                  <adec:decorative xmlns:adec="http://schemas.microsoft.com/office/drawing/2017/decorative" val="1"/>
-                </a:ext>
-              </a:extLst>
-            </p:cNvPr>
-            <p:cNvSpPr/>
-            <p:nvPr>
-              <p:extLst>
-                <p:ext uri="{386F3935-93C4-4BCD-93E2-E3B085C9AB24}">
-                  <p16:designElem xmlns:p16="http://schemas.microsoft.com/office/powerpoint/2015/main" val="1"/>
-                </p:ext>
-              </p:extLst>
-            </p:nvPr>
-          </p:nvSpPr>
-          <p:spPr>
-            <a:xfrm>
-              <a:off x="9181476" y="-8467"/>
-              <a:ext cx="3007349" cy="6866467"/>
-            </a:xfrm>
-            <a:custGeom>
-              <a:avLst/>
-              <a:gdLst/>
-              <a:ahLst/>
-              <a:cxnLst/>
-              <a:rect l="l" t="t" r="r" b="b"/>
-              <a:pathLst>
-                <a:path w="3007349" h="6866467">
-                  <a:moveTo>
-                    <a:pt x="2045532" y="0"/>
-                  </a:moveTo>
-                  <a:lnTo>
-                    <a:pt x="3007349" y="0"/>
-                  </a:lnTo>
-                  <a:lnTo>
-                    <a:pt x="3007349" y="6866467"/>
-                  </a:lnTo>
-                  <a:lnTo>
-                    <a:pt x="0" y="6866467"/>
-                  </a:lnTo>
-                  <a:lnTo>
-                    <a:pt x="2045532" y="0"/>
-                  </a:lnTo>
-                  <a:close/>
-                </a:path>
-              </a:pathLst>
-            </a:custGeom>
-            <a:solidFill>
-              <a:schemeClr val="accent1">
-                <a:alpha val="30000"/>
-              </a:schemeClr>
-            </a:solidFill>
-            <a:ln>
-              <a:noFill/>
-            </a:ln>
-            <a:effectLst/>
-          </p:spPr>
-          <p:style>
-            <a:lnRef idx="1">
-              <a:schemeClr val="accent1"/>
-            </a:lnRef>
-            <a:fillRef idx="3">
-              <a:schemeClr val="accent1"/>
-            </a:fillRef>
-            <a:effectRef idx="2">
-              <a:schemeClr val="accent1"/>
-            </a:effectRef>
-            <a:fontRef idx="minor">
-              <a:schemeClr val="lt1"/>
-            </a:fontRef>
-          </p:style>
-        </p:sp>
-        <p:sp>
-          <p:nvSpPr>
-            <p:cNvPr id="27" name="Rectangle 25">
-              <a:extLst>
-                <a:ext uri="{FF2B5EF4-FFF2-40B4-BE49-F238E27FC236}">
-                  <a16:creationId xmlns:a16="http://schemas.microsoft.com/office/drawing/2014/main" id="{B6D53C7D-A312-47B6-A66A-230A19CFACA6}"/>
-                </a:ext>
-                <a:ext uri="{C183D7F6-B498-43B3-948B-1728B52AA6E4}">
-                  <adec:decorative xmlns:adec="http://schemas.microsoft.com/office/drawing/2017/decorative" val="1"/>
-                </a:ext>
-              </a:extLst>
-            </p:cNvPr>
-            <p:cNvSpPr/>
-            <p:nvPr>
-              <p:extLst>
-                <p:ext uri="{386F3935-93C4-4BCD-93E2-E3B085C9AB24}">
-                  <p16:designElem xmlns:p16="http://schemas.microsoft.com/office/powerpoint/2015/main" val="1"/>
-                </p:ext>
-              </p:extLst>
-            </p:nvPr>
-          </p:nvSpPr>
-          <p:spPr>
-            <a:xfrm>
-              <a:off x="9603442" y="-8467"/>
-              <a:ext cx="2588558" cy="6866467"/>
-            </a:xfrm>
-            <a:custGeom>
-              <a:avLst/>
-              <a:gdLst/>
-              <a:ahLst/>
-              <a:cxnLst/>
-              <a:rect l="l" t="t" r="r" b="b"/>
-              <a:pathLst>
-                <a:path w="2573311" h="6866467">
-                  <a:moveTo>
-                    <a:pt x="0" y="0"/>
-                  </a:moveTo>
-                  <a:lnTo>
-                    <a:pt x="2573311" y="0"/>
-                  </a:lnTo>
-                  <a:lnTo>
-                    <a:pt x="2573311" y="6866467"/>
-                  </a:lnTo>
-                  <a:lnTo>
-                    <a:pt x="1202336" y="6866467"/>
-                  </a:lnTo>
-                  <a:lnTo>
-                    <a:pt x="0" y="0"/>
-                  </a:lnTo>
-                  <a:close/>
-                </a:path>
-              </a:pathLst>
-            </a:custGeom>
-            <a:solidFill>
-              <a:schemeClr val="accent1">
-                <a:alpha val="20000"/>
-              </a:schemeClr>
-            </a:solidFill>
-            <a:ln>
-              <a:noFill/>
-            </a:ln>
-            <a:effectLst/>
-          </p:spPr>
-          <p:style>
-            <a:lnRef idx="1">
-              <a:schemeClr val="accent1"/>
-            </a:lnRef>
-            <a:fillRef idx="3">
-              <a:schemeClr val="accent1"/>
-            </a:fillRef>
-            <a:effectRef idx="2">
-              <a:schemeClr val="accent1"/>
-            </a:effectRef>
-            <a:fontRef idx="minor">
-              <a:schemeClr val="lt1"/>
-            </a:fontRef>
-          </p:style>
-        </p:sp>
-        <p:sp>
-          <p:nvSpPr>
-            <p:cNvPr id="28" name="Isosceles Triangle 27">
-              <a:extLst>
-                <a:ext uri="{FF2B5EF4-FFF2-40B4-BE49-F238E27FC236}">
-                  <a16:creationId xmlns:a16="http://schemas.microsoft.com/office/drawing/2014/main" id="{9329D58C-0D2E-4A2B-AD6A-9CEE506784A8}"/>
-                </a:ext>
-                <a:ext uri="{C183D7F6-B498-43B3-948B-1728B52AA6E4}">
-                  <adec:decorative xmlns:adec="http://schemas.microsoft.com/office/drawing/2017/decorative" val="1"/>
-                </a:ext>
-              </a:extLst>
-            </p:cNvPr>
-            <p:cNvSpPr/>
-            <p:nvPr>
-              <p:extLst>
-                <p:ext uri="{386F3935-93C4-4BCD-93E2-E3B085C9AB24}">
-                  <p16:designElem xmlns:p16="http://schemas.microsoft.com/office/powerpoint/2015/main" val="1"/>
-                </p:ext>
-              </p:extLst>
-            </p:nvPr>
-          </p:nvSpPr>
-          <p:spPr>
-            <a:xfrm>
-              <a:off x="8932333" y="3048000"/>
-              <a:ext cx="3259667" cy="3810000"/>
-            </a:xfrm>
-            <a:prstGeom prst="triangle">
-              <a:avLst>
-                <a:gd name="adj" fmla="val 100000"/>
-              </a:avLst>
-            </a:prstGeom>
-            <a:solidFill>
-              <a:schemeClr val="accent2">
-                <a:alpha val="72000"/>
-              </a:schemeClr>
-            </a:solidFill>
-            <a:ln>
-              <a:noFill/>
-            </a:ln>
-            <a:effectLst/>
-          </p:spPr>
-          <p:style>
-            <a:lnRef idx="1">
-              <a:schemeClr val="accent1"/>
-            </a:lnRef>
-            <a:fillRef idx="3">
-              <a:schemeClr val="accent1"/>
-            </a:fillRef>
-            <a:effectRef idx="2">
-              <a:schemeClr val="accent1"/>
-            </a:effectRef>
-            <a:fontRef idx="minor">
-              <a:schemeClr val="lt1"/>
-            </a:fontRef>
-          </p:style>
-        </p:sp>
-        <p:sp>
-          <p:nvSpPr>
-            <p:cNvPr id="29" name="Rectangle 27">
-              <a:extLst>
-                <a:ext uri="{FF2B5EF4-FFF2-40B4-BE49-F238E27FC236}">
-                  <a16:creationId xmlns:a16="http://schemas.microsoft.com/office/drawing/2014/main" id="{9D446EDE-C690-4461-8BF2-7634808FC8B4}"/>
-                </a:ext>
-                <a:ext uri="{C183D7F6-B498-43B3-948B-1728B52AA6E4}">
-                  <adec:decorative xmlns:adec="http://schemas.microsoft.com/office/drawing/2017/decorative" val="1"/>
-                </a:ext>
-              </a:extLst>
-            </p:cNvPr>
-            <p:cNvSpPr/>
-            <p:nvPr>
-              <p:extLst>
-                <p:ext uri="{386F3935-93C4-4BCD-93E2-E3B085C9AB24}">
-                  <p16:designElem xmlns:p16="http://schemas.microsoft.com/office/powerpoint/2015/main" val="1"/>
-                </p:ext>
-              </p:extLst>
-            </p:nvPr>
-          </p:nvSpPr>
-          <p:spPr>
-            <a:xfrm>
-              <a:off x="9334500" y="-8467"/>
-              <a:ext cx="2854326" cy="6866467"/>
-            </a:xfrm>
-            <a:custGeom>
-              <a:avLst/>
-              <a:gdLst/>
-              <a:ahLst/>
-              <a:cxnLst/>
-              <a:rect l="l" t="t" r="r" b="b"/>
-              <a:pathLst>
-                <a:path w="2858013" h="6866467">
-                  <a:moveTo>
-                    <a:pt x="0" y="0"/>
-                  </a:moveTo>
-                  <a:lnTo>
-                    <a:pt x="2858013" y="0"/>
-                  </a:lnTo>
-                  <a:lnTo>
-                    <a:pt x="2858013" y="6866467"/>
-                  </a:lnTo>
-                  <a:lnTo>
-                    <a:pt x="2473942" y="6866467"/>
-                  </a:lnTo>
-                  <a:lnTo>
-                    <a:pt x="0" y="0"/>
-                  </a:lnTo>
-                  <a:close/>
-                </a:path>
-              </a:pathLst>
-            </a:custGeom>
-            <a:solidFill>
-              <a:schemeClr val="accent2">
-                <a:lumMod val="75000"/>
-                <a:alpha val="70000"/>
-              </a:schemeClr>
-            </a:solidFill>
-            <a:ln>
-              <a:noFill/>
-            </a:ln>
-            <a:effectLst/>
-          </p:spPr>
-          <p:style>
-            <a:lnRef idx="1">
-              <a:schemeClr val="accent1"/>
-            </a:lnRef>
-            <a:fillRef idx="3">
-              <a:schemeClr val="accent1"/>
-            </a:fillRef>
-            <a:effectRef idx="2">
-              <a:schemeClr val="accent1"/>
-            </a:effectRef>
-            <a:fontRef idx="minor">
-              <a:schemeClr val="lt1"/>
-            </a:fontRef>
-          </p:style>
-        </p:sp>
-        <p:sp>
-          <p:nvSpPr>
-            <p:cNvPr id="30" name="Rectangle 28">
-              <a:extLst>
-                <a:ext uri="{FF2B5EF4-FFF2-40B4-BE49-F238E27FC236}">
-                  <a16:creationId xmlns:a16="http://schemas.microsoft.com/office/drawing/2014/main" id="{323F3D34-6531-4AD7-A8C6-195A090281A1}"/>
-                </a:ext>
-                <a:ext uri="{C183D7F6-B498-43B3-948B-1728B52AA6E4}">
-                  <adec:decorative xmlns:adec="http://schemas.microsoft.com/office/drawing/2017/decorative" val="1"/>
-                </a:ext>
-              </a:extLst>
-            </p:cNvPr>
-            <p:cNvSpPr/>
-            <p:nvPr>
-              <p:extLst>
-                <p:ext uri="{386F3935-93C4-4BCD-93E2-E3B085C9AB24}">
-                  <p16:designElem xmlns:p16="http://schemas.microsoft.com/office/powerpoint/2015/main" val="1"/>
-                </p:ext>
-              </p:extLst>
-            </p:nvPr>
-          </p:nvSpPr>
-          <p:spPr>
-            <a:xfrm>
-              <a:off x="10898730" y="-8467"/>
-              <a:ext cx="1290094" cy="6866467"/>
-            </a:xfrm>
-            <a:custGeom>
-              <a:avLst/>
-              <a:gdLst/>
-              <a:ahLst/>
-              <a:cxnLst/>
-              <a:rect l="l" t="t" r="r" b="b"/>
-              <a:pathLst>
-                <a:path w="1290094" h="6858000">
-                  <a:moveTo>
-                    <a:pt x="1019735" y="0"/>
-                  </a:moveTo>
-                  <a:lnTo>
-                    <a:pt x="1290094" y="0"/>
-                  </a:lnTo>
-                  <a:lnTo>
-                    <a:pt x="1290094" y="6858000"/>
-                  </a:lnTo>
-                  <a:lnTo>
-                    <a:pt x="0" y="6858000"/>
-                  </a:lnTo>
-                  <a:lnTo>
-                    <a:pt x="1019735" y="0"/>
-                  </a:lnTo>
-                  <a:close/>
-                </a:path>
-              </a:pathLst>
-            </a:custGeom>
-            <a:solidFill>
-              <a:schemeClr val="accent1">
-                <a:lumMod val="60000"/>
-                <a:lumOff val="40000"/>
-                <a:alpha val="70000"/>
-              </a:schemeClr>
-            </a:solidFill>
-            <a:ln>
-              <a:noFill/>
-            </a:ln>
-            <a:effectLst/>
-          </p:spPr>
-          <p:style>
-            <a:lnRef idx="1">
-              <a:schemeClr val="accent1"/>
-            </a:lnRef>
-            <a:fillRef idx="3">
-              <a:schemeClr val="accent1"/>
-            </a:fillRef>
-            <a:effectRef idx="2">
-              <a:schemeClr val="accent1"/>
-            </a:effectRef>
-            <a:fontRef idx="minor">
-              <a:schemeClr val="lt1"/>
-            </a:fontRef>
-          </p:style>
-        </p:sp>
-        <p:sp>
-          <p:nvSpPr>
-            <p:cNvPr id="31" name="Rectangle 29">
-              <a:extLst>
-                <a:ext uri="{FF2B5EF4-FFF2-40B4-BE49-F238E27FC236}">
-                  <a16:creationId xmlns:a16="http://schemas.microsoft.com/office/drawing/2014/main" id="{B9B0AE3F-2350-435F-A9B0-C310BF876385}"/>
-                </a:ext>
-                <a:ext uri="{C183D7F6-B498-43B3-948B-1728B52AA6E4}">
-                  <adec:decorative xmlns:adec="http://schemas.microsoft.com/office/drawing/2017/decorative" val="1"/>
-                </a:ext>
-              </a:extLst>
-            </p:cNvPr>
-            <p:cNvSpPr/>
-            <p:nvPr>
-              <p:extLst>
-                <p:ext uri="{386F3935-93C4-4BCD-93E2-E3B085C9AB24}">
-                  <p16:designElem xmlns:p16="http://schemas.microsoft.com/office/powerpoint/2015/main" val="1"/>
-                </p:ext>
-              </p:extLst>
-            </p:nvPr>
-          </p:nvSpPr>
-          <p:spPr>
-            <a:xfrm>
-              <a:off x="10938999" y="-8467"/>
-              <a:ext cx="1249825" cy="6866467"/>
-            </a:xfrm>
-            <a:custGeom>
-              <a:avLst/>
-              <a:gdLst/>
-              <a:ahLst/>
-              <a:cxnLst/>
-              <a:rect l="l" t="t" r="r" b="b"/>
-              <a:pathLst>
-                <a:path w="1249825" h="6858000">
-                  <a:moveTo>
-                    <a:pt x="0" y="0"/>
-                  </a:moveTo>
-                  <a:lnTo>
-                    <a:pt x="1249825" y="0"/>
-                  </a:lnTo>
-                  <a:lnTo>
-                    <a:pt x="1249825" y="6858000"/>
-                  </a:lnTo>
-                  <a:lnTo>
-                    <a:pt x="1109382" y="6858000"/>
-                  </a:lnTo>
-                  <a:lnTo>
-                    <a:pt x="0" y="0"/>
-                  </a:lnTo>
-                  <a:close/>
-                </a:path>
-              </a:pathLst>
-            </a:custGeom>
-            <a:solidFill>
-              <a:schemeClr val="accent1">
-                <a:alpha val="65000"/>
-              </a:schemeClr>
-            </a:solidFill>
-            <a:ln>
-              <a:noFill/>
-            </a:ln>
-            <a:effectLst/>
-          </p:spPr>
-          <p:style>
-            <a:lnRef idx="1">
-              <a:schemeClr val="accent1"/>
-            </a:lnRef>
-            <a:fillRef idx="3">
-              <a:schemeClr val="accent1"/>
-            </a:fillRef>
-            <a:effectRef idx="2">
-              <a:schemeClr val="accent1"/>
-            </a:effectRef>
-            <a:fontRef idx="minor">
-              <a:schemeClr val="lt1"/>
-            </a:fontRef>
-          </p:style>
-        </p:sp>
-        <p:sp>
-          <p:nvSpPr>
-            <p:cNvPr id="32" name="Isosceles Triangle 31">
-              <a:extLst>
-                <a:ext uri="{FF2B5EF4-FFF2-40B4-BE49-F238E27FC236}">
-                  <a16:creationId xmlns:a16="http://schemas.microsoft.com/office/drawing/2014/main" id="{4EFA655C-9E50-4C14-A89E-AD7B648E4E2B}"/>
-                </a:ext>
-                <a:ext uri="{C183D7F6-B498-43B3-948B-1728B52AA6E4}">
-                  <adec:decorative xmlns:adec="http://schemas.microsoft.com/office/drawing/2017/decorative" val="1"/>
-                </a:ext>
-              </a:extLst>
-            </p:cNvPr>
-            <p:cNvSpPr/>
-            <p:nvPr>
-              <p:extLst>
-                <p:ext uri="{386F3935-93C4-4BCD-93E2-E3B085C9AB24}">
-                  <p16:designElem xmlns:p16="http://schemas.microsoft.com/office/powerpoint/2015/main" val="1"/>
-                </p:ext>
-              </p:extLst>
-            </p:nvPr>
-          </p:nvSpPr>
-          <p:spPr>
-            <a:xfrm>
-              <a:off x="10371666" y="3589867"/>
-              <a:ext cx="1817159" cy="3268133"/>
-            </a:xfrm>
-            <a:prstGeom prst="triangle">
-              <a:avLst>
-                <a:gd name="adj" fmla="val 100000"/>
-              </a:avLst>
-            </a:prstGeom>
-            <a:solidFill>
-              <a:schemeClr val="accent1">
-                <a:alpha val="80000"/>
-              </a:schemeClr>
-            </a:solidFill>
-            <a:ln>
-              <a:noFill/>
-            </a:ln>
-            <a:effectLst/>
-          </p:spPr>
-          <p:style>
-            <a:lnRef idx="1">
-              <a:schemeClr val="accent1"/>
-            </a:lnRef>
-            <a:fillRef idx="3">
-              <a:schemeClr val="accent1"/>
-            </a:fillRef>
-            <a:effectRef idx="2">
-              <a:schemeClr val="accent1"/>
-            </a:effectRef>
-            <a:fontRef idx="minor">
-              <a:schemeClr val="lt1"/>
-            </a:fontRef>
-          </p:style>
-        </p:sp>
-        <p:sp>
-          <p:nvSpPr>
-            <p:cNvPr id="33" name="Isosceles Triangle 32">
-              <a:extLst>
-                <a:ext uri="{FF2B5EF4-FFF2-40B4-BE49-F238E27FC236}">
-                  <a16:creationId xmlns:a16="http://schemas.microsoft.com/office/drawing/2014/main" id="{3E843863-7D25-4C01-9A17-E817CB6D998A}"/>
-                </a:ext>
-                <a:ext uri="{C183D7F6-B498-43B3-948B-1728B52AA6E4}">
-                  <adec:decorative xmlns:adec="http://schemas.microsoft.com/office/drawing/2017/decorative" val="1"/>
-                </a:ext>
-              </a:extLst>
-            </p:cNvPr>
-            <p:cNvSpPr/>
-            <p:nvPr>
-              <p:extLst>
-                <p:ext uri="{386F3935-93C4-4BCD-93E2-E3B085C9AB24}">
-                  <p16:designElem xmlns:p16="http://schemas.microsoft.com/office/powerpoint/2015/main" val="1"/>
-                </p:ext>
-              </p:extLst>
-            </p:nvPr>
-          </p:nvSpPr>
-          <p:spPr>
-            <a:xfrm>
-              <a:off x="0" y="4013200"/>
-              <a:ext cx="448733" cy="2844800"/>
-            </a:xfrm>
-            <a:prstGeom prst="triangle">
-              <a:avLst>
-                <a:gd name="adj" fmla="val 0"/>
-              </a:avLst>
-            </a:prstGeom>
-            <a:solidFill>
-              <a:schemeClr val="accent1">
-                <a:alpha val="85000"/>
-              </a:schemeClr>
-            </a:solidFill>
-            <a:ln>
-              <a:noFill/>
-            </a:ln>
-            <a:effectLst/>
-          </p:spPr>
-          <p:style>
-            <a:lnRef idx="1">
-              <a:schemeClr val="accent1"/>
-            </a:lnRef>
-            <a:fillRef idx="3">
-              <a:schemeClr val="accent1"/>
-            </a:fillRef>
-            <a:effectRef idx="2">
-              <a:schemeClr val="accent1"/>
-            </a:effectRef>
-            <a:fontRef idx="minor">
-              <a:schemeClr val="lt1"/>
-            </a:fontRef>
-          </p:style>
-        </p:sp>
-      </p:grpSp>
-      <p:sp>
-        <p:nvSpPr>
-          <p:cNvPr id="40" name="Rectangle 34">
-            <a:extLst>
-              <a:ext uri="{FF2B5EF4-FFF2-40B4-BE49-F238E27FC236}">
-                <a16:creationId xmlns:a16="http://schemas.microsoft.com/office/drawing/2014/main" id="{7941F9B1-B01B-4A84-89D9-B169AEB4E456}"/>
-              </a:ext>
-              <a:ext uri="{C183D7F6-B498-43B3-948B-1728B52AA6E4}">
-                <adec:decorative xmlns:adec="http://schemas.microsoft.com/office/drawing/2017/decorative" val="1"/>
-              </a:ext>
-            </a:extLst>
-          </p:cNvPr>
-          <p:cNvSpPr>
-            <a:spLocks noGrp="1" noRot="1" noChangeAspect="1" noMove="1" noResize="1" noEditPoints="1" noAdjustHandles="1" noChangeArrowheads="1" noChangeShapeType="1" noTextEdit="1"/>
-          </p:cNvSpPr>
-          <p:nvPr>
-            <p:extLst>
-              <p:ext uri="{386F3935-93C4-4BCD-93E2-E3B085C9AB24}">
-                <p16:designElem xmlns:p16="http://schemas.microsoft.com/office/powerpoint/2015/main" val="1"/>
-              </p:ext>
-            </p:extLst>
-          </p:nvPr>
-        </p:nvSpPr>
-        <p:spPr>
-          <a:xfrm>
-            <a:off x="477012" y="480060"/>
-            <a:ext cx="11237976" cy="5897880"/>
-          </a:xfrm>
-          <a:prstGeom prst="rect">
-            <a:avLst/>
-          </a:prstGeom>
-          <a:solidFill>
-            <a:srgbClr val="FFFFFF"/>
-          </a:solidFill>
-          <a:ln w="9525">
-            <a:noFill/>
-          </a:ln>
-          <a:effectLst>
-            <a:outerShdw blurRad="63500" dist="17780" dir="5400000" algn="t" rotWithShape="0">
-              <a:prstClr val="black">
-                <a:alpha val="43000"/>
-              </a:prstClr>
-            </a:outerShdw>
-          </a:effectLst>
-        </p:spPr>
-        <p:style>
-          <a:lnRef idx="2">
-            <a:schemeClr val="accent1">
-              <a:shade val="50000"/>
-            </a:schemeClr>
-          </a:lnRef>
-          <a:fillRef idx="1">
-            <a:schemeClr val="accent1"/>
-          </a:fillRef>
-          <a:effectRef idx="0">
-            <a:schemeClr val="accent1"/>
-          </a:effectRef>
-          <a:fontRef idx="minor">
-            <a:schemeClr val="lt1"/>
-          </a:fontRef>
-        </p:style>
-        <p:txBody>
-          <a:bodyPr rtlCol="0" anchor="ctr"/>
-          <a:lstStyle/>
-          <a:p>
-            <a:pPr algn="ctr"/>
-            <a:endParaRPr lang="en-US"/>
-          </a:p>
-        </p:txBody>
-      </p:sp>
-      <p:pic>
-        <p:nvPicPr>
-          <p:cNvPr id="5" name="Segnaposto contenuto 4">
-            <a:extLst>
-              <a:ext uri="{FF2B5EF4-FFF2-40B4-BE49-F238E27FC236}">
-                <a16:creationId xmlns:a16="http://schemas.microsoft.com/office/drawing/2014/main" id="{2B1AA894-96E6-453E-A6C5-1DFFAE11A3AE}"/>
-              </a:ext>
-            </a:extLst>
-          </p:cNvPr>
-          <p:cNvPicPr>
-            <a:picLocks noGrp="1" noChangeAspect="1"/>
-          </p:cNvPicPr>
-          <p:nvPr>
-            <p:ph idx="1"/>
-          </p:nvPr>
-        </p:nvPicPr>
-        <p:blipFill>
-          <a:blip r:embed="rId2">
-            <a:extLst>
-              <a:ext uri="{28A0092B-C50C-407E-A947-70E740481C1C}">
-                <a14:useLocalDpi xmlns:a14="http://schemas.microsoft.com/office/drawing/2010/main" val="0"/>
-              </a:ext>
-            </a:extLst>
-          </a:blip>
-          <a:stretch>
-            <a:fillRect/>
-          </a:stretch>
-        </p:blipFill>
-        <p:spPr>
-          <a:xfrm>
-            <a:off x="1942743" y="1131994"/>
-            <a:ext cx="8308390" cy="4590386"/>
-          </a:xfrm>
-          <a:prstGeom prst="rect">
-            <a:avLst/>
-          </a:prstGeom>
-        </p:spPr>
-      </p:pic>
-    </p:spTree>
-    <p:extLst>
-      <p:ext uri="{BB962C8B-B14F-4D97-AF65-F5344CB8AC3E}">
-        <p14:creationId xmlns:p14="http://schemas.microsoft.com/office/powerpoint/2010/main" val="3701905229"/>
-      </p:ext>
-    </p:extLst>
-  </p:cSld>
-  <p:clrMapOvr>
-    <a:masterClrMapping/>
-  </p:clrMapOvr>
-</p:sld>
-</file>
-
-<file path=ppt/slides/slide40.xml><?xml version="1.0" encoding="utf-8"?>
+<file path=ppt/slides/slide41.xml><?xml version="1.0" encoding="utf-8"?>
 <p:sld xmlns:a="http://schemas.openxmlformats.org/drawingml/2006/main" xmlns:r="http://schemas.openxmlformats.org/officeDocument/2006/relationships" xmlns:p="http://schemas.openxmlformats.org/presentationml/2006/main">
   <p:cSld>
     <p:bg>
@@ -44753,7 +44853,7 @@
 </p:sld>
 </file>
 
-<file path=ppt/slides/slide41.xml><?xml version="1.0" encoding="utf-8"?>
+<file path=ppt/slides/slide42.xml><?xml version="1.0" encoding="utf-8"?>
 <p:sld xmlns:a="http://schemas.openxmlformats.org/drawingml/2006/main" xmlns:r="http://schemas.openxmlformats.org/officeDocument/2006/relationships" xmlns:p="http://schemas.openxmlformats.org/presentationml/2006/main">
   <p:cSld>
     <p:bg>
@@ -45834,7 +45934,7 @@
 </p:sld>
 </file>
 
-<file path=ppt/slides/slide42.xml><?xml version="1.0" encoding="utf-8"?>
+<file path=ppt/slides/slide43.xml><?xml version="1.0" encoding="utf-8"?>
 <p:sld xmlns:a="http://schemas.openxmlformats.org/drawingml/2006/main" xmlns:r="http://schemas.openxmlformats.org/officeDocument/2006/relationships" xmlns:p="http://schemas.openxmlformats.org/presentationml/2006/main">
   <p:cSld>
     <p:bg>
@@ -47280,7 +47380,7 @@
 </p:sld>
 </file>
 
-<file path=ppt/slides/slide43.xml><?xml version="1.0" encoding="utf-8"?>
+<file path=ppt/slides/slide44.xml><?xml version="1.0" encoding="utf-8"?>
 <p:sld xmlns:a="http://schemas.openxmlformats.org/drawingml/2006/main" xmlns:r="http://schemas.openxmlformats.org/officeDocument/2006/relationships" xmlns:p="http://schemas.openxmlformats.org/presentationml/2006/main">
   <p:cSld>
     <p:spTree>
@@ -47771,7 +47871,7 @@
             <a:pPr algn="ctr"/>
             <a:r>
               <a:rPr lang="en-US" sz="4000" dirty="0"/>
-              <a:t>Conclusions (1)</a:t>
+              <a:t>Conclusions (1/2)</a:t>
             </a:r>
             <a:endParaRPr lang="en-US" sz="2900" dirty="0"/>
           </a:p>
@@ -47790,7 +47890,7 @@
 </p:sld>
 </file>
 
-<file path=ppt/slides/slide44.xml><?xml version="1.0" encoding="utf-8"?>
+<file path=ppt/slides/slide45.xml><?xml version="1.0" encoding="utf-8"?>
 <p:sld xmlns:a="http://schemas.openxmlformats.org/drawingml/2006/main" xmlns:r="http://schemas.openxmlformats.org/officeDocument/2006/relationships" xmlns:p="http://schemas.openxmlformats.org/presentationml/2006/main">
   <p:cSld>
     <p:spTree>
@@ -48258,7 +48358,11 @@
             <a:pPr algn="ctr"/>
             <a:r>
               <a:rPr lang="en-US" sz="4000" dirty="0"/>
-              <a:t>Conclusions (2)</a:t>
+              <a:t>Conclusions </a:t>
+            </a:r>
+            <a:r>
+              <a:rPr lang="en-US" sz="4000"/>
+              <a:t>(2/2)</a:t>
             </a:r>
             <a:endParaRPr lang="en-US" sz="2900" dirty="0"/>
           </a:p>
@@ -48307,7 +48411,7 @@
 </p:sld>
 </file>
 
-<file path=ppt/slides/slide45.xml><?xml version="1.0" encoding="utf-8"?>
+<file path=ppt/slides/slide46.xml><?xml version="1.0" encoding="utf-8"?>
 <p:sld xmlns:a="http://schemas.openxmlformats.org/drawingml/2006/main" xmlns:r="http://schemas.openxmlformats.org/officeDocument/2006/relationships" xmlns:p="http://schemas.openxmlformats.org/presentationml/2006/main">
   <p:cSld>
     <p:bg>
@@ -51841,7 +51945,7 @@
             </a:r>
             <a:r>
               <a:rPr lang="it-IT" dirty="0"/>
-              <a:t> file (1) - MySQL</a:t>
+              <a:t> file (1/2) - MySQL</a:t>
             </a:r>
           </a:p>
         </p:txBody>

--- a/silde/slide.pptx
+++ b/silde/slide.pptx
@@ -27515,6 +27515,10 @@
               <a:rPr lang="it-IT" dirty="0" err="1"/>
               <a:t>balancer</a:t>
             </a:r>
+            <a:r>
+              <a:rPr lang="it-IT"/>
+              <a:t>;</a:t>
+            </a:r>
             <a:endParaRPr lang="it-IT" dirty="0"/>
           </a:p>
           <a:p>

--- a/silde/slide.pptx
+++ b/silde/slide.pptx
@@ -36567,7 +36567,7 @@
         </p:blipFill>
         <p:spPr>
           <a:xfrm>
-            <a:off x="9228102" y="1118210"/>
+            <a:off x="8869361" y="1126935"/>
             <a:ext cx="2483779" cy="2483779"/>
           </a:xfrm>
           <a:prstGeom prst="rect">
@@ -36603,7 +36603,7 @@
         </p:blipFill>
         <p:spPr>
           <a:xfrm>
-            <a:off x="3138654" y="1156365"/>
+            <a:off x="2929259" y="1106089"/>
             <a:ext cx="2483778" cy="2483778"/>
           </a:xfrm>
           <a:prstGeom prst="rect">
@@ -36639,7 +36639,7 @@
         </p:blipFill>
         <p:spPr>
           <a:xfrm>
-            <a:off x="6183378" y="1126935"/>
+            <a:off x="5899310" y="1126935"/>
             <a:ext cx="2483778" cy="2483778"/>
           </a:xfrm>
           <a:prstGeom prst="rect">
@@ -36675,7 +36675,7 @@
         </p:blipFill>
         <p:spPr>
           <a:xfrm>
-            <a:off x="211668" y="1128683"/>
+            <a:off x="0" y="1126936"/>
             <a:ext cx="2483777" cy="2483777"/>
           </a:xfrm>
           <a:prstGeom prst="rect">
@@ -37648,7 +37648,7 @@
         </p:blipFill>
         <p:spPr>
           <a:xfrm>
-            <a:off x="9267956" y="1300133"/>
+            <a:off x="9178302" y="1300131"/>
             <a:ext cx="2483779" cy="2483779"/>
           </a:xfrm>
           <a:prstGeom prst="rect">
@@ -37684,7 +37684,7 @@
         </p:blipFill>
         <p:spPr>
           <a:xfrm>
-            <a:off x="6161306" y="1368182"/>
+            <a:off x="6190805" y="1300133"/>
             <a:ext cx="2483778" cy="2483778"/>
           </a:xfrm>
           <a:prstGeom prst="rect">
@@ -37720,7 +37720,7 @@
         </p:blipFill>
         <p:spPr>
           <a:xfrm>
-            <a:off x="3066511" y="1368182"/>
+            <a:off x="3179963" y="1300133"/>
             <a:ext cx="2483778" cy="2483778"/>
           </a:xfrm>
           <a:prstGeom prst="rect">
@@ -37756,7 +37756,7 @@
         </p:blipFill>
         <p:spPr>
           <a:xfrm>
-            <a:off x="317557" y="1300133"/>
+            <a:off x="198622" y="1300133"/>
             <a:ext cx="2483777" cy="2483777"/>
           </a:xfrm>
           <a:prstGeom prst="rect">
@@ -38730,7 +38730,7 @@
         </p:blipFill>
         <p:spPr>
           <a:xfrm>
-            <a:off x="6369830" y="1297604"/>
+            <a:off x="6372042" y="967630"/>
             <a:ext cx="2483779" cy="2483779"/>
           </a:xfrm>
           <a:prstGeom prst="rect">
@@ -38766,7 +38766,7 @@
         </p:blipFill>
         <p:spPr>
           <a:xfrm>
-            <a:off x="3328398" y="1106089"/>
+            <a:off x="3184914" y="1044109"/>
             <a:ext cx="2483778" cy="2483778"/>
           </a:xfrm>
           <a:prstGeom prst="rect">
@@ -38802,7 +38802,7 @@
         </p:blipFill>
         <p:spPr>
           <a:xfrm>
-            <a:off x="9348323" y="1297604"/>
+            <a:off x="9532270" y="1000623"/>
             <a:ext cx="2483778" cy="2483778"/>
           </a:xfrm>
           <a:prstGeom prst="rect">
@@ -38838,7 +38838,7 @@
         </p:blipFill>
         <p:spPr>
           <a:xfrm>
-            <a:off x="317557" y="1044111"/>
+            <a:off x="0" y="1044110"/>
             <a:ext cx="2483777" cy="2483777"/>
           </a:xfrm>
           <a:prstGeom prst="rect">
@@ -39812,7 +39812,7 @@
         </p:blipFill>
         <p:spPr>
           <a:xfrm>
-            <a:off x="2898205" y="1223932"/>
+            <a:off x="2898205" y="1101855"/>
             <a:ext cx="2483779" cy="2483779"/>
           </a:xfrm>
           <a:prstGeom prst="rect">
@@ -39848,7 +39848,7 @@
         </p:blipFill>
         <p:spPr>
           <a:xfrm>
-            <a:off x="9443261" y="1101856"/>
+            <a:off x="9485351" y="1044110"/>
             <a:ext cx="2483778" cy="2483778"/>
           </a:xfrm>
           <a:prstGeom prst="rect">
@@ -39884,7 +39884,7 @@
         </p:blipFill>
         <p:spPr>
           <a:xfrm>
-            <a:off x="6134927" y="1101856"/>
+            <a:off x="6159467" y="1044110"/>
             <a:ext cx="2483778" cy="2483778"/>
           </a:xfrm>
           <a:prstGeom prst="rect">
@@ -39920,7 +39920,7 @@
         </p:blipFill>
         <p:spPr>
           <a:xfrm>
-            <a:off x="29419" y="1106090"/>
+            <a:off x="0" y="1044111"/>
             <a:ext cx="2483777" cy="2483777"/>
           </a:xfrm>
           <a:prstGeom prst="rect">
@@ -40894,7 +40894,7 @@
         </p:blipFill>
         <p:spPr>
           <a:xfrm>
-            <a:off x="9600268" y="1106089"/>
+            <a:off x="9178300" y="1117266"/>
             <a:ext cx="2483779" cy="2483779"/>
           </a:xfrm>
           <a:prstGeom prst="rect">
@@ -40930,7 +40930,7 @@
         </p:blipFill>
         <p:spPr>
           <a:xfrm>
-            <a:off x="6600804" y="1106089"/>
+            <a:off x="6018509" y="1117266"/>
             <a:ext cx="2483778" cy="2483778"/>
           </a:xfrm>
           <a:prstGeom prst="rect">
@@ -40966,7 +40966,7 @@
         </p:blipFill>
         <p:spPr>
           <a:xfrm>
-            <a:off x="3372828" y="1106089"/>
+            <a:off x="3007667" y="1117266"/>
             <a:ext cx="2483778" cy="2483778"/>
           </a:xfrm>
           <a:prstGeom prst="rect">
@@ -41002,7 +41002,7 @@
         </p:blipFill>
         <p:spPr>
           <a:xfrm>
-            <a:off x="468505" y="1044111"/>
+            <a:off x="-3174" y="966086"/>
             <a:ext cx="2483777" cy="2483777"/>
           </a:xfrm>
           <a:prstGeom prst="rect">
@@ -43526,7 +43526,7 @@
         </p:blipFill>
         <p:spPr>
           <a:xfrm>
-            <a:off x="9339199" y="1241888"/>
+            <a:off x="9320276" y="1241889"/>
             <a:ext cx="2483779" cy="2483779"/>
           </a:xfrm>
           <a:prstGeom prst="rect">
@@ -43562,7 +43562,7 @@
         </p:blipFill>
         <p:spPr>
           <a:xfrm>
-            <a:off x="3536061" y="1106089"/>
+            <a:off x="3190352" y="1241889"/>
             <a:ext cx="2483778" cy="2483778"/>
           </a:xfrm>
           <a:prstGeom prst="rect">
@@ -43598,7 +43598,7 @@
         </p:blipFill>
         <p:spPr>
           <a:xfrm>
-            <a:off x="6546903" y="1241890"/>
+            <a:off x="6185914" y="1241889"/>
             <a:ext cx="2483778" cy="2483778"/>
           </a:xfrm>
           <a:prstGeom prst="rect">
@@ -44607,7 +44607,7 @@
         </p:blipFill>
         <p:spPr>
           <a:xfrm>
-            <a:off x="9502582" y="889976"/>
+            <a:off x="9542495" y="804721"/>
             <a:ext cx="2483779" cy="2776399"/>
           </a:xfrm>
           <a:prstGeom prst="rect">
@@ -44642,7 +44642,7 @@
         </p:blipFill>
         <p:spPr>
           <a:xfrm>
-            <a:off x="6246092" y="893427"/>
+            <a:off x="6203078" y="804721"/>
             <a:ext cx="2483778" cy="2785146"/>
           </a:xfrm>
           <a:prstGeom prst="rect">
@@ -44677,7 +44677,7 @@
         </p:blipFill>
         <p:spPr>
           <a:xfrm>
-            <a:off x="3133629" y="886086"/>
+            <a:off x="3133629" y="805690"/>
             <a:ext cx="2483778" cy="2784178"/>
           </a:xfrm>
           <a:prstGeom prst="rect">
@@ -45685,7 +45685,7 @@
         </p:blipFill>
         <p:spPr>
           <a:xfrm>
-            <a:off x="9519773" y="1166781"/>
+            <a:off x="9519773" y="1106087"/>
             <a:ext cx="2483779" cy="2483779"/>
           </a:xfrm>
           <a:prstGeom prst="rect">
@@ -45721,7 +45721,7 @@
         </p:blipFill>
         <p:spPr>
           <a:xfrm>
-            <a:off x="6434166" y="1326103"/>
+            <a:off x="6445381" y="1166781"/>
             <a:ext cx="2483778" cy="2483778"/>
           </a:xfrm>
           <a:prstGeom prst="rect">
@@ -45757,7 +45757,7 @@
         </p:blipFill>
         <p:spPr>
           <a:xfrm>
-            <a:off x="3224278" y="1326103"/>
+            <a:off x="3218670" y="1170682"/>
             <a:ext cx="2483778" cy="2483778"/>
           </a:xfrm>
           <a:prstGeom prst="rect">
@@ -45793,7 +45793,7 @@
         </p:blipFill>
         <p:spPr>
           <a:xfrm>
-            <a:off x="92857" y="1166783"/>
+            <a:off x="3176" y="1166781"/>
             <a:ext cx="2483777" cy="2483777"/>
           </a:xfrm>
           <a:prstGeom prst="rect">

--- a/silde/slide.pptx
+++ b/silde/slide.pptx
@@ -4160,7 +4160,7 @@
         <a:p>
           <a:r>
             <a:rPr lang="it-IT" dirty="0" err="1"/>
-            <a:t>wordcloud</a:t>
+            <a:t>Wordcloud</a:t>
           </a:r>
           <a:r>
             <a:rPr lang="it-IT" dirty="0"/>
@@ -4225,7 +4225,11 @@
           </a:r>
           <a:r>
             <a:rPr lang="it-IT" dirty="0"/>
-            <a:t> of ELABORATION.PY (NTLK)</a:t>
+            <a:t> of ELABORATION.PY </a:t>
+          </a:r>
+          <a:r>
+            <a:rPr lang="it-IT"/>
+            <a:t>(NLTK)</a:t>
           </a:r>
           <a:endParaRPr lang="en-US" dirty="0"/>
         </a:p>
@@ -7139,7 +7143,7 @@
           </a:pPr>
           <a:r>
             <a:rPr lang="it-IT" sz="1400" kern="1200" dirty="0" err="1"/>
-            <a:t>wordcloud</a:t>
+            <a:t>Wordcloud</a:t>
           </a:r>
           <a:r>
             <a:rPr lang="it-IT" sz="1400" kern="1200" dirty="0"/>
@@ -7360,7 +7364,11 @@
           </a:r>
           <a:r>
             <a:rPr lang="it-IT" sz="1400" kern="1200" dirty="0"/>
-            <a:t> of ELABORATION.PY (NTLK)</a:t>
+            <a:t> of ELABORATION.PY </a:t>
+          </a:r>
+          <a:r>
+            <a:rPr lang="it-IT" sz="1400" kern="1200"/>
+            <a:t>(NLTK)</a:t>
           </a:r>
           <a:endParaRPr lang="en-US" sz="1400" kern="1200" dirty="0"/>
         </a:p>
@@ -15556,7 +15564,7 @@
           <a:p>
             <a:fld id="{F62949A3-00FA-41A1-BCFC-94B38994B861}" type="datetimeFigureOut">
               <a:rPr lang="it-IT" smtClean="0"/>
-              <a:t>20/05/2020</a:t>
+              <a:t>23/05/2020</a:t>
             </a:fld>
             <a:endParaRPr lang="it-IT"/>
           </a:p>
@@ -15807,7 +15815,7 @@
           <a:p>
             <a:fld id="{F62949A3-00FA-41A1-BCFC-94B38994B861}" type="datetimeFigureOut">
               <a:rPr lang="it-IT" smtClean="0"/>
-              <a:t>20/05/2020</a:t>
+              <a:t>23/05/2020</a:t>
             </a:fld>
             <a:endParaRPr lang="it-IT"/>
           </a:p>
@@ -16121,7 +16129,7 @@
           <a:p>
             <a:fld id="{F62949A3-00FA-41A1-BCFC-94B38994B861}" type="datetimeFigureOut">
               <a:rPr lang="it-IT" smtClean="0"/>
-              <a:t>20/05/2020</a:t>
+              <a:t>23/05/2020</a:t>
             </a:fld>
             <a:endParaRPr lang="it-IT"/>
           </a:p>
@@ -16462,7 +16470,7 @@
           <a:p>
             <a:fld id="{F62949A3-00FA-41A1-BCFC-94B38994B861}" type="datetimeFigureOut">
               <a:rPr lang="it-IT" smtClean="0"/>
-              <a:t>20/05/2020</a:t>
+              <a:t>23/05/2020</a:t>
             </a:fld>
             <a:endParaRPr lang="it-IT"/>
           </a:p>
@@ -16776,7 +16784,7 @@
           <a:p>
             <a:fld id="{F62949A3-00FA-41A1-BCFC-94B38994B861}" type="datetimeFigureOut">
               <a:rPr lang="it-IT" smtClean="0"/>
-              <a:t>20/05/2020</a:t>
+              <a:t>23/05/2020</a:t>
             </a:fld>
             <a:endParaRPr lang="it-IT"/>
           </a:p>
@@ -17169,7 +17177,7 @@
           <a:p>
             <a:fld id="{F62949A3-00FA-41A1-BCFC-94B38994B861}" type="datetimeFigureOut">
               <a:rPr lang="it-IT" smtClean="0"/>
-              <a:t>20/05/2020</a:t>
+              <a:t>23/05/2020</a:t>
             </a:fld>
             <a:endParaRPr lang="it-IT"/>
           </a:p>
@@ -17339,7 +17347,7 @@
           <a:p>
             <a:fld id="{F62949A3-00FA-41A1-BCFC-94B38994B861}" type="datetimeFigureOut">
               <a:rPr lang="it-IT" smtClean="0"/>
-              <a:t>20/05/2020</a:t>
+              <a:t>23/05/2020</a:t>
             </a:fld>
             <a:endParaRPr lang="it-IT"/>
           </a:p>
@@ -17519,7 +17527,7 @@
           <a:p>
             <a:fld id="{F62949A3-00FA-41A1-BCFC-94B38994B861}" type="datetimeFigureOut">
               <a:rPr lang="it-IT" smtClean="0"/>
-              <a:t>20/05/2020</a:t>
+              <a:t>23/05/2020</a:t>
             </a:fld>
             <a:endParaRPr lang="it-IT"/>
           </a:p>
@@ -17695,7 +17703,7 @@
           <a:p>
             <a:fld id="{F62949A3-00FA-41A1-BCFC-94B38994B861}" type="datetimeFigureOut">
               <a:rPr lang="it-IT" smtClean="0"/>
-              <a:t>20/05/2020</a:t>
+              <a:t>23/05/2020</a:t>
             </a:fld>
             <a:endParaRPr lang="it-IT"/>
           </a:p>
@@ -17942,7 +17950,7 @@
           <a:p>
             <a:fld id="{F62949A3-00FA-41A1-BCFC-94B38994B861}" type="datetimeFigureOut">
               <a:rPr lang="it-IT" smtClean="0"/>
-              <a:t>20/05/2020</a:t>
+              <a:t>23/05/2020</a:t>
             </a:fld>
             <a:endParaRPr lang="it-IT"/>
           </a:p>
@@ -18174,7 +18182,7 @@
           <a:p>
             <a:fld id="{F62949A3-00FA-41A1-BCFC-94B38994B861}" type="datetimeFigureOut">
               <a:rPr lang="it-IT" smtClean="0"/>
-              <a:t>20/05/2020</a:t>
+              <a:t>23/05/2020</a:t>
             </a:fld>
             <a:endParaRPr lang="it-IT"/>
           </a:p>
@@ -18548,7 +18556,7 @@
           <a:p>
             <a:fld id="{F62949A3-00FA-41A1-BCFC-94B38994B861}" type="datetimeFigureOut">
               <a:rPr lang="it-IT" smtClean="0"/>
-              <a:t>20/05/2020</a:t>
+              <a:t>23/05/2020</a:t>
             </a:fld>
             <a:endParaRPr lang="it-IT"/>
           </a:p>
@@ -18671,7 +18679,7 @@
           <a:p>
             <a:fld id="{F62949A3-00FA-41A1-BCFC-94B38994B861}" type="datetimeFigureOut">
               <a:rPr lang="it-IT" smtClean="0"/>
-              <a:t>20/05/2020</a:t>
+              <a:t>23/05/2020</a:t>
             </a:fld>
             <a:endParaRPr lang="it-IT"/>
           </a:p>
@@ -18766,7 +18774,7 @@
           <a:p>
             <a:fld id="{F62949A3-00FA-41A1-BCFC-94B38994B861}" type="datetimeFigureOut">
               <a:rPr lang="it-IT" smtClean="0"/>
-              <a:t>20/05/2020</a:t>
+              <a:t>23/05/2020</a:t>
             </a:fld>
             <a:endParaRPr lang="it-IT"/>
           </a:p>
@@ -19021,7 +19029,7 @@
           <a:p>
             <a:fld id="{F62949A3-00FA-41A1-BCFC-94B38994B861}" type="datetimeFigureOut">
               <a:rPr lang="it-IT" smtClean="0"/>
-              <a:t>20/05/2020</a:t>
+              <a:t>23/05/2020</a:t>
             </a:fld>
             <a:endParaRPr lang="it-IT"/>
           </a:p>
@@ -19284,7 +19292,7 @@
           <a:p>
             <a:fld id="{F62949A3-00FA-41A1-BCFC-94B38994B861}" type="datetimeFigureOut">
               <a:rPr lang="it-IT" smtClean="0"/>
-              <a:t>20/05/2020</a:t>
+              <a:t>23/05/2020</a:t>
             </a:fld>
             <a:endParaRPr lang="it-IT"/>
           </a:p>
@@ -20027,7 +20035,7 @@
           <a:p>
             <a:fld id="{F62949A3-00FA-41A1-BCFC-94B38994B861}" type="datetimeFigureOut">
               <a:rPr lang="it-IT" smtClean="0"/>
-              <a:t>20/05/2020</a:t>
+              <a:t>23/05/2020</a:t>
             </a:fld>
             <a:endParaRPr lang="it-IT"/>
           </a:p>
@@ -51802,7 +51810,7 @@
             <p:ph idx="1"/>
             <p:extLst>
               <p:ext uri="{D42A27DB-BD31-4B8C-83A1-F6EECF244321}">
-                <p14:modId xmlns:p14="http://schemas.microsoft.com/office/powerpoint/2010/main" val="3217258832"/>
+                <p14:modId xmlns:p14="http://schemas.microsoft.com/office/powerpoint/2010/main" val="1686267696"/>
               </p:ext>
             </p:extLst>
           </p:nvPr>

--- a/silde/slide.pptx
+++ b/silde/slide.pptx
@@ -5586,7 +5586,31 @@
         <a:p>
           <a:r>
             <a:rPr lang="en-US" dirty="0"/>
-            <a:t>INPUT: «select sum from DB» </a:t>
+            <a:t>INPUT: «select sum from </a:t>
+          </a:r>
+          <a:r>
+            <a:rPr lang="en-US"/>
+            <a:t>DB_NAME where </a:t>
+          </a:r>
+          <a:r>
+            <a:rPr lang="en-US" dirty="0"/>
+            <a:t>(</a:t>
+          </a:r>
+          <a:r>
+            <a:rPr lang="en-US" dirty="0" err="1"/>
+            <a:t>emo_sn</a:t>
+          </a:r>
+          <a:r>
+            <a:rPr lang="en-US" dirty="0"/>
+            <a:t> = 1 or </a:t>
+          </a:r>
+          <a:r>
+            <a:rPr lang="en-US" dirty="0" err="1"/>
+            <a:t>nrc</a:t>
+          </a:r>
+          <a:r>
+            <a:rPr lang="en-US" dirty="0"/>
+            <a:t> = 1)»</a:t>
           </a:r>
           <a:endParaRPr lang="it-IT" dirty="0"/>
         </a:p>
@@ -5604,42 +5628,6 @@
       </dgm:t>
     </dgm:pt>
     <dgm:pt modelId="{DDE568FB-B73E-4523-8451-C2A79C8675C0}" type="sibTrans" cxnId="{D76E671C-5224-4AB1-BCDB-42D0FBE0785F}">
-      <dgm:prSet/>
-      <dgm:spPr/>
-      <dgm:t>
-        <a:bodyPr/>
-        <a:lstStyle/>
-        <a:p>
-          <a:endParaRPr lang="it-IT"/>
-        </a:p>
-      </dgm:t>
-    </dgm:pt>
-    <dgm:pt modelId="{EA640496-8F4C-4D62-948C-9C8DE0C4F97F}">
-      <dgm:prSet/>
-      <dgm:spPr/>
-      <dgm:t>
-        <a:bodyPr/>
-        <a:lstStyle/>
-        <a:p>
-          <a:r>
-            <a:rPr lang="it-IT" dirty="0"/>
-            <a:t>average calculation</a:t>
-          </a:r>
-        </a:p>
-      </dgm:t>
-    </dgm:pt>
-    <dgm:pt modelId="{70426FE2-A39E-4108-8D4C-5E7D2C08D252}" type="parTrans" cxnId="{CEF63D31-4127-4B3C-8B48-CFC2E3338FF1}">
-      <dgm:prSet/>
-      <dgm:spPr/>
-      <dgm:t>
-        <a:bodyPr/>
-        <a:lstStyle/>
-        <a:p>
-          <a:endParaRPr lang="it-IT"/>
-        </a:p>
-      </dgm:t>
-    </dgm:pt>
-    <dgm:pt modelId="{F283DC93-499C-4145-AB8A-BC463612575A}" type="sibTrans" cxnId="{CEF63D31-4127-4B3C-8B48-CFC2E3338FF1}">
       <dgm:prSet/>
       <dgm:spPr/>
       <dgm:t>
@@ -5887,6 +5875,37 @@
       <dgm:prSet/>
       <dgm:spPr/>
     </dgm:pt>
+    <dgm:pt modelId="{9E3803C5-E3A9-4969-80D6-6260A506F97D}">
+      <dgm:prSet/>
+      <dgm:spPr/>
+      <dgm:t>
+        <a:bodyPr/>
+        <a:lstStyle/>
+        <a:p>
+          <a:r>
+            <a:rPr lang="it-IT" dirty="0" err="1"/>
+            <a:t>average</a:t>
+          </a:r>
+          <a:r>
+            <a:rPr lang="it-IT" dirty="0"/>
+            <a:t> </a:t>
+          </a:r>
+          <a:r>
+            <a:rPr lang="it-IT" dirty="0" err="1"/>
+            <a:t>calculation</a:t>
+          </a:r>
+          <a:endParaRPr lang="it-IT" dirty="0"/>
+        </a:p>
+      </dgm:t>
+    </dgm:pt>
+    <dgm:pt modelId="{AFD76D13-5F2E-4C95-8822-525848FF1A76}" type="parTrans" cxnId="{0FCD8053-9180-43BF-B542-5759D396DDB9}">
+      <dgm:prSet/>
+      <dgm:spPr/>
+    </dgm:pt>
+    <dgm:pt modelId="{7717EA56-A54A-469D-AE7C-7250BB82B1E2}" type="sibTrans" cxnId="{0FCD8053-9180-43BF-B542-5759D396DDB9}">
+      <dgm:prSet/>
+      <dgm:spPr/>
+    </dgm:pt>
     <dgm:pt modelId="{E934927D-F811-4C2F-8F0B-4CA41ED1AFA1}" type="pres">
       <dgm:prSet presAssocID="{C7903D27-9364-4998-9057-5CE3C072DA22}" presName="Name0" presStyleCnt="0">
         <dgm:presLayoutVars>
@@ -5950,12 +5969,13 @@
     <dgm:cxn modelId="{FE474112-7D56-4285-813A-015E36532B32}" type="presOf" srcId="{31FEFBF7-9119-4535-8609-1C366F2A19C9}" destId="{DEF7CD21-42B7-4738-866B-23755B3888BC}" srcOrd="0" destOrd="3" presId="urn:microsoft.com/office/officeart/2005/8/layout/vList5"/>
     <dgm:cxn modelId="{C7C7F914-C15B-406E-84EB-4BFB8D9FD668}" srcId="{C7903D27-9364-4998-9057-5CE3C072DA22}" destId="{F1CE112A-07E6-4B4B-9573-62E1A6BC0045}" srcOrd="1" destOrd="0" parTransId="{816B8307-949D-4CF3-963B-3A7CF626E8A7}" sibTransId="{3129A3D3-26A0-4FBF-9508-FD520CD9BEC4}"/>
     <dgm:cxn modelId="{D76E671C-5224-4AB1-BCDB-42D0FBE0785F}" srcId="{79B9B3B9-E129-4947-BF40-4AFDA6DA335C}" destId="{26C7E7FD-D118-4DF9-A8C6-101BBBF96015}" srcOrd="1" destOrd="0" parTransId="{31506B6F-7EFA-4229-9B56-E7AB2A28D2E1}" sibTransId="{DDE568FB-B73E-4523-8451-C2A79C8675C0}"/>
-    <dgm:cxn modelId="{CEF63D31-4127-4B3C-8B48-CFC2E3338FF1}" srcId="{79B9B3B9-E129-4947-BF40-4AFDA6DA335C}" destId="{EA640496-8F4C-4D62-948C-9C8DE0C4F97F}" srcOrd="2" destOrd="0" parTransId="{70426FE2-A39E-4108-8D4C-5E7D2C08D252}" sibTransId="{F283DC93-499C-4145-AB8A-BC463612575A}"/>
     <dgm:cxn modelId="{E6CCBD40-DEE6-4AE0-B108-976DBC3A1F12}" srcId="{F1CE112A-07E6-4B4B-9573-62E1A6BC0045}" destId="{77D4A318-8656-413D-988C-10627D59D7B2}" srcOrd="1" destOrd="0" parTransId="{D21B5DC5-0939-4BFF-9AFA-A6590126CF4C}" sibTransId="{3E86FCB7-6EA5-45DB-BD1F-52D32D8CD914}"/>
     <dgm:cxn modelId="{32396362-3C1D-4744-B3E2-CDC3FE92E09D}" srcId="{F1CE112A-07E6-4B4B-9573-62E1A6BC0045}" destId="{1767163C-68FA-471D-8094-6D62B3A0CC3B}" srcOrd="4" destOrd="0" parTransId="{20C7ADBA-1946-430C-935B-0DF472A7580E}" sibTransId="{DE957F71-AC08-4AA8-AC77-4D5DD76B33A8}"/>
+    <dgm:cxn modelId="{5E1C5443-F7EB-46D3-8F1C-0FFDFDEB72D7}" type="presOf" srcId="{9E3803C5-E3A9-4969-80D6-6260A506F97D}" destId="{9430E19B-E3BA-4988-A098-3F7FFBECDD21}" srcOrd="0" destOrd="2" presId="urn:microsoft.com/office/officeart/2005/8/layout/vList5"/>
     <dgm:cxn modelId="{E26D3566-E665-49AE-94DF-0E10E3FCCF81}" srcId="{F1CE112A-07E6-4B4B-9573-62E1A6BC0045}" destId="{7741FE59-0EC0-4B3E-922D-B5A2B675ABBD}" srcOrd="0" destOrd="0" parTransId="{C5B307D6-BF9B-47E1-B2F7-A5853A6A338D}" sibTransId="{45CD06DC-460B-4787-A4FC-79C4C199F8EB}"/>
     <dgm:cxn modelId="{4C7F2C68-9565-4CD5-AEE0-C7E468BD1B9D}" type="presOf" srcId="{2822F290-C6EC-4769-8498-D9A85F7F43DE}" destId="{9430E19B-E3BA-4988-A098-3F7FFBECDD21}" srcOrd="0" destOrd="3" presId="urn:microsoft.com/office/officeart/2005/8/layout/vList5"/>
     <dgm:cxn modelId="{25CFA16B-CA44-4BD5-9ACA-877B8C4A663B}" srcId="{F1CE112A-07E6-4B4B-9573-62E1A6BC0045}" destId="{7948345D-9B2E-4EB1-9A91-1CC25569C689}" srcOrd="5" destOrd="0" parTransId="{AC0AFCB8-1CF1-4A70-9244-E51A1E009CF0}" sibTransId="{83D5C35C-C208-4862-998F-902EE7667AF7}"/>
+    <dgm:cxn modelId="{0FCD8053-9180-43BF-B542-5759D396DDB9}" srcId="{79B9B3B9-E129-4947-BF40-4AFDA6DA335C}" destId="{9E3803C5-E3A9-4969-80D6-6260A506F97D}" srcOrd="2" destOrd="0" parTransId="{AFD76D13-5F2E-4C95-8822-525848FF1A76}" sibTransId="{7717EA56-A54A-469D-AE7C-7250BB82B1E2}"/>
     <dgm:cxn modelId="{32DE0254-655B-46A8-9096-0B7D455CB24C}" srcId="{79B9B3B9-E129-4947-BF40-4AFDA6DA335C}" destId="{2822F290-C6EC-4769-8498-D9A85F7F43DE}" srcOrd="3" destOrd="0" parTransId="{4495BACF-1361-4FAA-B359-E1E0D14ED415}" sibTransId="{5CBC9BEF-F0FD-465D-946F-D5A6F575FD0C}"/>
     <dgm:cxn modelId="{B71EEA75-86F1-4EFA-869E-83E4D8527B43}" srcId="{79B9B3B9-E129-4947-BF40-4AFDA6DA335C}" destId="{83D6A1D0-F26C-4C2A-8E5D-0C8CEE672859}" srcOrd="0" destOrd="0" parTransId="{1ADA84F6-29C4-45C1-931B-25731D96767D}" sibTransId="{302933B1-59A9-4554-9F49-4AB265341CD5}"/>
     <dgm:cxn modelId="{128B3B77-53F5-4261-BDC0-B7721AA07118}" type="presOf" srcId="{26C7E7FD-D118-4DF9-A8C6-101BBBF96015}" destId="{9430E19B-E3BA-4988-A098-3F7FFBECDD21}" srcOrd="0" destOrd="1" presId="urn:microsoft.com/office/officeart/2005/8/layout/vList5"/>
@@ -5967,7 +5987,6 @@
     <dgm:cxn modelId="{6C53F692-EB45-4819-8FFF-74E98C59F5E2}" type="presOf" srcId="{F1CE112A-07E6-4B4B-9573-62E1A6BC0045}" destId="{0FF6DE4D-A65E-4D4E-8A63-7149EC4254D7}" srcOrd="0" destOrd="0" presId="urn:microsoft.com/office/officeart/2005/8/layout/vList5"/>
     <dgm:cxn modelId="{D3858FA3-39BA-4A06-8873-865A4D5EE087}" type="presOf" srcId="{830CD674-1AAC-4EBA-821C-75811B1D955E}" destId="{9430E19B-E3BA-4988-A098-3F7FFBECDD21}" srcOrd="0" destOrd="4" presId="urn:microsoft.com/office/officeart/2005/8/layout/vList5"/>
     <dgm:cxn modelId="{A03841AC-7391-4B22-ADE9-D24095C1D590}" type="presOf" srcId="{7741FE59-0EC0-4B3E-922D-B5A2B675ABBD}" destId="{DEF7CD21-42B7-4738-866B-23755B3888BC}" srcOrd="0" destOrd="0" presId="urn:microsoft.com/office/officeart/2005/8/layout/vList5"/>
-    <dgm:cxn modelId="{154D35B2-5A4D-4495-9515-E54D8D677E3F}" type="presOf" srcId="{EA640496-8F4C-4D62-948C-9C8DE0C4F97F}" destId="{9430E19B-E3BA-4988-A098-3F7FFBECDD21}" srcOrd="0" destOrd="2" presId="urn:microsoft.com/office/officeart/2005/8/layout/vList5"/>
     <dgm:cxn modelId="{6CBE50D1-6540-49DA-B759-AA6F2DB53B80}" type="presOf" srcId="{C45F09A5-BC50-4FF1-8AFA-DB670A8E28F2}" destId="{DEF7CD21-42B7-4738-866B-23755B3888BC}" srcOrd="0" destOrd="2" presId="urn:microsoft.com/office/officeart/2005/8/layout/vList5"/>
     <dgm:cxn modelId="{45F46BE5-9E09-418A-834F-422ED2C68CD2}" srcId="{F1CE112A-07E6-4B4B-9573-62E1A6BC0045}" destId="{C45F09A5-BC50-4FF1-8AFA-DB670A8E28F2}" srcOrd="2" destOrd="0" parTransId="{EBFA7458-C168-46BA-B6A5-2C8A29F43485}" sibTransId="{02453FF5-5B56-46E8-ADAE-2EED7522C84D}"/>
     <dgm:cxn modelId="{09A547F9-FD9F-4225-8A3B-E01859C44574}" type="presOf" srcId="{7948345D-9B2E-4EB1-9A91-1CC25569C689}" destId="{DEF7CD21-42B7-4738-866B-23755B3888BC}" srcOrd="0" destOrd="5" presId="urn:microsoft.com/office/officeart/2005/8/layout/vList5"/>
@@ -8659,7 +8678,31 @@
           </a:pPr>
           <a:r>
             <a:rPr lang="en-US" sz="1500" kern="1200" dirty="0"/>
-            <a:t>INPUT: «select sum from DB» </a:t>
+            <a:t>INPUT: «select sum from </a:t>
+          </a:r>
+          <a:r>
+            <a:rPr lang="en-US" sz="1500" kern="1200"/>
+            <a:t>DB_NAME where </a:t>
+          </a:r>
+          <a:r>
+            <a:rPr lang="en-US" sz="1500" kern="1200" dirty="0"/>
+            <a:t>(</a:t>
+          </a:r>
+          <a:r>
+            <a:rPr lang="en-US" sz="1500" kern="1200" dirty="0" err="1"/>
+            <a:t>emo_sn</a:t>
+          </a:r>
+          <a:r>
+            <a:rPr lang="en-US" sz="1500" kern="1200" dirty="0"/>
+            <a:t> = 1 or </a:t>
+          </a:r>
+          <a:r>
+            <a:rPr lang="en-US" sz="1500" kern="1200" dirty="0" err="1"/>
+            <a:t>nrc</a:t>
+          </a:r>
+          <a:r>
+            <a:rPr lang="en-US" sz="1500" kern="1200" dirty="0"/>
+            <a:t> = 1)»</a:t>
           </a:r>
           <a:endParaRPr lang="it-IT" sz="1500" kern="1200" dirty="0"/>
         </a:p>
@@ -8677,9 +8720,18 @@
             <a:buChar char="•"/>
           </a:pPr>
           <a:r>
+            <a:rPr lang="it-IT" sz="1500" kern="1200" dirty="0" err="1"/>
+            <a:t>average</a:t>
+          </a:r>
+          <a:r>
             <a:rPr lang="it-IT" sz="1500" kern="1200" dirty="0"/>
-            <a:t>average calculation</a:t>
+            <a:t> </a:t>
           </a:r>
+          <a:r>
+            <a:rPr lang="it-IT" sz="1500" kern="1200" dirty="0" err="1"/>
+            <a:t>calculation</a:t>
+          </a:r>
+          <a:endParaRPr lang="it-IT" sz="1500" kern="1200" dirty="0"/>
         </a:p>
         <a:p>
           <a:pPr marL="114300" lvl="1" indent="-114300" algn="l" defTabSz="666750">
@@ -20925,7 +20977,7 @@
             <p:ph idx="1"/>
             <p:extLst>
               <p:ext uri="{D42A27DB-BD31-4B8C-83A1-F6EECF244321}">
-                <p14:modId xmlns:p14="http://schemas.microsoft.com/office/powerpoint/2010/main" val="3766220045"/>
+                <p14:modId xmlns:p14="http://schemas.microsoft.com/office/powerpoint/2010/main" val="726960937"/>
               </p:ext>
             </p:extLst>
           </p:nvPr>

--- a/silde/slide.pptx
+++ b/silde/slide.pptx
@@ -26,31 +26,32 @@
     <p:sldId id="318" r:id="rId20"/>
     <p:sldId id="319" r:id="rId21"/>
     <p:sldId id="320" r:id="rId22"/>
-    <p:sldId id="285" r:id="rId23"/>
-    <p:sldId id="286" r:id="rId24"/>
-    <p:sldId id="287" r:id="rId25"/>
-    <p:sldId id="300" r:id="rId26"/>
-    <p:sldId id="297" r:id="rId27"/>
-    <p:sldId id="298" r:id="rId28"/>
-    <p:sldId id="299" r:id="rId29"/>
-    <p:sldId id="301" r:id="rId30"/>
-    <p:sldId id="302" r:id="rId31"/>
-    <p:sldId id="276" r:id="rId32"/>
-    <p:sldId id="295" r:id="rId33"/>
-    <p:sldId id="323" r:id="rId34"/>
-    <p:sldId id="296" r:id="rId35"/>
-    <p:sldId id="274" r:id="rId36"/>
-    <p:sldId id="275" r:id="rId37"/>
-    <p:sldId id="277" r:id="rId38"/>
-    <p:sldId id="278" r:id="rId39"/>
-    <p:sldId id="279" r:id="rId40"/>
-    <p:sldId id="280" r:id="rId41"/>
-    <p:sldId id="281" r:id="rId42"/>
-    <p:sldId id="282" r:id="rId43"/>
-    <p:sldId id="288" r:id="rId44"/>
-    <p:sldId id="317" r:id="rId45"/>
-    <p:sldId id="321" r:id="rId46"/>
-    <p:sldId id="322" r:id="rId47"/>
+    <p:sldId id="324" r:id="rId23"/>
+    <p:sldId id="285" r:id="rId24"/>
+    <p:sldId id="286" r:id="rId25"/>
+    <p:sldId id="287" r:id="rId26"/>
+    <p:sldId id="300" r:id="rId27"/>
+    <p:sldId id="297" r:id="rId28"/>
+    <p:sldId id="298" r:id="rId29"/>
+    <p:sldId id="299" r:id="rId30"/>
+    <p:sldId id="301" r:id="rId31"/>
+    <p:sldId id="302" r:id="rId32"/>
+    <p:sldId id="276" r:id="rId33"/>
+    <p:sldId id="295" r:id="rId34"/>
+    <p:sldId id="323" r:id="rId35"/>
+    <p:sldId id="296" r:id="rId36"/>
+    <p:sldId id="274" r:id="rId37"/>
+    <p:sldId id="275" r:id="rId38"/>
+    <p:sldId id="277" r:id="rId39"/>
+    <p:sldId id="278" r:id="rId40"/>
+    <p:sldId id="279" r:id="rId41"/>
+    <p:sldId id="280" r:id="rId42"/>
+    <p:sldId id="281" r:id="rId43"/>
+    <p:sldId id="282" r:id="rId44"/>
+    <p:sldId id="288" r:id="rId45"/>
+    <p:sldId id="317" r:id="rId46"/>
+    <p:sldId id="321" r:id="rId47"/>
+    <p:sldId id="322" r:id="rId48"/>
   </p:sldIdLst>
   <p:sldSz cx="12192000" cy="6858000"/>
   <p:notesSz cx="6858000" cy="9144000"/>
@@ -175,6 +176,7 @@
             <p14:sldId id="318"/>
             <p14:sldId id="319"/>
             <p14:sldId id="320"/>
+            <p14:sldId id="324"/>
             <p14:sldId id="285"/>
             <p14:sldId id="286"/>
             <p14:sldId id="287"/>
@@ -15616,7 +15618,7 @@
           <a:p>
             <a:fld id="{F62949A3-00FA-41A1-BCFC-94B38994B861}" type="datetimeFigureOut">
               <a:rPr lang="it-IT" smtClean="0"/>
-              <a:t>23/05/2020</a:t>
+              <a:t>19/06/2020</a:t>
             </a:fld>
             <a:endParaRPr lang="it-IT"/>
           </a:p>
@@ -15867,7 +15869,7 @@
           <a:p>
             <a:fld id="{F62949A3-00FA-41A1-BCFC-94B38994B861}" type="datetimeFigureOut">
               <a:rPr lang="it-IT" smtClean="0"/>
-              <a:t>23/05/2020</a:t>
+              <a:t>19/06/2020</a:t>
             </a:fld>
             <a:endParaRPr lang="it-IT"/>
           </a:p>
@@ -16181,7 +16183,7 @@
           <a:p>
             <a:fld id="{F62949A3-00FA-41A1-BCFC-94B38994B861}" type="datetimeFigureOut">
               <a:rPr lang="it-IT" smtClean="0"/>
-              <a:t>23/05/2020</a:t>
+              <a:t>19/06/2020</a:t>
             </a:fld>
             <a:endParaRPr lang="it-IT"/>
           </a:p>
@@ -16522,7 +16524,7 @@
           <a:p>
             <a:fld id="{F62949A3-00FA-41A1-BCFC-94B38994B861}" type="datetimeFigureOut">
               <a:rPr lang="it-IT" smtClean="0"/>
-              <a:t>23/05/2020</a:t>
+              <a:t>19/06/2020</a:t>
             </a:fld>
             <a:endParaRPr lang="it-IT"/>
           </a:p>
@@ -16836,7 +16838,7 @@
           <a:p>
             <a:fld id="{F62949A3-00FA-41A1-BCFC-94B38994B861}" type="datetimeFigureOut">
               <a:rPr lang="it-IT" smtClean="0"/>
-              <a:t>23/05/2020</a:t>
+              <a:t>19/06/2020</a:t>
             </a:fld>
             <a:endParaRPr lang="it-IT"/>
           </a:p>
@@ -17229,7 +17231,7 @@
           <a:p>
             <a:fld id="{F62949A3-00FA-41A1-BCFC-94B38994B861}" type="datetimeFigureOut">
               <a:rPr lang="it-IT" smtClean="0"/>
-              <a:t>23/05/2020</a:t>
+              <a:t>19/06/2020</a:t>
             </a:fld>
             <a:endParaRPr lang="it-IT"/>
           </a:p>
@@ -17399,7 +17401,7 @@
           <a:p>
             <a:fld id="{F62949A3-00FA-41A1-BCFC-94B38994B861}" type="datetimeFigureOut">
               <a:rPr lang="it-IT" smtClean="0"/>
-              <a:t>23/05/2020</a:t>
+              <a:t>19/06/2020</a:t>
             </a:fld>
             <a:endParaRPr lang="it-IT"/>
           </a:p>
@@ -17579,7 +17581,7 @@
           <a:p>
             <a:fld id="{F62949A3-00FA-41A1-BCFC-94B38994B861}" type="datetimeFigureOut">
               <a:rPr lang="it-IT" smtClean="0"/>
-              <a:t>23/05/2020</a:t>
+              <a:t>19/06/2020</a:t>
             </a:fld>
             <a:endParaRPr lang="it-IT"/>
           </a:p>
@@ -17755,7 +17757,7 @@
           <a:p>
             <a:fld id="{F62949A3-00FA-41A1-BCFC-94B38994B861}" type="datetimeFigureOut">
               <a:rPr lang="it-IT" smtClean="0"/>
-              <a:t>23/05/2020</a:t>
+              <a:t>19/06/2020</a:t>
             </a:fld>
             <a:endParaRPr lang="it-IT"/>
           </a:p>
@@ -18002,7 +18004,7 @@
           <a:p>
             <a:fld id="{F62949A3-00FA-41A1-BCFC-94B38994B861}" type="datetimeFigureOut">
               <a:rPr lang="it-IT" smtClean="0"/>
-              <a:t>23/05/2020</a:t>
+              <a:t>19/06/2020</a:t>
             </a:fld>
             <a:endParaRPr lang="it-IT"/>
           </a:p>
@@ -18234,7 +18236,7 @@
           <a:p>
             <a:fld id="{F62949A3-00FA-41A1-BCFC-94B38994B861}" type="datetimeFigureOut">
               <a:rPr lang="it-IT" smtClean="0"/>
-              <a:t>23/05/2020</a:t>
+              <a:t>19/06/2020</a:t>
             </a:fld>
             <a:endParaRPr lang="it-IT"/>
           </a:p>
@@ -18608,7 +18610,7 @@
           <a:p>
             <a:fld id="{F62949A3-00FA-41A1-BCFC-94B38994B861}" type="datetimeFigureOut">
               <a:rPr lang="it-IT" smtClean="0"/>
-              <a:t>23/05/2020</a:t>
+              <a:t>19/06/2020</a:t>
             </a:fld>
             <a:endParaRPr lang="it-IT"/>
           </a:p>
@@ -18731,7 +18733,7 @@
           <a:p>
             <a:fld id="{F62949A3-00FA-41A1-BCFC-94B38994B861}" type="datetimeFigureOut">
               <a:rPr lang="it-IT" smtClean="0"/>
-              <a:t>23/05/2020</a:t>
+              <a:t>19/06/2020</a:t>
             </a:fld>
             <a:endParaRPr lang="it-IT"/>
           </a:p>
@@ -18826,7 +18828,7 @@
           <a:p>
             <a:fld id="{F62949A3-00FA-41A1-BCFC-94B38994B861}" type="datetimeFigureOut">
               <a:rPr lang="it-IT" smtClean="0"/>
-              <a:t>23/05/2020</a:t>
+              <a:t>19/06/2020</a:t>
             </a:fld>
             <a:endParaRPr lang="it-IT"/>
           </a:p>
@@ -19081,7 +19083,7 @@
           <a:p>
             <a:fld id="{F62949A3-00FA-41A1-BCFC-94B38994B861}" type="datetimeFigureOut">
               <a:rPr lang="it-IT" smtClean="0"/>
-              <a:t>23/05/2020</a:t>
+              <a:t>19/06/2020</a:t>
             </a:fld>
             <a:endParaRPr lang="it-IT"/>
           </a:p>
@@ -19344,7 +19346,7 @@
           <a:p>
             <a:fld id="{F62949A3-00FA-41A1-BCFC-94B38994B861}" type="datetimeFigureOut">
               <a:rPr lang="it-IT" smtClean="0"/>
-              <a:t>23/05/2020</a:t>
+              <a:t>19/06/2020</a:t>
             </a:fld>
             <a:endParaRPr lang="it-IT"/>
           </a:p>
@@ -20087,7 +20089,7 @@
           <a:p>
             <a:fld id="{F62949A3-00FA-41A1-BCFC-94B38994B861}" type="datetimeFigureOut">
               <a:rPr lang="it-IT" smtClean="0"/>
-              <a:t>23/05/2020</a:t>
+              <a:t>19/06/2020</a:t>
             </a:fld>
             <a:endParaRPr lang="it-IT"/>
           </a:p>
@@ -27576,10 +27578,9 @@
               <a:t>balancer</a:t>
             </a:r>
             <a:r>
-              <a:rPr lang="it-IT"/>
+              <a:rPr lang="it-IT" dirty="0"/>
               <a:t>;</a:t>
             </a:r>
-            <a:endParaRPr lang="it-IT" dirty="0"/>
           </a:p>
           <a:p>
             <a:r>
@@ -29964,6 +29965,203 @@
       </p:grpSpPr>
       <p:sp>
         <p:nvSpPr>
+          <p:cNvPr id="2" name="Titolo 1">
+            <a:extLst>
+              <a:ext uri="{FF2B5EF4-FFF2-40B4-BE49-F238E27FC236}">
+                <a16:creationId xmlns:a16="http://schemas.microsoft.com/office/drawing/2014/main" id="{9E8C75A2-ED78-4B73-AD0F-59DC84DEBE90}"/>
+              </a:ext>
+            </a:extLst>
+          </p:cNvPr>
+          <p:cNvSpPr>
+            <a:spLocks noGrp="1"/>
+          </p:cNvSpPr>
+          <p:nvPr>
+            <p:ph type="title"/>
+          </p:nvPr>
+        </p:nvSpPr>
+        <p:spPr/>
+        <p:txBody>
+          <a:bodyPr/>
+          <a:lstStyle/>
+          <a:p>
+            <a:r>
+              <a:rPr lang="it-IT" dirty="0" err="1"/>
+              <a:t>Hashing</a:t>
+            </a:r>
+            <a:r>
+              <a:rPr lang="it-IT" dirty="0"/>
+              <a:t> </a:t>
+            </a:r>
+            <a:r>
+              <a:rPr lang="it-IT" dirty="0" err="1"/>
+              <a:t>shard</a:t>
+            </a:r>
+            <a:r>
+              <a:rPr lang="it-IT" dirty="0"/>
+              <a:t> keys</a:t>
+            </a:r>
+          </a:p>
+        </p:txBody>
+      </p:sp>
+      <p:pic>
+        <p:nvPicPr>
+          <p:cNvPr id="4" name="Segnaposto contenuto 3">
+            <a:extLst>
+              <a:ext uri="{FF2B5EF4-FFF2-40B4-BE49-F238E27FC236}">
+                <a16:creationId xmlns:a16="http://schemas.microsoft.com/office/drawing/2014/main" id="{EF5C0C20-B72A-4AB3-8303-A0BD34DAFB90}"/>
+              </a:ext>
+            </a:extLst>
+          </p:cNvPr>
+          <p:cNvPicPr>
+            <a:picLocks noGrp="1" noChangeAspect="1"/>
+          </p:cNvPicPr>
+          <p:nvPr>
+            <p:ph idx="1"/>
+          </p:nvPr>
+        </p:nvPicPr>
+        <p:blipFill>
+          <a:blip r:embed="rId2"/>
+          <a:stretch>
+            <a:fillRect/>
+          </a:stretch>
+        </p:blipFill>
+        <p:spPr>
+          <a:xfrm>
+            <a:off x="553040" y="2958232"/>
+            <a:ext cx="8596312" cy="3224463"/>
+          </a:xfrm>
+          <a:prstGeom prst="rect">
+            <a:avLst/>
+          </a:prstGeom>
+        </p:spPr>
+      </p:pic>
+      <p:sp>
+        <p:nvSpPr>
+          <p:cNvPr id="5" name="Rettangolo 4">
+            <a:extLst>
+              <a:ext uri="{FF2B5EF4-FFF2-40B4-BE49-F238E27FC236}">
+                <a16:creationId xmlns:a16="http://schemas.microsoft.com/office/drawing/2014/main" id="{81559CE7-99E1-4D72-B27E-0AEF9E77D87A}"/>
+              </a:ext>
+            </a:extLst>
+          </p:cNvPr>
+          <p:cNvSpPr/>
+          <p:nvPr/>
+        </p:nvSpPr>
+        <p:spPr>
+          <a:xfrm>
+            <a:off x="677334" y="1480904"/>
+            <a:ext cx="6096000" cy="1477328"/>
+          </a:xfrm>
+          <a:prstGeom prst="rect">
+            <a:avLst/>
+          </a:prstGeom>
+        </p:spPr>
+        <p:txBody>
+          <a:bodyPr>
+            <a:spAutoFit/>
+          </a:bodyPr>
+          <a:lstStyle/>
+          <a:p>
+            <a:r>
+              <a:rPr lang="it-IT" dirty="0" err="1"/>
+              <a:t>Example</a:t>
+            </a:r>
+            <a:r>
+              <a:rPr lang="it-IT" dirty="0"/>
+              <a:t>:</a:t>
+            </a:r>
+          </a:p>
+          <a:p>
+            <a:r>
+              <a:rPr lang="it-IT" dirty="0" err="1"/>
+              <a:t>sh.shardCollection</a:t>
+            </a:r>
+            <a:endParaRPr lang="it-IT" dirty="0"/>
+          </a:p>
+          <a:p>
+            <a:r>
+              <a:rPr lang="it-IT" dirty="0"/>
+              <a:t>(</a:t>
+            </a:r>
+          </a:p>
+          <a:p>
+            <a:r>
+              <a:rPr lang="it-IT" dirty="0"/>
+              <a:t>  "</a:t>
+            </a:r>
+            <a:r>
+              <a:rPr lang="it-IT" dirty="0" err="1"/>
+              <a:t>emotion.trust_word</a:t>
+            </a:r>
+            <a:r>
+              <a:rPr lang="it-IT" dirty="0"/>
+              <a:t>", { </a:t>
+            </a:r>
+            <a:r>
+              <a:rPr lang="it-IT" dirty="0">
+                <a:highlight>
+                  <a:srgbClr val="FFFF00"/>
+                </a:highlight>
+              </a:rPr>
+              <a:t>word</a:t>
+            </a:r>
+            <a:r>
+              <a:rPr lang="it-IT" dirty="0"/>
+              <a:t>:"</a:t>
+            </a:r>
+            <a:r>
+              <a:rPr lang="it-IT" dirty="0" err="1">
+                <a:highlight>
+                  <a:srgbClr val="FFFF00"/>
+                </a:highlight>
+              </a:rPr>
+              <a:t>hashed</a:t>
+            </a:r>
+            <a:r>
+              <a:rPr lang="it-IT" dirty="0"/>
+              <a:t>" }</a:t>
+            </a:r>
+          </a:p>
+          <a:p>
+            <a:r>
+              <a:rPr lang="it-IT" dirty="0"/>
+              <a:t>)</a:t>
+            </a:r>
+          </a:p>
+        </p:txBody>
+      </p:sp>
+    </p:spTree>
+    <p:extLst>
+      <p:ext uri="{BB962C8B-B14F-4D97-AF65-F5344CB8AC3E}">
+        <p14:creationId xmlns:p14="http://schemas.microsoft.com/office/powerpoint/2010/main" val="295216117"/>
+      </p:ext>
+    </p:extLst>
+  </p:cSld>
+  <p:clrMapOvr>
+    <a:masterClrMapping/>
+  </p:clrMapOvr>
+</p:sld>
+</file>
+
+<file path=ppt/slides/slide23.xml><?xml version="1.0" encoding="utf-8"?>
+<p:sld xmlns:a="http://schemas.openxmlformats.org/drawingml/2006/main" xmlns:r="http://schemas.openxmlformats.org/officeDocument/2006/relationships" xmlns:p="http://schemas.openxmlformats.org/presentationml/2006/main">
+  <p:cSld>
+    <p:spTree>
+      <p:nvGrpSpPr>
+        <p:cNvPr id="1" name=""/>
+        <p:cNvGrpSpPr/>
+        <p:nvPr/>
+      </p:nvGrpSpPr>
+      <p:grpSpPr>
+        <a:xfrm>
+          <a:off x="0" y="0"/>
+          <a:ext cx="0" cy="0"/>
+          <a:chOff x="0" y="0"/>
+          <a:chExt cx="0" cy="0"/>
+        </a:xfrm>
+      </p:grpSpPr>
+      <p:sp>
+        <p:nvSpPr>
           <p:cNvPr id="19" name="Titolo 1">
             <a:extLst>
               <a:ext uri="{FF2B5EF4-FFF2-40B4-BE49-F238E27FC236}">
@@ -30062,7 +30260,7 @@
 </p:sld>
 </file>
 
-<file path=ppt/slides/slide23.xml><?xml version="1.0" encoding="utf-8"?>
+<file path=ppt/slides/slide24.xml><?xml version="1.0" encoding="utf-8"?>
 <p:sld xmlns:a="http://schemas.openxmlformats.org/drawingml/2006/main" xmlns:r="http://schemas.openxmlformats.org/officeDocument/2006/relationships" xmlns:p="http://schemas.openxmlformats.org/presentationml/2006/main">
   <p:cSld>
     <p:spTree>
@@ -30228,7 +30426,7 @@
 </p:sld>
 </file>
 
-<file path=ppt/slides/slide24.xml><?xml version="1.0" encoding="utf-8"?>
+<file path=ppt/slides/slide25.xml><?xml version="1.0" encoding="utf-8"?>
 <p:sld xmlns:a="http://schemas.openxmlformats.org/drawingml/2006/main" xmlns:r="http://schemas.openxmlformats.org/officeDocument/2006/relationships" xmlns:p="http://schemas.openxmlformats.org/presentationml/2006/main">
   <p:cSld>
     <p:spTree>
@@ -30448,7 +30646,7 @@
 </p:sld>
 </file>
 
-<file path=ppt/slides/slide25.xml><?xml version="1.0" encoding="utf-8"?>
+<file path=ppt/slides/slide26.xml><?xml version="1.0" encoding="utf-8"?>
 <p:sld xmlns:a="http://schemas.openxmlformats.org/drawingml/2006/main" xmlns:r="http://schemas.openxmlformats.org/officeDocument/2006/relationships" xmlns:p="http://schemas.openxmlformats.org/presentationml/2006/main">
   <p:cSld>
     <p:bg>
@@ -31275,7 +31473,7 @@
 </p:sld>
 </file>
 
-<file path=ppt/slides/slide26.xml><?xml version="1.0" encoding="utf-8"?>
+<file path=ppt/slides/slide27.xml><?xml version="1.0" encoding="utf-8"?>
 <p:sld xmlns:a="http://schemas.openxmlformats.org/drawingml/2006/main" xmlns:r="http://schemas.openxmlformats.org/officeDocument/2006/relationships" xmlns:p="http://schemas.openxmlformats.org/presentationml/2006/main">
   <p:cSld>
     <p:spTree>
@@ -31369,7 +31567,7 @@
 </p:sld>
 </file>
 
-<file path=ppt/slides/slide27.xml><?xml version="1.0" encoding="utf-8"?>
+<file path=ppt/slides/slide28.xml><?xml version="1.0" encoding="utf-8"?>
 <p:sld xmlns:a="http://schemas.openxmlformats.org/drawingml/2006/main" xmlns:r="http://schemas.openxmlformats.org/officeDocument/2006/relationships" xmlns:p="http://schemas.openxmlformats.org/presentationml/2006/main">
   <p:cSld>
     <p:spTree>
@@ -31469,7 +31667,7 @@
 </p:sld>
 </file>
 
-<file path=ppt/slides/slide28.xml><?xml version="1.0" encoding="utf-8"?>
+<file path=ppt/slides/slide29.xml><?xml version="1.0" encoding="utf-8"?>
 <p:sld xmlns:a="http://schemas.openxmlformats.org/drawingml/2006/main" xmlns:r="http://schemas.openxmlformats.org/officeDocument/2006/relationships" xmlns:p="http://schemas.openxmlformats.org/presentationml/2006/main">
   <p:cSld>
     <p:spTree>
@@ -31559,103 +31757,6 @@
     <p:extLst>
       <p:ext uri="{BB962C8B-B14F-4D97-AF65-F5344CB8AC3E}">
         <p14:creationId xmlns:p14="http://schemas.microsoft.com/office/powerpoint/2010/main" val="2704832685"/>
-      </p:ext>
-    </p:extLst>
-  </p:cSld>
-  <p:clrMapOvr>
-    <a:masterClrMapping/>
-  </p:clrMapOvr>
-</p:sld>
-</file>
-
-<file path=ppt/slides/slide29.xml><?xml version="1.0" encoding="utf-8"?>
-<p:sld xmlns:a="http://schemas.openxmlformats.org/drawingml/2006/main" xmlns:r="http://schemas.openxmlformats.org/officeDocument/2006/relationships" xmlns:p="http://schemas.openxmlformats.org/presentationml/2006/main">
-  <p:cSld>
-    <p:spTree>
-      <p:nvGrpSpPr>
-        <p:cNvPr id="1" name=""/>
-        <p:cNvGrpSpPr/>
-        <p:nvPr/>
-      </p:nvGrpSpPr>
-      <p:grpSpPr>
-        <a:xfrm>
-          <a:off x="0" y="0"/>
-          <a:ext cx="0" cy="0"/>
-          <a:chOff x="0" y="0"/>
-          <a:chExt cx="0" cy="0"/>
-        </a:xfrm>
-      </p:grpSpPr>
-      <p:sp>
-        <p:nvSpPr>
-          <p:cNvPr id="2" name="Titolo 1">
-            <a:extLst>
-              <a:ext uri="{FF2B5EF4-FFF2-40B4-BE49-F238E27FC236}">
-                <a16:creationId xmlns:a16="http://schemas.microsoft.com/office/drawing/2014/main" id="{45A5C955-46BB-476F-B306-A420DC9D92FF}"/>
-              </a:ext>
-            </a:extLst>
-          </p:cNvPr>
-          <p:cNvSpPr>
-            <a:spLocks noGrp="1"/>
-          </p:cNvSpPr>
-          <p:nvPr>
-            <p:ph type="title"/>
-          </p:nvPr>
-        </p:nvSpPr>
-        <p:spPr/>
-        <p:txBody>
-          <a:bodyPr/>
-          <a:lstStyle/>
-          <a:p>
-            <a:r>
-              <a:rPr lang="it-IT" dirty="0" err="1"/>
-              <a:t>map_reduce</a:t>
-            </a:r>
-            <a:r>
-              <a:rPr lang="it-IT" dirty="0"/>
-              <a:t> (4/5)</a:t>
-            </a:r>
-          </a:p>
-        </p:txBody>
-      </p:sp>
-      <p:pic>
-        <p:nvPicPr>
-          <p:cNvPr id="4" name="Segnaposto contenuto 4" descr="Immagine che contiene orologio&#10;&#10;Descrizione generata automaticamente">
-            <a:extLst>
-              <a:ext uri="{FF2B5EF4-FFF2-40B4-BE49-F238E27FC236}">
-                <a16:creationId xmlns:a16="http://schemas.microsoft.com/office/drawing/2014/main" id="{2D29337D-2471-4D4C-A315-70F4D4A055C8}"/>
-              </a:ext>
-            </a:extLst>
-          </p:cNvPr>
-          <p:cNvPicPr>
-            <a:picLocks noChangeAspect="1"/>
-          </p:cNvPicPr>
-          <p:nvPr/>
-        </p:nvPicPr>
-        <p:blipFill rotWithShape="1">
-          <a:blip r:embed="rId2">
-            <a:extLst>
-              <a:ext uri="{28A0092B-C50C-407E-A947-70E740481C1C}">
-                <a14:useLocalDpi xmlns:a14="http://schemas.microsoft.com/office/drawing/2010/main" val="0"/>
-              </a:ext>
-            </a:extLst>
-          </a:blip>
-          <a:srcRect l="16993" r="49575"/>
-          <a:stretch/>
-        </p:blipFill>
-        <p:spPr>
-          <a:xfrm>
-            <a:off x="1789860" y="1930400"/>
-            <a:ext cx="6371616" cy="4441356"/>
-          </a:xfrm>
-          <a:prstGeom prst="rect">
-            <a:avLst/>
-          </a:prstGeom>
-        </p:spPr>
-      </p:pic>
-    </p:spTree>
-    <p:extLst>
-      <p:ext uri="{BB962C8B-B14F-4D97-AF65-F5344CB8AC3E}">
-        <p14:creationId xmlns:p14="http://schemas.microsoft.com/office/powerpoint/2010/main" val="1861526277"/>
       </p:ext>
     </p:extLst>
   </p:cSld>
@@ -33238,6 +33339,103 @@
           <p:cNvPr id="2" name="Titolo 1">
             <a:extLst>
               <a:ext uri="{FF2B5EF4-FFF2-40B4-BE49-F238E27FC236}">
+                <a16:creationId xmlns:a16="http://schemas.microsoft.com/office/drawing/2014/main" id="{45A5C955-46BB-476F-B306-A420DC9D92FF}"/>
+              </a:ext>
+            </a:extLst>
+          </p:cNvPr>
+          <p:cNvSpPr>
+            <a:spLocks noGrp="1"/>
+          </p:cNvSpPr>
+          <p:nvPr>
+            <p:ph type="title"/>
+          </p:nvPr>
+        </p:nvSpPr>
+        <p:spPr/>
+        <p:txBody>
+          <a:bodyPr/>
+          <a:lstStyle/>
+          <a:p>
+            <a:r>
+              <a:rPr lang="it-IT" dirty="0" err="1"/>
+              <a:t>map_reduce</a:t>
+            </a:r>
+            <a:r>
+              <a:rPr lang="it-IT" dirty="0"/>
+              <a:t> (4/5)</a:t>
+            </a:r>
+          </a:p>
+        </p:txBody>
+      </p:sp>
+      <p:pic>
+        <p:nvPicPr>
+          <p:cNvPr id="4" name="Segnaposto contenuto 4" descr="Immagine che contiene orologio&#10;&#10;Descrizione generata automaticamente">
+            <a:extLst>
+              <a:ext uri="{FF2B5EF4-FFF2-40B4-BE49-F238E27FC236}">
+                <a16:creationId xmlns:a16="http://schemas.microsoft.com/office/drawing/2014/main" id="{2D29337D-2471-4D4C-A315-70F4D4A055C8}"/>
+              </a:ext>
+            </a:extLst>
+          </p:cNvPr>
+          <p:cNvPicPr>
+            <a:picLocks noChangeAspect="1"/>
+          </p:cNvPicPr>
+          <p:nvPr/>
+        </p:nvPicPr>
+        <p:blipFill rotWithShape="1">
+          <a:blip r:embed="rId2">
+            <a:extLst>
+              <a:ext uri="{28A0092B-C50C-407E-A947-70E740481C1C}">
+                <a14:useLocalDpi xmlns:a14="http://schemas.microsoft.com/office/drawing/2010/main" val="0"/>
+              </a:ext>
+            </a:extLst>
+          </a:blip>
+          <a:srcRect l="16993" r="49575"/>
+          <a:stretch/>
+        </p:blipFill>
+        <p:spPr>
+          <a:xfrm>
+            <a:off x="1789860" y="1930400"/>
+            <a:ext cx="6371616" cy="4441356"/>
+          </a:xfrm>
+          <a:prstGeom prst="rect">
+            <a:avLst/>
+          </a:prstGeom>
+        </p:spPr>
+      </p:pic>
+    </p:spTree>
+    <p:extLst>
+      <p:ext uri="{BB962C8B-B14F-4D97-AF65-F5344CB8AC3E}">
+        <p14:creationId xmlns:p14="http://schemas.microsoft.com/office/powerpoint/2010/main" val="1861526277"/>
+      </p:ext>
+    </p:extLst>
+  </p:cSld>
+  <p:clrMapOvr>
+    <a:masterClrMapping/>
+  </p:clrMapOvr>
+</p:sld>
+</file>
+
+<file path=ppt/slides/slide31.xml><?xml version="1.0" encoding="utf-8"?>
+<p:sld xmlns:a="http://schemas.openxmlformats.org/drawingml/2006/main" xmlns:r="http://schemas.openxmlformats.org/officeDocument/2006/relationships" xmlns:p="http://schemas.openxmlformats.org/presentationml/2006/main">
+  <p:cSld>
+    <p:spTree>
+      <p:nvGrpSpPr>
+        <p:cNvPr id="1" name=""/>
+        <p:cNvGrpSpPr/>
+        <p:nvPr/>
+      </p:nvGrpSpPr>
+      <p:grpSpPr>
+        <a:xfrm>
+          <a:off x="0" y="0"/>
+          <a:ext cx="0" cy="0"/>
+          <a:chOff x="0" y="0"/>
+          <a:chExt cx="0" cy="0"/>
+        </a:xfrm>
+      </p:grpSpPr>
+      <p:sp>
+        <p:nvSpPr>
+          <p:cNvPr id="2" name="Titolo 1">
+            <a:extLst>
+              <a:ext uri="{FF2B5EF4-FFF2-40B4-BE49-F238E27FC236}">
                 <a16:creationId xmlns:a16="http://schemas.microsoft.com/office/drawing/2014/main" id="{E92CDDE0-3331-4BE2-8FBC-3FFC464769A8}"/>
               </a:ext>
             </a:extLst>
@@ -33314,7 +33512,7 @@
 </p:sld>
 </file>
 
-<file path=ppt/slides/slide31.xml><?xml version="1.0" encoding="utf-8"?>
+<file path=ppt/slides/slide32.xml><?xml version="1.0" encoding="utf-8"?>
 <p:sld xmlns:a="http://schemas.openxmlformats.org/drawingml/2006/main" xmlns:r="http://schemas.openxmlformats.org/officeDocument/2006/relationships" xmlns:p="http://schemas.openxmlformats.org/presentationml/2006/main">
   <p:cSld>
     <p:bg>
@@ -34188,7 +34386,7 @@
 </p:sld>
 </file>
 
-<file path=ppt/slides/slide32.xml><?xml version="1.0" encoding="utf-8"?>
+<file path=ppt/slides/slide33.xml><?xml version="1.0" encoding="utf-8"?>
 <p:sld xmlns:a="http://schemas.openxmlformats.org/drawingml/2006/main" xmlns:r="http://schemas.openxmlformats.org/officeDocument/2006/relationships" xmlns:p="http://schemas.openxmlformats.org/presentationml/2006/main">
   <p:cSld>
     <p:bg>
@@ -34481,7 +34679,7 @@
 </p:sld>
 </file>
 
-<file path=ppt/slides/slide33.xml><?xml version="1.0" encoding="utf-8"?>
+<file path=ppt/slides/slide34.xml><?xml version="1.0" encoding="utf-8"?>
 <p:sld xmlns:a="http://schemas.openxmlformats.org/drawingml/2006/main" xmlns:r="http://schemas.openxmlformats.org/officeDocument/2006/relationships" xmlns:p="http://schemas.openxmlformats.org/presentationml/2006/main">
   <p:cSld>
     <p:spTree>
@@ -34579,7 +34777,7 @@
 </p:sld>
 </file>
 
-<file path=ppt/slides/slide34.xml><?xml version="1.0" encoding="utf-8"?>
+<file path=ppt/slides/slide35.xml><?xml version="1.0" encoding="utf-8"?>
 <p:sld xmlns:a="http://schemas.openxmlformats.org/drawingml/2006/main" xmlns:r="http://schemas.openxmlformats.org/officeDocument/2006/relationships" xmlns:p="http://schemas.openxmlformats.org/presentationml/2006/main">
   <p:cSld>
     <p:bg>
@@ -35799,7 +35997,7 @@
 </p:sld>
 </file>
 
-<file path=ppt/slides/slide35.xml><?xml version="1.0" encoding="utf-8"?>
+<file path=ppt/slides/slide36.xml><?xml version="1.0" encoding="utf-8"?>
 <p:sld xmlns:a="http://schemas.openxmlformats.org/drawingml/2006/main" xmlns:r="http://schemas.openxmlformats.org/officeDocument/2006/relationships" xmlns:p="http://schemas.openxmlformats.org/presentationml/2006/main">
   <p:cSld>
     <p:bg>
@@ -36880,7 +37078,7 @@
 </p:sld>
 </file>
 
-<file path=ppt/slides/slide36.xml><?xml version="1.0" encoding="utf-8"?>
+<file path=ppt/slides/slide37.xml><?xml version="1.0" encoding="utf-8"?>
 <p:sld xmlns:a="http://schemas.openxmlformats.org/drawingml/2006/main" xmlns:r="http://schemas.openxmlformats.org/officeDocument/2006/relationships" xmlns:p="http://schemas.openxmlformats.org/presentationml/2006/main">
   <p:cSld>
     <p:bg>
@@ -37962,7 +38160,7 @@
 </p:sld>
 </file>
 
-<file path=ppt/slides/slide37.xml><?xml version="1.0" encoding="utf-8"?>
+<file path=ppt/slides/slide38.xml><?xml version="1.0" encoding="utf-8"?>
 <p:sld xmlns:a="http://schemas.openxmlformats.org/drawingml/2006/main" xmlns:r="http://schemas.openxmlformats.org/officeDocument/2006/relationships" xmlns:p="http://schemas.openxmlformats.org/presentationml/2006/main">
   <p:cSld>
     <p:bg>
@@ -39044,7 +39242,7 @@
 </p:sld>
 </file>
 
-<file path=ppt/slides/slide38.xml><?xml version="1.0" encoding="utf-8"?>
+<file path=ppt/slides/slide39.xml><?xml version="1.0" encoding="utf-8"?>
 <p:sld xmlns:a="http://schemas.openxmlformats.org/drawingml/2006/main" xmlns:r="http://schemas.openxmlformats.org/officeDocument/2006/relationships" xmlns:p="http://schemas.openxmlformats.org/presentationml/2006/main">
   <p:cSld>
     <p:bg>
@@ -40126,7 +40324,1558 @@
 </p:sld>
 </file>
 
-<file path=ppt/slides/slide39.xml><?xml version="1.0" encoding="utf-8"?>
+<file path=ppt/slides/slide4.xml><?xml version="1.0" encoding="utf-8"?>
+<p:sld xmlns:a="http://schemas.openxmlformats.org/drawingml/2006/main" xmlns:r="http://schemas.openxmlformats.org/officeDocument/2006/relationships" xmlns:p="http://schemas.openxmlformats.org/presentationml/2006/main">
+  <p:cSld>
+    <p:bg>
+      <p:bgPr>
+        <a:solidFill>
+          <a:schemeClr val="bg1"/>
+        </a:solidFill>
+        <a:effectLst/>
+      </p:bgPr>
+    </p:bg>
+    <p:spTree>
+      <p:nvGrpSpPr>
+        <p:cNvPr id="1" name=""/>
+        <p:cNvGrpSpPr/>
+        <p:nvPr/>
+      </p:nvGrpSpPr>
+      <p:grpSpPr>
+        <a:xfrm>
+          <a:off x="0" y="0"/>
+          <a:ext cx="0" cy="0"/>
+          <a:chOff x="0" y="0"/>
+          <a:chExt cx="0" cy="0"/>
+        </a:xfrm>
+      </p:grpSpPr>
+      <p:grpSp>
+        <p:nvGrpSpPr>
+          <p:cNvPr id="37" name="Group 9">
+            <a:extLst>
+              <a:ext uri="{FF2B5EF4-FFF2-40B4-BE49-F238E27FC236}">
+                <a16:creationId xmlns:a16="http://schemas.microsoft.com/office/drawing/2014/main" id="{609316A9-990D-4EC3-A671-70EE5C1493A4}"/>
+              </a:ext>
+              <a:ext uri="{C183D7F6-B498-43B3-948B-1728B52AA6E4}">
+                <adec:decorative xmlns:adec="http://schemas.microsoft.com/office/drawing/2017/decorative" val="1"/>
+              </a:ext>
+            </a:extLst>
+          </p:cNvPr>
+          <p:cNvGrpSpPr>
+            <a:grpSpLocks noGrp="1" noUngrp="1" noRot="1" noChangeAspect="1" noMove="1" noResize="1"/>
+          </p:cNvGrpSpPr>
+          <p:nvPr>
+            <p:extLst>
+              <p:ext uri="{386F3935-93C4-4BCD-93E2-E3B085C9AB24}">
+                <p16:designElem xmlns:p16="http://schemas.microsoft.com/office/powerpoint/2015/main" val="1"/>
+              </p:ext>
+            </p:extLst>
+          </p:nvPr>
+        </p:nvGrpSpPr>
+        <p:grpSpPr>
+          <a:xfrm>
+            <a:off x="0" y="-8467"/>
+            <a:ext cx="12192000" cy="6866467"/>
+            <a:chOff x="0" y="-8467"/>
+            <a:chExt cx="12192000" cy="6866467"/>
+          </a:xfrm>
+        </p:grpSpPr>
+        <p:cxnSp>
+          <p:nvCxnSpPr>
+            <p:cNvPr id="11" name="Straight Connector 10">
+              <a:extLst>
+                <a:ext uri="{FF2B5EF4-FFF2-40B4-BE49-F238E27FC236}">
+                  <a16:creationId xmlns:a16="http://schemas.microsoft.com/office/drawing/2014/main" id="{9B0C6109-9159-49CA-AD7A-F9035539DB7F}"/>
+                </a:ext>
+                <a:ext uri="{C183D7F6-B498-43B3-948B-1728B52AA6E4}">
+                  <adec:decorative xmlns:adec="http://schemas.microsoft.com/office/drawing/2017/decorative" val="1"/>
+                </a:ext>
+              </a:extLst>
+            </p:cNvPr>
+            <p:cNvCxnSpPr/>
+            <p:nvPr>
+              <p:extLst>
+                <p:ext uri="{386F3935-93C4-4BCD-93E2-E3B085C9AB24}">
+                  <p16:designElem xmlns:p16="http://schemas.microsoft.com/office/powerpoint/2015/main" val="1"/>
+                </p:ext>
+              </p:extLst>
+            </p:nvPr>
+          </p:nvCxnSpPr>
+          <p:spPr>
+            <a:xfrm>
+              <a:off x="9371012" y="0"/>
+              <a:ext cx="1219200" cy="6858000"/>
+            </a:xfrm>
+            <a:prstGeom prst="line">
+              <a:avLst/>
+            </a:prstGeom>
+            <a:ln w="9525">
+              <a:solidFill>
+                <a:schemeClr val="bg1">
+                  <a:lumMod val="75000"/>
+                </a:schemeClr>
+              </a:solidFill>
+            </a:ln>
+          </p:spPr>
+          <p:style>
+            <a:lnRef idx="2">
+              <a:schemeClr val="accent1"/>
+            </a:lnRef>
+            <a:fillRef idx="0">
+              <a:schemeClr val="accent1"/>
+            </a:fillRef>
+            <a:effectRef idx="1">
+              <a:schemeClr val="accent1"/>
+            </a:effectRef>
+            <a:fontRef idx="minor">
+              <a:schemeClr val="tx1"/>
+            </a:fontRef>
+          </p:style>
+        </p:cxnSp>
+        <p:cxnSp>
+          <p:nvCxnSpPr>
+            <p:cNvPr id="12" name="Straight Connector 11">
+              <a:extLst>
+                <a:ext uri="{FF2B5EF4-FFF2-40B4-BE49-F238E27FC236}">
+                  <a16:creationId xmlns:a16="http://schemas.microsoft.com/office/drawing/2014/main" id="{686F14F5-308C-4EB6-87AB-05DE9501B1AA}"/>
+                </a:ext>
+                <a:ext uri="{C183D7F6-B498-43B3-948B-1728B52AA6E4}">
+                  <adec:decorative xmlns:adec="http://schemas.microsoft.com/office/drawing/2017/decorative" val="1"/>
+                </a:ext>
+              </a:extLst>
+            </p:cNvPr>
+            <p:cNvCxnSpPr/>
+            <p:nvPr>
+              <p:extLst>
+                <p:ext uri="{386F3935-93C4-4BCD-93E2-E3B085C9AB24}">
+                  <p16:designElem xmlns:p16="http://schemas.microsoft.com/office/powerpoint/2015/main" val="1"/>
+                </p:ext>
+              </p:extLst>
+            </p:nvPr>
+          </p:nvCxnSpPr>
+          <p:spPr>
+            <a:xfrm flipH="1">
+              <a:off x="7425267" y="3681413"/>
+              <a:ext cx="4763558" cy="3176587"/>
+            </a:xfrm>
+            <a:prstGeom prst="line">
+              <a:avLst/>
+            </a:prstGeom>
+            <a:ln w="9525">
+              <a:solidFill>
+                <a:schemeClr val="bg1">
+                  <a:lumMod val="85000"/>
+                </a:schemeClr>
+              </a:solidFill>
+            </a:ln>
+          </p:spPr>
+          <p:style>
+            <a:lnRef idx="2">
+              <a:schemeClr val="accent1"/>
+            </a:lnRef>
+            <a:fillRef idx="0">
+              <a:schemeClr val="accent1"/>
+            </a:fillRef>
+            <a:effectRef idx="1">
+              <a:schemeClr val="accent1"/>
+            </a:effectRef>
+            <a:fontRef idx="minor">
+              <a:schemeClr val="tx1"/>
+            </a:fontRef>
+          </p:style>
+        </p:cxnSp>
+        <p:sp>
+          <p:nvSpPr>
+            <p:cNvPr id="13" name="Rectangle 23">
+              <a:extLst>
+                <a:ext uri="{FF2B5EF4-FFF2-40B4-BE49-F238E27FC236}">
+                  <a16:creationId xmlns:a16="http://schemas.microsoft.com/office/drawing/2014/main" id="{BA032363-A188-47C5-9D59-9B788809DCD2}"/>
+                </a:ext>
+                <a:ext uri="{C183D7F6-B498-43B3-948B-1728B52AA6E4}">
+                  <adec:decorative xmlns:adec="http://schemas.microsoft.com/office/drawing/2017/decorative" val="1"/>
+                </a:ext>
+              </a:extLst>
+            </p:cNvPr>
+            <p:cNvSpPr/>
+            <p:nvPr>
+              <p:extLst>
+                <p:ext uri="{386F3935-93C4-4BCD-93E2-E3B085C9AB24}">
+                  <p16:designElem xmlns:p16="http://schemas.microsoft.com/office/powerpoint/2015/main" val="1"/>
+                </p:ext>
+              </p:extLst>
+            </p:nvPr>
+          </p:nvSpPr>
+          <p:spPr>
+            <a:xfrm>
+              <a:off x="9181476" y="-8467"/>
+              <a:ext cx="3007349" cy="6866467"/>
+            </a:xfrm>
+            <a:custGeom>
+              <a:avLst/>
+              <a:gdLst/>
+              <a:ahLst/>
+              <a:cxnLst/>
+              <a:rect l="l" t="t" r="r" b="b"/>
+              <a:pathLst>
+                <a:path w="3007349" h="6866467">
+                  <a:moveTo>
+                    <a:pt x="2045532" y="0"/>
+                  </a:moveTo>
+                  <a:lnTo>
+                    <a:pt x="3007349" y="0"/>
+                  </a:lnTo>
+                  <a:lnTo>
+                    <a:pt x="3007349" y="6866467"/>
+                  </a:lnTo>
+                  <a:lnTo>
+                    <a:pt x="0" y="6866467"/>
+                  </a:lnTo>
+                  <a:lnTo>
+                    <a:pt x="2045532" y="0"/>
+                  </a:lnTo>
+                  <a:close/>
+                </a:path>
+              </a:pathLst>
+            </a:custGeom>
+            <a:solidFill>
+              <a:schemeClr val="accent1">
+                <a:alpha val="30000"/>
+              </a:schemeClr>
+            </a:solidFill>
+            <a:ln>
+              <a:noFill/>
+            </a:ln>
+            <a:effectLst/>
+          </p:spPr>
+          <p:style>
+            <a:lnRef idx="1">
+              <a:schemeClr val="accent1"/>
+            </a:lnRef>
+            <a:fillRef idx="3">
+              <a:schemeClr val="accent1"/>
+            </a:fillRef>
+            <a:effectRef idx="2">
+              <a:schemeClr val="accent1"/>
+            </a:effectRef>
+            <a:fontRef idx="minor">
+              <a:schemeClr val="lt1"/>
+            </a:fontRef>
+          </p:style>
+        </p:sp>
+        <p:sp>
+          <p:nvSpPr>
+            <p:cNvPr id="14" name="Rectangle 25">
+              <a:extLst>
+                <a:ext uri="{FF2B5EF4-FFF2-40B4-BE49-F238E27FC236}">
+                  <a16:creationId xmlns:a16="http://schemas.microsoft.com/office/drawing/2014/main" id="{2C4077DF-6BB9-4069-AD28-6B1664EBB064}"/>
+                </a:ext>
+                <a:ext uri="{C183D7F6-B498-43B3-948B-1728B52AA6E4}">
+                  <adec:decorative xmlns:adec="http://schemas.microsoft.com/office/drawing/2017/decorative" val="1"/>
+                </a:ext>
+              </a:extLst>
+            </p:cNvPr>
+            <p:cNvSpPr/>
+            <p:nvPr>
+              <p:extLst>
+                <p:ext uri="{386F3935-93C4-4BCD-93E2-E3B085C9AB24}">
+                  <p16:designElem xmlns:p16="http://schemas.microsoft.com/office/powerpoint/2015/main" val="1"/>
+                </p:ext>
+              </p:extLst>
+            </p:nvPr>
+          </p:nvSpPr>
+          <p:spPr>
+            <a:xfrm>
+              <a:off x="9603442" y="-8467"/>
+              <a:ext cx="2588558" cy="6866467"/>
+            </a:xfrm>
+            <a:custGeom>
+              <a:avLst/>
+              <a:gdLst/>
+              <a:ahLst/>
+              <a:cxnLst/>
+              <a:rect l="l" t="t" r="r" b="b"/>
+              <a:pathLst>
+                <a:path w="2573311" h="6866467">
+                  <a:moveTo>
+                    <a:pt x="0" y="0"/>
+                  </a:moveTo>
+                  <a:lnTo>
+                    <a:pt x="2573311" y="0"/>
+                  </a:lnTo>
+                  <a:lnTo>
+                    <a:pt x="2573311" y="6866467"/>
+                  </a:lnTo>
+                  <a:lnTo>
+                    <a:pt x="1202336" y="6866467"/>
+                  </a:lnTo>
+                  <a:lnTo>
+                    <a:pt x="0" y="0"/>
+                  </a:lnTo>
+                  <a:close/>
+                </a:path>
+              </a:pathLst>
+            </a:custGeom>
+            <a:solidFill>
+              <a:schemeClr val="accent1">
+                <a:alpha val="20000"/>
+              </a:schemeClr>
+            </a:solidFill>
+            <a:ln>
+              <a:noFill/>
+            </a:ln>
+            <a:effectLst/>
+          </p:spPr>
+          <p:style>
+            <a:lnRef idx="1">
+              <a:schemeClr val="accent1"/>
+            </a:lnRef>
+            <a:fillRef idx="3">
+              <a:schemeClr val="accent1"/>
+            </a:fillRef>
+            <a:effectRef idx="2">
+              <a:schemeClr val="accent1"/>
+            </a:effectRef>
+            <a:fontRef idx="minor">
+              <a:schemeClr val="lt1"/>
+            </a:fontRef>
+          </p:style>
+        </p:sp>
+        <p:sp>
+          <p:nvSpPr>
+            <p:cNvPr id="15" name="Isosceles Triangle 14">
+              <a:extLst>
+                <a:ext uri="{FF2B5EF4-FFF2-40B4-BE49-F238E27FC236}">
+                  <a16:creationId xmlns:a16="http://schemas.microsoft.com/office/drawing/2014/main" id="{1D2B8B50-3419-41ED-9A9F-3CF9EEBBD3F2}"/>
+                </a:ext>
+                <a:ext uri="{C183D7F6-B498-43B3-948B-1728B52AA6E4}">
+                  <adec:decorative xmlns:adec="http://schemas.microsoft.com/office/drawing/2017/decorative" val="1"/>
+                </a:ext>
+              </a:extLst>
+            </p:cNvPr>
+            <p:cNvSpPr/>
+            <p:nvPr>
+              <p:extLst>
+                <p:ext uri="{386F3935-93C4-4BCD-93E2-E3B085C9AB24}">
+                  <p16:designElem xmlns:p16="http://schemas.microsoft.com/office/powerpoint/2015/main" val="1"/>
+                </p:ext>
+              </p:extLst>
+            </p:nvPr>
+          </p:nvSpPr>
+          <p:spPr>
+            <a:xfrm>
+              <a:off x="8932333" y="3048000"/>
+              <a:ext cx="3259667" cy="3810000"/>
+            </a:xfrm>
+            <a:prstGeom prst="triangle">
+              <a:avLst>
+                <a:gd name="adj" fmla="val 100000"/>
+              </a:avLst>
+            </a:prstGeom>
+            <a:solidFill>
+              <a:schemeClr val="accent2">
+                <a:alpha val="72000"/>
+              </a:schemeClr>
+            </a:solidFill>
+            <a:ln>
+              <a:noFill/>
+            </a:ln>
+            <a:effectLst/>
+          </p:spPr>
+          <p:style>
+            <a:lnRef idx="1">
+              <a:schemeClr val="accent1"/>
+            </a:lnRef>
+            <a:fillRef idx="3">
+              <a:schemeClr val="accent1"/>
+            </a:fillRef>
+            <a:effectRef idx="2">
+              <a:schemeClr val="accent1"/>
+            </a:effectRef>
+            <a:fontRef idx="minor">
+              <a:schemeClr val="lt1"/>
+            </a:fontRef>
+          </p:style>
+        </p:sp>
+        <p:sp>
+          <p:nvSpPr>
+            <p:cNvPr id="16" name="Rectangle 27">
+              <a:extLst>
+                <a:ext uri="{FF2B5EF4-FFF2-40B4-BE49-F238E27FC236}">
+                  <a16:creationId xmlns:a16="http://schemas.microsoft.com/office/drawing/2014/main" id="{5C640498-2E73-4FA2-BEB6-C3596A458C8A}"/>
+                </a:ext>
+                <a:ext uri="{C183D7F6-B498-43B3-948B-1728B52AA6E4}">
+                  <adec:decorative xmlns:adec="http://schemas.microsoft.com/office/drawing/2017/decorative" val="1"/>
+                </a:ext>
+              </a:extLst>
+            </p:cNvPr>
+            <p:cNvSpPr/>
+            <p:nvPr>
+              <p:extLst>
+                <p:ext uri="{386F3935-93C4-4BCD-93E2-E3B085C9AB24}">
+                  <p16:designElem xmlns:p16="http://schemas.microsoft.com/office/powerpoint/2015/main" val="1"/>
+                </p:ext>
+              </p:extLst>
+            </p:nvPr>
+          </p:nvSpPr>
+          <p:spPr>
+            <a:xfrm>
+              <a:off x="9334500" y="-8467"/>
+              <a:ext cx="2854326" cy="6866467"/>
+            </a:xfrm>
+            <a:custGeom>
+              <a:avLst/>
+              <a:gdLst/>
+              <a:ahLst/>
+              <a:cxnLst/>
+              <a:rect l="l" t="t" r="r" b="b"/>
+              <a:pathLst>
+                <a:path w="2858013" h="6866467">
+                  <a:moveTo>
+                    <a:pt x="0" y="0"/>
+                  </a:moveTo>
+                  <a:lnTo>
+                    <a:pt x="2858013" y="0"/>
+                  </a:lnTo>
+                  <a:lnTo>
+                    <a:pt x="2858013" y="6866467"/>
+                  </a:lnTo>
+                  <a:lnTo>
+                    <a:pt x="2473942" y="6866467"/>
+                  </a:lnTo>
+                  <a:lnTo>
+                    <a:pt x="0" y="0"/>
+                  </a:lnTo>
+                  <a:close/>
+                </a:path>
+              </a:pathLst>
+            </a:custGeom>
+            <a:solidFill>
+              <a:schemeClr val="accent2">
+                <a:lumMod val="75000"/>
+                <a:alpha val="70000"/>
+              </a:schemeClr>
+            </a:solidFill>
+            <a:ln>
+              <a:noFill/>
+            </a:ln>
+            <a:effectLst/>
+          </p:spPr>
+          <p:style>
+            <a:lnRef idx="1">
+              <a:schemeClr val="accent1"/>
+            </a:lnRef>
+            <a:fillRef idx="3">
+              <a:schemeClr val="accent1"/>
+            </a:fillRef>
+            <a:effectRef idx="2">
+              <a:schemeClr val="accent1"/>
+            </a:effectRef>
+            <a:fontRef idx="minor">
+              <a:schemeClr val="lt1"/>
+            </a:fontRef>
+          </p:style>
+        </p:sp>
+        <p:sp>
+          <p:nvSpPr>
+            <p:cNvPr id="17" name="Rectangle 28">
+              <a:extLst>
+                <a:ext uri="{FF2B5EF4-FFF2-40B4-BE49-F238E27FC236}">
+                  <a16:creationId xmlns:a16="http://schemas.microsoft.com/office/drawing/2014/main" id="{3240EEFC-4112-4C39-A816-C815774F6D69}"/>
+                </a:ext>
+                <a:ext uri="{C183D7F6-B498-43B3-948B-1728B52AA6E4}">
+                  <adec:decorative xmlns:adec="http://schemas.microsoft.com/office/drawing/2017/decorative" val="1"/>
+                </a:ext>
+              </a:extLst>
+            </p:cNvPr>
+            <p:cNvSpPr/>
+            <p:nvPr>
+              <p:extLst>
+                <p:ext uri="{386F3935-93C4-4BCD-93E2-E3B085C9AB24}">
+                  <p16:designElem xmlns:p16="http://schemas.microsoft.com/office/powerpoint/2015/main" val="1"/>
+                </p:ext>
+              </p:extLst>
+            </p:nvPr>
+          </p:nvSpPr>
+          <p:spPr>
+            <a:xfrm>
+              <a:off x="10898730" y="-8467"/>
+              <a:ext cx="1290094" cy="6866467"/>
+            </a:xfrm>
+            <a:custGeom>
+              <a:avLst/>
+              <a:gdLst/>
+              <a:ahLst/>
+              <a:cxnLst/>
+              <a:rect l="l" t="t" r="r" b="b"/>
+              <a:pathLst>
+                <a:path w="1290094" h="6858000">
+                  <a:moveTo>
+                    <a:pt x="1019735" y="0"/>
+                  </a:moveTo>
+                  <a:lnTo>
+                    <a:pt x="1290094" y="0"/>
+                  </a:lnTo>
+                  <a:lnTo>
+                    <a:pt x="1290094" y="6858000"/>
+                  </a:lnTo>
+                  <a:lnTo>
+                    <a:pt x="0" y="6858000"/>
+                  </a:lnTo>
+                  <a:lnTo>
+                    <a:pt x="1019735" y="0"/>
+                  </a:lnTo>
+                  <a:close/>
+                </a:path>
+              </a:pathLst>
+            </a:custGeom>
+            <a:solidFill>
+              <a:schemeClr val="accent1">
+                <a:lumMod val="60000"/>
+                <a:lumOff val="40000"/>
+                <a:alpha val="70000"/>
+              </a:schemeClr>
+            </a:solidFill>
+            <a:ln>
+              <a:noFill/>
+            </a:ln>
+            <a:effectLst/>
+          </p:spPr>
+          <p:style>
+            <a:lnRef idx="1">
+              <a:schemeClr val="accent1"/>
+            </a:lnRef>
+            <a:fillRef idx="3">
+              <a:schemeClr val="accent1"/>
+            </a:fillRef>
+            <a:effectRef idx="2">
+              <a:schemeClr val="accent1"/>
+            </a:effectRef>
+            <a:fontRef idx="minor">
+              <a:schemeClr val="lt1"/>
+            </a:fontRef>
+          </p:style>
+        </p:sp>
+        <p:sp>
+          <p:nvSpPr>
+            <p:cNvPr id="18" name="Rectangle 29">
+              <a:extLst>
+                <a:ext uri="{FF2B5EF4-FFF2-40B4-BE49-F238E27FC236}">
+                  <a16:creationId xmlns:a16="http://schemas.microsoft.com/office/drawing/2014/main" id="{ADF362B0-03EA-4800-9FAA-9F128587E428}"/>
+                </a:ext>
+                <a:ext uri="{C183D7F6-B498-43B3-948B-1728B52AA6E4}">
+                  <adec:decorative xmlns:adec="http://schemas.microsoft.com/office/drawing/2017/decorative" val="1"/>
+                </a:ext>
+              </a:extLst>
+            </p:cNvPr>
+            <p:cNvSpPr/>
+            <p:nvPr>
+              <p:extLst>
+                <p:ext uri="{386F3935-93C4-4BCD-93E2-E3B085C9AB24}">
+                  <p16:designElem xmlns:p16="http://schemas.microsoft.com/office/powerpoint/2015/main" val="1"/>
+                </p:ext>
+              </p:extLst>
+            </p:nvPr>
+          </p:nvSpPr>
+          <p:spPr>
+            <a:xfrm>
+              <a:off x="10938999" y="-8467"/>
+              <a:ext cx="1249825" cy="6866467"/>
+            </a:xfrm>
+            <a:custGeom>
+              <a:avLst/>
+              <a:gdLst/>
+              <a:ahLst/>
+              <a:cxnLst/>
+              <a:rect l="l" t="t" r="r" b="b"/>
+              <a:pathLst>
+                <a:path w="1249825" h="6858000">
+                  <a:moveTo>
+                    <a:pt x="0" y="0"/>
+                  </a:moveTo>
+                  <a:lnTo>
+                    <a:pt x="1249825" y="0"/>
+                  </a:lnTo>
+                  <a:lnTo>
+                    <a:pt x="1249825" y="6858000"/>
+                  </a:lnTo>
+                  <a:lnTo>
+                    <a:pt x="1109382" y="6858000"/>
+                  </a:lnTo>
+                  <a:lnTo>
+                    <a:pt x="0" y="0"/>
+                  </a:lnTo>
+                  <a:close/>
+                </a:path>
+              </a:pathLst>
+            </a:custGeom>
+            <a:solidFill>
+              <a:schemeClr val="accent1">
+                <a:alpha val="65000"/>
+              </a:schemeClr>
+            </a:solidFill>
+            <a:ln>
+              <a:noFill/>
+            </a:ln>
+            <a:effectLst/>
+          </p:spPr>
+          <p:style>
+            <a:lnRef idx="1">
+              <a:schemeClr val="accent1"/>
+            </a:lnRef>
+            <a:fillRef idx="3">
+              <a:schemeClr val="accent1"/>
+            </a:fillRef>
+            <a:effectRef idx="2">
+              <a:schemeClr val="accent1"/>
+            </a:effectRef>
+            <a:fontRef idx="minor">
+              <a:schemeClr val="lt1"/>
+            </a:fontRef>
+          </p:style>
+        </p:sp>
+        <p:sp>
+          <p:nvSpPr>
+            <p:cNvPr id="19" name="Isosceles Triangle 18">
+              <a:extLst>
+                <a:ext uri="{FF2B5EF4-FFF2-40B4-BE49-F238E27FC236}">
+                  <a16:creationId xmlns:a16="http://schemas.microsoft.com/office/drawing/2014/main" id="{0BA84559-2F4C-4795-9246-4C563F942DB9}"/>
+                </a:ext>
+                <a:ext uri="{C183D7F6-B498-43B3-948B-1728B52AA6E4}">
+                  <adec:decorative xmlns:adec="http://schemas.microsoft.com/office/drawing/2017/decorative" val="1"/>
+                </a:ext>
+              </a:extLst>
+            </p:cNvPr>
+            <p:cNvSpPr/>
+            <p:nvPr>
+              <p:extLst>
+                <p:ext uri="{386F3935-93C4-4BCD-93E2-E3B085C9AB24}">
+                  <p16:designElem xmlns:p16="http://schemas.microsoft.com/office/powerpoint/2015/main" val="1"/>
+                </p:ext>
+              </p:extLst>
+            </p:nvPr>
+          </p:nvSpPr>
+          <p:spPr>
+            <a:xfrm>
+              <a:off x="10371666" y="3589867"/>
+              <a:ext cx="1817159" cy="3268133"/>
+            </a:xfrm>
+            <a:prstGeom prst="triangle">
+              <a:avLst>
+                <a:gd name="adj" fmla="val 100000"/>
+              </a:avLst>
+            </a:prstGeom>
+            <a:solidFill>
+              <a:schemeClr val="accent1">
+                <a:alpha val="80000"/>
+              </a:schemeClr>
+            </a:solidFill>
+            <a:ln>
+              <a:noFill/>
+            </a:ln>
+            <a:effectLst/>
+          </p:spPr>
+          <p:style>
+            <a:lnRef idx="1">
+              <a:schemeClr val="accent1"/>
+            </a:lnRef>
+            <a:fillRef idx="3">
+              <a:schemeClr val="accent1"/>
+            </a:fillRef>
+            <a:effectRef idx="2">
+              <a:schemeClr val="accent1"/>
+            </a:effectRef>
+            <a:fontRef idx="minor">
+              <a:schemeClr val="lt1"/>
+            </a:fontRef>
+          </p:style>
+        </p:sp>
+        <p:sp>
+          <p:nvSpPr>
+            <p:cNvPr id="20" name="Isosceles Triangle 19">
+              <a:extLst>
+                <a:ext uri="{FF2B5EF4-FFF2-40B4-BE49-F238E27FC236}">
+                  <a16:creationId xmlns:a16="http://schemas.microsoft.com/office/drawing/2014/main" id="{FA77A1AA-CA47-4A91-A0A1-0A8CE31A985E}"/>
+                </a:ext>
+                <a:ext uri="{C183D7F6-B498-43B3-948B-1728B52AA6E4}">
+                  <adec:decorative xmlns:adec="http://schemas.microsoft.com/office/drawing/2017/decorative" val="1"/>
+                </a:ext>
+              </a:extLst>
+            </p:cNvPr>
+            <p:cNvSpPr/>
+            <p:nvPr>
+              <p:extLst>
+                <p:ext uri="{386F3935-93C4-4BCD-93E2-E3B085C9AB24}">
+                  <p16:designElem xmlns:p16="http://schemas.microsoft.com/office/powerpoint/2015/main" val="1"/>
+                </p:ext>
+              </p:extLst>
+            </p:nvPr>
+          </p:nvSpPr>
+          <p:spPr>
+            <a:xfrm>
+              <a:off x="0" y="4013200"/>
+              <a:ext cx="448733" cy="2844800"/>
+            </a:xfrm>
+            <a:prstGeom prst="triangle">
+              <a:avLst>
+                <a:gd name="adj" fmla="val 0"/>
+              </a:avLst>
+            </a:prstGeom>
+            <a:solidFill>
+              <a:schemeClr val="accent1">
+                <a:alpha val="85000"/>
+              </a:schemeClr>
+            </a:solidFill>
+            <a:ln>
+              <a:noFill/>
+            </a:ln>
+            <a:effectLst/>
+          </p:spPr>
+          <p:style>
+            <a:lnRef idx="1">
+              <a:schemeClr val="accent1"/>
+            </a:lnRef>
+            <a:fillRef idx="3">
+              <a:schemeClr val="accent1"/>
+            </a:fillRef>
+            <a:effectRef idx="2">
+              <a:schemeClr val="accent1"/>
+            </a:effectRef>
+            <a:fontRef idx="minor">
+              <a:schemeClr val="lt1"/>
+            </a:fontRef>
+          </p:style>
+        </p:sp>
+      </p:grpSp>
+      <p:sp>
+        <p:nvSpPr>
+          <p:cNvPr id="38" name="Rectangle 21">
+            <a:extLst>
+              <a:ext uri="{FF2B5EF4-FFF2-40B4-BE49-F238E27FC236}">
+                <a16:creationId xmlns:a16="http://schemas.microsoft.com/office/drawing/2014/main" id="{03E8462A-FEBA-4848-81CC-3F8DA3E477BE}"/>
+              </a:ext>
+              <a:ext uri="{C183D7F6-B498-43B3-948B-1728B52AA6E4}">
+                <adec:decorative xmlns:adec="http://schemas.microsoft.com/office/drawing/2017/decorative" val="1"/>
+              </a:ext>
+            </a:extLst>
+          </p:cNvPr>
+          <p:cNvSpPr>
+            <a:spLocks noGrp="1" noRot="1" noChangeAspect="1" noMove="1" noResize="1" noEditPoints="1" noAdjustHandles="1" noChangeArrowheads="1" noChangeShapeType="1" noTextEdit="1"/>
+          </p:cNvSpPr>
+          <p:nvPr>
+            <p:extLst>
+              <p:ext uri="{386F3935-93C4-4BCD-93E2-E3B085C9AB24}">
+                <p16:designElem xmlns:p16="http://schemas.microsoft.com/office/powerpoint/2015/main" val="1"/>
+              </p:ext>
+            </p:extLst>
+          </p:nvPr>
+        </p:nvSpPr>
+        <p:spPr>
+          <a:xfrm>
+            <a:off x="0" y="0"/>
+            <a:ext cx="12188952" cy="6858000"/>
+          </a:xfrm>
+          <a:prstGeom prst="rect">
+            <a:avLst/>
+          </a:prstGeom>
+          <a:solidFill>
+            <a:schemeClr val="accent2"/>
+          </a:solidFill>
+          <a:ln>
+            <a:noFill/>
+          </a:ln>
+        </p:spPr>
+        <p:style>
+          <a:lnRef idx="2">
+            <a:schemeClr val="accent1">
+              <a:shade val="50000"/>
+            </a:schemeClr>
+          </a:lnRef>
+          <a:fillRef idx="1">
+            <a:schemeClr val="accent1"/>
+          </a:fillRef>
+          <a:effectRef idx="0">
+            <a:schemeClr val="accent1"/>
+          </a:effectRef>
+          <a:fontRef idx="minor">
+            <a:schemeClr val="lt1"/>
+          </a:fontRef>
+        </p:style>
+        <p:txBody>
+          <a:bodyPr rtlCol="0" anchor="ctr"/>
+          <a:lstStyle/>
+          <a:p>
+            <a:pPr algn="ctr"/>
+            <a:endParaRPr lang="en-US"/>
+          </a:p>
+        </p:txBody>
+      </p:sp>
+      <p:grpSp>
+        <p:nvGrpSpPr>
+          <p:cNvPr id="39" name="Group 23">
+            <a:extLst>
+              <a:ext uri="{FF2B5EF4-FFF2-40B4-BE49-F238E27FC236}">
+                <a16:creationId xmlns:a16="http://schemas.microsoft.com/office/drawing/2014/main" id="{2109F83F-40FE-4DB3-84CC-09FB3340D06D}"/>
+              </a:ext>
+              <a:ext uri="{C183D7F6-B498-43B3-948B-1728B52AA6E4}">
+                <adec:decorative xmlns:adec="http://schemas.microsoft.com/office/drawing/2017/decorative" val="1"/>
+              </a:ext>
+            </a:extLst>
+          </p:cNvPr>
+          <p:cNvGrpSpPr>
+            <a:grpSpLocks noGrp="1" noUngrp="1" noRot="1" noChangeAspect="1" noMove="1" noResize="1"/>
+          </p:cNvGrpSpPr>
+          <p:nvPr>
+            <p:extLst>
+              <p:ext uri="{386F3935-93C4-4BCD-93E2-E3B085C9AB24}">
+                <p16:designElem xmlns:p16="http://schemas.microsoft.com/office/powerpoint/2015/main" val="1"/>
+              </p:ext>
+            </p:extLst>
+          </p:nvPr>
+        </p:nvGrpSpPr>
+        <p:grpSpPr>
+          <a:xfrm>
+            <a:off x="0" y="-8467"/>
+            <a:ext cx="12192000" cy="6866467"/>
+            <a:chOff x="0" y="-8467"/>
+            <a:chExt cx="12192000" cy="6866467"/>
+          </a:xfrm>
+        </p:grpSpPr>
+        <p:cxnSp>
+          <p:nvCxnSpPr>
+            <p:cNvPr id="25" name="Straight Connector 24">
+              <a:extLst>
+                <a:ext uri="{FF2B5EF4-FFF2-40B4-BE49-F238E27FC236}">
+                  <a16:creationId xmlns:a16="http://schemas.microsoft.com/office/drawing/2014/main" id="{1DE492D7-C3C3-48FF-80C8-37021EA0262F}"/>
+                </a:ext>
+                <a:ext uri="{C183D7F6-B498-43B3-948B-1728B52AA6E4}">
+                  <adec:decorative xmlns:adec="http://schemas.microsoft.com/office/drawing/2017/decorative" val="1"/>
+                </a:ext>
+              </a:extLst>
+            </p:cNvPr>
+            <p:cNvCxnSpPr/>
+            <p:nvPr>
+              <p:extLst>
+                <p:ext uri="{386F3935-93C4-4BCD-93E2-E3B085C9AB24}">
+                  <p16:designElem xmlns:p16="http://schemas.microsoft.com/office/powerpoint/2015/main" val="1"/>
+                </p:ext>
+              </p:extLst>
+            </p:nvPr>
+          </p:nvCxnSpPr>
+          <p:spPr>
+            <a:xfrm flipH="1">
+              <a:off x="7425267" y="3681413"/>
+              <a:ext cx="4763558" cy="3176587"/>
+            </a:xfrm>
+            <a:prstGeom prst="line">
+              <a:avLst/>
+            </a:prstGeom>
+            <a:ln w="9525">
+              <a:solidFill>
+                <a:schemeClr val="bg1">
+                  <a:lumMod val="85000"/>
+                </a:schemeClr>
+              </a:solidFill>
+            </a:ln>
+          </p:spPr>
+          <p:style>
+            <a:lnRef idx="2">
+              <a:schemeClr val="accent1"/>
+            </a:lnRef>
+            <a:fillRef idx="0">
+              <a:schemeClr val="accent1"/>
+            </a:fillRef>
+            <a:effectRef idx="1">
+              <a:schemeClr val="accent1"/>
+            </a:effectRef>
+            <a:fontRef idx="minor">
+              <a:schemeClr val="tx1"/>
+            </a:fontRef>
+          </p:style>
+        </p:cxnSp>
+        <p:sp>
+          <p:nvSpPr>
+            <p:cNvPr id="26" name="Rectangle 23">
+              <a:extLst>
+                <a:ext uri="{FF2B5EF4-FFF2-40B4-BE49-F238E27FC236}">
+                  <a16:creationId xmlns:a16="http://schemas.microsoft.com/office/drawing/2014/main" id="{0B30FF97-2E9A-490A-AED2-90BA2E0EC17F}"/>
+                </a:ext>
+                <a:ext uri="{C183D7F6-B498-43B3-948B-1728B52AA6E4}">
+                  <adec:decorative xmlns:adec="http://schemas.microsoft.com/office/drawing/2017/decorative" val="1"/>
+                </a:ext>
+              </a:extLst>
+            </p:cNvPr>
+            <p:cNvSpPr/>
+            <p:nvPr>
+              <p:extLst>
+                <p:ext uri="{386F3935-93C4-4BCD-93E2-E3B085C9AB24}">
+                  <p16:designElem xmlns:p16="http://schemas.microsoft.com/office/powerpoint/2015/main" val="1"/>
+                </p:ext>
+              </p:extLst>
+            </p:nvPr>
+          </p:nvSpPr>
+          <p:spPr>
+            <a:xfrm>
+              <a:off x="9181476" y="-8467"/>
+              <a:ext cx="3007349" cy="6866467"/>
+            </a:xfrm>
+            <a:custGeom>
+              <a:avLst/>
+              <a:gdLst/>
+              <a:ahLst/>
+              <a:cxnLst/>
+              <a:rect l="l" t="t" r="r" b="b"/>
+              <a:pathLst>
+                <a:path w="3007349" h="6866467">
+                  <a:moveTo>
+                    <a:pt x="2045532" y="0"/>
+                  </a:moveTo>
+                  <a:lnTo>
+                    <a:pt x="3007349" y="0"/>
+                  </a:lnTo>
+                  <a:lnTo>
+                    <a:pt x="3007349" y="6866467"/>
+                  </a:lnTo>
+                  <a:lnTo>
+                    <a:pt x="0" y="6866467"/>
+                  </a:lnTo>
+                  <a:lnTo>
+                    <a:pt x="2045532" y="0"/>
+                  </a:lnTo>
+                  <a:close/>
+                </a:path>
+              </a:pathLst>
+            </a:custGeom>
+            <a:solidFill>
+              <a:schemeClr val="accent1">
+                <a:alpha val="30000"/>
+              </a:schemeClr>
+            </a:solidFill>
+            <a:ln>
+              <a:noFill/>
+            </a:ln>
+            <a:effectLst/>
+          </p:spPr>
+          <p:style>
+            <a:lnRef idx="1">
+              <a:schemeClr val="accent1"/>
+            </a:lnRef>
+            <a:fillRef idx="3">
+              <a:schemeClr val="accent1"/>
+            </a:fillRef>
+            <a:effectRef idx="2">
+              <a:schemeClr val="accent1"/>
+            </a:effectRef>
+            <a:fontRef idx="minor">
+              <a:schemeClr val="lt1"/>
+            </a:fontRef>
+          </p:style>
+        </p:sp>
+        <p:sp>
+          <p:nvSpPr>
+            <p:cNvPr id="27" name="Rectangle 25">
+              <a:extLst>
+                <a:ext uri="{FF2B5EF4-FFF2-40B4-BE49-F238E27FC236}">
+                  <a16:creationId xmlns:a16="http://schemas.microsoft.com/office/drawing/2014/main" id="{B6D53C7D-A312-47B6-A66A-230A19CFACA6}"/>
+                </a:ext>
+                <a:ext uri="{C183D7F6-B498-43B3-948B-1728B52AA6E4}">
+                  <adec:decorative xmlns:adec="http://schemas.microsoft.com/office/drawing/2017/decorative" val="1"/>
+                </a:ext>
+              </a:extLst>
+            </p:cNvPr>
+            <p:cNvSpPr/>
+            <p:nvPr>
+              <p:extLst>
+                <p:ext uri="{386F3935-93C4-4BCD-93E2-E3B085C9AB24}">
+                  <p16:designElem xmlns:p16="http://schemas.microsoft.com/office/powerpoint/2015/main" val="1"/>
+                </p:ext>
+              </p:extLst>
+            </p:nvPr>
+          </p:nvSpPr>
+          <p:spPr>
+            <a:xfrm>
+              <a:off x="9603442" y="-8467"/>
+              <a:ext cx="2588558" cy="6866467"/>
+            </a:xfrm>
+            <a:custGeom>
+              <a:avLst/>
+              <a:gdLst/>
+              <a:ahLst/>
+              <a:cxnLst/>
+              <a:rect l="l" t="t" r="r" b="b"/>
+              <a:pathLst>
+                <a:path w="2573311" h="6866467">
+                  <a:moveTo>
+                    <a:pt x="0" y="0"/>
+                  </a:moveTo>
+                  <a:lnTo>
+                    <a:pt x="2573311" y="0"/>
+                  </a:lnTo>
+                  <a:lnTo>
+                    <a:pt x="2573311" y="6866467"/>
+                  </a:lnTo>
+                  <a:lnTo>
+                    <a:pt x="1202336" y="6866467"/>
+                  </a:lnTo>
+                  <a:lnTo>
+                    <a:pt x="0" y="0"/>
+                  </a:lnTo>
+                  <a:close/>
+                </a:path>
+              </a:pathLst>
+            </a:custGeom>
+            <a:solidFill>
+              <a:schemeClr val="accent1">
+                <a:alpha val="20000"/>
+              </a:schemeClr>
+            </a:solidFill>
+            <a:ln>
+              <a:noFill/>
+            </a:ln>
+            <a:effectLst/>
+          </p:spPr>
+          <p:style>
+            <a:lnRef idx="1">
+              <a:schemeClr val="accent1"/>
+            </a:lnRef>
+            <a:fillRef idx="3">
+              <a:schemeClr val="accent1"/>
+            </a:fillRef>
+            <a:effectRef idx="2">
+              <a:schemeClr val="accent1"/>
+            </a:effectRef>
+            <a:fontRef idx="minor">
+              <a:schemeClr val="lt1"/>
+            </a:fontRef>
+          </p:style>
+        </p:sp>
+        <p:sp>
+          <p:nvSpPr>
+            <p:cNvPr id="28" name="Isosceles Triangle 27">
+              <a:extLst>
+                <a:ext uri="{FF2B5EF4-FFF2-40B4-BE49-F238E27FC236}">
+                  <a16:creationId xmlns:a16="http://schemas.microsoft.com/office/drawing/2014/main" id="{9329D58C-0D2E-4A2B-AD6A-9CEE506784A8}"/>
+                </a:ext>
+                <a:ext uri="{C183D7F6-B498-43B3-948B-1728B52AA6E4}">
+                  <adec:decorative xmlns:adec="http://schemas.microsoft.com/office/drawing/2017/decorative" val="1"/>
+                </a:ext>
+              </a:extLst>
+            </p:cNvPr>
+            <p:cNvSpPr/>
+            <p:nvPr>
+              <p:extLst>
+                <p:ext uri="{386F3935-93C4-4BCD-93E2-E3B085C9AB24}">
+                  <p16:designElem xmlns:p16="http://schemas.microsoft.com/office/powerpoint/2015/main" val="1"/>
+                </p:ext>
+              </p:extLst>
+            </p:nvPr>
+          </p:nvSpPr>
+          <p:spPr>
+            <a:xfrm>
+              <a:off x="8932333" y="3048000"/>
+              <a:ext cx="3259667" cy="3810000"/>
+            </a:xfrm>
+            <a:prstGeom prst="triangle">
+              <a:avLst>
+                <a:gd name="adj" fmla="val 100000"/>
+              </a:avLst>
+            </a:prstGeom>
+            <a:solidFill>
+              <a:schemeClr val="accent2">
+                <a:alpha val="72000"/>
+              </a:schemeClr>
+            </a:solidFill>
+            <a:ln>
+              <a:noFill/>
+            </a:ln>
+            <a:effectLst/>
+          </p:spPr>
+          <p:style>
+            <a:lnRef idx="1">
+              <a:schemeClr val="accent1"/>
+            </a:lnRef>
+            <a:fillRef idx="3">
+              <a:schemeClr val="accent1"/>
+            </a:fillRef>
+            <a:effectRef idx="2">
+              <a:schemeClr val="accent1"/>
+            </a:effectRef>
+            <a:fontRef idx="minor">
+              <a:schemeClr val="lt1"/>
+            </a:fontRef>
+          </p:style>
+        </p:sp>
+        <p:sp>
+          <p:nvSpPr>
+            <p:cNvPr id="29" name="Rectangle 27">
+              <a:extLst>
+                <a:ext uri="{FF2B5EF4-FFF2-40B4-BE49-F238E27FC236}">
+                  <a16:creationId xmlns:a16="http://schemas.microsoft.com/office/drawing/2014/main" id="{9D446EDE-C690-4461-8BF2-7634808FC8B4}"/>
+                </a:ext>
+                <a:ext uri="{C183D7F6-B498-43B3-948B-1728B52AA6E4}">
+                  <adec:decorative xmlns:adec="http://schemas.microsoft.com/office/drawing/2017/decorative" val="1"/>
+                </a:ext>
+              </a:extLst>
+            </p:cNvPr>
+            <p:cNvSpPr/>
+            <p:nvPr>
+              <p:extLst>
+                <p:ext uri="{386F3935-93C4-4BCD-93E2-E3B085C9AB24}">
+                  <p16:designElem xmlns:p16="http://schemas.microsoft.com/office/powerpoint/2015/main" val="1"/>
+                </p:ext>
+              </p:extLst>
+            </p:nvPr>
+          </p:nvSpPr>
+          <p:spPr>
+            <a:xfrm>
+              <a:off x="9334500" y="-8467"/>
+              <a:ext cx="2854326" cy="6866467"/>
+            </a:xfrm>
+            <a:custGeom>
+              <a:avLst/>
+              <a:gdLst/>
+              <a:ahLst/>
+              <a:cxnLst/>
+              <a:rect l="l" t="t" r="r" b="b"/>
+              <a:pathLst>
+                <a:path w="2858013" h="6866467">
+                  <a:moveTo>
+                    <a:pt x="0" y="0"/>
+                  </a:moveTo>
+                  <a:lnTo>
+                    <a:pt x="2858013" y="0"/>
+                  </a:lnTo>
+                  <a:lnTo>
+                    <a:pt x="2858013" y="6866467"/>
+                  </a:lnTo>
+                  <a:lnTo>
+                    <a:pt x="2473942" y="6866467"/>
+                  </a:lnTo>
+                  <a:lnTo>
+                    <a:pt x="0" y="0"/>
+                  </a:lnTo>
+                  <a:close/>
+                </a:path>
+              </a:pathLst>
+            </a:custGeom>
+            <a:solidFill>
+              <a:schemeClr val="accent2">
+                <a:lumMod val="75000"/>
+                <a:alpha val="70000"/>
+              </a:schemeClr>
+            </a:solidFill>
+            <a:ln>
+              <a:noFill/>
+            </a:ln>
+            <a:effectLst/>
+          </p:spPr>
+          <p:style>
+            <a:lnRef idx="1">
+              <a:schemeClr val="accent1"/>
+            </a:lnRef>
+            <a:fillRef idx="3">
+              <a:schemeClr val="accent1"/>
+            </a:fillRef>
+            <a:effectRef idx="2">
+              <a:schemeClr val="accent1"/>
+            </a:effectRef>
+            <a:fontRef idx="minor">
+              <a:schemeClr val="lt1"/>
+            </a:fontRef>
+          </p:style>
+        </p:sp>
+        <p:sp>
+          <p:nvSpPr>
+            <p:cNvPr id="30" name="Rectangle 28">
+              <a:extLst>
+                <a:ext uri="{FF2B5EF4-FFF2-40B4-BE49-F238E27FC236}">
+                  <a16:creationId xmlns:a16="http://schemas.microsoft.com/office/drawing/2014/main" id="{323F3D34-6531-4AD7-A8C6-195A090281A1}"/>
+                </a:ext>
+                <a:ext uri="{C183D7F6-B498-43B3-948B-1728B52AA6E4}">
+                  <adec:decorative xmlns:adec="http://schemas.microsoft.com/office/drawing/2017/decorative" val="1"/>
+                </a:ext>
+              </a:extLst>
+            </p:cNvPr>
+            <p:cNvSpPr/>
+            <p:nvPr>
+              <p:extLst>
+                <p:ext uri="{386F3935-93C4-4BCD-93E2-E3B085C9AB24}">
+                  <p16:designElem xmlns:p16="http://schemas.microsoft.com/office/powerpoint/2015/main" val="1"/>
+                </p:ext>
+              </p:extLst>
+            </p:nvPr>
+          </p:nvSpPr>
+          <p:spPr>
+            <a:xfrm>
+              <a:off x="10898730" y="-8467"/>
+              <a:ext cx="1290094" cy="6866467"/>
+            </a:xfrm>
+            <a:custGeom>
+              <a:avLst/>
+              <a:gdLst/>
+              <a:ahLst/>
+              <a:cxnLst/>
+              <a:rect l="l" t="t" r="r" b="b"/>
+              <a:pathLst>
+                <a:path w="1290094" h="6858000">
+                  <a:moveTo>
+                    <a:pt x="1019735" y="0"/>
+                  </a:moveTo>
+                  <a:lnTo>
+                    <a:pt x="1290094" y="0"/>
+                  </a:lnTo>
+                  <a:lnTo>
+                    <a:pt x="1290094" y="6858000"/>
+                  </a:lnTo>
+                  <a:lnTo>
+                    <a:pt x="0" y="6858000"/>
+                  </a:lnTo>
+                  <a:lnTo>
+                    <a:pt x="1019735" y="0"/>
+                  </a:lnTo>
+                  <a:close/>
+                </a:path>
+              </a:pathLst>
+            </a:custGeom>
+            <a:solidFill>
+              <a:schemeClr val="accent1">
+                <a:lumMod val="60000"/>
+                <a:lumOff val="40000"/>
+                <a:alpha val="70000"/>
+              </a:schemeClr>
+            </a:solidFill>
+            <a:ln>
+              <a:noFill/>
+            </a:ln>
+            <a:effectLst/>
+          </p:spPr>
+          <p:style>
+            <a:lnRef idx="1">
+              <a:schemeClr val="accent1"/>
+            </a:lnRef>
+            <a:fillRef idx="3">
+              <a:schemeClr val="accent1"/>
+            </a:fillRef>
+            <a:effectRef idx="2">
+              <a:schemeClr val="accent1"/>
+            </a:effectRef>
+            <a:fontRef idx="minor">
+              <a:schemeClr val="lt1"/>
+            </a:fontRef>
+          </p:style>
+        </p:sp>
+        <p:sp>
+          <p:nvSpPr>
+            <p:cNvPr id="31" name="Rectangle 29">
+              <a:extLst>
+                <a:ext uri="{FF2B5EF4-FFF2-40B4-BE49-F238E27FC236}">
+                  <a16:creationId xmlns:a16="http://schemas.microsoft.com/office/drawing/2014/main" id="{B9B0AE3F-2350-435F-A9B0-C310BF876385}"/>
+                </a:ext>
+                <a:ext uri="{C183D7F6-B498-43B3-948B-1728B52AA6E4}">
+                  <adec:decorative xmlns:adec="http://schemas.microsoft.com/office/drawing/2017/decorative" val="1"/>
+                </a:ext>
+              </a:extLst>
+            </p:cNvPr>
+            <p:cNvSpPr/>
+            <p:nvPr>
+              <p:extLst>
+                <p:ext uri="{386F3935-93C4-4BCD-93E2-E3B085C9AB24}">
+                  <p16:designElem xmlns:p16="http://schemas.microsoft.com/office/powerpoint/2015/main" val="1"/>
+                </p:ext>
+              </p:extLst>
+            </p:nvPr>
+          </p:nvSpPr>
+          <p:spPr>
+            <a:xfrm>
+              <a:off x="10938999" y="-8467"/>
+              <a:ext cx="1249825" cy="6866467"/>
+            </a:xfrm>
+            <a:custGeom>
+              <a:avLst/>
+              <a:gdLst/>
+              <a:ahLst/>
+              <a:cxnLst/>
+              <a:rect l="l" t="t" r="r" b="b"/>
+              <a:pathLst>
+                <a:path w="1249825" h="6858000">
+                  <a:moveTo>
+                    <a:pt x="0" y="0"/>
+                  </a:moveTo>
+                  <a:lnTo>
+                    <a:pt x="1249825" y="0"/>
+                  </a:lnTo>
+                  <a:lnTo>
+                    <a:pt x="1249825" y="6858000"/>
+                  </a:lnTo>
+                  <a:lnTo>
+                    <a:pt x="1109382" y="6858000"/>
+                  </a:lnTo>
+                  <a:lnTo>
+                    <a:pt x="0" y="0"/>
+                  </a:lnTo>
+                  <a:close/>
+                </a:path>
+              </a:pathLst>
+            </a:custGeom>
+            <a:solidFill>
+              <a:schemeClr val="accent1">
+                <a:alpha val="65000"/>
+              </a:schemeClr>
+            </a:solidFill>
+            <a:ln>
+              <a:noFill/>
+            </a:ln>
+            <a:effectLst/>
+          </p:spPr>
+          <p:style>
+            <a:lnRef idx="1">
+              <a:schemeClr val="accent1"/>
+            </a:lnRef>
+            <a:fillRef idx="3">
+              <a:schemeClr val="accent1"/>
+            </a:fillRef>
+            <a:effectRef idx="2">
+              <a:schemeClr val="accent1"/>
+            </a:effectRef>
+            <a:fontRef idx="minor">
+              <a:schemeClr val="lt1"/>
+            </a:fontRef>
+          </p:style>
+        </p:sp>
+        <p:sp>
+          <p:nvSpPr>
+            <p:cNvPr id="32" name="Isosceles Triangle 31">
+              <a:extLst>
+                <a:ext uri="{FF2B5EF4-FFF2-40B4-BE49-F238E27FC236}">
+                  <a16:creationId xmlns:a16="http://schemas.microsoft.com/office/drawing/2014/main" id="{4EFA655C-9E50-4C14-A89E-AD7B648E4E2B}"/>
+                </a:ext>
+                <a:ext uri="{C183D7F6-B498-43B3-948B-1728B52AA6E4}">
+                  <adec:decorative xmlns:adec="http://schemas.microsoft.com/office/drawing/2017/decorative" val="1"/>
+                </a:ext>
+              </a:extLst>
+            </p:cNvPr>
+            <p:cNvSpPr/>
+            <p:nvPr>
+              <p:extLst>
+                <p:ext uri="{386F3935-93C4-4BCD-93E2-E3B085C9AB24}">
+                  <p16:designElem xmlns:p16="http://schemas.microsoft.com/office/powerpoint/2015/main" val="1"/>
+                </p:ext>
+              </p:extLst>
+            </p:nvPr>
+          </p:nvSpPr>
+          <p:spPr>
+            <a:xfrm>
+              <a:off x="10371666" y="3589867"/>
+              <a:ext cx="1817159" cy="3268133"/>
+            </a:xfrm>
+            <a:prstGeom prst="triangle">
+              <a:avLst>
+                <a:gd name="adj" fmla="val 100000"/>
+              </a:avLst>
+            </a:prstGeom>
+            <a:solidFill>
+              <a:schemeClr val="accent1">
+                <a:alpha val="80000"/>
+              </a:schemeClr>
+            </a:solidFill>
+            <a:ln>
+              <a:noFill/>
+            </a:ln>
+            <a:effectLst/>
+          </p:spPr>
+          <p:style>
+            <a:lnRef idx="1">
+              <a:schemeClr val="accent1"/>
+            </a:lnRef>
+            <a:fillRef idx="3">
+              <a:schemeClr val="accent1"/>
+            </a:fillRef>
+            <a:effectRef idx="2">
+              <a:schemeClr val="accent1"/>
+            </a:effectRef>
+            <a:fontRef idx="minor">
+              <a:schemeClr val="lt1"/>
+            </a:fontRef>
+          </p:style>
+        </p:sp>
+        <p:sp>
+          <p:nvSpPr>
+            <p:cNvPr id="33" name="Isosceles Triangle 32">
+              <a:extLst>
+                <a:ext uri="{FF2B5EF4-FFF2-40B4-BE49-F238E27FC236}">
+                  <a16:creationId xmlns:a16="http://schemas.microsoft.com/office/drawing/2014/main" id="{3E843863-7D25-4C01-9A17-E817CB6D998A}"/>
+                </a:ext>
+                <a:ext uri="{C183D7F6-B498-43B3-948B-1728B52AA6E4}">
+                  <adec:decorative xmlns:adec="http://schemas.microsoft.com/office/drawing/2017/decorative" val="1"/>
+                </a:ext>
+              </a:extLst>
+            </p:cNvPr>
+            <p:cNvSpPr/>
+            <p:nvPr>
+              <p:extLst>
+                <p:ext uri="{386F3935-93C4-4BCD-93E2-E3B085C9AB24}">
+                  <p16:designElem xmlns:p16="http://schemas.microsoft.com/office/powerpoint/2015/main" val="1"/>
+                </p:ext>
+              </p:extLst>
+            </p:nvPr>
+          </p:nvSpPr>
+          <p:spPr>
+            <a:xfrm>
+              <a:off x="0" y="4013200"/>
+              <a:ext cx="448733" cy="2844800"/>
+            </a:xfrm>
+            <a:prstGeom prst="triangle">
+              <a:avLst>
+                <a:gd name="adj" fmla="val 0"/>
+              </a:avLst>
+            </a:prstGeom>
+            <a:solidFill>
+              <a:schemeClr val="accent1">
+                <a:alpha val="85000"/>
+              </a:schemeClr>
+            </a:solidFill>
+            <a:ln>
+              <a:noFill/>
+            </a:ln>
+            <a:effectLst/>
+          </p:spPr>
+          <p:style>
+            <a:lnRef idx="1">
+              <a:schemeClr val="accent1"/>
+            </a:lnRef>
+            <a:fillRef idx="3">
+              <a:schemeClr val="accent1"/>
+            </a:fillRef>
+            <a:effectRef idx="2">
+              <a:schemeClr val="accent1"/>
+            </a:effectRef>
+            <a:fontRef idx="minor">
+              <a:schemeClr val="lt1"/>
+            </a:fontRef>
+          </p:style>
+        </p:sp>
+      </p:grpSp>
+      <p:sp>
+        <p:nvSpPr>
+          <p:cNvPr id="40" name="Rectangle 34">
+            <a:extLst>
+              <a:ext uri="{FF2B5EF4-FFF2-40B4-BE49-F238E27FC236}">
+                <a16:creationId xmlns:a16="http://schemas.microsoft.com/office/drawing/2014/main" id="{7941F9B1-B01B-4A84-89D9-B169AEB4E456}"/>
+              </a:ext>
+              <a:ext uri="{C183D7F6-B498-43B3-948B-1728B52AA6E4}">
+                <adec:decorative xmlns:adec="http://schemas.microsoft.com/office/drawing/2017/decorative" val="1"/>
+              </a:ext>
+            </a:extLst>
+          </p:cNvPr>
+          <p:cNvSpPr>
+            <a:spLocks noGrp="1" noRot="1" noChangeAspect="1" noMove="1" noResize="1" noEditPoints="1" noAdjustHandles="1" noChangeArrowheads="1" noChangeShapeType="1" noTextEdit="1"/>
+          </p:cNvSpPr>
+          <p:nvPr>
+            <p:extLst>
+              <p:ext uri="{386F3935-93C4-4BCD-93E2-E3B085C9AB24}">
+                <p16:designElem xmlns:p16="http://schemas.microsoft.com/office/powerpoint/2015/main" val="1"/>
+              </p:ext>
+            </p:extLst>
+          </p:nvPr>
+        </p:nvSpPr>
+        <p:spPr>
+          <a:xfrm>
+            <a:off x="477012" y="480060"/>
+            <a:ext cx="11237976" cy="5897880"/>
+          </a:xfrm>
+          <a:prstGeom prst="rect">
+            <a:avLst/>
+          </a:prstGeom>
+          <a:solidFill>
+            <a:srgbClr val="FFFFFF"/>
+          </a:solidFill>
+          <a:ln w="9525">
+            <a:noFill/>
+          </a:ln>
+          <a:effectLst>
+            <a:outerShdw blurRad="63500" dist="17780" dir="5400000" algn="t" rotWithShape="0">
+              <a:prstClr val="black">
+                <a:alpha val="43000"/>
+              </a:prstClr>
+            </a:outerShdw>
+          </a:effectLst>
+        </p:spPr>
+        <p:style>
+          <a:lnRef idx="2">
+            <a:schemeClr val="accent1">
+              <a:shade val="50000"/>
+            </a:schemeClr>
+          </a:lnRef>
+          <a:fillRef idx="1">
+            <a:schemeClr val="accent1"/>
+          </a:fillRef>
+          <a:effectRef idx="0">
+            <a:schemeClr val="accent1"/>
+          </a:effectRef>
+          <a:fontRef idx="minor">
+            <a:schemeClr val="lt1"/>
+          </a:fontRef>
+        </p:style>
+        <p:txBody>
+          <a:bodyPr rtlCol="0" anchor="ctr"/>
+          <a:lstStyle/>
+          <a:p>
+            <a:pPr algn="ctr"/>
+            <a:endParaRPr lang="en-US"/>
+          </a:p>
+        </p:txBody>
+      </p:sp>
+      <p:pic>
+        <p:nvPicPr>
+          <p:cNvPr id="5" name="Segnaposto contenuto 4">
+            <a:extLst>
+              <a:ext uri="{FF2B5EF4-FFF2-40B4-BE49-F238E27FC236}">
+                <a16:creationId xmlns:a16="http://schemas.microsoft.com/office/drawing/2014/main" id="{2B1AA894-96E6-453E-A6C5-1DFFAE11A3AE}"/>
+              </a:ext>
+            </a:extLst>
+          </p:cNvPr>
+          <p:cNvPicPr>
+            <a:picLocks noGrp="1" noChangeAspect="1"/>
+          </p:cNvPicPr>
+          <p:nvPr>
+            <p:ph idx="1"/>
+          </p:nvPr>
+        </p:nvPicPr>
+        <p:blipFill>
+          <a:blip r:embed="rId2">
+            <a:extLst>
+              <a:ext uri="{28A0092B-C50C-407E-A947-70E740481C1C}">
+                <a14:useLocalDpi xmlns:a14="http://schemas.microsoft.com/office/drawing/2010/main" val="0"/>
+              </a:ext>
+            </a:extLst>
+          </a:blip>
+          <a:stretch>
+            <a:fillRect/>
+          </a:stretch>
+        </p:blipFill>
+        <p:spPr>
+          <a:xfrm>
+            <a:off x="1942743" y="1131994"/>
+            <a:ext cx="8308390" cy="4590386"/>
+          </a:xfrm>
+          <a:prstGeom prst="rect">
+            <a:avLst/>
+          </a:prstGeom>
+        </p:spPr>
+      </p:pic>
+    </p:spTree>
+    <p:extLst>
+      <p:ext uri="{BB962C8B-B14F-4D97-AF65-F5344CB8AC3E}">
+        <p14:creationId xmlns:p14="http://schemas.microsoft.com/office/powerpoint/2010/main" val="3701905229"/>
+      </p:ext>
+    </p:extLst>
+  </p:cSld>
+  <p:clrMapOvr>
+    <a:masterClrMapping/>
+  </p:clrMapOvr>
+</p:sld>
+</file>
+
+<file path=ppt/slides/slide40.xml><?xml version="1.0" encoding="utf-8"?>
 <p:sld xmlns:a="http://schemas.openxmlformats.org/drawingml/2006/main" xmlns:r="http://schemas.openxmlformats.org/officeDocument/2006/relationships" xmlns:p="http://schemas.openxmlformats.org/presentationml/2006/main">
   <p:cSld>
     <p:bg>
@@ -41207,1558 +42956,7 @@
 </p:sld>
 </file>
 
-<file path=ppt/slides/slide4.xml><?xml version="1.0" encoding="utf-8"?>
-<p:sld xmlns:a="http://schemas.openxmlformats.org/drawingml/2006/main" xmlns:r="http://schemas.openxmlformats.org/officeDocument/2006/relationships" xmlns:p="http://schemas.openxmlformats.org/presentationml/2006/main">
-  <p:cSld>
-    <p:bg>
-      <p:bgPr>
-        <a:solidFill>
-          <a:schemeClr val="bg1"/>
-        </a:solidFill>
-        <a:effectLst/>
-      </p:bgPr>
-    </p:bg>
-    <p:spTree>
-      <p:nvGrpSpPr>
-        <p:cNvPr id="1" name=""/>
-        <p:cNvGrpSpPr/>
-        <p:nvPr/>
-      </p:nvGrpSpPr>
-      <p:grpSpPr>
-        <a:xfrm>
-          <a:off x="0" y="0"/>
-          <a:ext cx="0" cy="0"/>
-          <a:chOff x="0" y="0"/>
-          <a:chExt cx="0" cy="0"/>
-        </a:xfrm>
-      </p:grpSpPr>
-      <p:grpSp>
-        <p:nvGrpSpPr>
-          <p:cNvPr id="37" name="Group 9">
-            <a:extLst>
-              <a:ext uri="{FF2B5EF4-FFF2-40B4-BE49-F238E27FC236}">
-                <a16:creationId xmlns:a16="http://schemas.microsoft.com/office/drawing/2014/main" id="{609316A9-990D-4EC3-A671-70EE5C1493A4}"/>
-              </a:ext>
-              <a:ext uri="{C183D7F6-B498-43B3-948B-1728B52AA6E4}">
-                <adec:decorative xmlns:adec="http://schemas.microsoft.com/office/drawing/2017/decorative" val="1"/>
-              </a:ext>
-            </a:extLst>
-          </p:cNvPr>
-          <p:cNvGrpSpPr>
-            <a:grpSpLocks noGrp="1" noUngrp="1" noRot="1" noChangeAspect="1" noMove="1" noResize="1"/>
-          </p:cNvGrpSpPr>
-          <p:nvPr>
-            <p:extLst>
-              <p:ext uri="{386F3935-93C4-4BCD-93E2-E3B085C9AB24}">
-                <p16:designElem xmlns:p16="http://schemas.microsoft.com/office/powerpoint/2015/main" val="1"/>
-              </p:ext>
-            </p:extLst>
-          </p:nvPr>
-        </p:nvGrpSpPr>
-        <p:grpSpPr>
-          <a:xfrm>
-            <a:off x="0" y="-8467"/>
-            <a:ext cx="12192000" cy="6866467"/>
-            <a:chOff x="0" y="-8467"/>
-            <a:chExt cx="12192000" cy="6866467"/>
-          </a:xfrm>
-        </p:grpSpPr>
-        <p:cxnSp>
-          <p:nvCxnSpPr>
-            <p:cNvPr id="11" name="Straight Connector 10">
-              <a:extLst>
-                <a:ext uri="{FF2B5EF4-FFF2-40B4-BE49-F238E27FC236}">
-                  <a16:creationId xmlns:a16="http://schemas.microsoft.com/office/drawing/2014/main" id="{9B0C6109-9159-49CA-AD7A-F9035539DB7F}"/>
-                </a:ext>
-                <a:ext uri="{C183D7F6-B498-43B3-948B-1728B52AA6E4}">
-                  <adec:decorative xmlns:adec="http://schemas.microsoft.com/office/drawing/2017/decorative" val="1"/>
-                </a:ext>
-              </a:extLst>
-            </p:cNvPr>
-            <p:cNvCxnSpPr/>
-            <p:nvPr>
-              <p:extLst>
-                <p:ext uri="{386F3935-93C4-4BCD-93E2-E3B085C9AB24}">
-                  <p16:designElem xmlns:p16="http://schemas.microsoft.com/office/powerpoint/2015/main" val="1"/>
-                </p:ext>
-              </p:extLst>
-            </p:nvPr>
-          </p:nvCxnSpPr>
-          <p:spPr>
-            <a:xfrm>
-              <a:off x="9371012" y="0"/>
-              <a:ext cx="1219200" cy="6858000"/>
-            </a:xfrm>
-            <a:prstGeom prst="line">
-              <a:avLst/>
-            </a:prstGeom>
-            <a:ln w="9525">
-              <a:solidFill>
-                <a:schemeClr val="bg1">
-                  <a:lumMod val="75000"/>
-                </a:schemeClr>
-              </a:solidFill>
-            </a:ln>
-          </p:spPr>
-          <p:style>
-            <a:lnRef idx="2">
-              <a:schemeClr val="accent1"/>
-            </a:lnRef>
-            <a:fillRef idx="0">
-              <a:schemeClr val="accent1"/>
-            </a:fillRef>
-            <a:effectRef idx="1">
-              <a:schemeClr val="accent1"/>
-            </a:effectRef>
-            <a:fontRef idx="minor">
-              <a:schemeClr val="tx1"/>
-            </a:fontRef>
-          </p:style>
-        </p:cxnSp>
-        <p:cxnSp>
-          <p:nvCxnSpPr>
-            <p:cNvPr id="12" name="Straight Connector 11">
-              <a:extLst>
-                <a:ext uri="{FF2B5EF4-FFF2-40B4-BE49-F238E27FC236}">
-                  <a16:creationId xmlns:a16="http://schemas.microsoft.com/office/drawing/2014/main" id="{686F14F5-308C-4EB6-87AB-05DE9501B1AA}"/>
-                </a:ext>
-                <a:ext uri="{C183D7F6-B498-43B3-948B-1728B52AA6E4}">
-                  <adec:decorative xmlns:adec="http://schemas.microsoft.com/office/drawing/2017/decorative" val="1"/>
-                </a:ext>
-              </a:extLst>
-            </p:cNvPr>
-            <p:cNvCxnSpPr/>
-            <p:nvPr>
-              <p:extLst>
-                <p:ext uri="{386F3935-93C4-4BCD-93E2-E3B085C9AB24}">
-                  <p16:designElem xmlns:p16="http://schemas.microsoft.com/office/powerpoint/2015/main" val="1"/>
-                </p:ext>
-              </p:extLst>
-            </p:nvPr>
-          </p:nvCxnSpPr>
-          <p:spPr>
-            <a:xfrm flipH="1">
-              <a:off x="7425267" y="3681413"/>
-              <a:ext cx="4763558" cy="3176587"/>
-            </a:xfrm>
-            <a:prstGeom prst="line">
-              <a:avLst/>
-            </a:prstGeom>
-            <a:ln w="9525">
-              <a:solidFill>
-                <a:schemeClr val="bg1">
-                  <a:lumMod val="85000"/>
-                </a:schemeClr>
-              </a:solidFill>
-            </a:ln>
-          </p:spPr>
-          <p:style>
-            <a:lnRef idx="2">
-              <a:schemeClr val="accent1"/>
-            </a:lnRef>
-            <a:fillRef idx="0">
-              <a:schemeClr val="accent1"/>
-            </a:fillRef>
-            <a:effectRef idx="1">
-              <a:schemeClr val="accent1"/>
-            </a:effectRef>
-            <a:fontRef idx="minor">
-              <a:schemeClr val="tx1"/>
-            </a:fontRef>
-          </p:style>
-        </p:cxnSp>
-        <p:sp>
-          <p:nvSpPr>
-            <p:cNvPr id="13" name="Rectangle 23">
-              <a:extLst>
-                <a:ext uri="{FF2B5EF4-FFF2-40B4-BE49-F238E27FC236}">
-                  <a16:creationId xmlns:a16="http://schemas.microsoft.com/office/drawing/2014/main" id="{BA032363-A188-47C5-9D59-9B788809DCD2}"/>
-                </a:ext>
-                <a:ext uri="{C183D7F6-B498-43B3-948B-1728B52AA6E4}">
-                  <adec:decorative xmlns:adec="http://schemas.microsoft.com/office/drawing/2017/decorative" val="1"/>
-                </a:ext>
-              </a:extLst>
-            </p:cNvPr>
-            <p:cNvSpPr/>
-            <p:nvPr>
-              <p:extLst>
-                <p:ext uri="{386F3935-93C4-4BCD-93E2-E3B085C9AB24}">
-                  <p16:designElem xmlns:p16="http://schemas.microsoft.com/office/powerpoint/2015/main" val="1"/>
-                </p:ext>
-              </p:extLst>
-            </p:nvPr>
-          </p:nvSpPr>
-          <p:spPr>
-            <a:xfrm>
-              <a:off x="9181476" y="-8467"/>
-              <a:ext cx="3007349" cy="6866467"/>
-            </a:xfrm>
-            <a:custGeom>
-              <a:avLst/>
-              <a:gdLst/>
-              <a:ahLst/>
-              <a:cxnLst/>
-              <a:rect l="l" t="t" r="r" b="b"/>
-              <a:pathLst>
-                <a:path w="3007349" h="6866467">
-                  <a:moveTo>
-                    <a:pt x="2045532" y="0"/>
-                  </a:moveTo>
-                  <a:lnTo>
-                    <a:pt x="3007349" y="0"/>
-                  </a:lnTo>
-                  <a:lnTo>
-                    <a:pt x="3007349" y="6866467"/>
-                  </a:lnTo>
-                  <a:lnTo>
-                    <a:pt x="0" y="6866467"/>
-                  </a:lnTo>
-                  <a:lnTo>
-                    <a:pt x="2045532" y="0"/>
-                  </a:lnTo>
-                  <a:close/>
-                </a:path>
-              </a:pathLst>
-            </a:custGeom>
-            <a:solidFill>
-              <a:schemeClr val="accent1">
-                <a:alpha val="30000"/>
-              </a:schemeClr>
-            </a:solidFill>
-            <a:ln>
-              <a:noFill/>
-            </a:ln>
-            <a:effectLst/>
-          </p:spPr>
-          <p:style>
-            <a:lnRef idx="1">
-              <a:schemeClr val="accent1"/>
-            </a:lnRef>
-            <a:fillRef idx="3">
-              <a:schemeClr val="accent1"/>
-            </a:fillRef>
-            <a:effectRef idx="2">
-              <a:schemeClr val="accent1"/>
-            </a:effectRef>
-            <a:fontRef idx="minor">
-              <a:schemeClr val="lt1"/>
-            </a:fontRef>
-          </p:style>
-        </p:sp>
-        <p:sp>
-          <p:nvSpPr>
-            <p:cNvPr id="14" name="Rectangle 25">
-              <a:extLst>
-                <a:ext uri="{FF2B5EF4-FFF2-40B4-BE49-F238E27FC236}">
-                  <a16:creationId xmlns:a16="http://schemas.microsoft.com/office/drawing/2014/main" id="{2C4077DF-6BB9-4069-AD28-6B1664EBB064}"/>
-                </a:ext>
-                <a:ext uri="{C183D7F6-B498-43B3-948B-1728B52AA6E4}">
-                  <adec:decorative xmlns:adec="http://schemas.microsoft.com/office/drawing/2017/decorative" val="1"/>
-                </a:ext>
-              </a:extLst>
-            </p:cNvPr>
-            <p:cNvSpPr/>
-            <p:nvPr>
-              <p:extLst>
-                <p:ext uri="{386F3935-93C4-4BCD-93E2-E3B085C9AB24}">
-                  <p16:designElem xmlns:p16="http://schemas.microsoft.com/office/powerpoint/2015/main" val="1"/>
-                </p:ext>
-              </p:extLst>
-            </p:nvPr>
-          </p:nvSpPr>
-          <p:spPr>
-            <a:xfrm>
-              <a:off x="9603442" y="-8467"/>
-              <a:ext cx="2588558" cy="6866467"/>
-            </a:xfrm>
-            <a:custGeom>
-              <a:avLst/>
-              <a:gdLst/>
-              <a:ahLst/>
-              <a:cxnLst/>
-              <a:rect l="l" t="t" r="r" b="b"/>
-              <a:pathLst>
-                <a:path w="2573311" h="6866467">
-                  <a:moveTo>
-                    <a:pt x="0" y="0"/>
-                  </a:moveTo>
-                  <a:lnTo>
-                    <a:pt x="2573311" y="0"/>
-                  </a:lnTo>
-                  <a:lnTo>
-                    <a:pt x="2573311" y="6866467"/>
-                  </a:lnTo>
-                  <a:lnTo>
-                    <a:pt x="1202336" y="6866467"/>
-                  </a:lnTo>
-                  <a:lnTo>
-                    <a:pt x="0" y="0"/>
-                  </a:lnTo>
-                  <a:close/>
-                </a:path>
-              </a:pathLst>
-            </a:custGeom>
-            <a:solidFill>
-              <a:schemeClr val="accent1">
-                <a:alpha val="20000"/>
-              </a:schemeClr>
-            </a:solidFill>
-            <a:ln>
-              <a:noFill/>
-            </a:ln>
-            <a:effectLst/>
-          </p:spPr>
-          <p:style>
-            <a:lnRef idx="1">
-              <a:schemeClr val="accent1"/>
-            </a:lnRef>
-            <a:fillRef idx="3">
-              <a:schemeClr val="accent1"/>
-            </a:fillRef>
-            <a:effectRef idx="2">
-              <a:schemeClr val="accent1"/>
-            </a:effectRef>
-            <a:fontRef idx="minor">
-              <a:schemeClr val="lt1"/>
-            </a:fontRef>
-          </p:style>
-        </p:sp>
-        <p:sp>
-          <p:nvSpPr>
-            <p:cNvPr id="15" name="Isosceles Triangle 14">
-              <a:extLst>
-                <a:ext uri="{FF2B5EF4-FFF2-40B4-BE49-F238E27FC236}">
-                  <a16:creationId xmlns:a16="http://schemas.microsoft.com/office/drawing/2014/main" id="{1D2B8B50-3419-41ED-9A9F-3CF9EEBBD3F2}"/>
-                </a:ext>
-                <a:ext uri="{C183D7F6-B498-43B3-948B-1728B52AA6E4}">
-                  <adec:decorative xmlns:adec="http://schemas.microsoft.com/office/drawing/2017/decorative" val="1"/>
-                </a:ext>
-              </a:extLst>
-            </p:cNvPr>
-            <p:cNvSpPr/>
-            <p:nvPr>
-              <p:extLst>
-                <p:ext uri="{386F3935-93C4-4BCD-93E2-E3B085C9AB24}">
-                  <p16:designElem xmlns:p16="http://schemas.microsoft.com/office/powerpoint/2015/main" val="1"/>
-                </p:ext>
-              </p:extLst>
-            </p:nvPr>
-          </p:nvSpPr>
-          <p:spPr>
-            <a:xfrm>
-              <a:off x="8932333" y="3048000"/>
-              <a:ext cx="3259667" cy="3810000"/>
-            </a:xfrm>
-            <a:prstGeom prst="triangle">
-              <a:avLst>
-                <a:gd name="adj" fmla="val 100000"/>
-              </a:avLst>
-            </a:prstGeom>
-            <a:solidFill>
-              <a:schemeClr val="accent2">
-                <a:alpha val="72000"/>
-              </a:schemeClr>
-            </a:solidFill>
-            <a:ln>
-              <a:noFill/>
-            </a:ln>
-            <a:effectLst/>
-          </p:spPr>
-          <p:style>
-            <a:lnRef idx="1">
-              <a:schemeClr val="accent1"/>
-            </a:lnRef>
-            <a:fillRef idx="3">
-              <a:schemeClr val="accent1"/>
-            </a:fillRef>
-            <a:effectRef idx="2">
-              <a:schemeClr val="accent1"/>
-            </a:effectRef>
-            <a:fontRef idx="minor">
-              <a:schemeClr val="lt1"/>
-            </a:fontRef>
-          </p:style>
-        </p:sp>
-        <p:sp>
-          <p:nvSpPr>
-            <p:cNvPr id="16" name="Rectangle 27">
-              <a:extLst>
-                <a:ext uri="{FF2B5EF4-FFF2-40B4-BE49-F238E27FC236}">
-                  <a16:creationId xmlns:a16="http://schemas.microsoft.com/office/drawing/2014/main" id="{5C640498-2E73-4FA2-BEB6-C3596A458C8A}"/>
-                </a:ext>
-                <a:ext uri="{C183D7F6-B498-43B3-948B-1728B52AA6E4}">
-                  <adec:decorative xmlns:adec="http://schemas.microsoft.com/office/drawing/2017/decorative" val="1"/>
-                </a:ext>
-              </a:extLst>
-            </p:cNvPr>
-            <p:cNvSpPr/>
-            <p:nvPr>
-              <p:extLst>
-                <p:ext uri="{386F3935-93C4-4BCD-93E2-E3B085C9AB24}">
-                  <p16:designElem xmlns:p16="http://schemas.microsoft.com/office/powerpoint/2015/main" val="1"/>
-                </p:ext>
-              </p:extLst>
-            </p:nvPr>
-          </p:nvSpPr>
-          <p:spPr>
-            <a:xfrm>
-              <a:off x="9334500" y="-8467"/>
-              <a:ext cx="2854326" cy="6866467"/>
-            </a:xfrm>
-            <a:custGeom>
-              <a:avLst/>
-              <a:gdLst/>
-              <a:ahLst/>
-              <a:cxnLst/>
-              <a:rect l="l" t="t" r="r" b="b"/>
-              <a:pathLst>
-                <a:path w="2858013" h="6866467">
-                  <a:moveTo>
-                    <a:pt x="0" y="0"/>
-                  </a:moveTo>
-                  <a:lnTo>
-                    <a:pt x="2858013" y="0"/>
-                  </a:lnTo>
-                  <a:lnTo>
-                    <a:pt x="2858013" y="6866467"/>
-                  </a:lnTo>
-                  <a:lnTo>
-                    <a:pt x="2473942" y="6866467"/>
-                  </a:lnTo>
-                  <a:lnTo>
-                    <a:pt x="0" y="0"/>
-                  </a:lnTo>
-                  <a:close/>
-                </a:path>
-              </a:pathLst>
-            </a:custGeom>
-            <a:solidFill>
-              <a:schemeClr val="accent2">
-                <a:lumMod val="75000"/>
-                <a:alpha val="70000"/>
-              </a:schemeClr>
-            </a:solidFill>
-            <a:ln>
-              <a:noFill/>
-            </a:ln>
-            <a:effectLst/>
-          </p:spPr>
-          <p:style>
-            <a:lnRef idx="1">
-              <a:schemeClr val="accent1"/>
-            </a:lnRef>
-            <a:fillRef idx="3">
-              <a:schemeClr val="accent1"/>
-            </a:fillRef>
-            <a:effectRef idx="2">
-              <a:schemeClr val="accent1"/>
-            </a:effectRef>
-            <a:fontRef idx="minor">
-              <a:schemeClr val="lt1"/>
-            </a:fontRef>
-          </p:style>
-        </p:sp>
-        <p:sp>
-          <p:nvSpPr>
-            <p:cNvPr id="17" name="Rectangle 28">
-              <a:extLst>
-                <a:ext uri="{FF2B5EF4-FFF2-40B4-BE49-F238E27FC236}">
-                  <a16:creationId xmlns:a16="http://schemas.microsoft.com/office/drawing/2014/main" id="{3240EEFC-4112-4C39-A816-C815774F6D69}"/>
-                </a:ext>
-                <a:ext uri="{C183D7F6-B498-43B3-948B-1728B52AA6E4}">
-                  <adec:decorative xmlns:adec="http://schemas.microsoft.com/office/drawing/2017/decorative" val="1"/>
-                </a:ext>
-              </a:extLst>
-            </p:cNvPr>
-            <p:cNvSpPr/>
-            <p:nvPr>
-              <p:extLst>
-                <p:ext uri="{386F3935-93C4-4BCD-93E2-E3B085C9AB24}">
-                  <p16:designElem xmlns:p16="http://schemas.microsoft.com/office/powerpoint/2015/main" val="1"/>
-                </p:ext>
-              </p:extLst>
-            </p:nvPr>
-          </p:nvSpPr>
-          <p:spPr>
-            <a:xfrm>
-              <a:off x="10898730" y="-8467"/>
-              <a:ext cx="1290094" cy="6866467"/>
-            </a:xfrm>
-            <a:custGeom>
-              <a:avLst/>
-              <a:gdLst/>
-              <a:ahLst/>
-              <a:cxnLst/>
-              <a:rect l="l" t="t" r="r" b="b"/>
-              <a:pathLst>
-                <a:path w="1290094" h="6858000">
-                  <a:moveTo>
-                    <a:pt x="1019735" y="0"/>
-                  </a:moveTo>
-                  <a:lnTo>
-                    <a:pt x="1290094" y="0"/>
-                  </a:lnTo>
-                  <a:lnTo>
-                    <a:pt x="1290094" y="6858000"/>
-                  </a:lnTo>
-                  <a:lnTo>
-                    <a:pt x="0" y="6858000"/>
-                  </a:lnTo>
-                  <a:lnTo>
-                    <a:pt x="1019735" y="0"/>
-                  </a:lnTo>
-                  <a:close/>
-                </a:path>
-              </a:pathLst>
-            </a:custGeom>
-            <a:solidFill>
-              <a:schemeClr val="accent1">
-                <a:lumMod val="60000"/>
-                <a:lumOff val="40000"/>
-                <a:alpha val="70000"/>
-              </a:schemeClr>
-            </a:solidFill>
-            <a:ln>
-              <a:noFill/>
-            </a:ln>
-            <a:effectLst/>
-          </p:spPr>
-          <p:style>
-            <a:lnRef idx="1">
-              <a:schemeClr val="accent1"/>
-            </a:lnRef>
-            <a:fillRef idx="3">
-              <a:schemeClr val="accent1"/>
-            </a:fillRef>
-            <a:effectRef idx="2">
-              <a:schemeClr val="accent1"/>
-            </a:effectRef>
-            <a:fontRef idx="minor">
-              <a:schemeClr val="lt1"/>
-            </a:fontRef>
-          </p:style>
-        </p:sp>
-        <p:sp>
-          <p:nvSpPr>
-            <p:cNvPr id="18" name="Rectangle 29">
-              <a:extLst>
-                <a:ext uri="{FF2B5EF4-FFF2-40B4-BE49-F238E27FC236}">
-                  <a16:creationId xmlns:a16="http://schemas.microsoft.com/office/drawing/2014/main" id="{ADF362B0-03EA-4800-9FAA-9F128587E428}"/>
-                </a:ext>
-                <a:ext uri="{C183D7F6-B498-43B3-948B-1728B52AA6E4}">
-                  <adec:decorative xmlns:adec="http://schemas.microsoft.com/office/drawing/2017/decorative" val="1"/>
-                </a:ext>
-              </a:extLst>
-            </p:cNvPr>
-            <p:cNvSpPr/>
-            <p:nvPr>
-              <p:extLst>
-                <p:ext uri="{386F3935-93C4-4BCD-93E2-E3B085C9AB24}">
-                  <p16:designElem xmlns:p16="http://schemas.microsoft.com/office/powerpoint/2015/main" val="1"/>
-                </p:ext>
-              </p:extLst>
-            </p:nvPr>
-          </p:nvSpPr>
-          <p:spPr>
-            <a:xfrm>
-              <a:off x="10938999" y="-8467"/>
-              <a:ext cx="1249825" cy="6866467"/>
-            </a:xfrm>
-            <a:custGeom>
-              <a:avLst/>
-              <a:gdLst/>
-              <a:ahLst/>
-              <a:cxnLst/>
-              <a:rect l="l" t="t" r="r" b="b"/>
-              <a:pathLst>
-                <a:path w="1249825" h="6858000">
-                  <a:moveTo>
-                    <a:pt x="0" y="0"/>
-                  </a:moveTo>
-                  <a:lnTo>
-                    <a:pt x="1249825" y="0"/>
-                  </a:lnTo>
-                  <a:lnTo>
-                    <a:pt x="1249825" y="6858000"/>
-                  </a:lnTo>
-                  <a:lnTo>
-                    <a:pt x="1109382" y="6858000"/>
-                  </a:lnTo>
-                  <a:lnTo>
-                    <a:pt x="0" y="0"/>
-                  </a:lnTo>
-                  <a:close/>
-                </a:path>
-              </a:pathLst>
-            </a:custGeom>
-            <a:solidFill>
-              <a:schemeClr val="accent1">
-                <a:alpha val="65000"/>
-              </a:schemeClr>
-            </a:solidFill>
-            <a:ln>
-              <a:noFill/>
-            </a:ln>
-            <a:effectLst/>
-          </p:spPr>
-          <p:style>
-            <a:lnRef idx="1">
-              <a:schemeClr val="accent1"/>
-            </a:lnRef>
-            <a:fillRef idx="3">
-              <a:schemeClr val="accent1"/>
-            </a:fillRef>
-            <a:effectRef idx="2">
-              <a:schemeClr val="accent1"/>
-            </a:effectRef>
-            <a:fontRef idx="minor">
-              <a:schemeClr val="lt1"/>
-            </a:fontRef>
-          </p:style>
-        </p:sp>
-        <p:sp>
-          <p:nvSpPr>
-            <p:cNvPr id="19" name="Isosceles Triangle 18">
-              <a:extLst>
-                <a:ext uri="{FF2B5EF4-FFF2-40B4-BE49-F238E27FC236}">
-                  <a16:creationId xmlns:a16="http://schemas.microsoft.com/office/drawing/2014/main" id="{0BA84559-2F4C-4795-9246-4C563F942DB9}"/>
-                </a:ext>
-                <a:ext uri="{C183D7F6-B498-43B3-948B-1728B52AA6E4}">
-                  <adec:decorative xmlns:adec="http://schemas.microsoft.com/office/drawing/2017/decorative" val="1"/>
-                </a:ext>
-              </a:extLst>
-            </p:cNvPr>
-            <p:cNvSpPr/>
-            <p:nvPr>
-              <p:extLst>
-                <p:ext uri="{386F3935-93C4-4BCD-93E2-E3B085C9AB24}">
-                  <p16:designElem xmlns:p16="http://schemas.microsoft.com/office/powerpoint/2015/main" val="1"/>
-                </p:ext>
-              </p:extLst>
-            </p:nvPr>
-          </p:nvSpPr>
-          <p:spPr>
-            <a:xfrm>
-              <a:off x="10371666" y="3589867"/>
-              <a:ext cx="1817159" cy="3268133"/>
-            </a:xfrm>
-            <a:prstGeom prst="triangle">
-              <a:avLst>
-                <a:gd name="adj" fmla="val 100000"/>
-              </a:avLst>
-            </a:prstGeom>
-            <a:solidFill>
-              <a:schemeClr val="accent1">
-                <a:alpha val="80000"/>
-              </a:schemeClr>
-            </a:solidFill>
-            <a:ln>
-              <a:noFill/>
-            </a:ln>
-            <a:effectLst/>
-          </p:spPr>
-          <p:style>
-            <a:lnRef idx="1">
-              <a:schemeClr val="accent1"/>
-            </a:lnRef>
-            <a:fillRef idx="3">
-              <a:schemeClr val="accent1"/>
-            </a:fillRef>
-            <a:effectRef idx="2">
-              <a:schemeClr val="accent1"/>
-            </a:effectRef>
-            <a:fontRef idx="minor">
-              <a:schemeClr val="lt1"/>
-            </a:fontRef>
-          </p:style>
-        </p:sp>
-        <p:sp>
-          <p:nvSpPr>
-            <p:cNvPr id="20" name="Isosceles Triangle 19">
-              <a:extLst>
-                <a:ext uri="{FF2B5EF4-FFF2-40B4-BE49-F238E27FC236}">
-                  <a16:creationId xmlns:a16="http://schemas.microsoft.com/office/drawing/2014/main" id="{FA77A1AA-CA47-4A91-A0A1-0A8CE31A985E}"/>
-                </a:ext>
-                <a:ext uri="{C183D7F6-B498-43B3-948B-1728B52AA6E4}">
-                  <adec:decorative xmlns:adec="http://schemas.microsoft.com/office/drawing/2017/decorative" val="1"/>
-                </a:ext>
-              </a:extLst>
-            </p:cNvPr>
-            <p:cNvSpPr/>
-            <p:nvPr>
-              <p:extLst>
-                <p:ext uri="{386F3935-93C4-4BCD-93E2-E3B085C9AB24}">
-                  <p16:designElem xmlns:p16="http://schemas.microsoft.com/office/powerpoint/2015/main" val="1"/>
-                </p:ext>
-              </p:extLst>
-            </p:nvPr>
-          </p:nvSpPr>
-          <p:spPr>
-            <a:xfrm>
-              <a:off x="0" y="4013200"/>
-              <a:ext cx="448733" cy="2844800"/>
-            </a:xfrm>
-            <a:prstGeom prst="triangle">
-              <a:avLst>
-                <a:gd name="adj" fmla="val 0"/>
-              </a:avLst>
-            </a:prstGeom>
-            <a:solidFill>
-              <a:schemeClr val="accent1">
-                <a:alpha val="85000"/>
-              </a:schemeClr>
-            </a:solidFill>
-            <a:ln>
-              <a:noFill/>
-            </a:ln>
-            <a:effectLst/>
-          </p:spPr>
-          <p:style>
-            <a:lnRef idx="1">
-              <a:schemeClr val="accent1"/>
-            </a:lnRef>
-            <a:fillRef idx="3">
-              <a:schemeClr val="accent1"/>
-            </a:fillRef>
-            <a:effectRef idx="2">
-              <a:schemeClr val="accent1"/>
-            </a:effectRef>
-            <a:fontRef idx="minor">
-              <a:schemeClr val="lt1"/>
-            </a:fontRef>
-          </p:style>
-        </p:sp>
-      </p:grpSp>
-      <p:sp>
-        <p:nvSpPr>
-          <p:cNvPr id="38" name="Rectangle 21">
-            <a:extLst>
-              <a:ext uri="{FF2B5EF4-FFF2-40B4-BE49-F238E27FC236}">
-                <a16:creationId xmlns:a16="http://schemas.microsoft.com/office/drawing/2014/main" id="{03E8462A-FEBA-4848-81CC-3F8DA3E477BE}"/>
-              </a:ext>
-              <a:ext uri="{C183D7F6-B498-43B3-948B-1728B52AA6E4}">
-                <adec:decorative xmlns:adec="http://schemas.microsoft.com/office/drawing/2017/decorative" val="1"/>
-              </a:ext>
-            </a:extLst>
-          </p:cNvPr>
-          <p:cNvSpPr>
-            <a:spLocks noGrp="1" noRot="1" noChangeAspect="1" noMove="1" noResize="1" noEditPoints="1" noAdjustHandles="1" noChangeArrowheads="1" noChangeShapeType="1" noTextEdit="1"/>
-          </p:cNvSpPr>
-          <p:nvPr>
-            <p:extLst>
-              <p:ext uri="{386F3935-93C4-4BCD-93E2-E3B085C9AB24}">
-                <p16:designElem xmlns:p16="http://schemas.microsoft.com/office/powerpoint/2015/main" val="1"/>
-              </p:ext>
-            </p:extLst>
-          </p:nvPr>
-        </p:nvSpPr>
-        <p:spPr>
-          <a:xfrm>
-            <a:off x="0" y="0"/>
-            <a:ext cx="12188952" cy="6858000"/>
-          </a:xfrm>
-          <a:prstGeom prst="rect">
-            <a:avLst/>
-          </a:prstGeom>
-          <a:solidFill>
-            <a:schemeClr val="accent2"/>
-          </a:solidFill>
-          <a:ln>
-            <a:noFill/>
-          </a:ln>
-        </p:spPr>
-        <p:style>
-          <a:lnRef idx="2">
-            <a:schemeClr val="accent1">
-              <a:shade val="50000"/>
-            </a:schemeClr>
-          </a:lnRef>
-          <a:fillRef idx="1">
-            <a:schemeClr val="accent1"/>
-          </a:fillRef>
-          <a:effectRef idx="0">
-            <a:schemeClr val="accent1"/>
-          </a:effectRef>
-          <a:fontRef idx="minor">
-            <a:schemeClr val="lt1"/>
-          </a:fontRef>
-        </p:style>
-        <p:txBody>
-          <a:bodyPr rtlCol="0" anchor="ctr"/>
-          <a:lstStyle/>
-          <a:p>
-            <a:pPr algn="ctr"/>
-            <a:endParaRPr lang="en-US"/>
-          </a:p>
-        </p:txBody>
-      </p:sp>
-      <p:grpSp>
-        <p:nvGrpSpPr>
-          <p:cNvPr id="39" name="Group 23">
-            <a:extLst>
-              <a:ext uri="{FF2B5EF4-FFF2-40B4-BE49-F238E27FC236}">
-                <a16:creationId xmlns:a16="http://schemas.microsoft.com/office/drawing/2014/main" id="{2109F83F-40FE-4DB3-84CC-09FB3340D06D}"/>
-              </a:ext>
-              <a:ext uri="{C183D7F6-B498-43B3-948B-1728B52AA6E4}">
-                <adec:decorative xmlns:adec="http://schemas.microsoft.com/office/drawing/2017/decorative" val="1"/>
-              </a:ext>
-            </a:extLst>
-          </p:cNvPr>
-          <p:cNvGrpSpPr>
-            <a:grpSpLocks noGrp="1" noUngrp="1" noRot="1" noChangeAspect="1" noMove="1" noResize="1"/>
-          </p:cNvGrpSpPr>
-          <p:nvPr>
-            <p:extLst>
-              <p:ext uri="{386F3935-93C4-4BCD-93E2-E3B085C9AB24}">
-                <p16:designElem xmlns:p16="http://schemas.microsoft.com/office/powerpoint/2015/main" val="1"/>
-              </p:ext>
-            </p:extLst>
-          </p:nvPr>
-        </p:nvGrpSpPr>
-        <p:grpSpPr>
-          <a:xfrm>
-            <a:off x="0" y="-8467"/>
-            <a:ext cx="12192000" cy="6866467"/>
-            <a:chOff x="0" y="-8467"/>
-            <a:chExt cx="12192000" cy="6866467"/>
-          </a:xfrm>
-        </p:grpSpPr>
-        <p:cxnSp>
-          <p:nvCxnSpPr>
-            <p:cNvPr id="25" name="Straight Connector 24">
-              <a:extLst>
-                <a:ext uri="{FF2B5EF4-FFF2-40B4-BE49-F238E27FC236}">
-                  <a16:creationId xmlns:a16="http://schemas.microsoft.com/office/drawing/2014/main" id="{1DE492D7-C3C3-48FF-80C8-37021EA0262F}"/>
-                </a:ext>
-                <a:ext uri="{C183D7F6-B498-43B3-948B-1728B52AA6E4}">
-                  <adec:decorative xmlns:adec="http://schemas.microsoft.com/office/drawing/2017/decorative" val="1"/>
-                </a:ext>
-              </a:extLst>
-            </p:cNvPr>
-            <p:cNvCxnSpPr/>
-            <p:nvPr>
-              <p:extLst>
-                <p:ext uri="{386F3935-93C4-4BCD-93E2-E3B085C9AB24}">
-                  <p16:designElem xmlns:p16="http://schemas.microsoft.com/office/powerpoint/2015/main" val="1"/>
-                </p:ext>
-              </p:extLst>
-            </p:nvPr>
-          </p:nvCxnSpPr>
-          <p:spPr>
-            <a:xfrm flipH="1">
-              <a:off x="7425267" y="3681413"/>
-              <a:ext cx="4763558" cy="3176587"/>
-            </a:xfrm>
-            <a:prstGeom prst="line">
-              <a:avLst/>
-            </a:prstGeom>
-            <a:ln w="9525">
-              <a:solidFill>
-                <a:schemeClr val="bg1">
-                  <a:lumMod val="85000"/>
-                </a:schemeClr>
-              </a:solidFill>
-            </a:ln>
-          </p:spPr>
-          <p:style>
-            <a:lnRef idx="2">
-              <a:schemeClr val="accent1"/>
-            </a:lnRef>
-            <a:fillRef idx="0">
-              <a:schemeClr val="accent1"/>
-            </a:fillRef>
-            <a:effectRef idx="1">
-              <a:schemeClr val="accent1"/>
-            </a:effectRef>
-            <a:fontRef idx="minor">
-              <a:schemeClr val="tx1"/>
-            </a:fontRef>
-          </p:style>
-        </p:cxnSp>
-        <p:sp>
-          <p:nvSpPr>
-            <p:cNvPr id="26" name="Rectangle 23">
-              <a:extLst>
-                <a:ext uri="{FF2B5EF4-FFF2-40B4-BE49-F238E27FC236}">
-                  <a16:creationId xmlns:a16="http://schemas.microsoft.com/office/drawing/2014/main" id="{0B30FF97-2E9A-490A-AED2-90BA2E0EC17F}"/>
-                </a:ext>
-                <a:ext uri="{C183D7F6-B498-43B3-948B-1728B52AA6E4}">
-                  <adec:decorative xmlns:adec="http://schemas.microsoft.com/office/drawing/2017/decorative" val="1"/>
-                </a:ext>
-              </a:extLst>
-            </p:cNvPr>
-            <p:cNvSpPr/>
-            <p:nvPr>
-              <p:extLst>
-                <p:ext uri="{386F3935-93C4-4BCD-93E2-E3B085C9AB24}">
-                  <p16:designElem xmlns:p16="http://schemas.microsoft.com/office/powerpoint/2015/main" val="1"/>
-                </p:ext>
-              </p:extLst>
-            </p:nvPr>
-          </p:nvSpPr>
-          <p:spPr>
-            <a:xfrm>
-              <a:off x="9181476" y="-8467"/>
-              <a:ext cx="3007349" cy="6866467"/>
-            </a:xfrm>
-            <a:custGeom>
-              <a:avLst/>
-              <a:gdLst/>
-              <a:ahLst/>
-              <a:cxnLst/>
-              <a:rect l="l" t="t" r="r" b="b"/>
-              <a:pathLst>
-                <a:path w="3007349" h="6866467">
-                  <a:moveTo>
-                    <a:pt x="2045532" y="0"/>
-                  </a:moveTo>
-                  <a:lnTo>
-                    <a:pt x="3007349" y="0"/>
-                  </a:lnTo>
-                  <a:lnTo>
-                    <a:pt x="3007349" y="6866467"/>
-                  </a:lnTo>
-                  <a:lnTo>
-                    <a:pt x="0" y="6866467"/>
-                  </a:lnTo>
-                  <a:lnTo>
-                    <a:pt x="2045532" y="0"/>
-                  </a:lnTo>
-                  <a:close/>
-                </a:path>
-              </a:pathLst>
-            </a:custGeom>
-            <a:solidFill>
-              <a:schemeClr val="accent1">
-                <a:alpha val="30000"/>
-              </a:schemeClr>
-            </a:solidFill>
-            <a:ln>
-              <a:noFill/>
-            </a:ln>
-            <a:effectLst/>
-          </p:spPr>
-          <p:style>
-            <a:lnRef idx="1">
-              <a:schemeClr val="accent1"/>
-            </a:lnRef>
-            <a:fillRef idx="3">
-              <a:schemeClr val="accent1"/>
-            </a:fillRef>
-            <a:effectRef idx="2">
-              <a:schemeClr val="accent1"/>
-            </a:effectRef>
-            <a:fontRef idx="minor">
-              <a:schemeClr val="lt1"/>
-            </a:fontRef>
-          </p:style>
-        </p:sp>
-        <p:sp>
-          <p:nvSpPr>
-            <p:cNvPr id="27" name="Rectangle 25">
-              <a:extLst>
-                <a:ext uri="{FF2B5EF4-FFF2-40B4-BE49-F238E27FC236}">
-                  <a16:creationId xmlns:a16="http://schemas.microsoft.com/office/drawing/2014/main" id="{B6D53C7D-A312-47B6-A66A-230A19CFACA6}"/>
-                </a:ext>
-                <a:ext uri="{C183D7F6-B498-43B3-948B-1728B52AA6E4}">
-                  <adec:decorative xmlns:adec="http://schemas.microsoft.com/office/drawing/2017/decorative" val="1"/>
-                </a:ext>
-              </a:extLst>
-            </p:cNvPr>
-            <p:cNvSpPr/>
-            <p:nvPr>
-              <p:extLst>
-                <p:ext uri="{386F3935-93C4-4BCD-93E2-E3B085C9AB24}">
-                  <p16:designElem xmlns:p16="http://schemas.microsoft.com/office/powerpoint/2015/main" val="1"/>
-                </p:ext>
-              </p:extLst>
-            </p:nvPr>
-          </p:nvSpPr>
-          <p:spPr>
-            <a:xfrm>
-              <a:off x="9603442" y="-8467"/>
-              <a:ext cx="2588558" cy="6866467"/>
-            </a:xfrm>
-            <a:custGeom>
-              <a:avLst/>
-              <a:gdLst/>
-              <a:ahLst/>
-              <a:cxnLst/>
-              <a:rect l="l" t="t" r="r" b="b"/>
-              <a:pathLst>
-                <a:path w="2573311" h="6866467">
-                  <a:moveTo>
-                    <a:pt x="0" y="0"/>
-                  </a:moveTo>
-                  <a:lnTo>
-                    <a:pt x="2573311" y="0"/>
-                  </a:lnTo>
-                  <a:lnTo>
-                    <a:pt x="2573311" y="6866467"/>
-                  </a:lnTo>
-                  <a:lnTo>
-                    <a:pt x="1202336" y="6866467"/>
-                  </a:lnTo>
-                  <a:lnTo>
-                    <a:pt x="0" y="0"/>
-                  </a:lnTo>
-                  <a:close/>
-                </a:path>
-              </a:pathLst>
-            </a:custGeom>
-            <a:solidFill>
-              <a:schemeClr val="accent1">
-                <a:alpha val="20000"/>
-              </a:schemeClr>
-            </a:solidFill>
-            <a:ln>
-              <a:noFill/>
-            </a:ln>
-            <a:effectLst/>
-          </p:spPr>
-          <p:style>
-            <a:lnRef idx="1">
-              <a:schemeClr val="accent1"/>
-            </a:lnRef>
-            <a:fillRef idx="3">
-              <a:schemeClr val="accent1"/>
-            </a:fillRef>
-            <a:effectRef idx="2">
-              <a:schemeClr val="accent1"/>
-            </a:effectRef>
-            <a:fontRef idx="minor">
-              <a:schemeClr val="lt1"/>
-            </a:fontRef>
-          </p:style>
-        </p:sp>
-        <p:sp>
-          <p:nvSpPr>
-            <p:cNvPr id="28" name="Isosceles Triangle 27">
-              <a:extLst>
-                <a:ext uri="{FF2B5EF4-FFF2-40B4-BE49-F238E27FC236}">
-                  <a16:creationId xmlns:a16="http://schemas.microsoft.com/office/drawing/2014/main" id="{9329D58C-0D2E-4A2B-AD6A-9CEE506784A8}"/>
-                </a:ext>
-                <a:ext uri="{C183D7F6-B498-43B3-948B-1728B52AA6E4}">
-                  <adec:decorative xmlns:adec="http://schemas.microsoft.com/office/drawing/2017/decorative" val="1"/>
-                </a:ext>
-              </a:extLst>
-            </p:cNvPr>
-            <p:cNvSpPr/>
-            <p:nvPr>
-              <p:extLst>
-                <p:ext uri="{386F3935-93C4-4BCD-93E2-E3B085C9AB24}">
-                  <p16:designElem xmlns:p16="http://schemas.microsoft.com/office/powerpoint/2015/main" val="1"/>
-                </p:ext>
-              </p:extLst>
-            </p:nvPr>
-          </p:nvSpPr>
-          <p:spPr>
-            <a:xfrm>
-              <a:off x="8932333" y="3048000"/>
-              <a:ext cx="3259667" cy="3810000"/>
-            </a:xfrm>
-            <a:prstGeom prst="triangle">
-              <a:avLst>
-                <a:gd name="adj" fmla="val 100000"/>
-              </a:avLst>
-            </a:prstGeom>
-            <a:solidFill>
-              <a:schemeClr val="accent2">
-                <a:alpha val="72000"/>
-              </a:schemeClr>
-            </a:solidFill>
-            <a:ln>
-              <a:noFill/>
-            </a:ln>
-            <a:effectLst/>
-          </p:spPr>
-          <p:style>
-            <a:lnRef idx="1">
-              <a:schemeClr val="accent1"/>
-            </a:lnRef>
-            <a:fillRef idx="3">
-              <a:schemeClr val="accent1"/>
-            </a:fillRef>
-            <a:effectRef idx="2">
-              <a:schemeClr val="accent1"/>
-            </a:effectRef>
-            <a:fontRef idx="minor">
-              <a:schemeClr val="lt1"/>
-            </a:fontRef>
-          </p:style>
-        </p:sp>
-        <p:sp>
-          <p:nvSpPr>
-            <p:cNvPr id="29" name="Rectangle 27">
-              <a:extLst>
-                <a:ext uri="{FF2B5EF4-FFF2-40B4-BE49-F238E27FC236}">
-                  <a16:creationId xmlns:a16="http://schemas.microsoft.com/office/drawing/2014/main" id="{9D446EDE-C690-4461-8BF2-7634808FC8B4}"/>
-                </a:ext>
-                <a:ext uri="{C183D7F6-B498-43B3-948B-1728B52AA6E4}">
-                  <adec:decorative xmlns:adec="http://schemas.microsoft.com/office/drawing/2017/decorative" val="1"/>
-                </a:ext>
-              </a:extLst>
-            </p:cNvPr>
-            <p:cNvSpPr/>
-            <p:nvPr>
-              <p:extLst>
-                <p:ext uri="{386F3935-93C4-4BCD-93E2-E3B085C9AB24}">
-                  <p16:designElem xmlns:p16="http://schemas.microsoft.com/office/powerpoint/2015/main" val="1"/>
-                </p:ext>
-              </p:extLst>
-            </p:nvPr>
-          </p:nvSpPr>
-          <p:spPr>
-            <a:xfrm>
-              <a:off x="9334500" y="-8467"/>
-              <a:ext cx="2854326" cy="6866467"/>
-            </a:xfrm>
-            <a:custGeom>
-              <a:avLst/>
-              <a:gdLst/>
-              <a:ahLst/>
-              <a:cxnLst/>
-              <a:rect l="l" t="t" r="r" b="b"/>
-              <a:pathLst>
-                <a:path w="2858013" h="6866467">
-                  <a:moveTo>
-                    <a:pt x="0" y="0"/>
-                  </a:moveTo>
-                  <a:lnTo>
-                    <a:pt x="2858013" y="0"/>
-                  </a:lnTo>
-                  <a:lnTo>
-                    <a:pt x="2858013" y="6866467"/>
-                  </a:lnTo>
-                  <a:lnTo>
-                    <a:pt x="2473942" y="6866467"/>
-                  </a:lnTo>
-                  <a:lnTo>
-                    <a:pt x="0" y="0"/>
-                  </a:lnTo>
-                  <a:close/>
-                </a:path>
-              </a:pathLst>
-            </a:custGeom>
-            <a:solidFill>
-              <a:schemeClr val="accent2">
-                <a:lumMod val="75000"/>
-                <a:alpha val="70000"/>
-              </a:schemeClr>
-            </a:solidFill>
-            <a:ln>
-              <a:noFill/>
-            </a:ln>
-            <a:effectLst/>
-          </p:spPr>
-          <p:style>
-            <a:lnRef idx="1">
-              <a:schemeClr val="accent1"/>
-            </a:lnRef>
-            <a:fillRef idx="3">
-              <a:schemeClr val="accent1"/>
-            </a:fillRef>
-            <a:effectRef idx="2">
-              <a:schemeClr val="accent1"/>
-            </a:effectRef>
-            <a:fontRef idx="minor">
-              <a:schemeClr val="lt1"/>
-            </a:fontRef>
-          </p:style>
-        </p:sp>
-        <p:sp>
-          <p:nvSpPr>
-            <p:cNvPr id="30" name="Rectangle 28">
-              <a:extLst>
-                <a:ext uri="{FF2B5EF4-FFF2-40B4-BE49-F238E27FC236}">
-                  <a16:creationId xmlns:a16="http://schemas.microsoft.com/office/drawing/2014/main" id="{323F3D34-6531-4AD7-A8C6-195A090281A1}"/>
-                </a:ext>
-                <a:ext uri="{C183D7F6-B498-43B3-948B-1728B52AA6E4}">
-                  <adec:decorative xmlns:adec="http://schemas.microsoft.com/office/drawing/2017/decorative" val="1"/>
-                </a:ext>
-              </a:extLst>
-            </p:cNvPr>
-            <p:cNvSpPr/>
-            <p:nvPr>
-              <p:extLst>
-                <p:ext uri="{386F3935-93C4-4BCD-93E2-E3B085C9AB24}">
-                  <p16:designElem xmlns:p16="http://schemas.microsoft.com/office/powerpoint/2015/main" val="1"/>
-                </p:ext>
-              </p:extLst>
-            </p:nvPr>
-          </p:nvSpPr>
-          <p:spPr>
-            <a:xfrm>
-              <a:off x="10898730" y="-8467"/>
-              <a:ext cx="1290094" cy="6866467"/>
-            </a:xfrm>
-            <a:custGeom>
-              <a:avLst/>
-              <a:gdLst/>
-              <a:ahLst/>
-              <a:cxnLst/>
-              <a:rect l="l" t="t" r="r" b="b"/>
-              <a:pathLst>
-                <a:path w="1290094" h="6858000">
-                  <a:moveTo>
-                    <a:pt x="1019735" y="0"/>
-                  </a:moveTo>
-                  <a:lnTo>
-                    <a:pt x="1290094" y="0"/>
-                  </a:lnTo>
-                  <a:lnTo>
-                    <a:pt x="1290094" y="6858000"/>
-                  </a:lnTo>
-                  <a:lnTo>
-                    <a:pt x="0" y="6858000"/>
-                  </a:lnTo>
-                  <a:lnTo>
-                    <a:pt x="1019735" y="0"/>
-                  </a:lnTo>
-                  <a:close/>
-                </a:path>
-              </a:pathLst>
-            </a:custGeom>
-            <a:solidFill>
-              <a:schemeClr val="accent1">
-                <a:lumMod val="60000"/>
-                <a:lumOff val="40000"/>
-                <a:alpha val="70000"/>
-              </a:schemeClr>
-            </a:solidFill>
-            <a:ln>
-              <a:noFill/>
-            </a:ln>
-            <a:effectLst/>
-          </p:spPr>
-          <p:style>
-            <a:lnRef idx="1">
-              <a:schemeClr val="accent1"/>
-            </a:lnRef>
-            <a:fillRef idx="3">
-              <a:schemeClr val="accent1"/>
-            </a:fillRef>
-            <a:effectRef idx="2">
-              <a:schemeClr val="accent1"/>
-            </a:effectRef>
-            <a:fontRef idx="minor">
-              <a:schemeClr val="lt1"/>
-            </a:fontRef>
-          </p:style>
-        </p:sp>
-        <p:sp>
-          <p:nvSpPr>
-            <p:cNvPr id="31" name="Rectangle 29">
-              <a:extLst>
-                <a:ext uri="{FF2B5EF4-FFF2-40B4-BE49-F238E27FC236}">
-                  <a16:creationId xmlns:a16="http://schemas.microsoft.com/office/drawing/2014/main" id="{B9B0AE3F-2350-435F-A9B0-C310BF876385}"/>
-                </a:ext>
-                <a:ext uri="{C183D7F6-B498-43B3-948B-1728B52AA6E4}">
-                  <adec:decorative xmlns:adec="http://schemas.microsoft.com/office/drawing/2017/decorative" val="1"/>
-                </a:ext>
-              </a:extLst>
-            </p:cNvPr>
-            <p:cNvSpPr/>
-            <p:nvPr>
-              <p:extLst>
-                <p:ext uri="{386F3935-93C4-4BCD-93E2-E3B085C9AB24}">
-                  <p16:designElem xmlns:p16="http://schemas.microsoft.com/office/powerpoint/2015/main" val="1"/>
-                </p:ext>
-              </p:extLst>
-            </p:nvPr>
-          </p:nvSpPr>
-          <p:spPr>
-            <a:xfrm>
-              <a:off x="10938999" y="-8467"/>
-              <a:ext cx="1249825" cy="6866467"/>
-            </a:xfrm>
-            <a:custGeom>
-              <a:avLst/>
-              <a:gdLst/>
-              <a:ahLst/>
-              <a:cxnLst/>
-              <a:rect l="l" t="t" r="r" b="b"/>
-              <a:pathLst>
-                <a:path w="1249825" h="6858000">
-                  <a:moveTo>
-                    <a:pt x="0" y="0"/>
-                  </a:moveTo>
-                  <a:lnTo>
-                    <a:pt x="1249825" y="0"/>
-                  </a:lnTo>
-                  <a:lnTo>
-                    <a:pt x="1249825" y="6858000"/>
-                  </a:lnTo>
-                  <a:lnTo>
-                    <a:pt x="1109382" y="6858000"/>
-                  </a:lnTo>
-                  <a:lnTo>
-                    <a:pt x="0" y="0"/>
-                  </a:lnTo>
-                  <a:close/>
-                </a:path>
-              </a:pathLst>
-            </a:custGeom>
-            <a:solidFill>
-              <a:schemeClr val="accent1">
-                <a:alpha val="65000"/>
-              </a:schemeClr>
-            </a:solidFill>
-            <a:ln>
-              <a:noFill/>
-            </a:ln>
-            <a:effectLst/>
-          </p:spPr>
-          <p:style>
-            <a:lnRef idx="1">
-              <a:schemeClr val="accent1"/>
-            </a:lnRef>
-            <a:fillRef idx="3">
-              <a:schemeClr val="accent1"/>
-            </a:fillRef>
-            <a:effectRef idx="2">
-              <a:schemeClr val="accent1"/>
-            </a:effectRef>
-            <a:fontRef idx="minor">
-              <a:schemeClr val="lt1"/>
-            </a:fontRef>
-          </p:style>
-        </p:sp>
-        <p:sp>
-          <p:nvSpPr>
-            <p:cNvPr id="32" name="Isosceles Triangle 31">
-              <a:extLst>
-                <a:ext uri="{FF2B5EF4-FFF2-40B4-BE49-F238E27FC236}">
-                  <a16:creationId xmlns:a16="http://schemas.microsoft.com/office/drawing/2014/main" id="{4EFA655C-9E50-4C14-A89E-AD7B648E4E2B}"/>
-                </a:ext>
-                <a:ext uri="{C183D7F6-B498-43B3-948B-1728B52AA6E4}">
-                  <adec:decorative xmlns:adec="http://schemas.microsoft.com/office/drawing/2017/decorative" val="1"/>
-                </a:ext>
-              </a:extLst>
-            </p:cNvPr>
-            <p:cNvSpPr/>
-            <p:nvPr>
-              <p:extLst>
-                <p:ext uri="{386F3935-93C4-4BCD-93E2-E3B085C9AB24}">
-                  <p16:designElem xmlns:p16="http://schemas.microsoft.com/office/powerpoint/2015/main" val="1"/>
-                </p:ext>
-              </p:extLst>
-            </p:nvPr>
-          </p:nvSpPr>
-          <p:spPr>
-            <a:xfrm>
-              <a:off x="10371666" y="3589867"/>
-              <a:ext cx="1817159" cy="3268133"/>
-            </a:xfrm>
-            <a:prstGeom prst="triangle">
-              <a:avLst>
-                <a:gd name="adj" fmla="val 100000"/>
-              </a:avLst>
-            </a:prstGeom>
-            <a:solidFill>
-              <a:schemeClr val="accent1">
-                <a:alpha val="80000"/>
-              </a:schemeClr>
-            </a:solidFill>
-            <a:ln>
-              <a:noFill/>
-            </a:ln>
-            <a:effectLst/>
-          </p:spPr>
-          <p:style>
-            <a:lnRef idx="1">
-              <a:schemeClr val="accent1"/>
-            </a:lnRef>
-            <a:fillRef idx="3">
-              <a:schemeClr val="accent1"/>
-            </a:fillRef>
-            <a:effectRef idx="2">
-              <a:schemeClr val="accent1"/>
-            </a:effectRef>
-            <a:fontRef idx="minor">
-              <a:schemeClr val="lt1"/>
-            </a:fontRef>
-          </p:style>
-        </p:sp>
-        <p:sp>
-          <p:nvSpPr>
-            <p:cNvPr id="33" name="Isosceles Triangle 32">
-              <a:extLst>
-                <a:ext uri="{FF2B5EF4-FFF2-40B4-BE49-F238E27FC236}">
-                  <a16:creationId xmlns:a16="http://schemas.microsoft.com/office/drawing/2014/main" id="{3E843863-7D25-4C01-9A17-E817CB6D998A}"/>
-                </a:ext>
-                <a:ext uri="{C183D7F6-B498-43B3-948B-1728B52AA6E4}">
-                  <adec:decorative xmlns:adec="http://schemas.microsoft.com/office/drawing/2017/decorative" val="1"/>
-                </a:ext>
-              </a:extLst>
-            </p:cNvPr>
-            <p:cNvSpPr/>
-            <p:nvPr>
-              <p:extLst>
-                <p:ext uri="{386F3935-93C4-4BCD-93E2-E3B085C9AB24}">
-                  <p16:designElem xmlns:p16="http://schemas.microsoft.com/office/powerpoint/2015/main" val="1"/>
-                </p:ext>
-              </p:extLst>
-            </p:nvPr>
-          </p:nvSpPr>
-          <p:spPr>
-            <a:xfrm>
-              <a:off x="0" y="4013200"/>
-              <a:ext cx="448733" cy="2844800"/>
-            </a:xfrm>
-            <a:prstGeom prst="triangle">
-              <a:avLst>
-                <a:gd name="adj" fmla="val 0"/>
-              </a:avLst>
-            </a:prstGeom>
-            <a:solidFill>
-              <a:schemeClr val="accent1">
-                <a:alpha val="85000"/>
-              </a:schemeClr>
-            </a:solidFill>
-            <a:ln>
-              <a:noFill/>
-            </a:ln>
-            <a:effectLst/>
-          </p:spPr>
-          <p:style>
-            <a:lnRef idx="1">
-              <a:schemeClr val="accent1"/>
-            </a:lnRef>
-            <a:fillRef idx="3">
-              <a:schemeClr val="accent1"/>
-            </a:fillRef>
-            <a:effectRef idx="2">
-              <a:schemeClr val="accent1"/>
-            </a:effectRef>
-            <a:fontRef idx="minor">
-              <a:schemeClr val="lt1"/>
-            </a:fontRef>
-          </p:style>
-        </p:sp>
-      </p:grpSp>
-      <p:sp>
-        <p:nvSpPr>
-          <p:cNvPr id="40" name="Rectangle 34">
-            <a:extLst>
-              <a:ext uri="{FF2B5EF4-FFF2-40B4-BE49-F238E27FC236}">
-                <a16:creationId xmlns:a16="http://schemas.microsoft.com/office/drawing/2014/main" id="{7941F9B1-B01B-4A84-89D9-B169AEB4E456}"/>
-              </a:ext>
-              <a:ext uri="{C183D7F6-B498-43B3-948B-1728B52AA6E4}">
-                <adec:decorative xmlns:adec="http://schemas.microsoft.com/office/drawing/2017/decorative" val="1"/>
-              </a:ext>
-            </a:extLst>
-          </p:cNvPr>
-          <p:cNvSpPr>
-            <a:spLocks noGrp="1" noRot="1" noChangeAspect="1" noMove="1" noResize="1" noEditPoints="1" noAdjustHandles="1" noChangeArrowheads="1" noChangeShapeType="1" noTextEdit="1"/>
-          </p:cNvSpPr>
-          <p:nvPr>
-            <p:extLst>
-              <p:ext uri="{386F3935-93C4-4BCD-93E2-E3B085C9AB24}">
-                <p16:designElem xmlns:p16="http://schemas.microsoft.com/office/powerpoint/2015/main" val="1"/>
-              </p:ext>
-            </p:extLst>
-          </p:nvPr>
-        </p:nvSpPr>
-        <p:spPr>
-          <a:xfrm>
-            <a:off x="477012" y="480060"/>
-            <a:ext cx="11237976" cy="5897880"/>
-          </a:xfrm>
-          <a:prstGeom prst="rect">
-            <a:avLst/>
-          </a:prstGeom>
-          <a:solidFill>
-            <a:srgbClr val="FFFFFF"/>
-          </a:solidFill>
-          <a:ln w="9525">
-            <a:noFill/>
-          </a:ln>
-          <a:effectLst>
-            <a:outerShdw blurRad="63500" dist="17780" dir="5400000" algn="t" rotWithShape="0">
-              <a:prstClr val="black">
-                <a:alpha val="43000"/>
-              </a:prstClr>
-            </a:outerShdw>
-          </a:effectLst>
-        </p:spPr>
-        <p:style>
-          <a:lnRef idx="2">
-            <a:schemeClr val="accent1">
-              <a:shade val="50000"/>
-            </a:schemeClr>
-          </a:lnRef>
-          <a:fillRef idx="1">
-            <a:schemeClr val="accent1"/>
-          </a:fillRef>
-          <a:effectRef idx="0">
-            <a:schemeClr val="accent1"/>
-          </a:effectRef>
-          <a:fontRef idx="minor">
-            <a:schemeClr val="lt1"/>
-          </a:fontRef>
-        </p:style>
-        <p:txBody>
-          <a:bodyPr rtlCol="0" anchor="ctr"/>
-          <a:lstStyle/>
-          <a:p>
-            <a:pPr algn="ctr"/>
-            <a:endParaRPr lang="en-US"/>
-          </a:p>
-        </p:txBody>
-      </p:sp>
-      <p:pic>
-        <p:nvPicPr>
-          <p:cNvPr id="5" name="Segnaposto contenuto 4">
-            <a:extLst>
-              <a:ext uri="{FF2B5EF4-FFF2-40B4-BE49-F238E27FC236}">
-                <a16:creationId xmlns:a16="http://schemas.microsoft.com/office/drawing/2014/main" id="{2B1AA894-96E6-453E-A6C5-1DFFAE11A3AE}"/>
-              </a:ext>
-            </a:extLst>
-          </p:cNvPr>
-          <p:cNvPicPr>
-            <a:picLocks noGrp="1" noChangeAspect="1"/>
-          </p:cNvPicPr>
-          <p:nvPr>
-            <p:ph idx="1"/>
-          </p:nvPr>
-        </p:nvPicPr>
-        <p:blipFill>
-          <a:blip r:embed="rId2">
-            <a:extLst>
-              <a:ext uri="{28A0092B-C50C-407E-A947-70E740481C1C}">
-                <a14:useLocalDpi xmlns:a14="http://schemas.microsoft.com/office/drawing/2010/main" val="0"/>
-              </a:ext>
-            </a:extLst>
-          </a:blip>
-          <a:stretch>
-            <a:fillRect/>
-          </a:stretch>
-        </p:blipFill>
-        <p:spPr>
-          <a:xfrm>
-            <a:off x="1942743" y="1131994"/>
-            <a:ext cx="8308390" cy="4590386"/>
-          </a:xfrm>
-          <a:prstGeom prst="rect">
-            <a:avLst/>
-          </a:prstGeom>
-        </p:spPr>
-      </p:pic>
-    </p:spTree>
-    <p:extLst>
-      <p:ext uri="{BB962C8B-B14F-4D97-AF65-F5344CB8AC3E}">
-        <p14:creationId xmlns:p14="http://schemas.microsoft.com/office/powerpoint/2010/main" val="3701905229"/>
-      </p:ext>
-    </p:extLst>
-  </p:cSld>
-  <p:clrMapOvr>
-    <a:masterClrMapping/>
-  </p:clrMapOvr>
-</p:sld>
-</file>
-
-<file path=ppt/slides/slide40.xml><?xml version="1.0" encoding="utf-8"?>
+<file path=ppt/slides/slide41.xml><?xml version="1.0" encoding="utf-8"?>
 <p:sld xmlns:a="http://schemas.openxmlformats.org/drawingml/2006/main" xmlns:r="http://schemas.openxmlformats.org/officeDocument/2006/relationships" xmlns:p="http://schemas.openxmlformats.org/presentationml/2006/main">
   <p:cSld>
     <p:bg>
@@ -43840,7 +44038,7 @@
 </p:sld>
 </file>
 
-<file path=ppt/slides/slide41.xml><?xml version="1.0" encoding="utf-8"?>
+<file path=ppt/slides/slide42.xml><?xml version="1.0" encoding="utf-8"?>
 <p:sld xmlns:a="http://schemas.openxmlformats.org/drawingml/2006/main" xmlns:r="http://schemas.openxmlformats.org/officeDocument/2006/relationships" xmlns:p="http://schemas.openxmlformats.org/presentationml/2006/main">
   <p:cSld>
     <p:bg>
@@ -44917,7 +45115,7 @@
 </p:sld>
 </file>
 
-<file path=ppt/slides/slide42.xml><?xml version="1.0" encoding="utf-8"?>
+<file path=ppt/slides/slide43.xml><?xml version="1.0" encoding="utf-8"?>
 <p:sld xmlns:a="http://schemas.openxmlformats.org/drawingml/2006/main" xmlns:r="http://schemas.openxmlformats.org/officeDocument/2006/relationships" xmlns:p="http://schemas.openxmlformats.org/presentationml/2006/main">
   <p:cSld>
     <p:bg>
@@ -45998,7 +46196,7 @@
 </p:sld>
 </file>
 
-<file path=ppt/slides/slide43.xml><?xml version="1.0" encoding="utf-8"?>
+<file path=ppt/slides/slide44.xml><?xml version="1.0" encoding="utf-8"?>
 <p:sld xmlns:a="http://schemas.openxmlformats.org/drawingml/2006/main" xmlns:r="http://schemas.openxmlformats.org/officeDocument/2006/relationships" xmlns:p="http://schemas.openxmlformats.org/presentationml/2006/main">
   <p:cSld>
     <p:bg>
@@ -47444,7 +47642,7 @@
 </p:sld>
 </file>
 
-<file path=ppt/slides/slide44.xml><?xml version="1.0" encoding="utf-8"?>
+<file path=ppt/slides/slide45.xml><?xml version="1.0" encoding="utf-8"?>
 <p:sld xmlns:a="http://schemas.openxmlformats.org/drawingml/2006/main" xmlns:r="http://schemas.openxmlformats.org/officeDocument/2006/relationships" xmlns:p="http://schemas.openxmlformats.org/presentationml/2006/main">
   <p:cSld>
     <p:spTree>
@@ -47954,7 +48152,7 @@
 </p:sld>
 </file>
 
-<file path=ppt/slides/slide45.xml><?xml version="1.0" encoding="utf-8"?>
+<file path=ppt/slides/slide46.xml><?xml version="1.0" encoding="utf-8"?>
 <p:sld xmlns:a="http://schemas.openxmlformats.org/drawingml/2006/main" xmlns:r="http://schemas.openxmlformats.org/officeDocument/2006/relationships" xmlns:p="http://schemas.openxmlformats.org/presentationml/2006/main">
   <p:cSld>
     <p:spTree>
@@ -48475,7 +48673,7 @@
 </p:sld>
 </file>
 
-<file path=ppt/slides/slide46.xml><?xml version="1.0" encoding="utf-8"?>
+<file path=ppt/slides/slide47.xml><?xml version="1.0" encoding="utf-8"?>
 <p:sld xmlns:a="http://schemas.openxmlformats.org/drawingml/2006/main" xmlns:r="http://schemas.openxmlformats.org/officeDocument/2006/relationships" xmlns:p="http://schemas.openxmlformats.org/presentationml/2006/main">
   <p:cSld>
     <p:bg>
